--- a/general-tech-figures.pptx
+++ b/general-tech-figures.pptx
@@ -6,6 +6,10 @@
   </p:sldMasterIdLst>
   <p:sldIdLst>
     <p:sldId id="256" r:id="rId2"/>
+    <p:sldId id="257" r:id="rId3"/>
+    <p:sldId id="258" r:id="rId4"/>
+    <p:sldId id="259" r:id="rId5"/>
+    <p:sldId id="260" r:id="rId6"/>
   </p:sldIdLst>
   <p:sldSz cx="6858000" cy="9144000" type="letter"/>
   <p:notesSz cx="6858000" cy="9144000"/>
@@ -254,7 +258,7 @@
           <a:p>
             <a:fld id="{BFBBFCFE-809B-4AE5-92DC-0D51595F6FEA}" type="datetimeFigureOut">
               <a:rPr lang="en-US" smtClean="0"/>
-              <a:t>10/12/2023</a:t>
+              <a:t>11/11/2023</a:t>
             </a:fld>
             <a:endParaRPr lang="en-US"/>
           </a:p>
@@ -424,7 +428,7 @@
           <a:p>
             <a:fld id="{BFBBFCFE-809B-4AE5-92DC-0D51595F6FEA}" type="datetimeFigureOut">
               <a:rPr lang="en-US" smtClean="0"/>
-              <a:t>10/12/2023</a:t>
+              <a:t>11/11/2023</a:t>
             </a:fld>
             <a:endParaRPr lang="en-US"/>
           </a:p>
@@ -604,7 +608,7 @@
           <a:p>
             <a:fld id="{BFBBFCFE-809B-4AE5-92DC-0D51595F6FEA}" type="datetimeFigureOut">
               <a:rPr lang="en-US" smtClean="0"/>
-              <a:t>10/12/2023</a:t>
+              <a:t>11/11/2023</a:t>
             </a:fld>
             <a:endParaRPr lang="en-US"/>
           </a:p>
@@ -774,7 +778,7 @@
           <a:p>
             <a:fld id="{BFBBFCFE-809B-4AE5-92DC-0D51595F6FEA}" type="datetimeFigureOut">
               <a:rPr lang="en-US" smtClean="0"/>
-              <a:t>10/12/2023</a:t>
+              <a:t>11/11/2023</a:t>
             </a:fld>
             <a:endParaRPr lang="en-US"/>
           </a:p>
@@ -1018,7 +1022,7 @@
           <a:p>
             <a:fld id="{BFBBFCFE-809B-4AE5-92DC-0D51595F6FEA}" type="datetimeFigureOut">
               <a:rPr lang="en-US" smtClean="0"/>
-              <a:t>10/12/2023</a:t>
+              <a:t>11/11/2023</a:t>
             </a:fld>
             <a:endParaRPr lang="en-US"/>
           </a:p>
@@ -1250,7 +1254,7 @@
           <a:p>
             <a:fld id="{BFBBFCFE-809B-4AE5-92DC-0D51595F6FEA}" type="datetimeFigureOut">
               <a:rPr lang="en-US" smtClean="0"/>
-              <a:t>10/12/2023</a:t>
+              <a:t>11/11/2023</a:t>
             </a:fld>
             <a:endParaRPr lang="en-US"/>
           </a:p>
@@ -1617,7 +1621,7 @@
           <a:p>
             <a:fld id="{BFBBFCFE-809B-4AE5-92DC-0D51595F6FEA}" type="datetimeFigureOut">
               <a:rPr lang="en-US" smtClean="0"/>
-              <a:t>10/12/2023</a:t>
+              <a:t>11/11/2023</a:t>
             </a:fld>
             <a:endParaRPr lang="en-US"/>
           </a:p>
@@ -1735,7 +1739,7 @@
           <a:p>
             <a:fld id="{BFBBFCFE-809B-4AE5-92DC-0D51595F6FEA}" type="datetimeFigureOut">
               <a:rPr lang="en-US" smtClean="0"/>
-              <a:t>10/12/2023</a:t>
+              <a:t>11/11/2023</a:t>
             </a:fld>
             <a:endParaRPr lang="en-US"/>
           </a:p>
@@ -1830,7 +1834,7 @@
           <a:p>
             <a:fld id="{BFBBFCFE-809B-4AE5-92DC-0D51595F6FEA}" type="datetimeFigureOut">
               <a:rPr lang="en-US" smtClean="0"/>
-              <a:t>10/12/2023</a:t>
+              <a:t>11/11/2023</a:t>
             </a:fld>
             <a:endParaRPr lang="en-US"/>
           </a:p>
@@ -2107,7 +2111,7 @@
           <a:p>
             <a:fld id="{BFBBFCFE-809B-4AE5-92DC-0D51595F6FEA}" type="datetimeFigureOut">
               <a:rPr lang="en-US" smtClean="0"/>
-              <a:t>10/12/2023</a:t>
+              <a:t>11/11/2023</a:t>
             </a:fld>
             <a:endParaRPr lang="en-US"/>
           </a:p>
@@ -2364,7 +2368,7 @@
           <a:p>
             <a:fld id="{BFBBFCFE-809B-4AE5-92DC-0D51595F6FEA}" type="datetimeFigureOut">
               <a:rPr lang="en-US" smtClean="0"/>
-              <a:t>10/12/2023</a:t>
+              <a:t>11/11/2023</a:t>
             </a:fld>
             <a:endParaRPr lang="en-US"/>
           </a:p>
@@ -2577,7 +2581,7 @@
           <a:p>
             <a:fld id="{BFBBFCFE-809B-4AE5-92DC-0D51595F6FEA}" type="datetimeFigureOut">
               <a:rPr lang="en-US" smtClean="0"/>
-              <a:t>10/12/2023</a:t>
+              <a:t>11/11/2023</a:t>
             </a:fld>
             <a:endParaRPr lang="en-US"/>
           </a:p>
@@ -4561,6 +4565,3839 @@
 </p:sld>
 </file>
 
+<file path=ppt/slides/slide2.xml><?xml version="1.0" encoding="utf-8"?>
+<p:sld xmlns:a="http://schemas.openxmlformats.org/drawingml/2006/main" xmlns:r="http://schemas.openxmlformats.org/officeDocument/2006/relationships" xmlns:p="http://schemas.openxmlformats.org/presentationml/2006/main">
+  <p:cSld>
+    <p:spTree>
+      <p:nvGrpSpPr>
+        <p:cNvPr id="1" name=""/>
+        <p:cNvGrpSpPr/>
+        <p:nvPr/>
+      </p:nvGrpSpPr>
+      <p:grpSpPr>
+        <a:xfrm>
+          <a:off x="0" y="0"/>
+          <a:ext cx="0" cy="0"/>
+          <a:chOff x="0" y="0"/>
+          <a:chExt cx="0" cy="0"/>
+        </a:xfrm>
+      </p:grpSpPr>
+      <p:grpSp>
+        <p:nvGrpSpPr>
+          <p:cNvPr id="1042" name="Group 1041">
+            <a:extLst>
+              <a:ext uri="{FF2B5EF4-FFF2-40B4-BE49-F238E27FC236}">
+                <a16:creationId xmlns:a16="http://schemas.microsoft.com/office/drawing/2014/main" id="{D30FDF22-A22D-67D6-3880-DCE375A00F87}"/>
+              </a:ext>
+            </a:extLst>
+          </p:cNvPr>
+          <p:cNvGrpSpPr/>
+          <p:nvPr/>
+        </p:nvGrpSpPr>
+        <p:grpSpPr>
+          <a:xfrm>
+            <a:off x="3636965" y="1146454"/>
+            <a:ext cx="2584450" cy="1263372"/>
+            <a:chOff x="3636965" y="1060729"/>
+            <a:chExt cx="2584450" cy="1263372"/>
+          </a:xfrm>
+        </p:grpSpPr>
+        <p:sp>
+          <p:nvSpPr>
+            <p:cNvPr id="2" name="Rectangle 1">
+              <a:extLst>
+                <a:ext uri="{FF2B5EF4-FFF2-40B4-BE49-F238E27FC236}">
+                  <a16:creationId xmlns:a16="http://schemas.microsoft.com/office/drawing/2014/main" id="{D5CFEBA9-8F1D-1892-DBB9-DC8DD48FABB8}"/>
+                </a:ext>
+              </a:extLst>
+            </p:cNvPr>
+            <p:cNvSpPr/>
+            <p:nvPr/>
+          </p:nvSpPr>
+          <p:spPr>
+            <a:xfrm>
+              <a:off x="3784602" y="1477086"/>
+              <a:ext cx="2289175" cy="591378"/>
+            </a:xfrm>
+            <a:prstGeom prst="rect">
+              <a:avLst/>
+            </a:prstGeom>
+            <a:noFill/>
+          </p:spPr>
+          <p:style>
+            <a:lnRef idx="2">
+              <a:schemeClr val="accent1">
+                <a:shade val="15000"/>
+              </a:schemeClr>
+            </a:lnRef>
+            <a:fillRef idx="1">
+              <a:schemeClr val="accent1"/>
+            </a:fillRef>
+            <a:effectRef idx="0">
+              <a:schemeClr val="accent1"/>
+            </a:effectRef>
+            <a:fontRef idx="minor">
+              <a:schemeClr val="lt1"/>
+            </a:fontRef>
+          </p:style>
+          <p:txBody>
+            <a:bodyPr rtlCol="0" anchor="ctr"/>
+            <a:lstStyle/>
+            <a:p>
+              <a:pPr algn="ctr"/>
+              <a:r>
+                <a:rPr lang="en-US" sz="1050" dirty="0">
+                  <a:solidFill>
+                    <a:schemeClr val="tx1"/>
+                  </a:solidFill>
+                </a:rPr>
+                <a:t>Transactional Tables</a:t>
+              </a:r>
+            </a:p>
+          </p:txBody>
+        </p:sp>
+        <p:sp>
+          <p:nvSpPr>
+            <p:cNvPr id="3" name="Rectangle 2">
+              <a:extLst>
+                <a:ext uri="{FF2B5EF4-FFF2-40B4-BE49-F238E27FC236}">
+                  <a16:creationId xmlns:a16="http://schemas.microsoft.com/office/drawing/2014/main" id="{3E894905-8535-493F-1D89-9BEA71A50AAB}"/>
+                </a:ext>
+              </a:extLst>
+            </p:cNvPr>
+            <p:cNvSpPr/>
+            <p:nvPr/>
+          </p:nvSpPr>
+          <p:spPr>
+            <a:xfrm>
+              <a:off x="3636965" y="1327063"/>
+              <a:ext cx="2584450" cy="997038"/>
+            </a:xfrm>
+            <a:prstGeom prst="rect">
+              <a:avLst/>
+            </a:prstGeom>
+            <a:noFill/>
+          </p:spPr>
+          <p:style>
+            <a:lnRef idx="2">
+              <a:schemeClr val="accent1">
+                <a:shade val="15000"/>
+              </a:schemeClr>
+            </a:lnRef>
+            <a:fillRef idx="1">
+              <a:schemeClr val="accent1"/>
+            </a:fillRef>
+            <a:effectRef idx="0">
+              <a:schemeClr val="accent1"/>
+            </a:effectRef>
+            <a:fontRef idx="minor">
+              <a:schemeClr val="lt1"/>
+            </a:fontRef>
+          </p:style>
+          <p:txBody>
+            <a:bodyPr rtlCol="0" anchor="ctr"/>
+            <a:lstStyle/>
+            <a:p>
+              <a:pPr algn="ctr"/>
+              <a:endParaRPr lang="en-US" sz="1400" dirty="0">
+                <a:solidFill>
+                  <a:schemeClr val="tx1"/>
+                </a:solidFill>
+              </a:endParaRPr>
+            </a:p>
+          </p:txBody>
+        </p:sp>
+        <p:sp>
+          <p:nvSpPr>
+            <p:cNvPr id="7" name="TextBox 6">
+              <a:extLst>
+                <a:ext uri="{FF2B5EF4-FFF2-40B4-BE49-F238E27FC236}">
+                  <a16:creationId xmlns:a16="http://schemas.microsoft.com/office/drawing/2014/main" id="{387B5F79-AE57-D139-69CD-8BAD4B77ACFA}"/>
+                </a:ext>
+              </a:extLst>
+            </p:cNvPr>
+            <p:cNvSpPr txBox="1"/>
+            <p:nvPr/>
+          </p:nvSpPr>
+          <p:spPr>
+            <a:xfrm flipH="1">
+              <a:off x="3636965" y="1060729"/>
+              <a:ext cx="1701800" cy="261610"/>
+            </a:xfrm>
+            <a:prstGeom prst="rect">
+              <a:avLst/>
+            </a:prstGeom>
+            <a:noFill/>
+          </p:spPr>
+          <p:txBody>
+            <a:bodyPr wrap="square" rtlCol="0">
+              <a:spAutoFit/>
+            </a:bodyPr>
+            <a:lstStyle/>
+            <a:p>
+              <a:r>
+                <a:rPr lang="en-US" sz="1100" dirty="0"/>
+                <a:t>Transactional DB</a:t>
+              </a:r>
+            </a:p>
+          </p:txBody>
+        </p:sp>
+      </p:grpSp>
+      <p:sp>
+        <p:nvSpPr>
+          <p:cNvPr id="13" name="Rectangle 12">
+            <a:extLst>
+              <a:ext uri="{FF2B5EF4-FFF2-40B4-BE49-F238E27FC236}">
+                <a16:creationId xmlns:a16="http://schemas.microsoft.com/office/drawing/2014/main" id="{F0CB5A7B-6E49-D392-D99B-50AA229A099B}"/>
+              </a:ext>
+            </a:extLst>
+          </p:cNvPr>
+          <p:cNvSpPr/>
+          <p:nvPr/>
+        </p:nvSpPr>
+        <p:spPr>
+          <a:xfrm>
+            <a:off x="679448" y="5058486"/>
+            <a:ext cx="2289175" cy="591378"/>
+          </a:xfrm>
+          <a:prstGeom prst="rect">
+            <a:avLst/>
+          </a:prstGeom>
+          <a:noFill/>
+        </p:spPr>
+        <p:style>
+          <a:lnRef idx="2">
+            <a:schemeClr val="accent1">
+              <a:shade val="15000"/>
+            </a:schemeClr>
+          </a:lnRef>
+          <a:fillRef idx="1">
+            <a:schemeClr val="accent1"/>
+          </a:fillRef>
+          <a:effectRef idx="0">
+            <a:schemeClr val="accent1"/>
+          </a:effectRef>
+          <a:fontRef idx="minor">
+            <a:schemeClr val="lt1"/>
+          </a:fontRef>
+        </p:style>
+        <p:txBody>
+          <a:bodyPr rtlCol="0" anchor="ctr"/>
+          <a:lstStyle/>
+          <a:p>
+            <a:pPr algn="ctr"/>
+            <a:r>
+              <a:rPr lang="en-US" sz="1050" dirty="0">
+                <a:solidFill>
+                  <a:schemeClr val="tx1"/>
+                </a:solidFill>
+              </a:rPr>
+              <a:t>Transactional Tables</a:t>
+            </a:r>
+          </a:p>
+        </p:txBody>
+      </p:sp>
+      <p:sp>
+        <p:nvSpPr>
+          <p:cNvPr id="17" name="Rectangle 16">
+            <a:extLst>
+              <a:ext uri="{FF2B5EF4-FFF2-40B4-BE49-F238E27FC236}">
+                <a16:creationId xmlns:a16="http://schemas.microsoft.com/office/drawing/2014/main" id="{02B8B0C7-68BC-71BB-EA1B-41F9379959C2}"/>
+              </a:ext>
+            </a:extLst>
+          </p:cNvPr>
+          <p:cNvSpPr/>
+          <p:nvPr/>
+        </p:nvSpPr>
+        <p:spPr>
+          <a:xfrm>
+            <a:off x="531811" y="4908462"/>
+            <a:ext cx="2584450" cy="1616155"/>
+          </a:xfrm>
+          <a:prstGeom prst="rect">
+            <a:avLst/>
+          </a:prstGeom>
+          <a:noFill/>
+        </p:spPr>
+        <p:style>
+          <a:lnRef idx="2">
+            <a:schemeClr val="accent1">
+              <a:shade val="15000"/>
+            </a:schemeClr>
+          </a:lnRef>
+          <a:fillRef idx="1">
+            <a:schemeClr val="accent1"/>
+          </a:fillRef>
+          <a:effectRef idx="0">
+            <a:schemeClr val="accent1"/>
+          </a:effectRef>
+          <a:fontRef idx="minor">
+            <a:schemeClr val="lt1"/>
+          </a:fontRef>
+        </p:style>
+        <p:txBody>
+          <a:bodyPr rtlCol="0" anchor="ctr"/>
+          <a:lstStyle/>
+          <a:p>
+            <a:pPr algn="ctr"/>
+            <a:endParaRPr lang="en-US" sz="1400" dirty="0">
+              <a:solidFill>
+                <a:schemeClr val="tx1"/>
+              </a:solidFill>
+            </a:endParaRPr>
+          </a:p>
+        </p:txBody>
+      </p:sp>
+      <p:sp>
+        <p:nvSpPr>
+          <p:cNvPr id="18" name="TextBox 17">
+            <a:extLst>
+              <a:ext uri="{FF2B5EF4-FFF2-40B4-BE49-F238E27FC236}">
+                <a16:creationId xmlns:a16="http://schemas.microsoft.com/office/drawing/2014/main" id="{489675B5-DBFA-471B-BAE3-7DC8DC5DB50B}"/>
+              </a:ext>
+            </a:extLst>
+          </p:cNvPr>
+          <p:cNvSpPr txBox="1"/>
+          <p:nvPr/>
+        </p:nvSpPr>
+        <p:spPr>
+          <a:xfrm flipH="1">
+            <a:off x="531810" y="4642129"/>
+            <a:ext cx="2289175" cy="261610"/>
+          </a:xfrm>
+          <a:prstGeom prst="rect">
+            <a:avLst/>
+          </a:prstGeom>
+          <a:noFill/>
+        </p:spPr>
+        <p:txBody>
+          <a:bodyPr wrap="square" rtlCol="0">
+            <a:spAutoFit/>
+          </a:bodyPr>
+          <a:lstStyle/>
+          <a:p>
+            <a:r>
+              <a:rPr lang="en-US" sz="1100" dirty="0"/>
+              <a:t>Transactional DB with Reporting</a:t>
+            </a:r>
+          </a:p>
+        </p:txBody>
+      </p:sp>
+      <p:sp>
+        <p:nvSpPr>
+          <p:cNvPr id="35" name="Rectangle 34">
+            <a:extLst>
+              <a:ext uri="{FF2B5EF4-FFF2-40B4-BE49-F238E27FC236}">
+                <a16:creationId xmlns:a16="http://schemas.microsoft.com/office/drawing/2014/main" id="{33A8124B-EDD5-242A-24BE-4B7443D9BBA7}"/>
+              </a:ext>
+            </a:extLst>
+          </p:cNvPr>
+          <p:cNvSpPr/>
+          <p:nvPr/>
+        </p:nvSpPr>
+        <p:spPr>
+          <a:xfrm>
+            <a:off x="679448" y="5716539"/>
+            <a:ext cx="1077914" cy="294564"/>
+          </a:xfrm>
+          <a:prstGeom prst="rect">
+            <a:avLst/>
+          </a:prstGeom>
+          <a:noFill/>
+        </p:spPr>
+        <p:style>
+          <a:lnRef idx="2">
+            <a:schemeClr val="accent1">
+              <a:shade val="15000"/>
+            </a:schemeClr>
+          </a:lnRef>
+          <a:fillRef idx="1">
+            <a:schemeClr val="accent1"/>
+          </a:fillRef>
+          <a:effectRef idx="0">
+            <a:schemeClr val="accent1"/>
+          </a:effectRef>
+          <a:fontRef idx="minor">
+            <a:schemeClr val="lt1"/>
+          </a:fontRef>
+        </p:style>
+        <p:txBody>
+          <a:bodyPr rtlCol="0" anchor="ctr"/>
+          <a:lstStyle/>
+          <a:p>
+            <a:pPr algn="ctr"/>
+            <a:r>
+              <a:rPr lang="en-US" sz="1050" dirty="0">
+                <a:solidFill>
+                  <a:schemeClr val="tx1"/>
+                </a:solidFill>
+              </a:rPr>
+              <a:t>Roll up Tables</a:t>
+            </a:r>
+          </a:p>
+        </p:txBody>
+      </p:sp>
+      <p:sp>
+        <p:nvSpPr>
+          <p:cNvPr id="42" name="Rectangle 41">
+            <a:extLst>
+              <a:ext uri="{FF2B5EF4-FFF2-40B4-BE49-F238E27FC236}">
+                <a16:creationId xmlns:a16="http://schemas.microsoft.com/office/drawing/2014/main" id="{3D7B481F-BF8C-C255-7DFF-E76CB609A6E5}"/>
+              </a:ext>
+            </a:extLst>
+          </p:cNvPr>
+          <p:cNvSpPr/>
+          <p:nvPr/>
+        </p:nvSpPr>
+        <p:spPr>
+          <a:xfrm>
+            <a:off x="1867691" y="5720875"/>
+            <a:ext cx="1077914" cy="294564"/>
+          </a:xfrm>
+          <a:prstGeom prst="rect">
+            <a:avLst/>
+          </a:prstGeom>
+          <a:noFill/>
+        </p:spPr>
+        <p:style>
+          <a:lnRef idx="2">
+            <a:schemeClr val="accent1">
+              <a:shade val="15000"/>
+            </a:schemeClr>
+          </a:lnRef>
+          <a:fillRef idx="1">
+            <a:schemeClr val="accent1"/>
+          </a:fillRef>
+          <a:effectRef idx="0">
+            <a:schemeClr val="accent1"/>
+          </a:effectRef>
+          <a:fontRef idx="minor">
+            <a:schemeClr val="lt1"/>
+          </a:fontRef>
+        </p:style>
+        <p:txBody>
+          <a:bodyPr rtlCol="0" anchor="ctr"/>
+          <a:lstStyle/>
+          <a:p>
+            <a:pPr algn="ctr"/>
+            <a:r>
+              <a:rPr lang="en-US" sz="1050" dirty="0">
+                <a:solidFill>
+                  <a:schemeClr val="tx1"/>
+                </a:solidFill>
+              </a:rPr>
+              <a:t>Aggregate Tables</a:t>
+            </a:r>
+          </a:p>
+        </p:txBody>
+      </p:sp>
+      <p:sp>
+        <p:nvSpPr>
+          <p:cNvPr id="43" name="Rectangle 42">
+            <a:extLst>
+              <a:ext uri="{FF2B5EF4-FFF2-40B4-BE49-F238E27FC236}">
+                <a16:creationId xmlns:a16="http://schemas.microsoft.com/office/drawing/2014/main" id="{65A8833D-8A0C-4239-D40A-7084296FE20F}"/>
+              </a:ext>
+            </a:extLst>
+          </p:cNvPr>
+          <p:cNvSpPr/>
+          <p:nvPr/>
+        </p:nvSpPr>
+        <p:spPr>
+          <a:xfrm>
+            <a:off x="1133472" y="6118410"/>
+            <a:ext cx="1077914" cy="294564"/>
+          </a:xfrm>
+          <a:prstGeom prst="rect">
+            <a:avLst/>
+          </a:prstGeom>
+          <a:noFill/>
+        </p:spPr>
+        <p:style>
+          <a:lnRef idx="2">
+            <a:schemeClr val="accent1">
+              <a:shade val="15000"/>
+            </a:schemeClr>
+          </a:lnRef>
+          <a:fillRef idx="1">
+            <a:schemeClr val="accent1"/>
+          </a:fillRef>
+          <a:effectRef idx="0">
+            <a:schemeClr val="accent1"/>
+          </a:effectRef>
+          <a:fontRef idx="minor">
+            <a:schemeClr val="lt1"/>
+          </a:fontRef>
+        </p:style>
+        <p:txBody>
+          <a:bodyPr rtlCol="0" anchor="ctr"/>
+          <a:lstStyle/>
+          <a:p>
+            <a:pPr algn="ctr"/>
+            <a:r>
+              <a:rPr lang="en-US" sz="1050" dirty="0">
+                <a:solidFill>
+                  <a:schemeClr val="tx1"/>
+                </a:solidFill>
+              </a:rPr>
+              <a:t>Materialized Views</a:t>
+            </a:r>
+          </a:p>
+        </p:txBody>
+      </p:sp>
+      <p:sp>
+        <p:nvSpPr>
+          <p:cNvPr id="48" name="Rectangle 47">
+            <a:extLst>
+              <a:ext uri="{FF2B5EF4-FFF2-40B4-BE49-F238E27FC236}">
+                <a16:creationId xmlns:a16="http://schemas.microsoft.com/office/drawing/2014/main" id="{624218C8-5323-5DE1-630C-DF31DC5D5B84}"/>
+              </a:ext>
+            </a:extLst>
+          </p:cNvPr>
+          <p:cNvSpPr/>
+          <p:nvPr/>
+        </p:nvSpPr>
+        <p:spPr>
+          <a:xfrm>
+            <a:off x="3927478" y="5047288"/>
+            <a:ext cx="1206498" cy="591378"/>
+          </a:xfrm>
+          <a:prstGeom prst="rect">
+            <a:avLst/>
+          </a:prstGeom>
+          <a:noFill/>
+        </p:spPr>
+        <p:style>
+          <a:lnRef idx="2">
+            <a:schemeClr val="accent1">
+              <a:shade val="15000"/>
+            </a:schemeClr>
+          </a:lnRef>
+          <a:fillRef idx="1">
+            <a:schemeClr val="accent1"/>
+          </a:fillRef>
+          <a:effectRef idx="0">
+            <a:schemeClr val="accent1"/>
+          </a:effectRef>
+          <a:fontRef idx="minor">
+            <a:schemeClr val="lt1"/>
+          </a:fontRef>
+        </p:style>
+        <p:txBody>
+          <a:bodyPr rtlCol="0" anchor="ctr"/>
+          <a:lstStyle/>
+          <a:p>
+            <a:pPr algn="ctr"/>
+            <a:r>
+              <a:rPr lang="en-US" sz="1050" dirty="0" err="1">
+                <a:solidFill>
+                  <a:schemeClr val="tx1"/>
+                </a:solidFill>
+              </a:rPr>
+              <a:t>PowerBI</a:t>
+            </a:r>
+            <a:endParaRPr lang="en-US" sz="1050" dirty="0">
+              <a:solidFill>
+                <a:schemeClr val="tx1"/>
+              </a:solidFill>
+            </a:endParaRPr>
+          </a:p>
+        </p:txBody>
+      </p:sp>
+      <p:grpSp>
+        <p:nvGrpSpPr>
+          <p:cNvPr id="50" name="Group 49">
+            <a:extLst>
+              <a:ext uri="{FF2B5EF4-FFF2-40B4-BE49-F238E27FC236}">
+                <a16:creationId xmlns:a16="http://schemas.microsoft.com/office/drawing/2014/main" id="{0AB841C9-CE25-FF4D-EEA7-B1B42A034B03}"/>
+              </a:ext>
+            </a:extLst>
+          </p:cNvPr>
+          <p:cNvGrpSpPr/>
+          <p:nvPr/>
+        </p:nvGrpSpPr>
+        <p:grpSpPr>
+          <a:xfrm>
+            <a:off x="5416834" y="4905989"/>
+            <a:ext cx="628650" cy="665291"/>
+            <a:chOff x="5273959" y="1431748"/>
+            <a:chExt cx="628650" cy="665291"/>
+          </a:xfrm>
+        </p:grpSpPr>
+        <p:pic>
+          <p:nvPicPr>
+            <p:cNvPr id="1026" name="Picture 2" descr="Stick figures - People I saw at the park today : r/AdobeIllustrator">
+              <a:extLst>
+                <a:ext uri="{FF2B5EF4-FFF2-40B4-BE49-F238E27FC236}">
+                  <a16:creationId xmlns:a16="http://schemas.microsoft.com/office/drawing/2014/main" id="{35B0DEC1-67E3-E6D8-6F84-6EF8089F3766}"/>
+                </a:ext>
+              </a:extLst>
+            </p:cNvPr>
+            <p:cNvPicPr>
+              <a:picLocks noChangeAspect="1" noChangeArrowheads="1"/>
+            </p:cNvPicPr>
+            <p:nvPr/>
+          </p:nvPicPr>
+          <p:blipFill>
+            <a:blip r:embed="rId2">
+              <a:extLst>
+                <a:ext uri="{28A0092B-C50C-407E-A947-70E740481C1C}">
+                  <a14:useLocalDpi xmlns:a14="http://schemas.microsoft.com/office/drawing/2010/main" val="0"/>
+                </a:ext>
+              </a:extLst>
+            </a:blip>
+            <a:srcRect/>
+            <a:stretch>
+              <a:fillRect/>
+            </a:stretch>
+          </p:blipFill>
+          <p:spPr bwMode="auto">
+            <a:xfrm>
+              <a:off x="5353050" y="1431748"/>
+              <a:ext cx="530509" cy="514221"/>
+            </a:xfrm>
+            <a:prstGeom prst="rect">
+              <a:avLst/>
+            </a:prstGeom>
+            <a:noFill/>
+            <a:extLst>
+              <a:ext uri="{909E8E84-426E-40DD-AFC4-6F175D3DCCD1}">
+                <a14:hiddenFill xmlns:a14="http://schemas.microsoft.com/office/drawing/2010/main">
+                  <a:solidFill>
+                    <a:srgbClr val="FFFFFF"/>
+                  </a:solidFill>
+                </a14:hiddenFill>
+              </a:ext>
+            </a:extLst>
+          </p:spPr>
+        </p:pic>
+        <p:sp>
+          <p:nvSpPr>
+            <p:cNvPr id="49" name="TextBox 48">
+              <a:extLst>
+                <a:ext uri="{FF2B5EF4-FFF2-40B4-BE49-F238E27FC236}">
+                  <a16:creationId xmlns:a16="http://schemas.microsoft.com/office/drawing/2014/main" id="{A0BA4084-106E-CAAD-A33E-D446F38192FD}"/>
+                </a:ext>
+              </a:extLst>
+            </p:cNvPr>
+            <p:cNvSpPr txBox="1"/>
+            <p:nvPr/>
+          </p:nvSpPr>
+          <p:spPr>
+            <a:xfrm flipH="1">
+              <a:off x="5273959" y="1835429"/>
+              <a:ext cx="628650" cy="261610"/>
+            </a:xfrm>
+            <a:prstGeom prst="rect">
+              <a:avLst/>
+            </a:prstGeom>
+            <a:noFill/>
+          </p:spPr>
+          <p:txBody>
+            <a:bodyPr wrap="square" rtlCol="0">
+              <a:spAutoFit/>
+            </a:bodyPr>
+            <a:lstStyle/>
+            <a:p>
+              <a:pPr algn="ctr"/>
+              <a:r>
+                <a:rPr lang="en-US" sz="1100" dirty="0"/>
+                <a:t>Users</a:t>
+              </a:r>
+            </a:p>
+          </p:txBody>
+        </p:sp>
+      </p:grpSp>
+      <p:grpSp>
+        <p:nvGrpSpPr>
+          <p:cNvPr id="51" name="Group 50">
+            <a:extLst>
+              <a:ext uri="{FF2B5EF4-FFF2-40B4-BE49-F238E27FC236}">
+                <a16:creationId xmlns:a16="http://schemas.microsoft.com/office/drawing/2014/main" id="{9D6B2AEA-BE02-6E97-B49E-33A201066AE6}"/>
+              </a:ext>
+            </a:extLst>
+          </p:cNvPr>
+          <p:cNvGrpSpPr/>
+          <p:nvPr/>
+        </p:nvGrpSpPr>
+        <p:grpSpPr>
+          <a:xfrm>
+            <a:off x="4094163" y="5956623"/>
+            <a:ext cx="835027" cy="665291"/>
+            <a:chOff x="5181882" y="1431748"/>
+            <a:chExt cx="835027" cy="665291"/>
+          </a:xfrm>
+        </p:grpSpPr>
+        <p:pic>
+          <p:nvPicPr>
+            <p:cNvPr id="52" name="Picture 2" descr="Stick figures - People I saw at the park today : r/AdobeIllustrator">
+              <a:extLst>
+                <a:ext uri="{FF2B5EF4-FFF2-40B4-BE49-F238E27FC236}">
+                  <a16:creationId xmlns:a16="http://schemas.microsoft.com/office/drawing/2014/main" id="{C5D0775E-2843-D88A-FC22-3B33395D0660}"/>
+                </a:ext>
+              </a:extLst>
+            </p:cNvPr>
+            <p:cNvPicPr>
+              <a:picLocks noChangeAspect="1" noChangeArrowheads="1"/>
+            </p:cNvPicPr>
+            <p:nvPr/>
+          </p:nvPicPr>
+          <p:blipFill>
+            <a:blip r:embed="rId2">
+              <a:extLst>
+                <a:ext uri="{28A0092B-C50C-407E-A947-70E740481C1C}">
+                  <a14:useLocalDpi xmlns:a14="http://schemas.microsoft.com/office/drawing/2010/main" val="0"/>
+                </a:ext>
+              </a:extLst>
+            </a:blip>
+            <a:srcRect/>
+            <a:stretch>
+              <a:fillRect/>
+            </a:stretch>
+          </p:blipFill>
+          <p:spPr bwMode="auto">
+            <a:xfrm>
+              <a:off x="5353050" y="1431748"/>
+              <a:ext cx="530509" cy="514221"/>
+            </a:xfrm>
+            <a:prstGeom prst="rect">
+              <a:avLst/>
+            </a:prstGeom>
+            <a:noFill/>
+            <a:extLst>
+              <a:ext uri="{909E8E84-426E-40DD-AFC4-6F175D3DCCD1}">
+                <a14:hiddenFill xmlns:a14="http://schemas.microsoft.com/office/drawing/2010/main">
+                  <a:solidFill>
+                    <a:srgbClr val="FFFFFF"/>
+                  </a:solidFill>
+                </a14:hiddenFill>
+              </a:ext>
+            </a:extLst>
+          </p:spPr>
+        </p:pic>
+        <p:sp>
+          <p:nvSpPr>
+            <p:cNvPr id="53" name="TextBox 52">
+              <a:extLst>
+                <a:ext uri="{FF2B5EF4-FFF2-40B4-BE49-F238E27FC236}">
+                  <a16:creationId xmlns:a16="http://schemas.microsoft.com/office/drawing/2014/main" id="{D48C772D-EA5F-D3E7-80C0-05340C0026ED}"/>
+                </a:ext>
+              </a:extLst>
+            </p:cNvPr>
+            <p:cNvSpPr txBox="1"/>
+            <p:nvPr/>
+          </p:nvSpPr>
+          <p:spPr>
+            <a:xfrm flipH="1">
+              <a:off x="5181882" y="1835429"/>
+              <a:ext cx="835027" cy="261610"/>
+            </a:xfrm>
+            <a:prstGeom prst="rect">
+              <a:avLst/>
+            </a:prstGeom>
+            <a:noFill/>
+          </p:spPr>
+          <p:txBody>
+            <a:bodyPr wrap="square" rtlCol="0">
+              <a:spAutoFit/>
+            </a:bodyPr>
+            <a:lstStyle/>
+            <a:p>
+              <a:pPr algn="ctr"/>
+              <a:r>
+                <a:rPr lang="en-US" sz="1100" dirty="0"/>
+                <a:t>Developers</a:t>
+              </a:r>
+            </a:p>
+          </p:txBody>
+        </p:sp>
+      </p:grpSp>
+      <p:cxnSp>
+        <p:nvCxnSpPr>
+          <p:cNvPr id="55" name="Straight Arrow Connector 54">
+            <a:extLst>
+              <a:ext uri="{FF2B5EF4-FFF2-40B4-BE49-F238E27FC236}">
+                <a16:creationId xmlns:a16="http://schemas.microsoft.com/office/drawing/2014/main" id="{E97F37D6-54EA-1C7B-F71A-BE5B2B7338B6}"/>
+              </a:ext>
+            </a:extLst>
+          </p:cNvPr>
+          <p:cNvCxnSpPr>
+            <a:stCxn id="1026" idx="1"/>
+            <a:endCxn id="48" idx="3"/>
+          </p:cNvCxnSpPr>
+          <p:nvPr/>
+        </p:nvCxnSpPr>
+        <p:spPr>
+          <a:xfrm flipH="1">
+            <a:off x="5133976" y="5163100"/>
+            <a:ext cx="361949" cy="179877"/>
+          </a:xfrm>
+          <a:prstGeom prst="straightConnector1">
+            <a:avLst/>
+          </a:prstGeom>
+          <a:ln>
+            <a:tailEnd type="triangle"/>
+          </a:ln>
+        </p:spPr>
+        <p:style>
+          <a:lnRef idx="1">
+            <a:schemeClr val="accent1"/>
+          </a:lnRef>
+          <a:fillRef idx="0">
+            <a:schemeClr val="accent1"/>
+          </a:fillRef>
+          <a:effectRef idx="0">
+            <a:schemeClr val="accent1"/>
+          </a:effectRef>
+          <a:fontRef idx="minor">
+            <a:schemeClr val="tx1"/>
+          </a:fontRef>
+        </p:style>
+      </p:cxnSp>
+      <p:cxnSp>
+        <p:nvCxnSpPr>
+          <p:cNvPr id="56" name="Straight Arrow Connector 55">
+            <a:extLst>
+              <a:ext uri="{FF2B5EF4-FFF2-40B4-BE49-F238E27FC236}">
+                <a16:creationId xmlns:a16="http://schemas.microsoft.com/office/drawing/2014/main" id="{38DC8DE8-E01B-3107-A25F-5FEE6F17EBF3}"/>
+              </a:ext>
+            </a:extLst>
+          </p:cNvPr>
+          <p:cNvCxnSpPr>
+            <a:cxnSpLocks/>
+            <a:stCxn id="52" idx="0"/>
+            <a:endCxn id="48" idx="2"/>
+          </p:cNvCxnSpPr>
+          <p:nvPr/>
+        </p:nvCxnSpPr>
+        <p:spPr>
+          <a:xfrm flipV="1">
+            <a:off x="4530586" y="5638666"/>
+            <a:ext cx="141" cy="317957"/>
+          </a:xfrm>
+          <a:prstGeom prst="straightConnector1">
+            <a:avLst/>
+          </a:prstGeom>
+          <a:ln>
+            <a:tailEnd type="triangle"/>
+          </a:ln>
+        </p:spPr>
+        <p:style>
+          <a:lnRef idx="1">
+            <a:schemeClr val="accent1"/>
+          </a:lnRef>
+          <a:fillRef idx="0">
+            <a:schemeClr val="accent1"/>
+          </a:fillRef>
+          <a:effectRef idx="0">
+            <a:schemeClr val="accent1"/>
+          </a:effectRef>
+          <a:fontRef idx="minor">
+            <a:schemeClr val="tx1"/>
+          </a:fontRef>
+        </p:style>
+      </p:cxnSp>
+      <p:cxnSp>
+        <p:nvCxnSpPr>
+          <p:cNvPr id="61" name="Straight Arrow Connector 60">
+            <a:extLst>
+              <a:ext uri="{FF2B5EF4-FFF2-40B4-BE49-F238E27FC236}">
+                <a16:creationId xmlns:a16="http://schemas.microsoft.com/office/drawing/2014/main" id="{41C33A3D-B6B7-A8FD-E401-37D22625B84B}"/>
+              </a:ext>
+            </a:extLst>
+          </p:cNvPr>
+          <p:cNvCxnSpPr>
+            <a:cxnSpLocks/>
+            <a:stCxn id="48" idx="1"/>
+            <a:endCxn id="17" idx="3"/>
+          </p:cNvCxnSpPr>
+          <p:nvPr/>
+        </p:nvCxnSpPr>
+        <p:spPr>
+          <a:xfrm flipH="1">
+            <a:off x="3116261" y="5342977"/>
+            <a:ext cx="811217" cy="373563"/>
+          </a:xfrm>
+          <a:prstGeom prst="straightConnector1">
+            <a:avLst/>
+          </a:prstGeom>
+          <a:ln>
+            <a:tailEnd type="triangle"/>
+          </a:ln>
+        </p:spPr>
+        <p:style>
+          <a:lnRef idx="1">
+            <a:schemeClr val="accent1"/>
+          </a:lnRef>
+          <a:fillRef idx="0">
+            <a:schemeClr val="accent1"/>
+          </a:fillRef>
+          <a:effectRef idx="0">
+            <a:schemeClr val="accent1"/>
+          </a:effectRef>
+          <a:fontRef idx="minor">
+            <a:schemeClr val="tx1"/>
+          </a:fontRef>
+        </p:style>
+      </p:cxnSp>
+      <p:sp>
+        <p:nvSpPr>
+          <p:cNvPr id="1028" name="Rectangle 1027">
+            <a:extLst>
+              <a:ext uri="{FF2B5EF4-FFF2-40B4-BE49-F238E27FC236}">
+                <a16:creationId xmlns:a16="http://schemas.microsoft.com/office/drawing/2014/main" id="{A38B7109-28B8-5C03-0058-9B75E6A0F3DE}"/>
+              </a:ext>
+            </a:extLst>
+          </p:cNvPr>
+          <p:cNvSpPr/>
+          <p:nvPr/>
+        </p:nvSpPr>
+        <p:spPr>
+          <a:xfrm>
+            <a:off x="2743200" y="1616974"/>
+            <a:ext cx="477836" cy="591378"/>
+          </a:xfrm>
+          <a:prstGeom prst="rect">
+            <a:avLst/>
+          </a:prstGeom>
+          <a:noFill/>
+        </p:spPr>
+        <p:style>
+          <a:lnRef idx="2">
+            <a:schemeClr val="accent1">
+              <a:shade val="15000"/>
+            </a:schemeClr>
+          </a:lnRef>
+          <a:fillRef idx="1">
+            <a:schemeClr val="accent1"/>
+          </a:fillRef>
+          <a:effectRef idx="0">
+            <a:schemeClr val="accent1"/>
+          </a:effectRef>
+          <a:fontRef idx="minor">
+            <a:schemeClr val="lt1"/>
+          </a:fontRef>
+        </p:style>
+        <p:txBody>
+          <a:bodyPr rtlCol="0" anchor="ctr"/>
+          <a:lstStyle/>
+          <a:p>
+            <a:pPr algn="ctr"/>
+            <a:r>
+              <a:rPr lang="en-US" sz="1050" dirty="0">
+                <a:solidFill>
+                  <a:schemeClr val="tx1"/>
+                </a:solidFill>
+              </a:rPr>
+              <a:t>APIs</a:t>
+            </a:r>
+          </a:p>
+        </p:txBody>
+      </p:sp>
+      <p:sp>
+        <p:nvSpPr>
+          <p:cNvPr id="1029" name="Rectangle 1028">
+            <a:extLst>
+              <a:ext uri="{FF2B5EF4-FFF2-40B4-BE49-F238E27FC236}">
+                <a16:creationId xmlns:a16="http://schemas.microsoft.com/office/drawing/2014/main" id="{B8B32DAA-3F7C-2E60-D187-3937DD1D3907}"/>
+              </a:ext>
+            </a:extLst>
+          </p:cNvPr>
+          <p:cNvSpPr/>
+          <p:nvPr/>
+        </p:nvSpPr>
+        <p:spPr>
+          <a:xfrm>
+            <a:off x="1672429" y="1616974"/>
+            <a:ext cx="577847" cy="591378"/>
+          </a:xfrm>
+          <a:prstGeom prst="rect">
+            <a:avLst/>
+          </a:prstGeom>
+          <a:noFill/>
+        </p:spPr>
+        <p:style>
+          <a:lnRef idx="2">
+            <a:schemeClr val="accent1">
+              <a:shade val="15000"/>
+            </a:schemeClr>
+          </a:lnRef>
+          <a:fillRef idx="1">
+            <a:schemeClr val="accent1"/>
+          </a:fillRef>
+          <a:effectRef idx="0">
+            <a:schemeClr val="accent1"/>
+          </a:effectRef>
+          <a:fontRef idx="minor">
+            <a:schemeClr val="lt1"/>
+          </a:fontRef>
+        </p:style>
+        <p:txBody>
+          <a:bodyPr rtlCol="0" anchor="ctr"/>
+          <a:lstStyle/>
+          <a:p>
+            <a:pPr algn="ctr"/>
+            <a:r>
+              <a:rPr lang="en-US" sz="1050" dirty="0">
+                <a:solidFill>
+                  <a:schemeClr val="tx1"/>
+                </a:solidFill>
+              </a:rPr>
+              <a:t>UI</a:t>
+            </a:r>
+          </a:p>
+        </p:txBody>
+      </p:sp>
+      <p:grpSp>
+        <p:nvGrpSpPr>
+          <p:cNvPr id="1030" name="Group 1029">
+            <a:extLst>
+              <a:ext uri="{FF2B5EF4-FFF2-40B4-BE49-F238E27FC236}">
+                <a16:creationId xmlns:a16="http://schemas.microsoft.com/office/drawing/2014/main" id="{47585667-9CEE-7F31-A79F-9D59A92CDE10}"/>
+              </a:ext>
+            </a:extLst>
+          </p:cNvPr>
+          <p:cNvGrpSpPr/>
+          <p:nvPr/>
+        </p:nvGrpSpPr>
+        <p:grpSpPr>
+          <a:xfrm>
+            <a:off x="731834" y="1580017"/>
+            <a:ext cx="628650" cy="665291"/>
+            <a:chOff x="5273959" y="1431748"/>
+            <a:chExt cx="628650" cy="665291"/>
+          </a:xfrm>
+        </p:grpSpPr>
+        <p:pic>
+          <p:nvPicPr>
+            <p:cNvPr id="1031" name="Picture 2" descr="Stick figures - People I saw at the park today : r/AdobeIllustrator">
+              <a:extLst>
+                <a:ext uri="{FF2B5EF4-FFF2-40B4-BE49-F238E27FC236}">
+                  <a16:creationId xmlns:a16="http://schemas.microsoft.com/office/drawing/2014/main" id="{10E8DED9-CCD7-6DAC-7AA8-480DFC02EFA9}"/>
+                </a:ext>
+              </a:extLst>
+            </p:cNvPr>
+            <p:cNvPicPr>
+              <a:picLocks noChangeAspect="1" noChangeArrowheads="1"/>
+            </p:cNvPicPr>
+            <p:nvPr/>
+          </p:nvPicPr>
+          <p:blipFill>
+            <a:blip r:embed="rId2">
+              <a:extLst>
+                <a:ext uri="{28A0092B-C50C-407E-A947-70E740481C1C}">
+                  <a14:useLocalDpi xmlns:a14="http://schemas.microsoft.com/office/drawing/2010/main" val="0"/>
+                </a:ext>
+              </a:extLst>
+            </a:blip>
+            <a:srcRect/>
+            <a:stretch>
+              <a:fillRect/>
+            </a:stretch>
+          </p:blipFill>
+          <p:spPr bwMode="auto">
+            <a:xfrm>
+              <a:off x="5353050" y="1431748"/>
+              <a:ext cx="530509" cy="514221"/>
+            </a:xfrm>
+            <a:prstGeom prst="rect">
+              <a:avLst/>
+            </a:prstGeom>
+            <a:noFill/>
+            <a:extLst>
+              <a:ext uri="{909E8E84-426E-40DD-AFC4-6F175D3DCCD1}">
+                <a14:hiddenFill xmlns:a14="http://schemas.microsoft.com/office/drawing/2010/main">
+                  <a:solidFill>
+                    <a:srgbClr val="FFFFFF"/>
+                  </a:solidFill>
+                </a14:hiddenFill>
+              </a:ext>
+            </a:extLst>
+          </p:spPr>
+        </p:pic>
+        <p:sp>
+          <p:nvSpPr>
+            <p:cNvPr id="1032" name="TextBox 1031">
+              <a:extLst>
+                <a:ext uri="{FF2B5EF4-FFF2-40B4-BE49-F238E27FC236}">
+                  <a16:creationId xmlns:a16="http://schemas.microsoft.com/office/drawing/2014/main" id="{2A0177AC-399A-230E-6E4D-BC130347423B}"/>
+                </a:ext>
+              </a:extLst>
+            </p:cNvPr>
+            <p:cNvSpPr txBox="1"/>
+            <p:nvPr/>
+          </p:nvSpPr>
+          <p:spPr>
+            <a:xfrm flipH="1">
+              <a:off x="5273959" y="1835429"/>
+              <a:ext cx="628650" cy="261610"/>
+            </a:xfrm>
+            <a:prstGeom prst="rect">
+              <a:avLst/>
+            </a:prstGeom>
+            <a:noFill/>
+          </p:spPr>
+          <p:txBody>
+            <a:bodyPr wrap="square" rtlCol="0">
+              <a:spAutoFit/>
+            </a:bodyPr>
+            <a:lstStyle/>
+            <a:p>
+              <a:pPr algn="ctr"/>
+              <a:r>
+                <a:rPr lang="en-US" sz="1100" dirty="0"/>
+                <a:t>Users</a:t>
+              </a:r>
+            </a:p>
+          </p:txBody>
+        </p:sp>
+      </p:grpSp>
+      <p:cxnSp>
+        <p:nvCxnSpPr>
+          <p:cNvPr id="1033" name="Straight Arrow Connector 1032">
+            <a:extLst>
+              <a:ext uri="{FF2B5EF4-FFF2-40B4-BE49-F238E27FC236}">
+                <a16:creationId xmlns:a16="http://schemas.microsoft.com/office/drawing/2014/main" id="{74C12A29-1272-E10E-6772-D2380C887106}"/>
+              </a:ext>
+            </a:extLst>
+          </p:cNvPr>
+          <p:cNvCxnSpPr>
+            <a:cxnSpLocks/>
+            <a:stCxn id="1031" idx="3"/>
+            <a:endCxn id="1029" idx="1"/>
+          </p:cNvCxnSpPr>
+          <p:nvPr/>
+        </p:nvCxnSpPr>
+        <p:spPr>
+          <a:xfrm>
+            <a:off x="1341434" y="1837128"/>
+            <a:ext cx="330995" cy="75535"/>
+          </a:xfrm>
+          <a:prstGeom prst="straightConnector1">
+            <a:avLst/>
+          </a:prstGeom>
+          <a:ln>
+            <a:tailEnd type="triangle"/>
+          </a:ln>
+        </p:spPr>
+        <p:style>
+          <a:lnRef idx="1">
+            <a:schemeClr val="accent1"/>
+          </a:lnRef>
+          <a:fillRef idx="0">
+            <a:schemeClr val="accent1"/>
+          </a:fillRef>
+          <a:effectRef idx="0">
+            <a:schemeClr val="accent1"/>
+          </a:effectRef>
+          <a:fontRef idx="minor">
+            <a:schemeClr val="tx1"/>
+          </a:fontRef>
+        </p:style>
+      </p:cxnSp>
+      <p:cxnSp>
+        <p:nvCxnSpPr>
+          <p:cNvPr id="1036" name="Straight Arrow Connector 1035">
+            <a:extLst>
+              <a:ext uri="{FF2B5EF4-FFF2-40B4-BE49-F238E27FC236}">
+                <a16:creationId xmlns:a16="http://schemas.microsoft.com/office/drawing/2014/main" id="{14E267DC-1773-BE21-1ACD-3A37D84AFAAE}"/>
+              </a:ext>
+            </a:extLst>
+          </p:cNvPr>
+          <p:cNvCxnSpPr>
+            <a:cxnSpLocks/>
+            <a:stCxn id="1029" idx="3"/>
+            <a:endCxn id="1028" idx="1"/>
+          </p:cNvCxnSpPr>
+          <p:nvPr/>
+        </p:nvCxnSpPr>
+        <p:spPr>
+          <a:xfrm>
+            <a:off x="2250276" y="1912663"/>
+            <a:ext cx="492924" cy="0"/>
+          </a:xfrm>
+          <a:prstGeom prst="straightConnector1">
+            <a:avLst/>
+          </a:prstGeom>
+          <a:ln>
+            <a:tailEnd type="triangle"/>
+          </a:ln>
+        </p:spPr>
+        <p:style>
+          <a:lnRef idx="1">
+            <a:schemeClr val="accent1"/>
+          </a:lnRef>
+          <a:fillRef idx="0">
+            <a:schemeClr val="accent1"/>
+          </a:fillRef>
+          <a:effectRef idx="0">
+            <a:schemeClr val="accent1"/>
+          </a:effectRef>
+          <a:fontRef idx="minor">
+            <a:schemeClr val="tx1"/>
+          </a:fontRef>
+        </p:style>
+      </p:cxnSp>
+      <p:cxnSp>
+        <p:nvCxnSpPr>
+          <p:cNvPr id="1039" name="Straight Arrow Connector 1038">
+            <a:extLst>
+              <a:ext uri="{FF2B5EF4-FFF2-40B4-BE49-F238E27FC236}">
+                <a16:creationId xmlns:a16="http://schemas.microsoft.com/office/drawing/2014/main" id="{32934B40-063D-36B6-C483-8F90AACD1793}"/>
+              </a:ext>
+            </a:extLst>
+          </p:cNvPr>
+          <p:cNvCxnSpPr>
+            <a:cxnSpLocks/>
+            <a:stCxn id="1028" idx="3"/>
+            <a:endCxn id="3" idx="1"/>
+          </p:cNvCxnSpPr>
+          <p:nvPr/>
+        </p:nvCxnSpPr>
+        <p:spPr>
+          <a:xfrm flipV="1">
+            <a:off x="3221036" y="1911307"/>
+            <a:ext cx="415929" cy="1356"/>
+          </a:xfrm>
+          <a:prstGeom prst="straightConnector1">
+            <a:avLst/>
+          </a:prstGeom>
+          <a:ln>
+            <a:tailEnd type="triangle"/>
+          </a:ln>
+        </p:spPr>
+        <p:style>
+          <a:lnRef idx="1">
+            <a:schemeClr val="accent1"/>
+          </a:lnRef>
+          <a:fillRef idx="0">
+            <a:schemeClr val="accent1"/>
+          </a:fillRef>
+          <a:effectRef idx="0">
+            <a:schemeClr val="accent1"/>
+          </a:effectRef>
+          <a:fontRef idx="minor">
+            <a:schemeClr val="tx1"/>
+          </a:fontRef>
+        </p:style>
+      </p:cxnSp>
+    </p:spTree>
+    <p:extLst>
+      <p:ext uri="{BB962C8B-B14F-4D97-AF65-F5344CB8AC3E}">
+        <p14:creationId xmlns:p14="http://schemas.microsoft.com/office/powerpoint/2010/main" val="2899601620"/>
+      </p:ext>
+    </p:extLst>
+  </p:cSld>
+  <p:clrMapOvr>
+    <a:masterClrMapping/>
+  </p:clrMapOvr>
+</p:sld>
+</file>
+
+<file path=ppt/slides/slide3.xml><?xml version="1.0" encoding="utf-8"?>
+<p:sld xmlns:a="http://schemas.openxmlformats.org/drawingml/2006/main" xmlns:r="http://schemas.openxmlformats.org/officeDocument/2006/relationships" xmlns:p="http://schemas.openxmlformats.org/presentationml/2006/main">
+  <p:cSld>
+    <p:spTree>
+      <p:nvGrpSpPr>
+        <p:cNvPr id="1" name=""/>
+        <p:cNvGrpSpPr/>
+        <p:nvPr/>
+      </p:nvGrpSpPr>
+      <p:grpSpPr>
+        <a:xfrm>
+          <a:off x="0" y="0"/>
+          <a:ext cx="0" cy="0"/>
+          <a:chOff x="0" y="0"/>
+          <a:chExt cx="0" cy="0"/>
+        </a:xfrm>
+      </p:grpSpPr>
+      <p:sp>
+        <p:nvSpPr>
+          <p:cNvPr id="13" name="Rectangle 12">
+            <a:extLst>
+              <a:ext uri="{FF2B5EF4-FFF2-40B4-BE49-F238E27FC236}">
+                <a16:creationId xmlns:a16="http://schemas.microsoft.com/office/drawing/2014/main" id="{F0CB5A7B-6E49-D392-D99B-50AA229A099B}"/>
+              </a:ext>
+            </a:extLst>
+          </p:cNvPr>
+          <p:cNvSpPr/>
+          <p:nvPr/>
+        </p:nvSpPr>
+        <p:spPr>
+          <a:xfrm>
+            <a:off x="573109" y="1606029"/>
+            <a:ext cx="2289175" cy="591378"/>
+          </a:xfrm>
+          <a:prstGeom prst="rect">
+            <a:avLst/>
+          </a:prstGeom>
+          <a:noFill/>
+        </p:spPr>
+        <p:style>
+          <a:lnRef idx="2">
+            <a:schemeClr val="accent1">
+              <a:shade val="15000"/>
+            </a:schemeClr>
+          </a:lnRef>
+          <a:fillRef idx="1">
+            <a:schemeClr val="accent1"/>
+          </a:fillRef>
+          <a:effectRef idx="0">
+            <a:schemeClr val="accent1"/>
+          </a:effectRef>
+          <a:fontRef idx="minor">
+            <a:schemeClr val="lt1"/>
+          </a:fontRef>
+        </p:style>
+        <p:txBody>
+          <a:bodyPr rtlCol="0" anchor="ctr"/>
+          <a:lstStyle/>
+          <a:p>
+            <a:pPr algn="ctr"/>
+            <a:r>
+              <a:rPr lang="en-US" sz="1050" dirty="0">
+                <a:solidFill>
+                  <a:schemeClr val="tx1"/>
+                </a:solidFill>
+              </a:rPr>
+              <a:t>Transactional Tables</a:t>
+            </a:r>
+          </a:p>
+        </p:txBody>
+      </p:sp>
+      <p:sp>
+        <p:nvSpPr>
+          <p:cNvPr id="17" name="Rectangle 16">
+            <a:extLst>
+              <a:ext uri="{FF2B5EF4-FFF2-40B4-BE49-F238E27FC236}">
+                <a16:creationId xmlns:a16="http://schemas.microsoft.com/office/drawing/2014/main" id="{02B8B0C7-68BC-71BB-EA1B-41F9379959C2}"/>
+              </a:ext>
+            </a:extLst>
+          </p:cNvPr>
+          <p:cNvSpPr/>
+          <p:nvPr/>
+        </p:nvSpPr>
+        <p:spPr>
+          <a:xfrm>
+            <a:off x="425472" y="1456006"/>
+            <a:ext cx="2584450" cy="991920"/>
+          </a:xfrm>
+          <a:prstGeom prst="rect">
+            <a:avLst/>
+          </a:prstGeom>
+          <a:noFill/>
+        </p:spPr>
+        <p:style>
+          <a:lnRef idx="2">
+            <a:schemeClr val="accent1">
+              <a:shade val="15000"/>
+            </a:schemeClr>
+          </a:lnRef>
+          <a:fillRef idx="1">
+            <a:schemeClr val="accent1"/>
+          </a:fillRef>
+          <a:effectRef idx="0">
+            <a:schemeClr val="accent1"/>
+          </a:effectRef>
+          <a:fontRef idx="minor">
+            <a:schemeClr val="lt1"/>
+          </a:fontRef>
+        </p:style>
+        <p:txBody>
+          <a:bodyPr rtlCol="0" anchor="ctr"/>
+          <a:lstStyle/>
+          <a:p>
+            <a:pPr algn="ctr"/>
+            <a:endParaRPr lang="en-US" sz="1400" dirty="0">
+              <a:solidFill>
+                <a:schemeClr val="tx1"/>
+              </a:solidFill>
+            </a:endParaRPr>
+          </a:p>
+        </p:txBody>
+      </p:sp>
+      <p:sp>
+        <p:nvSpPr>
+          <p:cNvPr id="18" name="TextBox 17">
+            <a:extLst>
+              <a:ext uri="{FF2B5EF4-FFF2-40B4-BE49-F238E27FC236}">
+                <a16:creationId xmlns:a16="http://schemas.microsoft.com/office/drawing/2014/main" id="{489675B5-DBFA-471B-BAE3-7DC8DC5DB50B}"/>
+              </a:ext>
+            </a:extLst>
+          </p:cNvPr>
+          <p:cNvSpPr txBox="1"/>
+          <p:nvPr/>
+        </p:nvSpPr>
+        <p:spPr>
+          <a:xfrm flipH="1">
+            <a:off x="425471" y="1189672"/>
+            <a:ext cx="2289175" cy="261610"/>
+          </a:xfrm>
+          <a:prstGeom prst="rect">
+            <a:avLst/>
+          </a:prstGeom>
+          <a:noFill/>
+        </p:spPr>
+        <p:txBody>
+          <a:bodyPr wrap="square" rtlCol="0">
+            <a:spAutoFit/>
+          </a:bodyPr>
+          <a:lstStyle/>
+          <a:p>
+            <a:r>
+              <a:rPr lang="en-US" sz="1100" dirty="0"/>
+              <a:t>Transactional DB</a:t>
+            </a:r>
+          </a:p>
+        </p:txBody>
+      </p:sp>
+      <p:sp>
+        <p:nvSpPr>
+          <p:cNvPr id="48" name="Rectangle 47">
+            <a:extLst>
+              <a:ext uri="{FF2B5EF4-FFF2-40B4-BE49-F238E27FC236}">
+                <a16:creationId xmlns:a16="http://schemas.microsoft.com/office/drawing/2014/main" id="{624218C8-5323-5DE1-630C-DF31DC5D5B84}"/>
+              </a:ext>
+            </a:extLst>
+          </p:cNvPr>
+          <p:cNvSpPr/>
+          <p:nvPr/>
+        </p:nvSpPr>
+        <p:spPr>
+          <a:xfrm>
+            <a:off x="3931468" y="3007594"/>
+            <a:ext cx="1206498" cy="591378"/>
+          </a:xfrm>
+          <a:prstGeom prst="rect">
+            <a:avLst/>
+          </a:prstGeom>
+          <a:noFill/>
+        </p:spPr>
+        <p:style>
+          <a:lnRef idx="2">
+            <a:schemeClr val="accent1">
+              <a:shade val="15000"/>
+            </a:schemeClr>
+          </a:lnRef>
+          <a:fillRef idx="1">
+            <a:schemeClr val="accent1"/>
+          </a:fillRef>
+          <a:effectRef idx="0">
+            <a:schemeClr val="accent1"/>
+          </a:effectRef>
+          <a:fontRef idx="minor">
+            <a:schemeClr val="lt1"/>
+          </a:fontRef>
+        </p:style>
+        <p:txBody>
+          <a:bodyPr rtlCol="0" anchor="ctr"/>
+          <a:lstStyle/>
+          <a:p>
+            <a:pPr algn="ctr"/>
+            <a:r>
+              <a:rPr lang="en-US" sz="1050" dirty="0" err="1">
+                <a:solidFill>
+                  <a:schemeClr val="tx1"/>
+                </a:solidFill>
+              </a:rPr>
+              <a:t>PowerBI</a:t>
+            </a:r>
+            <a:endParaRPr lang="en-US" sz="1050" dirty="0">
+              <a:solidFill>
+                <a:schemeClr val="tx1"/>
+              </a:solidFill>
+            </a:endParaRPr>
+          </a:p>
+        </p:txBody>
+      </p:sp>
+      <p:grpSp>
+        <p:nvGrpSpPr>
+          <p:cNvPr id="50" name="Group 49">
+            <a:extLst>
+              <a:ext uri="{FF2B5EF4-FFF2-40B4-BE49-F238E27FC236}">
+                <a16:creationId xmlns:a16="http://schemas.microsoft.com/office/drawing/2014/main" id="{0AB841C9-CE25-FF4D-EEA7-B1B42A034B03}"/>
+              </a:ext>
+            </a:extLst>
+          </p:cNvPr>
+          <p:cNvGrpSpPr/>
+          <p:nvPr/>
+        </p:nvGrpSpPr>
+        <p:grpSpPr>
+          <a:xfrm>
+            <a:off x="5420824" y="2866295"/>
+            <a:ext cx="628650" cy="665291"/>
+            <a:chOff x="5273959" y="1431748"/>
+            <a:chExt cx="628650" cy="665291"/>
+          </a:xfrm>
+        </p:grpSpPr>
+        <p:pic>
+          <p:nvPicPr>
+            <p:cNvPr id="1026" name="Picture 2" descr="Stick figures - People I saw at the park today : r/AdobeIllustrator">
+              <a:extLst>
+                <a:ext uri="{FF2B5EF4-FFF2-40B4-BE49-F238E27FC236}">
+                  <a16:creationId xmlns:a16="http://schemas.microsoft.com/office/drawing/2014/main" id="{35B0DEC1-67E3-E6D8-6F84-6EF8089F3766}"/>
+                </a:ext>
+              </a:extLst>
+            </p:cNvPr>
+            <p:cNvPicPr>
+              <a:picLocks noChangeAspect="1" noChangeArrowheads="1"/>
+            </p:cNvPicPr>
+            <p:nvPr/>
+          </p:nvPicPr>
+          <p:blipFill>
+            <a:blip r:embed="rId2">
+              <a:extLst>
+                <a:ext uri="{28A0092B-C50C-407E-A947-70E740481C1C}">
+                  <a14:useLocalDpi xmlns:a14="http://schemas.microsoft.com/office/drawing/2010/main" val="0"/>
+                </a:ext>
+              </a:extLst>
+            </a:blip>
+            <a:srcRect/>
+            <a:stretch>
+              <a:fillRect/>
+            </a:stretch>
+          </p:blipFill>
+          <p:spPr bwMode="auto">
+            <a:xfrm>
+              <a:off x="5353050" y="1431748"/>
+              <a:ext cx="530509" cy="514221"/>
+            </a:xfrm>
+            <a:prstGeom prst="rect">
+              <a:avLst/>
+            </a:prstGeom>
+            <a:noFill/>
+            <a:extLst>
+              <a:ext uri="{909E8E84-426E-40DD-AFC4-6F175D3DCCD1}">
+                <a14:hiddenFill xmlns:a14="http://schemas.microsoft.com/office/drawing/2010/main">
+                  <a:solidFill>
+                    <a:srgbClr val="FFFFFF"/>
+                  </a:solidFill>
+                </a14:hiddenFill>
+              </a:ext>
+            </a:extLst>
+          </p:spPr>
+        </p:pic>
+        <p:sp>
+          <p:nvSpPr>
+            <p:cNvPr id="49" name="TextBox 48">
+              <a:extLst>
+                <a:ext uri="{FF2B5EF4-FFF2-40B4-BE49-F238E27FC236}">
+                  <a16:creationId xmlns:a16="http://schemas.microsoft.com/office/drawing/2014/main" id="{A0BA4084-106E-CAAD-A33E-D446F38192FD}"/>
+                </a:ext>
+              </a:extLst>
+            </p:cNvPr>
+            <p:cNvSpPr txBox="1"/>
+            <p:nvPr/>
+          </p:nvSpPr>
+          <p:spPr>
+            <a:xfrm flipH="1">
+              <a:off x="5273959" y="1835429"/>
+              <a:ext cx="628650" cy="261610"/>
+            </a:xfrm>
+            <a:prstGeom prst="rect">
+              <a:avLst/>
+            </a:prstGeom>
+            <a:noFill/>
+          </p:spPr>
+          <p:txBody>
+            <a:bodyPr wrap="square" rtlCol="0">
+              <a:spAutoFit/>
+            </a:bodyPr>
+            <a:lstStyle/>
+            <a:p>
+              <a:pPr algn="ctr"/>
+              <a:r>
+                <a:rPr lang="en-US" sz="1100" dirty="0"/>
+                <a:t>Users</a:t>
+              </a:r>
+            </a:p>
+          </p:txBody>
+        </p:sp>
+      </p:grpSp>
+      <p:grpSp>
+        <p:nvGrpSpPr>
+          <p:cNvPr id="51" name="Group 50">
+            <a:extLst>
+              <a:ext uri="{FF2B5EF4-FFF2-40B4-BE49-F238E27FC236}">
+                <a16:creationId xmlns:a16="http://schemas.microsoft.com/office/drawing/2014/main" id="{9D6B2AEA-BE02-6E97-B49E-33A201066AE6}"/>
+              </a:ext>
+            </a:extLst>
+          </p:cNvPr>
+          <p:cNvGrpSpPr/>
+          <p:nvPr/>
+        </p:nvGrpSpPr>
+        <p:grpSpPr>
+          <a:xfrm>
+            <a:off x="4098153" y="3916929"/>
+            <a:ext cx="835027" cy="665291"/>
+            <a:chOff x="5181882" y="1431748"/>
+            <a:chExt cx="835027" cy="665291"/>
+          </a:xfrm>
+        </p:grpSpPr>
+        <p:pic>
+          <p:nvPicPr>
+            <p:cNvPr id="52" name="Picture 2" descr="Stick figures - People I saw at the park today : r/AdobeIllustrator">
+              <a:extLst>
+                <a:ext uri="{FF2B5EF4-FFF2-40B4-BE49-F238E27FC236}">
+                  <a16:creationId xmlns:a16="http://schemas.microsoft.com/office/drawing/2014/main" id="{C5D0775E-2843-D88A-FC22-3B33395D0660}"/>
+                </a:ext>
+              </a:extLst>
+            </p:cNvPr>
+            <p:cNvPicPr>
+              <a:picLocks noChangeAspect="1" noChangeArrowheads="1"/>
+            </p:cNvPicPr>
+            <p:nvPr/>
+          </p:nvPicPr>
+          <p:blipFill>
+            <a:blip r:embed="rId2">
+              <a:extLst>
+                <a:ext uri="{28A0092B-C50C-407E-A947-70E740481C1C}">
+                  <a14:useLocalDpi xmlns:a14="http://schemas.microsoft.com/office/drawing/2010/main" val="0"/>
+                </a:ext>
+              </a:extLst>
+            </a:blip>
+            <a:srcRect/>
+            <a:stretch>
+              <a:fillRect/>
+            </a:stretch>
+          </p:blipFill>
+          <p:spPr bwMode="auto">
+            <a:xfrm>
+              <a:off x="5353050" y="1431748"/>
+              <a:ext cx="530509" cy="514221"/>
+            </a:xfrm>
+            <a:prstGeom prst="rect">
+              <a:avLst/>
+            </a:prstGeom>
+            <a:noFill/>
+            <a:extLst>
+              <a:ext uri="{909E8E84-426E-40DD-AFC4-6F175D3DCCD1}">
+                <a14:hiddenFill xmlns:a14="http://schemas.microsoft.com/office/drawing/2010/main">
+                  <a:solidFill>
+                    <a:srgbClr val="FFFFFF"/>
+                  </a:solidFill>
+                </a14:hiddenFill>
+              </a:ext>
+            </a:extLst>
+          </p:spPr>
+        </p:pic>
+        <p:sp>
+          <p:nvSpPr>
+            <p:cNvPr id="53" name="TextBox 52">
+              <a:extLst>
+                <a:ext uri="{FF2B5EF4-FFF2-40B4-BE49-F238E27FC236}">
+                  <a16:creationId xmlns:a16="http://schemas.microsoft.com/office/drawing/2014/main" id="{D48C772D-EA5F-D3E7-80C0-05340C0026ED}"/>
+                </a:ext>
+              </a:extLst>
+            </p:cNvPr>
+            <p:cNvSpPr txBox="1"/>
+            <p:nvPr/>
+          </p:nvSpPr>
+          <p:spPr>
+            <a:xfrm flipH="1">
+              <a:off x="5181882" y="1835429"/>
+              <a:ext cx="835027" cy="261610"/>
+            </a:xfrm>
+            <a:prstGeom prst="rect">
+              <a:avLst/>
+            </a:prstGeom>
+            <a:noFill/>
+          </p:spPr>
+          <p:txBody>
+            <a:bodyPr wrap="square" rtlCol="0">
+              <a:spAutoFit/>
+            </a:bodyPr>
+            <a:lstStyle/>
+            <a:p>
+              <a:pPr algn="ctr"/>
+              <a:r>
+                <a:rPr lang="en-US" sz="1100" dirty="0"/>
+                <a:t>Developers</a:t>
+              </a:r>
+            </a:p>
+          </p:txBody>
+        </p:sp>
+      </p:grpSp>
+      <p:cxnSp>
+        <p:nvCxnSpPr>
+          <p:cNvPr id="55" name="Straight Arrow Connector 54">
+            <a:extLst>
+              <a:ext uri="{FF2B5EF4-FFF2-40B4-BE49-F238E27FC236}">
+                <a16:creationId xmlns:a16="http://schemas.microsoft.com/office/drawing/2014/main" id="{E97F37D6-54EA-1C7B-F71A-BE5B2B7338B6}"/>
+              </a:ext>
+            </a:extLst>
+          </p:cNvPr>
+          <p:cNvCxnSpPr>
+            <a:stCxn id="1026" idx="1"/>
+            <a:endCxn id="48" idx="3"/>
+          </p:cNvCxnSpPr>
+          <p:nvPr/>
+        </p:nvCxnSpPr>
+        <p:spPr>
+          <a:xfrm flipH="1">
+            <a:off x="5137966" y="3123406"/>
+            <a:ext cx="361949" cy="179877"/>
+          </a:xfrm>
+          <a:prstGeom prst="straightConnector1">
+            <a:avLst/>
+          </a:prstGeom>
+          <a:ln>
+            <a:tailEnd type="triangle"/>
+          </a:ln>
+        </p:spPr>
+        <p:style>
+          <a:lnRef idx="1">
+            <a:schemeClr val="accent1"/>
+          </a:lnRef>
+          <a:fillRef idx="0">
+            <a:schemeClr val="accent1"/>
+          </a:fillRef>
+          <a:effectRef idx="0">
+            <a:schemeClr val="accent1"/>
+          </a:effectRef>
+          <a:fontRef idx="minor">
+            <a:schemeClr val="tx1"/>
+          </a:fontRef>
+        </p:style>
+      </p:cxnSp>
+      <p:cxnSp>
+        <p:nvCxnSpPr>
+          <p:cNvPr id="56" name="Straight Arrow Connector 55">
+            <a:extLst>
+              <a:ext uri="{FF2B5EF4-FFF2-40B4-BE49-F238E27FC236}">
+                <a16:creationId xmlns:a16="http://schemas.microsoft.com/office/drawing/2014/main" id="{38DC8DE8-E01B-3107-A25F-5FEE6F17EBF3}"/>
+              </a:ext>
+            </a:extLst>
+          </p:cNvPr>
+          <p:cNvCxnSpPr>
+            <a:cxnSpLocks/>
+            <a:stCxn id="52" idx="0"/>
+            <a:endCxn id="48" idx="2"/>
+          </p:cNvCxnSpPr>
+          <p:nvPr/>
+        </p:nvCxnSpPr>
+        <p:spPr>
+          <a:xfrm flipV="1">
+            <a:off x="4534576" y="3598972"/>
+            <a:ext cx="141" cy="317957"/>
+          </a:xfrm>
+          <a:prstGeom prst="straightConnector1">
+            <a:avLst/>
+          </a:prstGeom>
+          <a:ln>
+            <a:tailEnd type="triangle"/>
+          </a:ln>
+        </p:spPr>
+        <p:style>
+          <a:lnRef idx="1">
+            <a:schemeClr val="accent1"/>
+          </a:lnRef>
+          <a:fillRef idx="0">
+            <a:schemeClr val="accent1"/>
+          </a:fillRef>
+          <a:effectRef idx="0">
+            <a:schemeClr val="accent1"/>
+          </a:effectRef>
+          <a:fontRef idx="minor">
+            <a:schemeClr val="tx1"/>
+          </a:fontRef>
+        </p:style>
+      </p:cxnSp>
+      <p:cxnSp>
+        <p:nvCxnSpPr>
+          <p:cNvPr id="61" name="Straight Arrow Connector 60">
+            <a:extLst>
+              <a:ext uri="{FF2B5EF4-FFF2-40B4-BE49-F238E27FC236}">
+                <a16:creationId xmlns:a16="http://schemas.microsoft.com/office/drawing/2014/main" id="{41C33A3D-B6B7-A8FD-E401-37D22625B84B}"/>
+              </a:ext>
+            </a:extLst>
+          </p:cNvPr>
+          <p:cNvCxnSpPr>
+            <a:cxnSpLocks/>
+            <a:stCxn id="48" idx="1"/>
+            <a:endCxn id="6" idx="3"/>
+          </p:cNvCxnSpPr>
+          <p:nvPr/>
+        </p:nvCxnSpPr>
+        <p:spPr>
+          <a:xfrm flipH="1">
+            <a:off x="3009922" y="3303283"/>
+            <a:ext cx="921546" cy="437175"/>
+          </a:xfrm>
+          <a:prstGeom prst="straightConnector1">
+            <a:avLst/>
+          </a:prstGeom>
+          <a:ln>
+            <a:tailEnd type="triangle"/>
+          </a:ln>
+        </p:spPr>
+        <p:style>
+          <a:lnRef idx="1">
+            <a:schemeClr val="accent1"/>
+          </a:lnRef>
+          <a:fillRef idx="0">
+            <a:schemeClr val="accent1"/>
+          </a:fillRef>
+          <a:effectRef idx="0">
+            <a:schemeClr val="accent1"/>
+          </a:effectRef>
+          <a:fontRef idx="minor">
+            <a:schemeClr val="tx1"/>
+          </a:fontRef>
+        </p:style>
+      </p:cxnSp>
+      <p:sp>
+        <p:nvSpPr>
+          <p:cNvPr id="5" name="Rectangle 4">
+            <a:extLst>
+              <a:ext uri="{FF2B5EF4-FFF2-40B4-BE49-F238E27FC236}">
+                <a16:creationId xmlns:a16="http://schemas.microsoft.com/office/drawing/2014/main" id="{C474B57F-0AD1-E7F8-735F-9AC6546A1428}"/>
+              </a:ext>
+            </a:extLst>
+          </p:cNvPr>
+          <p:cNvSpPr/>
+          <p:nvPr/>
+        </p:nvSpPr>
+        <p:spPr>
+          <a:xfrm>
+            <a:off x="573109" y="3082404"/>
+            <a:ext cx="2289175" cy="591378"/>
+          </a:xfrm>
+          <a:prstGeom prst="rect">
+            <a:avLst/>
+          </a:prstGeom>
+          <a:noFill/>
+        </p:spPr>
+        <p:style>
+          <a:lnRef idx="2">
+            <a:schemeClr val="accent1">
+              <a:shade val="15000"/>
+            </a:schemeClr>
+          </a:lnRef>
+          <a:fillRef idx="1">
+            <a:schemeClr val="accent1"/>
+          </a:fillRef>
+          <a:effectRef idx="0">
+            <a:schemeClr val="accent1"/>
+          </a:effectRef>
+          <a:fontRef idx="minor">
+            <a:schemeClr val="lt1"/>
+          </a:fontRef>
+        </p:style>
+        <p:txBody>
+          <a:bodyPr rtlCol="0" anchor="ctr"/>
+          <a:lstStyle/>
+          <a:p>
+            <a:pPr algn="ctr"/>
+            <a:r>
+              <a:rPr lang="en-US" sz="1050" dirty="0">
+                <a:solidFill>
+                  <a:schemeClr val="tx1"/>
+                </a:solidFill>
+              </a:rPr>
+              <a:t>Transactional Tables</a:t>
+            </a:r>
+          </a:p>
+        </p:txBody>
+      </p:sp>
+      <p:sp>
+        <p:nvSpPr>
+          <p:cNvPr id="6" name="Rectangle 5">
+            <a:extLst>
+              <a:ext uri="{FF2B5EF4-FFF2-40B4-BE49-F238E27FC236}">
+                <a16:creationId xmlns:a16="http://schemas.microsoft.com/office/drawing/2014/main" id="{E93743E9-C212-A901-3D17-991321843D9C}"/>
+              </a:ext>
+            </a:extLst>
+          </p:cNvPr>
+          <p:cNvSpPr/>
+          <p:nvPr/>
+        </p:nvSpPr>
+        <p:spPr>
+          <a:xfrm>
+            <a:off x="425472" y="2932380"/>
+            <a:ext cx="2584450" cy="1616155"/>
+          </a:xfrm>
+          <a:prstGeom prst="rect">
+            <a:avLst/>
+          </a:prstGeom>
+          <a:noFill/>
+        </p:spPr>
+        <p:style>
+          <a:lnRef idx="2">
+            <a:schemeClr val="accent1">
+              <a:shade val="15000"/>
+            </a:schemeClr>
+          </a:lnRef>
+          <a:fillRef idx="1">
+            <a:schemeClr val="accent1"/>
+          </a:fillRef>
+          <a:effectRef idx="0">
+            <a:schemeClr val="accent1"/>
+          </a:effectRef>
+          <a:fontRef idx="minor">
+            <a:schemeClr val="lt1"/>
+          </a:fontRef>
+        </p:style>
+        <p:txBody>
+          <a:bodyPr rtlCol="0" anchor="ctr"/>
+          <a:lstStyle/>
+          <a:p>
+            <a:pPr algn="ctr"/>
+            <a:endParaRPr lang="en-US" sz="1400" dirty="0">
+              <a:solidFill>
+                <a:schemeClr val="tx1"/>
+              </a:solidFill>
+            </a:endParaRPr>
+          </a:p>
+        </p:txBody>
+      </p:sp>
+      <p:sp>
+        <p:nvSpPr>
+          <p:cNvPr id="9" name="Rectangle 8">
+            <a:extLst>
+              <a:ext uri="{FF2B5EF4-FFF2-40B4-BE49-F238E27FC236}">
+                <a16:creationId xmlns:a16="http://schemas.microsoft.com/office/drawing/2014/main" id="{53C625D4-B7A3-E683-0760-96D12E69C6A8}"/>
+              </a:ext>
+            </a:extLst>
+          </p:cNvPr>
+          <p:cNvSpPr/>
+          <p:nvPr/>
+        </p:nvSpPr>
+        <p:spPr>
+          <a:xfrm>
+            <a:off x="573109" y="3740457"/>
+            <a:ext cx="1077914" cy="294564"/>
+          </a:xfrm>
+          <a:prstGeom prst="rect">
+            <a:avLst/>
+          </a:prstGeom>
+          <a:noFill/>
+        </p:spPr>
+        <p:style>
+          <a:lnRef idx="2">
+            <a:schemeClr val="accent1">
+              <a:shade val="15000"/>
+            </a:schemeClr>
+          </a:lnRef>
+          <a:fillRef idx="1">
+            <a:schemeClr val="accent1"/>
+          </a:fillRef>
+          <a:effectRef idx="0">
+            <a:schemeClr val="accent1"/>
+          </a:effectRef>
+          <a:fontRef idx="minor">
+            <a:schemeClr val="lt1"/>
+          </a:fontRef>
+        </p:style>
+        <p:txBody>
+          <a:bodyPr rtlCol="0" anchor="ctr"/>
+          <a:lstStyle/>
+          <a:p>
+            <a:pPr algn="ctr"/>
+            <a:r>
+              <a:rPr lang="en-US" sz="1050" dirty="0">
+                <a:solidFill>
+                  <a:schemeClr val="tx1"/>
+                </a:solidFill>
+              </a:rPr>
+              <a:t>Roll up Tables</a:t>
+            </a:r>
+          </a:p>
+        </p:txBody>
+      </p:sp>
+      <p:sp>
+        <p:nvSpPr>
+          <p:cNvPr id="10" name="Rectangle 9">
+            <a:extLst>
+              <a:ext uri="{FF2B5EF4-FFF2-40B4-BE49-F238E27FC236}">
+                <a16:creationId xmlns:a16="http://schemas.microsoft.com/office/drawing/2014/main" id="{5C6D89CF-FCB6-EE02-E641-D03DA16F888C}"/>
+              </a:ext>
+            </a:extLst>
+          </p:cNvPr>
+          <p:cNvSpPr/>
+          <p:nvPr/>
+        </p:nvSpPr>
+        <p:spPr>
+          <a:xfrm>
+            <a:off x="1761352" y="3744793"/>
+            <a:ext cx="1077914" cy="294564"/>
+          </a:xfrm>
+          <a:prstGeom prst="rect">
+            <a:avLst/>
+          </a:prstGeom>
+          <a:noFill/>
+        </p:spPr>
+        <p:style>
+          <a:lnRef idx="2">
+            <a:schemeClr val="accent1">
+              <a:shade val="15000"/>
+            </a:schemeClr>
+          </a:lnRef>
+          <a:fillRef idx="1">
+            <a:schemeClr val="accent1"/>
+          </a:fillRef>
+          <a:effectRef idx="0">
+            <a:schemeClr val="accent1"/>
+          </a:effectRef>
+          <a:fontRef idx="minor">
+            <a:schemeClr val="lt1"/>
+          </a:fontRef>
+        </p:style>
+        <p:txBody>
+          <a:bodyPr rtlCol="0" anchor="ctr"/>
+          <a:lstStyle/>
+          <a:p>
+            <a:pPr algn="ctr"/>
+            <a:r>
+              <a:rPr lang="en-US" sz="1050" dirty="0">
+                <a:solidFill>
+                  <a:schemeClr val="tx1"/>
+                </a:solidFill>
+              </a:rPr>
+              <a:t>Aggregate Tables</a:t>
+            </a:r>
+          </a:p>
+        </p:txBody>
+      </p:sp>
+      <p:sp>
+        <p:nvSpPr>
+          <p:cNvPr id="11" name="Rectangle 10">
+            <a:extLst>
+              <a:ext uri="{FF2B5EF4-FFF2-40B4-BE49-F238E27FC236}">
+                <a16:creationId xmlns:a16="http://schemas.microsoft.com/office/drawing/2014/main" id="{64B69E0A-5C6C-F88B-99A5-86A8600FF977}"/>
+              </a:ext>
+            </a:extLst>
+          </p:cNvPr>
+          <p:cNvSpPr/>
+          <p:nvPr/>
+        </p:nvSpPr>
+        <p:spPr>
+          <a:xfrm>
+            <a:off x="1027133" y="4142328"/>
+            <a:ext cx="1077914" cy="294564"/>
+          </a:xfrm>
+          <a:prstGeom prst="rect">
+            <a:avLst/>
+          </a:prstGeom>
+          <a:noFill/>
+        </p:spPr>
+        <p:style>
+          <a:lnRef idx="2">
+            <a:schemeClr val="accent1">
+              <a:shade val="15000"/>
+            </a:schemeClr>
+          </a:lnRef>
+          <a:fillRef idx="1">
+            <a:schemeClr val="accent1"/>
+          </a:fillRef>
+          <a:effectRef idx="0">
+            <a:schemeClr val="accent1"/>
+          </a:effectRef>
+          <a:fontRef idx="minor">
+            <a:schemeClr val="lt1"/>
+          </a:fontRef>
+        </p:style>
+        <p:txBody>
+          <a:bodyPr rtlCol="0" anchor="ctr"/>
+          <a:lstStyle/>
+          <a:p>
+            <a:pPr algn="ctr"/>
+            <a:r>
+              <a:rPr lang="en-US" sz="1050" dirty="0">
+                <a:solidFill>
+                  <a:schemeClr val="tx1"/>
+                </a:solidFill>
+              </a:rPr>
+              <a:t>Materialized Views</a:t>
+            </a:r>
+          </a:p>
+        </p:txBody>
+      </p:sp>
+      <p:sp>
+        <p:nvSpPr>
+          <p:cNvPr id="12" name="TextBox 11">
+            <a:extLst>
+              <a:ext uri="{FF2B5EF4-FFF2-40B4-BE49-F238E27FC236}">
+                <a16:creationId xmlns:a16="http://schemas.microsoft.com/office/drawing/2014/main" id="{03C2405F-B977-2285-9710-876CE865230E}"/>
+              </a:ext>
+            </a:extLst>
+          </p:cNvPr>
+          <p:cNvSpPr txBox="1"/>
+          <p:nvPr/>
+        </p:nvSpPr>
+        <p:spPr>
+          <a:xfrm flipH="1">
+            <a:off x="434223" y="4654545"/>
+            <a:ext cx="2289175" cy="261610"/>
+          </a:xfrm>
+          <a:prstGeom prst="rect">
+            <a:avLst/>
+          </a:prstGeom>
+          <a:noFill/>
+        </p:spPr>
+        <p:txBody>
+          <a:bodyPr wrap="square" rtlCol="0">
+            <a:spAutoFit/>
+          </a:bodyPr>
+          <a:lstStyle/>
+          <a:p>
+            <a:r>
+              <a:rPr lang="en-US" sz="1100" dirty="0"/>
+              <a:t>Replicated DB with Reporting</a:t>
+            </a:r>
+          </a:p>
+        </p:txBody>
+      </p:sp>
+      <p:cxnSp>
+        <p:nvCxnSpPr>
+          <p:cNvPr id="14" name="Straight Arrow Connector 13">
+            <a:extLst>
+              <a:ext uri="{FF2B5EF4-FFF2-40B4-BE49-F238E27FC236}">
+                <a16:creationId xmlns:a16="http://schemas.microsoft.com/office/drawing/2014/main" id="{DB4F2C52-DF61-5F85-5A3E-3F73F4B7DA2F}"/>
+              </a:ext>
+            </a:extLst>
+          </p:cNvPr>
+          <p:cNvCxnSpPr>
+            <a:cxnSpLocks/>
+            <a:stCxn id="13" idx="2"/>
+            <a:endCxn id="5" idx="0"/>
+          </p:cNvCxnSpPr>
+          <p:nvPr/>
+        </p:nvCxnSpPr>
+        <p:spPr>
+          <a:xfrm>
+            <a:off x="1717697" y="2197407"/>
+            <a:ext cx="0" cy="884997"/>
+          </a:xfrm>
+          <a:prstGeom prst="straightConnector1">
+            <a:avLst/>
+          </a:prstGeom>
+          <a:ln>
+            <a:tailEnd type="triangle"/>
+          </a:ln>
+        </p:spPr>
+        <p:style>
+          <a:lnRef idx="1">
+            <a:schemeClr val="accent1"/>
+          </a:lnRef>
+          <a:fillRef idx="0">
+            <a:schemeClr val="accent1"/>
+          </a:fillRef>
+          <a:effectRef idx="0">
+            <a:schemeClr val="accent1"/>
+          </a:effectRef>
+          <a:fontRef idx="minor">
+            <a:schemeClr val="tx1"/>
+          </a:fontRef>
+        </p:style>
+      </p:cxnSp>
+      <p:sp>
+        <p:nvSpPr>
+          <p:cNvPr id="20" name="TextBox 19">
+            <a:extLst>
+              <a:ext uri="{FF2B5EF4-FFF2-40B4-BE49-F238E27FC236}">
+                <a16:creationId xmlns:a16="http://schemas.microsoft.com/office/drawing/2014/main" id="{9F35BE12-DB73-07B5-EA3C-FD5A3EFB0AF3}"/>
+              </a:ext>
+            </a:extLst>
+          </p:cNvPr>
+          <p:cNvSpPr txBox="1"/>
+          <p:nvPr/>
+        </p:nvSpPr>
+        <p:spPr>
+          <a:xfrm flipH="1">
+            <a:off x="1761352" y="2522926"/>
+            <a:ext cx="2289175" cy="261610"/>
+          </a:xfrm>
+          <a:prstGeom prst="rect">
+            <a:avLst/>
+          </a:prstGeom>
+          <a:noFill/>
+        </p:spPr>
+        <p:txBody>
+          <a:bodyPr wrap="square" rtlCol="0">
+            <a:spAutoFit/>
+          </a:bodyPr>
+          <a:lstStyle/>
+          <a:p>
+            <a:r>
+              <a:rPr lang="en-US" sz="1100" dirty="0"/>
+              <a:t>Replicate using native DB</a:t>
+            </a:r>
+          </a:p>
+        </p:txBody>
+      </p:sp>
+    </p:spTree>
+    <p:extLst>
+      <p:ext uri="{BB962C8B-B14F-4D97-AF65-F5344CB8AC3E}">
+        <p14:creationId xmlns:p14="http://schemas.microsoft.com/office/powerpoint/2010/main" val="1585201268"/>
+      </p:ext>
+    </p:extLst>
+  </p:cSld>
+  <p:clrMapOvr>
+    <a:masterClrMapping/>
+  </p:clrMapOvr>
+</p:sld>
+</file>
+
+<file path=ppt/slides/slide4.xml><?xml version="1.0" encoding="utf-8"?>
+<p:sld xmlns:a="http://schemas.openxmlformats.org/drawingml/2006/main" xmlns:r="http://schemas.openxmlformats.org/officeDocument/2006/relationships" xmlns:p="http://schemas.openxmlformats.org/presentationml/2006/main">
+  <p:cSld>
+    <p:spTree>
+      <p:nvGrpSpPr>
+        <p:cNvPr id="1" name=""/>
+        <p:cNvGrpSpPr/>
+        <p:nvPr/>
+      </p:nvGrpSpPr>
+      <p:grpSpPr>
+        <a:xfrm>
+          <a:off x="0" y="0"/>
+          <a:ext cx="0" cy="0"/>
+          <a:chOff x="0" y="0"/>
+          <a:chExt cx="0" cy="0"/>
+        </a:xfrm>
+      </p:grpSpPr>
+      <p:sp>
+        <p:nvSpPr>
+          <p:cNvPr id="13" name="Rectangle 12">
+            <a:extLst>
+              <a:ext uri="{FF2B5EF4-FFF2-40B4-BE49-F238E27FC236}">
+                <a16:creationId xmlns:a16="http://schemas.microsoft.com/office/drawing/2014/main" id="{F0CB5A7B-6E49-D392-D99B-50AA229A099B}"/>
+              </a:ext>
+            </a:extLst>
+          </p:cNvPr>
+          <p:cNvSpPr/>
+          <p:nvPr/>
+        </p:nvSpPr>
+        <p:spPr>
+          <a:xfrm>
+            <a:off x="573109" y="1606029"/>
+            <a:ext cx="2289175" cy="591378"/>
+          </a:xfrm>
+          <a:prstGeom prst="rect">
+            <a:avLst/>
+          </a:prstGeom>
+          <a:noFill/>
+        </p:spPr>
+        <p:style>
+          <a:lnRef idx="2">
+            <a:schemeClr val="accent1">
+              <a:shade val="15000"/>
+            </a:schemeClr>
+          </a:lnRef>
+          <a:fillRef idx="1">
+            <a:schemeClr val="accent1"/>
+          </a:fillRef>
+          <a:effectRef idx="0">
+            <a:schemeClr val="accent1"/>
+          </a:effectRef>
+          <a:fontRef idx="minor">
+            <a:schemeClr val="lt1"/>
+          </a:fontRef>
+        </p:style>
+        <p:txBody>
+          <a:bodyPr rtlCol="0" anchor="ctr"/>
+          <a:lstStyle/>
+          <a:p>
+            <a:pPr algn="ctr"/>
+            <a:r>
+              <a:rPr lang="en-US" sz="1050" dirty="0">
+                <a:solidFill>
+                  <a:schemeClr val="tx1"/>
+                </a:solidFill>
+              </a:rPr>
+              <a:t>Transactional Tables</a:t>
+            </a:r>
+          </a:p>
+        </p:txBody>
+      </p:sp>
+      <p:sp>
+        <p:nvSpPr>
+          <p:cNvPr id="17" name="Rectangle 16">
+            <a:extLst>
+              <a:ext uri="{FF2B5EF4-FFF2-40B4-BE49-F238E27FC236}">
+                <a16:creationId xmlns:a16="http://schemas.microsoft.com/office/drawing/2014/main" id="{02B8B0C7-68BC-71BB-EA1B-41F9379959C2}"/>
+              </a:ext>
+            </a:extLst>
+          </p:cNvPr>
+          <p:cNvSpPr/>
+          <p:nvPr/>
+        </p:nvSpPr>
+        <p:spPr>
+          <a:xfrm>
+            <a:off x="425472" y="1456006"/>
+            <a:ext cx="2584450" cy="991920"/>
+          </a:xfrm>
+          <a:prstGeom prst="rect">
+            <a:avLst/>
+          </a:prstGeom>
+          <a:noFill/>
+        </p:spPr>
+        <p:style>
+          <a:lnRef idx="2">
+            <a:schemeClr val="accent1">
+              <a:shade val="15000"/>
+            </a:schemeClr>
+          </a:lnRef>
+          <a:fillRef idx="1">
+            <a:schemeClr val="accent1"/>
+          </a:fillRef>
+          <a:effectRef idx="0">
+            <a:schemeClr val="accent1"/>
+          </a:effectRef>
+          <a:fontRef idx="minor">
+            <a:schemeClr val="lt1"/>
+          </a:fontRef>
+        </p:style>
+        <p:txBody>
+          <a:bodyPr rtlCol="0" anchor="ctr"/>
+          <a:lstStyle/>
+          <a:p>
+            <a:pPr algn="ctr"/>
+            <a:endParaRPr lang="en-US" sz="1400" dirty="0">
+              <a:solidFill>
+                <a:schemeClr val="tx1"/>
+              </a:solidFill>
+            </a:endParaRPr>
+          </a:p>
+        </p:txBody>
+      </p:sp>
+      <p:sp>
+        <p:nvSpPr>
+          <p:cNvPr id="18" name="TextBox 17">
+            <a:extLst>
+              <a:ext uri="{FF2B5EF4-FFF2-40B4-BE49-F238E27FC236}">
+                <a16:creationId xmlns:a16="http://schemas.microsoft.com/office/drawing/2014/main" id="{489675B5-DBFA-471B-BAE3-7DC8DC5DB50B}"/>
+              </a:ext>
+            </a:extLst>
+          </p:cNvPr>
+          <p:cNvSpPr txBox="1"/>
+          <p:nvPr/>
+        </p:nvSpPr>
+        <p:spPr>
+          <a:xfrm flipH="1">
+            <a:off x="425471" y="1189672"/>
+            <a:ext cx="2289175" cy="261610"/>
+          </a:xfrm>
+          <a:prstGeom prst="rect">
+            <a:avLst/>
+          </a:prstGeom>
+          <a:noFill/>
+        </p:spPr>
+        <p:txBody>
+          <a:bodyPr wrap="square" rtlCol="0">
+            <a:spAutoFit/>
+          </a:bodyPr>
+          <a:lstStyle/>
+          <a:p>
+            <a:r>
+              <a:rPr lang="en-US" sz="1100" dirty="0"/>
+              <a:t>Transactional DB</a:t>
+            </a:r>
+          </a:p>
+        </p:txBody>
+      </p:sp>
+      <p:sp>
+        <p:nvSpPr>
+          <p:cNvPr id="48" name="Rectangle 47">
+            <a:extLst>
+              <a:ext uri="{FF2B5EF4-FFF2-40B4-BE49-F238E27FC236}">
+                <a16:creationId xmlns:a16="http://schemas.microsoft.com/office/drawing/2014/main" id="{624218C8-5323-5DE1-630C-DF31DC5D5B84}"/>
+              </a:ext>
+            </a:extLst>
+          </p:cNvPr>
+          <p:cNvSpPr/>
+          <p:nvPr/>
+        </p:nvSpPr>
+        <p:spPr>
+          <a:xfrm>
+            <a:off x="3931468" y="3007594"/>
+            <a:ext cx="1206498" cy="591378"/>
+          </a:xfrm>
+          <a:prstGeom prst="rect">
+            <a:avLst/>
+          </a:prstGeom>
+          <a:noFill/>
+        </p:spPr>
+        <p:style>
+          <a:lnRef idx="2">
+            <a:schemeClr val="accent1">
+              <a:shade val="15000"/>
+            </a:schemeClr>
+          </a:lnRef>
+          <a:fillRef idx="1">
+            <a:schemeClr val="accent1"/>
+          </a:fillRef>
+          <a:effectRef idx="0">
+            <a:schemeClr val="accent1"/>
+          </a:effectRef>
+          <a:fontRef idx="minor">
+            <a:schemeClr val="lt1"/>
+          </a:fontRef>
+        </p:style>
+        <p:txBody>
+          <a:bodyPr rtlCol="0" anchor="ctr"/>
+          <a:lstStyle/>
+          <a:p>
+            <a:pPr algn="ctr"/>
+            <a:r>
+              <a:rPr lang="en-US" sz="1050" dirty="0" err="1">
+                <a:solidFill>
+                  <a:schemeClr val="tx1"/>
+                </a:solidFill>
+              </a:rPr>
+              <a:t>PowerBI</a:t>
+            </a:r>
+            <a:endParaRPr lang="en-US" sz="1050" dirty="0">
+              <a:solidFill>
+                <a:schemeClr val="tx1"/>
+              </a:solidFill>
+            </a:endParaRPr>
+          </a:p>
+        </p:txBody>
+      </p:sp>
+      <p:grpSp>
+        <p:nvGrpSpPr>
+          <p:cNvPr id="50" name="Group 49">
+            <a:extLst>
+              <a:ext uri="{FF2B5EF4-FFF2-40B4-BE49-F238E27FC236}">
+                <a16:creationId xmlns:a16="http://schemas.microsoft.com/office/drawing/2014/main" id="{0AB841C9-CE25-FF4D-EEA7-B1B42A034B03}"/>
+              </a:ext>
+            </a:extLst>
+          </p:cNvPr>
+          <p:cNvGrpSpPr/>
+          <p:nvPr/>
+        </p:nvGrpSpPr>
+        <p:grpSpPr>
+          <a:xfrm>
+            <a:off x="5420824" y="2866295"/>
+            <a:ext cx="628650" cy="665291"/>
+            <a:chOff x="5273959" y="1431748"/>
+            <a:chExt cx="628650" cy="665291"/>
+          </a:xfrm>
+        </p:grpSpPr>
+        <p:pic>
+          <p:nvPicPr>
+            <p:cNvPr id="1026" name="Picture 2" descr="Stick figures - People I saw at the park today : r/AdobeIllustrator">
+              <a:extLst>
+                <a:ext uri="{FF2B5EF4-FFF2-40B4-BE49-F238E27FC236}">
+                  <a16:creationId xmlns:a16="http://schemas.microsoft.com/office/drawing/2014/main" id="{35B0DEC1-67E3-E6D8-6F84-6EF8089F3766}"/>
+                </a:ext>
+              </a:extLst>
+            </p:cNvPr>
+            <p:cNvPicPr>
+              <a:picLocks noChangeAspect="1" noChangeArrowheads="1"/>
+            </p:cNvPicPr>
+            <p:nvPr/>
+          </p:nvPicPr>
+          <p:blipFill>
+            <a:blip r:embed="rId2">
+              <a:extLst>
+                <a:ext uri="{28A0092B-C50C-407E-A947-70E740481C1C}">
+                  <a14:useLocalDpi xmlns:a14="http://schemas.microsoft.com/office/drawing/2010/main" val="0"/>
+                </a:ext>
+              </a:extLst>
+            </a:blip>
+            <a:srcRect/>
+            <a:stretch>
+              <a:fillRect/>
+            </a:stretch>
+          </p:blipFill>
+          <p:spPr bwMode="auto">
+            <a:xfrm>
+              <a:off x="5353050" y="1431748"/>
+              <a:ext cx="530509" cy="514221"/>
+            </a:xfrm>
+            <a:prstGeom prst="rect">
+              <a:avLst/>
+            </a:prstGeom>
+            <a:noFill/>
+            <a:extLst>
+              <a:ext uri="{909E8E84-426E-40DD-AFC4-6F175D3DCCD1}">
+                <a14:hiddenFill xmlns:a14="http://schemas.microsoft.com/office/drawing/2010/main">
+                  <a:solidFill>
+                    <a:srgbClr val="FFFFFF"/>
+                  </a:solidFill>
+                </a14:hiddenFill>
+              </a:ext>
+            </a:extLst>
+          </p:spPr>
+        </p:pic>
+        <p:sp>
+          <p:nvSpPr>
+            <p:cNvPr id="49" name="TextBox 48">
+              <a:extLst>
+                <a:ext uri="{FF2B5EF4-FFF2-40B4-BE49-F238E27FC236}">
+                  <a16:creationId xmlns:a16="http://schemas.microsoft.com/office/drawing/2014/main" id="{A0BA4084-106E-CAAD-A33E-D446F38192FD}"/>
+                </a:ext>
+              </a:extLst>
+            </p:cNvPr>
+            <p:cNvSpPr txBox="1"/>
+            <p:nvPr/>
+          </p:nvSpPr>
+          <p:spPr>
+            <a:xfrm flipH="1">
+              <a:off x="5273959" y="1835429"/>
+              <a:ext cx="628650" cy="261610"/>
+            </a:xfrm>
+            <a:prstGeom prst="rect">
+              <a:avLst/>
+            </a:prstGeom>
+            <a:noFill/>
+          </p:spPr>
+          <p:txBody>
+            <a:bodyPr wrap="square" rtlCol="0">
+              <a:spAutoFit/>
+            </a:bodyPr>
+            <a:lstStyle/>
+            <a:p>
+              <a:pPr algn="ctr"/>
+              <a:r>
+                <a:rPr lang="en-US" sz="1100" dirty="0"/>
+                <a:t>Users</a:t>
+              </a:r>
+            </a:p>
+          </p:txBody>
+        </p:sp>
+      </p:grpSp>
+      <p:grpSp>
+        <p:nvGrpSpPr>
+          <p:cNvPr id="51" name="Group 50">
+            <a:extLst>
+              <a:ext uri="{FF2B5EF4-FFF2-40B4-BE49-F238E27FC236}">
+                <a16:creationId xmlns:a16="http://schemas.microsoft.com/office/drawing/2014/main" id="{9D6B2AEA-BE02-6E97-B49E-33A201066AE6}"/>
+              </a:ext>
+            </a:extLst>
+          </p:cNvPr>
+          <p:cNvGrpSpPr/>
+          <p:nvPr/>
+        </p:nvGrpSpPr>
+        <p:grpSpPr>
+          <a:xfrm>
+            <a:off x="4098153" y="3916929"/>
+            <a:ext cx="835027" cy="665291"/>
+            <a:chOff x="5181882" y="1431748"/>
+            <a:chExt cx="835027" cy="665291"/>
+          </a:xfrm>
+        </p:grpSpPr>
+        <p:pic>
+          <p:nvPicPr>
+            <p:cNvPr id="52" name="Picture 2" descr="Stick figures - People I saw at the park today : r/AdobeIllustrator">
+              <a:extLst>
+                <a:ext uri="{FF2B5EF4-FFF2-40B4-BE49-F238E27FC236}">
+                  <a16:creationId xmlns:a16="http://schemas.microsoft.com/office/drawing/2014/main" id="{C5D0775E-2843-D88A-FC22-3B33395D0660}"/>
+                </a:ext>
+              </a:extLst>
+            </p:cNvPr>
+            <p:cNvPicPr>
+              <a:picLocks noChangeAspect="1" noChangeArrowheads="1"/>
+            </p:cNvPicPr>
+            <p:nvPr/>
+          </p:nvPicPr>
+          <p:blipFill>
+            <a:blip r:embed="rId2">
+              <a:extLst>
+                <a:ext uri="{28A0092B-C50C-407E-A947-70E740481C1C}">
+                  <a14:useLocalDpi xmlns:a14="http://schemas.microsoft.com/office/drawing/2010/main" val="0"/>
+                </a:ext>
+              </a:extLst>
+            </a:blip>
+            <a:srcRect/>
+            <a:stretch>
+              <a:fillRect/>
+            </a:stretch>
+          </p:blipFill>
+          <p:spPr bwMode="auto">
+            <a:xfrm>
+              <a:off x="5353050" y="1431748"/>
+              <a:ext cx="530509" cy="514221"/>
+            </a:xfrm>
+            <a:prstGeom prst="rect">
+              <a:avLst/>
+            </a:prstGeom>
+            <a:noFill/>
+            <a:extLst>
+              <a:ext uri="{909E8E84-426E-40DD-AFC4-6F175D3DCCD1}">
+                <a14:hiddenFill xmlns:a14="http://schemas.microsoft.com/office/drawing/2010/main">
+                  <a:solidFill>
+                    <a:srgbClr val="FFFFFF"/>
+                  </a:solidFill>
+                </a14:hiddenFill>
+              </a:ext>
+            </a:extLst>
+          </p:spPr>
+        </p:pic>
+        <p:sp>
+          <p:nvSpPr>
+            <p:cNvPr id="53" name="TextBox 52">
+              <a:extLst>
+                <a:ext uri="{FF2B5EF4-FFF2-40B4-BE49-F238E27FC236}">
+                  <a16:creationId xmlns:a16="http://schemas.microsoft.com/office/drawing/2014/main" id="{D48C772D-EA5F-D3E7-80C0-05340C0026ED}"/>
+                </a:ext>
+              </a:extLst>
+            </p:cNvPr>
+            <p:cNvSpPr txBox="1"/>
+            <p:nvPr/>
+          </p:nvSpPr>
+          <p:spPr>
+            <a:xfrm flipH="1">
+              <a:off x="5181882" y="1835429"/>
+              <a:ext cx="835027" cy="261610"/>
+            </a:xfrm>
+            <a:prstGeom prst="rect">
+              <a:avLst/>
+            </a:prstGeom>
+            <a:noFill/>
+          </p:spPr>
+          <p:txBody>
+            <a:bodyPr wrap="square" rtlCol="0">
+              <a:spAutoFit/>
+            </a:bodyPr>
+            <a:lstStyle/>
+            <a:p>
+              <a:pPr algn="ctr"/>
+              <a:r>
+                <a:rPr lang="en-US" sz="1100" dirty="0"/>
+                <a:t>Developers</a:t>
+              </a:r>
+            </a:p>
+          </p:txBody>
+        </p:sp>
+      </p:grpSp>
+      <p:cxnSp>
+        <p:nvCxnSpPr>
+          <p:cNvPr id="55" name="Straight Arrow Connector 54">
+            <a:extLst>
+              <a:ext uri="{FF2B5EF4-FFF2-40B4-BE49-F238E27FC236}">
+                <a16:creationId xmlns:a16="http://schemas.microsoft.com/office/drawing/2014/main" id="{E97F37D6-54EA-1C7B-F71A-BE5B2B7338B6}"/>
+              </a:ext>
+            </a:extLst>
+          </p:cNvPr>
+          <p:cNvCxnSpPr>
+            <a:stCxn id="1026" idx="1"/>
+            <a:endCxn id="48" idx="3"/>
+          </p:cNvCxnSpPr>
+          <p:nvPr/>
+        </p:nvCxnSpPr>
+        <p:spPr>
+          <a:xfrm flipH="1">
+            <a:off x="5137966" y="3123406"/>
+            <a:ext cx="361949" cy="179877"/>
+          </a:xfrm>
+          <a:prstGeom prst="straightConnector1">
+            <a:avLst/>
+          </a:prstGeom>
+          <a:ln>
+            <a:tailEnd type="triangle"/>
+          </a:ln>
+        </p:spPr>
+        <p:style>
+          <a:lnRef idx="1">
+            <a:schemeClr val="accent1"/>
+          </a:lnRef>
+          <a:fillRef idx="0">
+            <a:schemeClr val="accent1"/>
+          </a:fillRef>
+          <a:effectRef idx="0">
+            <a:schemeClr val="accent1"/>
+          </a:effectRef>
+          <a:fontRef idx="minor">
+            <a:schemeClr val="tx1"/>
+          </a:fontRef>
+        </p:style>
+      </p:cxnSp>
+      <p:cxnSp>
+        <p:nvCxnSpPr>
+          <p:cNvPr id="56" name="Straight Arrow Connector 55">
+            <a:extLst>
+              <a:ext uri="{FF2B5EF4-FFF2-40B4-BE49-F238E27FC236}">
+                <a16:creationId xmlns:a16="http://schemas.microsoft.com/office/drawing/2014/main" id="{38DC8DE8-E01B-3107-A25F-5FEE6F17EBF3}"/>
+              </a:ext>
+            </a:extLst>
+          </p:cNvPr>
+          <p:cNvCxnSpPr>
+            <a:cxnSpLocks/>
+            <a:stCxn id="52" idx="0"/>
+            <a:endCxn id="48" idx="2"/>
+          </p:cNvCxnSpPr>
+          <p:nvPr/>
+        </p:nvCxnSpPr>
+        <p:spPr>
+          <a:xfrm flipV="1">
+            <a:off x="4534576" y="3598972"/>
+            <a:ext cx="141" cy="317957"/>
+          </a:xfrm>
+          <a:prstGeom prst="straightConnector1">
+            <a:avLst/>
+          </a:prstGeom>
+          <a:ln>
+            <a:tailEnd type="triangle"/>
+          </a:ln>
+        </p:spPr>
+        <p:style>
+          <a:lnRef idx="1">
+            <a:schemeClr val="accent1"/>
+          </a:lnRef>
+          <a:fillRef idx="0">
+            <a:schemeClr val="accent1"/>
+          </a:fillRef>
+          <a:effectRef idx="0">
+            <a:schemeClr val="accent1"/>
+          </a:effectRef>
+          <a:fontRef idx="minor">
+            <a:schemeClr val="tx1"/>
+          </a:fontRef>
+        </p:style>
+      </p:cxnSp>
+      <p:cxnSp>
+        <p:nvCxnSpPr>
+          <p:cNvPr id="61" name="Straight Arrow Connector 60">
+            <a:extLst>
+              <a:ext uri="{FF2B5EF4-FFF2-40B4-BE49-F238E27FC236}">
+                <a16:creationId xmlns:a16="http://schemas.microsoft.com/office/drawing/2014/main" id="{41C33A3D-B6B7-A8FD-E401-37D22625B84B}"/>
+              </a:ext>
+            </a:extLst>
+          </p:cNvPr>
+          <p:cNvCxnSpPr>
+            <a:cxnSpLocks/>
+            <a:stCxn id="48" idx="1"/>
+            <a:endCxn id="6" idx="3"/>
+          </p:cNvCxnSpPr>
+          <p:nvPr/>
+        </p:nvCxnSpPr>
+        <p:spPr>
+          <a:xfrm flipH="1">
+            <a:off x="3009922" y="3303283"/>
+            <a:ext cx="921546" cy="437175"/>
+          </a:xfrm>
+          <a:prstGeom prst="straightConnector1">
+            <a:avLst/>
+          </a:prstGeom>
+          <a:ln>
+            <a:tailEnd type="triangle"/>
+          </a:ln>
+        </p:spPr>
+        <p:style>
+          <a:lnRef idx="1">
+            <a:schemeClr val="accent1"/>
+          </a:lnRef>
+          <a:fillRef idx="0">
+            <a:schemeClr val="accent1"/>
+          </a:fillRef>
+          <a:effectRef idx="0">
+            <a:schemeClr val="accent1"/>
+          </a:effectRef>
+          <a:fontRef idx="minor">
+            <a:schemeClr val="tx1"/>
+          </a:fontRef>
+        </p:style>
+      </p:cxnSp>
+      <p:sp>
+        <p:nvSpPr>
+          <p:cNvPr id="5" name="Rectangle 4">
+            <a:extLst>
+              <a:ext uri="{FF2B5EF4-FFF2-40B4-BE49-F238E27FC236}">
+                <a16:creationId xmlns:a16="http://schemas.microsoft.com/office/drawing/2014/main" id="{C474B57F-0AD1-E7F8-735F-9AC6546A1428}"/>
+              </a:ext>
+            </a:extLst>
+          </p:cNvPr>
+          <p:cNvSpPr/>
+          <p:nvPr/>
+        </p:nvSpPr>
+        <p:spPr>
+          <a:xfrm>
+            <a:off x="573109" y="3082404"/>
+            <a:ext cx="2289175" cy="886128"/>
+          </a:xfrm>
+          <a:prstGeom prst="rect">
+            <a:avLst/>
+          </a:prstGeom>
+          <a:noFill/>
+        </p:spPr>
+        <p:style>
+          <a:lnRef idx="2">
+            <a:schemeClr val="accent1">
+              <a:shade val="15000"/>
+            </a:schemeClr>
+          </a:lnRef>
+          <a:fillRef idx="1">
+            <a:schemeClr val="accent1"/>
+          </a:fillRef>
+          <a:effectRef idx="0">
+            <a:schemeClr val="accent1"/>
+          </a:effectRef>
+          <a:fontRef idx="minor">
+            <a:schemeClr val="lt1"/>
+          </a:fontRef>
+        </p:style>
+        <p:txBody>
+          <a:bodyPr rtlCol="0" anchor="ctr"/>
+          <a:lstStyle/>
+          <a:p>
+            <a:pPr algn="ctr"/>
+            <a:r>
+              <a:rPr lang="en-US" sz="1050" dirty="0">
+                <a:solidFill>
+                  <a:schemeClr val="tx1"/>
+                </a:solidFill>
+              </a:rPr>
+              <a:t>Transactional Tables</a:t>
+            </a:r>
+          </a:p>
+          <a:p>
+            <a:pPr algn="ctr"/>
+            <a:r>
+              <a:rPr lang="en-US" sz="1050" dirty="0">
+                <a:solidFill>
+                  <a:schemeClr val="tx1"/>
+                </a:solidFill>
+              </a:rPr>
+              <a:t>And, or New Schema</a:t>
+            </a:r>
+          </a:p>
+          <a:p>
+            <a:pPr algn="ctr"/>
+            <a:r>
+              <a:rPr lang="en-US" sz="1050" dirty="0">
+                <a:solidFill>
+                  <a:schemeClr val="tx1"/>
+                </a:solidFill>
+              </a:rPr>
+              <a:t>Roll up Tables</a:t>
+            </a:r>
+          </a:p>
+          <a:p>
+            <a:pPr algn="ctr"/>
+            <a:r>
+              <a:rPr lang="en-US" sz="1050" dirty="0">
+                <a:solidFill>
+                  <a:schemeClr val="tx1"/>
+                </a:solidFill>
+              </a:rPr>
+              <a:t>Aggregate Tables</a:t>
+            </a:r>
+          </a:p>
+        </p:txBody>
+      </p:sp>
+      <p:sp>
+        <p:nvSpPr>
+          <p:cNvPr id="6" name="Rectangle 5">
+            <a:extLst>
+              <a:ext uri="{FF2B5EF4-FFF2-40B4-BE49-F238E27FC236}">
+                <a16:creationId xmlns:a16="http://schemas.microsoft.com/office/drawing/2014/main" id="{E93743E9-C212-A901-3D17-991321843D9C}"/>
+              </a:ext>
+            </a:extLst>
+          </p:cNvPr>
+          <p:cNvSpPr/>
+          <p:nvPr/>
+        </p:nvSpPr>
+        <p:spPr>
+          <a:xfrm>
+            <a:off x="425472" y="2932380"/>
+            <a:ext cx="2584450" cy="1616155"/>
+          </a:xfrm>
+          <a:prstGeom prst="rect">
+            <a:avLst/>
+          </a:prstGeom>
+          <a:noFill/>
+        </p:spPr>
+        <p:style>
+          <a:lnRef idx="2">
+            <a:schemeClr val="accent1">
+              <a:shade val="15000"/>
+            </a:schemeClr>
+          </a:lnRef>
+          <a:fillRef idx="1">
+            <a:schemeClr val="accent1"/>
+          </a:fillRef>
+          <a:effectRef idx="0">
+            <a:schemeClr val="accent1"/>
+          </a:effectRef>
+          <a:fontRef idx="minor">
+            <a:schemeClr val="lt1"/>
+          </a:fontRef>
+        </p:style>
+        <p:txBody>
+          <a:bodyPr rtlCol="0" anchor="ctr"/>
+          <a:lstStyle/>
+          <a:p>
+            <a:pPr algn="ctr"/>
+            <a:endParaRPr lang="en-US" sz="1400" dirty="0">
+              <a:solidFill>
+                <a:schemeClr val="tx1"/>
+              </a:solidFill>
+            </a:endParaRPr>
+          </a:p>
+        </p:txBody>
+      </p:sp>
+      <p:sp>
+        <p:nvSpPr>
+          <p:cNvPr id="11" name="Rectangle 10">
+            <a:extLst>
+              <a:ext uri="{FF2B5EF4-FFF2-40B4-BE49-F238E27FC236}">
+                <a16:creationId xmlns:a16="http://schemas.microsoft.com/office/drawing/2014/main" id="{64B69E0A-5C6C-F88B-99A5-86A8600FF977}"/>
+              </a:ext>
+            </a:extLst>
+          </p:cNvPr>
+          <p:cNvSpPr/>
+          <p:nvPr/>
+        </p:nvSpPr>
+        <p:spPr>
+          <a:xfrm>
+            <a:off x="1178739" y="4106644"/>
+            <a:ext cx="1077914" cy="346342"/>
+          </a:xfrm>
+          <a:prstGeom prst="rect">
+            <a:avLst/>
+          </a:prstGeom>
+          <a:noFill/>
+        </p:spPr>
+        <p:style>
+          <a:lnRef idx="2">
+            <a:schemeClr val="accent1">
+              <a:shade val="15000"/>
+            </a:schemeClr>
+          </a:lnRef>
+          <a:fillRef idx="1">
+            <a:schemeClr val="accent1"/>
+          </a:fillRef>
+          <a:effectRef idx="0">
+            <a:schemeClr val="accent1"/>
+          </a:effectRef>
+          <a:fontRef idx="minor">
+            <a:schemeClr val="lt1"/>
+          </a:fontRef>
+        </p:style>
+        <p:txBody>
+          <a:bodyPr rtlCol="0" anchor="ctr"/>
+          <a:lstStyle/>
+          <a:p>
+            <a:pPr algn="ctr"/>
+            <a:r>
+              <a:rPr lang="en-US" sz="1050" dirty="0">
+                <a:solidFill>
+                  <a:schemeClr val="tx1"/>
+                </a:solidFill>
+              </a:rPr>
+              <a:t>Materialized Views</a:t>
+            </a:r>
+          </a:p>
+        </p:txBody>
+      </p:sp>
+      <p:sp>
+        <p:nvSpPr>
+          <p:cNvPr id="12" name="TextBox 11">
+            <a:extLst>
+              <a:ext uri="{FF2B5EF4-FFF2-40B4-BE49-F238E27FC236}">
+                <a16:creationId xmlns:a16="http://schemas.microsoft.com/office/drawing/2014/main" id="{03C2405F-B977-2285-9710-876CE865230E}"/>
+              </a:ext>
+            </a:extLst>
+          </p:cNvPr>
+          <p:cNvSpPr txBox="1"/>
+          <p:nvPr/>
+        </p:nvSpPr>
+        <p:spPr>
+          <a:xfrm flipH="1">
+            <a:off x="434223" y="4654545"/>
+            <a:ext cx="2289175" cy="261610"/>
+          </a:xfrm>
+          <a:prstGeom prst="rect">
+            <a:avLst/>
+          </a:prstGeom>
+          <a:noFill/>
+        </p:spPr>
+        <p:txBody>
+          <a:bodyPr wrap="square" rtlCol="0">
+            <a:spAutoFit/>
+          </a:bodyPr>
+          <a:lstStyle/>
+          <a:p>
+            <a:r>
+              <a:rPr lang="en-US" sz="1100" dirty="0"/>
+              <a:t>Replicated DB with Reporting</a:t>
+            </a:r>
+          </a:p>
+        </p:txBody>
+      </p:sp>
+      <p:cxnSp>
+        <p:nvCxnSpPr>
+          <p:cNvPr id="14" name="Straight Arrow Connector 13">
+            <a:extLst>
+              <a:ext uri="{FF2B5EF4-FFF2-40B4-BE49-F238E27FC236}">
+                <a16:creationId xmlns:a16="http://schemas.microsoft.com/office/drawing/2014/main" id="{DB4F2C52-DF61-5F85-5A3E-3F73F4B7DA2F}"/>
+              </a:ext>
+            </a:extLst>
+          </p:cNvPr>
+          <p:cNvCxnSpPr>
+            <a:cxnSpLocks/>
+            <a:stCxn id="13" idx="2"/>
+            <a:endCxn id="5" idx="0"/>
+          </p:cNvCxnSpPr>
+          <p:nvPr/>
+        </p:nvCxnSpPr>
+        <p:spPr>
+          <a:xfrm>
+            <a:off x="1717697" y="2197407"/>
+            <a:ext cx="0" cy="884997"/>
+          </a:xfrm>
+          <a:prstGeom prst="straightConnector1">
+            <a:avLst/>
+          </a:prstGeom>
+          <a:ln>
+            <a:tailEnd type="triangle"/>
+          </a:ln>
+        </p:spPr>
+        <p:style>
+          <a:lnRef idx="1">
+            <a:schemeClr val="accent1"/>
+          </a:lnRef>
+          <a:fillRef idx="0">
+            <a:schemeClr val="accent1"/>
+          </a:fillRef>
+          <a:effectRef idx="0">
+            <a:schemeClr val="accent1"/>
+          </a:effectRef>
+          <a:fontRef idx="minor">
+            <a:schemeClr val="tx1"/>
+          </a:fontRef>
+        </p:style>
+      </p:cxnSp>
+      <p:sp>
+        <p:nvSpPr>
+          <p:cNvPr id="20" name="TextBox 19">
+            <a:extLst>
+              <a:ext uri="{FF2B5EF4-FFF2-40B4-BE49-F238E27FC236}">
+                <a16:creationId xmlns:a16="http://schemas.microsoft.com/office/drawing/2014/main" id="{9F35BE12-DB73-07B5-EA3C-FD5A3EFB0AF3}"/>
+              </a:ext>
+            </a:extLst>
+          </p:cNvPr>
+          <p:cNvSpPr txBox="1"/>
+          <p:nvPr/>
+        </p:nvSpPr>
+        <p:spPr>
+          <a:xfrm flipH="1">
+            <a:off x="1761352" y="2522926"/>
+            <a:ext cx="2289175" cy="261610"/>
+          </a:xfrm>
+          <a:prstGeom prst="rect">
+            <a:avLst/>
+          </a:prstGeom>
+          <a:noFill/>
+        </p:spPr>
+        <p:txBody>
+          <a:bodyPr wrap="square" rtlCol="0">
+            <a:spAutoFit/>
+          </a:bodyPr>
+          <a:lstStyle/>
+          <a:p>
+            <a:r>
+              <a:rPr lang="en-US" sz="1100" dirty="0"/>
+              <a:t>Replicate using CDC</a:t>
+            </a:r>
+          </a:p>
+        </p:txBody>
+      </p:sp>
+    </p:spTree>
+    <p:extLst>
+      <p:ext uri="{BB962C8B-B14F-4D97-AF65-F5344CB8AC3E}">
+        <p14:creationId xmlns:p14="http://schemas.microsoft.com/office/powerpoint/2010/main" val="1369192777"/>
+      </p:ext>
+    </p:extLst>
+  </p:cSld>
+  <p:clrMapOvr>
+    <a:masterClrMapping/>
+  </p:clrMapOvr>
+</p:sld>
+</file>
+
+<file path=ppt/slides/slide5.xml><?xml version="1.0" encoding="utf-8"?>
+<p:sld xmlns:a="http://schemas.openxmlformats.org/drawingml/2006/main" xmlns:r="http://schemas.openxmlformats.org/officeDocument/2006/relationships" xmlns:p="http://schemas.openxmlformats.org/presentationml/2006/main">
+  <p:cSld>
+    <p:spTree>
+      <p:nvGrpSpPr>
+        <p:cNvPr id="1" name=""/>
+        <p:cNvGrpSpPr/>
+        <p:nvPr/>
+      </p:nvGrpSpPr>
+      <p:grpSpPr>
+        <a:xfrm>
+          <a:off x="0" y="0"/>
+          <a:ext cx="0" cy="0"/>
+          <a:chOff x="0" y="0"/>
+          <a:chExt cx="0" cy="0"/>
+        </a:xfrm>
+      </p:grpSpPr>
+      <p:sp>
+        <p:nvSpPr>
+          <p:cNvPr id="13" name="Rectangle 12">
+            <a:extLst>
+              <a:ext uri="{FF2B5EF4-FFF2-40B4-BE49-F238E27FC236}">
+                <a16:creationId xmlns:a16="http://schemas.microsoft.com/office/drawing/2014/main" id="{F0CB5A7B-6E49-D392-D99B-50AA229A099B}"/>
+              </a:ext>
+            </a:extLst>
+          </p:cNvPr>
+          <p:cNvSpPr/>
+          <p:nvPr/>
+        </p:nvSpPr>
+        <p:spPr>
+          <a:xfrm>
+            <a:off x="573109" y="1606029"/>
+            <a:ext cx="2289175" cy="591378"/>
+          </a:xfrm>
+          <a:prstGeom prst="rect">
+            <a:avLst/>
+          </a:prstGeom>
+          <a:noFill/>
+        </p:spPr>
+        <p:style>
+          <a:lnRef idx="2">
+            <a:schemeClr val="accent1">
+              <a:shade val="15000"/>
+            </a:schemeClr>
+          </a:lnRef>
+          <a:fillRef idx="1">
+            <a:schemeClr val="accent1"/>
+          </a:fillRef>
+          <a:effectRef idx="0">
+            <a:schemeClr val="accent1"/>
+          </a:effectRef>
+          <a:fontRef idx="minor">
+            <a:schemeClr val="lt1"/>
+          </a:fontRef>
+        </p:style>
+        <p:txBody>
+          <a:bodyPr rtlCol="0" anchor="ctr"/>
+          <a:lstStyle/>
+          <a:p>
+            <a:pPr algn="ctr"/>
+            <a:r>
+              <a:rPr lang="en-US" sz="1050" dirty="0">
+                <a:solidFill>
+                  <a:schemeClr val="tx1"/>
+                </a:solidFill>
+              </a:rPr>
+              <a:t>Transactional Tables</a:t>
+            </a:r>
+          </a:p>
+        </p:txBody>
+      </p:sp>
+      <p:sp>
+        <p:nvSpPr>
+          <p:cNvPr id="17" name="Rectangle 16">
+            <a:extLst>
+              <a:ext uri="{FF2B5EF4-FFF2-40B4-BE49-F238E27FC236}">
+                <a16:creationId xmlns:a16="http://schemas.microsoft.com/office/drawing/2014/main" id="{02B8B0C7-68BC-71BB-EA1B-41F9379959C2}"/>
+              </a:ext>
+            </a:extLst>
+          </p:cNvPr>
+          <p:cNvSpPr/>
+          <p:nvPr/>
+        </p:nvSpPr>
+        <p:spPr>
+          <a:xfrm>
+            <a:off x="425472" y="1456006"/>
+            <a:ext cx="2584450" cy="991920"/>
+          </a:xfrm>
+          <a:prstGeom prst="rect">
+            <a:avLst/>
+          </a:prstGeom>
+          <a:noFill/>
+        </p:spPr>
+        <p:style>
+          <a:lnRef idx="2">
+            <a:schemeClr val="accent1">
+              <a:shade val="15000"/>
+            </a:schemeClr>
+          </a:lnRef>
+          <a:fillRef idx="1">
+            <a:schemeClr val="accent1"/>
+          </a:fillRef>
+          <a:effectRef idx="0">
+            <a:schemeClr val="accent1"/>
+          </a:effectRef>
+          <a:fontRef idx="minor">
+            <a:schemeClr val="lt1"/>
+          </a:fontRef>
+        </p:style>
+        <p:txBody>
+          <a:bodyPr rtlCol="0" anchor="ctr"/>
+          <a:lstStyle/>
+          <a:p>
+            <a:pPr algn="ctr"/>
+            <a:endParaRPr lang="en-US" sz="1400" dirty="0">
+              <a:solidFill>
+                <a:schemeClr val="tx1"/>
+              </a:solidFill>
+            </a:endParaRPr>
+          </a:p>
+        </p:txBody>
+      </p:sp>
+      <p:sp>
+        <p:nvSpPr>
+          <p:cNvPr id="18" name="TextBox 17">
+            <a:extLst>
+              <a:ext uri="{FF2B5EF4-FFF2-40B4-BE49-F238E27FC236}">
+                <a16:creationId xmlns:a16="http://schemas.microsoft.com/office/drawing/2014/main" id="{489675B5-DBFA-471B-BAE3-7DC8DC5DB50B}"/>
+              </a:ext>
+            </a:extLst>
+          </p:cNvPr>
+          <p:cNvSpPr txBox="1"/>
+          <p:nvPr/>
+        </p:nvSpPr>
+        <p:spPr>
+          <a:xfrm flipH="1">
+            <a:off x="425471" y="1189672"/>
+            <a:ext cx="2289175" cy="261610"/>
+          </a:xfrm>
+          <a:prstGeom prst="rect">
+            <a:avLst/>
+          </a:prstGeom>
+          <a:noFill/>
+        </p:spPr>
+        <p:txBody>
+          <a:bodyPr wrap="square" rtlCol="0">
+            <a:spAutoFit/>
+          </a:bodyPr>
+          <a:lstStyle/>
+          <a:p>
+            <a:r>
+              <a:rPr lang="en-US" sz="1100" dirty="0"/>
+              <a:t>Transactional DB</a:t>
+            </a:r>
+          </a:p>
+        </p:txBody>
+      </p:sp>
+      <p:sp>
+        <p:nvSpPr>
+          <p:cNvPr id="48" name="Rectangle 47">
+            <a:extLst>
+              <a:ext uri="{FF2B5EF4-FFF2-40B4-BE49-F238E27FC236}">
+                <a16:creationId xmlns:a16="http://schemas.microsoft.com/office/drawing/2014/main" id="{624218C8-5323-5DE1-630C-DF31DC5D5B84}"/>
+              </a:ext>
+            </a:extLst>
+          </p:cNvPr>
+          <p:cNvSpPr/>
+          <p:nvPr/>
+        </p:nvSpPr>
+        <p:spPr>
+          <a:xfrm>
+            <a:off x="3931468" y="2426569"/>
+            <a:ext cx="1206498" cy="591378"/>
+          </a:xfrm>
+          <a:prstGeom prst="rect">
+            <a:avLst/>
+          </a:prstGeom>
+          <a:noFill/>
+        </p:spPr>
+        <p:style>
+          <a:lnRef idx="2">
+            <a:schemeClr val="accent1">
+              <a:shade val="15000"/>
+            </a:schemeClr>
+          </a:lnRef>
+          <a:fillRef idx="1">
+            <a:schemeClr val="accent1"/>
+          </a:fillRef>
+          <a:effectRef idx="0">
+            <a:schemeClr val="accent1"/>
+          </a:effectRef>
+          <a:fontRef idx="minor">
+            <a:schemeClr val="lt1"/>
+          </a:fontRef>
+        </p:style>
+        <p:txBody>
+          <a:bodyPr rtlCol="0" anchor="ctr"/>
+          <a:lstStyle/>
+          <a:p>
+            <a:pPr algn="ctr"/>
+            <a:r>
+              <a:rPr lang="en-US" sz="1050" dirty="0">
+                <a:solidFill>
+                  <a:schemeClr val="tx1"/>
+                </a:solidFill>
+              </a:rPr>
+              <a:t>Kibana</a:t>
+            </a:r>
+          </a:p>
+        </p:txBody>
+      </p:sp>
+      <p:grpSp>
+        <p:nvGrpSpPr>
+          <p:cNvPr id="50" name="Group 49">
+            <a:extLst>
+              <a:ext uri="{FF2B5EF4-FFF2-40B4-BE49-F238E27FC236}">
+                <a16:creationId xmlns:a16="http://schemas.microsoft.com/office/drawing/2014/main" id="{0AB841C9-CE25-FF4D-EEA7-B1B42A034B03}"/>
+              </a:ext>
+            </a:extLst>
+          </p:cNvPr>
+          <p:cNvGrpSpPr/>
+          <p:nvPr/>
+        </p:nvGrpSpPr>
+        <p:grpSpPr>
+          <a:xfrm>
+            <a:off x="5420824" y="2285270"/>
+            <a:ext cx="628650" cy="665291"/>
+            <a:chOff x="5273959" y="1431748"/>
+            <a:chExt cx="628650" cy="665291"/>
+          </a:xfrm>
+        </p:grpSpPr>
+        <p:pic>
+          <p:nvPicPr>
+            <p:cNvPr id="1026" name="Picture 2" descr="Stick figures - People I saw at the park today : r/AdobeIllustrator">
+              <a:extLst>
+                <a:ext uri="{FF2B5EF4-FFF2-40B4-BE49-F238E27FC236}">
+                  <a16:creationId xmlns:a16="http://schemas.microsoft.com/office/drawing/2014/main" id="{35B0DEC1-67E3-E6D8-6F84-6EF8089F3766}"/>
+                </a:ext>
+              </a:extLst>
+            </p:cNvPr>
+            <p:cNvPicPr>
+              <a:picLocks noChangeAspect="1" noChangeArrowheads="1"/>
+            </p:cNvPicPr>
+            <p:nvPr/>
+          </p:nvPicPr>
+          <p:blipFill>
+            <a:blip r:embed="rId2">
+              <a:extLst>
+                <a:ext uri="{28A0092B-C50C-407E-A947-70E740481C1C}">
+                  <a14:useLocalDpi xmlns:a14="http://schemas.microsoft.com/office/drawing/2010/main" val="0"/>
+                </a:ext>
+              </a:extLst>
+            </a:blip>
+            <a:srcRect/>
+            <a:stretch>
+              <a:fillRect/>
+            </a:stretch>
+          </p:blipFill>
+          <p:spPr bwMode="auto">
+            <a:xfrm>
+              <a:off x="5353050" y="1431748"/>
+              <a:ext cx="530509" cy="514221"/>
+            </a:xfrm>
+            <a:prstGeom prst="rect">
+              <a:avLst/>
+            </a:prstGeom>
+            <a:noFill/>
+            <a:extLst>
+              <a:ext uri="{909E8E84-426E-40DD-AFC4-6F175D3DCCD1}">
+                <a14:hiddenFill xmlns:a14="http://schemas.microsoft.com/office/drawing/2010/main">
+                  <a:solidFill>
+                    <a:srgbClr val="FFFFFF"/>
+                  </a:solidFill>
+                </a14:hiddenFill>
+              </a:ext>
+            </a:extLst>
+          </p:spPr>
+        </p:pic>
+        <p:sp>
+          <p:nvSpPr>
+            <p:cNvPr id="49" name="TextBox 48">
+              <a:extLst>
+                <a:ext uri="{FF2B5EF4-FFF2-40B4-BE49-F238E27FC236}">
+                  <a16:creationId xmlns:a16="http://schemas.microsoft.com/office/drawing/2014/main" id="{A0BA4084-106E-CAAD-A33E-D446F38192FD}"/>
+                </a:ext>
+              </a:extLst>
+            </p:cNvPr>
+            <p:cNvSpPr txBox="1"/>
+            <p:nvPr/>
+          </p:nvSpPr>
+          <p:spPr>
+            <a:xfrm flipH="1">
+              <a:off x="5273959" y="1835429"/>
+              <a:ext cx="628650" cy="261610"/>
+            </a:xfrm>
+            <a:prstGeom prst="rect">
+              <a:avLst/>
+            </a:prstGeom>
+            <a:noFill/>
+          </p:spPr>
+          <p:txBody>
+            <a:bodyPr wrap="square" rtlCol="0">
+              <a:spAutoFit/>
+            </a:bodyPr>
+            <a:lstStyle/>
+            <a:p>
+              <a:pPr algn="ctr"/>
+              <a:r>
+                <a:rPr lang="en-US" sz="1100" dirty="0"/>
+                <a:t>Users</a:t>
+              </a:r>
+            </a:p>
+          </p:txBody>
+        </p:sp>
+      </p:grpSp>
+      <p:grpSp>
+        <p:nvGrpSpPr>
+          <p:cNvPr id="51" name="Group 50">
+            <a:extLst>
+              <a:ext uri="{FF2B5EF4-FFF2-40B4-BE49-F238E27FC236}">
+                <a16:creationId xmlns:a16="http://schemas.microsoft.com/office/drawing/2014/main" id="{9D6B2AEA-BE02-6E97-B49E-33A201066AE6}"/>
+              </a:ext>
+            </a:extLst>
+          </p:cNvPr>
+          <p:cNvGrpSpPr/>
+          <p:nvPr/>
+        </p:nvGrpSpPr>
+        <p:grpSpPr>
+          <a:xfrm>
+            <a:off x="4098153" y="3335904"/>
+            <a:ext cx="835027" cy="665291"/>
+            <a:chOff x="5181882" y="1431748"/>
+            <a:chExt cx="835027" cy="665291"/>
+          </a:xfrm>
+        </p:grpSpPr>
+        <p:pic>
+          <p:nvPicPr>
+            <p:cNvPr id="52" name="Picture 2" descr="Stick figures - People I saw at the park today : r/AdobeIllustrator">
+              <a:extLst>
+                <a:ext uri="{FF2B5EF4-FFF2-40B4-BE49-F238E27FC236}">
+                  <a16:creationId xmlns:a16="http://schemas.microsoft.com/office/drawing/2014/main" id="{C5D0775E-2843-D88A-FC22-3B33395D0660}"/>
+                </a:ext>
+              </a:extLst>
+            </p:cNvPr>
+            <p:cNvPicPr>
+              <a:picLocks noChangeAspect="1" noChangeArrowheads="1"/>
+            </p:cNvPicPr>
+            <p:nvPr/>
+          </p:nvPicPr>
+          <p:blipFill>
+            <a:blip r:embed="rId2">
+              <a:extLst>
+                <a:ext uri="{28A0092B-C50C-407E-A947-70E740481C1C}">
+                  <a14:useLocalDpi xmlns:a14="http://schemas.microsoft.com/office/drawing/2010/main" val="0"/>
+                </a:ext>
+              </a:extLst>
+            </a:blip>
+            <a:srcRect/>
+            <a:stretch>
+              <a:fillRect/>
+            </a:stretch>
+          </p:blipFill>
+          <p:spPr bwMode="auto">
+            <a:xfrm>
+              <a:off x="5353050" y="1431748"/>
+              <a:ext cx="530509" cy="514221"/>
+            </a:xfrm>
+            <a:prstGeom prst="rect">
+              <a:avLst/>
+            </a:prstGeom>
+            <a:noFill/>
+            <a:extLst>
+              <a:ext uri="{909E8E84-426E-40DD-AFC4-6F175D3DCCD1}">
+                <a14:hiddenFill xmlns:a14="http://schemas.microsoft.com/office/drawing/2010/main">
+                  <a:solidFill>
+                    <a:srgbClr val="FFFFFF"/>
+                  </a:solidFill>
+                </a14:hiddenFill>
+              </a:ext>
+            </a:extLst>
+          </p:spPr>
+        </p:pic>
+        <p:sp>
+          <p:nvSpPr>
+            <p:cNvPr id="53" name="TextBox 52">
+              <a:extLst>
+                <a:ext uri="{FF2B5EF4-FFF2-40B4-BE49-F238E27FC236}">
+                  <a16:creationId xmlns:a16="http://schemas.microsoft.com/office/drawing/2014/main" id="{D48C772D-EA5F-D3E7-80C0-05340C0026ED}"/>
+                </a:ext>
+              </a:extLst>
+            </p:cNvPr>
+            <p:cNvSpPr txBox="1"/>
+            <p:nvPr/>
+          </p:nvSpPr>
+          <p:spPr>
+            <a:xfrm flipH="1">
+              <a:off x="5181882" y="1835429"/>
+              <a:ext cx="835027" cy="261610"/>
+            </a:xfrm>
+            <a:prstGeom prst="rect">
+              <a:avLst/>
+            </a:prstGeom>
+            <a:noFill/>
+          </p:spPr>
+          <p:txBody>
+            <a:bodyPr wrap="square" rtlCol="0">
+              <a:spAutoFit/>
+            </a:bodyPr>
+            <a:lstStyle/>
+            <a:p>
+              <a:pPr algn="ctr"/>
+              <a:r>
+                <a:rPr lang="en-US" sz="1100" dirty="0"/>
+                <a:t>Developers</a:t>
+              </a:r>
+            </a:p>
+          </p:txBody>
+        </p:sp>
+      </p:grpSp>
+      <p:cxnSp>
+        <p:nvCxnSpPr>
+          <p:cNvPr id="55" name="Straight Arrow Connector 54">
+            <a:extLst>
+              <a:ext uri="{FF2B5EF4-FFF2-40B4-BE49-F238E27FC236}">
+                <a16:creationId xmlns:a16="http://schemas.microsoft.com/office/drawing/2014/main" id="{E97F37D6-54EA-1C7B-F71A-BE5B2B7338B6}"/>
+              </a:ext>
+            </a:extLst>
+          </p:cNvPr>
+          <p:cNvCxnSpPr>
+            <a:stCxn id="1026" idx="1"/>
+            <a:endCxn id="48" idx="3"/>
+          </p:cNvCxnSpPr>
+          <p:nvPr/>
+        </p:nvCxnSpPr>
+        <p:spPr>
+          <a:xfrm flipH="1">
+            <a:off x="5137966" y="2542381"/>
+            <a:ext cx="361949" cy="179877"/>
+          </a:xfrm>
+          <a:prstGeom prst="straightConnector1">
+            <a:avLst/>
+          </a:prstGeom>
+          <a:ln>
+            <a:tailEnd type="triangle"/>
+          </a:ln>
+        </p:spPr>
+        <p:style>
+          <a:lnRef idx="1">
+            <a:schemeClr val="accent1"/>
+          </a:lnRef>
+          <a:fillRef idx="0">
+            <a:schemeClr val="accent1"/>
+          </a:fillRef>
+          <a:effectRef idx="0">
+            <a:schemeClr val="accent1"/>
+          </a:effectRef>
+          <a:fontRef idx="minor">
+            <a:schemeClr val="tx1"/>
+          </a:fontRef>
+        </p:style>
+      </p:cxnSp>
+      <p:cxnSp>
+        <p:nvCxnSpPr>
+          <p:cNvPr id="56" name="Straight Arrow Connector 55">
+            <a:extLst>
+              <a:ext uri="{FF2B5EF4-FFF2-40B4-BE49-F238E27FC236}">
+                <a16:creationId xmlns:a16="http://schemas.microsoft.com/office/drawing/2014/main" id="{38DC8DE8-E01B-3107-A25F-5FEE6F17EBF3}"/>
+              </a:ext>
+            </a:extLst>
+          </p:cNvPr>
+          <p:cNvCxnSpPr>
+            <a:cxnSpLocks/>
+            <a:stCxn id="52" idx="0"/>
+            <a:endCxn id="48" idx="2"/>
+          </p:cNvCxnSpPr>
+          <p:nvPr/>
+        </p:nvCxnSpPr>
+        <p:spPr>
+          <a:xfrm flipV="1">
+            <a:off x="4534576" y="3017947"/>
+            <a:ext cx="141" cy="317957"/>
+          </a:xfrm>
+          <a:prstGeom prst="straightConnector1">
+            <a:avLst/>
+          </a:prstGeom>
+          <a:ln>
+            <a:tailEnd type="triangle"/>
+          </a:ln>
+        </p:spPr>
+        <p:style>
+          <a:lnRef idx="1">
+            <a:schemeClr val="accent1"/>
+          </a:lnRef>
+          <a:fillRef idx="0">
+            <a:schemeClr val="accent1"/>
+          </a:fillRef>
+          <a:effectRef idx="0">
+            <a:schemeClr val="accent1"/>
+          </a:effectRef>
+          <a:fontRef idx="minor">
+            <a:schemeClr val="tx1"/>
+          </a:fontRef>
+        </p:style>
+      </p:cxnSp>
+      <p:cxnSp>
+        <p:nvCxnSpPr>
+          <p:cNvPr id="61" name="Straight Arrow Connector 60">
+            <a:extLst>
+              <a:ext uri="{FF2B5EF4-FFF2-40B4-BE49-F238E27FC236}">
+                <a16:creationId xmlns:a16="http://schemas.microsoft.com/office/drawing/2014/main" id="{41C33A3D-B6B7-A8FD-E401-37D22625B84B}"/>
+              </a:ext>
+            </a:extLst>
+          </p:cNvPr>
+          <p:cNvCxnSpPr>
+            <a:cxnSpLocks/>
+            <a:stCxn id="48" idx="1"/>
+            <a:endCxn id="6" idx="3"/>
+          </p:cNvCxnSpPr>
+          <p:nvPr/>
+        </p:nvCxnSpPr>
+        <p:spPr>
+          <a:xfrm flipH="1">
+            <a:off x="3009922" y="2722258"/>
+            <a:ext cx="921546" cy="810858"/>
+          </a:xfrm>
+          <a:prstGeom prst="straightConnector1">
+            <a:avLst/>
+          </a:prstGeom>
+          <a:ln>
+            <a:tailEnd type="triangle"/>
+          </a:ln>
+        </p:spPr>
+        <p:style>
+          <a:lnRef idx="1">
+            <a:schemeClr val="accent1"/>
+          </a:lnRef>
+          <a:fillRef idx="0">
+            <a:schemeClr val="accent1"/>
+          </a:fillRef>
+          <a:effectRef idx="0">
+            <a:schemeClr val="accent1"/>
+          </a:effectRef>
+          <a:fontRef idx="minor">
+            <a:schemeClr val="tx1"/>
+          </a:fontRef>
+        </p:style>
+      </p:cxnSp>
+      <p:sp>
+        <p:nvSpPr>
+          <p:cNvPr id="5" name="Rectangle 4">
+            <a:extLst>
+              <a:ext uri="{FF2B5EF4-FFF2-40B4-BE49-F238E27FC236}">
+                <a16:creationId xmlns:a16="http://schemas.microsoft.com/office/drawing/2014/main" id="{C474B57F-0AD1-E7F8-735F-9AC6546A1428}"/>
+              </a:ext>
+            </a:extLst>
+          </p:cNvPr>
+          <p:cNvSpPr/>
+          <p:nvPr/>
+        </p:nvSpPr>
+        <p:spPr>
+          <a:xfrm>
+            <a:off x="573109" y="3082404"/>
+            <a:ext cx="2289175" cy="886128"/>
+          </a:xfrm>
+          <a:prstGeom prst="rect">
+            <a:avLst/>
+          </a:prstGeom>
+          <a:noFill/>
+        </p:spPr>
+        <p:style>
+          <a:lnRef idx="2">
+            <a:schemeClr val="accent1">
+              <a:shade val="15000"/>
+            </a:schemeClr>
+          </a:lnRef>
+          <a:fillRef idx="1">
+            <a:schemeClr val="accent1"/>
+          </a:fillRef>
+          <a:effectRef idx="0">
+            <a:schemeClr val="accent1"/>
+          </a:effectRef>
+          <a:fontRef idx="minor">
+            <a:schemeClr val="lt1"/>
+          </a:fontRef>
+        </p:style>
+        <p:txBody>
+          <a:bodyPr rtlCol="0" anchor="ctr"/>
+          <a:lstStyle/>
+          <a:p>
+            <a:pPr algn="ctr"/>
+            <a:r>
+              <a:rPr lang="en-US" sz="1050" dirty="0">
+                <a:solidFill>
+                  <a:schemeClr val="tx1"/>
+                </a:solidFill>
+              </a:rPr>
+              <a:t>Planned Elastic documents</a:t>
+            </a:r>
+          </a:p>
+          <a:p>
+            <a:pPr algn="ctr"/>
+            <a:r>
+              <a:rPr lang="en-US" sz="1050" dirty="0">
+                <a:solidFill>
+                  <a:schemeClr val="tx1"/>
+                </a:solidFill>
+              </a:rPr>
+              <a:t>indexed</a:t>
+            </a:r>
+          </a:p>
+        </p:txBody>
+      </p:sp>
+      <p:sp>
+        <p:nvSpPr>
+          <p:cNvPr id="6" name="Rectangle 5">
+            <a:extLst>
+              <a:ext uri="{FF2B5EF4-FFF2-40B4-BE49-F238E27FC236}">
+                <a16:creationId xmlns:a16="http://schemas.microsoft.com/office/drawing/2014/main" id="{E93743E9-C212-A901-3D17-991321843D9C}"/>
+              </a:ext>
+            </a:extLst>
+          </p:cNvPr>
+          <p:cNvSpPr/>
+          <p:nvPr/>
+        </p:nvSpPr>
+        <p:spPr>
+          <a:xfrm>
+            <a:off x="425472" y="2932381"/>
+            <a:ext cx="2584450" cy="1201470"/>
+          </a:xfrm>
+          <a:prstGeom prst="rect">
+            <a:avLst/>
+          </a:prstGeom>
+          <a:noFill/>
+        </p:spPr>
+        <p:style>
+          <a:lnRef idx="2">
+            <a:schemeClr val="accent1">
+              <a:shade val="15000"/>
+            </a:schemeClr>
+          </a:lnRef>
+          <a:fillRef idx="1">
+            <a:schemeClr val="accent1"/>
+          </a:fillRef>
+          <a:effectRef idx="0">
+            <a:schemeClr val="accent1"/>
+          </a:effectRef>
+          <a:fontRef idx="minor">
+            <a:schemeClr val="lt1"/>
+          </a:fontRef>
+        </p:style>
+        <p:txBody>
+          <a:bodyPr rtlCol="0" anchor="ctr"/>
+          <a:lstStyle/>
+          <a:p>
+            <a:pPr algn="ctr"/>
+            <a:endParaRPr lang="en-US" sz="1400" dirty="0">
+              <a:solidFill>
+                <a:schemeClr val="tx1"/>
+              </a:solidFill>
+            </a:endParaRPr>
+          </a:p>
+        </p:txBody>
+      </p:sp>
+      <p:sp>
+        <p:nvSpPr>
+          <p:cNvPr id="12" name="TextBox 11">
+            <a:extLst>
+              <a:ext uri="{FF2B5EF4-FFF2-40B4-BE49-F238E27FC236}">
+                <a16:creationId xmlns:a16="http://schemas.microsoft.com/office/drawing/2014/main" id="{03C2405F-B977-2285-9710-876CE865230E}"/>
+              </a:ext>
+            </a:extLst>
+          </p:cNvPr>
+          <p:cNvSpPr txBox="1"/>
+          <p:nvPr/>
+        </p:nvSpPr>
+        <p:spPr>
+          <a:xfrm flipH="1">
+            <a:off x="358023" y="4161230"/>
+            <a:ext cx="2289175" cy="261610"/>
+          </a:xfrm>
+          <a:prstGeom prst="rect">
+            <a:avLst/>
+          </a:prstGeom>
+          <a:noFill/>
+        </p:spPr>
+        <p:txBody>
+          <a:bodyPr wrap="square" rtlCol="0">
+            <a:spAutoFit/>
+          </a:bodyPr>
+          <a:lstStyle/>
+          <a:p>
+            <a:r>
+              <a:rPr lang="en-US" sz="1100" dirty="0"/>
+              <a:t>Elasticsearch Schema</a:t>
+            </a:r>
+          </a:p>
+        </p:txBody>
+      </p:sp>
+      <p:cxnSp>
+        <p:nvCxnSpPr>
+          <p:cNvPr id="14" name="Straight Arrow Connector 13">
+            <a:extLst>
+              <a:ext uri="{FF2B5EF4-FFF2-40B4-BE49-F238E27FC236}">
+                <a16:creationId xmlns:a16="http://schemas.microsoft.com/office/drawing/2014/main" id="{DB4F2C52-DF61-5F85-5A3E-3F73F4B7DA2F}"/>
+              </a:ext>
+            </a:extLst>
+          </p:cNvPr>
+          <p:cNvCxnSpPr>
+            <a:cxnSpLocks/>
+            <a:stCxn id="13" idx="2"/>
+            <a:endCxn id="5" idx="0"/>
+          </p:cNvCxnSpPr>
+          <p:nvPr/>
+        </p:nvCxnSpPr>
+        <p:spPr>
+          <a:xfrm>
+            <a:off x="1717697" y="2197407"/>
+            <a:ext cx="0" cy="884997"/>
+          </a:xfrm>
+          <a:prstGeom prst="straightConnector1">
+            <a:avLst/>
+          </a:prstGeom>
+          <a:ln>
+            <a:tailEnd type="triangle"/>
+          </a:ln>
+        </p:spPr>
+        <p:style>
+          <a:lnRef idx="1">
+            <a:schemeClr val="accent1"/>
+          </a:lnRef>
+          <a:fillRef idx="0">
+            <a:schemeClr val="accent1"/>
+          </a:fillRef>
+          <a:effectRef idx="0">
+            <a:schemeClr val="accent1"/>
+          </a:effectRef>
+          <a:fontRef idx="minor">
+            <a:schemeClr val="tx1"/>
+          </a:fontRef>
+        </p:style>
+      </p:cxnSp>
+      <p:sp>
+        <p:nvSpPr>
+          <p:cNvPr id="20" name="TextBox 19">
+            <a:extLst>
+              <a:ext uri="{FF2B5EF4-FFF2-40B4-BE49-F238E27FC236}">
+                <a16:creationId xmlns:a16="http://schemas.microsoft.com/office/drawing/2014/main" id="{9F35BE12-DB73-07B5-EA3C-FD5A3EFB0AF3}"/>
+              </a:ext>
+            </a:extLst>
+          </p:cNvPr>
+          <p:cNvSpPr txBox="1"/>
+          <p:nvPr/>
+        </p:nvSpPr>
+        <p:spPr>
+          <a:xfrm flipH="1">
+            <a:off x="1761352" y="2522926"/>
+            <a:ext cx="2289175" cy="261610"/>
+          </a:xfrm>
+          <a:prstGeom prst="rect">
+            <a:avLst/>
+          </a:prstGeom>
+          <a:noFill/>
+        </p:spPr>
+        <p:txBody>
+          <a:bodyPr wrap="square" rtlCol="0">
+            <a:spAutoFit/>
+          </a:bodyPr>
+          <a:lstStyle/>
+          <a:p>
+            <a:r>
+              <a:rPr lang="en-US" sz="1100" dirty="0"/>
+              <a:t>Logstash</a:t>
+            </a:r>
+          </a:p>
+        </p:txBody>
+      </p:sp>
+    </p:spTree>
+    <p:extLst>
+      <p:ext uri="{BB962C8B-B14F-4D97-AF65-F5344CB8AC3E}">
+        <p14:creationId xmlns:p14="http://schemas.microsoft.com/office/powerpoint/2010/main" val="2432209182"/>
+      </p:ext>
+    </p:extLst>
+  </p:cSld>
+  <p:clrMapOvr>
+    <a:masterClrMapping/>
+  </p:clrMapOvr>
+</p:sld>
+</file>
+
 <file path=ppt/theme/theme1.xml><?xml version="1.0" encoding="utf-8"?>
 <a:theme xmlns:a="http://schemas.openxmlformats.org/drawingml/2006/main" name="Office Theme">
   <a:themeElements>

--- a/general-tech-figures.pptx
+++ b/general-tech-figures.pptx
@@ -258,7 +258,7 @@
           <a:p>
             <a:fld id="{BFBBFCFE-809B-4AE5-92DC-0D51595F6FEA}" type="datetimeFigureOut">
               <a:rPr lang="en-US" smtClean="0"/>
-              <a:t>11/11/2023</a:t>
+              <a:t>12/26/2023</a:t>
             </a:fld>
             <a:endParaRPr lang="en-US"/>
           </a:p>
@@ -428,7 +428,7 @@
           <a:p>
             <a:fld id="{BFBBFCFE-809B-4AE5-92DC-0D51595F6FEA}" type="datetimeFigureOut">
               <a:rPr lang="en-US" smtClean="0"/>
-              <a:t>11/11/2023</a:t>
+              <a:t>12/26/2023</a:t>
             </a:fld>
             <a:endParaRPr lang="en-US"/>
           </a:p>
@@ -608,7 +608,7 @@
           <a:p>
             <a:fld id="{BFBBFCFE-809B-4AE5-92DC-0D51595F6FEA}" type="datetimeFigureOut">
               <a:rPr lang="en-US" smtClean="0"/>
-              <a:t>11/11/2023</a:t>
+              <a:t>12/26/2023</a:t>
             </a:fld>
             <a:endParaRPr lang="en-US"/>
           </a:p>
@@ -778,7 +778,7 @@
           <a:p>
             <a:fld id="{BFBBFCFE-809B-4AE5-92DC-0D51595F6FEA}" type="datetimeFigureOut">
               <a:rPr lang="en-US" smtClean="0"/>
-              <a:t>11/11/2023</a:t>
+              <a:t>12/26/2023</a:t>
             </a:fld>
             <a:endParaRPr lang="en-US"/>
           </a:p>
@@ -1022,7 +1022,7 @@
           <a:p>
             <a:fld id="{BFBBFCFE-809B-4AE5-92DC-0D51595F6FEA}" type="datetimeFigureOut">
               <a:rPr lang="en-US" smtClean="0"/>
-              <a:t>11/11/2023</a:t>
+              <a:t>12/26/2023</a:t>
             </a:fld>
             <a:endParaRPr lang="en-US"/>
           </a:p>
@@ -1254,7 +1254,7 @@
           <a:p>
             <a:fld id="{BFBBFCFE-809B-4AE5-92DC-0D51595F6FEA}" type="datetimeFigureOut">
               <a:rPr lang="en-US" smtClean="0"/>
-              <a:t>11/11/2023</a:t>
+              <a:t>12/26/2023</a:t>
             </a:fld>
             <a:endParaRPr lang="en-US"/>
           </a:p>
@@ -1621,7 +1621,7 @@
           <a:p>
             <a:fld id="{BFBBFCFE-809B-4AE5-92DC-0D51595F6FEA}" type="datetimeFigureOut">
               <a:rPr lang="en-US" smtClean="0"/>
-              <a:t>11/11/2023</a:t>
+              <a:t>12/26/2023</a:t>
             </a:fld>
             <a:endParaRPr lang="en-US"/>
           </a:p>
@@ -1739,7 +1739,7 @@
           <a:p>
             <a:fld id="{BFBBFCFE-809B-4AE5-92DC-0D51595F6FEA}" type="datetimeFigureOut">
               <a:rPr lang="en-US" smtClean="0"/>
-              <a:t>11/11/2023</a:t>
+              <a:t>12/26/2023</a:t>
             </a:fld>
             <a:endParaRPr lang="en-US"/>
           </a:p>
@@ -1834,7 +1834,7 @@
           <a:p>
             <a:fld id="{BFBBFCFE-809B-4AE5-92DC-0D51595F6FEA}" type="datetimeFigureOut">
               <a:rPr lang="en-US" smtClean="0"/>
-              <a:t>11/11/2023</a:t>
+              <a:t>12/26/2023</a:t>
             </a:fld>
             <a:endParaRPr lang="en-US"/>
           </a:p>
@@ -2111,7 +2111,7 @@
           <a:p>
             <a:fld id="{BFBBFCFE-809B-4AE5-92DC-0D51595F6FEA}" type="datetimeFigureOut">
               <a:rPr lang="en-US" smtClean="0"/>
-              <a:t>11/11/2023</a:t>
+              <a:t>12/26/2023</a:t>
             </a:fld>
             <a:endParaRPr lang="en-US"/>
           </a:p>
@@ -2368,7 +2368,7 @@
           <a:p>
             <a:fld id="{BFBBFCFE-809B-4AE5-92DC-0D51595F6FEA}" type="datetimeFigureOut">
               <a:rPr lang="en-US" smtClean="0"/>
-              <a:t>11/11/2023</a:t>
+              <a:t>12/26/2023</a:t>
             </a:fld>
             <a:endParaRPr lang="en-US"/>
           </a:p>
@@ -2581,7 +2581,7 @@
           <a:p>
             <a:fld id="{BFBBFCFE-809B-4AE5-92DC-0D51595F6FEA}" type="datetimeFigureOut">
               <a:rPr lang="en-US" smtClean="0"/>
-              <a:t>11/11/2023</a:t>
+              <a:t>12/26/2023</a:t>
             </a:fld>
             <a:endParaRPr lang="en-US"/>
           </a:p>
@@ -8385,6 +8385,514 @@
           </a:p>
         </p:txBody>
       </p:sp>
+      <p:sp>
+        <p:nvSpPr>
+          <p:cNvPr id="2" name="Rectangle 1">
+            <a:extLst>
+              <a:ext uri="{FF2B5EF4-FFF2-40B4-BE49-F238E27FC236}">
+                <a16:creationId xmlns:a16="http://schemas.microsoft.com/office/drawing/2014/main" id="{550A0ACB-20FE-A945-B13B-9DBCE00F8ADC}"/>
+              </a:ext>
+            </a:extLst>
+          </p:cNvPr>
+          <p:cNvSpPr/>
+          <p:nvPr/>
+        </p:nvSpPr>
+        <p:spPr>
+          <a:xfrm>
+            <a:off x="749300" y="5359400"/>
+            <a:ext cx="1295400" cy="711200"/>
+          </a:xfrm>
+          <a:prstGeom prst="rect">
+            <a:avLst/>
+          </a:prstGeom>
+          <a:noFill/>
+        </p:spPr>
+        <p:style>
+          <a:lnRef idx="2">
+            <a:schemeClr val="accent1">
+              <a:shade val="15000"/>
+            </a:schemeClr>
+          </a:lnRef>
+          <a:fillRef idx="1">
+            <a:schemeClr val="accent1"/>
+          </a:fillRef>
+          <a:effectRef idx="0">
+            <a:schemeClr val="accent1"/>
+          </a:effectRef>
+          <a:fontRef idx="minor">
+            <a:schemeClr val="lt1"/>
+          </a:fontRef>
+        </p:style>
+        <p:txBody>
+          <a:bodyPr rtlCol="0" anchor="ctr"/>
+          <a:lstStyle/>
+          <a:p>
+            <a:pPr algn="ctr"/>
+            <a:r>
+              <a:rPr lang="en-US" sz="1400" dirty="0">
+                <a:solidFill>
+                  <a:schemeClr val="tx1"/>
+                </a:solidFill>
+              </a:rPr>
+              <a:t>Ingestion</a:t>
+            </a:r>
+          </a:p>
+        </p:txBody>
+      </p:sp>
+      <p:sp>
+        <p:nvSpPr>
+          <p:cNvPr id="3" name="Rectangle 2">
+            <a:extLst>
+              <a:ext uri="{FF2B5EF4-FFF2-40B4-BE49-F238E27FC236}">
+                <a16:creationId xmlns:a16="http://schemas.microsoft.com/office/drawing/2014/main" id="{3CA5D417-8DBA-2862-3F43-32E633D8F9C2}"/>
+              </a:ext>
+            </a:extLst>
+          </p:cNvPr>
+          <p:cNvSpPr/>
+          <p:nvPr/>
+        </p:nvSpPr>
+        <p:spPr>
+          <a:xfrm>
+            <a:off x="2667000" y="5359400"/>
+            <a:ext cx="1295400" cy="711200"/>
+          </a:xfrm>
+          <a:prstGeom prst="rect">
+            <a:avLst/>
+          </a:prstGeom>
+          <a:noFill/>
+        </p:spPr>
+        <p:style>
+          <a:lnRef idx="2">
+            <a:schemeClr val="accent1">
+              <a:shade val="15000"/>
+            </a:schemeClr>
+          </a:lnRef>
+          <a:fillRef idx="1">
+            <a:schemeClr val="accent1"/>
+          </a:fillRef>
+          <a:effectRef idx="0">
+            <a:schemeClr val="accent1"/>
+          </a:effectRef>
+          <a:fontRef idx="minor">
+            <a:schemeClr val="lt1"/>
+          </a:fontRef>
+        </p:style>
+        <p:txBody>
+          <a:bodyPr rtlCol="0" anchor="ctr"/>
+          <a:lstStyle/>
+          <a:p>
+            <a:pPr algn="ctr"/>
+            <a:r>
+              <a:rPr lang="en-US" sz="1400" dirty="0">
+                <a:solidFill>
+                  <a:schemeClr val="tx1"/>
+                </a:solidFill>
+              </a:rPr>
+              <a:t>Storage</a:t>
+            </a:r>
+          </a:p>
+        </p:txBody>
+      </p:sp>
+      <p:sp>
+        <p:nvSpPr>
+          <p:cNvPr id="4" name="Rectangle 3">
+            <a:extLst>
+              <a:ext uri="{FF2B5EF4-FFF2-40B4-BE49-F238E27FC236}">
+                <a16:creationId xmlns:a16="http://schemas.microsoft.com/office/drawing/2014/main" id="{28A3CEE5-3406-23B5-6E25-D262EA076203}"/>
+              </a:ext>
+            </a:extLst>
+          </p:cNvPr>
+          <p:cNvSpPr/>
+          <p:nvPr/>
+        </p:nvSpPr>
+        <p:spPr>
+          <a:xfrm>
+            <a:off x="4559300" y="5359400"/>
+            <a:ext cx="1295400" cy="711200"/>
+          </a:xfrm>
+          <a:prstGeom prst="rect">
+            <a:avLst/>
+          </a:prstGeom>
+          <a:noFill/>
+        </p:spPr>
+        <p:style>
+          <a:lnRef idx="2">
+            <a:schemeClr val="accent1">
+              <a:shade val="15000"/>
+            </a:schemeClr>
+          </a:lnRef>
+          <a:fillRef idx="1">
+            <a:schemeClr val="accent1"/>
+          </a:fillRef>
+          <a:effectRef idx="0">
+            <a:schemeClr val="accent1"/>
+          </a:effectRef>
+          <a:fontRef idx="minor">
+            <a:schemeClr val="lt1"/>
+          </a:fontRef>
+        </p:style>
+        <p:txBody>
+          <a:bodyPr rtlCol="0" anchor="ctr"/>
+          <a:lstStyle/>
+          <a:p>
+            <a:pPr algn="ctr"/>
+            <a:r>
+              <a:rPr lang="en-US" sz="1400" dirty="0">
+                <a:solidFill>
+                  <a:schemeClr val="tx1"/>
+                </a:solidFill>
+              </a:rPr>
+              <a:t>Use</a:t>
+            </a:r>
+          </a:p>
+        </p:txBody>
+      </p:sp>
+      <p:cxnSp>
+        <p:nvCxnSpPr>
+          <p:cNvPr id="7" name="Straight Arrow Connector 6">
+            <a:extLst>
+              <a:ext uri="{FF2B5EF4-FFF2-40B4-BE49-F238E27FC236}">
+                <a16:creationId xmlns:a16="http://schemas.microsoft.com/office/drawing/2014/main" id="{6C30135E-373C-CE28-44E7-C04ECEDB95FE}"/>
+              </a:ext>
+            </a:extLst>
+          </p:cNvPr>
+          <p:cNvCxnSpPr>
+            <a:cxnSpLocks/>
+            <a:stCxn id="2" idx="3"/>
+            <a:endCxn id="3" idx="1"/>
+          </p:cNvCxnSpPr>
+          <p:nvPr/>
+        </p:nvCxnSpPr>
+        <p:spPr>
+          <a:xfrm>
+            <a:off x="2044700" y="5715000"/>
+            <a:ext cx="622300" cy="0"/>
+          </a:xfrm>
+          <a:prstGeom prst="straightConnector1">
+            <a:avLst/>
+          </a:prstGeom>
+          <a:ln>
+            <a:tailEnd type="triangle"/>
+          </a:ln>
+        </p:spPr>
+        <p:style>
+          <a:lnRef idx="1">
+            <a:schemeClr val="accent1"/>
+          </a:lnRef>
+          <a:fillRef idx="0">
+            <a:schemeClr val="accent1"/>
+          </a:fillRef>
+          <a:effectRef idx="0">
+            <a:schemeClr val="accent1"/>
+          </a:effectRef>
+          <a:fontRef idx="minor">
+            <a:schemeClr val="tx1"/>
+          </a:fontRef>
+        </p:style>
+      </p:cxnSp>
+      <p:cxnSp>
+        <p:nvCxnSpPr>
+          <p:cNvPr id="8" name="Straight Arrow Connector 7">
+            <a:extLst>
+              <a:ext uri="{FF2B5EF4-FFF2-40B4-BE49-F238E27FC236}">
+                <a16:creationId xmlns:a16="http://schemas.microsoft.com/office/drawing/2014/main" id="{75A3FE3C-85EC-5552-47FA-75008D980179}"/>
+              </a:ext>
+            </a:extLst>
+          </p:cNvPr>
+          <p:cNvCxnSpPr>
+            <a:cxnSpLocks/>
+            <a:stCxn id="3" idx="3"/>
+            <a:endCxn id="4" idx="1"/>
+          </p:cNvCxnSpPr>
+          <p:nvPr/>
+        </p:nvCxnSpPr>
+        <p:spPr>
+          <a:xfrm>
+            <a:off x="3962400" y="5715000"/>
+            <a:ext cx="596900" cy="0"/>
+          </a:xfrm>
+          <a:prstGeom prst="straightConnector1">
+            <a:avLst/>
+          </a:prstGeom>
+          <a:ln>
+            <a:tailEnd type="triangle"/>
+          </a:ln>
+        </p:spPr>
+        <p:style>
+          <a:lnRef idx="1">
+            <a:schemeClr val="accent1"/>
+          </a:lnRef>
+          <a:fillRef idx="0">
+            <a:schemeClr val="accent1"/>
+          </a:fillRef>
+          <a:effectRef idx="0">
+            <a:schemeClr val="accent1"/>
+          </a:effectRef>
+          <a:fontRef idx="minor">
+            <a:schemeClr val="tx1"/>
+          </a:fontRef>
+        </p:style>
+      </p:cxnSp>
+      <p:sp>
+        <p:nvSpPr>
+          <p:cNvPr id="9" name="TextBox 8">
+            <a:extLst>
+              <a:ext uri="{FF2B5EF4-FFF2-40B4-BE49-F238E27FC236}">
+                <a16:creationId xmlns:a16="http://schemas.microsoft.com/office/drawing/2014/main" id="{909C8343-8B2B-2E76-E801-4A2A55F86D94}"/>
+              </a:ext>
+            </a:extLst>
+          </p:cNvPr>
+          <p:cNvSpPr txBox="1"/>
+          <p:nvPr/>
+        </p:nvSpPr>
+        <p:spPr>
+          <a:xfrm flipH="1">
+            <a:off x="691332" y="6226340"/>
+            <a:ext cx="1295400" cy="938719"/>
+          </a:xfrm>
+          <a:prstGeom prst="rect">
+            <a:avLst/>
+          </a:prstGeom>
+          <a:noFill/>
+        </p:spPr>
+        <p:txBody>
+          <a:bodyPr wrap="square" rtlCol="0">
+            <a:spAutoFit/>
+          </a:bodyPr>
+          <a:lstStyle/>
+          <a:p>
+            <a:pPr algn="ctr"/>
+            <a:r>
+              <a:rPr lang="en-US" sz="1100" dirty="0"/>
+              <a:t>Data Factory</a:t>
+            </a:r>
+          </a:p>
+          <a:p>
+            <a:pPr algn="ctr"/>
+            <a:r>
+              <a:rPr lang="en-US" sz="1100" dirty="0"/>
+              <a:t>Event Grids</a:t>
+            </a:r>
+          </a:p>
+          <a:p>
+            <a:pPr algn="ctr"/>
+            <a:r>
+              <a:rPr lang="en-US" sz="1100" dirty="0"/>
+              <a:t>Kafka</a:t>
+            </a:r>
+          </a:p>
+          <a:p>
+            <a:pPr algn="ctr"/>
+            <a:r>
+              <a:rPr lang="en-US" sz="1100" dirty="0"/>
+              <a:t>Files</a:t>
+            </a:r>
+          </a:p>
+          <a:p>
+            <a:pPr algn="ctr"/>
+            <a:r>
+              <a:rPr lang="en-US" sz="1100" dirty="0"/>
+              <a:t>Etc.</a:t>
+            </a:r>
+          </a:p>
+        </p:txBody>
+      </p:sp>
+      <p:sp>
+        <p:nvSpPr>
+          <p:cNvPr id="10" name="TextBox 9">
+            <a:extLst>
+              <a:ext uri="{FF2B5EF4-FFF2-40B4-BE49-F238E27FC236}">
+                <a16:creationId xmlns:a16="http://schemas.microsoft.com/office/drawing/2014/main" id="{9DEEC799-6D98-8675-41F0-0C0F02C009F1}"/>
+              </a:ext>
+            </a:extLst>
+          </p:cNvPr>
+          <p:cNvSpPr txBox="1"/>
+          <p:nvPr/>
+        </p:nvSpPr>
+        <p:spPr>
+          <a:xfrm flipH="1">
+            <a:off x="2636068" y="6226340"/>
+            <a:ext cx="1295400" cy="430887"/>
+          </a:xfrm>
+          <a:prstGeom prst="rect">
+            <a:avLst/>
+          </a:prstGeom>
+          <a:noFill/>
+        </p:spPr>
+        <p:txBody>
+          <a:bodyPr wrap="square" rtlCol="0">
+            <a:spAutoFit/>
+          </a:bodyPr>
+          <a:lstStyle/>
+          <a:p>
+            <a:pPr algn="ctr"/>
+            <a:r>
+              <a:rPr lang="en-US" sz="1100" dirty="0"/>
+              <a:t>Clustered</a:t>
+            </a:r>
+          </a:p>
+          <a:p>
+            <a:pPr algn="ctr"/>
+            <a:r>
+              <a:rPr lang="en-US" sz="1100" dirty="0"/>
+              <a:t>ADLS</a:t>
+            </a:r>
+          </a:p>
+        </p:txBody>
+      </p:sp>
+      <p:sp>
+        <p:nvSpPr>
+          <p:cNvPr id="11" name="TextBox 10">
+            <a:extLst>
+              <a:ext uri="{FF2B5EF4-FFF2-40B4-BE49-F238E27FC236}">
+                <a16:creationId xmlns:a16="http://schemas.microsoft.com/office/drawing/2014/main" id="{441407CD-3969-D464-7B13-4E1B55D64473}"/>
+              </a:ext>
+            </a:extLst>
+          </p:cNvPr>
+          <p:cNvSpPr txBox="1"/>
+          <p:nvPr/>
+        </p:nvSpPr>
+        <p:spPr>
+          <a:xfrm flipH="1">
+            <a:off x="4526149" y="6191578"/>
+            <a:ext cx="1295400" cy="769441"/>
+          </a:xfrm>
+          <a:prstGeom prst="rect">
+            <a:avLst/>
+          </a:prstGeom>
+          <a:noFill/>
+        </p:spPr>
+        <p:txBody>
+          <a:bodyPr wrap="square" rtlCol="0">
+            <a:spAutoFit/>
+          </a:bodyPr>
+          <a:lstStyle/>
+          <a:p>
+            <a:pPr algn="ctr"/>
+            <a:r>
+              <a:rPr lang="en-US" sz="1100" dirty="0">
+                <a:solidFill>
+                  <a:schemeClr val="tx1"/>
+                </a:solidFill>
+              </a:rPr>
+              <a:t>Queries</a:t>
+            </a:r>
+          </a:p>
+          <a:p>
+            <a:pPr algn="ctr"/>
+            <a:r>
+              <a:rPr lang="en-US" sz="1100" dirty="0">
+                <a:solidFill>
+                  <a:schemeClr val="tx1"/>
+                </a:solidFill>
+              </a:rPr>
+              <a:t>Analysis</a:t>
+            </a:r>
+          </a:p>
+          <a:p>
+            <a:pPr algn="ctr"/>
+            <a:r>
+              <a:rPr lang="en-US" sz="1100" dirty="0">
+                <a:solidFill>
+                  <a:schemeClr val="tx1"/>
+                </a:solidFill>
+              </a:rPr>
+              <a:t>Reporting</a:t>
+            </a:r>
+          </a:p>
+          <a:p>
+            <a:pPr algn="ctr"/>
+            <a:r>
+              <a:rPr lang="en-US" sz="1100" dirty="0">
+                <a:solidFill>
+                  <a:schemeClr val="tx1"/>
+                </a:solidFill>
+              </a:rPr>
+              <a:t>Dashboarding</a:t>
+            </a:r>
+          </a:p>
+        </p:txBody>
+      </p:sp>
+      <p:sp>
+        <p:nvSpPr>
+          <p:cNvPr id="15" name="Right Bracket 14">
+            <a:extLst>
+              <a:ext uri="{FF2B5EF4-FFF2-40B4-BE49-F238E27FC236}">
+                <a16:creationId xmlns:a16="http://schemas.microsoft.com/office/drawing/2014/main" id="{9FE7C576-D0F2-425F-C870-986CD7CF4EEB}"/>
+              </a:ext>
+            </a:extLst>
+          </p:cNvPr>
+          <p:cNvSpPr/>
+          <p:nvPr/>
+        </p:nvSpPr>
+        <p:spPr>
+          <a:xfrm rot="16200000">
+            <a:off x="3061200" y="2648545"/>
+            <a:ext cx="445136" cy="5457315"/>
+          </a:xfrm>
+          <a:prstGeom prst="rightBracket">
+            <a:avLst/>
+          </a:prstGeom>
+        </p:spPr>
+        <p:style>
+          <a:lnRef idx="1">
+            <a:schemeClr val="accent1"/>
+          </a:lnRef>
+          <a:fillRef idx="0">
+            <a:schemeClr val="accent1"/>
+          </a:fillRef>
+          <a:effectRef idx="0">
+            <a:schemeClr val="accent1"/>
+          </a:effectRef>
+          <a:fontRef idx="minor">
+            <a:schemeClr val="tx1"/>
+          </a:fontRef>
+        </p:style>
+        <p:txBody>
+          <a:bodyPr rtlCol="0" anchor="ctr"/>
+          <a:lstStyle/>
+          <a:p>
+            <a:pPr algn="ctr"/>
+            <a:endParaRPr lang="en-US"/>
+          </a:p>
+        </p:txBody>
+      </p:sp>
+      <p:sp>
+        <p:nvSpPr>
+          <p:cNvPr id="16" name="TextBox 15">
+            <a:extLst>
+              <a:ext uri="{FF2B5EF4-FFF2-40B4-BE49-F238E27FC236}">
+                <a16:creationId xmlns:a16="http://schemas.microsoft.com/office/drawing/2014/main" id="{7B7727AC-EBAD-1020-F0B7-4D1472E36B5B}"/>
+              </a:ext>
+            </a:extLst>
+          </p:cNvPr>
+          <p:cNvSpPr txBox="1"/>
+          <p:nvPr/>
+        </p:nvSpPr>
+        <p:spPr>
+          <a:xfrm flipH="1">
+            <a:off x="2781300" y="4804558"/>
+            <a:ext cx="1295400" cy="261610"/>
+          </a:xfrm>
+          <a:prstGeom prst="rect">
+            <a:avLst/>
+          </a:prstGeom>
+          <a:noFill/>
+        </p:spPr>
+        <p:txBody>
+          <a:bodyPr wrap="square" rtlCol="0">
+            <a:spAutoFit/>
+          </a:bodyPr>
+          <a:lstStyle/>
+          <a:p>
+            <a:pPr algn="ctr"/>
+            <a:r>
+              <a:rPr lang="en-US" sz="1100" dirty="0"/>
+              <a:t>ADX</a:t>
+            </a:r>
+          </a:p>
+        </p:txBody>
+      </p:sp>
     </p:spTree>
     <p:extLst>
       <p:ext uri="{BB962C8B-B14F-4D97-AF65-F5344CB8AC3E}">

--- a/general-tech-figures.pptx
+++ b/general-tech-figures.pptx
@@ -10,6 +10,8 @@
     <p:sldId id="258" r:id="rId4"/>
     <p:sldId id="259" r:id="rId5"/>
     <p:sldId id="260" r:id="rId6"/>
+    <p:sldId id="261" r:id="rId7"/>
+    <p:sldId id="262" r:id="rId8"/>
   </p:sldIdLst>
   <p:sldSz cx="6858000" cy="9144000" type="letter"/>
   <p:notesSz cx="6858000" cy="9144000"/>
@@ -258,7 +260,7 @@
           <a:p>
             <a:fld id="{BFBBFCFE-809B-4AE5-92DC-0D51595F6FEA}" type="datetimeFigureOut">
               <a:rPr lang="en-US" smtClean="0"/>
-              <a:t>12/26/2023</a:t>
+              <a:t>2/10/2024</a:t>
             </a:fld>
             <a:endParaRPr lang="en-US"/>
           </a:p>
@@ -428,7 +430,7 @@
           <a:p>
             <a:fld id="{BFBBFCFE-809B-4AE5-92DC-0D51595F6FEA}" type="datetimeFigureOut">
               <a:rPr lang="en-US" smtClean="0"/>
-              <a:t>12/26/2023</a:t>
+              <a:t>2/10/2024</a:t>
             </a:fld>
             <a:endParaRPr lang="en-US"/>
           </a:p>
@@ -608,7 +610,7 @@
           <a:p>
             <a:fld id="{BFBBFCFE-809B-4AE5-92DC-0D51595F6FEA}" type="datetimeFigureOut">
               <a:rPr lang="en-US" smtClean="0"/>
-              <a:t>12/26/2023</a:t>
+              <a:t>2/10/2024</a:t>
             </a:fld>
             <a:endParaRPr lang="en-US"/>
           </a:p>
@@ -778,7 +780,7 @@
           <a:p>
             <a:fld id="{BFBBFCFE-809B-4AE5-92DC-0D51595F6FEA}" type="datetimeFigureOut">
               <a:rPr lang="en-US" smtClean="0"/>
-              <a:t>12/26/2023</a:t>
+              <a:t>2/10/2024</a:t>
             </a:fld>
             <a:endParaRPr lang="en-US"/>
           </a:p>
@@ -1022,7 +1024,7 @@
           <a:p>
             <a:fld id="{BFBBFCFE-809B-4AE5-92DC-0D51595F6FEA}" type="datetimeFigureOut">
               <a:rPr lang="en-US" smtClean="0"/>
-              <a:t>12/26/2023</a:t>
+              <a:t>2/10/2024</a:t>
             </a:fld>
             <a:endParaRPr lang="en-US"/>
           </a:p>
@@ -1254,7 +1256,7 @@
           <a:p>
             <a:fld id="{BFBBFCFE-809B-4AE5-92DC-0D51595F6FEA}" type="datetimeFigureOut">
               <a:rPr lang="en-US" smtClean="0"/>
-              <a:t>12/26/2023</a:t>
+              <a:t>2/10/2024</a:t>
             </a:fld>
             <a:endParaRPr lang="en-US"/>
           </a:p>
@@ -1621,7 +1623,7 @@
           <a:p>
             <a:fld id="{BFBBFCFE-809B-4AE5-92DC-0D51595F6FEA}" type="datetimeFigureOut">
               <a:rPr lang="en-US" smtClean="0"/>
-              <a:t>12/26/2023</a:t>
+              <a:t>2/10/2024</a:t>
             </a:fld>
             <a:endParaRPr lang="en-US"/>
           </a:p>
@@ -1739,7 +1741,7 @@
           <a:p>
             <a:fld id="{BFBBFCFE-809B-4AE5-92DC-0D51595F6FEA}" type="datetimeFigureOut">
               <a:rPr lang="en-US" smtClean="0"/>
-              <a:t>12/26/2023</a:t>
+              <a:t>2/10/2024</a:t>
             </a:fld>
             <a:endParaRPr lang="en-US"/>
           </a:p>
@@ -1834,7 +1836,7 @@
           <a:p>
             <a:fld id="{BFBBFCFE-809B-4AE5-92DC-0D51595F6FEA}" type="datetimeFigureOut">
               <a:rPr lang="en-US" smtClean="0"/>
-              <a:t>12/26/2023</a:t>
+              <a:t>2/10/2024</a:t>
             </a:fld>
             <a:endParaRPr lang="en-US"/>
           </a:p>
@@ -2111,7 +2113,7 @@
           <a:p>
             <a:fld id="{BFBBFCFE-809B-4AE5-92DC-0D51595F6FEA}" type="datetimeFigureOut">
               <a:rPr lang="en-US" smtClean="0"/>
-              <a:t>12/26/2023</a:t>
+              <a:t>2/10/2024</a:t>
             </a:fld>
             <a:endParaRPr lang="en-US"/>
           </a:p>
@@ -2368,7 +2370,7 @@
           <a:p>
             <a:fld id="{BFBBFCFE-809B-4AE5-92DC-0D51595F6FEA}" type="datetimeFigureOut">
               <a:rPr lang="en-US" smtClean="0"/>
-              <a:t>12/26/2023</a:t>
+              <a:t>2/10/2024</a:t>
             </a:fld>
             <a:endParaRPr lang="en-US"/>
           </a:p>
@@ -2581,7 +2583,7 @@
           <a:p>
             <a:fld id="{BFBBFCFE-809B-4AE5-92DC-0D51595F6FEA}" type="datetimeFigureOut">
               <a:rPr lang="en-US" smtClean="0"/>
-              <a:t>12/26/2023</a:t>
+              <a:t>2/10/2024</a:t>
             </a:fld>
             <a:endParaRPr lang="en-US"/>
           </a:p>
@@ -8906,6 +8908,1735 @@
 </p:sld>
 </file>
 
+<file path=ppt/slides/slide6.xml><?xml version="1.0" encoding="utf-8"?>
+<p:sld xmlns:a="http://schemas.openxmlformats.org/drawingml/2006/main" xmlns:r="http://schemas.openxmlformats.org/officeDocument/2006/relationships" xmlns:p="http://schemas.openxmlformats.org/presentationml/2006/main">
+  <p:cSld>
+    <p:spTree>
+      <p:nvGrpSpPr>
+        <p:cNvPr id="1" name="">
+          <a:extLst>
+            <a:ext uri="{FF2B5EF4-FFF2-40B4-BE49-F238E27FC236}">
+              <a16:creationId xmlns:a16="http://schemas.microsoft.com/office/drawing/2014/main" id="{DE6149D4-B67D-89B8-2A3A-7550928CA597}"/>
+            </a:ext>
+          </a:extLst>
+        </p:cNvPr>
+        <p:cNvGrpSpPr/>
+        <p:nvPr/>
+      </p:nvGrpSpPr>
+      <p:grpSpPr>
+        <a:xfrm>
+          <a:off x="0" y="0"/>
+          <a:ext cx="0" cy="0"/>
+          <a:chOff x="0" y="0"/>
+          <a:chExt cx="0" cy="0"/>
+        </a:xfrm>
+      </p:grpSpPr>
+      <p:sp>
+        <p:nvSpPr>
+          <p:cNvPr id="19" name="Rectangle 18">
+            <a:extLst>
+              <a:ext uri="{FF2B5EF4-FFF2-40B4-BE49-F238E27FC236}">
+                <a16:creationId xmlns:a16="http://schemas.microsoft.com/office/drawing/2014/main" id="{B746B0AD-23B3-D8BE-81B7-E7AD2E8BF85A}"/>
+              </a:ext>
+            </a:extLst>
+          </p:cNvPr>
+          <p:cNvSpPr/>
+          <p:nvPr/>
+        </p:nvSpPr>
+        <p:spPr>
+          <a:xfrm>
+            <a:off x="512064" y="2020958"/>
+            <a:ext cx="1450848" cy="676959"/>
+          </a:xfrm>
+          <a:prstGeom prst="rect">
+            <a:avLst/>
+          </a:prstGeom>
+          <a:noFill/>
+        </p:spPr>
+        <p:style>
+          <a:lnRef idx="2">
+            <a:schemeClr val="accent1">
+              <a:shade val="15000"/>
+            </a:schemeClr>
+          </a:lnRef>
+          <a:fillRef idx="1">
+            <a:schemeClr val="accent1"/>
+          </a:fillRef>
+          <a:effectRef idx="0">
+            <a:schemeClr val="accent1"/>
+          </a:effectRef>
+          <a:fontRef idx="minor">
+            <a:schemeClr val="lt1"/>
+          </a:fontRef>
+        </p:style>
+        <p:txBody>
+          <a:bodyPr rtlCol="0" anchor="ctr"/>
+          <a:lstStyle/>
+          <a:p>
+            <a:pPr algn="ctr"/>
+            <a:r>
+              <a:rPr lang="en-US" sz="1400" dirty="0">
+                <a:solidFill>
+                  <a:schemeClr val="tx1"/>
+                </a:solidFill>
+              </a:rPr>
+              <a:t>“Ask the World”</a:t>
+            </a:r>
+          </a:p>
+        </p:txBody>
+      </p:sp>
+      <p:grpSp>
+        <p:nvGrpSpPr>
+          <p:cNvPr id="31" name="Group 30">
+            <a:extLst>
+              <a:ext uri="{FF2B5EF4-FFF2-40B4-BE49-F238E27FC236}">
+                <a16:creationId xmlns:a16="http://schemas.microsoft.com/office/drawing/2014/main" id="{5750B051-FD85-65A6-6AC0-692001A994B1}"/>
+              </a:ext>
+            </a:extLst>
+          </p:cNvPr>
+          <p:cNvGrpSpPr/>
+          <p:nvPr/>
+        </p:nvGrpSpPr>
+        <p:grpSpPr>
+          <a:xfrm>
+            <a:off x="512064" y="3806331"/>
+            <a:ext cx="1792224" cy="535860"/>
+            <a:chOff x="938784" y="2121996"/>
+            <a:chExt cx="1792224" cy="535860"/>
+          </a:xfrm>
+        </p:grpSpPr>
+        <p:sp>
+          <p:nvSpPr>
+            <p:cNvPr id="22" name="Rectangle 21">
+              <a:extLst>
+                <a:ext uri="{FF2B5EF4-FFF2-40B4-BE49-F238E27FC236}">
+                  <a16:creationId xmlns:a16="http://schemas.microsoft.com/office/drawing/2014/main" id="{81EA1A8D-CF9C-6221-4C0A-F09508D4631E}"/>
+                </a:ext>
+              </a:extLst>
+            </p:cNvPr>
+            <p:cNvSpPr/>
+            <p:nvPr/>
+          </p:nvSpPr>
+          <p:spPr>
+            <a:xfrm>
+              <a:off x="1121664" y="2262739"/>
+              <a:ext cx="1450848" cy="247155"/>
+            </a:xfrm>
+            <a:prstGeom prst="rect">
+              <a:avLst/>
+            </a:prstGeom>
+            <a:solidFill>
+              <a:schemeClr val="accent2"/>
+            </a:solidFill>
+          </p:spPr>
+          <p:style>
+            <a:lnRef idx="2">
+              <a:schemeClr val="accent1">
+                <a:shade val="15000"/>
+              </a:schemeClr>
+            </a:lnRef>
+            <a:fillRef idx="1">
+              <a:schemeClr val="accent1"/>
+            </a:fillRef>
+            <a:effectRef idx="0">
+              <a:schemeClr val="accent1"/>
+            </a:effectRef>
+            <a:fontRef idx="minor">
+              <a:schemeClr val="lt1"/>
+            </a:fontRef>
+          </p:style>
+          <p:txBody>
+            <a:bodyPr rtlCol="0" anchor="ctr"/>
+            <a:lstStyle/>
+            <a:p>
+              <a:pPr algn="ctr"/>
+              <a:r>
+                <a:rPr lang="en-US" sz="1400" dirty="0">
+                  <a:solidFill>
+                    <a:schemeClr val="tx1"/>
+                  </a:solidFill>
+                </a:rPr>
+                <a:t>“Hell World”</a:t>
+              </a:r>
+            </a:p>
+          </p:txBody>
+        </p:sp>
+        <p:sp>
+          <p:nvSpPr>
+            <p:cNvPr id="23" name="Rectangle 22">
+              <a:extLst>
+                <a:ext uri="{FF2B5EF4-FFF2-40B4-BE49-F238E27FC236}">
+                  <a16:creationId xmlns:a16="http://schemas.microsoft.com/office/drawing/2014/main" id="{71DCE286-6B09-052F-BB2D-76410FC5B95A}"/>
+                </a:ext>
+              </a:extLst>
+            </p:cNvPr>
+            <p:cNvSpPr/>
+            <p:nvPr/>
+          </p:nvSpPr>
+          <p:spPr>
+            <a:xfrm>
+              <a:off x="938784" y="2121996"/>
+              <a:ext cx="1450848" cy="247155"/>
+            </a:xfrm>
+            <a:prstGeom prst="rect">
+              <a:avLst/>
+            </a:prstGeom>
+            <a:solidFill>
+              <a:schemeClr val="accent2"/>
+            </a:solidFill>
+          </p:spPr>
+          <p:style>
+            <a:lnRef idx="2">
+              <a:schemeClr val="accent1">
+                <a:shade val="15000"/>
+              </a:schemeClr>
+            </a:lnRef>
+            <a:fillRef idx="1">
+              <a:schemeClr val="accent1"/>
+            </a:fillRef>
+            <a:effectRef idx="0">
+              <a:schemeClr val="accent1"/>
+            </a:effectRef>
+            <a:fontRef idx="minor">
+              <a:schemeClr val="lt1"/>
+            </a:fontRef>
+          </p:style>
+          <p:txBody>
+            <a:bodyPr rtlCol="0" anchor="ctr"/>
+            <a:lstStyle/>
+            <a:p>
+              <a:pPr algn="ctr"/>
+              <a:r>
+                <a:rPr lang="en-US" sz="1400" dirty="0">
+                  <a:solidFill>
+                    <a:schemeClr val="tx1"/>
+                  </a:solidFill>
+                </a:rPr>
+                <a:t>“Hell World”</a:t>
+              </a:r>
+            </a:p>
+          </p:txBody>
+        </p:sp>
+        <p:sp>
+          <p:nvSpPr>
+            <p:cNvPr id="21" name="Rectangle 20">
+              <a:extLst>
+                <a:ext uri="{FF2B5EF4-FFF2-40B4-BE49-F238E27FC236}">
+                  <a16:creationId xmlns:a16="http://schemas.microsoft.com/office/drawing/2014/main" id="{F8655A24-E1AC-D8FC-36DD-73B95D4E3360}"/>
+                </a:ext>
+              </a:extLst>
+            </p:cNvPr>
+            <p:cNvSpPr/>
+            <p:nvPr/>
+          </p:nvSpPr>
+          <p:spPr>
+            <a:xfrm>
+              <a:off x="1280160" y="2410701"/>
+              <a:ext cx="1450848" cy="247155"/>
+            </a:xfrm>
+            <a:prstGeom prst="rect">
+              <a:avLst/>
+            </a:prstGeom>
+            <a:solidFill>
+              <a:schemeClr val="accent2"/>
+            </a:solidFill>
+          </p:spPr>
+          <p:style>
+            <a:lnRef idx="2">
+              <a:schemeClr val="accent1">
+                <a:shade val="15000"/>
+              </a:schemeClr>
+            </a:lnRef>
+            <a:fillRef idx="1">
+              <a:schemeClr val="accent1"/>
+            </a:fillRef>
+            <a:effectRef idx="0">
+              <a:schemeClr val="accent1"/>
+            </a:effectRef>
+            <a:fontRef idx="minor">
+              <a:schemeClr val="lt1"/>
+            </a:fontRef>
+          </p:style>
+          <p:txBody>
+            <a:bodyPr rtlCol="0" anchor="ctr"/>
+            <a:lstStyle/>
+            <a:p>
+              <a:pPr algn="ctr"/>
+              <a:r>
+                <a:rPr lang="en-US" sz="1400" dirty="0">
+                  <a:solidFill>
+                    <a:schemeClr val="tx1"/>
+                  </a:solidFill>
+                </a:rPr>
+                <a:t>“Hell World”</a:t>
+              </a:r>
+            </a:p>
+          </p:txBody>
+        </p:sp>
+      </p:grpSp>
+      <p:sp>
+        <p:nvSpPr>
+          <p:cNvPr id="24" name="Rectangle 23">
+            <a:extLst>
+              <a:ext uri="{FF2B5EF4-FFF2-40B4-BE49-F238E27FC236}">
+                <a16:creationId xmlns:a16="http://schemas.microsoft.com/office/drawing/2014/main" id="{33FE396D-6360-B50F-C6B6-78752510D79C}"/>
+              </a:ext>
+            </a:extLst>
+          </p:cNvPr>
+          <p:cNvSpPr/>
+          <p:nvPr/>
+        </p:nvSpPr>
+        <p:spPr>
+          <a:xfrm>
+            <a:off x="2825751" y="2853516"/>
+            <a:ext cx="1206498" cy="591378"/>
+          </a:xfrm>
+          <a:prstGeom prst="rect">
+            <a:avLst/>
+          </a:prstGeom>
+          <a:noFill/>
+          <a:ln w="38100"/>
+        </p:spPr>
+        <p:style>
+          <a:lnRef idx="2">
+            <a:schemeClr val="accent1">
+              <a:shade val="15000"/>
+            </a:schemeClr>
+          </a:lnRef>
+          <a:fillRef idx="1">
+            <a:schemeClr val="accent1"/>
+          </a:fillRef>
+          <a:effectRef idx="0">
+            <a:schemeClr val="accent1"/>
+          </a:effectRef>
+          <a:fontRef idx="minor">
+            <a:schemeClr val="lt1"/>
+          </a:fontRef>
+        </p:style>
+        <p:txBody>
+          <a:bodyPr rtlCol="0" anchor="ctr"/>
+          <a:lstStyle/>
+          <a:p>
+            <a:pPr algn="ctr"/>
+            <a:r>
+              <a:rPr lang="en-US" sz="1400" b="1" dirty="0">
+                <a:solidFill>
+                  <a:schemeClr val="tx1"/>
+                </a:solidFill>
+              </a:rPr>
+              <a:t>Custom Embedding</a:t>
+            </a:r>
+          </a:p>
+        </p:txBody>
+      </p:sp>
+      <p:sp>
+        <p:nvSpPr>
+          <p:cNvPr id="25" name="Rectangle 24">
+            <a:extLst>
+              <a:ext uri="{FF2B5EF4-FFF2-40B4-BE49-F238E27FC236}">
+                <a16:creationId xmlns:a16="http://schemas.microsoft.com/office/drawing/2014/main" id="{EE725888-989B-1BC1-67CD-DC8D19A9189A}"/>
+              </a:ext>
+            </a:extLst>
+          </p:cNvPr>
+          <p:cNvSpPr/>
+          <p:nvPr/>
+        </p:nvSpPr>
+        <p:spPr>
+          <a:xfrm>
+            <a:off x="1908049" y="846317"/>
+            <a:ext cx="1685542" cy="905289"/>
+          </a:xfrm>
+          <a:prstGeom prst="rect">
+            <a:avLst/>
+          </a:prstGeom>
+          <a:noFill/>
+        </p:spPr>
+        <p:style>
+          <a:lnRef idx="2">
+            <a:schemeClr val="accent1">
+              <a:shade val="15000"/>
+            </a:schemeClr>
+          </a:lnRef>
+          <a:fillRef idx="1">
+            <a:schemeClr val="accent1"/>
+          </a:fillRef>
+          <a:effectRef idx="0">
+            <a:schemeClr val="accent1"/>
+          </a:effectRef>
+          <a:fontRef idx="minor">
+            <a:schemeClr val="lt1"/>
+          </a:fontRef>
+        </p:style>
+        <p:txBody>
+          <a:bodyPr rtlCol="0" anchor="ctr"/>
+          <a:lstStyle/>
+          <a:p>
+            <a:pPr algn="ctr"/>
+            <a:r>
+              <a:rPr lang="en-US" sz="1050" dirty="0">
+                <a:solidFill>
+                  <a:schemeClr val="tx1"/>
+                </a:solidFill>
+              </a:rPr>
+              <a:t>Embedding Interface</a:t>
+            </a:r>
+          </a:p>
+          <a:p>
+            <a:pPr algn="ctr"/>
+            <a:r>
+              <a:rPr lang="en-US" sz="1050" dirty="0">
+                <a:solidFill>
+                  <a:schemeClr val="tx1"/>
+                </a:solidFill>
+              </a:rPr>
+              <a:t>(Embeddings)</a:t>
+            </a:r>
+          </a:p>
+          <a:p>
+            <a:pPr algn="ctr"/>
+            <a:r>
+              <a:rPr lang="en-US" sz="1050" dirty="0">
+                <a:solidFill>
+                  <a:schemeClr val="tx1"/>
+                </a:solidFill>
+              </a:rPr>
+              <a:t>:</a:t>
+            </a:r>
+          </a:p>
+          <a:p>
+            <a:pPr algn="ctr"/>
+            <a:r>
+              <a:rPr lang="en-US" sz="1050" dirty="0" err="1">
+                <a:solidFill>
+                  <a:schemeClr val="tx1"/>
+                </a:solidFill>
+              </a:rPr>
+              <a:t>Embed_documents</a:t>
+            </a:r>
+            <a:endParaRPr lang="en-US" sz="1050" dirty="0">
+              <a:solidFill>
+                <a:schemeClr val="tx1"/>
+              </a:solidFill>
+            </a:endParaRPr>
+          </a:p>
+          <a:p>
+            <a:pPr algn="ctr"/>
+            <a:r>
+              <a:rPr lang="en-US" sz="1050" dirty="0" err="1">
+                <a:solidFill>
+                  <a:schemeClr val="tx1"/>
+                </a:solidFill>
+              </a:rPr>
+              <a:t>Embed_query</a:t>
+            </a:r>
+            <a:endParaRPr lang="en-US" sz="1050" dirty="0">
+              <a:solidFill>
+                <a:schemeClr val="tx1"/>
+              </a:solidFill>
+            </a:endParaRPr>
+          </a:p>
+        </p:txBody>
+      </p:sp>
+      <p:cxnSp>
+        <p:nvCxnSpPr>
+          <p:cNvPr id="27" name="Connector: Elbow 26">
+            <a:extLst>
+              <a:ext uri="{FF2B5EF4-FFF2-40B4-BE49-F238E27FC236}">
+                <a16:creationId xmlns:a16="http://schemas.microsoft.com/office/drawing/2014/main" id="{FB0F75C8-D736-4BD6-95A9-B8C449A753E5}"/>
+              </a:ext>
+            </a:extLst>
+          </p:cNvPr>
+          <p:cNvCxnSpPr>
+            <a:cxnSpLocks/>
+            <a:stCxn id="24" idx="0"/>
+            <a:endCxn id="25" idx="2"/>
+          </p:cNvCxnSpPr>
+          <p:nvPr/>
+        </p:nvCxnSpPr>
+        <p:spPr>
+          <a:xfrm rot="16200000" flipV="1">
+            <a:off x="2538955" y="1963471"/>
+            <a:ext cx="1101910" cy="678180"/>
+          </a:xfrm>
+          <a:prstGeom prst="bentConnector3">
+            <a:avLst>
+              <a:gd name="adj1" fmla="val 50000"/>
+            </a:avLst>
+          </a:prstGeom>
+          <a:ln>
+            <a:tailEnd type="triangle"/>
+          </a:ln>
+        </p:spPr>
+        <p:style>
+          <a:lnRef idx="1">
+            <a:schemeClr val="accent1"/>
+          </a:lnRef>
+          <a:fillRef idx="0">
+            <a:schemeClr val="accent1"/>
+          </a:fillRef>
+          <a:effectRef idx="0">
+            <a:schemeClr val="accent1"/>
+          </a:effectRef>
+          <a:fontRef idx="minor">
+            <a:schemeClr val="tx1"/>
+          </a:fontRef>
+        </p:style>
+      </p:cxnSp>
+      <p:cxnSp>
+        <p:nvCxnSpPr>
+          <p:cNvPr id="36" name="Straight Arrow Connector 35">
+            <a:extLst>
+              <a:ext uri="{FF2B5EF4-FFF2-40B4-BE49-F238E27FC236}">
+                <a16:creationId xmlns:a16="http://schemas.microsoft.com/office/drawing/2014/main" id="{8AF2D769-1A4B-C133-DC08-473405B3D7B9}"/>
+              </a:ext>
+            </a:extLst>
+          </p:cNvPr>
+          <p:cNvCxnSpPr>
+            <a:cxnSpLocks/>
+            <a:stCxn id="19" idx="3"/>
+            <a:endCxn id="24" idx="1"/>
+          </p:cNvCxnSpPr>
+          <p:nvPr/>
+        </p:nvCxnSpPr>
+        <p:spPr>
+          <a:xfrm>
+            <a:off x="1962912" y="2359438"/>
+            <a:ext cx="862839" cy="789767"/>
+          </a:xfrm>
+          <a:prstGeom prst="straightConnector1">
+            <a:avLst/>
+          </a:prstGeom>
+          <a:ln>
+            <a:tailEnd type="triangle"/>
+          </a:ln>
+        </p:spPr>
+        <p:style>
+          <a:lnRef idx="1">
+            <a:schemeClr val="accent1"/>
+          </a:lnRef>
+          <a:fillRef idx="0">
+            <a:schemeClr val="accent1"/>
+          </a:fillRef>
+          <a:effectRef idx="0">
+            <a:schemeClr val="accent1"/>
+          </a:effectRef>
+          <a:fontRef idx="minor">
+            <a:schemeClr val="tx1"/>
+          </a:fontRef>
+        </p:style>
+      </p:cxnSp>
+      <p:cxnSp>
+        <p:nvCxnSpPr>
+          <p:cNvPr id="39" name="Straight Arrow Connector 38">
+            <a:extLst>
+              <a:ext uri="{FF2B5EF4-FFF2-40B4-BE49-F238E27FC236}">
+                <a16:creationId xmlns:a16="http://schemas.microsoft.com/office/drawing/2014/main" id="{9D3E97B6-D940-EC8E-F4F7-BD4DCCA9E688}"/>
+              </a:ext>
+            </a:extLst>
+          </p:cNvPr>
+          <p:cNvCxnSpPr>
+            <a:cxnSpLocks/>
+            <a:stCxn id="21" idx="3"/>
+            <a:endCxn id="24" idx="1"/>
+          </p:cNvCxnSpPr>
+          <p:nvPr/>
+        </p:nvCxnSpPr>
+        <p:spPr>
+          <a:xfrm flipV="1">
+            <a:off x="2304288" y="3149205"/>
+            <a:ext cx="521463" cy="1069409"/>
+          </a:xfrm>
+          <a:prstGeom prst="straightConnector1">
+            <a:avLst/>
+          </a:prstGeom>
+          <a:ln>
+            <a:tailEnd type="triangle"/>
+          </a:ln>
+        </p:spPr>
+        <p:style>
+          <a:lnRef idx="1">
+            <a:schemeClr val="accent1"/>
+          </a:lnRef>
+          <a:fillRef idx="0">
+            <a:schemeClr val="accent1"/>
+          </a:fillRef>
+          <a:effectRef idx="0">
+            <a:schemeClr val="accent1"/>
+          </a:effectRef>
+          <a:fontRef idx="minor">
+            <a:schemeClr val="tx1"/>
+          </a:fontRef>
+        </p:style>
+      </p:cxnSp>
+      <p:sp>
+        <p:nvSpPr>
+          <p:cNvPr id="45" name="TextBox 44">
+            <a:extLst>
+              <a:ext uri="{FF2B5EF4-FFF2-40B4-BE49-F238E27FC236}">
+                <a16:creationId xmlns:a16="http://schemas.microsoft.com/office/drawing/2014/main" id="{DE01599B-B494-1CB1-0E0D-3864D1F938E8}"/>
+              </a:ext>
+            </a:extLst>
+          </p:cNvPr>
+          <p:cNvSpPr txBox="1"/>
+          <p:nvPr/>
+        </p:nvSpPr>
+        <p:spPr>
+          <a:xfrm flipH="1">
+            <a:off x="2103120" y="3480928"/>
+            <a:ext cx="1295400" cy="261610"/>
+          </a:xfrm>
+          <a:prstGeom prst="rect">
+            <a:avLst/>
+          </a:prstGeom>
+          <a:noFill/>
+        </p:spPr>
+        <p:txBody>
+          <a:bodyPr wrap="square" rtlCol="0">
+            <a:spAutoFit/>
+          </a:bodyPr>
+          <a:lstStyle>
+            <a:defPPr>
+              <a:defRPr lang="en-US"/>
+            </a:defPPr>
+            <a:lvl1pPr algn="ctr">
+              <a:defRPr sz="1400"/>
+            </a:lvl1pPr>
+          </a:lstStyle>
+          <a:p>
+            <a:r>
+              <a:rPr lang="en-US" dirty="0" err="1"/>
+              <a:t>Embed_documents</a:t>
+            </a:r>
+            <a:endParaRPr lang="en-US" dirty="0"/>
+          </a:p>
+        </p:txBody>
+      </p:sp>
+      <p:sp>
+        <p:nvSpPr>
+          <p:cNvPr id="46" name="TextBox 45">
+            <a:extLst>
+              <a:ext uri="{FF2B5EF4-FFF2-40B4-BE49-F238E27FC236}">
+                <a16:creationId xmlns:a16="http://schemas.microsoft.com/office/drawing/2014/main" id="{54507D57-2800-3EB5-4806-2308780C6B2D}"/>
+              </a:ext>
+            </a:extLst>
+          </p:cNvPr>
+          <p:cNvSpPr txBox="1"/>
+          <p:nvPr/>
+        </p:nvSpPr>
+        <p:spPr>
+          <a:xfrm flipH="1">
+            <a:off x="2103120" y="2456411"/>
+            <a:ext cx="1295400" cy="261610"/>
+          </a:xfrm>
+          <a:prstGeom prst="rect">
+            <a:avLst/>
+          </a:prstGeom>
+          <a:noFill/>
+        </p:spPr>
+        <p:txBody>
+          <a:bodyPr wrap="square" rtlCol="0">
+            <a:spAutoFit/>
+          </a:bodyPr>
+          <a:lstStyle>
+            <a:defPPr>
+              <a:defRPr lang="en-US"/>
+            </a:defPPr>
+            <a:lvl1pPr algn="ctr">
+              <a:defRPr sz="1400"/>
+            </a:lvl1pPr>
+          </a:lstStyle>
+          <a:p>
+            <a:r>
+              <a:rPr lang="en-US" dirty="0" err="1"/>
+              <a:t>Embed_query</a:t>
+            </a:r>
+            <a:endParaRPr lang="en-US" dirty="0"/>
+          </a:p>
+        </p:txBody>
+      </p:sp>
+      <p:sp>
+        <p:nvSpPr>
+          <p:cNvPr id="47" name="TextBox 46">
+            <a:extLst>
+              <a:ext uri="{FF2B5EF4-FFF2-40B4-BE49-F238E27FC236}">
+                <a16:creationId xmlns:a16="http://schemas.microsoft.com/office/drawing/2014/main" id="{7D7AF3B7-4016-C20E-E6C2-DAA9C7D7FEA3}"/>
+              </a:ext>
+            </a:extLst>
+          </p:cNvPr>
+          <p:cNvSpPr txBox="1"/>
+          <p:nvPr/>
+        </p:nvSpPr>
+        <p:spPr>
+          <a:xfrm flipH="1">
+            <a:off x="3066288" y="3929908"/>
+            <a:ext cx="3840481" cy="1477328"/>
+          </a:xfrm>
+          <a:prstGeom prst="rect">
+            <a:avLst/>
+          </a:prstGeom>
+          <a:noFill/>
+        </p:spPr>
+        <p:txBody>
+          <a:bodyPr wrap="square" rtlCol="0">
+            <a:spAutoFit/>
+          </a:bodyPr>
+          <a:lstStyle/>
+          <a:p>
+            <a:pPr algn="ctr"/>
+            <a:r>
+              <a:rPr lang="en-US" dirty="0"/>
+              <a:t>Vector1 : [1, 2, 3, 4, 5, 6, 7, ….]</a:t>
+            </a:r>
+          </a:p>
+          <a:p>
+            <a:pPr algn="ctr"/>
+            <a:r>
+              <a:rPr lang="en-US" dirty="0"/>
+              <a:t>Vector2 : [1, 2, 3, 4, 5, 6, 7, ….]</a:t>
+            </a:r>
+          </a:p>
+          <a:p>
+            <a:pPr algn="ctr"/>
+            <a:r>
+              <a:rPr lang="en-US" dirty="0"/>
+              <a:t>…..</a:t>
+            </a:r>
+          </a:p>
+          <a:p>
+            <a:pPr algn="ctr"/>
+            <a:r>
+              <a:rPr lang="en-US" dirty="0" err="1"/>
+              <a:t>Vector_n</a:t>
+            </a:r>
+            <a:r>
+              <a:rPr lang="en-US" dirty="0"/>
+              <a:t> : [1, 2, 3, 4, 5, 6, 7, ….]</a:t>
+            </a:r>
+          </a:p>
+          <a:p>
+            <a:pPr algn="ctr"/>
+            <a:endParaRPr lang="en-US" dirty="0"/>
+          </a:p>
+        </p:txBody>
+      </p:sp>
+      <p:cxnSp>
+        <p:nvCxnSpPr>
+          <p:cNvPr id="54" name="Connector: Elbow 53">
+            <a:extLst>
+              <a:ext uri="{FF2B5EF4-FFF2-40B4-BE49-F238E27FC236}">
+                <a16:creationId xmlns:a16="http://schemas.microsoft.com/office/drawing/2014/main" id="{EE5895C5-A203-18C9-95D7-E5DC7C8866FC}"/>
+              </a:ext>
+            </a:extLst>
+          </p:cNvPr>
+          <p:cNvCxnSpPr>
+            <a:cxnSpLocks/>
+            <a:stCxn id="24" idx="3"/>
+            <a:endCxn id="47" idx="0"/>
+          </p:cNvCxnSpPr>
+          <p:nvPr/>
+        </p:nvCxnSpPr>
+        <p:spPr>
+          <a:xfrm>
+            <a:off x="4032249" y="3149205"/>
+            <a:ext cx="954279" cy="780703"/>
+          </a:xfrm>
+          <a:prstGeom prst="bentConnector2">
+            <a:avLst/>
+          </a:prstGeom>
+          <a:ln>
+            <a:tailEnd type="triangle"/>
+          </a:ln>
+        </p:spPr>
+        <p:style>
+          <a:lnRef idx="1">
+            <a:schemeClr val="accent1"/>
+          </a:lnRef>
+          <a:fillRef idx="0">
+            <a:schemeClr val="accent1"/>
+          </a:fillRef>
+          <a:effectRef idx="0">
+            <a:schemeClr val="accent1"/>
+          </a:effectRef>
+          <a:fontRef idx="minor">
+            <a:schemeClr val="tx1"/>
+          </a:fontRef>
+        </p:style>
+      </p:cxnSp>
+      <p:sp>
+        <p:nvSpPr>
+          <p:cNvPr id="59" name="TextBox 58">
+            <a:extLst>
+              <a:ext uri="{FF2B5EF4-FFF2-40B4-BE49-F238E27FC236}">
+                <a16:creationId xmlns:a16="http://schemas.microsoft.com/office/drawing/2014/main" id="{10DBFCFD-A8C5-474D-FFC1-7FB0B6D8A15A}"/>
+              </a:ext>
+            </a:extLst>
+          </p:cNvPr>
+          <p:cNvSpPr txBox="1"/>
+          <p:nvPr/>
+        </p:nvSpPr>
+        <p:spPr>
+          <a:xfrm flipH="1">
+            <a:off x="4338828" y="2784417"/>
+            <a:ext cx="1295400" cy="307777"/>
+          </a:xfrm>
+          <a:prstGeom prst="rect">
+            <a:avLst/>
+          </a:prstGeom>
+          <a:noFill/>
+        </p:spPr>
+        <p:txBody>
+          <a:bodyPr wrap="square" rtlCol="0">
+            <a:spAutoFit/>
+          </a:bodyPr>
+          <a:lstStyle/>
+          <a:p>
+            <a:pPr algn="ctr"/>
+            <a:r>
+              <a:rPr lang="en-US" sz="1400" dirty="0"/>
+              <a:t>Output Vectors</a:t>
+            </a:r>
+          </a:p>
+        </p:txBody>
+      </p:sp>
+      <p:sp>
+        <p:nvSpPr>
+          <p:cNvPr id="1025" name="Rectangle 1024">
+            <a:extLst>
+              <a:ext uri="{FF2B5EF4-FFF2-40B4-BE49-F238E27FC236}">
+                <a16:creationId xmlns:a16="http://schemas.microsoft.com/office/drawing/2014/main" id="{6EAC6FBB-A377-FD0C-FDFB-0FA4EDB4D3EA}"/>
+              </a:ext>
+            </a:extLst>
+          </p:cNvPr>
+          <p:cNvSpPr/>
+          <p:nvPr/>
+        </p:nvSpPr>
+        <p:spPr>
+          <a:xfrm>
+            <a:off x="4427730" y="846317"/>
+            <a:ext cx="1206498" cy="1348940"/>
+          </a:xfrm>
+          <a:prstGeom prst="rect">
+            <a:avLst/>
+          </a:prstGeom>
+          <a:noFill/>
+        </p:spPr>
+        <p:style>
+          <a:lnRef idx="2">
+            <a:schemeClr val="accent1">
+              <a:shade val="15000"/>
+            </a:schemeClr>
+          </a:lnRef>
+          <a:fillRef idx="1">
+            <a:schemeClr val="accent1"/>
+          </a:fillRef>
+          <a:effectRef idx="0">
+            <a:schemeClr val="accent1"/>
+          </a:effectRef>
+          <a:fontRef idx="minor">
+            <a:schemeClr val="lt1"/>
+          </a:fontRef>
+        </p:style>
+        <p:txBody>
+          <a:bodyPr rtlCol="0" anchor="ctr"/>
+          <a:lstStyle/>
+          <a:p>
+            <a:pPr algn="ctr"/>
+            <a:r>
+              <a:rPr lang="en-US" sz="1050" dirty="0">
+                <a:solidFill>
+                  <a:schemeClr val="tx1"/>
+                </a:solidFill>
+              </a:rPr>
+              <a:t>Trained Embedding Model</a:t>
+            </a:r>
+          </a:p>
+          <a:p>
+            <a:pPr algn="ctr"/>
+            <a:r>
+              <a:rPr lang="en-US" sz="1050" dirty="0">
+                <a:solidFill>
+                  <a:schemeClr val="tx1"/>
+                </a:solidFill>
+              </a:rPr>
+              <a:t>Of your </a:t>
+            </a:r>
+          </a:p>
+          <a:p>
+            <a:pPr algn="ctr"/>
+            <a:r>
+              <a:rPr lang="en-US" sz="1050" dirty="0">
+                <a:solidFill>
+                  <a:schemeClr val="tx1"/>
+                </a:solidFill>
+              </a:rPr>
+              <a:t>Choice</a:t>
+            </a:r>
+          </a:p>
+        </p:txBody>
+      </p:sp>
+      <p:sp>
+        <p:nvSpPr>
+          <p:cNvPr id="1028" name="TextBox 1027">
+            <a:extLst>
+              <a:ext uri="{FF2B5EF4-FFF2-40B4-BE49-F238E27FC236}">
+                <a16:creationId xmlns:a16="http://schemas.microsoft.com/office/drawing/2014/main" id="{3080D059-0D28-9348-58D7-39355ED8801E}"/>
+              </a:ext>
+            </a:extLst>
+          </p:cNvPr>
+          <p:cNvSpPr txBox="1"/>
+          <p:nvPr/>
+        </p:nvSpPr>
+        <p:spPr>
+          <a:xfrm flipH="1">
+            <a:off x="2103120" y="1899568"/>
+            <a:ext cx="1295400" cy="261610"/>
+          </a:xfrm>
+          <a:prstGeom prst="rect">
+            <a:avLst/>
+          </a:prstGeom>
+          <a:noFill/>
+        </p:spPr>
+        <p:txBody>
+          <a:bodyPr wrap="square" rtlCol="0">
+            <a:spAutoFit/>
+          </a:bodyPr>
+          <a:lstStyle>
+            <a:defPPr>
+              <a:defRPr lang="en-US"/>
+            </a:defPPr>
+            <a:lvl1pPr algn="ctr">
+              <a:defRPr sz="1400"/>
+            </a:lvl1pPr>
+          </a:lstStyle>
+          <a:p>
+            <a:r>
+              <a:rPr lang="en-US" dirty="0"/>
+              <a:t>Extend</a:t>
+            </a:r>
+          </a:p>
+        </p:txBody>
+      </p:sp>
+      <p:cxnSp>
+        <p:nvCxnSpPr>
+          <p:cNvPr id="1030" name="Connector: Elbow 1029">
+            <a:extLst>
+              <a:ext uri="{FF2B5EF4-FFF2-40B4-BE49-F238E27FC236}">
+                <a16:creationId xmlns:a16="http://schemas.microsoft.com/office/drawing/2014/main" id="{E3CD643A-2C46-7B12-28CC-49337638945F}"/>
+              </a:ext>
+            </a:extLst>
+          </p:cNvPr>
+          <p:cNvCxnSpPr>
+            <a:cxnSpLocks/>
+            <a:endCxn id="1025" idx="1"/>
+          </p:cNvCxnSpPr>
+          <p:nvPr/>
+        </p:nvCxnSpPr>
+        <p:spPr>
+          <a:xfrm rot="5400000" flipH="1" flipV="1">
+            <a:off x="3531758" y="1801947"/>
+            <a:ext cx="1177132" cy="614812"/>
+          </a:xfrm>
+          <a:prstGeom prst="bentConnector2">
+            <a:avLst/>
+          </a:prstGeom>
+          <a:ln>
+            <a:tailEnd type="triangle"/>
+          </a:ln>
+        </p:spPr>
+        <p:style>
+          <a:lnRef idx="1">
+            <a:schemeClr val="accent1"/>
+          </a:lnRef>
+          <a:fillRef idx="0">
+            <a:schemeClr val="accent1"/>
+          </a:fillRef>
+          <a:effectRef idx="0">
+            <a:schemeClr val="accent1"/>
+          </a:effectRef>
+          <a:fontRef idx="minor">
+            <a:schemeClr val="tx1"/>
+          </a:fontRef>
+        </p:style>
+      </p:cxnSp>
+      <p:sp>
+        <p:nvSpPr>
+          <p:cNvPr id="1033" name="TextBox 1032">
+            <a:extLst>
+              <a:ext uri="{FF2B5EF4-FFF2-40B4-BE49-F238E27FC236}">
+                <a16:creationId xmlns:a16="http://schemas.microsoft.com/office/drawing/2014/main" id="{83868982-0CD3-732D-B26D-D9277CDCEDB9}"/>
+              </a:ext>
+            </a:extLst>
+          </p:cNvPr>
+          <p:cNvSpPr txBox="1"/>
+          <p:nvPr/>
+        </p:nvSpPr>
+        <p:spPr>
+          <a:xfrm flipH="1">
+            <a:off x="3472625" y="2184977"/>
+            <a:ext cx="1295400" cy="261610"/>
+          </a:xfrm>
+          <a:prstGeom prst="rect">
+            <a:avLst/>
+          </a:prstGeom>
+          <a:noFill/>
+        </p:spPr>
+        <p:txBody>
+          <a:bodyPr wrap="square" rtlCol="0">
+            <a:spAutoFit/>
+          </a:bodyPr>
+          <a:lstStyle/>
+          <a:p>
+            <a:pPr algn="ctr"/>
+            <a:r>
+              <a:rPr lang="en-US" sz="1100" dirty="0"/>
+              <a:t>Call: URL</a:t>
+            </a:r>
+          </a:p>
+        </p:txBody>
+      </p:sp>
+      <p:sp>
+        <p:nvSpPr>
+          <p:cNvPr id="1035" name="Oval 1034">
+            <a:extLst>
+              <a:ext uri="{FF2B5EF4-FFF2-40B4-BE49-F238E27FC236}">
+                <a16:creationId xmlns:a16="http://schemas.microsoft.com/office/drawing/2014/main" id="{311B0269-F4D0-E1B4-9F69-16AE197197DC}"/>
+              </a:ext>
+            </a:extLst>
+          </p:cNvPr>
+          <p:cNvSpPr/>
+          <p:nvPr/>
+        </p:nvSpPr>
+        <p:spPr>
+          <a:xfrm>
+            <a:off x="3178524" y="2110009"/>
+            <a:ext cx="390144" cy="390144"/>
+          </a:xfrm>
+          <a:prstGeom prst="ellipse">
+            <a:avLst/>
+          </a:prstGeom>
+        </p:spPr>
+        <p:style>
+          <a:lnRef idx="2">
+            <a:schemeClr val="accent1">
+              <a:shade val="15000"/>
+            </a:schemeClr>
+          </a:lnRef>
+          <a:fillRef idx="1">
+            <a:schemeClr val="accent1"/>
+          </a:fillRef>
+          <a:effectRef idx="0">
+            <a:schemeClr val="accent1"/>
+          </a:effectRef>
+          <a:fontRef idx="minor">
+            <a:schemeClr val="lt1"/>
+          </a:fontRef>
+        </p:style>
+        <p:txBody>
+          <a:bodyPr rtlCol="0" anchor="ctr"/>
+          <a:lstStyle/>
+          <a:p>
+            <a:pPr algn="ctr"/>
+            <a:r>
+              <a:rPr lang="en-US" dirty="0"/>
+              <a:t>1</a:t>
+            </a:r>
+          </a:p>
+        </p:txBody>
+      </p:sp>
+      <p:sp>
+        <p:nvSpPr>
+          <p:cNvPr id="1036" name="Oval 1035">
+            <a:extLst>
+              <a:ext uri="{FF2B5EF4-FFF2-40B4-BE49-F238E27FC236}">
+                <a16:creationId xmlns:a16="http://schemas.microsoft.com/office/drawing/2014/main" id="{031E6DC2-B3C3-2C4E-439F-D9FC6F6CDE25}"/>
+              </a:ext>
+            </a:extLst>
+          </p:cNvPr>
+          <p:cNvSpPr/>
+          <p:nvPr/>
+        </p:nvSpPr>
+        <p:spPr>
+          <a:xfrm>
+            <a:off x="1962471" y="2697917"/>
+            <a:ext cx="390144" cy="390144"/>
+          </a:xfrm>
+          <a:prstGeom prst="ellipse">
+            <a:avLst/>
+          </a:prstGeom>
+        </p:spPr>
+        <p:style>
+          <a:lnRef idx="2">
+            <a:schemeClr val="accent1">
+              <a:shade val="15000"/>
+            </a:schemeClr>
+          </a:lnRef>
+          <a:fillRef idx="1">
+            <a:schemeClr val="accent1"/>
+          </a:fillRef>
+          <a:effectRef idx="0">
+            <a:schemeClr val="accent1"/>
+          </a:effectRef>
+          <a:fontRef idx="minor">
+            <a:schemeClr val="lt1"/>
+          </a:fontRef>
+        </p:style>
+        <p:txBody>
+          <a:bodyPr rtlCol="0" anchor="ctr"/>
+          <a:lstStyle/>
+          <a:p>
+            <a:pPr algn="ctr"/>
+            <a:r>
+              <a:rPr lang="en-US" dirty="0"/>
+              <a:t>2</a:t>
+            </a:r>
+          </a:p>
+        </p:txBody>
+      </p:sp>
+      <p:sp>
+        <p:nvSpPr>
+          <p:cNvPr id="1037" name="Oval 1036">
+            <a:extLst>
+              <a:ext uri="{FF2B5EF4-FFF2-40B4-BE49-F238E27FC236}">
+                <a16:creationId xmlns:a16="http://schemas.microsoft.com/office/drawing/2014/main" id="{BDA8D71C-637B-418E-1B34-4692BFE3D07A}"/>
+              </a:ext>
+            </a:extLst>
+          </p:cNvPr>
+          <p:cNvSpPr/>
+          <p:nvPr/>
+        </p:nvSpPr>
+        <p:spPr>
+          <a:xfrm>
+            <a:off x="2109216" y="4124159"/>
+            <a:ext cx="390144" cy="390144"/>
+          </a:xfrm>
+          <a:prstGeom prst="ellipse">
+            <a:avLst/>
+          </a:prstGeom>
+        </p:spPr>
+        <p:style>
+          <a:lnRef idx="2">
+            <a:schemeClr val="accent1">
+              <a:shade val="15000"/>
+            </a:schemeClr>
+          </a:lnRef>
+          <a:fillRef idx="1">
+            <a:schemeClr val="accent1"/>
+          </a:fillRef>
+          <a:effectRef idx="0">
+            <a:schemeClr val="accent1"/>
+          </a:effectRef>
+          <a:fontRef idx="minor">
+            <a:schemeClr val="lt1"/>
+          </a:fontRef>
+        </p:style>
+        <p:txBody>
+          <a:bodyPr rtlCol="0" anchor="ctr"/>
+          <a:lstStyle/>
+          <a:p>
+            <a:pPr algn="ctr"/>
+            <a:r>
+              <a:rPr lang="en-US" dirty="0"/>
+              <a:t>3</a:t>
+            </a:r>
+          </a:p>
+        </p:txBody>
+      </p:sp>
+      <p:sp>
+        <p:nvSpPr>
+          <p:cNvPr id="1038" name="Oval 1037">
+            <a:extLst>
+              <a:ext uri="{FF2B5EF4-FFF2-40B4-BE49-F238E27FC236}">
+                <a16:creationId xmlns:a16="http://schemas.microsoft.com/office/drawing/2014/main" id="{D2F30CC4-4A89-0C06-8774-C2412A5F61BA}"/>
+              </a:ext>
+            </a:extLst>
+          </p:cNvPr>
+          <p:cNvSpPr/>
+          <p:nvPr/>
+        </p:nvSpPr>
+        <p:spPr>
+          <a:xfrm>
+            <a:off x="3837177" y="1077077"/>
+            <a:ext cx="390144" cy="390144"/>
+          </a:xfrm>
+          <a:prstGeom prst="ellipse">
+            <a:avLst/>
+          </a:prstGeom>
+        </p:spPr>
+        <p:style>
+          <a:lnRef idx="2">
+            <a:schemeClr val="accent1">
+              <a:shade val="15000"/>
+            </a:schemeClr>
+          </a:lnRef>
+          <a:fillRef idx="1">
+            <a:schemeClr val="accent1"/>
+          </a:fillRef>
+          <a:effectRef idx="0">
+            <a:schemeClr val="accent1"/>
+          </a:effectRef>
+          <a:fontRef idx="minor">
+            <a:schemeClr val="lt1"/>
+          </a:fontRef>
+        </p:style>
+        <p:txBody>
+          <a:bodyPr rtlCol="0" anchor="ctr"/>
+          <a:lstStyle/>
+          <a:p>
+            <a:pPr algn="ctr"/>
+            <a:r>
+              <a:rPr lang="en-US" dirty="0"/>
+              <a:t>4</a:t>
+            </a:r>
+          </a:p>
+        </p:txBody>
+      </p:sp>
+      <p:sp>
+        <p:nvSpPr>
+          <p:cNvPr id="1039" name="Oval 1038">
+            <a:extLst>
+              <a:ext uri="{FF2B5EF4-FFF2-40B4-BE49-F238E27FC236}">
+                <a16:creationId xmlns:a16="http://schemas.microsoft.com/office/drawing/2014/main" id="{FB94E507-97DD-9DAE-6EBD-A7FE793FBC7B}"/>
+              </a:ext>
+            </a:extLst>
+          </p:cNvPr>
+          <p:cNvSpPr/>
+          <p:nvPr/>
+        </p:nvSpPr>
+        <p:spPr>
+          <a:xfrm>
+            <a:off x="5043675" y="3317314"/>
+            <a:ext cx="390144" cy="390144"/>
+          </a:xfrm>
+          <a:prstGeom prst="ellipse">
+            <a:avLst/>
+          </a:prstGeom>
+        </p:spPr>
+        <p:style>
+          <a:lnRef idx="2">
+            <a:schemeClr val="accent1">
+              <a:shade val="15000"/>
+            </a:schemeClr>
+          </a:lnRef>
+          <a:fillRef idx="1">
+            <a:schemeClr val="accent1"/>
+          </a:fillRef>
+          <a:effectRef idx="0">
+            <a:schemeClr val="accent1"/>
+          </a:effectRef>
+          <a:fontRef idx="minor">
+            <a:schemeClr val="lt1"/>
+          </a:fontRef>
+        </p:style>
+        <p:txBody>
+          <a:bodyPr rtlCol="0" anchor="ctr"/>
+          <a:lstStyle/>
+          <a:p>
+            <a:pPr algn="ctr"/>
+            <a:r>
+              <a:rPr lang="en-US" dirty="0"/>
+              <a:t>5</a:t>
+            </a:r>
+          </a:p>
+        </p:txBody>
+      </p:sp>
+      <p:sp>
+        <p:nvSpPr>
+          <p:cNvPr id="1058" name="TextBox 1057">
+            <a:extLst>
+              <a:ext uri="{FF2B5EF4-FFF2-40B4-BE49-F238E27FC236}">
+                <a16:creationId xmlns:a16="http://schemas.microsoft.com/office/drawing/2014/main" id="{46C94A0A-EBA4-3D2C-7B78-DA59FA8C6C63}"/>
+              </a:ext>
+            </a:extLst>
+          </p:cNvPr>
+          <p:cNvSpPr txBox="1"/>
+          <p:nvPr/>
+        </p:nvSpPr>
+        <p:spPr>
+          <a:xfrm flipH="1">
+            <a:off x="1368297" y="273572"/>
+            <a:ext cx="3901881" cy="307777"/>
+          </a:xfrm>
+          <a:prstGeom prst="rect">
+            <a:avLst/>
+          </a:prstGeom>
+          <a:noFill/>
+        </p:spPr>
+        <p:txBody>
+          <a:bodyPr wrap="square" rtlCol="0">
+            <a:spAutoFit/>
+          </a:bodyPr>
+          <a:lstStyle/>
+          <a:p>
+            <a:pPr algn="ctr"/>
+            <a:r>
+              <a:rPr lang="en-US" sz="1400" dirty="0"/>
+              <a:t>LangChain Vector Embedding Interfaces</a:t>
+            </a:r>
+          </a:p>
+        </p:txBody>
+      </p:sp>
+    </p:spTree>
+    <p:extLst>
+      <p:ext uri="{BB962C8B-B14F-4D97-AF65-F5344CB8AC3E}">
+        <p14:creationId xmlns:p14="http://schemas.microsoft.com/office/powerpoint/2010/main" val="3642144938"/>
+      </p:ext>
+    </p:extLst>
+  </p:cSld>
+  <p:clrMapOvr>
+    <a:masterClrMapping/>
+  </p:clrMapOvr>
+</p:sld>
+</file>
+
+<file path=ppt/slides/slide7.xml><?xml version="1.0" encoding="utf-8"?>
+<p:sld xmlns:a="http://schemas.openxmlformats.org/drawingml/2006/main" xmlns:r="http://schemas.openxmlformats.org/officeDocument/2006/relationships" xmlns:p="http://schemas.openxmlformats.org/presentationml/2006/main">
+  <p:cSld>
+    <p:spTree>
+      <p:nvGrpSpPr>
+        <p:cNvPr id="1" name="">
+          <a:extLst>
+            <a:ext uri="{FF2B5EF4-FFF2-40B4-BE49-F238E27FC236}">
+              <a16:creationId xmlns:a16="http://schemas.microsoft.com/office/drawing/2014/main" id="{8FCDAC28-FA91-ADAB-20DA-CFCEE63067F4}"/>
+            </a:ext>
+          </a:extLst>
+        </p:cNvPr>
+        <p:cNvGrpSpPr/>
+        <p:nvPr/>
+      </p:nvGrpSpPr>
+      <p:grpSpPr>
+        <a:xfrm>
+          <a:off x="0" y="0"/>
+          <a:ext cx="0" cy="0"/>
+          <a:chOff x="0" y="0"/>
+          <a:chExt cx="0" cy="0"/>
+        </a:xfrm>
+      </p:grpSpPr>
+      <p:sp>
+        <p:nvSpPr>
+          <p:cNvPr id="1041" name="Rectangle 1040">
+            <a:extLst>
+              <a:ext uri="{FF2B5EF4-FFF2-40B4-BE49-F238E27FC236}">
+                <a16:creationId xmlns:a16="http://schemas.microsoft.com/office/drawing/2014/main" id="{ADBF459A-93B9-4499-1CE7-02F992530570}"/>
+              </a:ext>
+            </a:extLst>
+          </p:cNvPr>
+          <p:cNvSpPr/>
+          <p:nvPr/>
+        </p:nvSpPr>
+        <p:spPr>
+          <a:xfrm>
+            <a:off x="2565019" y="5849459"/>
+            <a:ext cx="1450848" cy="676959"/>
+          </a:xfrm>
+          <a:prstGeom prst="rect">
+            <a:avLst/>
+          </a:prstGeom>
+          <a:noFill/>
+        </p:spPr>
+        <p:style>
+          <a:lnRef idx="2">
+            <a:schemeClr val="accent1">
+              <a:shade val="15000"/>
+            </a:schemeClr>
+          </a:lnRef>
+          <a:fillRef idx="1">
+            <a:schemeClr val="accent1"/>
+          </a:fillRef>
+          <a:effectRef idx="0">
+            <a:schemeClr val="accent1"/>
+          </a:effectRef>
+          <a:fontRef idx="minor">
+            <a:schemeClr val="lt1"/>
+          </a:fontRef>
+        </p:style>
+        <p:txBody>
+          <a:bodyPr rtlCol="0" anchor="ctr"/>
+          <a:lstStyle/>
+          <a:p>
+            <a:pPr algn="ctr"/>
+            <a:r>
+              <a:rPr lang="en-US" sz="1400" dirty="0">
+                <a:solidFill>
+                  <a:schemeClr val="tx1"/>
+                </a:solidFill>
+              </a:rPr>
+              <a:t>Vector DB</a:t>
+            </a:r>
+          </a:p>
+        </p:txBody>
+      </p:sp>
+      <p:cxnSp>
+        <p:nvCxnSpPr>
+          <p:cNvPr id="1042" name="Connector: Elbow 1041">
+            <a:extLst>
+              <a:ext uri="{FF2B5EF4-FFF2-40B4-BE49-F238E27FC236}">
+                <a16:creationId xmlns:a16="http://schemas.microsoft.com/office/drawing/2014/main" id="{7E262E6A-C39A-9FA4-4F10-86EF10A3A6EC}"/>
+              </a:ext>
+            </a:extLst>
+          </p:cNvPr>
+          <p:cNvCxnSpPr>
+            <a:cxnSpLocks/>
+            <a:endCxn id="1041" idx="3"/>
+          </p:cNvCxnSpPr>
+          <p:nvPr/>
+        </p:nvCxnSpPr>
+        <p:spPr>
+          <a:xfrm rot="5400000">
+            <a:off x="4110847" y="5312257"/>
+            <a:ext cx="780703" cy="970661"/>
+          </a:xfrm>
+          <a:prstGeom prst="bentConnector2">
+            <a:avLst/>
+          </a:prstGeom>
+          <a:ln>
+            <a:tailEnd type="triangle"/>
+          </a:ln>
+        </p:spPr>
+        <p:style>
+          <a:lnRef idx="1">
+            <a:schemeClr val="accent1"/>
+          </a:lnRef>
+          <a:fillRef idx="0">
+            <a:schemeClr val="accent1"/>
+          </a:fillRef>
+          <a:effectRef idx="0">
+            <a:schemeClr val="accent1"/>
+          </a:effectRef>
+          <a:fontRef idx="minor">
+            <a:schemeClr val="tx1"/>
+          </a:fontRef>
+        </p:style>
+      </p:cxnSp>
+      <p:sp>
+        <p:nvSpPr>
+          <p:cNvPr id="1045" name="Oval 1044">
+            <a:extLst>
+              <a:ext uri="{FF2B5EF4-FFF2-40B4-BE49-F238E27FC236}">
+                <a16:creationId xmlns:a16="http://schemas.microsoft.com/office/drawing/2014/main" id="{906EAA34-E3E6-E742-A423-84ECC7FCAFBD}"/>
+              </a:ext>
+            </a:extLst>
+          </p:cNvPr>
+          <p:cNvSpPr/>
+          <p:nvPr/>
+        </p:nvSpPr>
+        <p:spPr>
+          <a:xfrm>
+            <a:off x="4377881" y="6291117"/>
+            <a:ext cx="390144" cy="390144"/>
+          </a:xfrm>
+          <a:prstGeom prst="ellipse">
+            <a:avLst/>
+          </a:prstGeom>
+        </p:spPr>
+        <p:style>
+          <a:lnRef idx="2">
+            <a:schemeClr val="accent1">
+              <a:shade val="15000"/>
+            </a:schemeClr>
+          </a:lnRef>
+          <a:fillRef idx="1">
+            <a:schemeClr val="accent1"/>
+          </a:fillRef>
+          <a:effectRef idx="0">
+            <a:schemeClr val="accent1"/>
+          </a:effectRef>
+          <a:fontRef idx="minor">
+            <a:schemeClr val="lt1"/>
+          </a:fontRef>
+        </p:style>
+        <p:txBody>
+          <a:bodyPr rtlCol="0" anchor="ctr"/>
+          <a:lstStyle/>
+          <a:p>
+            <a:pPr algn="ctr"/>
+            <a:r>
+              <a:rPr lang="en-US" dirty="0"/>
+              <a:t>6</a:t>
+            </a:r>
+          </a:p>
+        </p:txBody>
+      </p:sp>
+      <p:sp>
+        <p:nvSpPr>
+          <p:cNvPr id="1046" name="TextBox 1045">
+            <a:extLst>
+              <a:ext uri="{FF2B5EF4-FFF2-40B4-BE49-F238E27FC236}">
+                <a16:creationId xmlns:a16="http://schemas.microsoft.com/office/drawing/2014/main" id="{D3DE3D2F-F6C6-E7AD-EACA-0AA1C41C5B91}"/>
+              </a:ext>
+            </a:extLst>
+          </p:cNvPr>
+          <p:cNvSpPr txBox="1"/>
+          <p:nvPr/>
+        </p:nvSpPr>
+        <p:spPr>
+          <a:xfrm flipH="1">
+            <a:off x="4260084" y="5718654"/>
+            <a:ext cx="1295400" cy="261610"/>
+          </a:xfrm>
+          <a:prstGeom prst="rect">
+            <a:avLst/>
+          </a:prstGeom>
+          <a:noFill/>
+        </p:spPr>
+        <p:txBody>
+          <a:bodyPr wrap="square" rtlCol="0">
+            <a:spAutoFit/>
+          </a:bodyPr>
+          <a:lstStyle/>
+          <a:p>
+            <a:pPr algn="ctr"/>
+            <a:r>
+              <a:rPr lang="en-US" sz="1100" dirty="0"/>
+              <a:t>Store</a:t>
+            </a:r>
+          </a:p>
+        </p:txBody>
+      </p:sp>
+      <p:sp>
+        <p:nvSpPr>
+          <p:cNvPr id="1048" name="Rectangle 1047">
+            <a:extLst>
+              <a:ext uri="{FF2B5EF4-FFF2-40B4-BE49-F238E27FC236}">
+                <a16:creationId xmlns:a16="http://schemas.microsoft.com/office/drawing/2014/main" id="{66C440B6-B7B8-9301-568F-167E7CF88D8F}"/>
+              </a:ext>
+            </a:extLst>
+          </p:cNvPr>
+          <p:cNvSpPr/>
+          <p:nvPr/>
+        </p:nvSpPr>
+        <p:spPr>
+          <a:xfrm>
+            <a:off x="487934" y="7434207"/>
+            <a:ext cx="871500" cy="247155"/>
+          </a:xfrm>
+          <a:prstGeom prst="rect">
+            <a:avLst/>
+          </a:prstGeom>
+          <a:noFill/>
+        </p:spPr>
+        <p:style>
+          <a:lnRef idx="2">
+            <a:schemeClr val="accent1">
+              <a:shade val="15000"/>
+            </a:schemeClr>
+          </a:lnRef>
+          <a:fillRef idx="1">
+            <a:schemeClr val="accent1"/>
+          </a:fillRef>
+          <a:effectRef idx="0">
+            <a:schemeClr val="accent1"/>
+          </a:effectRef>
+          <a:fontRef idx="minor">
+            <a:schemeClr val="lt1"/>
+          </a:fontRef>
+        </p:style>
+        <p:txBody>
+          <a:bodyPr rtlCol="0" anchor="ctr"/>
+          <a:lstStyle/>
+          <a:p>
+            <a:pPr algn="ctr"/>
+            <a:r>
+              <a:rPr lang="en-US" sz="1400" dirty="0">
+                <a:solidFill>
+                  <a:schemeClr val="tx1"/>
+                </a:solidFill>
+              </a:rPr>
+              <a:t>query</a:t>
+            </a:r>
+          </a:p>
+        </p:txBody>
+      </p:sp>
+      <p:sp>
+        <p:nvSpPr>
+          <p:cNvPr id="1049" name="Rectangle 1048">
+            <a:extLst>
+              <a:ext uri="{FF2B5EF4-FFF2-40B4-BE49-F238E27FC236}">
+                <a16:creationId xmlns:a16="http://schemas.microsoft.com/office/drawing/2014/main" id="{FE56AB2A-C9F5-EB32-710A-847E4F146625}"/>
+              </a:ext>
+            </a:extLst>
+          </p:cNvPr>
+          <p:cNvSpPr/>
+          <p:nvPr/>
+        </p:nvSpPr>
+        <p:spPr>
+          <a:xfrm>
+            <a:off x="676656" y="6681261"/>
+            <a:ext cx="1121664" cy="438868"/>
+          </a:xfrm>
+          <a:prstGeom prst="rect">
+            <a:avLst/>
+          </a:prstGeom>
+          <a:noFill/>
+        </p:spPr>
+        <p:style>
+          <a:lnRef idx="2">
+            <a:schemeClr val="accent1">
+              <a:shade val="15000"/>
+            </a:schemeClr>
+          </a:lnRef>
+          <a:fillRef idx="1">
+            <a:schemeClr val="accent1"/>
+          </a:fillRef>
+          <a:effectRef idx="0">
+            <a:schemeClr val="accent1"/>
+          </a:effectRef>
+          <a:fontRef idx="minor">
+            <a:schemeClr val="lt1"/>
+          </a:fontRef>
+        </p:style>
+        <p:txBody>
+          <a:bodyPr rtlCol="0" anchor="ctr"/>
+          <a:lstStyle/>
+          <a:p>
+            <a:pPr algn="ctr"/>
+            <a:r>
+              <a:rPr lang="en-US" sz="1400" dirty="0">
+                <a:solidFill>
+                  <a:schemeClr val="tx1"/>
+                </a:solidFill>
+              </a:rPr>
+              <a:t>Vectorize it</a:t>
+            </a:r>
+          </a:p>
+        </p:txBody>
+      </p:sp>
+      <p:cxnSp>
+        <p:nvCxnSpPr>
+          <p:cNvPr id="1050" name="Connector: Elbow 1049">
+            <a:extLst>
+              <a:ext uri="{FF2B5EF4-FFF2-40B4-BE49-F238E27FC236}">
+                <a16:creationId xmlns:a16="http://schemas.microsoft.com/office/drawing/2014/main" id="{970F5E67-D1EE-8FF8-1FE6-4516D490AE58}"/>
+              </a:ext>
+            </a:extLst>
+          </p:cNvPr>
+          <p:cNvCxnSpPr>
+            <a:cxnSpLocks/>
+            <a:stCxn id="1048" idx="0"/>
+            <a:endCxn id="1049" idx="2"/>
+          </p:cNvCxnSpPr>
+          <p:nvPr/>
+        </p:nvCxnSpPr>
+        <p:spPr>
+          <a:xfrm rot="5400000" flipH="1" flipV="1">
+            <a:off x="923547" y="7120266"/>
+            <a:ext cx="314078" cy="313804"/>
+          </a:xfrm>
+          <a:prstGeom prst="bentConnector3">
+            <a:avLst>
+              <a:gd name="adj1" fmla="val 50000"/>
+            </a:avLst>
+          </a:prstGeom>
+          <a:ln>
+            <a:tailEnd type="triangle"/>
+          </a:ln>
+        </p:spPr>
+        <p:style>
+          <a:lnRef idx="1">
+            <a:schemeClr val="accent1"/>
+          </a:lnRef>
+          <a:fillRef idx="0">
+            <a:schemeClr val="accent1"/>
+          </a:fillRef>
+          <a:effectRef idx="0">
+            <a:schemeClr val="accent1"/>
+          </a:effectRef>
+          <a:fontRef idx="minor">
+            <a:schemeClr val="tx1"/>
+          </a:fontRef>
+        </p:style>
+      </p:cxnSp>
+      <p:cxnSp>
+        <p:nvCxnSpPr>
+          <p:cNvPr id="1054" name="Connector: Elbow 1053">
+            <a:extLst>
+              <a:ext uri="{FF2B5EF4-FFF2-40B4-BE49-F238E27FC236}">
+                <a16:creationId xmlns:a16="http://schemas.microsoft.com/office/drawing/2014/main" id="{DC62B03A-6F51-95E9-CD80-5122A23D1E88}"/>
+              </a:ext>
+            </a:extLst>
+          </p:cNvPr>
+          <p:cNvCxnSpPr>
+            <a:cxnSpLocks/>
+            <a:stCxn id="1049" idx="0"/>
+            <a:endCxn id="1041" idx="1"/>
+          </p:cNvCxnSpPr>
+          <p:nvPr/>
+        </p:nvCxnSpPr>
+        <p:spPr>
+          <a:xfrm rot="5400000" flipH="1" flipV="1">
+            <a:off x="1654592" y="5770835"/>
+            <a:ext cx="493322" cy="1327531"/>
+          </a:xfrm>
+          <a:prstGeom prst="bentConnector2">
+            <a:avLst/>
+          </a:prstGeom>
+          <a:ln>
+            <a:tailEnd type="triangle"/>
+          </a:ln>
+        </p:spPr>
+        <p:style>
+          <a:lnRef idx="1">
+            <a:schemeClr val="accent1"/>
+          </a:lnRef>
+          <a:fillRef idx="0">
+            <a:schemeClr val="accent1"/>
+          </a:fillRef>
+          <a:effectRef idx="0">
+            <a:schemeClr val="accent1"/>
+          </a:effectRef>
+          <a:fontRef idx="minor">
+            <a:schemeClr val="tx1"/>
+          </a:fontRef>
+        </p:style>
+      </p:cxnSp>
+      <p:sp>
+        <p:nvSpPr>
+          <p:cNvPr id="1057" name="TextBox 1056">
+            <a:extLst>
+              <a:ext uri="{FF2B5EF4-FFF2-40B4-BE49-F238E27FC236}">
+                <a16:creationId xmlns:a16="http://schemas.microsoft.com/office/drawing/2014/main" id="{78276C62-DBDE-B016-0E40-4945C3909CA6}"/>
+              </a:ext>
+            </a:extLst>
+          </p:cNvPr>
+          <p:cNvSpPr txBox="1"/>
+          <p:nvPr/>
+        </p:nvSpPr>
+        <p:spPr>
+          <a:xfrm flipH="1">
+            <a:off x="923684" y="5926328"/>
+            <a:ext cx="1295400" cy="261610"/>
+          </a:xfrm>
+          <a:prstGeom prst="rect">
+            <a:avLst/>
+          </a:prstGeom>
+          <a:noFill/>
+        </p:spPr>
+        <p:txBody>
+          <a:bodyPr wrap="square" rtlCol="0">
+            <a:spAutoFit/>
+          </a:bodyPr>
+          <a:lstStyle/>
+          <a:p>
+            <a:pPr algn="ctr"/>
+            <a:r>
+              <a:rPr lang="en-US" sz="1100" dirty="0"/>
+              <a:t>Search</a:t>
+            </a:r>
+          </a:p>
+        </p:txBody>
+      </p:sp>
+    </p:spTree>
+    <p:extLst>
+      <p:ext uri="{BB962C8B-B14F-4D97-AF65-F5344CB8AC3E}">
+        <p14:creationId xmlns:p14="http://schemas.microsoft.com/office/powerpoint/2010/main" val="2793601269"/>
+      </p:ext>
+    </p:extLst>
+  </p:cSld>
+  <p:clrMapOvr>
+    <a:masterClrMapping/>
+  </p:clrMapOvr>
+</p:sld>
+</file>
+
 <file path=ppt/theme/theme1.xml><?xml version="1.0" encoding="utf-8"?>
 <a:theme xmlns:a="http://schemas.openxmlformats.org/drawingml/2006/main" name="Office Theme">
   <a:themeElements>

--- a/general-tech-figures.pptx
+++ b/general-tech-figures.pptx
@@ -260,7 +260,7 @@
           <a:p>
             <a:fld id="{BFBBFCFE-809B-4AE5-92DC-0D51595F6FEA}" type="datetimeFigureOut">
               <a:rPr lang="en-US" smtClean="0"/>
-              <a:t>2/10/2024</a:t>
+              <a:t>8/17/2024</a:t>
             </a:fld>
             <a:endParaRPr lang="en-US"/>
           </a:p>
@@ -430,7 +430,7 @@
           <a:p>
             <a:fld id="{BFBBFCFE-809B-4AE5-92DC-0D51595F6FEA}" type="datetimeFigureOut">
               <a:rPr lang="en-US" smtClean="0"/>
-              <a:t>2/10/2024</a:t>
+              <a:t>8/17/2024</a:t>
             </a:fld>
             <a:endParaRPr lang="en-US"/>
           </a:p>
@@ -610,7 +610,7 @@
           <a:p>
             <a:fld id="{BFBBFCFE-809B-4AE5-92DC-0D51595F6FEA}" type="datetimeFigureOut">
               <a:rPr lang="en-US" smtClean="0"/>
-              <a:t>2/10/2024</a:t>
+              <a:t>8/17/2024</a:t>
             </a:fld>
             <a:endParaRPr lang="en-US"/>
           </a:p>
@@ -780,7 +780,7 @@
           <a:p>
             <a:fld id="{BFBBFCFE-809B-4AE5-92DC-0D51595F6FEA}" type="datetimeFigureOut">
               <a:rPr lang="en-US" smtClean="0"/>
-              <a:t>2/10/2024</a:t>
+              <a:t>8/17/2024</a:t>
             </a:fld>
             <a:endParaRPr lang="en-US"/>
           </a:p>
@@ -1024,7 +1024,7 @@
           <a:p>
             <a:fld id="{BFBBFCFE-809B-4AE5-92DC-0D51595F6FEA}" type="datetimeFigureOut">
               <a:rPr lang="en-US" smtClean="0"/>
-              <a:t>2/10/2024</a:t>
+              <a:t>8/17/2024</a:t>
             </a:fld>
             <a:endParaRPr lang="en-US"/>
           </a:p>
@@ -1256,7 +1256,7 @@
           <a:p>
             <a:fld id="{BFBBFCFE-809B-4AE5-92DC-0D51595F6FEA}" type="datetimeFigureOut">
               <a:rPr lang="en-US" smtClean="0"/>
-              <a:t>2/10/2024</a:t>
+              <a:t>8/17/2024</a:t>
             </a:fld>
             <a:endParaRPr lang="en-US"/>
           </a:p>
@@ -1623,7 +1623,7 @@
           <a:p>
             <a:fld id="{BFBBFCFE-809B-4AE5-92DC-0D51595F6FEA}" type="datetimeFigureOut">
               <a:rPr lang="en-US" smtClean="0"/>
-              <a:t>2/10/2024</a:t>
+              <a:t>8/17/2024</a:t>
             </a:fld>
             <a:endParaRPr lang="en-US"/>
           </a:p>
@@ -1741,7 +1741,7 @@
           <a:p>
             <a:fld id="{BFBBFCFE-809B-4AE5-92DC-0D51595F6FEA}" type="datetimeFigureOut">
               <a:rPr lang="en-US" smtClean="0"/>
-              <a:t>2/10/2024</a:t>
+              <a:t>8/17/2024</a:t>
             </a:fld>
             <a:endParaRPr lang="en-US"/>
           </a:p>
@@ -1836,7 +1836,7 @@
           <a:p>
             <a:fld id="{BFBBFCFE-809B-4AE5-92DC-0D51595F6FEA}" type="datetimeFigureOut">
               <a:rPr lang="en-US" smtClean="0"/>
-              <a:t>2/10/2024</a:t>
+              <a:t>8/17/2024</a:t>
             </a:fld>
             <a:endParaRPr lang="en-US"/>
           </a:p>
@@ -2113,7 +2113,7 @@
           <a:p>
             <a:fld id="{BFBBFCFE-809B-4AE5-92DC-0D51595F6FEA}" type="datetimeFigureOut">
               <a:rPr lang="en-US" smtClean="0"/>
-              <a:t>2/10/2024</a:t>
+              <a:t>8/17/2024</a:t>
             </a:fld>
             <a:endParaRPr lang="en-US"/>
           </a:p>
@@ -2370,7 +2370,7 @@
           <a:p>
             <a:fld id="{BFBBFCFE-809B-4AE5-92DC-0D51595F6FEA}" type="datetimeFigureOut">
               <a:rPr lang="en-US" smtClean="0"/>
-              <a:t>2/10/2024</a:t>
+              <a:t>8/17/2024</a:t>
             </a:fld>
             <a:endParaRPr lang="en-US"/>
           </a:p>
@@ -2583,7 +2583,7 @@
           <a:p>
             <a:fld id="{BFBBFCFE-809B-4AE5-92DC-0D51595F6FEA}" type="datetimeFigureOut">
               <a:rPr lang="en-US" smtClean="0"/>
-              <a:t>2/10/2024</a:t>
+              <a:t>8/17/2024</a:t>
             </a:fld>
             <a:endParaRPr lang="en-US"/>
           </a:p>
@@ -10213,10 +10213,10 @@
       </p:grpSpPr>
       <p:sp>
         <p:nvSpPr>
-          <p:cNvPr id="1041" name="Rectangle 1040">
-            <a:extLst>
-              <a:ext uri="{FF2B5EF4-FFF2-40B4-BE49-F238E27FC236}">
-                <a16:creationId xmlns:a16="http://schemas.microsoft.com/office/drawing/2014/main" id="{ADBF459A-93B9-4499-1CE7-02F992530570}"/>
+          <p:cNvPr id="3" name="Rectangle 2">
+            <a:extLst>
+              <a:ext uri="{FF2B5EF4-FFF2-40B4-BE49-F238E27FC236}">
+                <a16:creationId xmlns:a16="http://schemas.microsoft.com/office/drawing/2014/main" id="{7039FF8F-4340-B313-B73E-B8A64D3EA568}"/>
               </a:ext>
             </a:extLst>
           </p:cNvPr>
@@ -10225,8 +10225,8 @@
         </p:nvSpPr>
         <p:spPr>
           <a:xfrm>
-            <a:off x="2565019" y="5849459"/>
-            <a:ext cx="1450848" cy="676959"/>
+            <a:off x="2280045" y="2668714"/>
+            <a:ext cx="1165594" cy="676959"/>
           </a:xfrm>
           <a:prstGeom prst="rect">
             <a:avLst/>
@@ -10260,59 +10260,17 @@
                   <a:schemeClr val="tx1"/>
                 </a:solidFill>
               </a:rPr>
-              <a:t>Vector DB</a:t>
-            </a:r>
-          </a:p>
-        </p:txBody>
-      </p:sp>
-      <p:cxnSp>
-        <p:nvCxnSpPr>
-          <p:cNvPr id="1042" name="Connector: Elbow 1041">
-            <a:extLst>
-              <a:ext uri="{FF2B5EF4-FFF2-40B4-BE49-F238E27FC236}">
-                <a16:creationId xmlns:a16="http://schemas.microsoft.com/office/drawing/2014/main" id="{7E262E6A-C39A-9FA4-4F10-86EF10A3A6EC}"/>
-              </a:ext>
-            </a:extLst>
-          </p:cNvPr>
-          <p:cNvCxnSpPr>
-            <a:cxnSpLocks/>
-            <a:endCxn id="1041" idx="3"/>
-          </p:cNvCxnSpPr>
-          <p:nvPr/>
-        </p:nvCxnSpPr>
-        <p:spPr>
-          <a:xfrm rot="5400000">
-            <a:off x="4110847" y="5312257"/>
-            <a:ext cx="780703" cy="970661"/>
-          </a:xfrm>
-          <a:prstGeom prst="bentConnector2">
-            <a:avLst/>
-          </a:prstGeom>
-          <a:ln>
-            <a:tailEnd type="triangle"/>
-          </a:ln>
-        </p:spPr>
-        <p:style>
-          <a:lnRef idx="1">
-            <a:schemeClr val="accent1"/>
-          </a:lnRef>
-          <a:fillRef idx="0">
-            <a:schemeClr val="accent1"/>
-          </a:fillRef>
-          <a:effectRef idx="0">
-            <a:schemeClr val="accent1"/>
-          </a:effectRef>
-          <a:fontRef idx="minor">
-            <a:schemeClr val="tx1"/>
-          </a:fontRef>
-        </p:style>
-      </p:cxnSp>
-      <p:sp>
-        <p:nvSpPr>
-          <p:cNvPr id="1045" name="Oval 1044">
-            <a:extLst>
-              <a:ext uri="{FF2B5EF4-FFF2-40B4-BE49-F238E27FC236}">
-                <a16:creationId xmlns:a16="http://schemas.microsoft.com/office/drawing/2014/main" id="{906EAA34-E3E6-E742-A423-84ECC7FCAFBD}"/>
+              <a:t>Pharmacy</a:t>
+            </a:r>
+          </a:p>
+        </p:txBody>
+      </p:sp>
+      <p:sp>
+        <p:nvSpPr>
+          <p:cNvPr id="4" name="Rectangle 3">
+            <a:extLst>
+              <a:ext uri="{FF2B5EF4-FFF2-40B4-BE49-F238E27FC236}">
+                <a16:creationId xmlns:a16="http://schemas.microsoft.com/office/drawing/2014/main" id="{F8139555-A38D-6D41-C152-2C6D3B0C4184}"/>
               </a:ext>
             </a:extLst>
           </p:cNvPr>
@@ -10321,12 +10279,13 @@
         </p:nvSpPr>
         <p:spPr>
           <a:xfrm>
-            <a:off x="4377881" y="6291117"/>
-            <a:ext cx="390144" cy="390144"/>
-          </a:xfrm>
-          <a:prstGeom prst="ellipse">
-            <a:avLst/>
-          </a:prstGeom>
+            <a:off x="4691086" y="670216"/>
+            <a:ext cx="1165594" cy="676959"/>
+          </a:xfrm>
+          <a:prstGeom prst="rect">
+            <a:avLst/>
+          </a:prstGeom>
+          <a:noFill/>
         </p:spPr>
         <p:style>
           <a:lnRef idx="2">
@@ -10350,54 +10309,22 @@
           <a:p>
             <a:pPr algn="ctr"/>
             <a:r>
-              <a:rPr lang="en-US" dirty="0"/>
-              <a:t>6</a:t>
-            </a:r>
-          </a:p>
-        </p:txBody>
-      </p:sp>
-      <p:sp>
-        <p:nvSpPr>
-          <p:cNvPr id="1046" name="TextBox 1045">
-            <a:extLst>
-              <a:ext uri="{FF2B5EF4-FFF2-40B4-BE49-F238E27FC236}">
-                <a16:creationId xmlns:a16="http://schemas.microsoft.com/office/drawing/2014/main" id="{D3DE3D2F-F6C6-E7AD-EACA-0AA1C41C5B91}"/>
-              </a:ext>
-            </a:extLst>
-          </p:cNvPr>
-          <p:cNvSpPr txBox="1"/>
-          <p:nvPr/>
-        </p:nvSpPr>
-        <p:spPr>
-          <a:xfrm flipH="1">
-            <a:off x="4260084" y="5718654"/>
-            <a:ext cx="1295400" cy="261610"/>
-          </a:xfrm>
-          <a:prstGeom prst="rect">
-            <a:avLst/>
-          </a:prstGeom>
-          <a:noFill/>
-        </p:spPr>
-        <p:txBody>
-          <a:bodyPr wrap="square" rtlCol="0">
-            <a:spAutoFit/>
-          </a:bodyPr>
-          <a:lstStyle/>
-          <a:p>
-            <a:pPr algn="ctr"/>
-            <a:r>
-              <a:rPr lang="en-US" sz="1100" dirty="0"/>
-              <a:t>Store</a:t>
-            </a:r>
-          </a:p>
-        </p:txBody>
-      </p:sp>
-      <p:sp>
-        <p:nvSpPr>
-          <p:cNvPr id="1048" name="Rectangle 1047">
-            <a:extLst>
-              <a:ext uri="{FF2B5EF4-FFF2-40B4-BE49-F238E27FC236}">
-                <a16:creationId xmlns:a16="http://schemas.microsoft.com/office/drawing/2014/main" id="{66C440B6-B7B8-9301-568F-167E7CF88D8F}"/>
+              <a:rPr lang="en-US" sz="1400" dirty="0">
+                <a:solidFill>
+                  <a:schemeClr val="tx1"/>
+                </a:solidFill>
+              </a:rPr>
+              <a:t>Payer</a:t>
+            </a:r>
+          </a:p>
+        </p:txBody>
+      </p:sp>
+      <p:sp>
+        <p:nvSpPr>
+          <p:cNvPr id="5" name="Rectangle 4">
+            <a:extLst>
+              <a:ext uri="{FF2B5EF4-FFF2-40B4-BE49-F238E27FC236}">
+                <a16:creationId xmlns:a16="http://schemas.microsoft.com/office/drawing/2014/main" id="{DEA43BF2-7A6F-3A36-F410-01899D7C0FC4}"/>
               </a:ext>
             </a:extLst>
           </p:cNvPr>
@@ -10406,8 +10333,8 @@
         </p:nvSpPr>
         <p:spPr>
           <a:xfrm>
-            <a:off x="487934" y="7434207"/>
-            <a:ext cx="871500" cy="247155"/>
+            <a:off x="3114390" y="1392924"/>
+            <a:ext cx="1165594" cy="676959"/>
           </a:xfrm>
           <a:prstGeom prst="rect">
             <a:avLst/>
@@ -10441,17 +10368,17 @@
                   <a:schemeClr val="tx1"/>
                 </a:solidFill>
               </a:rPr>
-              <a:t>query</a:t>
-            </a:r>
-          </a:p>
-        </p:txBody>
-      </p:sp>
-      <p:sp>
-        <p:nvSpPr>
-          <p:cNvPr id="1049" name="Rectangle 1048">
-            <a:extLst>
-              <a:ext uri="{FF2B5EF4-FFF2-40B4-BE49-F238E27FC236}">
-                <a16:creationId xmlns:a16="http://schemas.microsoft.com/office/drawing/2014/main" id="{FE56AB2A-C9F5-EB32-710A-847E4F146625}"/>
+              <a:t>PBM</a:t>
+            </a:r>
+          </a:p>
+        </p:txBody>
+      </p:sp>
+      <p:sp>
+        <p:nvSpPr>
+          <p:cNvPr id="7" name="Rectangle 6">
+            <a:extLst>
+              <a:ext uri="{FF2B5EF4-FFF2-40B4-BE49-F238E27FC236}">
+                <a16:creationId xmlns:a16="http://schemas.microsoft.com/office/drawing/2014/main" id="{6BF9A167-0F94-E6D8-C45B-2304B4C12019}"/>
               </a:ext>
             </a:extLst>
           </p:cNvPr>
@@ -10460,8 +10387,8 @@
         </p:nvSpPr>
         <p:spPr>
           <a:xfrm>
-            <a:off x="676656" y="6681261"/>
-            <a:ext cx="1121664" cy="438868"/>
+            <a:off x="4548905" y="3339463"/>
+            <a:ext cx="1314830" cy="676959"/>
           </a:xfrm>
           <a:prstGeom prst="rect">
             <a:avLst/>
@@ -10495,36 +10422,80 @@
                   <a:schemeClr val="tx1"/>
                 </a:solidFill>
               </a:rPr>
-              <a:t>Vectorize it</a:t>
-            </a:r>
-          </a:p>
-        </p:txBody>
-      </p:sp>
+              <a:t>Wholesaler</a:t>
+            </a:r>
+          </a:p>
+        </p:txBody>
+      </p:sp>
+      <p:pic>
+        <p:nvPicPr>
+          <p:cNvPr id="1026" name="Picture 2" descr="Stick figure - Wikipedia">
+            <a:extLst>
+              <a:ext uri="{FF2B5EF4-FFF2-40B4-BE49-F238E27FC236}">
+                <a16:creationId xmlns:a16="http://schemas.microsoft.com/office/drawing/2014/main" id="{8C59DCC6-75D3-F8E2-D9C6-3ADD29C08268}"/>
+              </a:ext>
+            </a:extLst>
+          </p:cNvPr>
+          <p:cNvPicPr>
+            <a:picLocks noChangeAspect="1" noChangeArrowheads="1"/>
+          </p:cNvPicPr>
+          <p:nvPr/>
+        </p:nvPicPr>
+        <p:blipFill>
+          <a:blip r:embed="rId2">
+            <a:extLst>
+              <a:ext uri="{28A0092B-C50C-407E-A947-70E740481C1C}">
+                <a14:useLocalDpi xmlns:a14="http://schemas.microsoft.com/office/drawing/2010/main" val="0"/>
+              </a:ext>
+            </a:extLst>
+          </a:blip>
+          <a:srcRect/>
+          <a:stretch>
+            <a:fillRect/>
+          </a:stretch>
+        </p:blipFill>
+        <p:spPr bwMode="auto">
+          <a:xfrm>
+            <a:off x="1001320" y="2671381"/>
+            <a:ext cx="365027" cy="676959"/>
+          </a:xfrm>
+          <a:prstGeom prst="rect">
+            <a:avLst/>
+          </a:prstGeom>
+          <a:noFill/>
+          <a:extLst>
+            <a:ext uri="{909E8E84-426E-40DD-AFC4-6F175D3DCCD1}">
+              <a14:hiddenFill xmlns:a14="http://schemas.microsoft.com/office/drawing/2010/main">
+                <a:solidFill>
+                  <a:srgbClr val="FFFFFF"/>
+                </a:solidFill>
+              </a14:hiddenFill>
+            </a:ext>
+          </a:extLst>
+        </p:spPr>
+      </p:pic>
       <p:cxnSp>
         <p:nvCxnSpPr>
-          <p:cNvPr id="1050" name="Connector: Elbow 1049">
-            <a:extLst>
-              <a:ext uri="{FF2B5EF4-FFF2-40B4-BE49-F238E27FC236}">
-                <a16:creationId xmlns:a16="http://schemas.microsoft.com/office/drawing/2014/main" id="{970F5E67-D1EE-8FF8-1FE6-4516D490AE58}"/>
+          <p:cNvPr id="9" name="Straight Arrow Connector 8">
+            <a:extLst>
+              <a:ext uri="{FF2B5EF4-FFF2-40B4-BE49-F238E27FC236}">
+                <a16:creationId xmlns:a16="http://schemas.microsoft.com/office/drawing/2014/main" id="{E19E031F-112F-5A2B-210C-4B1AAE9FE861}"/>
               </a:ext>
             </a:extLst>
           </p:cNvPr>
           <p:cNvCxnSpPr>
             <a:cxnSpLocks/>
-            <a:stCxn id="1048" idx="0"/>
-            <a:endCxn id="1049" idx="2"/>
+            <a:stCxn id="1026" idx="3"/>
           </p:cNvCxnSpPr>
           <p:nvPr/>
         </p:nvCxnSpPr>
         <p:spPr>
-          <a:xfrm rot="5400000" flipH="1" flipV="1">
-            <a:off x="923547" y="7120266"/>
-            <a:ext cx="314078" cy="313804"/>
-          </a:xfrm>
-          <a:prstGeom prst="bentConnector3">
-            <a:avLst>
-              <a:gd name="adj1" fmla="val 50000"/>
-            </a:avLst>
+          <a:xfrm>
+            <a:off x="1366347" y="3009861"/>
+            <a:ext cx="523529" cy="0"/>
+          </a:xfrm>
+          <a:prstGeom prst="straightConnector1">
+            <a:avLst/>
           </a:prstGeom>
           <a:ln>
             <a:tailEnd type="triangle"/>
@@ -10547,24 +10518,24 @@
       </p:cxnSp>
       <p:cxnSp>
         <p:nvCxnSpPr>
-          <p:cNvPr id="1054" name="Connector: Elbow 1053">
-            <a:extLst>
-              <a:ext uri="{FF2B5EF4-FFF2-40B4-BE49-F238E27FC236}">
-                <a16:creationId xmlns:a16="http://schemas.microsoft.com/office/drawing/2014/main" id="{DC62B03A-6F51-95E9-CD80-5122A23D1E88}"/>
+          <p:cNvPr id="12" name="Connector: Elbow 11">
+            <a:extLst>
+              <a:ext uri="{FF2B5EF4-FFF2-40B4-BE49-F238E27FC236}">
+                <a16:creationId xmlns:a16="http://schemas.microsoft.com/office/drawing/2014/main" id="{EF071C52-BC77-9C65-D67C-7A1478209CDD}"/>
               </a:ext>
             </a:extLst>
           </p:cNvPr>
           <p:cNvCxnSpPr>
             <a:cxnSpLocks/>
-            <a:stCxn id="1049" idx="0"/>
-            <a:endCxn id="1041" idx="1"/>
+            <a:stCxn id="5" idx="1"/>
+            <a:endCxn id="3" idx="0"/>
           </p:cNvCxnSpPr>
           <p:nvPr/>
         </p:nvCxnSpPr>
         <p:spPr>
-          <a:xfrm rot="5400000" flipH="1" flipV="1">
-            <a:off x="1654592" y="5770835"/>
-            <a:ext cx="493322" cy="1327531"/>
+          <a:xfrm rot="10800000" flipV="1">
+            <a:off x="2862842" y="1731404"/>
+            <a:ext cx="251548" cy="937310"/>
           </a:xfrm>
           <a:prstGeom prst="bentConnector2">
             <a:avLst/>
@@ -10590,10 +10561,10 @@
       </p:cxnSp>
       <p:sp>
         <p:nvSpPr>
-          <p:cNvPr id="1057" name="TextBox 1056">
-            <a:extLst>
-              <a:ext uri="{FF2B5EF4-FFF2-40B4-BE49-F238E27FC236}">
-                <a16:creationId xmlns:a16="http://schemas.microsoft.com/office/drawing/2014/main" id="{78276C62-DBDE-B016-0E40-4945C3909CA6}"/>
+          <p:cNvPr id="16" name="TextBox 15">
+            <a:extLst>
+              <a:ext uri="{FF2B5EF4-FFF2-40B4-BE49-F238E27FC236}">
+                <a16:creationId xmlns:a16="http://schemas.microsoft.com/office/drawing/2014/main" id="{3DB87D32-7839-0351-C2CF-66AA1C50A2A2}"/>
               </a:ext>
             </a:extLst>
           </p:cNvPr>
@@ -10602,8 +10573,8 @@
         </p:nvSpPr>
         <p:spPr>
           <a:xfrm flipH="1">
-            <a:off x="923684" y="5926328"/>
-            <a:ext cx="1295400" cy="261610"/>
+            <a:off x="1133264" y="2378956"/>
+            <a:ext cx="1295400" cy="307777"/>
           </a:xfrm>
           <a:prstGeom prst="rect">
             <a:avLst/>
@@ -10618,8 +10589,623 @@
           <a:p>
             <a:pPr algn="ctr"/>
             <a:r>
-              <a:rPr lang="en-US" sz="1100" dirty="0"/>
-              <a:t>Search</a:t>
+              <a:rPr lang="en-US" sz="1400" dirty="0"/>
+              <a:t>Pay (portion)</a:t>
+            </a:r>
+          </a:p>
+        </p:txBody>
+      </p:sp>
+      <p:sp>
+        <p:nvSpPr>
+          <p:cNvPr id="17" name="TextBox 16">
+            <a:extLst>
+              <a:ext uri="{FF2B5EF4-FFF2-40B4-BE49-F238E27FC236}">
+                <a16:creationId xmlns:a16="http://schemas.microsoft.com/office/drawing/2014/main" id="{43CD727F-1234-5A5A-01CD-C29A756CC6D6}"/>
+              </a:ext>
+            </a:extLst>
+          </p:cNvPr>
+          <p:cNvSpPr txBox="1"/>
+          <p:nvPr/>
+        </p:nvSpPr>
+        <p:spPr>
+          <a:xfrm flipH="1">
+            <a:off x="1811920" y="1228908"/>
+            <a:ext cx="878784" cy="307777"/>
+          </a:xfrm>
+          <a:prstGeom prst="rect">
+            <a:avLst/>
+          </a:prstGeom>
+          <a:noFill/>
+        </p:spPr>
+        <p:txBody>
+          <a:bodyPr wrap="square" rtlCol="0">
+            <a:spAutoFit/>
+          </a:bodyPr>
+          <a:lstStyle/>
+          <a:p>
+            <a:pPr algn="ctr"/>
+            <a:r>
+              <a:rPr lang="en-US" sz="1400" dirty="0"/>
+              <a:t>Pay Rest</a:t>
+            </a:r>
+          </a:p>
+        </p:txBody>
+      </p:sp>
+      <p:cxnSp>
+        <p:nvCxnSpPr>
+          <p:cNvPr id="18" name="Connector: Elbow 17">
+            <a:extLst>
+              <a:ext uri="{FF2B5EF4-FFF2-40B4-BE49-F238E27FC236}">
+                <a16:creationId xmlns:a16="http://schemas.microsoft.com/office/drawing/2014/main" id="{BDBE046B-6C92-48F4-38D2-3F59A6D2B958}"/>
+              </a:ext>
+            </a:extLst>
+          </p:cNvPr>
+          <p:cNvCxnSpPr>
+            <a:cxnSpLocks/>
+            <a:stCxn id="4" idx="1"/>
+            <a:endCxn id="5" idx="0"/>
+          </p:cNvCxnSpPr>
+          <p:nvPr/>
+        </p:nvCxnSpPr>
+        <p:spPr>
+          <a:xfrm rot="10800000" flipV="1">
+            <a:off x="3697188" y="1008696"/>
+            <a:ext cx="993899" cy="384228"/>
+          </a:xfrm>
+          <a:prstGeom prst="bentConnector2">
+            <a:avLst/>
+          </a:prstGeom>
+          <a:ln>
+            <a:tailEnd type="triangle"/>
+          </a:ln>
+        </p:spPr>
+        <p:style>
+          <a:lnRef idx="1">
+            <a:schemeClr val="accent1"/>
+          </a:lnRef>
+          <a:fillRef idx="0">
+            <a:schemeClr val="accent1"/>
+          </a:fillRef>
+          <a:effectRef idx="0">
+            <a:schemeClr val="accent1"/>
+          </a:effectRef>
+          <a:fontRef idx="minor">
+            <a:schemeClr val="tx1"/>
+          </a:fontRef>
+        </p:style>
+      </p:cxnSp>
+      <p:sp>
+        <p:nvSpPr>
+          <p:cNvPr id="22" name="TextBox 21">
+            <a:extLst>
+              <a:ext uri="{FF2B5EF4-FFF2-40B4-BE49-F238E27FC236}">
+                <a16:creationId xmlns:a16="http://schemas.microsoft.com/office/drawing/2014/main" id="{14235B0B-242D-45E5-C69D-E5BE062721BA}"/>
+              </a:ext>
+            </a:extLst>
+          </p:cNvPr>
+          <p:cNvSpPr txBox="1"/>
+          <p:nvPr/>
+        </p:nvSpPr>
+        <p:spPr>
+          <a:xfrm flipH="1">
+            <a:off x="3346044" y="606671"/>
+            <a:ext cx="1295400" cy="307777"/>
+          </a:xfrm>
+          <a:prstGeom prst="rect">
+            <a:avLst/>
+          </a:prstGeom>
+          <a:noFill/>
+        </p:spPr>
+        <p:txBody>
+          <a:bodyPr wrap="square" rtlCol="0">
+            <a:spAutoFit/>
+          </a:bodyPr>
+          <a:lstStyle/>
+          <a:p>
+            <a:pPr algn="ctr"/>
+            <a:r>
+              <a:rPr lang="en-US" sz="1400" dirty="0"/>
+              <a:t>Get Paid</a:t>
+            </a:r>
+          </a:p>
+        </p:txBody>
+      </p:sp>
+      <p:cxnSp>
+        <p:nvCxnSpPr>
+          <p:cNvPr id="24" name="Connector: Elbow 23">
+            <a:extLst>
+              <a:ext uri="{FF2B5EF4-FFF2-40B4-BE49-F238E27FC236}">
+                <a16:creationId xmlns:a16="http://schemas.microsoft.com/office/drawing/2014/main" id="{61CE9DA5-2640-47EE-4380-3B72A4321E05}"/>
+              </a:ext>
+            </a:extLst>
+          </p:cNvPr>
+          <p:cNvCxnSpPr>
+            <a:cxnSpLocks/>
+            <a:stCxn id="3" idx="3"/>
+            <a:endCxn id="7" idx="0"/>
+          </p:cNvCxnSpPr>
+          <p:nvPr/>
+        </p:nvCxnSpPr>
+        <p:spPr>
+          <a:xfrm>
+            <a:off x="3445639" y="3007194"/>
+            <a:ext cx="1760681" cy="332269"/>
+          </a:xfrm>
+          <a:prstGeom prst="bentConnector2">
+            <a:avLst/>
+          </a:prstGeom>
+          <a:ln>
+            <a:tailEnd type="triangle"/>
+          </a:ln>
+        </p:spPr>
+        <p:style>
+          <a:lnRef idx="1">
+            <a:schemeClr val="accent1"/>
+          </a:lnRef>
+          <a:fillRef idx="0">
+            <a:schemeClr val="accent1"/>
+          </a:fillRef>
+          <a:effectRef idx="0">
+            <a:schemeClr val="accent1"/>
+          </a:effectRef>
+          <a:fontRef idx="minor">
+            <a:schemeClr val="tx1"/>
+          </a:fontRef>
+        </p:style>
+      </p:cxnSp>
+      <p:sp>
+        <p:nvSpPr>
+          <p:cNvPr id="27" name="TextBox 26">
+            <a:extLst>
+              <a:ext uri="{FF2B5EF4-FFF2-40B4-BE49-F238E27FC236}">
+                <a16:creationId xmlns:a16="http://schemas.microsoft.com/office/drawing/2014/main" id="{40D20E29-6F77-03A8-4D6B-4E9AA54FB01C}"/>
+              </a:ext>
+            </a:extLst>
+          </p:cNvPr>
+          <p:cNvSpPr txBox="1"/>
+          <p:nvPr/>
+        </p:nvSpPr>
+        <p:spPr>
+          <a:xfrm flipH="1">
+            <a:off x="3524933" y="2572639"/>
+            <a:ext cx="978371" cy="307777"/>
+          </a:xfrm>
+          <a:prstGeom prst="rect">
+            <a:avLst/>
+          </a:prstGeom>
+          <a:noFill/>
+        </p:spPr>
+        <p:txBody>
+          <a:bodyPr wrap="square" rtlCol="0">
+            <a:spAutoFit/>
+          </a:bodyPr>
+          <a:lstStyle/>
+          <a:p>
+            <a:pPr algn="ctr"/>
+            <a:r>
+              <a:rPr lang="en-US" sz="1400" dirty="0"/>
+              <a:t>Pay</a:t>
+            </a:r>
+          </a:p>
+        </p:txBody>
+      </p:sp>
+      <p:sp>
+        <p:nvSpPr>
+          <p:cNvPr id="28" name="Rectangle 27">
+            <a:extLst>
+              <a:ext uri="{FF2B5EF4-FFF2-40B4-BE49-F238E27FC236}">
+                <a16:creationId xmlns:a16="http://schemas.microsoft.com/office/drawing/2014/main" id="{E473607E-82FA-3E0C-E439-DEC6B5AA2443}"/>
+              </a:ext>
+            </a:extLst>
+          </p:cNvPr>
+          <p:cNvSpPr/>
+          <p:nvPr/>
+        </p:nvSpPr>
+        <p:spPr>
+          <a:xfrm>
+            <a:off x="2272513" y="4007666"/>
+            <a:ext cx="1314830" cy="676959"/>
+          </a:xfrm>
+          <a:prstGeom prst="rect">
+            <a:avLst/>
+          </a:prstGeom>
+          <a:noFill/>
+        </p:spPr>
+        <p:style>
+          <a:lnRef idx="2">
+            <a:schemeClr val="accent1">
+              <a:shade val="15000"/>
+            </a:schemeClr>
+          </a:lnRef>
+          <a:fillRef idx="1">
+            <a:schemeClr val="accent1"/>
+          </a:fillRef>
+          <a:effectRef idx="0">
+            <a:schemeClr val="accent1"/>
+          </a:effectRef>
+          <a:fontRef idx="minor">
+            <a:schemeClr val="lt1"/>
+          </a:fontRef>
+        </p:style>
+        <p:txBody>
+          <a:bodyPr rtlCol="0" anchor="ctr"/>
+          <a:lstStyle/>
+          <a:p>
+            <a:pPr algn="ctr"/>
+            <a:r>
+              <a:rPr lang="en-US" sz="1400" dirty="0">
+                <a:solidFill>
+                  <a:schemeClr val="tx1"/>
+                </a:solidFill>
+              </a:rPr>
+              <a:t>Manufacturer</a:t>
+            </a:r>
+          </a:p>
+        </p:txBody>
+      </p:sp>
+      <p:cxnSp>
+        <p:nvCxnSpPr>
+          <p:cNvPr id="29" name="Connector: Elbow 28">
+            <a:extLst>
+              <a:ext uri="{FF2B5EF4-FFF2-40B4-BE49-F238E27FC236}">
+                <a16:creationId xmlns:a16="http://schemas.microsoft.com/office/drawing/2014/main" id="{632E05D2-83FD-F634-E4C7-12F6A81BC2D3}"/>
+              </a:ext>
+            </a:extLst>
+          </p:cNvPr>
+          <p:cNvCxnSpPr>
+            <a:cxnSpLocks/>
+            <a:stCxn id="28" idx="1"/>
+            <a:endCxn id="1026" idx="2"/>
+          </p:cNvCxnSpPr>
+          <p:nvPr/>
+        </p:nvCxnSpPr>
+        <p:spPr>
+          <a:xfrm rot="10800000">
+            <a:off x="1183835" y="3348340"/>
+            <a:ext cx="1088679" cy="997806"/>
+          </a:xfrm>
+          <a:prstGeom prst="bentConnector2">
+            <a:avLst/>
+          </a:prstGeom>
+          <a:ln>
+            <a:tailEnd type="triangle"/>
+          </a:ln>
+        </p:spPr>
+        <p:style>
+          <a:lnRef idx="1">
+            <a:schemeClr val="accent1"/>
+          </a:lnRef>
+          <a:fillRef idx="0">
+            <a:schemeClr val="accent1"/>
+          </a:fillRef>
+          <a:effectRef idx="0">
+            <a:schemeClr val="accent1"/>
+          </a:effectRef>
+          <a:fontRef idx="minor">
+            <a:schemeClr val="tx1"/>
+          </a:fontRef>
+        </p:style>
+      </p:cxnSp>
+      <p:sp>
+        <p:nvSpPr>
+          <p:cNvPr id="37" name="TextBox 36">
+            <a:extLst>
+              <a:ext uri="{FF2B5EF4-FFF2-40B4-BE49-F238E27FC236}">
+                <a16:creationId xmlns:a16="http://schemas.microsoft.com/office/drawing/2014/main" id="{182D6E9C-D769-A3E7-F7F3-D75B20643D26}"/>
+              </a:ext>
+            </a:extLst>
+          </p:cNvPr>
+          <p:cNvSpPr txBox="1"/>
+          <p:nvPr/>
+        </p:nvSpPr>
+        <p:spPr>
+          <a:xfrm flipH="1">
+            <a:off x="582839" y="4530318"/>
+            <a:ext cx="839929" cy="307777"/>
+          </a:xfrm>
+          <a:prstGeom prst="rect">
+            <a:avLst/>
+          </a:prstGeom>
+          <a:noFill/>
+        </p:spPr>
+        <p:txBody>
+          <a:bodyPr wrap="square" rtlCol="0">
+            <a:spAutoFit/>
+          </a:bodyPr>
+          <a:lstStyle/>
+          <a:p>
+            <a:pPr algn="ctr"/>
+            <a:r>
+              <a:rPr lang="en-US" sz="1400" dirty="0"/>
+              <a:t>Coupons</a:t>
+            </a:r>
+          </a:p>
+        </p:txBody>
+      </p:sp>
+      <p:cxnSp>
+        <p:nvCxnSpPr>
+          <p:cNvPr id="47" name="Connector: Elbow 46">
+            <a:extLst>
+              <a:ext uri="{FF2B5EF4-FFF2-40B4-BE49-F238E27FC236}">
+                <a16:creationId xmlns:a16="http://schemas.microsoft.com/office/drawing/2014/main" id="{895823EA-A568-5629-7B37-CB1440B18DD2}"/>
+              </a:ext>
+            </a:extLst>
+          </p:cNvPr>
+          <p:cNvCxnSpPr>
+            <a:cxnSpLocks/>
+            <a:stCxn id="7" idx="2"/>
+            <a:endCxn id="28" idx="3"/>
+          </p:cNvCxnSpPr>
+          <p:nvPr/>
+        </p:nvCxnSpPr>
+        <p:spPr>
+          <a:xfrm rot="5400000">
+            <a:off x="4231970" y="3371796"/>
+            <a:ext cx="329724" cy="1618977"/>
+          </a:xfrm>
+          <a:prstGeom prst="bentConnector2">
+            <a:avLst/>
+          </a:prstGeom>
+          <a:ln>
+            <a:tailEnd type="triangle"/>
+          </a:ln>
+        </p:spPr>
+        <p:style>
+          <a:lnRef idx="1">
+            <a:schemeClr val="accent1"/>
+          </a:lnRef>
+          <a:fillRef idx="0">
+            <a:schemeClr val="accent1"/>
+          </a:fillRef>
+          <a:effectRef idx="0">
+            <a:schemeClr val="accent1"/>
+          </a:effectRef>
+          <a:fontRef idx="minor">
+            <a:schemeClr val="tx1"/>
+          </a:fontRef>
+        </p:style>
+      </p:cxnSp>
+      <p:sp>
+        <p:nvSpPr>
+          <p:cNvPr id="52" name="Oval 51">
+            <a:extLst>
+              <a:ext uri="{FF2B5EF4-FFF2-40B4-BE49-F238E27FC236}">
+                <a16:creationId xmlns:a16="http://schemas.microsoft.com/office/drawing/2014/main" id="{E37BAF94-78EA-DF80-47DD-5071B8155089}"/>
+              </a:ext>
+            </a:extLst>
+          </p:cNvPr>
+          <p:cNvSpPr/>
+          <p:nvPr/>
+        </p:nvSpPr>
+        <p:spPr>
+          <a:xfrm>
+            <a:off x="3234374" y="559957"/>
+            <a:ext cx="390144" cy="390144"/>
+          </a:xfrm>
+          <a:prstGeom prst="ellipse">
+            <a:avLst/>
+          </a:prstGeom>
+        </p:spPr>
+        <p:style>
+          <a:lnRef idx="2">
+            <a:schemeClr val="accent1">
+              <a:shade val="15000"/>
+            </a:schemeClr>
+          </a:lnRef>
+          <a:fillRef idx="1">
+            <a:schemeClr val="accent1"/>
+          </a:fillRef>
+          <a:effectRef idx="0">
+            <a:schemeClr val="accent1"/>
+          </a:effectRef>
+          <a:fontRef idx="minor">
+            <a:schemeClr val="lt1"/>
+          </a:fontRef>
+        </p:style>
+        <p:txBody>
+          <a:bodyPr rtlCol="0" anchor="ctr"/>
+          <a:lstStyle/>
+          <a:p>
+            <a:pPr algn="ctr"/>
+            <a:r>
+              <a:rPr lang="en-US" dirty="0"/>
+              <a:t>5</a:t>
+            </a:r>
+          </a:p>
+        </p:txBody>
+      </p:sp>
+      <p:sp>
+        <p:nvSpPr>
+          <p:cNvPr id="53" name="Oval 52">
+            <a:extLst>
+              <a:ext uri="{FF2B5EF4-FFF2-40B4-BE49-F238E27FC236}">
+                <a16:creationId xmlns:a16="http://schemas.microsoft.com/office/drawing/2014/main" id="{D1738F57-9B8F-4632-C55F-A93651BCE3EC}"/>
+              </a:ext>
+            </a:extLst>
+          </p:cNvPr>
+          <p:cNvSpPr/>
+          <p:nvPr/>
+        </p:nvSpPr>
+        <p:spPr>
+          <a:xfrm>
+            <a:off x="2598472" y="1190071"/>
+            <a:ext cx="390144" cy="390144"/>
+          </a:xfrm>
+          <a:prstGeom prst="ellipse">
+            <a:avLst/>
+          </a:prstGeom>
+        </p:spPr>
+        <p:style>
+          <a:lnRef idx="2">
+            <a:schemeClr val="accent1">
+              <a:shade val="15000"/>
+            </a:schemeClr>
+          </a:lnRef>
+          <a:fillRef idx="1">
+            <a:schemeClr val="accent1"/>
+          </a:fillRef>
+          <a:effectRef idx="0">
+            <a:schemeClr val="accent1"/>
+          </a:effectRef>
+          <a:fontRef idx="minor">
+            <a:schemeClr val="lt1"/>
+          </a:fontRef>
+        </p:style>
+        <p:txBody>
+          <a:bodyPr rtlCol="0" anchor="ctr"/>
+          <a:lstStyle/>
+          <a:p>
+            <a:pPr algn="ctr"/>
+            <a:r>
+              <a:rPr lang="en-US" dirty="0"/>
+              <a:t>3</a:t>
+            </a:r>
+          </a:p>
+        </p:txBody>
+      </p:sp>
+      <p:sp>
+        <p:nvSpPr>
+          <p:cNvPr id="54" name="Oval 53">
+            <a:extLst>
+              <a:ext uri="{FF2B5EF4-FFF2-40B4-BE49-F238E27FC236}">
+                <a16:creationId xmlns:a16="http://schemas.microsoft.com/office/drawing/2014/main" id="{5BB7AAE3-CFBC-68CE-FF57-874CF1D72F19}"/>
+              </a:ext>
+            </a:extLst>
+          </p:cNvPr>
+          <p:cNvSpPr/>
+          <p:nvPr/>
+        </p:nvSpPr>
+        <p:spPr>
+          <a:xfrm>
+            <a:off x="1533102" y="3200048"/>
+            <a:ext cx="390144" cy="390144"/>
+          </a:xfrm>
+          <a:prstGeom prst="ellipse">
+            <a:avLst/>
+          </a:prstGeom>
+        </p:spPr>
+        <p:style>
+          <a:lnRef idx="2">
+            <a:schemeClr val="accent1">
+              <a:shade val="15000"/>
+            </a:schemeClr>
+          </a:lnRef>
+          <a:fillRef idx="1">
+            <a:schemeClr val="accent1"/>
+          </a:fillRef>
+          <a:effectRef idx="0">
+            <a:schemeClr val="accent1"/>
+          </a:effectRef>
+          <a:fontRef idx="minor">
+            <a:schemeClr val="lt1"/>
+          </a:fontRef>
+        </p:style>
+        <p:txBody>
+          <a:bodyPr rtlCol="0" anchor="ctr"/>
+          <a:lstStyle/>
+          <a:p>
+            <a:pPr algn="ctr"/>
+            <a:r>
+              <a:rPr lang="en-US" dirty="0"/>
+              <a:t>2</a:t>
+            </a:r>
+          </a:p>
+        </p:txBody>
+      </p:sp>
+      <p:sp>
+        <p:nvSpPr>
+          <p:cNvPr id="55" name="Oval 54">
+            <a:extLst>
+              <a:ext uri="{FF2B5EF4-FFF2-40B4-BE49-F238E27FC236}">
+                <a16:creationId xmlns:a16="http://schemas.microsoft.com/office/drawing/2014/main" id="{29804457-956C-4A75-EDB0-047B0AFC4F66}"/>
+              </a:ext>
+            </a:extLst>
+          </p:cNvPr>
+          <p:cNvSpPr/>
+          <p:nvPr/>
+        </p:nvSpPr>
+        <p:spPr>
+          <a:xfrm>
+            <a:off x="1338030" y="4489135"/>
+            <a:ext cx="390144" cy="390144"/>
+          </a:xfrm>
+          <a:prstGeom prst="ellipse">
+            <a:avLst/>
+          </a:prstGeom>
+        </p:spPr>
+        <p:style>
+          <a:lnRef idx="2">
+            <a:schemeClr val="accent1">
+              <a:shade val="15000"/>
+            </a:schemeClr>
+          </a:lnRef>
+          <a:fillRef idx="1">
+            <a:schemeClr val="accent1"/>
+          </a:fillRef>
+          <a:effectRef idx="0">
+            <a:schemeClr val="accent1"/>
+          </a:effectRef>
+          <a:fontRef idx="minor">
+            <a:schemeClr val="lt1"/>
+          </a:fontRef>
+        </p:style>
+        <p:txBody>
+          <a:bodyPr rtlCol="0" anchor="ctr"/>
+          <a:lstStyle/>
+          <a:p>
+            <a:pPr algn="ctr"/>
+            <a:r>
+              <a:rPr lang="en-US" dirty="0"/>
+              <a:t>1</a:t>
+            </a:r>
+          </a:p>
+        </p:txBody>
+      </p:sp>
+      <p:sp>
+        <p:nvSpPr>
+          <p:cNvPr id="56" name="Oval 55">
+            <a:extLst>
+              <a:ext uri="{FF2B5EF4-FFF2-40B4-BE49-F238E27FC236}">
+                <a16:creationId xmlns:a16="http://schemas.microsoft.com/office/drawing/2014/main" id="{79E6B0EB-89FB-E266-027C-B4646D40CCB8}"/>
+              </a:ext>
+            </a:extLst>
+          </p:cNvPr>
+          <p:cNvSpPr/>
+          <p:nvPr/>
+        </p:nvSpPr>
+        <p:spPr>
+          <a:xfrm>
+            <a:off x="4251349" y="2548359"/>
+            <a:ext cx="390144" cy="390144"/>
+          </a:xfrm>
+          <a:prstGeom prst="ellipse">
+            <a:avLst/>
+          </a:prstGeom>
+        </p:spPr>
+        <p:style>
+          <a:lnRef idx="2">
+            <a:schemeClr val="accent1">
+              <a:shade val="15000"/>
+            </a:schemeClr>
+          </a:lnRef>
+          <a:fillRef idx="1">
+            <a:schemeClr val="accent1"/>
+          </a:fillRef>
+          <a:effectRef idx="0">
+            <a:schemeClr val="accent1"/>
+          </a:effectRef>
+          <a:fontRef idx="minor">
+            <a:schemeClr val="lt1"/>
+          </a:fontRef>
+        </p:style>
+        <p:txBody>
+          <a:bodyPr rtlCol="0" anchor="ctr"/>
+          <a:lstStyle/>
+          <a:p>
+            <a:pPr algn="ctr"/>
+            <a:r>
+              <a:rPr lang="en-US" dirty="0"/>
+              <a:t>4</a:t>
             </a:r>
           </a:p>
         </p:txBody>

--- a/general-tech-figures.pptx
+++ b/general-tech-figures.pptx
@@ -12,6 +12,7 @@
     <p:sldId id="260" r:id="rId6"/>
     <p:sldId id="261" r:id="rId7"/>
     <p:sldId id="262" r:id="rId8"/>
+    <p:sldId id="263" r:id="rId9"/>
   </p:sldIdLst>
   <p:sldSz cx="6858000" cy="9144000" type="letter"/>
   <p:notesSz cx="6858000" cy="9144000"/>
@@ -260,7 +261,7 @@
           <a:p>
             <a:fld id="{BFBBFCFE-809B-4AE5-92DC-0D51595F6FEA}" type="datetimeFigureOut">
               <a:rPr lang="en-US" smtClean="0"/>
-              <a:t>8/17/2024</a:t>
+              <a:t>9/8/2024</a:t>
             </a:fld>
             <a:endParaRPr lang="en-US"/>
           </a:p>
@@ -430,7 +431,7 @@
           <a:p>
             <a:fld id="{BFBBFCFE-809B-4AE5-92DC-0D51595F6FEA}" type="datetimeFigureOut">
               <a:rPr lang="en-US" smtClean="0"/>
-              <a:t>8/17/2024</a:t>
+              <a:t>9/8/2024</a:t>
             </a:fld>
             <a:endParaRPr lang="en-US"/>
           </a:p>
@@ -610,7 +611,7 @@
           <a:p>
             <a:fld id="{BFBBFCFE-809B-4AE5-92DC-0D51595F6FEA}" type="datetimeFigureOut">
               <a:rPr lang="en-US" smtClean="0"/>
-              <a:t>8/17/2024</a:t>
+              <a:t>9/8/2024</a:t>
             </a:fld>
             <a:endParaRPr lang="en-US"/>
           </a:p>
@@ -780,7 +781,7 @@
           <a:p>
             <a:fld id="{BFBBFCFE-809B-4AE5-92DC-0D51595F6FEA}" type="datetimeFigureOut">
               <a:rPr lang="en-US" smtClean="0"/>
-              <a:t>8/17/2024</a:t>
+              <a:t>9/8/2024</a:t>
             </a:fld>
             <a:endParaRPr lang="en-US"/>
           </a:p>
@@ -1024,7 +1025,7 @@
           <a:p>
             <a:fld id="{BFBBFCFE-809B-4AE5-92DC-0D51595F6FEA}" type="datetimeFigureOut">
               <a:rPr lang="en-US" smtClean="0"/>
-              <a:t>8/17/2024</a:t>
+              <a:t>9/8/2024</a:t>
             </a:fld>
             <a:endParaRPr lang="en-US"/>
           </a:p>
@@ -1256,7 +1257,7 @@
           <a:p>
             <a:fld id="{BFBBFCFE-809B-4AE5-92DC-0D51595F6FEA}" type="datetimeFigureOut">
               <a:rPr lang="en-US" smtClean="0"/>
-              <a:t>8/17/2024</a:t>
+              <a:t>9/8/2024</a:t>
             </a:fld>
             <a:endParaRPr lang="en-US"/>
           </a:p>
@@ -1623,7 +1624,7 @@
           <a:p>
             <a:fld id="{BFBBFCFE-809B-4AE5-92DC-0D51595F6FEA}" type="datetimeFigureOut">
               <a:rPr lang="en-US" smtClean="0"/>
-              <a:t>8/17/2024</a:t>
+              <a:t>9/8/2024</a:t>
             </a:fld>
             <a:endParaRPr lang="en-US"/>
           </a:p>
@@ -1741,7 +1742,7 @@
           <a:p>
             <a:fld id="{BFBBFCFE-809B-4AE5-92DC-0D51595F6FEA}" type="datetimeFigureOut">
               <a:rPr lang="en-US" smtClean="0"/>
-              <a:t>8/17/2024</a:t>
+              <a:t>9/8/2024</a:t>
             </a:fld>
             <a:endParaRPr lang="en-US"/>
           </a:p>
@@ -1836,7 +1837,7 @@
           <a:p>
             <a:fld id="{BFBBFCFE-809B-4AE5-92DC-0D51595F6FEA}" type="datetimeFigureOut">
               <a:rPr lang="en-US" smtClean="0"/>
-              <a:t>8/17/2024</a:t>
+              <a:t>9/8/2024</a:t>
             </a:fld>
             <a:endParaRPr lang="en-US"/>
           </a:p>
@@ -2113,7 +2114,7 @@
           <a:p>
             <a:fld id="{BFBBFCFE-809B-4AE5-92DC-0D51595F6FEA}" type="datetimeFigureOut">
               <a:rPr lang="en-US" smtClean="0"/>
-              <a:t>8/17/2024</a:t>
+              <a:t>9/8/2024</a:t>
             </a:fld>
             <a:endParaRPr lang="en-US"/>
           </a:p>
@@ -2370,7 +2371,7 @@
           <a:p>
             <a:fld id="{BFBBFCFE-809B-4AE5-92DC-0D51595F6FEA}" type="datetimeFigureOut">
               <a:rPr lang="en-US" smtClean="0"/>
-              <a:t>8/17/2024</a:t>
+              <a:t>9/8/2024</a:t>
             </a:fld>
             <a:endParaRPr lang="en-US"/>
           </a:p>
@@ -2583,7 +2584,7 @@
           <a:p>
             <a:fld id="{BFBBFCFE-809B-4AE5-92DC-0D51595F6FEA}" type="datetimeFigureOut">
               <a:rPr lang="en-US" smtClean="0"/>
-              <a:t>8/17/2024</a:t>
+              <a:t>9/8/2024</a:t>
             </a:fld>
             <a:endParaRPr lang="en-US"/>
           </a:p>
@@ -11223,6 +11224,2593 @@
 </p:sld>
 </file>
 
+<file path=ppt/slides/slide8.xml><?xml version="1.0" encoding="utf-8"?>
+<p:sld xmlns:a="http://schemas.openxmlformats.org/drawingml/2006/main" xmlns:r="http://schemas.openxmlformats.org/officeDocument/2006/relationships" xmlns:p="http://schemas.openxmlformats.org/presentationml/2006/main">
+  <p:cSld>
+    <p:spTree>
+      <p:nvGrpSpPr>
+        <p:cNvPr id="1" name="">
+          <a:extLst>
+            <a:ext uri="{FF2B5EF4-FFF2-40B4-BE49-F238E27FC236}">
+              <a16:creationId xmlns:a16="http://schemas.microsoft.com/office/drawing/2014/main" id="{DE6149D4-B67D-89B8-2A3A-7550928CA597}"/>
+            </a:ext>
+          </a:extLst>
+        </p:cNvPr>
+        <p:cNvGrpSpPr/>
+        <p:nvPr/>
+      </p:nvGrpSpPr>
+      <p:grpSpPr>
+        <a:xfrm>
+          <a:off x="0" y="0"/>
+          <a:ext cx="0" cy="0"/>
+          <a:chOff x="0" y="0"/>
+          <a:chExt cx="0" cy="0"/>
+        </a:xfrm>
+      </p:grpSpPr>
+      <p:sp>
+        <p:nvSpPr>
+          <p:cNvPr id="1058" name="TextBox 1057">
+            <a:extLst>
+              <a:ext uri="{FF2B5EF4-FFF2-40B4-BE49-F238E27FC236}">
+                <a16:creationId xmlns:a16="http://schemas.microsoft.com/office/drawing/2014/main" id="{46C94A0A-EBA4-3D2C-7B78-DA59FA8C6C63}"/>
+              </a:ext>
+            </a:extLst>
+          </p:cNvPr>
+          <p:cNvSpPr txBox="1"/>
+          <p:nvPr/>
+        </p:nvSpPr>
+        <p:spPr>
+          <a:xfrm flipH="1">
+            <a:off x="1368297" y="273572"/>
+            <a:ext cx="3901881" cy="307777"/>
+          </a:xfrm>
+          <a:prstGeom prst="rect">
+            <a:avLst/>
+          </a:prstGeom>
+          <a:noFill/>
+        </p:spPr>
+        <p:txBody>
+          <a:bodyPr wrap="square" rtlCol="0">
+            <a:spAutoFit/>
+          </a:bodyPr>
+          <a:lstStyle/>
+          <a:p>
+            <a:pPr algn="ctr"/>
+            <a:r>
+              <a:rPr lang="en-US" sz="1400" dirty="0"/>
+              <a:t>Running a Short-Term Project with MS Teams</a:t>
+            </a:r>
+          </a:p>
+        </p:txBody>
+      </p:sp>
+      <p:sp>
+        <p:nvSpPr>
+          <p:cNvPr id="3" name="Rectangle: Rounded Corners 2">
+            <a:extLst>
+              <a:ext uri="{FF2B5EF4-FFF2-40B4-BE49-F238E27FC236}">
+                <a16:creationId xmlns:a16="http://schemas.microsoft.com/office/drawing/2014/main" id="{FCA94943-95E6-A4B5-4C45-B6E1CBFEF02E}"/>
+              </a:ext>
+            </a:extLst>
+          </p:cNvPr>
+          <p:cNvSpPr/>
+          <p:nvPr/>
+        </p:nvSpPr>
+        <p:spPr>
+          <a:xfrm>
+            <a:off x="1867745" y="3967717"/>
+            <a:ext cx="914400" cy="914400"/>
+          </a:xfrm>
+          <a:prstGeom prst="roundRect">
+            <a:avLst/>
+          </a:prstGeom>
+          <a:noFill/>
+        </p:spPr>
+        <p:style>
+          <a:lnRef idx="2">
+            <a:schemeClr val="accent1">
+              <a:shade val="15000"/>
+            </a:schemeClr>
+          </a:lnRef>
+          <a:fillRef idx="1">
+            <a:schemeClr val="accent1"/>
+          </a:fillRef>
+          <a:effectRef idx="0">
+            <a:schemeClr val="accent1"/>
+          </a:effectRef>
+          <a:fontRef idx="minor">
+            <a:schemeClr val="lt1"/>
+          </a:fontRef>
+        </p:style>
+        <p:txBody>
+          <a:bodyPr rtlCol="0" anchor="ctr"/>
+          <a:lstStyle/>
+          <a:p>
+            <a:pPr algn="ctr"/>
+            <a:r>
+              <a:rPr lang="en-US" sz="1400" dirty="0">
+                <a:solidFill>
+                  <a:schemeClr val="tx1"/>
+                </a:solidFill>
+              </a:rPr>
+              <a:t>MS Team</a:t>
+            </a:r>
+          </a:p>
+          <a:p>
+            <a:pPr algn="ctr"/>
+            <a:r>
+              <a:rPr lang="en-US" sz="1400" dirty="0">
+                <a:solidFill>
+                  <a:schemeClr val="tx1"/>
+                </a:solidFill>
+              </a:rPr>
+              <a:t>(Private)</a:t>
+            </a:r>
+          </a:p>
+        </p:txBody>
+      </p:sp>
+      <p:sp>
+        <p:nvSpPr>
+          <p:cNvPr id="4" name="Rectangle: Rounded Corners 3">
+            <a:extLst>
+              <a:ext uri="{FF2B5EF4-FFF2-40B4-BE49-F238E27FC236}">
+                <a16:creationId xmlns:a16="http://schemas.microsoft.com/office/drawing/2014/main" id="{150A23E5-9E4B-D18E-9BBB-828DAC62A1D4}"/>
+              </a:ext>
+            </a:extLst>
+          </p:cNvPr>
+          <p:cNvSpPr/>
+          <p:nvPr/>
+        </p:nvSpPr>
+        <p:spPr>
+          <a:xfrm>
+            <a:off x="1325152" y="5403309"/>
+            <a:ext cx="1298425" cy="596125"/>
+          </a:xfrm>
+          <a:prstGeom prst="roundRect">
+            <a:avLst/>
+          </a:prstGeom>
+          <a:noFill/>
+          <a:ln w="38100"/>
+        </p:spPr>
+        <p:style>
+          <a:lnRef idx="2">
+            <a:schemeClr val="accent1">
+              <a:shade val="15000"/>
+            </a:schemeClr>
+          </a:lnRef>
+          <a:fillRef idx="1">
+            <a:schemeClr val="accent1"/>
+          </a:fillRef>
+          <a:effectRef idx="0">
+            <a:schemeClr val="accent1"/>
+          </a:effectRef>
+          <a:fontRef idx="minor">
+            <a:schemeClr val="lt1"/>
+          </a:fontRef>
+        </p:style>
+        <p:txBody>
+          <a:bodyPr rtlCol="0" anchor="ctr"/>
+          <a:lstStyle/>
+          <a:p>
+            <a:pPr algn="ctr"/>
+            <a:r>
+              <a:rPr lang="en-US" sz="1400" dirty="0">
+                <a:solidFill>
+                  <a:schemeClr val="tx1"/>
+                </a:solidFill>
+              </a:rPr>
+              <a:t>Files</a:t>
+            </a:r>
+          </a:p>
+          <a:p>
+            <a:pPr algn="ctr"/>
+            <a:r>
+              <a:rPr lang="en-US" sz="1100" dirty="0">
+                <a:solidFill>
+                  <a:srgbClr val="FF0000"/>
+                </a:solidFill>
+              </a:rPr>
+              <a:t>PPT, Docx, XLS,</a:t>
+            </a:r>
+          </a:p>
+          <a:p>
+            <a:pPr algn="ctr"/>
+            <a:r>
+              <a:rPr lang="en-US" sz="1100" dirty="0">
+                <a:solidFill>
+                  <a:srgbClr val="FF0000"/>
+                </a:solidFill>
+              </a:rPr>
+              <a:t>Directories</a:t>
+            </a:r>
+          </a:p>
+        </p:txBody>
+      </p:sp>
+      <p:sp>
+        <p:nvSpPr>
+          <p:cNvPr id="5" name="Rectangle: Rounded Corners 4">
+            <a:extLst>
+              <a:ext uri="{FF2B5EF4-FFF2-40B4-BE49-F238E27FC236}">
+                <a16:creationId xmlns:a16="http://schemas.microsoft.com/office/drawing/2014/main" id="{80386F66-0A76-C45C-2F54-AB6F9DC67793}"/>
+              </a:ext>
+            </a:extLst>
+          </p:cNvPr>
+          <p:cNvSpPr/>
+          <p:nvPr/>
+        </p:nvSpPr>
+        <p:spPr>
+          <a:xfrm>
+            <a:off x="2773157" y="5383463"/>
+            <a:ext cx="914400" cy="647067"/>
+          </a:xfrm>
+          <a:prstGeom prst="roundRect">
+            <a:avLst/>
+          </a:prstGeom>
+          <a:noFill/>
+          <a:ln w="38100"/>
+        </p:spPr>
+        <p:style>
+          <a:lnRef idx="2">
+            <a:schemeClr val="accent1">
+              <a:shade val="15000"/>
+            </a:schemeClr>
+          </a:lnRef>
+          <a:fillRef idx="1">
+            <a:schemeClr val="accent1"/>
+          </a:fillRef>
+          <a:effectRef idx="0">
+            <a:schemeClr val="accent1"/>
+          </a:effectRef>
+          <a:fontRef idx="minor">
+            <a:schemeClr val="lt1"/>
+          </a:fontRef>
+        </p:style>
+        <p:txBody>
+          <a:bodyPr rtlCol="0" anchor="ctr"/>
+          <a:lstStyle/>
+          <a:p>
+            <a:pPr algn="ctr"/>
+            <a:r>
+              <a:rPr lang="en-US" sz="1400" dirty="0">
+                <a:solidFill>
+                  <a:schemeClr val="tx1"/>
+                </a:solidFill>
+              </a:rPr>
+              <a:t>One Note</a:t>
+            </a:r>
+          </a:p>
+        </p:txBody>
+      </p:sp>
+      <p:sp>
+        <p:nvSpPr>
+          <p:cNvPr id="8" name="Rectangle: Rounded Corners 7">
+            <a:extLst>
+              <a:ext uri="{FF2B5EF4-FFF2-40B4-BE49-F238E27FC236}">
+                <a16:creationId xmlns:a16="http://schemas.microsoft.com/office/drawing/2014/main" id="{6BDFF683-6E80-3426-4895-6EEA0A9365AB}"/>
+              </a:ext>
+            </a:extLst>
+          </p:cNvPr>
+          <p:cNvSpPr/>
+          <p:nvPr/>
+        </p:nvSpPr>
+        <p:spPr>
+          <a:xfrm>
+            <a:off x="410752" y="7999731"/>
+            <a:ext cx="914400" cy="592776"/>
+          </a:xfrm>
+          <a:prstGeom prst="roundRect">
+            <a:avLst/>
+          </a:prstGeom>
+          <a:noFill/>
+        </p:spPr>
+        <p:style>
+          <a:lnRef idx="2">
+            <a:schemeClr val="accent1">
+              <a:shade val="15000"/>
+            </a:schemeClr>
+          </a:lnRef>
+          <a:fillRef idx="1">
+            <a:schemeClr val="accent1"/>
+          </a:fillRef>
+          <a:effectRef idx="0">
+            <a:schemeClr val="accent1"/>
+          </a:effectRef>
+          <a:fontRef idx="minor">
+            <a:schemeClr val="lt1"/>
+          </a:fontRef>
+        </p:style>
+        <p:txBody>
+          <a:bodyPr rtlCol="0" anchor="ctr"/>
+          <a:lstStyle/>
+          <a:p>
+            <a:pPr algn="ctr"/>
+            <a:r>
+              <a:rPr lang="en-US" sz="1400" dirty="0">
+                <a:solidFill>
+                  <a:schemeClr val="tx1"/>
+                </a:solidFill>
+              </a:rPr>
+              <a:t>Main</a:t>
+            </a:r>
+          </a:p>
+          <a:p>
+            <a:pPr algn="ctr"/>
+            <a:r>
+              <a:rPr lang="en-US" sz="1400" dirty="0">
+                <a:solidFill>
+                  <a:schemeClr val="tx1"/>
+                </a:solidFill>
+              </a:rPr>
+              <a:t>Chat</a:t>
+            </a:r>
+          </a:p>
+        </p:txBody>
+      </p:sp>
+      <p:sp>
+        <p:nvSpPr>
+          <p:cNvPr id="9" name="Rectangle: Rounded Corners 8">
+            <a:extLst>
+              <a:ext uri="{FF2B5EF4-FFF2-40B4-BE49-F238E27FC236}">
+                <a16:creationId xmlns:a16="http://schemas.microsoft.com/office/drawing/2014/main" id="{74C960CE-5DD2-360D-C045-8AD5B333D90A}"/>
+              </a:ext>
+            </a:extLst>
+          </p:cNvPr>
+          <p:cNvSpPr/>
+          <p:nvPr/>
+        </p:nvSpPr>
+        <p:spPr>
+          <a:xfrm>
+            <a:off x="1597574" y="7999730"/>
+            <a:ext cx="1216152" cy="592777"/>
+          </a:xfrm>
+          <a:prstGeom prst="roundRect">
+            <a:avLst/>
+          </a:prstGeom>
+          <a:noFill/>
+          <a:ln w="38100"/>
+        </p:spPr>
+        <p:style>
+          <a:lnRef idx="2">
+            <a:schemeClr val="accent1">
+              <a:shade val="15000"/>
+            </a:schemeClr>
+          </a:lnRef>
+          <a:fillRef idx="1">
+            <a:schemeClr val="accent1"/>
+          </a:fillRef>
+          <a:effectRef idx="0">
+            <a:schemeClr val="accent1"/>
+          </a:effectRef>
+          <a:fontRef idx="minor">
+            <a:schemeClr val="lt1"/>
+          </a:fontRef>
+        </p:style>
+        <p:txBody>
+          <a:bodyPr rtlCol="0" anchor="ctr"/>
+          <a:lstStyle/>
+          <a:p>
+            <a:pPr algn="ctr"/>
+            <a:r>
+              <a:rPr lang="en-US" sz="1400" dirty="0">
+                <a:solidFill>
+                  <a:schemeClr val="tx1"/>
+                </a:solidFill>
+              </a:rPr>
+              <a:t>Leadership</a:t>
+            </a:r>
+          </a:p>
+          <a:p>
+            <a:pPr algn="ctr"/>
+            <a:r>
+              <a:rPr lang="en-US" sz="1400" dirty="0">
+                <a:solidFill>
+                  <a:schemeClr val="tx1"/>
+                </a:solidFill>
+              </a:rPr>
+              <a:t>Chat 1</a:t>
+            </a:r>
+          </a:p>
+        </p:txBody>
+      </p:sp>
+      <p:sp>
+        <p:nvSpPr>
+          <p:cNvPr id="10" name="Rectangle: Rounded Corners 9">
+            <a:extLst>
+              <a:ext uri="{FF2B5EF4-FFF2-40B4-BE49-F238E27FC236}">
+                <a16:creationId xmlns:a16="http://schemas.microsoft.com/office/drawing/2014/main" id="{25CBA862-96CA-9323-B3C2-079D6874E9FC}"/>
+              </a:ext>
+            </a:extLst>
+          </p:cNvPr>
+          <p:cNvSpPr/>
+          <p:nvPr/>
+        </p:nvSpPr>
+        <p:spPr>
+          <a:xfrm>
+            <a:off x="3086148" y="7999731"/>
+            <a:ext cx="1304918" cy="592778"/>
+          </a:xfrm>
+          <a:prstGeom prst="roundRect">
+            <a:avLst/>
+          </a:prstGeom>
+          <a:noFill/>
+          <a:ln w="38100"/>
+        </p:spPr>
+        <p:style>
+          <a:lnRef idx="2">
+            <a:schemeClr val="accent1">
+              <a:shade val="15000"/>
+            </a:schemeClr>
+          </a:lnRef>
+          <a:fillRef idx="1">
+            <a:schemeClr val="accent1"/>
+          </a:fillRef>
+          <a:effectRef idx="0">
+            <a:schemeClr val="accent1"/>
+          </a:effectRef>
+          <a:fontRef idx="minor">
+            <a:schemeClr val="lt1"/>
+          </a:fontRef>
+        </p:style>
+        <p:txBody>
+          <a:bodyPr rtlCol="0" anchor="ctr"/>
+          <a:lstStyle/>
+          <a:p>
+            <a:pPr algn="ctr"/>
+            <a:r>
+              <a:rPr lang="en-US" sz="1400" dirty="0">
+                <a:solidFill>
+                  <a:schemeClr val="tx1"/>
+                </a:solidFill>
+              </a:rPr>
+              <a:t>Dedicated</a:t>
+            </a:r>
+          </a:p>
+          <a:p>
+            <a:pPr algn="ctr"/>
+            <a:r>
+              <a:rPr lang="en-US" sz="1400" dirty="0">
+                <a:solidFill>
+                  <a:schemeClr val="tx1"/>
+                </a:solidFill>
+              </a:rPr>
+              <a:t>Chat 1</a:t>
+            </a:r>
+          </a:p>
+        </p:txBody>
+      </p:sp>
+      <p:sp>
+        <p:nvSpPr>
+          <p:cNvPr id="11" name="Rectangle: Rounded Corners 10">
+            <a:extLst>
+              <a:ext uri="{FF2B5EF4-FFF2-40B4-BE49-F238E27FC236}">
+                <a16:creationId xmlns:a16="http://schemas.microsoft.com/office/drawing/2014/main" id="{B8AB8144-2CF5-2DFE-5413-B79553DEE011}"/>
+              </a:ext>
+            </a:extLst>
+          </p:cNvPr>
+          <p:cNvSpPr/>
+          <p:nvPr/>
+        </p:nvSpPr>
+        <p:spPr>
+          <a:xfrm>
+            <a:off x="4504028" y="7999730"/>
+            <a:ext cx="1304918" cy="592779"/>
+          </a:xfrm>
+          <a:prstGeom prst="roundRect">
+            <a:avLst/>
+          </a:prstGeom>
+          <a:noFill/>
+          <a:ln w="38100"/>
+        </p:spPr>
+        <p:style>
+          <a:lnRef idx="2">
+            <a:schemeClr val="accent1">
+              <a:shade val="15000"/>
+            </a:schemeClr>
+          </a:lnRef>
+          <a:fillRef idx="1">
+            <a:schemeClr val="accent1"/>
+          </a:fillRef>
+          <a:effectRef idx="0">
+            <a:schemeClr val="accent1"/>
+          </a:effectRef>
+          <a:fontRef idx="minor">
+            <a:schemeClr val="lt1"/>
+          </a:fontRef>
+        </p:style>
+        <p:txBody>
+          <a:bodyPr rtlCol="0" anchor="ctr"/>
+          <a:lstStyle/>
+          <a:p>
+            <a:pPr algn="ctr"/>
+            <a:r>
+              <a:rPr lang="en-US" sz="1400" dirty="0">
+                <a:solidFill>
+                  <a:schemeClr val="tx1"/>
+                </a:solidFill>
+              </a:rPr>
+              <a:t>Dedicated</a:t>
+            </a:r>
+          </a:p>
+          <a:p>
+            <a:pPr algn="ctr"/>
+            <a:r>
+              <a:rPr lang="en-US" sz="1400" dirty="0">
+                <a:solidFill>
+                  <a:schemeClr val="tx1"/>
+                </a:solidFill>
+              </a:rPr>
+              <a:t>Chat 2</a:t>
+            </a:r>
+          </a:p>
+        </p:txBody>
+      </p:sp>
+      <p:sp>
+        <p:nvSpPr>
+          <p:cNvPr id="12" name="Rectangle: Rounded Corners 11">
+            <a:extLst>
+              <a:ext uri="{FF2B5EF4-FFF2-40B4-BE49-F238E27FC236}">
+                <a16:creationId xmlns:a16="http://schemas.microsoft.com/office/drawing/2014/main" id="{C9CAB87E-C0BC-3D24-CB07-70D107750D5E}"/>
+              </a:ext>
+            </a:extLst>
+          </p:cNvPr>
+          <p:cNvSpPr/>
+          <p:nvPr/>
+        </p:nvSpPr>
+        <p:spPr>
+          <a:xfrm>
+            <a:off x="1353939" y="7247207"/>
+            <a:ext cx="1304918" cy="396240"/>
+          </a:xfrm>
+          <a:prstGeom prst="roundRect">
+            <a:avLst/>
+          </a:prstGeom>
+          <a:noFill/>
+        </p:spPr>
+        <p:style>
+          <a:lnRef idx="2">
+            <a:schemeClr val="accent1">
+              <a:shade val="15000"/>
+            </a:schemeClr>
+          </a:lnRef>
+          <a:fillRef idx="1">
+            <a:schemeClr val="accent1"/>
+          </a:fillRef>
+          <a:effectRef idx="0">
+            <a:schemeClr val="accent1"/>
+          </a:effectRef>
+          <a:fontRef idx="minor">
+            <a:schemeClr val="lt1"/>
+          </a:fontRef>
+        </p:style>
+        <p:txBody>
+          <a:bodyPr rtlCol="0" anchor="ctr"/>
+          <a:lstStyle/>
+          <a:p>
+            <a:pPr algn="ctr"/>
+            <a:r>
+              <a:rPr lang="en-US" sz="1400" dirty="0">
+                <a:solidFill>
+                  <a:schemeClr val="tx1"/>
+                </a:solidFill>
+              </a:rPr>
+              <a:t>Search Keys</a:t>
+            </a:r>
+          </a:p>
+        </p:txBody>
+      </p:sp>
+      <p:cxnSp>
+        <p:nvCxnSpPr>
+          <p:cNvPr id="14" name="Straight Arrow Connector 13">
+            <a:extLst>
+              <a:ext uri="{FF2B5EF4-FFF2-40B4-BE49-F238E27FC236}">
+                <a16:creationId xmlns:a16="http://schemas.microsoft.com/office/drawing/2014/main" id="{221B5071-F0F8-A1E0-2D23-5E79DDBBEE4F}"/>
+              </a:ext>
+            </a:extLst>
+          </p:cNvPr>
+          <p:cNvCxnSpPr>
+            <a:cxnSpLocks/>
+            <a:stCxn id="12" idx="2"/>
+            <a:endCxn id="8" idx="0"/>
+          </p:cNvCxnSpPr>
+          <p:nvPr/>
+        </p:nvCxnSpPr>
+        <p:spPr>
+          <a:xfrm flipH="1">
+            <a:off x="867952" y="7643447"/>
+            <a:ext cx="1138446" cy="356284"/>
+          </a:xfrm>
+          <a:prstGeom prst="straightConnector1">
+            <a:avLst/>
+          </a:prstGeom>
+          <a:noFill/>
+          <a:ln w="38100"/>
+        </p:spPr>
+        <p:style>
+          <a:lnRef idx="2">
+            <a:schemeClr val="accent1">
+              <a:shade val="15000"/>
+            </a:schemeClr>
+          </a:lnRef>
+          <a:fillRef idx="1">
+            <a:schemeClr val="accent1"/>
+          </a:fillRef>
+          <a:effectRef idx="0">
+            <a:schemeClr val="accent1"/>
+          </a:effectRef>
+          <a:fontRef idx="minor">
+            <a:schemeClr val="lt1"/>
+          </a:fontRef>
+        </p:style>
+      </p:cxnSp>
+      <p:cxnSp>
+        <p:nvCxnSpPr>
+          <p:cNvPr id="17" name="Straight Arrow Connector 16">
+            <a:extLst>
+              <a:ext uri="{FF2B5EF4-FFF2-40B4-BE49-F238E27FC236}">
+                <a16:creationId xmlns:a16="http://schemas.microsoft.com/office/drawing/2014/main" id="{40867913-36EF-AC0F-2EE4-1E496642BC2A}"/>
+              </a:ext>
+            </a:extLst>
+          </p:cNvPr>
+          <p:cNvCxnSpPr>
+            <a:cxnSpLocks/>
+            <a:stCxn id="12" idx="2"/>
+            <a:endCxn id="9" idx="0"/>
+          </p:cNvCxnSpPr>
+          <p:nvPr/>
+        </p:nvCxnSpPr>
+        <p:spPr>
+          <a:xfrm>
+            <a:off x="2006398" y="7643447"/>
+            <a:ext cx="199252" cy="356283"/>
+          </a:xfrm>
+          <a:prstGeom prst="straightConnector1">
+            <a:avLst/>
+          </a:prstGeom>
+          <a:ln>
+            <a:tailEnd type="triangle"/>
+          </a:ln>
+        </p:spPr>
+        <p:style>
+          <a:lnRef idx="1">
+            <a:schemeClr val="accent1"/>
+          </a:lnRef>
+          <a:fillRef idx="0">
+            <a:schemeClr val="accent1"/>
+          </a:fillRef>
+          <a:effectRef idx="0">
+            <a:schemeClr val="accent1"/>
+          </a:effectRef>
+          <a:fontRef idx="minor">
+            <a:schemeClr val="tx1"/>
+          </a:fontRef>
+        </p:style>
+      </p:cxnSp>
+      <p:cxnSp>
+        <p:nvCxnSpPr>
+          <p:cNvPr id="26" name="Straight Arrow Connector 25">
+            <a:extLst>
+              <a:ext uri="{FF2B5EF4-FFF2-40B4-BE49-F238E27FC236}">
+                <a16:creationId xmlns:a16="http://schemas.microsoft.com/office/drawing/2014/main" id="{7DEF0F44-7CF8-9A3C-6AA1-3A6D864677D4}"/>
+              </a:ext>
+            </a:extLst>
+          </p:cNvPr>
+          <p:cNvCxnSpPr>
+            <a:cxnSpLocks/>
+            <a:stCxn id="12" idx="2"/>
+            <a:endCxn id="10" idx="0"/>
+          </p:cNvCxnSpPr>
+          <p:nvPr/>
+        </p:nvCxnSpPr>
+        <p:spPr>
+          <a:xfrm>
+            <a:off x="2006398" y="7643447"/>
+            <a:ext cx="1732209" cy="356284"/>
+          </a:xfrm>
+          <a:prstGeom prst="straightConnector1">
+            <a:avLst/>
+          </a:prstGeom>
+          <a:ln>
+            <a:tailEnd type="triangle"/>
+          </a:ln>
+        </p:spPr>
+        <p:style>
+          <a:lnRef idx="1">
+            <a:schemeClr val="accent1"/>
+          </a:lnRef>
+          <a:fillRef idx="0">
+            <a:schemeClr val="accent1"/>
+          </a:fillRef>
+          <a:effectRef idx="0">
+            <a:schemeClr val="accent1"/>
+          </a:effectRef>
+          <a:fontRef idx="minor">
+            <a:schemeClr val="tx1"/>
+          </a:fontRef>
+        </p:style>
+      </p:cxnSp>
+      <p:cxnSp>
+        <p:nvCxnSpPr>
+          <p:cNvPr id="30" name="Straight Arrow Connector 29">
+            <a:extLst>
+              <a:ext uri="{FF2B5EF4-FFF2-40B4-BE49-F238E27FC236}">
+                <a16:creationId xmlns:a16="http://schemas.microsoft.com/office/drawing/2014/main" id="{2C09923B-5055-76E6-D91C-6CDB1B094D53}"/>
+              </a:ext>
+            </a:extLst>
+          </p:cNvPr>
+          <p:cNvCxnSpPr>
+            <a:cxnSpLocks/>
+            <a:stCxn id="12" idx="2"/>
+            <a:endCxn id="11" idx="0"/>
+          </p:cNvCxnSpPr>
+          <p:nvPr/>
+        </p:nvCxnSpPr>
+        <p:spPr>
+          <a:xfrm>
+            <a:off x="2006398" y="7643447"/>
+            <a:ext cx="3150089" cy="356283"/>
+          </a:xfrm>
+          <a:prstGeom prst="straightConnector1">
+            <a:avLst/>
+          </a:prstGeom>
+          <a:ln>
+            <a:tailEnd type="triangle"/>
+          </a:ln>
+        </p:spPr>
+        <p:style>
+          <a:lnRef idx="1">
+            <a:schemeClr val="accent1"/>
+          </a:lnRef>
+          <a:fillRef idx="0">
+            <a:schemeClr val="accent1"/>
+          </a:fillRef>
+          <a:effectRef idx="0">
+            <a:schemeClr val="accent1"/>
+          </a:effectRef>
+          <a:fontRef idx="minor">
+            <a:schemeClr val="tx1"/>
+          </a:fontRef>
+        </p:style>
+      </p:cxnSp>
+      <p:cxnSp>
+        <p:nvCxnSpPr>
+          <p:cNvPr id="34" name="Straight Arrow Connector 33">
+            <a:extLst>
+              <a:ext uri="{FF2B5EF4-FFF2-40B4-BE49-F238E27FC236}">
+                <a16:creationId xmlns:a16="http://schemas.microsoft.com/office/drawing/2014/main" id="{C32C5C00-1798-F645-8E9F-9E3F5EE6C216}"/>
+              </a:ext>
+            </a:extLst>
+          </p:cNvPr>
+          <p:cNvCxnSpPr>
+            <a:cxnSpLocks/>
+            <a:endCxn id="12" idx="0"/>
+          </p:cNvCxnSpPr>
+          <p:nvPr/>
+        </p:nvCxnSpPr>
+        <p:spPr>
+          <a:xfrm>
+            <a:off x="2006398" y="6531267"/>
+            <a:ext cx="0" cy="715940"/>
+          </a:xfrm>
+          <a:prstGeom prst="straightConnector1">
+            <a:avLst/>
+          </a:prstGeom>
+          <a:ln>
+            <a:tailEnd type="triangle"/>
+          </a:ln>
+        </p:spPr>
+        <p:style>
+          <a:lnRef idx="1">
+            <a:schemeClr val="accent1"/>
+          </a:lnRef>
+          <a:fillRef idx="0">
+            <a:schemeClr val="accent1"/>
+          </a:fillRef>
+          <a:effectRef idx="0">
+            <a:schemeClr val="accent1"/>
+          </a:effectRef>
+          <a:fontRef idx="minor">
+            <a:schemeClr val="tx1"/>
+          </a:fontRef>
+        </p:style>
+      </p:cxnSp>
+      <p:grpSp>
+        <p:nvGrpSpPr>
+          <p:cNvPr id="41" name="Group 40">
+            <a:extLst>
+              <a:ext uri="{FF2B5EF4-FFF2-40B4-BE49-F238E27FC236}">
+                <a16:creationId xmlns:a16="http://schemas.microsoft.com/office/drawing/2014/main" id="{4191702A-4CA6-536D-C930-E6942FD80EAB}"/>
+              </a:ext>
+            </a:extLst>
+          </p:cNvPr>
+          <p:cNvGrpSpPr/>
+          <p:nvPr/>
+        </p:nvGrpSpPr>
+        <p:grpSpPr>
+          <a:xfrm>
+            <a:off x="1677245" y="2113175"/>
+            <a:ext cx="1295400" cy="1258417"/>
+            <a:chOff x="755502" y="1503778"/>
+            <a:chExt cx="1295400" cy="1258417"/>
+          </a:xfrm>
+        </p:grpSpPr>
+        <p:sp>
+          <p:nvSpPr>
+            <p:cNvPr id="38" name="TextBox 37">
+              <a:extLst>
+                <a:ext uri="{FF2B5EF4-FFF2-40B4-BE49-F238E27FC236}">
+                  <a16:creationId xmlns:a16="http://schemas.microsoft.com/office/drawing/2014/main" id="{FA263016-7C3E-600B-4913-B3F7FCDC1A73}"/>
+                </a:ext>
+              </a:extLst>
+            </p:cNvPr>
+            <p:cNvSpPr txBox="1"/>
+            <p:nvPr/>
+          </p:nvSpPr>
+          <p:spPr>
+            <a:xfrm flipH="1">
+              <a:off x="755502" y="2238975"/>
+              <a:ext cx="1295400" cy="523220"/>
+            </a:xfrm>
+            <a:prstGeom prst="rect">
+              <a:avLst/>
+            </a:prstGeom>
+            <a:noFill/>
+          </p:spPr>
+          <p:txBody>
+            <a:bodyPr wrap="square" rtlCol="0">
+              <a:spAutoFit/>
+            </a:bodyPr>
+            <a:lstStyle/>
+            <a:p>
+              <a:pPr algn="ctr"/>
+              <a:r>
+                <a:rPr lang="en-US" sz="1400" dirty="0"/>
+                <a:t>Enterprise Architects</a:t>
+              </a:r>
+            </a:p>
+          </p:txBody>
+        </p:sp>
+        <p:pic>
+          <p:nvPicPr>
+            <p:cNvPr id="40" name="Picture 4">
+              <a:extLst>
+                <a:ext uri="{FF2B5EF4-FFF2-40B4-BE49-F238E27FC236}">
+                  <a16:creationId xmlns:a16="http://schemas.microsoft.com/office/drawing/2014/main" id="{701C95CA-A8C4-43D6-110B-972159C1F670}"/>
+                </a:ext>
+              </a:extLst>
+            </p:cNvPr>
+            <p:cNvPicPr>
+              <a:picLocks noChangeAspect="1" noChangeArrowheads="1"/>
+            </p:cNvPicPr>
+            <p:nvPr/>
+          </p:nvPicPr>
+          <p:blipFill>
+            <a:blip r:embed="rId2">
+              <a:extLst>
+                <a:ext uri="{28A0092B-C50C-407E-A947-70E740481C1C}">
+                  <a14:useLocalDpi xmlns:a14="http://schemas.microsoft.com/office/drawing/2010/main" val="0"/>
+                </a:ext>
+              </a:extLst>
+            </a:blip>
+            <a:srcRect/>
+            <a:stretch>
+              <a:fillRect/>
+            </a:stretch>
+          </p:blipFill>
+          <p:spPr bwMode="auto">
+            <a:xfrm>
+              <a:off x="946002" y="1503778"/>
+              <a:ext cx="914400" cy="914400"/>
+            </a:xfrm>
+            <a:prstGeom prst="rect">
+              <a:avLst/>
+            </a:prstGeom>
+            <a:noFill/>
+            <a:extLst>
+              <a:ext uri="{909E8E84-426E-40DD-AFC4-6F175D3DCCD1}">
+                <a14:hiddenFill xmlns:a14="http://schemas.microsoft.com/office/drawing/2010/main">
+                  <a:solidFill>
+                    <a:srgbClr val="FFFFFF"/>
+                  </a:solidFill>
+                </a14:hiddenFill>
+              </a:ext>
+            </a:extLst>
+          </p:spPr>
+        </p:pic>
+      </p:grpSp>
+      <p:grpSp>
+        <p:nvGrpSpPr>
+          <p:cNvPr id="42" name="Group 41">
+            <a:extLst>
+              <a:ext uri="{FF2B5EF4-FFF2-40B4-BE49-F238E27FC236}">
+                <a16:creationId xmlns:a16="http://schemas.microsoft.com/office/drawing/2014/main" id="{7AF1044F-D3CA-59DF-2D57-BED0D42453B8}"/>
+              </a:ext>
+            </a:extLst>
+          </p:cNvPr>
+          <p:cNvGrpSpPr/>
+          <p:nvPr/>
+        </p:nvGrpSpPr>
+        <p:grpSpPr>
+          <a:xfrm>
+            <a:off x="1627729" y="673944"/>
+            <a:ext cx="1295400" cy="1042974"/>
+            <a:chOff x="755502" y="1503778"/>
+            <a:chExt cx="1295400" cy="1042974"/>
+          </a:xfrm>
+        </p:grpSpPr>
+        <p:sp>
+          <p:nvSpPr>
+            <p:cNvPr id="43" name="TextBox 42">
+              <a:extLst>
+                <a:ext uri="{FF2B5EF4-FFF2-40B4-BE49-F238E27FC236}">
+                  <a16:creationId xmlns:a16="http://schemas.microsoft.com/office/drawing/2014/main" id="{307153A5-C898-A424-DAE5-0C863CC481F4}"/>
+                </a:ext>
+              </a:extLst>
+            </p:cNvPr>
+            <p:cNvSpPr txBox="1"/>
+            <p:nvPr/>
+          </p:nvSpPr>
+          <p:spPr>
+            <a:xfrm flipH="1">
+              <a:off x="755502" y="2238975"/>
+              <a:ext cx="1295400" cy="307777"/>
+            </a:xfrm>
+            <a:prstGeom prst="rect">
+              <a:avLst/>
+            </a:prstGeom>
+            <a:noFill/>
+          </p:spPr>
+          <p:txBody>
+            <a:bodyPr wrap="square" rtlCol="0">
+              <a:spAutoFit/>
+            </a:bodyPr>
+            <a:lstStyle/>
+            <a:p>
+              <a:pPr algn="ctr"/>
+              <a:r>
+                <a:rPr lang="en-US" sz="1400" dirty="0"/>
+                <a:t>Sr Leadership</a:t>
+              </a:r>
+            </a:p>
+          </p:txBody>
+        </p:sp>
+        <p:pic>
+          <p:nvPicPr>
+            <p:cNvPr id="44" name="Picture 4">
+              <a:extLst>
+                <a:ext uri="{FF2B5EF4-FFF2-40B4-BE49-F238E27FC236}">
+                  <a16:creationId xmlns:a16="http://schemas.microsoft.com/office/drawing/2014/main" id="{32251FCB-3E6B-AE74-A9E6-8B516051EF92}"/>
+                </a:ext>
+              </a:extLst>
+            </p:cNvPr>
+            <p:cNvPicPr>
+              <a:picLocks noChangeAspect="1" noChangeArrowheads="1"/>
+            </p:cNvPicPr>
+            <p:nvPr/>
+          </p:nvPicPr>
+          <p:blipFill>
+            <a:blip r:embed="rId2">
+              <a:extLst>
+                <a:ext uri="{28A0092B-C50C-407E-A947-70E740481C1C}">
+                  <a14:useLocalDpi xmlns:a14="http://schemas.microsoft.com/office/drawing/2010/main" val="0"/>
+                </a:ext>
+              </a:extLst>
+            </a:blip>
+            <a:srcRect/>
+            <a:stretch>
+              <a:fillRect/>
+            </a:stretch>
+          </p:blipFill>
+          <p:spPr bwMode="auto">
+            <a:xfrm>
+              <a:off x="946002" y="1503778"/>
+              <a:ext cx="914400" cy="914400"/>
+            </a:xfrm>
+            <a:prstGeom prst="rect">
+              <a:avLst/>
+            </a:prstGeom>
+            <a:noFill/>
+            <a:extLst>
+              <a:ext uri="{909E8E84-426E-40DD-AFC4-6F175D3DCCD1}">
+                <a14:hiddenFill xmlns:a14="http://schemas.microsoft.com/office/drawing/2010/main">
+                  <a:solidFill>
+                    <a:srgbClr val="FFFFFF"/>
+                  </a:solidFill>
+                </a14:hiddenFill>
+              </a:ext>
+            </a:extLst>
+          </p:spPr>
+        </p:pic>
+      </p:grpSp>
+      <p:cxnSp>
+        <p:nvCxnSpPr>
+          <p:cNvPr id="48" name="Straight Arrow Connector 47">
+            <a:extLst>
+              <a:ext uri="{FF2B5EF4-FFF2-40B4-BE49-F238E27FC236}">
+                <a16:creationId xmlns:a16="http://schemas.microsoft.com/office/drawing/2014/main" id="{B003C947-3C67-62B2-F92A-CDD2697AEDE6}"/>
+              </a:ext>
+            </a:extLst>
+          </p:cNvPr>
+          <p:cNvCxnSpPr>
+            <a:cxnSpLocks/>
+            <a:stCxn id="43" idx="2"/>
+            <a:endCxn id="40" idx="0"/>
+          </p:cNvCxnSpPr>
+          <p:nvPr/>
+        </p:nvCxnSpPr>
+        <p:spPr>
+          <a:xfrm>
+            <a:off x="2275429" y="1716918"/>
+            <a:ext cx="49516" cy="396257"/>
+          </a:xfrm>
+          <a:prstGeom prst="straightConnector1">
+            <a:avLst/>
+          </a:prstGeom>
+          <a:ln>
+            <a:tailEnd type="triangle"/>
+          </a:ln>
+        </p:spPr>
+        <p:style>
+          <a:lnRef idx="1">
+            <a:schemeClr val="accent1"/>
+          </a:lnRef>
+          <a:fillRef idx="0">
+            <a:schemeClr val="accent1"/>
+          </a:fillRef>
+          <a:effectRef idx="0">
+            <a:schemeClr val="accent1"/>
+          </a:effectRef>
+          <a:fontRef idx="minor">
+            <a:schemeClr val="tx1"/>
+          </a:fontRef>
+        </p:style>
+      </p:cxnSp>
+      <p:sp>
+        <p:nvSpPr>
+          <p:cNvPr id="52" name="TextBox 51">
+            <a:extLst>
+              <a:ext uri="{FF2B5EF4-FFF2-40B4-BE49-F238E27FC236}">
+                <a16:creationId xmlns:a16="http://schemas.microsoft.com/office/drawing/2014/main" id="{77621312-FBDC-7B41-3AEC-4AB1F06D4710}"/>
+              </a:ext>
+            </a:extLst>
+          </p:cNvPr>
+          <p:cNvSpPr txBox="1"/>
+          <p:nvPr/>
+        </p:nvSpPr>
+        <p:spPr>
+          <a:xfrm flipH="1">
+            <a:off x="2381795" y="1716918"/>
+            <a:ext cx="1539869" cy="307777"/>
+          </a:xfrm>
+          <a:prstGeom prst="rect">
+            <a:avLst/>
+          </a:prstGeom>
+          <a:noFill/>
+        </p:spPr>
+        <p:txBody>
+          <a:bodyPr wrap="square" rtlCol="0">
+            <a:spAutoFit/>
+          </a:bodyPr>
+          <a:lstStyle/>
+          <a:p>
+            <a:pPr algn="ctr"/>
+            <a:r>
+              <a:rPr lang="en-US" sz="1400" dirty="0"/>
+              <a:t>Execute A Project</a:t>
+            </a:r>
+          </a:p>
+        </p:txBody>
+      </p:sp>
+      <p:sp>
+        <p:nvSpPr>
+          <p:cNvPr id="56" name="Oval 55">
+            <a:extLst>
+              <a:ext uri="{FF2B5EF4-FFF2-40B4-BE49-F238E27FC236}">
+                <a16:creationId xmlns:a16="http://schemas.microsoft.com/office/drawing/2014/main" id="{AE012EEF-0D5A-E2A8-E63F-316B49197B4A}"/>
+              </a:ext>
+            </a:extLst>
+          </p:cNvPr>
+          <p:cNvSpPr/>
+          <p:nvPr/>
+        </p:nvSpPr>
+        <p:spPr>
+          <a:xfrm>
+            <a:off x="1531448" y="1733835"/>
+            <a:ext cx="390144" cy="390144"/>
+          </a:xfrm>
+          <a:prstGeom prst="ellipse">
+            <a:avLst/>
+          </a:prstGeom>
+        </p:spPr>
+        <p:style>
+          <a:lnRef idx="2">
+            <a:schemeClr val="accent2">
+              <a:shade val="15000"/>
+            </a:schemeClr>
+          </a:lnRef>
+          <a:fillRef idx="1">
+            <a:schemeClr val="accent2"/>
+          </a:fillRef>
+          <a:effectRef idx="0">
+            <a:schemeClr val="accent2"/>
+          </a:effectRef>
+          <a:fontRef idx="minor">
+            <a:schemeClr val="lt1"/>
+          </a:fontRef>
+        </p:style>
+        <p:txBody>
+          <a:bodyPr rtlCol="0" anchor="ctr"/>
+          <a:lstStyle/>
+          <a:p>
+            <a:pPr algn="ctr"/>
+            <a:r>
+              <a:rPr lang="en-US" dirty="0"/>
+              <a:t>1</a:t>
+            </a:r>
+          </a:p>
+        </p:txBody>
+      </p:sp>
+      <p:cxnSp>
+        <p:nvCxnSpPr>
+          <p:cNvPr id="57" name="Straight Arrow Connector 56">
+            <a:extLst>
+              <a:ext uri="{FF2B5EF4-FFF2-40B4-BE49-F238E27FC236}">
+                <a16:creationId xmlns:a16="http://schemas.microsoft.com/office/drawing/2014/main" id="{11A6D493-5A38-7469-ED40-F1C5504AE716}"/>
+              </a:ext>
+            </a:extLst>
+          </p:cNvPr>
+          <p:cNvCxnSpPr>
+            <a:cxnSpLocks/>
+            <a:stCxn id="38" idx="2"/>
+            <a:endCxn id="3" idx="0"/>
+          </p:cNvCxnSpPr>
+          <p:nvPr/>
+        </p:nvCxnSpPr>
+        <p:spPr>
+          <a:xfrm>
+            <a:off x="2324945" y="3371592"/>
+            <a:ext cx="0" cy="596125"/>
+          </a:xfrm>
+          <a:prstGeom prst="straightConnector1">
+            <a:avLst/>
+          </a:prstGeom>
+          <a:ln>
+            <a:tailEnd type="triangle"/>
+          </a:ln>
+        </p:spPr>
+        <p:style>
+          <a:lnRef idx="1">
+            <a:schemeClr val="accent1"/>
+          </a:lnRef>
+          <a:fillRef idx="0">
+            <a:schemeClr val="accent1"/>
+          </a:fillRef>
+          <a:effectRef idx="0">
+            <a:schemeClr val="accent1"/>
+          </a:effectRef>
+          <a:fontRef idx="minor">
+            <a:schemeClr val="tx1"/>
+          </a:fontRef>
+        </p:style>
+      </p:cxnSp>
+      <p:sp>
+        <p:nvSpPr>
+          <p:cNvPr id="62" name="TextBox 61">
+            <a:extLst>
+              <a:ext uri="{FF2B5EF4-FFF2-40B4-BE49-F238E27FC236}">
+                <a16:creationId xmlns:a16="http://schemas.microsoft.com/office/drawing/2014/main" id="{8A07070F-E4BB-51B6-E6DA-C8E0C7953FD3}"/>
+              </a:ext>
+            </a:extLst>
+          </p:cNvPr>
+          <p:cNvSpPr txBox="1"/>
+          <p:nvPr/>
+        </p:nvSpPr>
+        <p:spPr>
+          <a:xfrm flipH="1">
+            <a:off x="128532" y="3419877"/>
+            <a:ext cx="1499197" cy="523220"/>
+          </a:xfrm>
+          <a:prstGeom prst="rect">
+            <a:avLst/>
+          </a:prstGeom>
+          <a:noFill/>
+        </p:spPr>
+        <p:txBody>
+          <a:bodyPr wrap="square" rtlCol="0">
+            <a:spAutoFit/>
+          </a:bodyPr>
+          <a:lstStyle/>
+          <a:p>
+            <a:pPr marL="228600" indent="-114300" algn="ctr">
+              <a:buAutoNum type="arabicPeriod"/>
+            </a:pPr>
+            <a:r>
+              <a:rPr lang="en-US" sz="1400" dirty="0"/>
+              <a:t>Create a Team</a:t>
+            </a:r>
+          </a:p>
+          <a:p>
+            <a:pPr marL="228600" indent="-114300" algn="ctr">
+              <a:buAutoNum type="arabicPeriod"/>
+            </a:pPr>
+            <a:r>
+              <a:rPr lang="en-US" sz="1400" dirty="0"/>
+              <a:t>Add members</a:t>
+            </a:r>
+          </a:p>
+        </p:txBody>
+      </p:sp>
+      <p:cxnSp>
+        <p:nvCxnSpPr>
+          <p:cNvPr id="1029" name="Straight Arrow Connector 1028">
+            <a:extLst>
+              <a:ext uri="{FF2B5EF4-FFF2-40B4-BE49-F238E27FC236}">
+                <a16:creationId xmlns:a16="http://schemas.microsoft.com/office/drawing/2014/main" id="{25454BE0-F846-1F5F-D08C-9D5A88C8AF79}"/>
+              </a:ext>
+            </a:extLst>
+          </p:cNvPr>
+          <p:cNvCxnSpPr>
+            <a:cxnSpLocks/>
+            <a:stCxn id="3" idx="2"/>
+            <a:endCxn id="1056" idx="0"/>
+          </p:cNvCxnSpPr>
+          <p:nvPr/>
+        </p:nvCxnSpPr>
+        <p:spPr>
+          <a:xfrm flipH="1">
+            <a:off x="663322" y="4882117"/>
+            <a:ext cx="1661623" cy="530816"/>
+          </a:xfrm>
+          <a:prstGeom prst="straightConnector1">
+            <a:avLst/>
+          </a:prstGeom>
+          <a:ln>
+            <a:tailEnd type="triangle"/>
+          </a:ln>
+        </p:spPr>
+        <p:style>
+          <a:lnRef idx="1">
+            <a:schemeClr val="accent1"/>
+          </a:lnRef>
+          <a:fillRef idx="0">
+            <a:schemeClr val="accent1"/>
+          </a:fillRef>
+          <a:effectRef idx="0">
+            <a:schemeClr val="accent1"/>
+          </a:effectRef>
+          <a:fontRef idx="minor">
+            <a:schemeClr val="tx1"/>
+          </a:fontRef>
+        </p:style>
+      </p:cxnSp>
+      <p:cxnSp>
+        <p:nvCxnSpPr>
+          <p:cNvPr id="1034" name="Straight Arrow Connector 1033">
+            <a:extLst>
+              <a:ext uri="{FF2B5EF4-FFF2-40B4-BE49-F238E27FC236}">
+                <a16:creationId xmlns:a16="http://schemas.microsoft.com/office/drawing/2014/main" id="{11048B28-0BDC-E614-C2FD-3171B12ADB7B}"/>
+              </a:ext>
+            </a:extLst>
+          </p:cNvPr>
+          <p:cNvCxnSpPr>
+            <a:cxnSpLocks/>
+            <a:stCxn id="3" idx="2"/>
+            <a:endCxn id="4" idx="0"/>
+          </p:cNvCxnSpPr>
+          <p:nvPr/>
+        </p:nvCxnSpPr>
+        <p:spPr>
+          <a:xfrm flipH="1">
+            <a:off x="1974365" y="4882117"/>
+            <a:ext cx="350580" cy="521192"/>
+          </a:xfrm>
+          <a:prstGeom prst="straightConnector1">
+            <a:avLst/>
+          </a:prstGeom>
+          <a:ln>
+            <a:tailEnd type="triangle"/>
+          </a:ln>
+        </p:spPr>
+        <p:style>
+          <a:lnRef idx="1">
+            <a:schemeClr val="accent1"/>
+          </a:lnRef>
+          <a:fillRef idx="0">
+            <a:schemeClr val="accent1"/>
+          </a:fillRef>
+          <a:effectRef idx="0">
+            <a:schemeClr val="accent1"/>
+          </a:effectRef>
+          <a:fontRef idx="minor">
+            <a:schemeClr val="tx1"/>
+          </a:fontRef>
+        </p:style>
+      </p:cxnSp>
+      <p:grpSp>
+        <p:nvGrpSpPr>
+          <p:cNvPr id="1042" name="Group 1041">
+            <a:extLst>
+              <a:ext uri="{FF2B5EF4-FFF2-40B4-BE49-F238E27FC236}">
+                <a16:creationId xmlns:a16="http://schemas.microsoft.com/office/drawing/2014/main" id="{CE6063B8-F654-B2A8-8E99-819EED9BEA9F}"/>
+              </a:ext>
+            </a:extLst>
+          </p:cNvPr>
+          <p:cNvGrpSpPr/>
+          <p:nvPr/>
+        </p:nvGrpSpPr>
+        <p:grpSpPr>
+          <a:xfrm>
+            <a:off x="4533056" y="3275176"/>
+            <a:ext cx="1502506" cy="768230"/>
+            <a:chOff x="509528" y="1516972"/>
+            <a:chExt cx="1502506" cy="768230"/>
+          </a:xfrm>
+        </p:grpSpPr>
+        <p:sp>
+          <p:nvSpPr>
+            <p:cNvPr id="1043" name="TextBox 1042">
+              <a:extLst>
+                <a:ext uri="{FF2B5EF4-FFF2-40B4-BE49-F238E27FC236}">
+                  <a16:creationId xmlns:a16="http://schemas.microsoft.com/office/drawing/2014/main" id="{4F1D6F9F-6FAB-7320-F984-2B83D349AE28}"/>
+                </a:ext>
+              </a:extLst>
+            </p:cNvPr>
+            <p:cNvSpPr txBox="1"/>
+            <p:nvPr/>
+          </p:nvSpPr>
+          <p:spPr>
+            <a:xfrm flipH="1">
+              <a:off x="509528" y="1977425"/>
+              <a:ext cx="1502506" cy="307777"/>
+            </a:xfrm>
+            <a:prstGeom prst="rect">
+              <a:avLst/>
+            </a:prstGeom>
+            <a:noFill/>
+          </p:spPr>
+          <p:txBody>
+            <a:bodyPr wrap="square" rtlCol="0">
+              <a:spAutoFit/>
+            </a:bodyPr>
+            <a:lstStyle/>
+            <a:p>
+              <a:pPr algn="ctr"/>
+              <a:r>
+                <a:rPr lang="en-US" sz="1400" dirty="0"/>
+                <a:t>Domain Team 1</a:t>
+              </a:r>
+            </a:p>
+          </p:txBody>
+        </p:sp>
+        <p:pic>
+          <p:nvPicPr>
+            <p:cNvPr id="1044" name="Picture 4">
+              <a:extLst>
+                <a:ext uri="{FF2B5EF4-FFF2-40B4-BE49-F238E27FC236}">
+                  <a16:creationId xmlns:a16="http://schemas.microsoft.com/office/drawing/2014/main" id="{9487E970-3FF5-E271-F791-C4D117B596ED}"/>
+                </a:ext>
+              </a:extLst>
+            </p:cNvPr>
+            <p:cNvPicPr>
+              <a:picLocks noChangeAspect="1" noChangeArrowheads="1"/>
+            </p:cNvPicPr>
+            <p:nvPr/>
+          </p:nvPicPr>
+          <p:blipFill>
+            <a:blip r:embed="rId2">
+              <a:extLst>
+                <a:ext uri="{28A0092B-C50C-407E-A947-70E740481C1C}">
+                  <a14:useLocalDpi xmlns:a14="http://schemas.microsoft.com/office/drawing/2010/main" val="0"/>
+                </a:ext>
+              </a:extLst>
+            </a:blip>
+            <a:srcRect/>
+            <a:stretch>
+              <a:fillRect/>
+            </a:stretch>
+          </p:blipFill>
+          <p:spPr bwMode="auto">
+            <a:xfrm>
+              <a:off x="960768" y="1516972"/>
+              <a:ext cx="600026" cy="600026"/>
+            </a:xfrm>
+            <a:prstGeom prst="rect">
+              <a:avLst/>
+            </a:prstGeom>
+            <a:noFill/>
+            <a:extLst>
+              <a:ext uri="{909E8E84-426E-40DD-AFC4-6F175D3DCCD1}">
+                <a14:hiddenFill xmlns:a14="http://schemas.microsoft.com/office/drawing/2010/main">
+                  <a:solidFill>
+                    <a:srgbClr val="FFFFFF"/>
+                  </a:solidFill>
+                </a14:hiddenFill>
+              </a:ext>
+            </a:extLst>
+          </p:spPr>
+        </p:pic>
+      </p:grpSp>
+      <p:sp>
+        <p:nvSpPr>
+          <p:cNvPr id="1056" name="Rectangle: Rounded Corners 1055">
+            <a:extLst>
+              <a:ext uri="{FF2B5EF4-FFF2-40B4-BE49-F238E27FC236}">
+                <a16:creationId xmlns:a16="http://schemas.microsoft.com/office/drawing/2014/main" id="{79C4B8B1-6A7A-4DFF-A12C-C0CC7A9E9436}"/>
+              </a:ext>
+            </a:extLst>
+          </p:cNvPr>
+          <p:cNvSpPr/>
+          <p:nvPr/>
+        </p:nvSpPr>
+        <p:spPr>
+          <a:xfrm>
+            <a:off x="114734" y="5412933"/>
+            <a:ext cx="1097175" cy="596125"/>
+          </a:xfrm>
+          <a:prstGeom prst="roundRect">
+            <a:avLst/>
+          </a:prstGeom>
+          <a:noFill/>
+        </p:spPr>
+        <p:style>
+          <a:lnRef idx="2">
+            <a:schemeClr val="accent1">
+              <a:shade val="15000"/>
+            </a:schemeClr>
+          </a:lnRef>
+          <a:fillRef idx="1">
+            <a:schemeClr val="accent1"/>
+          </a:fillRef>
+          <a:effectRef idx="0">
+            <a:schemeClr val="accent1"/>
+          </a:effectRef>
+          <a:fontRef idx="minor">
+            <a:schemeClr val="lt1"/>
+          </a:fontRef>
+        </p:style>
+        <p:txBody>
+          <a:bodyPr rtlCol="0" anchor="ctr"/>
+          <a:lstStyle/>
+          <a:p>
+            <a:pPr algn="ctr"/>
+            <a:r>
+              <a:rPr lang="en-US" sz="1400" dirty="0">
+                <a:solidFill>
+                  <a:schemeClr val="tx1"/>
+                </a:solidFill>
+              </a:rPr>
+              <a:t>1 Channel</a:t>
+            </a:r>
+          </a:p>
+        </p:txBody>
+      </p:sp>
+      <p:cxnSp>
+        <p:nvCxnSpPr>
+          <p:cNvPr id="1064" name="Straight Arrow Connector 1063">
+            <a:extLst>
+              <a:ext uri="{FF2B5EF4-FFF2-40B4-BE49-F238E27FC236}">
+                <a16:creationId xmlns:a16="http://schemas.microsoft.com/office/drawing/2014/main" id="{8BA56C69-9542-DC61-DF6A-4D8AC5476CE9}"/>
+              </a:ext>
+            </a:extLst>
+          </p:cNvPr>
+          <p:cNvCxnSpPr>
+            <a:cxnSpLocks/>
+            <a:stCxn id="3" idx="2"/>
+            <a:endCxn id="5" idx="0"/>
+          </p:cNvCxnSpPr>
+          <p:nvPr/>
+        </p:nvCxnSpPr>
+        <p:spPr>
+          <a:xfrm>
+            <a:off x="2324945" y="4882117"/>
+            <a:ext cx="905412" cy="501346"/>
+          </a:xfrm>
+          <a:prstGeom prst="straightConnector1">
+            <a:avLst/>
+          </a:prstGeom>
+          <a:ln>
+            <a:tailEnd type="triangle"/>
+          </a:ln>
+        </p:spPr>
+        <p:style>
+          <a:lnRef idx="1">
+            <a:schemeClr val="accent1"/>
+          </a:lnRef>
+          <a:fillRef idx="0">
+            <a:schemeClr val="accent1"/>
+          </a:fillRef>
+          <a:effectRef idx="0">
+            <a:schemeClr val="accent1"/>
+          </a:effectRef>
+          <a:fontRef idx="minor">
+            <a:schemeClr val="tx1"/>
+          </a:fontRef>
+        </p:style>
+      </p:cxnSp>
+      <p:sp>
+        <p:nvSpPr>
+          <p:cNvPr id="1072" name="Rectangle: Rounded Corners 1071">
+            <a:extLst>
+              <a:ext uri="{FF2B5EF4-FFF2-40B4-BE49-F238E27FC236}">
+                <a16:creationId xmlns:a16="http://schemas.microsoft.com/office/drawing/2014/main" id="{1B239B41-F565-69DD-60B1-8484A9287B1B}"/>
+              </a:ext>
+            </a:extLst>
+          </p:cNvPr>
+          <p:cNvSpPr/>
+          <p:nvPr/>
+        </p:nvSpPr>
+        <p:spPr>
+          <a:xfrm>
+            <a:off x="3429000" y="6173029"/>
+            <a:ext cx="1677888" cy="1010342"/>
+          </a:xfrm>
+          <a:prstGeom prst="roundRect">
+            <a:avLst/>
+          </a:prstGeom>
+          <a:noFill/>
+          <a:ln w="38100"/>
+        </p:spPr>
+        <p:style>
+          <a:lnRef idx="2">
+            <a:schemeClr val="accent1">
+              <a:shade val="15000"/>
+            </a:schemeClr>
+          </a:lnRef>
+          <a:fillRef idx="1">
+            <a:schemeClr val="accent1"/>
+          </a:fillRef>
+          <a:effectRef idx="0">
+            <a:schemeClr val="accent1"/>
+          </a:effectRef>
+          <a:fontRef idx="minor">
+            <a:schemeClr val="lt1"/>
+          </a:fontRef>
+        </p:style>
+        <p:txBody>
+          <a:bodyPr rtlCol="0" anchor="ctr"/>
+          <a:lstStyle/>
+          <a:p>
+            <a:pPr algn="ctr"/>
+            <a:r>
+              <a:rPr lang="en-US" sz="1400" dirty="0">
+                <a:solidFill>
+                  <a:schemeClr val="tx1"/>
+                </a:solidFill>
+              </a:rPr>
+              <a:t>Instructions</a:t>
+            </a:r>
+          </a:p>
+          <a:p>
+            <a:pPr algn="ctr"/>
+            <a:r>
+              <a:rPr lang="en-US" sz="1400" dirty="0">
+                <a:solidFill>
+                  <a:schemeClr val="tx1"/>
+                </a:solidFill>
+              </a:rPr>
+              <a:t>Documentation</a:t>
+            </a:r>
+          </a:p>
+          <a:p>
+            <a:pPr algn="ctr"/>
+            <a:r>
+              <a:rPr lang="en-US" sz="1400" dirty="0">
+                <a:solidFill>
+                  <a:schemeClr val="tx1"/>
+                </a:solidFill>
+              </a:rPr>
+              <a:t>Pointers to files</a:t>
+            </a:r>
+          </a:p>
+          <a:p>
+            <a:pPr algn="ctr"/>
+            <a:r>
+              <a:rPr lang="en-US" sz="1400" dirty="0">
+                <a:solidFill>
+                  <a:schemeClr val="tx1"/>
+                </a:solidFill>
+              </a:rPr>
+              <a:t>Tables</a:t>
+            </a:r>
+          </a:p>
+        </p:txBody>
+      </p:sp>
+      <p:cxnSp>
+        <p:nvCxnSpPr>
+          <p:cNvPr id="1077" name="Connector: Elbow 1076">
+            <a:extLst>
+              <a:ext uri="{FF2B5EF4-FFF2-40B4-BE49-F238E27FC236}">
+                <a16:creationId xmlns:a16="http://schemas.microsoft.com/office/drawing/2014/main" id="{2EB60B0F-961D-183B-02E3-88E290B1D3E0}"/>
+              </a:ext>
+            </a:extLst>
+          </p:cNvPr>
+          <p:cNvCxnSpPr>
+            <a:cxnSpLocks/>
+            <a:stCxn id="5" idx="3"/>
+            <a:endCxn id="1072" idx="0"/>
+          </p:cNvCxnSpPr>
+          <p:nvPr/>
+        </p:nvCxnSpPr>
+        <p:spPr>
+          <a:xfrm>
+            <a:off x="3687557" y="5706997"/>
+            <a:ext cx="580387" cy="466032"/>
+          </a:xfrm>
+          <a:prstGeom prst="bentConnector2">
+            <a:avLst/>
+          </a:prstGeom>
+          <a:ln>
+            <a:tailEnd type="triangle"/>
+          </a:ln>
+        </p:spPr>
+        <p:style>
+          <a:lnRef idx="1">
+            <a:schemeClr val="accent1"/>
+          </a:lnRef>
+          <a:fillRef idx="0">
+            <a:schemeClr val="accent1"/>
+          </a:fillRef>
+          <a:effectRef idx="0">
+            <a:schemeClr val="accent1"/>
+          </a:effectRef>
+          <a:fontRef idx="minor">
+            <a:schemeClr val="tx1"/>
+          </a:fontRef>
+        </p:style>
+      </p:cxnSp>
+      <p:grpSp>
+        <p:nvGrpSpPr>
+          <p:cNvPr id="1102" name="Group 1101">
+            <a:extLst>
+              <a:ext uri="{FF2B5EF4-FFF2-40B4-BE49-F238E27FC236}">
+                <a16:creationId xmlns:a16="http://schemas.microsoft.com/office/drawing/2014/main" id="{A27861F5-F5AF-257D-D577-A36B3C0D4030}"/>
+              </a:ext>
+            </a:extLst>
+          </p:cNvPr>
+          <p:cNvGrpSpPr/>
+          <p:nvPr/>
+        </p:nvGrpSpPr>
+        <p:grpSpPr>
+          <a:xfrm>
+            <a:off x="4482459" y="4251148"/>
+            <a:ext cx="1502506" cy="768230"/>
+            <a:chOff x="509528" y="1516972"/>
+            <a:chExt cx="1502506" cy="768230"/>
+          </a:xfrm>
+        </p:grpSpPr>
+        <p:sp>
+          <p:nvSpPr>
+            <p:cNvPr id="1103" name="TextBox 1102">
+              <a:extLst>
+                <a:ext uri="{FF2B5EF4-FFF2-40B4-BE49-F238E27FC236}">
+                  <a16:creationId xmlns:a16="http://schemas.microsoft.com/office/drawing/2014/main" id="{FACB73B0-8790-B559-1714-DB9710582C98}"/>
+                </a:ext>
+              </a:extLst>
+            </p:cNvPr>
+            <p:cNvSpPr txBox="1"/>
+            <p:nvPr/>
+          </p:nvSpPr>
+          <p:spPr>
+            <a:xfrm flipH="1">
+              <a:off x="509528" y="1977425"/>
+              <a:ext cx="1502506" cy="307777"/>
+            </a:xfrm>
+            <a:prstGeom prst="rect">
+              <a:avLst/>
+            </a:prstGeom>
+            <a:noFill/>
+          </p:spPr>
+          <p:txBody>
+            <a:bodyPr wrap="square" rtlCol="0">
+              <a:spAutoFit/>
+            </a:bodyPr>
+            <a:lstStyle/>
+            <a:p>
+              <a:pPr algn="ctr"/>
+              <a:r>
+                <a:rPr lang="en-US" sz="1400" dirty="0"/>
+                <a:t>Domain Team 1</a:t>
+              </a:r>
+            </a:p>
+          </p:txBody>
+        </p:sp>
+        <p:pic>
+          <p:nvPicPr>
+            <p:cNvPr id="1104" name="Picture 4">
+              <a:extLst>
+                <a:ext uri="{FF2B5EF4-FFF2-40B4-BE49-F238E27FC236}">
+                  <a16:creationId xmlns:a16="http://schemas.microsoft.com/office/drawing/2014/main" id="{8054974F-F185-4FD3-8C4D-4681F6D07322}"/>
+                </a:ext>
+              </a:extLst>
+            </p:cNvPr>
+            <p:cNvPicPr>
+              <a:picLocks noChangeAspect="1" noChangeArrowheads="1"/>
+            </p:cNvPicPr>
+            <p:nvPr/>
+          </p:nvPicPr>
+          <p:blipFill>
+            <a:blip r:embed="rId2">
+              <a:extLst>
+                <a:ext uri="{28A0092B-C50C-407E-A947-70E740481C1C}">
+                  <a14:useLocalDpi xmlns:a14="http://schemas.microsoft.com/office/drawing/2010/main" val="0"/>
+                </a:ext>
+              </a:extLst>
+            </a:blip>
+            <a:srcRect/>
+            <a:stretch>
+              <a:fillRect/>
+            </a:stretch>
+          </p:blipFill>
+          <p:spPr bwMode="auto">
+            <a:xfrm>
+              <a:off x="960768" y="1516972"/>
+              <a:ext cx="600026" cy="600026"/>
+            </a:xfrm>
+            <a:prstGeom prst="rect">
+              <a:avLst/>
+            </a:prstGeom>
+            <a:noFill/>
+            <a:extLst>
+              <a:ext uri="{909E8E84-426E-40DD-AFC4-6F175D3DCCD1}">
+                <a14:hiddenFill xmlns:a14="http://schemas.microsoft.com/office/drawing/2010/main">
+                  <a:solidFill>
+                    <a:srgbClr val="FFFFFF"/>
+                  </a:solidFill>
+                </a14:hiddenFill>
+              </a:ext>
+            </a:extLst>
+          </p:spPr>
+        </p:pic>
+      </p:grpSp>
+      <p:cxnSp>
+        <p:nvCxnSpPr>
+          <p:cNvPr id="1108" name="Straight Arrow Connector 1107">
+            <a:extLst>
+              <a:ext uri="{FF2B5EF4-FFF2-40B4-BE49-F238E27FC236}">
+                <a16:creationId xmlns:a16="http://schemas.microsoft.com/office/drawing/2014/main" id="{C8A35B73-D498-B8DE-AFDD-D66C991B5CBF}"/>
+              </a:ext>
+            </a:extLst>
+          </p:cNvPr>
+          <p:cNvCxnSpPr>
+            <a:cxnSpLocks/>
+            <a:stCxn id="1043" idx="3"/>
+            <a:endCxn id="3" idx="3"/>
+          </p:cNvCxnSpPr>
+          <p:nvPr/>
+        </p:nvCxnSpPr>
+        <p:spPr>
+          <a:xfrm flipH="1">
+            <a:off x="2782145" y="3889518"/>
+            <a:ext cx="1750911" cy="535399"/>
+          </a:xfrm>
+          <a:prstGeom prst="straightConnector1">
+            <a:avLst/>
+          </a:prstGeom>
+          <a:ln>
+            <a:tailEnd type="triangle"/>
+          </a:ln>
+        </p:spPr>
+        <p:style>
+          <a:lnRef idx="1">
+            <a:schemeClr val="accent1"/>
+          </a:lnRef>
+          <a:fillRef idx="0">
+            <a:schemeClr val="accent1"/>
+          </a:fillRef>
+          <a:effectRef idx="0">
+            <a:schemeClr val="accent1"/>
+          </a:effectRef>
+          <a:fontRef idx="minor">
+            <a:schemeClr val="tx1"/>
+          </a:fontRef>
+        </p:style>
+      </p:cxnSp>
+      <p:cxnSp>
+        <p:nvCxnSpPr>
+          <p:cNvPr id="1111" name="Straight Arrow Connector 1110">
+            <a:extLst>
+              <a:ext uri="{FF2B5EF4-FFF2-40B4-BE49-F238E27FC236}">
+                <a16:creationId xmlns:a16="http://schemas.microsoft.com/office/drawing/2014/main" id="{367CA385-D4C2-CF4D-BADB-29B8355A9BF9}"/>
+              </a:ext>
+            </a:extLst>
+          </p:cNvPr>
+          <p:cNvCxnSpPr>
+            <a:cxnSpLocks/>
+            <a:stCxn id="1103" idx="3"/>
+            <a:endCxn id="3" idx="3"/>
+          </p:cNvCxnSpPr>
+          <p:nvPr/>
+        </p:nvCxnSpPr>
+        <p:spPr>
+          <a:xfrm flipH="1" flipV="1">
+            <a:off x="2782145" y="4424917"/>
+            <a:ext cx="1700314" cy="440573"/>
+          </a:xfrm>
+          <a:prstGeom prst="straightConnector1">
+            <a:avLst/>
+          </a:prstGeom>
+          <a:ln>
+            <a:tailEnd type="triangle"/>
+          </a:ln>
+        </p:spPr>
+        <p:style>
+          <a:lnRef idx="1">
+            <a:schemeClr val="accent1"/>
+          </a:lnRef>
+          <a:fillRef idx="0">
+            <a:schemeClr val="accent1"/>
+          </a:fillRef>
+          <a:effectRef idx="0">
+            <a:schemeClr val="accent1"/>
+          </a:effectRef>
+          <a:fontRef idx="minor">
+            <a:schemeClr val="tx1"/>
+          </a:fontRef>
+        </p:style>
+      </p:cxnSp>
+      <p:sp>
+        <p:nvSpPr>
+          <p:cNvPr id="1114" name="TextBox 1113">
+            <a:extLst>
+              <a:ext uri="{FF2B5EF4-FFF2-40B4-BE49-F238E27FC236}">
+                <a16:creationId xmlns:a16="http://schemas.microsoft.com/office/drawing/2014/main" id="{2DA70EF3-FF2E-27C5-1515-8ADFB27F71B9}"/>
+              </a:ext>
+            </a:extLst>
+          </p:cNvPr>
+          <p:cNvSpPr txBox="1"/>
+          <p:nvPr/>
+        </p:nvSpPr>
+        <p:spPr>
+          <a:xfrm flipH="1">
+            <a:off x="3625011" y="4232887"/>
+            <a:ext cx="1499197" cy="307777"/>
+          </a:xfrm>
+          <a:prstGeom prst="rect">
+            <a:avLst/>
+          </a:prstGeom>
+          <a:noFill/>
+        </p:spPr>
+        <p:txBody>
+          <a:bodyPr wrap="square" rtlCol="0">
+            <a:spAutoFit/>
+          </a:bodyPr>
+          <a:lstStyle/>
+          <a:p>
+            <a:pPr algn="ctr"/>
+            <a:r>
+              <a:rPr lang="en-US" sz="1400" dirty="0"/>
+              <a:t>Interact</a:t>
+            </a:r>
+          </a:p>
+        </p:txBody>
+      </p:sp>
+      <p:cxnSp>
+        <p:nvCxnSpPr>
+          <p:cNvPr id="1121" name="Connector: Elbow 1120">
+            <a:extLst>
+              <a:ext uri="{FF2B5EF4-FFF2-40B4-BE49-F238E27FC236}">
+                <a16:creationId xmlns:a16="http://schemas.microsoft.com/office/drawing/2014/main" id="{D907D4A7-DBF6-A8EC-C802-4ABC001EA69C}"/>
+              </a:ext>
+            </a:extLst>
+          </p:cNvPr>
+          <p:cNvCxnSpPr>
+            <a:cxnSpLocks/>
+            <a:stCxn id="1124" idx="3"/>
+            <a:endCxn id="1126" idx="3"/>
+          </p:cNvCxnSpPr>
+          <p:nvPr/>
+        </p:nvCxnSpPr>
+        <p:spPr>
+          <a:xfrm>
+            <a:off x="6118478" y="4232467"/>
+            <a:ext cx="12700" cy="4064737"/>
+          </a:xfrm>
+          <a:prstGeom prst="bentConnector3">
+            <a:avLst>
+              <a:gd name="adj1" fmla="val 4300000"/>
+            </a:avLst>
+          </a:prstGeom>
+          <a:ln>
+            <a:tailEnd type="triangle"/>
+          </a:ln>
+        </p:spPr>
+        <p:style>
+          <a:lnRef idx="1">
+            <a:schemeClr val="accent1"/>
+          </a:lnRef>
+          <a:fillRef idx="0">
+            <a:schemeClr val="accent1"/>
+          </a:fillRef>
+          <a:effectRef idx="0">
+            <a:schemeClr val="accent1"/>
+          </a:effectRef>
+          <a:fontRef idx="minor">
+            <a:schemeClr val="tx1"/>
+          </a:fontRef>
+        </p:style>
+      </p:cxnSp>
+      <p:sp>
+        <p:nvSpPr>
+          <p:cNvPr id="1124" name="Rectangle 1123">
+            <a:extLst>
+              <a:ext uri="{FF2B5EF4-FFF2-40B4-BE49-F238E27FC236}">
+                <a16:creationId xmlns:a16="http://schemas.microsoft.com/office/drawing/2014/main" id="{5765079D-AF5F-F741-B26D-35204E3AA4AD}"/>
+              </a:ext>
+            </a:extLst>
+          </p:cNvPr>
+          <p:cNvSpPr/>
+          <p:nvPr/>
+        </p:nvSpPr>
+        <p:spPr>
+          <a:xfrm>
+            <a:off x="6035562" y="3445556"/>
+            <a:ext cx="82916" cy="1573822"/>
+          </a:xfrm>
+          <a:prstGeom prst="rect">
+            <a:avLst/>
+          </a:prstGeom>
+          <a:noFill/>
+        </p:spPr>
+        <p:style>
+          <a:lnRef idx="2">
+            <a:schemeClr val="accent1">
+              <a:shade val="15000"/>
+            </a:schemeClr>
+          </a:lnRef>
+          <a:fillRef idx="1">
+            <a:schemeClr val="accent1"/>
+          </a:fillRef>
+          <a:effectRef idx="0">
+            <a:schemeClr val="accent1"/>
+          </a:effectRef>
+          <a:fontRef idx="minor">
+            <a:schemeClr val="lt1"/>
+          </a:fontRef>
+        </p:style>
+        <p:txBody>
+          <a:bodyPr rtlCol="0" anchor="ctr"/>
+          <a:lstStyle/>
+          <a:p>
+            <a:pPr algn="ctr"/>
+            <a:endParaRPr lang="en-US" sz="1050" dirty="0">
+              <a:solidFill>
+                <a:schemeClr val="tx1"/>
+              </a:solidFill>
+            </a:endParaRPr>
+          </a:p>
+        </p:txBody>
+      </p:sp>
+      <p:sp>
+        <p:nvSpPr>
+          <p:cNvPr id="1126" name="Rectangle 1125">
+            <a:extLst>
+              <a:ext uri="{FF2B5EF4-FFF2-40B4-BE49-F238E27FC236}">
+                <a16:creationId xmlns:a16="http://schemas.microsoft.com/office/drawing/2014/main" id="{1FA91553-5395-DC51-0DE0-61CD1D8A2078}"/>
+              </a:ext>
+            </a:extLst>
+          </p:cNvPr>
+          <p:cNvSpPr/>
+          <p:nvPr/>
+        </p:nvSpPr>
+        <p:spPr>
+          <a:xfrm>
+            <a:off x="6035561" y="8001901"/>
+            <a:ext cx="82917" cy="590606"/>
+          </a:xfrm>
+          <a:prstGeom prst="rect">
+            <a:avLst/>
+          </a:prstGeom>
+          <a:noFill/>
+        </p:spPr>
+        <p:style>
+          <a:lnRef idx="2">
+            <a:schemeClr val="accent1">
+              <a:shade val="15000"/>
+            </a:schemeClr>
+          </a:lnRef>
+          <a:fillRef idx="1">
+            <a:schemeClr val="accent1"/>
+          </a:fillRef>
+          <a:effectRef idx="0">
+            <a:schemeClr val="accent1"/>
+          </a:effectRef>
+          <a:fontRef idx="minor">
+            <a:schemeClr val="lt1"/>
+          </a:fontRef>
+        </p:style>
+        <p:txBody>
+          <a:bodyPr rtlCol="0" anchor="ctr"/>
+          <a:lstStyle/>
+          <a:p>
+            <a:pPr algn="ctr"/>
+            <a:endParaRPr lang="en-US" sz="1050" dirty="0">
+              <a:solidFill>
+                <a:schemeClr val="tx1"/>
+              </a:solidFill>
+            </a:endParaRPr>
+          </a:p>
+        </p:txBody>
+      </p:sp>
+      <p:sp>
+        <p:nvSpPr>
+          <p:cNvPr id="1135" name="TextBox 1134">
+            <a:extLst>
+              <a:ext uri="{FF2B5EF4-FFF2-40B4-BE49-F238E27FC236}">
+                <a16:creationId xmlns:a16="http://schemas.microsoft.com/office/drawing/2014/main" id="{C3668FB7-70CD-BD56-748C-0B61F7699925}"/>
+              </a:ext>
+            </a:extLst>
+          </p:cNvPr>
+          <p:cNvSpPr txBox="1"/>
+          <p:nvPr/>
+        </p:nvSpPr>
+        <p:spPr>
+          <a:xfrm flipH="1">
+            <a:off x="5451542" y="6056759"/>
+            <a:ext cx="1039871" cy="307777"/>
+          </a:xfrm>
+          <a:prstGeom prst="rect">
+            <a:avLst/>
+          </a:prstGeom>
+          <a:noFill/>
+        </p:spPr>
+        <p:txBody>
+          <a:bodyPr wrap="square" rtlCol="0">
+            <a:spAutoFit/>
+          </a:bodyPr>
+          <a:lstStyle/>
+          <a:p>
+            <a:pPr algn="ctr"/>
+            <a:r>
+              <a:rPr lang="en-US" sz="1400" dirty="0"/>
+              <a:t>Interact</a:t>
+            </a:r>
+          </a:p>
+        </p:txBody>
+      </p:sp>
+      <p:sp>
+        <p:nvSpPr>
+          <p:cNvPr id="1137" name="Rectangle 1136">
+            <a:extLst>
+              <a:ext uri="{FF2B5EF4-FFF2-40B4-BE49-F238E27FC236}">
+                <a16:creationId xmlns:a16="http://schemas.microsoft.com/office/drawing/2014/main" id="{1D14A0C3-5EBD-967C-EBDD-44FFF40AC72D}"/>
+              </a:ext>
+            </a:extLst>
+          </p:cNvPr>
+          <p:cNvSpPr/>
+          <p:nvPr/>
+        </p:nvSpPr>
+        <p:spPr>
+          <a:xfrm>
+            <a:off x="1597573" y="7098121"/>
+            <a:ext cx="168207" cy="112537"/>
+          </a:xfrm>
+          <a:prstGeom prst="rect">
+            <a:avLst/>
+          </a:prstGeom>
+          <a:noFill/>
+        </p:spPr>
+        <p:style>
+          <a:lnRef idx="2">
+            <a:schemeClr val="accent1">
+              <a:shade val="15000"/>
+            </a:schemeClr>
+          </a:lnRef>
+          <a:fillRef idx="1">
+            <a:schemeClr val="accent1"/>
+          </a:fillRef>
+          <a:effectRef idx="0">
+            <a:schemeClr val="accent1"/>
+          </a:effectRef>
+          <a:fontRef idx="minor">
+            <a:schemeClr val="lt1"/>
+          </a:fontRef>
+        </p:style>
+        <p:txBody>
+          <a:bodyPr rtlCol="0" anchor="ctr"/>
+          <a:lstStyle/>
+          <a:p>
+            <a:pPr algn="ctr"/>
+            <a:endParaRPr lang="en-US" sz="1050" dirty="0">
+              <a:solidFill>
+                <a:schemeClr val="tx1"/>
+              </a:solidFill>
+            </a:endParaRPr>
+          </a:p>
+        </p:txBody>
+      </p:sp>
+      <p:sp>
+        <p:nvSpPr>
+          <p:cNvPr id="1138" name="Rectangle 1137">
+            <a:extLst>
+              <a:ext uri="{FF2B5EF4-FFF2-40B4-BE49-F238E27FC236}">
+                <a16:creationId xmlns:a16="http://schemas.microsoft.com/office/drawing/2014/main" id="{F3BC8843-C1D5-9829-E7DE-284B65FF2CA0}"/>
+              </a:ext>
+            </a:extLst>
+          </p:cNvPr>
+          <p:cNvSpPr/>
+          <p:nvPr/>
+        </p:nvSpPr>
+        <p:spPr>
+          <a:xfrm>
+            <a:off x="2313531" y="7085421"/>
+            <a:ext cx="226196" cy="136050"/>
+          </a:xfrm>
+          <a:prstGeom prst="rect">
+            <a:avLst/>
+          </a:prstGeom>
+          <a:noFill/>
+        </p:spPr>
+        <p:style>
+          <a:lnRef idx="2">
+            <a:schemeClr val="accent1">
+              <a:shade val="15000"/>
+            </a:schemeClr>
+          </a:lnRef>
+          <a:fillRef idx="1">
+            <a:schemeClr val="accent1"/>
+          </a:fillRef>
+          <a:effectRef idx="0">
+            <a:schemeClr val="accent1"/>
+          </a:effectRef>
+          <a:fontRef idx="minor">
+            <a:schemeClr val="lt1"/>
+          </a:fontRef>
+        </p:style>
+        <p:txBody>
+          <a:bodyPr rtlCol="0" anchor="ctr"/>
+          <a:lstStyle/>
+          <a:p>
+            <a:pPr algn="ctr"/>
+            <a:endParaRPr lang="en-US" sz="1050" dirty="0">
+              <a:solidFill>
+                <a:schemeClr val="tx1"/>
+              </a:solidFill>
+            </a:endParaRPr>
+          </a:p>
+        </p:txBody>
+      </p:sp>
+      <p:cxnSp>
+        <p:nvCxnSpPr>
+          <p:cNvPr id="1139" name="Connector: Elbow 1138">
+            <a:extLst>
+              <a:ext uri="{FF2B5EF4-FFF2-40B4-BE49-F238E27FC236}">
+                <a16:creationId xmlns:a16="http://schemas.microsoft.com/office/drawing/2014/main" id="{54C52B68-6750-4E51-7AD4-046626A38C1C}"/>
+              </a:ext>
+            </a:extLst>
+          </p:cNvPr>
+          <p:cNvCxnSpPr>
+            <a:cxnSpLocks/>
+            <a:stCxn id="1072" idx="1"/>
+            <a:endCxn id="1138" idx="0"/>
+          </p:cNvCxnSpPr>
+          <p:nvPr/>
+        </p:nvCxnSpPr>
+        <p:spPr>
+          <a:xfrm rot="10800000" flipV="1">
+            <a:off x="2426630" y="6678199"/>
+            <a:ext cx="1002371" cy="407221"/>
+          </a:xfrm>
+          <a:prstGeom prst="bentConnector2">
+            <a:avLst/>
+          </a:prstGeom>
+          <a:ln>
+            <a:tailEnd type="triangle"/>
+          </a:ln>
+        </p:spPr>
+        <p:style>
+          <a:lnRef idx="1">
+            <a:schemeClr val="accent1"/>
+          </a:lnRef>
+          <a:fillRef idx="0">
+            <a:schemeClr val="accent1"/>
+          </a:fillRef>
+          <a:effectRef idx="0">
+            <a:schemeClr val="accent1"/>
+          </a:effectRef>
+          <a:fontRef idx="minor">
+            <a:schemeClr val="tx1"/>
+          </a:fontRef>
+        </p:style>
+      </p:cxnSp>
+      <p:cxnSp>
+        <p:nvCxnSpPr>
+          <p:cNvPr id="1142" name="Connector: Elbow 1141">
+            <a:extLst>
+              <a:ext uri="{FF2B5EF4-FFF2-40B4-BE49-F238E27FC236}">
+                <a16:creationId xmlns:a16="http://schemas.microsoft.com/office/drawing/2014/main" id="{431D23D2-51D9-10AB-78B4-CF830D9FD444}"/>
+              </a:ext>
+            </a:extLst>
+          </p:cNvPr>
+          <p:cNvCxnSpPr>
+            <a:cxnSpLocks/>
+            <a:stCxn id="1056" idx="2"/>
+            <a:endCxn id="1137" idx="0"/>
+          </p:cNvCxnSpPr>
+          <p:nvPr/>
+        </p:nvCxnSpPr>
+        <p:spPr>
+          <a:xfrm rot="16200000" flipH="1">
+            <a:off x="627968" y="6044411"/>
+            <a:ext cx="1089063" cy="1018355"/>
+          </a:xfrm>
+          <a:prstGeom prst="bentConnector3">
+            <a:avLst>
+              <a:gd name="adj1" fmla="val 50000"/>
+            </a:avLst>
+          </a:prstGeom>
+          <a:ln>
+            <a:tailEnd type="triangle"/>
+          </a:ln>
+        </p:spPr>
+        <p:style>
+          <a:lnRef idx="1">
+            <a:schemeClr val="accent1"/>
+          </a:lnRef>
+          <a:fillRef idx="0">
+            <a:schemeClr val="accent1"/>
+          </a:fillRef>
+          <a:effectRef idx="0">
+            <a:schemeClr val="accent1"/>
+          </a:effectRef>
+          <a:fontRef idx="minor">
+            <a:schemeClr val="tx1"/>
+          </a:fontRef>
+        </p:style>
+      </p:cxnSp>
+      <p:sp>
+        <p:nvSpPr>
+          <p:cNvPr id="1150" name="Oval 1149">
+            <a:extLst>
+              <a:ext uri="{FF2B5EF4-FFF2-40B4-BE49-F238E27FC236}">
+                <a16:creationId xmlns:a16="http://schemas.microsoft.com/office/drawing/2014/main" id="{829FA863-9D5D-1779-63D6-0E1A20F13A6C}"/>
+              </a:ext>
+            </a:extLst>
+          </p:cNvPr>
+          <p:cNvSpPr/>
+          <p:nvPr/>
+        </p:nvSpPr>
+        <p:spPr>
+          <a:xfrm>
+            <a:off x="410054" y="3035195"/>
+            <a:ext cx="390144" cy="390144"/>
+          </a:xfrm>
+          <a:prstGeom prst="ellipse">
+            <a:avLst/>
+          </a:prstGeom>
+        </p:spPr>
+        <p:style>
+          <a:lnRef idx="2">
+            <a:schemeClr val="accent1">
+              <a:shade val="15000"/>
+            </a:schemeClr>
+          </a:lnRef>
+          <a:fillRef idx="1">
+            <a:schemeClr val="accent1"/>
+          </a:fillRef>
+          <a:effectRef idx="0">
+            <a:schemeClr val="accent1"/>
+          </a:effectRef>
+          <a:fontRef idx="minor">
+            <a:schemeClr val="lt1"/>
+          </a:fontRef>
+        </p:style>
+        <p:txBody>
+          <a:bodyPr rtlCol="0" anchor="ctr"/>
+          <a:lstStyle/>
+          <a:p>
+            <a:pPr algn="ctr"/>
+            <a:r>
+              <a:rPr lang="en-US" dirty="0"/>
+              <a:t>2</a:t>
+            </a:r>
+          </a:p>
+        </p:txBody>
+      </p:sp>
+      <p:sp>
+        <p:nvSpPr>
+          <p:cNvPr id="1151" name="Oval 1150">
+            <a:extLst>
+              <a:ext uri="{FF2B5EF4-FFF2-40B4-BE49-F238E27FC236}">
+                <a16:creationId xmlns:a16="http://schemas.microsoft.com/office/drawing/2014/main" id="{432EF3A8-1CE2-288B-C598-106E5D4EEDF1}"/>
+              </a:ext>
+            </a:extLst>
+          </p:cNvPr>
+          <p:cNvSpPr/>
+          <p:nvPr/>
+        </p:nvSpPr>
+        <p:spPr>
+          <a:xfrm>
+            <a:off x="1464834" y="5132270"/>
+            <a:ext cx="390144" cy="390144"/>
+          </a:xfrm>
+          <a:prstGeom prst="ellipse">
+            <a:avLst/>
+          </a:prstGeom>
+        </p:spPr>
+        <p:style>
+          <a:lnRef idx="2">
+            <a:schemeClr val="accent1">
+              <a:shade val="15000"/>
+            </a:schemeClr>
+          </a:lnRef>
+          <a:fillRef idx="1">
+            <a:schemeClr val="accent1"/>
+          </a:fillRef>
+          <a:effectRef idx="0">
+            <a:schemeClr val="accent1"/>
+          </a:effectRef>
+          <a:fontRef idx="minor">
+            <a:schemeClr val="lt1"/>
+          </a:fontRef>
+        </p:style>
+        <p:txBody>
+          <a:bodyPr rtlCol="0" anchor="ctr"/>
+          <a:lstStyle/>
+          <a:p>
+            <a:pPr algn="ctr"/>
+            <a:r>
+              <a:rPr lang="en-US" dirty="0"/>
+              <a:t>3</a:t>
+            </a:r>
+          </a:p>
+        </p:txBody>
+      </p:sp>
+      <p:sp>
+        <p:nvSpPr>
+          <p:cNvPr id="1152" name="Oval 1151">
+            <a:extLst>
+              <a:ext uri="{FF2B5EF4-FFF2-40B4-BE49-F238E27FC236}">
+                <a16:creationId xmlns:a16="http://schemas.microsoft.com/office/drawing/2014/main" id="{7C93AB69-BA9F-B02C-C2CA-0DE1C897868F}"/>
+              </a:ext>
+            </a:extLst>
+          </p:cNvPr>
+          <p:cNvSpPr/>
+          <p:nvPr/>
+        </p:nvSpPr>
+        <p:spPr>
+          <a:xfrm>
+            <a:off x="3279573" y="5132270"/>
+            <a:ext cx="390144" cy="390144"/>
+          </a:xfrm>
+          <a:prstGeom prst="ellipse">
+            <a:avLst/>
+          </a:prstGeom>
+        </p:spPr>
+        <p:style>
+          <a:lnRef idx="2">
+            <a:schemeClr val="accent1">
+              <a:shade val="15000"/>
+            </a:schemeClr>
+          </a:lnRef>
+          <a:fillRef idx="1">
+            <a:schemeClr val="accent1"/>
+          </a:fillRef>
+          <a:effectRef idx="0">
+            <a:schemeClr val="accent1"/>
+          </a:effectRef>
+          <a:fontRef idx="minor">
+            <a:schemeClr val="lt1"/>
+          </a:fontRef>
+        </p:style>
+        <p:txBody>
+          <a:bodyPr rtlCol="0" anchor="ctr"/>
+          <a:lstStyle/>
+          <a:p>
+            <a:pPr algn="ctr"/>
+            <a:r>
+              <a:rPr lang="en-US" dirty="0"/>
+              <a:t>3</a:t>
+            </a:r>
+          </a:p>
+        </p:txBody>
+      </p:sp>
+      <p:sp>
+        <p:nvSpPr>
+          <p:cNvPr id="1153" name="Oval 1152">
+            <a:extLst>
+              <a:ext uri="{FF2B5EF4-FFF2-40B4-BE49-F238E27FC236}">
+                <a16:creationId xmlns:a16="http://schemas.microsoft.com/office/drawing/2014/main" id="{D3EF5E44-E553-2088-178D-31F9101FF57E}"/>
+              </a:ext>
+            </a:extLst>
+          </p:cNvPr>
+          <p:cNvSpPr/>
+          <p:nvPr/>
+        </p:nvSpPr>
+        <p:spPr>
+          <a:xfrm>
+            <a:off x="800198" y="8512027"/>
+            <a:ext cx="390144" cy="390144"/>
+          </a:xfrm>
+          <a:prstGeom prst="ellipse">
+            <a:avLst/>
+          </a:prstGeom>
+        </p:spPr>
+        <p:style>
+          <a:lnRef idx="2">
+            <a:schemeClr val="accent1">
+              <a:shade val="15000"/>
+            </a:schemeClr>
+          </a:lnRef>
+          <a:fillRef idx="1">
+            <a:schemeClr val="accent1"/>
+          </a:fillRef>
+          <a:effectRef idx="0">
+            <a:schemeClr val="accent1"/>
+          </a:effectRef>
+          <a:fontRef idx="minor">
+            <a:schemeClr val="lt1"/>
+          </a:fontRef>
+        </p:style>
+        <p:txBody>
+          <a:bodyPr rtlCol="0" anchor="ctr"/>
+          <a:lstStyle/>
+          <a:p>
+            <a:pPr algn="ctr"/>
+            <a:r>
+              <a:rPr lang="en-US" dirty="0"/>
+              <a:t>4</a:t>
+            </a:r>
+          </a:p>
+        </p:txBody>
+      </p:sp>
+      <p:sp>
+        <p:nvSpPr>
+          <p:cNvPr id="1154" name="Oval 1153">
+            <a:extLst>
+              <a:ext uri="{FF2B5EF4-FFF2-40B4-BE49-F238E27FC236}">
+                <a16:creationId xmlns:a16="http://schemas.microsoft.com/office/drawing/2014/main" id="{0C0F8C7A-2711-897D-D25E-B3D74047422E}"/>
+              </a:ext>
+            </a:extLst>
+          </p:cNvPr>
+          <p:cNvSpPr/>
+          <p:nvPr/>
+        </p:nvSpPr>
+        <p:spPr>
+          <a:xfrm>
+            <a:off x="2496324" y="8512027"/>
+            <a:ext cx="390144" cy="390144"/>
+          </a:xfrm>
+          <a:prstGeom prst="ellipse">
+            <a:avLst/>
+          </a:prstGeom>
+        </p:spPr>
+        <p:style>
+          <a:lnRef idx="2">
+            <a:schemeClr val="accent1">
+              <a:shade val="15000"/>
+            </a:schemeClr>
+          </a:lnRef>
+          <a:fillRef idx="1">
+            <a:schemeClr val="accent1"/>
+          </a:fillRef>
+          <a:effectRef idx="0">
+            <a:schemeClr val="accent1"/>
+          </a:effectRef>
+          <a:fontRef idx="minor">
+            <a:schemeClr val="lt1"/>
+          </a:fontRef>
+        </p:style>
+        <p:txBody>
+          <a:bodyPr rtlCol="0" anchor="ctr"/>
+          <a:lstStyle/>
+          <a:p>
+            <a:pPr algn="ctr"/>
+            <a:r>
+              <a:rPr lang="en-US" dirty="0"/>
+              <a:t>5</a:t>
+            </a:r>
+          </a:p>
+        </p:txBody>
+      </p:sp>
+      <p:sp>
+        <p:nvSpPr>
+          <p:cNvPr id="1155" name="Oval 1154">
+            <a:extLst>
+              <a:ext uri="{FF2B5EF4-FFF2-40B4-BE49-F238E27FC236}">
+                <a16:creationId xmlns:a16="http://schemas.microsoft.com/office/drawing/2014/main" id="{361D0874-7662-1628-9291-41527F97A786}"/>
+              </a:ext>
+            </a:extLst>
+          </p:cNvPr>
+          <p:cNvSpPr/>
+          <p:nvPr/>
+        </p:nvSpPr>
+        <p:spPr>
+          <a:xfrm>
+            <a:off x="1848921" y="6491665"/>
+            <a:ext cx="390144" cy="390144"/>
+          </a:xfrm>
+          <a:prstGeom prst="ellipse">
+            <a:avLst/>
+          </a:prstGeom>
+        </p:spPr>
+        <p:style>
+          <a:lnRef idx="2">
+            <a:schemeClr val="accent1">
+              <a:shade val="15000"/>
+            </a:schemeClr>
+          </a:lnRef>
+          <a:fillRef idx="1">
+            <a:schemeClr val="accent1"/>
+          </a:fillRef>
+          <a:effectRef idx="0">
+            <a:schemeClr val="accent1"/>
+          </a:effectRef>
+          <a:fontRef idx="minor">
+            <a:schemeClr val="lt1"/>
+          </a:fontRef>
+        </p:style>
+        <p:txBody>
+          <a:bodyPr rtlCol="0" anchor="ctr"/>
+          <a:lstStyle/>
+          <a:p>
+            <a:pPr algn="ctr"/>
+            <a:r>
+              <a:rPr lang="en-US" dirty="0"/>
+              <a:t>6</a:t>
+            </a:r>
+          </a:p>
+        </p:txBody>
+      </p:sp>
+      <p:sp>
+        <p:nvSpPr>
+          <p:cNvPr id="1157" name="Oval 1156">
+            <a:extLst>
+              <a:ext uri="{FF2B5EF4-FFF2-40B4-BE49-F238E27FC236}">
+                <a16:creationId xmlns:a16="http://schemas.microsoft.com/office/drawing/2014/main" id="{A8693B2A-D5B7-6AF9-6355-F8ACDF41E83D}"/>
+              </a:ext>
+            </a:extLst>
+          </p:cNvPr>
+          <p:cNvSpPr/>
+          <p:nvPr/>
+        </p:nvSpPr>
+        <p:spPr>
+          <a:xfrm>
+            <a:off x="6166458" y="6288055"/>
+            <a:ext cx="390144" cy="390144"/>
+          </a:xfrm>
+          <a:prstGeom prst="ellipse">
+            <a:avLst/>
+          </a:prstGeom>
+        </p:spPr>
+        <p:style>
+          <a:lnRef idx="2">
+            <a:schemeClr val="accent2">
+              <a:shade val="15000"/>
+            </a:schemeClr>
+          </a:lnRef>
+          <a:fillRef idx="1">
+            <a:schemeClr val="accent2"/>
+          </a:fillRef>
+          <a:effectRef idx="0">
+            <a:schemeClr val="accent2"/>
+          </a:effectRef>
+          <a:fontRef idx="minor">
+            <a:schemeClr val="lt1"/>
+          </a:fontRef>
+        </p:style>
+        <p:txBody>
+          <a:bodyPr rtlCol="0" anchor="ctr"/>
+          <a:lstStyle/>
+          <a:p>
+            <a:pPr algn="ctr"/>
+            <a:r>
+              <a:rPr lang="en-US" dirty="0"/>
+              <a:t>7</a:t>
+            </a:r>
+          </a:p>
+        </p:txBody>
+      </p:sp>
+    </p:spTree>
+    <p:extLst>
+      <p:ext uri="{BB962C8B-B14F-4D97-AF65-F5344CB8AC3E}">
+        <p14:creationId xmlns:p14="http://schemas.microsoft.com/office/powerpoint/2010/main" val="1888615419"/>
+      </p:ext>
+    </p:extLst>
+  </p:cSld>
+  <p:clrMapOvr>
+    <a:masterClrMapping/>
+  </p:clrMapOvr>
+</p:sld>
+</file>
+
 <file path=ppt/theme/theme1.xml><?xml version="1.0" encoding="utf-8"?>
 <a:theme xmlns:a="http://schemas.openxmlformats.org/drawingml/2006/main" name="Office Theme">
   <a:themeElements>
@@ -11482,4 +14070,24 @@
     </a:ext>
   </a:extLst>
 </a:theme>
+</file>
+
+<file path=ppt/webextensions/taskpanes.xml><?xml version="1.0" encoding="utf-8"?>
+<wetp:taskpanes xmlns:wetp="http://schemas.microsoft.com/office/webextensions/taskpanes/2010/11">
+  <wetp:taskpane dockstate="right" visibility="0" width="350" row="1">
+    <wetp:webextensionref xmlns:r="http://schemas.openxmlformats.org/officeDocument/2006/relationships" r:id="rId1"/>
+  </wetp:taskpane>
+</wetp:taskpanes>
+</file>
+
+<file path=ppt/webextensions/webextension1.xml><?xml version="1.0" encoding="utf-8"?>
+<we:webextension xmlns:we="http://schemas.microsoft.com/office/webextensions/webextension/2010/11" id="{38E3BA57-549E-46B5-A073-8C5B25B9E227}">
+  <we:reference id="wa200005669" version="2.0.0.0" store="en-US" storeType="OMEX"/>
+  <we:alternateReferences>
+    <we:reference id="wa200005669" version="2.0.0.0" store="wa200005669" storeType="OMEX"/>
+  </we:alternateReferences>
+  <we:properties/>
+  <we:bindings/>
+  <we:snapshot xmlns:r="http://schemas.openxmlformats.org/officeDocument/2006/relationships"/>
+</we:webextension>
 </file>
--- a/general-tech-figures.pptx
+++ b/general-tech-figures.pptx
@@ -13,6 +13,7 @@
     <p:sldId id="261" r:id="rId7"/>
     <p:sldId id="262" r:id="rId8"/>
     <p:sldId id="263" r:id="rId9"/>
+    <p:sldId id="264" r:id="rId10"/>
   </p:sldIdLst>
   <p:sldSz cx="6858000" cy="9144000" type="letter"/>
   <p:notesSz cx="6858000" cy="9144000"/>
@@ -261,7 +262,7 @@
           <a:p>
             <a:fld id="{BFBBFCFE-809B-4AE5-92DC-0D51595F6FEA}" type="datetimeFigureOut">
               <a:rPr lang="en-US" smtClean="0"/>
-              <a:t>9/8/2024</a:t>
+              <a:t>9/19/2024</a:t>
             </a:fld>
             <a:endParaRPr lang="en-US"/>
           </a:p>
@@ -431,7 +432,7 @@
           <a:p>
             <a:fld id="{BFBBFCFE-809B-4AE5-92DC-0D51595F6FEA}" type="datetimeFigureOut">
               <a:rPr lang="en-US" smtClean="0"/>
-              <a:t>9/8/2024</a:t>
+              <a:t>9/19/2024</a:t>
             </a:fld>
             <a:endParaRPr lang="en-US"/>
           </a:p>
@@ -611,7 +612,7 @@
           <a:p>
             <a:fld id="{BFBBFCFE-809B-4AE5-92DC-0D51595F6FEA}" type="datetimeFigureOut">
               <a:rPr lang="en-US" smtClean="0"/>
-              <a:t>9/8/2024</a:t>
+              <a:t>9/19/2024</a:t>
             </a:fld>
             <a:endParaRPr lang="en-US"/>
           </a:p>
@@ -781,7 +782,7 @@
           <a:p>
             <a:fld id="{BFBBFCFE-809B-4AE5-92DC-0D51595F6FEA}" type="datetimeFigureOut">
               <a:rPr lang="en-US" smtClean="0"/>
-              <a:t>9/8/2024</a:t>
+              <a:t>9/19/2024</a:t>
             </a:fld>
             <a:endParaRPr lang="en-US"/>
           </a:p>
@@ -1025,7 +1026,7 @@
           <a:p>
             <a:fld id="{BFBBFCFE-809B-4AE5-92DC-0D51595F6FEA}" type="datetimeFigureOut">
               <a:rPr lang="en-US" smtClean="0"/>
-              <a:t>9/8/2024</a:t>
+              <a:t>9/19/2024</a:t>
             </a:fld>
             <a:endParaRPr lang="en-US"/>
           </a:p>
@@ -1257,7 +1258,7 @@
           <a:p>
             <a:fld id="{BFBBFCFE-809B-4AE5-92DC-0D51595F6FEA}" type="datetimeFigureOut">
               <a:rPr lang="en-US" smtClean="0"/>
-              <a:t>9/8/2024</a:t>
+              <a:t>9/19/2024</a:t>
             </a:fld>
             <a:endParaRPr lang="en-US"/>
           </a:p>
@@ -1624,7 +1625,7 @@
           <a:p>
             <a:fld id="{BFBBFCFE-809B-4AE5-92DC-0D51595F6FEA}" type="datetimeFigureOut">
               <a:rPr lang="en-US" smtClean="0"/>
-              <a:t>9/8/2024</a:t>
+              <a:t>9/19/2024</a:t>
             </a:fld>
             <a:endParaRPr lang="en-US"/>
           </a:p>
@@ -1742,7 +1743,7 @@
           <a:p>
             <a:fld id="{BFBBFCFE-809B-4AE5-92DC-0D51595F6FEA}" type="datetimeFigureOut">
               <a:rPr lang="en-US" smtClean="0"/>
-              <a:t>9/8/2024</a:t>
+              <a:t>9/19/2024</a:t>
             </a:fld>
             <a:endParaRPr lang="en-US"/>
           </a:p>
@@ -1837,7 +1838,7 @@
           <a:p>
             <a:fld id="{BFBBFCFE-809B-4AE5-92DC-0D51595F6FEA}" type="datetimeFigureOut">
               <a:rPr lang="en-US" smtClean="0"/>
-              <a:t>9/8/2024</a:t>
+              <a:t>9/19/2024</a:t>
             </a:fld>
             <a:endParaRPr lang="en-US"/>
           </a:p>
@@ -2114,7 +2115,7 @@
           <a:p>
             <a:fld id="{BFBBFCFE-809B-4AE5-92DC-0D51595F6FEA}" type="datetimeFigureOut">
               <a:rPr lang="en-US" smtClean="0"/>
-              <a:t>9/8/2024</a:t>
+              <a:t>9/19/2024</a:t>
             </a:fld>
             <a:endParaRPr lang="en-US"/>
           </a:p>
@@ -2371,7 +2372,7 @@
           <a:p>
             <a:fld id="{BFBBFCFE-809B-4AE5-92DC-0D51595F6FEA}" type="datetimeFigureOut">
               <a:rPr lang="en-US" smtClean="0"/>
-              <a:t>9/8/2024</a:t>
+              <a:t>9/19/2024</a:t>
             </a:fld>
             <a:endParaRPr lang="en-US"/>
           </a:p>
@@ -2584,7 +2585,7 @@
           <a:p>
             <a:fld id="{BFBBFCFE-809B-4AE5-92DC-0D51595F6FEA}" type="datetimeFigureOut">
               <a:rPr lang="en-US" smtClean="0"/>
-              <a:t>9/8/2024</a:t>
+              <a:t>9/19/2024</a:t>
             </a:fld>
             <a:endParaRPr lang="en-US"/>
           </a:p>
@@ -13811,6 +13812,1116 @@
 </p:sld>
 </file>
 
+<file path=ppt/slides/slide9.xml><?xml version="1.0" encoding="utf-8"?>
+<p:sld xmlns:a="http://schemas.openxmlformats.org/drawingml/2006/main" xmlns:r="http://schemas.openxmlformats.org/officeDocument/2006/relationships" xmlns:p="http://schemas.openxmlformats.org/presentationml/2006/main">
+  <p:cSld>
+    <p:spTree>
+      <p:nvGrpSpPr>
+        <p:cNvPr id="1" name="">
+          <a:extLst>
+            <a:ext uri="{FF2B5EF4-FFF2-40B4-BE49-F238E27FC236}">
+              <a16:creationId xmlns:a16="http://schemas.microsoft.com/office/drawing/2014/main" id="{8FCDAC28-FA91-ADAB-20DA-CFCEE63067F4}"/>
+            </a:ext>
+          </a:extLst>
+        </p:cNvPr>
+        <p:cNvGrpSpPr/>
+        <p:nvPr/>
+      </p:nvGrpSpPr>
+      <p:grpSpPr>
+        <a:xfrm>
+          <a:off x="0" y="0"/>
+          <a:ext cx="0" cy="0"/>
+          <a:chOff x="0" y="0"/>
+          <a:chExt cx="0" cy="0"/>
+        </a:xfrm>
+      </p:grpSpPr>
+      <p:grpSp>
+        <p:nvGrpSpPr>
+          <p:cNvPr id="1066" name="Group 1065">
+            <a:extLst>
+              <a:ext uri="{FF2B5EF4-FFF2-40B4-BE49-F238E27FC236}">
+                <a16:creationId xmlns:a16="http://schemas.microsoft.com/office/drawing/2014/main" id="{CA5EB5F1-988A-5C01-A613-3B0373BCAED8}"/>
+              </a:ext>
+            </a:extLst>
+          </p:cNvPr>
+          <p:cNvGrpSpPr/>
+          <p:nvPr/>
+        </p:nvGrpSpPr>
+        <p:grpSpPr>
+          <a:xfrm>
+            <a:off x="406400" y="454276"/>
+            <a:ext cx="5335651" cy="7861123"/>
+            <a:chOff x="406400" y="454276"/>
+            <a:chExt cx="5335651" cy="7861123"/>
+          </a:xfrm>
+        </p:grpSpPr>
+        <p:sp>
+          <p:nvSpPr>
+            <p:cNvPr id="2" name="TextBox 1">
+              <a:extLst>
+                <a:ext uri="{FF2B5EF4-FFF2-40B4-BE49-F238E27FC236}">
+                  <a16:creationId xmlns:a16="http://schemas.microsoft.com/office/drawing/2014/main" id="{58A8E0F2-20D2-C64C-F325-9954C3B3F31E}"/>
+                </a:ext>
+              </a:extLst>
+            </p:cNvPr>
+            <p:cNvSpPr txBox="1"/>
+            <p:nvPr/>
+          </p:nvSpPr>
+          <p:spPr>
+            <a:xfrm flipH="1">
+              <a:off x="1115948" y="454276"/>
+              <a:ext cx="4626103" cy="338554"/>
+            </a:xfrm>
+            <a:prstGeom prst="rect">
+              <a:avLst/>
+            </a:prstGeom>
+            <a:noFill/>
+          </p:spPr>
+          <p:txBody>
+            <a:bodyPr wrap="square" rtlCol="0">
+              <a:spAutoFit/>
+            </a:bodyPr>
+            <a:lstStyle/>
+            <a:p>
+              <a:pPr algn="ctr"/>
+              <a:r>
+                <a:rPr lang="en-US" sz="1600" dirty="0"/>
+                <a:t>MS Copilot Wave 2: Birds eye view of Features</a:t>
+              </a:r>
+            </a:p>
+          </p:txBody>
+        </p:sp>
+        <p:sp>
+          <p:nvSpPr>
+            <p:cNvPr id="6" name="Rectangle: Rounded Corners 5">
+              <a:extLst>
+                <a:ext uri="{FF2B5EF4-FFF2-40B4-BE49-F238E27FC236}">
+                  <a16:creationId xmlns:a16="http://schemas.microsoft.com/office/drawing/2014/main" id="{831B309D-67C9-447C-1849-17D9244AE0B1}"/>
+                </a:ext>
+              </a:extLst>
+            </p:cNvPr>
+            <p:cNvSpPr/>
+            <p:nvPr/>
+          </p:nvSpPr>
+          <p:spPr>
+            <a:xfrm>
+              <a:off x="406400" y="4114800"/>
+              <a:ext cx="914400" cy="914400"/>
+            </a:xfrm>
+            <a:prstGeom prst="roundRect">
+              <a:avLst/>
+            </a:prstGeom>
+            <a:noFill/>
+          </p:spPr>
+          <p:style>
+            <a:lnRef idx="2">
+              <a:schemeClr val="accent1">
+                <a:shade val="15000"/>
+              </a:schemeClr>
+            </a:lnRef>
+            <a:fillRef idx="1">
+              <a:schemeClr val="accent1"/>
+            </a:fillRef>
+            <a:effectRef idx="0">
+              <a:schemeClr val="accent1"/>
+            </a:effectRef>
+            <a:fontRef idx="minor">
+              <a:schemeClr val="lt1"/>
+            </a:fontRef>
+          </p:style>
+          <p:txBody>
+            <a:bodyPr rtlCol="0" anchor="ctr"/>
+            <a:lstStyle/>
+            <a:p>
+              <a:pPr algn="ctr"/>
+              <a:r>
+                <a:rPr lang="en-US" sz="1400" dirty="0">
+                  <a:solidFill>
+                    <a:schemeClr val="tx1"/>
+                  </a:solidFill>
+                </a:rPr>
+                <a:t>CoPilot</a:t>
+              </a:r>
+            </a:p>
+            <a:p>
+              <a:pPr algn="ctr"/>
+              <a:r>
+                <a:rPr lang="en-US" sz="1400" dirty="0">
+                  <a:solidFill>
+                    <a:schemeClr val="tx1"/>
+                  </a:solidFill>
+                </a:rPr>
+                <a:t>Wave 2</a:t>
+              </a:r>
+            </a:p>
+          </p:txBody>
+        </p:sp>
+        <p:sp>
+          <p:nvSpPr>
+            <p:cNvPr id="8" name="Rectangle: Rounded Corners 7">
+              <a:extLst>
+                <a:ext uri="{FF2B5EF4-FFF2-40B4-BE49-F238E27FC236}">
+                  <a16:creationId xmlns:a16="http://schemas.microsoft.com/office/drawing/2014/main" id="{9EF70D48-9E86-F7B1-710C-D507CE504893}"/>
+                </a:ext>
+              </a:extLst>
+            </p:cNvPr>
+            <p:cNvSpPr/>
+            <p:nvPr/>
+          </p:nvSpPr>
+          <p:spPr>
+            <a:xfrm>
+              <a:off x="2002974" y="2207734"/>
+              <a:ext cx="1349826" cy="914400"/>
+            </a:xfrm>
+            <a:prstGeom prst="roundRect">
+              <a:avLst/>
+            </a:prstGeom>
+            <a:noFill/>
+          </p:spPr>
+          <p:style>
+            <a:lnRef idx="2">
+              <a:schemeClr val="accent1">
+                <a:shade val="15000"/>
+              </a:schemeClr>
+            </a:lnRef>
+            <a:fillRef idx="1">
+              <a:schemeClr val="accent1"/>
+            </a:fillRef>
+            <a:effectRef idx="0">
+              <a:schemeClr val="accent1"/>
+            </a:effectRef>
+            <a:fontRef idx="minor">
+              <a:schemeClr val="lt1"/>
+            </a:fontRef>
+          </p:style>
+          <p:txBody>
+            <a:bodyPr rtlCol="0" anchor="ctr"/>
+            <a:lstStyle/>
+            <a:p>
+              <a:pPr algn="ctr"/>
+              <a:r>
+                <a:rPr lang="en-US" sz="1400" dirty="0">
+                  <a:solidFill>
+                    <a:schemeClr val="tx1"/>
+                  </a:solidFill>
+                </a:rPr>
+                <a:t>(Biz)</a:t>
+              </a:r>
+            </a:p>
+            <a:p>
+              <a:pPr algn="ctr"/>
+              <a:r>
+                <a:rPr lang="en-US" sz="1400" dirty="0">
+                  <a:solidFill>
+                    <a:schemeClr val="tx1"/>
+                  </a:solidFill>
+                </a:rPr>
+                <a:t>Chat</a:t>
+              </a:r>
+            </a:p>
+          </p:txBody>
+        </p:sp>
+        <p:sp>
+          <p:nvSpPr>
+            <p:cNvPr id="10" name="Rectangle: Rounded Corners 9">
+              <a:extLst>
+                <a:ext uri="{FF2B5EF4-FFF2-40B4-BE49-F238E27FC236}">
+                  <a16:creationId xmlns:a16="http://schemas.microsoft.com/office/drawing/2014/main" id="{24C6E0C9-3B71-C562-7AB1-30C85D81EE44}"/>
+                </a:ext>
+              </a:extLst>
+            </p:cNvPr>
+            <p:cNvSpPr/>
+            <p:nvPr/>
+          </p:nvSpPr>
+          <p:spPr>
+            <a:xfrm>
+              <a:off x="3944976" y="1233084"/>
+              <a:ext cx="1621384" cy="553483"/>
+            </a:xfrm>
+            <a:prstGeom prst="roundRect">
+              <a:avLst/>
+            </a:prstGeom>
+            <a:noFill/>
+          </p:spPr>
+          <p:style>
+            <a:lnRef idx="2">
+              <a:schemeClr val="accent1">
+                <a:shade val="15000"/>
+              </a:schemeClr>
+            </a:lnRef>
+            <a:fillRef idx="1">
+              <a:schemeClr val="accent1"/>
+            </a:fillRef>
+            <a:effectRef idx="0">
+              <a:schemeClr val="accent1"/>
+            </a:effectRef>
+            <a:fontRef idx="minor">
+              <a:schemeClr val="lt1"/>
+            </a:fontRef>
+          </p:style>
+          <p:txBody>
+            <a:bodyPr rtlCol="0" anchor="ctr"/>
+            <a:lstStyle/>
+            <a:p>
+              <a:pPr algn="ctr"/>
+              <a:r>
+                <a:rPr lang="en-US" sz="1400" dirty="0">
+                  <a:solidFill>
+                    <a:schemeClr val="tx1"/>
+                  </a:solidFill>
+                </a:rPr>
+                <a:t>Pages</a:t>
+              </a:r>
+            </a:p>
+          </p:txBody>
+        </p:sp>
+        <p:sp>
+          <p:nvSpPr>
+            <p:cNvPr id="11" name="Rectangle: Rounded Corners 10">
+              <a:extLst>
+                <a:ext uri="{FF2B5EF4-FFF2-40B4-BE49-F238E27FC236}">
+                  <a16:creationId xmlns:a16="http://schemas.microsoft.com/office/drawing/2014/main" id="{4385FDC2-3017-D806-2BF7-077530101EA3}"/>
+                </a:ext>
+              </a:extLst>
+            </p:cNvPr>
+            <p:cNvSpPr/>
+            <p:nvPr/>
+          </p:nvSpPr>
+          <p:spPr>
+            <a:xfrm>
+              <a:off x="3915816" y="2035074"/>
+              <a:ext cx="1621384" cy="553483"/>
+            </a:xfrm>
+            <a:prstGeom prst="roundRect">
+              <a:avLst/>
+            </a:prstGeom>
+            <a:noFill/>
+          </p:spPr>
+          <p:style>
+            <a:lnRef idx="2">
+              <a:schemeClr val="accent1">
+                <a:shade val="15000"/>
+              </a:schemeClr>
+            </a:lnRef>
+            <a:fillRef idx="1">
+              <a:schemeClr val="accent1"/>
+            </a:fillRef>
+            <a:effectRef idx="0">
+              <a:schemeClr val="accent1"/>
+            </a:effectRef>
+            <a:fontRef idx="minor">
+              <a:schemeClr val="lt1"/>
+            </a:fontRef>
+          </p:style>
+          <p:txBody>
+            <a:bodyPr rtlCol="0" anchor="ctr"/>
+            <a:lstStyle/>
+            <a:p>
+              <a:pPr algn="ctr"/>
+              <a:r>
+                <a:rPr lang="en-US" sz="1400" dirty="0">
+                  <a:solidFill>
+                    <a:schemeClr val="tx1"/>
+                  </a:solidFill>
+                </a:rPr>
+                <a:t>Web Search</a:t>
+              </a:r>
+            </a:p>
+          </p:txBody>
+        </p:sp>
+        <p:sp>
+          <p:nvSpPr>
+            <p:cNvPr id="13" name="Rectangle: Rounded Corners 12">
+              <a:extLst>
+                <a:ext uri="{FF2B5EF4-FFF2-40B4-BE49-F238E27FC236}">
+                  <a16:creationId xmlns:a16="http://schemas.microsoft.com/office/drawing/2014/main" id="{5DA645A9-4B6A-FB84-B50A-338236113EA6}"/>
+                </a:ext>
+              </a:extLst>
+            </p:cNvPr>
+            <p:cNvSpPr/>
+            <p:nvPr/>
+          </p:nvSpPr>
+          <p:spPr>
+            <a:xfrm>
+              <a:off x="3915815" y="2837064"/>
+              <a:ext cx="1650545" cy="553483"/>
+            </a:xfrm>
+            <a:prstGeom prst="roundRect">
+              <a:avLst/>
+            </a:prstGeom>
+            <a:noFill/>
+          </p:spPr>
+          <p:style>
+            <a:lnRef idx="2">
+              <a:schemeClr val="accent1">
+                <a:shade val="15000"/>
+              </a:schemeClr>
+            </a:lnRef>
+            <a:fillRef idx="1">
+              <a:schemeClr val="accent1"/>
+            </a:fillRef>
+            <a:effectRef idx="0">
+              <a:schemeClr val="accent1"/>
+            </a:effectRef>
+            <a:fontRef idx="minor">
+              <a:schemeClr val="lt1"/>
+            </a:fontRef>
+          </p:style>
+          <p:txBody>
+            <a:bodyPr rtlCol="0" anchor="ctr"/>
+            <a:lstStyle/>
+            <a:p>
+              <a:pPr algn="ctr"/>
+              <a:r>
+                <a:rPr lang="en-US" sz="1400" dirty="0">
+                  <a:solidFill>
+                    <a:schemeClr val="tx1"/>
+                  </a:solidFill>
+                </a:rPr>
+                <a:t>Work/Your</a:t>
+              </a:r>
+            </a:p>
+            <a:p>
+              <a:pPr algn="ctr"/>
+              <a:r>
+                <a:rPr lang="en-US" sz="1400" dirty="0">
+                  <a:solidFill>
+                    <a:schemeClr val="tx1"/>
+                  </a:solidFill>
+                </a:rPr>
+                <a:t>Data Search</a:t>
+              </a:r>
+            </a:p>
+          </p:txBody>
+        </p:sp>
+        <p:cxnSp>
+          <p:nvCxnSpPr>
+            <p:cNvPr id="14" name="Straight Arrow Connector 13">
+              <a:extLst>
+                <a:ext uri="{FF2B5EF4-FFF2-40B4-BE49-F238E27FC236}">
+                  <a16:creationId xmlns:a16="http://schemas.microsoft.com/office/drawing/2014/main" id="{81888694-E642-5D76-2D2F-479746922A88}"/>
+                </a:ext>
+              </a:extLst>
+            </p:cNvPr>
+            <p:cNvCxnSpPr>
+              <a:cxnSpLocks/>
+              <a:stCxn id="6" idx="3"/>
+              <a:endCxn id="8" idx="1"/>
+            </p:cNvCxnSpPr>
+            <p:nvPr/>
+          </p:nvCxnSpPr>
+          <p:spPr>
+            <a:xfrm flipV="1">
+              <a:off x="1320800" y="2664934"/>
+              <a:ext cx="682174" cy="1907066"/>
+            </a:xfrm>
+            <a:prstGeom prst="straightConnector1">
+              <a:avLst/>
+            </a:prstGeom>
+            <a:ln>
+              <a:tailEnd type="triangle"/>
+            </a:ln>
+          </p:spPr>
+          <p:style>
+            <a:lnRef idx="1">
+              <a:schemeClr val="accent1"/>
+            </a:lnRef>
+            <a:fillRef idx="0">
+              <a:schemeClr val="accent1"/>
+            </a:fillRef>
+            <a:effectRef idx="0">
+              <a:schemeClr val="accent1"/>
+            </a:effectRef>
+            <a:fontRef idx="minor">
+              <a:schemeClr val="tx1"/>
+            </a:fontRef>
+          </p:style>
+        </p:cxnSp>
+        <p:cxnSp>
+          <p:nvCxnSpPr>
+            <p:cNvPr id="20" name="Straight Arrow Connector 19">
+              <a:extLst>
+                <a:ext uri="{FF2B5EF4-FFF2-40B4-BE49-F238E27FC236}">
+                  <a16:creationId xmlns:a16="http://schemas.microsoft.com/office/drawing/2014/main" id="{23E54A66-7DC0-B062-DD1F-2AC92ADB193B}"/>
+                </a:ext>
+              </a:extLst>
+            </p:cNvPr>
+            <p:cNvCxnSpPr>
+              <a:cxnSpLocks/>
+              <a:stCxn id="8" idx="3"/>
+              <a:endCxn id="10" idx="1"/>
+            </p:cNvCxnSpPr>
+            <p:nvPr/>
+          </p:nvCxnSpPr>
+          <p:spPr>
+            <a:xfrm flipV="1">
+              <a:off x="3352800" y="1509826"/>
+              <a:ext cx="592176" cy="1155108"/>
+            </a:xfrm>
+            <a:prstGeom prst="straightConnector1">
+              <a:avLst/>
+            </a:prstGeom>
+            <a:ln>
+              <a:tailEnd type="triangle"/>
+            </a:ln>
+          </p:spPr>
+          <p:style>
+            <a:lnRef idx="1">
+              <a:schemeClr val="accent1"/>
+            </a:lnRef>
+            <a:fillRef idx="0">
+              <a:schemeClr val="accent1"/>
+            </a:fillRef>
+            <a:effectRef idx="0">
+              <a:schemeClr val="accent1"/>
+            </a:effectRef>
+            <a:fontRef idx="minor">
+              <a:schemeClr val="tx1"/>
+            </a:fontRef>
+          </p:style>
+        </p:cxnSp>
+        <p:cxnSp>
+          <p:nvCxnSpPr>
+            <p:cNvPr id="25" name="Straight Arrow Connector 24">
+              <a:extLst>
+                <a:ext uri="{FF2B5EF4-FFF2-40B4-BE49-F238E27FC236}">
+                  <a16:creationId xmlns:a16="http://schemas.microsoft.com/office/drawing/2014/main" id="{014F17A1-9B14-2E05-4427-3FF9FDDF73B7}"/>
+                </a:ext>
+              </a:extLst>
+            </p:cNvPr>
+            <p:cNvCxnSpPr>
+              <a:cxnSpLocks/>
+              <a:stCxn id="8" idx="3"/>
+              <a:endCxn id="13" idx="1"/>
+            </p:cNvCxnSpPr>
+            <p:nvPr/>
+          </p:nvCxnSpPr>
+          <p:spPr>
+            <a:xfrm>
+              <a:off x="3352800" y="2664934"/>
+              <a:ext cx="563015" cy="448872"/>
+            </a:xfrm>
+            <a:prstGeom prst="straightConnector1">
+              <a:avLst/>
+            </a:prstGeom>
+            <a:ln>
+              <a:tailEnd type="triangle"/>
+            </a:ln>
+          </p:spPr>
+          <p:style>
+            <a:lnRef idx="1">
+              <a:schemeClr val="accent1"/>
+            </a:lnRef>
+            <a:fillRef idx="0">
+              <a:schemeClr val="accent1"/>
+            </a:fillRef>
+            <a:effectRef idx="0">
+              <a:schemeClr val="accent1"/>
+            </a:effectRef>
+            <a:fontRef idx="minor">
+              <a:schemeClr val="tx1"/>
+            </a:fontRef>
+          </p:style>
+        </p:cxnSp>
+        <p:cxnSp>
+          <p:nvCxnSpPr>
+            <p:cNvPr id="38" name="Straight Arrow Connector 37">
+              <a:extLst>
+                <a:ext uri="{FF2B5EF4-FFF2-40B4-BE49-F238E27FC236}">
+                  <a16:creationId xmlns:a16="http://schemas.microsoft.com/office/drawing/2014/main" id="{CCB6949F-9C56-A163-FB0D-790B867855CA}"/>
+                </a:ext>
+              </a:extLst>
+            </p:cNvPr>
+            <p:cNvCxnSpPr>
+              <a:cxnSpLocks/>
+              <a:stCxn id="8" idx="3"/>
+              <a:endCxn id="11" idx="1"/>
+            </p:cNvCxnSpPr>
+            <p:nvPr/>
+          </p:nvCxnSpPr>
+          <p:spPr>
+            <a:xfrm flipV="1">
+              <a:off x="3352800" y="2311816"/>
+              <a:ext cx="563016" cy="353118"/>
+            </a:xfrm>
+            <a:prstGeom prst="straightConnector1">
+              <a:avLst/>
+            </a:prstGeom>
+            <a:ln>
+              <a:tailEnd type="triangle"/>
+            </a:ln>
+          </p:spPr>
+          <p:style>
+            <a:lnRef idx="1">
+              <a:schemeClr val="accent1"/>
+            </a:lnRef>
+            <a:fillRef idx="0">
+              <a:schemeClr val="accent1"/>
+            </a:fillRef>
+            <a:effectRef idx="0">
+              <a:schemeClr val="accent1"/>
+            </a:effectRef>
+            <a:fontRef idx="minor">
+              <a:schemeClr val="tx1"/>
+            </a:fontRef>
+          </p:style>
+        </p:cxnSp>
+        <p:sp>
+          <p:nvSpPr>
+            <p:cNvPr id="48" name="Rectangle: Rounded Corners 47">
+              <a:extLst>
+                <a:ext uri="{FF2B5EF4-FFF2-40B4-BE49-F238E27FC236}">
+                  <a16:creationId xmlns:a16="http://schemas.microsoft.com/office/drawing/2014/main" id="{5781F178-C7E0-BFB0-08B8-3287B4F819CC}"/>
+                </a:ext>
+              </a:extLst>
+            </p:cNvPr>
+            <p:cNvSpPr/>
+            <p:nvPr/>
+          </p:nvSpPr>
+          <p:spPr>
+            <a:xfrm>
+              <a:off x="3886655" y="3639054"/>
+              <a:ext cx="1650545" cy="1950337"/>
+            </a:xfrm>
+            <a:prstGeom prst="roundRect">
+              <a:avLst/>
+            </a:prstGeom>
+            <a:noFill/>
+          </p:spPr>
+          <p:style>
+            <a:lnRef idx="2">
+              <a:schemeClr val="accent1">
+                <a:shade val="15000"/>
+              </a:schemeClr>
+            </a:lnRef>
+            <a:fillRef idx="1">
+              <a:schemeClr val="accent1"/>
+            </a:fillRef>
+            <a:effectRef idx="0">
+              <a:schemeClr val="accent1"/>
+            </a:effectRef>
+            <a:fontRef idx="minor">
+              <a:schemeClr val="lt1"/>
+            </a:fontRef>
+          </p:style>
+          <p:txBody>
+            <a:bodyPr rtlCol="0" anchor="ctr"/>
+            <a:lstStyle/>
+            <a:p>
+              <a:pPr algn="ctr"/>
+              <a:r>
+                <a:rPr lang="en-US" sz="1400" dirty="0">
+                  <a:solidFill>
+                    <a:schemeClr val="tx1"/>
+                  </a:solidFill>
+                </a:rPr>
+                <a:t>Agents</a:t>
+              </a:r>
+            </a:p>
+            <a:p>
+              <a:pPr algn="ctr"/>
+              <a:r>
+                <a:rPr lang="en-US" sz="1400" dirty="0">
+                  <a:solidFill>
+                    <a:schemeClr val="tx1"/>
+                  </a:solidFill>
+                </a:rPr>
+                <a:t>(Custom GPTs)</a:t>
+              </a:r>
+            </a:p>
+            <a:p>
+              <a:pPr algn="ctr"/>
+              <a:r>
+                <a:rPr lang="en-US" sz="1400" dirty="0">
+                  <a:solidFill>
+                    <a:schemeClr val="tx1"/>
+                  </a:solidFill>
+                </a:rPr>
+                <a:t>With your</a:t>
+              </a:r>
+            </a:p>
+            <a:p>
+              <a:pPr algn="ctr"/>
+              <a:r>
+                <a:rPr lang="en-US" sz="1400" dirty="0">
+                  <a:solidFill>
+                    <a:schemeClr val="tx1"/>
+                  </a:solidFill>
+                </a:rPr>
+                <a:t>Or</a:t>
+              </a:r>
+            </a:p>
+            <a:p>
+              <a:pPr algn="ctr"/>
+              <a:r>
+                <a:rPr lang="en-US" sz="1400" dirty="0">
+                  <a:solidFill>
+                    <a:schemeClr val="tx1"/>
+                  </a:solidFill>
+                </a:rPr>
+                <a:t>Company data</a:t>
+              </a:r>
+            </a:p>
+            <a:p>
+              <a:pPr algn="ctr"/>
+              <a:r>
+                <a:rPr lang="en-US" sz="1400" dirty="0">
+                  <a:solidFill>
+                    <a:schemeClr val="tx1"/>
+                  </a:solidFill>
+                </a:rPr>
+                <a:t>Or </a:t>
+              </a:r>
+            </a:p>
+            <a:p>
+              <a:pPr algn="ctr"/>
+              <a:r>
+                <a:rPr lang="en-US" sz="1400" dirty="0">
+                  <a:solidFill>
+                    <a:schemeClr val="tx1"/>
+                  </a:solidFill>
+                </a:rPr>
+                <a:t>APIs</a:t>
+              </a:r>
+            </a:p>
+          </p:txBody>
+        </p:sp>
+        <p:cxnSp>
+          <p:nvCxnSpPr>
+            <p:cNvPr id="49" name="Straight Arrow Connector 48">
+              <a:extLst>
+                <a:ext uri="{FF2B5EF4-FFF2-40B4-BE49-F238E27FC236}">
+                  <a16:creationId xmlns:a16="http://schemas.microsoft.com/office/drawing/2014/main" id="{228ED9B3-A3A3-79CD-02C4-D0C3D319B6C3}"/>
+                </a:ext>
+              </a:extLst>
+            </p:cNvPr>
+            <p:cNvCxnSpPr>
+              <a:cxnSpLocks/>
+              <a:stCxn id="8" idx="3"/>
+              <a:endCxn id="48" idx="1"/>
+            </p:cNvCxnSpPr>
+            <p:nvPr/>
+          </p:nvCxnSpPr>
+          <p:spPr>
+            <a:xfrm>
+              <a:off x="3352800" y="2664934"/>
+              <a:ext cx="533855" cy="1949289"/>
+            </a:xfrm>
+            <a:prstGeom prst="straightConnector1">
+              <a:avLst/>
+            </a:prstGeom>
+            <a:ln>
+              <a:tailEnd type="triangle"/>
+            </a:ln>
+          </p:spPr>
+          <p:style>
+            <a:lnRef idx="1">
+              <a:schemeClr val="accent1"/>
+            </a:lnRef>
+            <a:fillRef idx="0">
+              <a:schemeClr val="accent1"/>
+            </a:fillRef>
+            <a:effectRef idx="0">
+              <a:schemeClr val="accent1"/>
+            </a:effectRef>
+            <a:fontRef idx="minor">
+              <a:schemeClr val="tx1"/>
+            </a:fontRef>
+          </p:style>
+        </p:cxnSp>
+        <p:sp>
+          <p:nvSpPr>
+            <p:cNvPr id="1029" name="Rectangle: Rounded Corners 1028">
+              <a:extLst>
+                <a:ext uri="{FF2B5EF4-FFF2-40B4-BE49-F238E27FC236}">
+                  <a16:creationId xmlns:a16="http://schemas.microsoft.com/office/drawing/2014/main" id="{71FBD49E-DFEC-6442-035F-32BABBCA45B6}"/>
+                </a:ext>
+              </a:extLst>
+            </p:cNvPr>
+            <p:cNvSpPr/>
+            <p:nvPr/>
+          </p:nvSpPr>
+          <p:spPr>
+            <a:xfrm>
+              <a:off x="2002974" y="6565901"/>
+              <a:ext cx="1349826" cy="914400"/>
+            </a:xfrm>
+            <a:prstGeom prst="roundRect">
+              <a:avLst/>
+            </a:prstGeom>
+            <a:noFill/>
+          </p:spPr>
+          <p:style>
+            <a:lnRef idx="2">
+              <a:schemeClr val="accent1">
+                <a:shade val="15000"/>
+              </a:schemeClr>
+            </a:lnRef>
+            <a:fillRef idx="1">
+              <a:schemeClr val="accent1"/>
+            </a:fillRef>
+            <a:effectRef idx="0">
+              <a:schemeClr val="accent1"/>
+            </a:effectRef>
+            <a:fontRef idx="minor">
+              <a:schemeClr val="lt1"/>
+            </a:fontRef>
+          </p:style>
+          <p:txBody>
+            <a:bodyPr rtlCol="0" anchor="ctr"/>
+            <a:lstStyle/>
+            <a:p>
+              <a:pPr algn="ctr"/>
+              <a:r>
+                <a:rPr lang="en-US" sz="1400" dirty="0">
+                  <a:solidFill>
+                    <a:schemeClr val="tx1"/>
+                  </a:solidFill>
+                </a:rPr>
+                <a:t>Inline</a:t>
+              </a:r>
+            </a:p>
+            <a:p>
+              <a:pPr algn="ctr"/>
+              <a:r>
+                <a:rPr lang="en-US" sz="1400" dirty="0">
+                  <a:solidFill>
+                    <a:schemeClr val="tx1"/>
+                  </a:solidFill>
+                </a:rPr>
+                <a:t>Office</a:t>
+              </a:r>
+            </a:p>
+            <a:p>
+              <a:pPr algn="ctr"/>
+              <a:r>
+                <a:rPr lang="en-US" sz="1400" dirty="0">
+                  <a:solidFill>
+                    <a:schemeClr val="tx1"/>
+                  </a:solidFill>
+                </a:rPr>
+                <a:t>Interaction</a:t>
+              </a:r>
+            </a:p>
+          </p:txBody>
+        </p:sp>
+        <p:sp>
+          <p:nvSpPr>
+            <p:cNvPr id="1040" name="Rectangle: Rounded Corners 1039">
+              <a:extLst>
+                <a:ext uri="{FF2B5EF4-FFF2-40B4-BE49-F238E27FC236}">
+                  <a16:creationId xmlns:a16="http://schemas.microsoft.com/office/drawing/2014/main" id="{B3AE74AE-6EAD-3766-752F-3C9C52B7D620}"/>
+                </a:ext>
+              </a:extLst>
+            </p:cNvPr>
+            <p:cNvSpPr/>
+            <p:nvPr/>
+          </p:nvSpPr>
+          <p:spPr>
+            <a:xfrm>
+              <a:off x="3915815" y="5837898"/>
+              <a:ext cx="1650545" cy="1114498"/>
+            </a:xfrm>
+            <a:prstGeom prst="roundRect">
+              <a:avLst/>
+            </a:prstGeom>
+            <a:noFill/>
+          </p:spPr>
+          <p:style>
+            <a:lnRef idx="2">
+              <a:schemeClr val="accent1">
+                <a:shade val="15000"/>
+              </a:schemeClr>
+            </a:lnRef>
+            <a:fillRef idx="1">
+              <a:schemeClr val="accent1"/>
+            </a:fillRef>
+            <a:effectRef idx="0">
+              <a:schemeClr val="accent1"/>
+            </a:effectRef>
+            <a:fontRef idx="minor">
+              <a:schemeClr val="lt1"/>
+            </a:fontRef>
+          </p:style>
+          <p:txBody>
+            <a:bodyPr rtlCol="0" anchor="ctr"/>
+            <a:lstStyle/>
+            <a:p>
+              <a:pPr algn="ctr"/>
+              <a:r>
+                <a:rPr lang="en-US" sz="1400" dirty="0">
+                  <a:solidFill>
+                    <a:schemeClr val="tx1"/>
+                  </a:solidFill>
+                </a:rPr>
+                <a:t>Word</a:t>
+              </a:r>
+            </a:p>
+            <a:p>
+              <a:pPr algn="ctr"/>
+              <a:r>
+                <a:rPr lang="en-US" sz="1400" dirty="0">
+                  <a:solidFill>
+                    <a:schemeClr val="tx1"/>
+                  </a:solidFill>
+                </a:rPr>
+                <a:t>OneNote</a:t>
+              </a:r>
+            </a:p>
+            <a:p>
+              <a:pPr algn="ctr"/>
+              <a:r>
+                <a:rPr lang="en-US" sz="1400" dirty="0">
+                  <a:solidFill>
+                    <a:schemeClr val="tx1"/>
+                  </a:solidFill>
+                </a:rPr>
+                <a:t>Edge</a:t>
+              </a:r>
+            </a:p>
+            <a:p>
+              <a:pPr algn="ctr"/>
+              <a:r>
+                <a:rPr lang="en-US" sz="1400" dirty="0">
+                  <a:solidFill>
+                    <a:schemeClr val="tx1"/>
+                  </a:solidFill>
+                </a:rPr>
+                <a:t>PPT</a:t>
+              </a:r>
+            </a:p>
+            <a:p>
+              <a:pPr algn="ctr"/>
+              <a:r>
+                <a:rPr lang="en-US" sz="1400" dirty="0">
+                  <a:solidFill>
+                    <a:schemeClr val="tx1"/>
+                  </a:solidFill>
+                </a:rPr>
+                <a:t>Etc.</a:t>
+              </a:r>
+            </a:p>
+          </p:txBody>
+        </p:sp>
+        <p:cxnSp>
+          <p:nvCxnSpPr>
+            <p:cNvPr id="1041" name="Straight Arrow Connector 1040">
+              <a:extLst>
+                <a:ext uri="{FF2B5EF4-FFF2-40B4-BE49-F238E27FC236}">
+                  <a16:creationId xmlns:a16="http://schemas.microsoft.com/office/drawing/2014/main" id="{B29506CD-D2A4-7210-32CB-AD3595D3CDDD}"/>
+                </a:ext>
+              </a:extLst>
+            </p:cNvPr>
+            <p:cNvCxnSpPr>
+              <a:cxnSpLocks/>
+              <a:stCxn id="1029" idx="3"/>
+              <a:endCxn id="1040" idx="1"/>
+            </p:cNvCxnSpPr>
+            <p:nvPr/>
+          </p:nvCxnSpPr>
+          <p:spPr>
+            <a:xfrm flipV="1">
+              <a:off x="3352800" y="6395147"/>
+              <a:ext cx="563015" cy="627954"/>
+            </a:xfrm>
+            <a:prstGeom prst="straightConnector1">
+              <a:avLst/>
+            </a:prstGeom>
+            <a:ln>
+              <a:tailEnd type="triangle"/>
+            </a:ln>
+          </p:spPr>
+          <p:style>
+            <a:lnRef idx="1">
+              <a:schemeClr val="accent1"/>
+            </a:lnRef>
+            <a:fillRef idx="0">
+              <a:schemeClr val="accent1"/>
+            </a:fillRef>
+            <a:effectRef idx="0">
+              <a:schemeClr val="accent1"/>
+            </a:effectRef>
+            <a:fontRef idx="minor">
+              <a:schemeClr val="tx1"/>
+            </a:fontRef>
+          </p:style>
+        </p:cxnSp>
+        <p:sp>
+          <p:nvSpPr>
+            <p:cNvPr id="1047" name="Rectangle: Rounded Corners 1046">
+              <a:extLst>
+                <a:ext uri="{FF2B5EF4-FFF2-40B4-BE49-F238E27FC236}">
+                  <a16:creationId xmlns:a16="http://schemas.microsoft.com/office/drawing/2014/main" id="{E4DC8F0F-BC4A-C5CD-7269-8DBFBC1FBB0C}"/>
+                </a:ext>
+              </a:extLst>
+            </p:cNvPr>
+            <p:cNvSpPr/>
+            <p:nvPr/>
+          </p:nvSpPr>
+          <p:spPr>
+            <a:xfrm>
+              <a:off x="3915815" y="7200901"/>
+              <a:ext cx="1650545" cy="1114498"/>
+            </a:xfrm>
+            <a:prstGeom prst="roundRect">
+              <a:avLst/>
+            </a:prstGeom>
+            <a:noFill/>
+          </p:spPr>
+          <p:style>
+            <a:lnRef idx="2">
+              <a:schemeClr val="accent1">
+                <a:shade val="15000"/>
+              </a:schemeClr>
+            </a:lnRef>
+            <a:fillRef idx="1">
+              <a:schemeClr val="accent1"/>
+            </a:fillRef>
+            <a:effectRef idx="0">
+              <a:schemeClr val="accent1"/>
+            </a:effectRef>
+            <a:fontRef idx="minor">
+              <a:schemeClr val="lt1"/>
+            </a:fontRef>
+          </p:style>
+          <p:txBody>
+            <a:bodyPr rtlCol="0" anchor="ctr"/>
+            <a:lstStyle/>
+            <a:p>
+              <a:pPr algn="ctr"/>
+              <a:r>
+                <a:rPr lang="en-US" sz="1400" dirty="0">
+                  <a:solidFill>
+                    <a:schemeClr val="tx1"/>
+                  </a:solidFill>
+                </a:rPr>
+                <a:t>Excel</a:t>
+              </a:r>
+            </a:p>
+            <a:p>
+              <a:pPr algn="ctr"/>
+              <a:r>
+                <a:rPr lang="en-US" sz="1400" dirty="0">
+                  <a:solidFill>
+                    <a:schemeClr val="tx1"/>
+                  </a:solidFill>
+                </a:rPr>
+                <a:t>With</a:t>
+              </a:r>
+            </a:p>
+            <a:p>
+              <a:pPr algn="ctr"/>
+              <a:r>
+                <a:rPr lang="en-US" sz="1400" dirty="0">
+                  <a:solidFill>
+                    <a:schemeClr val="tx1"/>
+                  </a:solidFill>
+                </a:rPr>
+                <a:t>Python</a:t>
+              </a:r>
+            </a:p>
+          </p:txBody>
+        </p:sp>
+        <p:cxnSp>
+          <p:nvCxnSpPr>
+            <p:cNvPr id="1048" name="Straight Arrow Connector 1047">
+              <a:extLst>
+                <a:ext uri="{FF2B5EF4-FFF2-40B4-BE49-F238E27FC236}">
+                  <a16:creationId xmlns:a16="http://schemas.microsoft.com/office/drawing/2014/main" id="{078E8607-8CCD-E73F-07DC-4D5410CD451A}"/>
+                </a:ext>
+              </a:extLst>
+            </p:cNvPr>
+            <p:cNvCxnSpPr>
+              <a:cxnSpLocks/>
+              <a:stCxn id="1029" idx="3"/>
+              <a:endCxn id="1047" idx="1"/>
+            </p:cNvCxnSpPr>
+            <p:nvPr/>
+          </p:nvCxnSpPr>
+          <p:spPr>
+            <a:xfrm>
+              <a:off x="3352800" y="7023101"/>
+              <a:ext cx="563015" cy="735049"/>
+            </a:xfrm>
+            <a:prstGeom prst="straightConnector1">
+              <a:avLst/>
+            </a:prstGeom>
+            <a:ln>
+              <a:tailEnd type="triangle"/>
+            </a:ln>
+          </p:spPr>
+          <p:style>
+            <a:lnRef idx="1">
+              <a:schemeClr val="accent1"/>
+            </a:lnRef>
+            <a:fillRef idx="0">
+              <a:schemeClr val="accent1"/>
+            </a:fillRef>
+            <a:effectRef idx="0">
+              <a:schemeClr val="accent1"/>
+            </a:effectRef>
+            <a:fontRef idx="minor">
+              <a:schemeClr val="tx1"/>
+            </a:fontRef>
+          </p:style>
+        </p:cxnSp>
+        <p:cxnSp>
+          <p:nvCxnSpPr>
+            <p:cNvPr id="1053" name="Straight Arrow Connector 1052">
+              <a:extLst>
+                <a:ext uri="{FF2B5EF4-FFF2-40B4-BE49-F238E27FC236}">
+                  <a16:creationId xmlns:a16="http://schemas.microsoft.com/office/drawing/2014/main" id="{339F6F17-0796-9498-8B5F-B2A6280F076A}"/>
+                </a:ext>
+              </a:extLst>
+            </p:cNvPr>
+            <p:cNvCxnSpPr>
+              <a:cxnSpLocks/>
+              <a:stCxn id="6" idx="3"/>
+              <a:endCxn id="1029" idx="1"/>
+            </p:cNvCxnSpPr>
+            <p:nvPr/>
+          </p:nvCxnSpPr>
+          <p:spPr>
+            <a:xfrm>
+              <a:off x="1320800" y="4572000"/>
+              <a:ext cx="682174" cy="2451101"/>
+            </a:xfrm>
+            <a:prstGeom prst="straightConnector1">
+              <a:avLst/>
+            </a:prstGeom>
+            <a:ln>
+              <a:tailEnd type="triangle"/>
+            </a:ln>
+          </p:spPr>
+          <p:style>
+            <a:lnRef idx="1">
+              <a:schemeClr val="accent1"/>
+            </a:lnRef>
+            <a:fillRef idx="0">
+              <a:schemeClr val="accent1"/>
+            </a:fillRef>
+            <a:effectRef idx="0">
+              <a:schemeClr val="accent1"/>
+            </a:effectRef>
+            <a:fontRef idx="minor">
+              <a:schemeClr val="tx1"/>
+            </a:fontRef>
+          </p:style>
+        </p:cxnSp>
+      </p:grpSp>
+    </p:spTree>
+    <p:extLst>
+      <p:ext uri="{BB962C8B-B14F-4D97-AF65-F5344CB8AC3E}">
+        <p14:creationId xmlns:p14="http://schemas.microsoft.com/office/powerpoint/2010/main" val="32755063"/>
+      </p:ext>
+    </p:extLst>
+  </p:cSld>
+  <p:clrMapOvr>
+    <a:masterClrMapping/>
+  </p:clrMapOvr>
+</p:sld>
+</file>
+
 <file path=ppt/theme/theme1.xml><?xml version="1.0" encoding="utf-8"?>
 <a:theme xmlns:a="http://schemas.openxmlformats.org/drawingml/2006/main" name="Office Theme">
   <a:themeElements>

--- a/general-tech-figures.pptx
+++ b/general-tech-figures.pptx
@@ -14,6 +14,9 @@
     <p:sldId id="262" r:id="rId8"/>
     <p:sldId id="263" r:id="rId9"/>
     <p:sldId id="264" r:id="rId10"/>
+    <p:sldId id="265" r:id="rId11"/>
+    <p:sldId id="266" r:id="rId12"/>
+    <p:sldId id="267" r:id="rId13"/>
   </p:sldIdLst>
   <p:sldSz cx="6858000" cy="9144000" type="letter"/>
   <p:notesSz cx="6858000" cy="9144000"/>
@@ -262,7 +265,7 @@
           <a:p>
             <a:fld id="{BFBBFCFE-809B-4AE5-92DC-0D51595F6FEA}" type="datetimeFigureOut">
               <a:rPr lang="en-US" smtClean="0"/>
-              <a:t>9/19/2024</a:t>
+              <a:t>3/7/2025</a:t>
             </a:fld>
             <a:endParaRPr lang="en-US"/>
           </a:p>
@@ -432,7 +435,7 @@
           <a:p>
             <a:fld id="{BFBBFCFE-809B-4AE5-92DC-0D51595F6FEA}" type="datetimeFigureOut">
               <a:rPr lang="en-US" smtClean="0"/>
-              <a:t>9/19/2024</a:t>
+              <a:t>3/7/2025</a:t>
             </a:fld>
             <a:endParaRPr lang="en-US"/>
           </a:p>
@@ -612,7 +615,7 @@
           <a:p>
             <a:fld id="{BFBBFCFE-809B-4AE5-92DC-0D51595F6FEA}" type="datetimeFigureOut">
               <a:rPr lang="en-US" smtClean="0"/>
-              <a:t>9/19/2024</a:t>
+              <a:t>3/7/2025</a:t>
             </a:fld>
             <a:endParaRPr lang="en-US"/>
           </a:p>
@@ -782,7 +785,7 @@
           <a:p>
             <a:fld id="{BFBBFCFE-809B-4AE5-92DC-0D51595F6FEA}" type="datetimeFigureOut">
               <a:rPr lang="en-US" smtClean="0"/>
-              <a:t>9/19/2024</a:t>
+              <a:t>3/7/2025</a:t>
             </a:fld>
             <a:endParaRPr lang="en-US"/>
           </a:p>
@@ -1026,7 +1029,7 @@
           <a:p>
             <a:fld id="{BFBBFCFE-809B-4AE5-92DC-0D51595F6FEA}" type="datetimeFigureOut">
               <a:rPr lang="en-US" smtClean="0"/>
-              <a:t>9/19/2024</a:t>
+              <a:t>3/7/2025</a:t>
             </a:fld>
             <a:endParaRPr lang="en-US"/>
           </a:p>
@@ -1258,7 +1261,7 @@
           <a:p>
             <a:fld id="{BFBBFCFE-809B-4AE5-92DC-0D51595F6FEA}" type="datetimeFigureOut">
               <a:rPr lang="en-US" smtClean="0"/>
-              <a:t>9/19/2024</a:t>
+              <a:t>3/7/2025</a:t>
             </a:fld>
             <a:endParaRPr lang="en-US"/>
           </a:p>
@@ -1625,7 +1628,7 @@
           <a:p>
             <a:fld id="{BFBBFCFE-809B-4AE5-92DC-0D51595F6FEA}" type="datetimeFigureOut">
               <a:rPr lang="en-US" smtClean="0"/>
-              <a:t>9/19/2024</a:t>
+              <a:t>3/7/2025</a:t>
             </a:fld>
             <a:endParaRPr lang="en-US"/>
           </a:p>
@@ -1743,7 +1746,7 @@
           <a:p>
             <a:fld id="{BFBBFCFE-809B-4AE5-92DC-0D51595F6FEA}" type="datetimeFigureOut">
               <a:rPr lang="en-US" smtClean="0"/>
-              <a:t>9/19/2024</a:t>
+              <a:t>3/7/2025</a:t>
             </a:fld>
             <a:endParaRPr lang="en-US"/>
           </a:p>
@@ -1838,7 +1841,7 @@
           <a:p>
             <a:fld id="{BFBBFCFE-809B-4AE5-92DC-0D51595F6FEA}" type="datetimeFigureOut">
               <a:rPr lang="en-US" smtClean="0"/>
-              <a:t>9/19/2024</a:t>
+              <a:t>3/7/2025</a:t>
             </a:fld>
             <a:endParaRPr lang="en-US"/>
           </a:p>
@@ -2115,7 +2118,7 @@
           <a:p>
             <a:fld id="{BFBBFCFE-809B-4AE5-92DC-0D51595F6FEA}" type="datetimeFigureOut">
               <a:rPr lang="en-US" smtClean="0"/>
-              <a:t>9/19/2024</a:t>
+              <a:t>3/7/2025</a:t>
             </a:fld>
             <a:endParaRPr lang="en-US"/>
           </a:p>
@@ -2372,7 +2375,7 @@
           <a:p>
             <a:fld id="{BFBBFCFE-809B-4AE5-92DC-0D51595F6FEA}" type="datetimeFigureOut">
               <a:rPr lang="en-US" smtClean="0"/>
-              <a:t>9/19/2024</a:t>
+              <a:t>3/7/2025</a:t>
             </a:fld>
             <a:endParaRPr lang="en-US"/>
           </a:p>
@@ -2585,7 +2588,7 @@
           <a:p>
             <a:fld id="{BFBBFCFE-809B-4AE5-92DC-0D51595F6FEA}" type="datetimeFigureOut">
               <a:rPr lang="en-US" smtClean="0"/>
-              <a:t>9/19/2024</a:t>
+              <a:t>3/7/2025</a:t>
             </a:fld>
             <a:endParaRPr lang="en-US"/>
           </a:p>
@@ -4569,6 +4572,4449 @@
 </p:sld>
 </file>
 
+<file path=ppt/slides/slide10.xml><?xml version="1.0" encoding="utf-8"?>
+<p:sld xmlns:a="http://schemas.openxmlformats.org/drawingml/2006/main" xmlns:r="http://schemas.openxmlformats.org/officeDocument/2006/relationships" xmlns:p="http://schemas.openxmlformats.org/presentationml/2006/main">
+  <p:cSld>
+    <p:spTree>
+      <p:nvGrpSpPr>
+        <p:cNvPr id="1" name="">
+          <a:extLst>
+            <a:ext uri="{FF2B5EF4-FFF2-40B4-BE49-F238E27FC236}">
+              <a16:creationId xmlns:a16="http://schemas.microsoft.com/office/drawing/2014/main" id="{8FCDAC28-FA91-ADAB-20DA-CFCEE63067F4}"/>
+            </a:ext>
+          </a:extLst>
+        </p:cNvPr>
+        <p:cNvGrpSpPr/>
+        <p:nvPr/>
+      </p:nvGrpSpPr>
+      <p:grpSpPr>
+        <a:xfrm>
+          <a:off x="0" y="0"/>
+          <a:ext cx="0" cy="0"/>
+          <a:chOff x="0" y="0"/>
+          <a:chExt cx="0" cy="0"/>
+        </a:xfrm>
+      </p:grpSpPr>
+      <p:grpSp>
+        <p:nvGrpSpPr>
+          <p:cNvPr id="34" name="Group 33">
+            <a:extLst>
+              <a:ext uri="{FF2B5EF4-FFF2-40B4-BE49-F238E27FC236}">
+                <a16:creationId xmlns:a16="http://schemas.microsoft.com/office/drawing/2014/main" id="{1DDA5644-4221-6D2E-037C-B224B593A4FF}"/>
+              </a:ext>
+            </a:extLst>
+          </p:cNvPr>
+          <p:cNvGrpSpPr/>
+          <p:nvPr/>
+        </p:nvGrpSpPr>
+        <p:grpSpPr>
+          <a:xfrm>
+            <a:off x="432843" y="1741551"/>
+            <a:ext cx="6131730" cy="3935918"/>
+            <a:chOff x="432843" y="1741551"/>
+            <a:chExt cx="6131730" cy="3935918"/>
+          </a:xfrm>
+        </p:grpSpPr>
+        <p:sp>
+          <p:nvSpPr>
+            <p:cNvPr id="3" name="Rectangle: Rounded Corners 2">
+              <a:extLst>
+                <a:ext uri="{FF2B5EF4-FFF2-40B4-BE49-F238E27FC236}">
+                  <a16:creationId xmlns:a16="http://schemas.microsoft.com/office/drawing/2014/main" id="{A3F643CB-BA3F-F4DF-AE48-A8B54EA4A26F}"/>
+                </a:ext>
+              </a:extLst>
+            </p:cNvPr>
+            <p:cNvSpPr/>
+            <p:nvPr/>
+          </p:nvSpPr>
+          <p:spPr>
+            <a:xfrm>
+              <a:off x="706651" y="2831911"/>
+              <a:ext cx="1545230" cy="825690"/>
+            </a:xfrm>
+            <a:prstGeom prst="roundRect">
+              <a:avLst/>
+            </a:prstGeom>
+            <a:noFill/>
+          </p:spPr>
+          <p:style>
+            <a:lnRef idx="2">
+              <a:schemeClr val="accent1">
+                <a:shade val="15000"/>
+              </a:schemeClr>
+            </a:lnRef>
+            <a:fillRef idx="1">
+              <a:schemeClr val="accent1"/>
+            </a:fillRef>
+            <a:effectRef idx="0">
+              <a:schemeClr val="accent1"/>
+            </a:effectRef>
+            <a:fontRef idx="minor">
+              <a:schemeClr val="lt1"/>
+            </a:fontRef>
+          </p:style>
+          <p:txBody>
+            <a:bodyPr rtlCol="0" anchor="ctr"/>
+            <a:lstStyle/>
+            <a:p>
+              <a:pPr algn="ctr"/>
+              <a:r>
+                <a:rPr lang="en-US" sz="1400" dirty="0">
+                  <a:solidFill>
+                    <a:schemeClr val="tx1"/>
+                  </a:solidFill>
+                </a:rPr>
+                <a:t>Crew AI Agents</a:t>
+              </a:r>
+            </a:p>
+            <a:p>
+              <a:pPr algn="ctr"/>
+              <a:r>
+                <a:rPr lang="en-US" sz="1400" dirty="0">
+                  <a:solidFill>
+                    <a:schemeClr val="tx1"/>
+                  </a:solidFill>
+                </a:rPr>
+                <a:t>.</a:t>
+              </a:r>
+              <a:r>
+                <a:rPr lang="en-US" sz="1400" dirty="0" err="1">
+                  <a:solidFill>
+                    <a:schemeClr val="tx1"/>
+                  </a:solidFill>
+                </a:rPr>
+                <a:t>py</a:t>
+              </a:r>
+              <a:r>
+                <a:rPr lang="en-US" sz="1400" dirty="0">
+                  <a:solidFill>
+                    <a:schemeClr val="tx1"/>
+                  </a:solidFill>
+                </a:rPr>
+                <a:t> file</a:t>
+              </a:r>
+            </a:p>
+            <a:p>
+              <a:pPr algn="ctr"/>
+              <a:r>
+                <a:rPr lang="en-US" sz="1400" dirty="0">
+                  <a:solidFill>
+                    <a:schemeClr val="tx1"/>
+                  </a:solidFill>
+                </a:rPr>
+                <a:t>In </a:t>
+              </a:r>
+              <a:r>
+                <a:rPr lang="en-US" sz="1400" dirty="0" err="1">
+                  <a:solidFill>
+                    <a:schemeClr val="tx1"/>
+                  </a:solidFill>
+                </a:rPr>
+                <a:t>github</a:t>
+              </a:r>
+              <a:endParaRPr lang="en-US" sz="1400" dirty="0">
+                <a:solidFill>
+                  <a:schemeClr val="tx1"/>
+                </a:solidFill>
+              </a:endParaRPr>
+            </a:p>
+          </p:txBody>
+        </p:sp>
+        <p:sp>
+          <p:nvSpPr>
+            <p:cNvPr id="4" name="Rectangle: Rounded Corners 3">
+              <a:extLst>
+                <a:ext uri="{FF2B5EF4-FFF2-40B4-BE49-F238E27FC236}">
+                  <a16:creationId xmlns:a16="http://schemas.microsoft.com/office/drawing/2014/main" id="{A2321DB9-EE6F-869D-3479-D8CA40C36E34}"/>
+                </a:ext>
+              </a:extLst>
+            </p:cNvPr>
+            <p:cNvSpPr/>
+            <p:nvPr/>
+          </p:nvSpPr>
+          <p:spPr>
+            <a:xfrm>
+              <a:off x="706651" y="4305869"/>
+              <a:ext cx="1545230" cy="825690"/>
+            </a:xfrm>
+            <a:prstGeom prst="roundRect">
+              <a:avLst/>
+            </a:prstGeom>
+            <a:noFill/>
+          </p:spPr>
+          <p:style>
+            <a:lnRef idx="2">
+              <a:schemeClr val="accent1">
+                <a:shade val="15000"/>
+              </a:schemeClr>
+            </a:lnRef>
+            <a:fillRef idx="1">
+              <a:schemeClr val="accent1"/>
+            </a:fillRef>
+            <a:effectRef idx="0">
+              <a:schemeClr val="accent1"/>
+            </a:effectRef>
+            <a:fontRef idx="minor">
+              <a:schemeClr val="lt1"/>
+            </a:fontRef>
+          </p:style>
+          <p:txBody>
+            <a:bodyPr rtlCol="0" anchor="ctr"/>
+            <a:lstStyle/>
+            <a:p>
+              <a:pPr algn="ctr"/>
+              <a:r>
+                <a:rPr lang="en-US" sz="1400" dirty="0">
+                  <a:solidFill>
+                    <a:schemeClr val="tx1"/>
+                  </a:solidFill>
+                </a:rPr>
+                <a:t>Prompt/Rules</a:t>
+              </a:r>
+            </a:p>
+            <a:p>
+              <a:pPr algn="ctr"/>
+              <a:r>
+                <a:rPr lang="en-US" sz="1400" dirty="0">
+                  <a:solidFill>
+                    <a:schemeClr val="tx1"/>
+                  </a:solidFill>
+                </a:rPr>
+                <a:t>.md file</a:t>
+              </a:r>
+            </a:p>
+            <a:p>
+              <a:pPr algn="ctr"/>
+              <a:r>
+                <a:rPr lang="en-US" sz="1400" dirty="0">
+                  <a:solidFill>
+                    <a:schemeClr val="tx1"/>
+                  </a:solidFill>
+                </a:rPr>
+                <a:t>In </a:t>
+              </a:r>
+              <a:r>
+                <a:rPr lang="en-US" sz="1400" dirty="0" err="1">
+                  <a:solidFill>
+                    <a:schemeClr val="tx1"/>
+                  </a:solidFill>
+                </a:rPr>
+                <a:t>github</a:t>
+              </a:r>
+              <a:endParaRPr lang="en-US" sz="1400" dirty="0">
+                <a:solidFill>
+                  <a:schemeClr val="tx1"/>
+                </a:solidFill>
+              </a:endParaRPr>
+            </a:p>
+          </p:txBody>
+        </p:sp>
+        <p:sp>
+          <p:nvSpPr>
+            <p:cNvPr id="5" name="Rectangle 4">
+              <a:extLst>
+                <a:ext uri="{FF2B5EF4-FFF2-40B4-BE49-F238E27FC236}">
+                  <a16:creationId xmlns:a16="http://schemas.microsoft.com/office/drawing/2014/main" id="{89D2F6B1-DD8A-1E79-5D9C-AE84FD1E0F30}"/>
+                </a:ext>
+              </a:extLst>
+            </p:cNvPr>
+            <p:cNvSpPr/>
+            <p:nvPr/>
+          </p:nvSpPr>
+          <p:spPr>
+            <a:xfrm>
+              <a:off x="2815307" y="3493831"/>
+              <a:ext cx="1227386" cy="846159"/>
+            </a:xfrm>
+            <a:prstGeom prst="rect">
+              <a:avLst/>
+            </a:prstGeom>
+            <a:noFill/>
+          </p:spPr>
+          <p:style>
+            <a:lnRef idx="2">
+              <a:schemeClr val="accent1">
+                <a:shade val="15000"/>
+              </a:schemeClr>
+            </a:lnRef>
+            <a:fillRef idx="1">
+              <a:schemeClr val="accent1"/>
+            </a:fillRef>
+            <a:effectRef idx="0">
+              <a:schemeClr val="accent1"/>
+            </a:effectRef>
+            <a:fontRef idx="minor">
+              <a:schemeClr val="lt1"/>
+            </a:fontRef>
+          </p:style>
+          <p:txBody>
+            <a:bodyPr rtlCol="0" anchor="ctr"/>
+            <a:lstStyle/>
+            <a:p>
+              <a:pPr algn="ctr"/>
+              <a:r>
+                <a:rPr lang="en-US" sz="1050" dirty="0">
+                  <a:solidFill>
+                    <a:schemeClr val="tx1"/>
+                  </a:solidFill>
+                </a:rPr>
+                <a:t>ChatGPT</a:t>
+              </a:r>
+            </a:p>
+            <a:p>
+              <a:pPr algn="ctr"/>
+              <a:r>
+                <a:rPr lang="en-US" sz="1050" dirty="0">
+                  <a:solidFill>
+                    <a:schemeClr val="tx1"/>
+                  </a:solidFill>
+                </a:rPr>
+                <a:t>with</a:t>
+              </a:r>
+            </a:p>
+            <a:p>
+              <a:pPr algn="ctr"/>
+              <a:r>
+                <a:rPr lang="en-US" sz="1050" dirty="0">
+                  <a:solidFill>
+                    <a:schemeClr val="tx1"/>
+                  </a:solidFill>
+                </a:rPr>
+                <a:t>Canvas</a:t>
+              </a:r>
+            </a:p>
+          </p:txBody>
+        </p:sp>
+        <p:cxnSp>
+          <p:nvCxnSpPr>
+            <p:cNvPr id="7" name="Connector: Elbow 6">
+              <a:extLst>
+                <a:ext uri="{FF2B5EF4-FFF2-40B4-BE49-F238E27FC236}">
+                  <a16:creationId xmlns:a16="http://schemas.microsoft.com/office/drawing/2014/main" id="{D37AA627-FF41-3FB6-257F-A5909A3D5269}"/>
+                </a:ext>
+              </a:extLst>
+            </p:cNvPr>
+            <p:cNvCxnSpPr>
+              <a:cxnSpLocks/>
+              <a:stCxn id="3" idx="3"/>
+              <a:endCxn id="5" idx="1"/>
+            </p:cNvCxnSpPr>
+            <p:nvPr/>
+          </p:nvCxnSpPr>
+          <p:spPr>
+            <a:xfrm>
+              <a:off x="2251881" y="3244756"/>
+              <a:ext cx="563426" cy="672155"/>
+            </a:xfrm>
+            <a:prstGeom prst="bentConnector3">
+              <a:avLst>
+                <a:gd name="adj1" fmla="val 50000"/>
+              </a:avLst>
+            </a:prstGeom>
+            <a:ln>
+              <a:tailEnd type="triangle"/>
+            </a:ln>
+          </p:spPr>
+          <p:style>
+            <a:lnRef idx="1">
+              <a:schemeClr val="accent1"/>
+            </a:lnRef>
+            <a:fillRef idx="0">
+              <a:schemeClr val="accent1"/>
+            </a:fillRef>
+            <a:effectRef idx="0">
+              <a:schemeClr val="accent1"/>
+            </a:effectRef>
+            <a:fontRef idx="minor">
+              <a:schemeClr val="tx1"/>
+            </a:fontRef>
+          </p:style>
+        </p:cxnSp>
+        <p:cxnSp>
+          <p:nvCxnSpPr>
+            <p:cNvPr id="15" name="Connector: Elbow 14">
+              <a:extLst>
+                <a:ext uri="{FF2B5EF4-FFF2-40B4-BE49-F238E27FC236}">
+                  <a16:creationId xmlns:a16="http://schemas.microsoft.com/office/drawing/2014/main" id="{18A959E5-15E3-D1BB-5058-BD631AF63935}"/>
+                </a:ext>
+              </a:extLst>
+            </p:cNvPr>
+            <p:cNvCxnSpPr>
+              <a:cxnSpLocks/>
+              <a:stCxn id="4" idx="3"/>
+              <a:endCxn id="5" idx="1"/>
+            </p:cNvCxnSpPr>
+            <p:nvPr/>
+          </p:nvCxnSpPr>
+          <p:spPr>
+            <a:xfrm flipV="1">
+              <a:off x="2251881" y="3916911"/>
+              <a:ext cx="563426" cy="801803"/>
+            </a:xfrm>
+            <a:prstGeom prst="bentConnector3">
+              <a:avLst>
+                <a:gd name="adj1" fmla="val 50000"/>
+              </a:avLst>
+            </a:prstGeom>
+            <a:ln>
+              <a:tailEnd type="triangle"/>
+            </a:ln>
+          </p:spPr>
+          <p:style>
+            <a:lnRef idx="1">
+              <a:schemeClr val="accent1"/>
+            </a:lnRef>
+            <a:fillRef idx="0">
+              <a:schemeClr val="accent1"/>
+            </a:fillRef>
+            <a:effectRef idx="0">
+              <a:schemeClr val="accent1"/>
+            </a:effectRef>
+            <a:fontRef idx="minor">
+              <a:schemeClr val="tx1"/>
+            </a:fontRef>
+          </p:style>
+        </p:cxnSp>
+        <p:sp>
+          <p:nvSpPr>
+            <p:cNvPr id="22" name="Rectangle: Rounded Corners 21">
+              <a:extLst>
+                <a:ext uri="{FF2B5EF4-FFF2-40B4-BE49-F238E27FC236}">
+                  <a16:creationId xmlns:a16="http://schemas.microsoft.com/office/drawing/2014/main" id="{38C8916C-6466-D338-8100-8D58BCB73E11}"/>
+                </a:ext>
+              </a:extLst>
+            </p:cNvPr>
+            <p:cNvSpPr/>
+            <p:nvPr/>
+          </p:nvSpPr>
+          <p:spPr>
+            <a:xfrm>
+              <a:off x="4715796" y="3493827"/>
+              <a:ext cx="1545230" cy="825690"/>
+            </a:xfrm>
+            <a:prstGeom prst="roundRect">
+              <a:avLst/>
+            </a:prstGeom>
+            <a:noFill/>
+          </p:spPr>
+          <p:style>
+            <a:lnRef idx="2">
+              <a:schemeClr val="accent1">
+                <a:shade val="15000"/>
+              </a:schemeClr>
+            </a:lnRef>
+            <a:fillRef idx="1">
+              <a:schemeClr val="accent1"/>
+            </a:fillRef>
+            <a:effectRef idx="0">
+              <a:schemeClr val="accent1"/>
+            </a:effectRef>
+            <a:fontRef idx="minor">
+              <a:schemeClr val="lt1"/>
+            </a:fontRef>
+          </p:style>
+          <p:txBody>
+            <a:bodyPr rtlCol="0" anchor="ctr"/>
+            <a:lstStyle/>
+            <a:p>
+              <a:pPr algn="ctr"/>
+              <a:r>
+                <a:rPr lang="en-US" sz="1400" dirty="0">
+                  <a:solidFill>
+                    <a:schemeClr val="tx1"/>
+                  </a:solidFill>
+                </a:rPr>
+                <a:t>Agentic English</a:t>
+              </a:r>
+            </a:p>
+            <a:p>
+              <a:pPr algn="ctr"/>
+              <a:r>
+                <a:rPr lang="en-US" sz="1400" dirty="0">
+                  <a:solidFill>
+                    <a:schemeClr val="tx1"/>
+                  </a:solidFill>
+                </a:rPr>
+                <a:t>.md file</a:t>
+              </a:r>
+            </a:p>
+            <a:p>
+              <a:pPr algn="ctr"/>
+              <a:r>
+                <a:rPr lang="en-US" sz="1400" dirty="0">
+                  <a:solidFill>
+                    <a:schemeClr val="tx1"/>
+                  </a:solidFill>
+                </a:rPr>
+                <a:t>In </a:t>
+              </a:r>
+              <a:r>
+                <a:rPr lang="en-US" sz="1400" dirty="0" err="1">
+                  <a:solidFill>
+                    <a:schemeClr val="tx1"/>
+                  </a:solidFill>
+                </a:rPr>
+                <a:t>github</a:t>
+              </a:r>
+              <a:endParaRPr lang="en-US" sz="1400" dirty="0">
+                <a:solidFill>
+                  <a:schemeClr val="tx1"/>
+                </a:solidFill>
+              </a:endParaRPr>
+            </a:p>
+          </p:txBody>
+        </p:sp>
+        <p:cxnSp>
+          <p:nvCxnSpPr>
+            <p:cNvPr id="24" name="Straight Arrow Connector 23">
+              <a:extLst>
+                <a:ext uri="{FF2B5EF4-FFF2-40B4-BE49-F238E27FC236}">
+                  <a16:creationId xmlns:a16="http://schemas.microsoft.com/office/drawing/2014/main" id="{620586F9-1E47-B66E-86C9-83935EC4123D}"/>
+                </a:ext>
+              </a:extLst>
+            </p:cNvPr>
+            <p:cNvCxnSpPr>
+              <a:cxnSpLocks/>
+              <a:stCxn id="5" idx="3"/>
+              <a:endCxn id="22" idx="1"/>
+            </p:cNvCxnSpPr>
+            <p:nvPr/>
+          </p:nvCxnSpPr>
+          <p:spPr>
+            <a:xfrm flipV="1">
+              <a:off x="4042693" y="3906672"/>
+              <a:ext cx="673103" cy="10239"/>
+            </a:xfrm>
+            <a:prstGeom prst="straightConnector1">
+              <a:avLst/>
+            </a:prstGeom>
+            <a:ln>
+              <a:tailEnd type="triangle"/>
+            </a:ln>
+          </p:spPr>
+          <p:style>
+            <a:lnRef idx="1">
+              <a:schemeClr val="accent1"/>
+            </a:lnRef>
+            <a:fillRef idx="0">
+              <a:schemeClr val="accent1"/>
+            </a:fillRef>
+            <a:effectRef idx="0">
+              <a:schemeClr val="accent1"/>
+            </a:effectRef>
+            <a:fontRef idx="minor">
+              <a:schemeClr val="tx1"/>
+            </a:fontRef>
+          </p:style>
+        </p:cxnSp>
+        <p:sp>
+          <p:nvSpPr>
+            <p:cNvPr id="29" name="TextBox 28">
+              <a:extLst>
+                <a:ext uri="{FF2B5EF4-FFF2-40B4-BE49-F238E27FC236}">
+                  <a16:creationId xmlns:a16="http://schemas.microsoft.com/office/drawing/2014/main" id="{F50BB485-54D0-7C14-526D-E46780EAD5AA}"/>
+                </a:ext>
+              </a:extLst>
+            </p:cNvPr>
+            <p:cNvSpPr txBox="1"/>
+            <p:nvPr/>
+          </p:nvSpPr>
+          <p:spPr>
+            <a:xfrm flipH="1">
+              <a:off x="1115948" y="1858178"/>
+              <a:ext cx="4626103" cy="584775"/>
+            </a:xfrm>
+            <a:prstGeom prst="rect">
+              <a:avLst/>
+            </a:prstGeom>
+            <a:noFill/>
+          </p:spPr>
+          <p:txBody>
+            <a:bodyPr wrap="square" rtlCol="0">
+              <a:spAutoFit/>
+            </a:bodyPr>
+            <a:lstStyle/>
+            <a:p>
+              <a:pPr algn="ctr"/>
+              <a:r>
+                <a:rPr lang="en-US" sz="1600" dirty="0"/>
+                <a:t>Extracting English from Python files</a:t>
+              </a:r>
+            </a:p>
+            <a:p>
+              <a:pPr algn="ctr"/>
+              <a:r>
+                <a:rPr lang="en-US" sz="1600" dirty="0"/>
+                <a:t>Github and ChatGPT Canvas</a:t>
+              </a:r>
+            </a:p>
+          </p:txBody>
+        </p:sp>
+        <p:sp>
+          <p:nvSpPr>
+            <p:cNvPr id="30" name="TextBox 29">
+              <a:extLst>
+                <a:ext uri="{FF2B5EF4-FFF2-40B4-BE49-F238E27FC236}">
+                  <a16:creationId xmlns:a16="http://schemas.microsoft.com/office/drawing/2014/main" id="{66BC5C15-0B82-AD75-5861-A017C0ED2676}"/>
+                </a:ext>
+              </a:extLst>
+            </p:cNvPr>
+            <p:cNvSpPr txBox="1"/>
+            <p:nvPr/>
+          </p:nvSpPr>
+          <p:spPr>
+            <a:xfrm flipH="1">
+              <a:off x="706651" y="2466483"/>
+              <a:ext cx="1539869" cy="307777"/>
+            </a:xfrm>
+            <a:prstGeom prst="rect">
+              <a:avLst/>
+            </a:prstGeom>
+            <a:noFill/>
+          </p:spPr>
+          <p:txBody>
+            <a:bodyPr wrap="square" rtlCol="0">
+              <a:spAutoFit/>
+            </a:bodyPr>
+            <a:lstStyle/>
+            <a:p>
+              <a:pPr algn="ctr"/>
+              <a:r>
+                <a:rPr lang="en-US" sz="1400" b="1" dirty="0"/>
+                <a:t>Public URL 1</a:t>
+              </a:r>
+            </a:p>
+          </p:txBody>
+        </p:sp>
+        <p:sp>
+          <p:nvSpPr>
+            <p:cNvPr id="31" name="TextBox 30">
+              <a:extLst>
+                <a:ext uri="{FF2B5EF4-FFF2-40B4-BE49-F238E27FC236}">
+                  <a16:creationId xmlns:a16="http://schemas.microsoft.com/office/drawing/2014/main" id="{AF08BD7B-C5D8-8B74-0C27-BE5D739334EA}"/>
+                </a:ext>
+              </a:extLst>
+            </p:cNvPr>
+            <p:cNvSpPr txBox="1"/>
+            <p:nvPr/>
+          </p:nvSpPr>
+          <p:spPr>
+            <a:xfrm flipH="1">
+              <a:off x="706651" y="5267684"/>
+              <a:ext cx="1539869" cy="307777"/>
+            </a:xfrm>
+            <a:prstGeom prst="rect">
+              <a:avLst/>
+            </a:prstGeom>
+            <a:noFill/>
+          </p:spPr>
+          <p:txBody>
+            <a:bodyPr wrap="square" rtlCol="0">
+              <a:spAutoFit/>
+            </a:bodyPr>
+            <a:lstStyle>
+              <a:defPPr>
+                <a:defRPr lang="en-US"/>
+              </a:defPPr>
+              <a:lvl1pPr algn="ctr">
+                <a:defRPr sz="1400" b="1"/>
+              </a:lvl1pPr>
+            </a:lstStyle>
+            <a:p>
+              <a:r>
+                <a:rPr lang="en-US" dirty="0"/>
+                <a:t>Public URL 2</a:t>
+              </a:r>
+            </a:p>
+          </p:txBody>
+        </p:sp>
+        <p:sp>
+          <p:nvSpPr>
+            <p:cNvPr id="33" name="Rectangle 32">
+              <a:extLst>
+                <a:ext uri="{FF2B5EF4-FFF2-40B4-BE49-F238E27FC236}">
+                  <a16:creationId xmlns:a16="http://schemas.microsoft.com/office/drawing/2014/main" id="{78A06EAA-FB41-0DBE-26AC-D679DC596A48}"/>
+                </a:ext>
+              </a:extLst>
+            </p:cNvPr>
+            <p:cNvSpPr/>
+            <p:nvPr/>
+          </p:nvSpPr>
+          <p:spPr>
+            <a:xfrm>
+              <a:off x="432843" y="1741551"/>
+              <a:ext cx="6131730" cy="3935918"/>
+            </a:xfrm>
+            <a:prstGeom prst="rect">
+              <a:avLst/>
+            </a:prstGeom>
+            <a:noFill/>
+          </p:spPr>
+          <p:style>
+            <a:lnRef idx="2">
+              <a:schemeClr val="accent1">
+                <a:shade val="15000"/>
+              </a:schemeClr>
+            </a:lnRef>
+            <a:fillRef idx="1">
+              <a:schemeClr val="accent1"/>
+            </a:fillRef>
+            <a:effectRef idx="0">
+              <a:schemeClr val="accent1"/>
+            </a:effectRef>
+            <a:fontRef idx="minor">
+              <a:schemeClr val="lt1"/>
+            </a:fontRef>
+          </p:style>
+          <p:txBody>
+            <a:bodyPr rtlCol="0" anchor="ctr"/>
+            <a:lstStyle/>
+            <a:p>
+              <a:pPr algn="ctr"/>
+              <a:endParaRPr lang="en-US" sz="1400" dirty="0">
+                <a:solidFill>
+                  <a:schemeClr val="tx1"/>
+                </a:solidFill>
+              </a:endParaRPr>
+            </a:p>
+          </p:txBody>
+        </p:sp>
+      </p:grpSp>
+    </p:spTree>
+    <p:extLst>
+      <p:ext uri="{BB962C8B-B14F-4D97-AF65-F5344CB8AC3E}">
+        <p14:creationId xmlns:p14="http://schemas.microsoft.com/office/powerpoint/2010/main" val="184519413"/>
+      </p:ext>
+    </p:extLst>
+  </p:cSld>
+  <p:clrMapOvr>
+    <a:masterClrMapping/>
+  </p:clrMapOvr>
+</p:sld>
+</file>
+
+<file path=ppt/slides/slide11.xml><?xml version="1.0" encoding="utf-8"?>
+<p:sld xmlns:a="http://schemas.openxmlformats.org/drawingml/2006/main" xmlns:r="http://schemas.openxmlformats.org/officeDocument/2006/relationships" xmlns:p="http://schemas.openxmlformats.org/presentationml/2006/main">
+  <p:cSld>
+    <p:spTree>
+      <p:nvGrpSpPr>
+        <p:cNvPr id="1" name="">
+          <a:extLst>
+            <a:ext uri="{FF2B5EF4-FFF2-40B4-BE49-F238E27FC236}">
+              <a16:creationId xmlns:a16="http://schemas.microsoft.com/office/drawing/2014/main" id="{8FCDAC28-FA91-ADAB-20DA-CFCEE63067F4}"/>
+            </a:ext>
+          </a:extLst>
+        </p:cNvPr>
+        <p:cNvGrpSpPr/>
+        <p:nvPr/>
+      </p:nvGrpSpPr>
+      <p:grpSpPr>
+        <a:xfrm>
+          <a:off x="0" y="0"/>
+          <a:ext cx="0" cy="0"/>
+          <a:chOff x="0" y="0"/>
+          <a:chExt cx="0" cy="0"/>
+        </a:xfrm>
+      </p:grpSpPr>
+      <p:grpSp>
+        <p:nvGrpSpPr>
+          <p:cNvPr id="50" name="Group 49">
+            <a:extLst>
+              <a:ext uri="{FF2B5EF4-FFF2-40B4-BE49-F238E27FC236}">
+                <a16:creationId xmlns:a16="http://schemas.microsoft.com/office/drawing/2014/main" id="{28FEC9E3-FEC4-013E-5022-C21A06A718FB}"/>
+              </a:ext>
+            </a:extLst>
+          </p:cNvPr>
+          <p:cNvGrpSpPr/>
+          <p:nvPr/>
+        </p:nvGrpSpPr>
+        <p:grpSpPr>
+          <a:xfrm>
+            <a:off x="327194" y="1610436"/>
+            <a:ext cx="6237379" cy="4653885"/>
+            <a:chOff x="327194" y="1610436"/>
+            <a:chExt cx="6237379" cy="4653885"/>
+          </a:xfrm>
+        </p:grpSpPr>
+        <p:sp>
+          <p:nvSpPr>
+            <p:cNvPr id="2" name="Rectangle 1">
+              <a:extLst>
+                <a:ext uri="{FF2B5EF4-FFF2-40B4-BE49-F238E27FC236}">
+                  <a16:creationId xmlns:a16="http://schemas.microsoft.com/office/drawing/2014/main" id="{26840436-E5DE-1B8C-3FD8-DB0418CDF0D4}"/>
+                </a:ext>
+              </a:extLst>
+            </p:cNvPr>
+            <p:cNvSpPr/>
+            <p:nvPr/>
+          </p:nvSpPr>
+          <p:spPr>
+            <a:xfrm>
+              <a:off x="1631485" y="3841559"/>
+              <a:ext cx="1207249" cy="730441"/>
+            </a:xfrm>
+            <a:prstGeom prst="rect">
+              <a:avLst/>
+            </a:prstGeom>
+            <a:noFill/>
+          </p:spPr>
+          <p:style>
+            <a:lnRef idx="2">
+              <a:schemeClr val="accent1">
+                <a:shade val="15000"/>
+              </a:schemeClr>
+            </a:lnRef>
+            <a:fillRef idx="1">
+              <a:schemeClr val="accent1"/>
+            </a:fillRef>
+            <a:effectRef idx="0">
+              <a:schemeClr val="accent1"/>
+            </a:effectRef>
+            <a:fontRef idx="minor">
+              <a:schemeClr val="lt1"/>
+            </a:fontRef>
+          </p:style>
+          <p:txBody>
+            <a:bodyPr rtlCol="0" anchor="ctr"/>
+            <a:lstStyle/>
+            <a:p>
+              <a:pPr algn="ctr"/>
+              <a:r>
+                <a:rPr lang="en-US" sz="1050" dirty="0">
+                  <a:solidFill>
+                    <a:schemeClr val="tx1"/>
+                  </a:solidFill>
+                </a:rPr>
+                <a:t>Global</a:t>
+              </a:r>
+            </a:p>
+            <a:p>
+              <a:pPr algn="ctr"/>
+              <a:r>
+                <a:rPr lang="en-US" sz="1050" dirty="0">
+                  <a:solidFill>
+                    <a:schemeClr val="tx1"/>
+                  </a:solidFill>
+                </a:rPr>
+                <a:t>Python</a:t>
+              </a:r>
+            </a:p>
+            <a:p>
+              <a:pPr algn="ctr"/>
+              <a:r>
+                <a:rPr lang="en-US" sz="1050" dirty="0">
+                  <a:solidFill>
+                    <a:schemeClr val="tx1"/>
+                  </a:solidFill>
+                </a:rPr>
+                <a:t>Installation</a:t>
+              </a:r>
+            </a:p>
+          </p:txBody>
+        </p:sp>
+        <p:sp>
+          <p:nvSpPr>
+            <p:cNvPr id="6" name="Rectangle: Rounded Corners 5">
+              <a:extLst>
+                <a:ext uri="{FF2B5EF4-FFF2-40B4-BE49-F238E27FC236}">
+                  <a16:creationId xmlns:a16="http://schemas.microsoft.com/office/drawing/2014/main" id="{2B8B0D58-9880-F110-E6F4-9D6CD15518DF}"/>
+                </a:ext>
+              </a:extLst>
+            </p:cNvPr>
+            <p:cNvSpPr/>
+            <p:nvPr/>
+          </p:nvSpPr>
+          <p:spPr>
+            <a:xfrm>
+              <a:off x="693004" y="3425302"/>
+              <a:ext cx="808250" cy="320722"/>
+            </a:xfrm>
+            <a:prstGeom prst="roundRect">
+              <a:avLst/>
+            </a:prstGeom>
+            <a:noFill/>
+          </p:spPr>
+          <p:style>
+            <a:lnRef idx="2">
+              <a:schemeClr val="accent1">
+                <a:shade val="15000"/>
+              </a:schemeClr>
+            </a:lnRef>
+            <a:fillRef idx="1">
+              <a:schemeClr val="accent1"/>
+            </a:fillRef>
+            <a:effectRef idx="0">
+              <a:schemeClr val="accent1"/>
+            </a:effectRef>
+            <a:fontRef idx="minor">
+              <a:schemeClr val="lt1"/>
+            </a:fontRef>
+          </p:style>
+          <p:txBody>
+            <a:bodyPr rtlCol="0" anchor="ctr"/>
+            <a:lstStyle/>
+            <a:p>
+              <a:pPr algn="ctr"/>
+              <a:r>
+                <a:rPr lang="en-US" sz="1400" dirty="0">
+                  <a:solidFill>
+                    <a:schemeClr val="tx1"/>
+                  </a:solidFill>
+                </a:rPr>
+                <a:t>lib</a:t>
+              </a:r>
+            </a:p>
+          </p:txBody>
+        </p:sp>
+        <p:sp>
+          <p:nvSpPr>
+            <p:cNvPr id="8" name="Rectangle: Rounded Corners 7">
+              <a:extLst>
+                <a:ext uri="{FF2B5EF4-FFF2-40B4-BE49-F238E27FC236}">
+                  <a16:creationId xmlns:a16="http://schemas.microsoft.com/office/drawing/2014/main" id="{A5AD39C8-123E-06C1-A5DB-279C7C23349D}"/>
+                </a:ext>
+              </a:extLst>
+            </p:cNvPr>
+            <p:cNvSpPr/>
+            <p:nvPr/>
+          </p:nvSpPr>
+          <p:spPr>
+            <a:xfrm>
+              <a:off x="693004" y="3790522"/>
+              <a:ext cx="808250" cy="320722"/>
+            </a:xfrm>
+            <a:prstGeom prst="roundRect">
+              <a:avLst/>
+            </a:prstGeom>
+            <a:noFill/>
+          </p:spPr>
+          <p:style>
+            <a:lnRef idx="2">
+              <a:schemeClr val="accent1">
+                <a:shade val="15000"/>
+              </a:schemeClr>
+            </a:lnRef>
+            <a:fillRef idx="1">
+              <a:schemeClr val="accent1"/>
+            </a:fillRef>
+            <a:effectRef idx="0">
+              <a:schemeClr val="accent1"/>
+            </a:effectRef>
+            <a:fontRef idx="minor">
+              <a:schemeClr val="lt1"/>
+            </a:fontRef>
+          </p:style>
+          <p:txBody>
+            <a:bodyPr rtlCol="0" anchor="ctr"/>
+            <a:lstStyle/>
+            <a:p>
+              <a:pPr algn="ctr"/>
+              <a:r>
+                <a:rPr lang="en-US" sz="1400" dirty="0">
+                  <a:solidFill>
+                    <a:schemeClr val="tx1"/>
+                  </a:solidFill>
+                </a:rPr>
+                <a:t>lib</a:t>
+              </a:r>
+            </a:p>
+          </p:txBody>
+        </p:sp>
+        <p:sp>
+          <p:nvSpPr>
+            <p:cNvPr id="9" name="Rectangle: Rounded Corners 8">
+              <a:extLst>
+                <a:ext uri="{FF2B5EF4-FFF2-40B4-BE49-F238E27FC236}">
+                  <a16:creationId xmlns:a16="http://schemas.microsoft.com/office/drawing/2014/main" id="{B24E5058-6803-933D-2FF8-45C691ED30EA}"/>
+                </a:ext>
+              </a:extLst>
+            </p:cNvPr>
+            <p:cNvSpPr/>
+            <p:nvPr/>
+          </p:nvSpPr>
+          <p:spPr>
+            <a:xfrm>
+              <a:off x="693004" y="4240898"/>
+              <a:ext cx="808250" cy="320722"/>
+            </a:xfrm>
+            <a:prstGeom prst="roundRect">
+              <a:avLst/>
+            </a:prstGeom>
+            <a:noFill/>
+          </p:spPr>
+          <p:style>
+            <a:lnRef idx="2">
+              <a:schemeClr val="accent1">
+                <a:shade val="15000"/>
+              </a:schemeClr>
+            </a:lnRef>
+            <a:fillRef idx="1">
+              <a:schemeClr val="accent1"/>
+            </a:fillRef>
+            <a:effectRef idx="0">
+              <a:schemeClr val="accent1"/>
+            </a:effectRef>
+            <a:fontRef idx="minor">
+              <a:schemeClr val="lt1"/>
+            </a:fontRef>
+          </p:style>
+          <p:txBody>
+            <a:bodyPr rtlCol="0" anchor="ctr"/>
+            <a:lstStyle/>
+            <a:p>
+              <a:pPr algn="ctr"/>
+              <a:r>
+                <a:rPr lang="en-US" sz="1400" dirty="0">
+                  <a:solidFill>
+                    <a:schemeClr val="tx1"/>
+                  </a:solidFill>
+                </a:rPr>
+                <a:t>lib</a:t>
+              </a:r>
+            </a:p>
+          </p:txBody>
+        </p:sp>
+        <p:sp>
+          <p:nvSpPr>
+            <p:cNvPr id="10" name="Rectangle: Rounded Corners 9">
+              <a:extLst>
+                <a:ext uri="{FF2B5EF4-FFF2-40B4-BE49-F238E27FC236}">
+                  <a16:creationId xmlns:a16="http://schemas.microsoft.com/office/drawing/2014/main" id="{CB7D9F3B-AF77-E320-5DC2-9C90976A7878}"/>
+                </a:ext>
+              </a:extLst>
+            </p:cNvPr>
+            <p:cNvSpPr/>
+            <p:nvPr/>
+          </p:nvSpPr>
+          <p:spPr>
+            <a:xfrm>
+              <a:off x="693004" y="4691274"/>
+              <a:ext cx="808250" cy="320722"/>
+            </a:xfrm>
+            <a:prstGeom prst="roundRect">
+              <a:avLst/>
+            </a:prstGeom>
+            <a:noFill/>
+          </p:spPr>
+          <p:style>
+            <a:lnRef idx="2">
+              <a:schemeClr val="accent1">
+                <a:shade val="15000"/>
+              </a:schemeClr>
+            </a:lnRef>
+            <a:fillRef idx="1">
+              <a:schemeClr val="accent1"/>
+            </a:fillRef>
+            <a:effectRef idx="0">
+              <a:schemeClr val="accent1"/>
+            </a:effectRef>
+            <a:fontRef idx="minor">
+              <a:schemeClr val="lt1"/>
+            </a:fontRef>
+          </p:style>
+          <p:txBody>
+            <a:bodyPr rtlCol="0" anchor="ctr"/>
+            <a:lstStyle/>
+            <a:p>
+              <a:pPr algn="ctr"/>
+              <a:r>
+                <a:rPr lang="en-US" sz="1400" dirty="0">
+                  <a:solidFill>
+                    <a:schemeClr val="tx1"/>
+                  </a:solidFill>
+                </a:rPr>
+                <a:t>lib</a:t>
+              </a:r>
+            </a:p>
+          </p:txBody>
+        </p:sp>
+        <p:grpSp>
+          <p:nvGrpSpPr>
+            <p:cNvPr id="16" name="Group 15">
+              <a:extLst>
+                <a:ext uri="{FF2B5EF4-FFF2-40B4-BE49-F238E27FC236}">
+                  <a16:creationId xmlns:a16="http://schemas.microsoft.com/office/drawing/2014/main" id="{E64D9A99-16FC-4B50-EE3F-EB8A0523D7FF}"/>
+                </a:ext>
+              </a:extLst>
+            </p:cNvPr>
+            <p:cNvGrpSpPr/>
+            <p:nvPr/>
+          </p:nvGrpSpPr>
+          <p:grpSpPr>
+            <a:xfrm>
+              <a:off x="3727359" y="2505785"/>
+              <a:ext cx="2437637" cy="919517"/>
+              <a:chOff x="3444547" y="3297067"/>
+              <a:chExt cx="2437637" cy="919517"/>
+            </a:xfrm>
+          </p:grpSpPr>
+          <p:sp>
+            <p:nvSpPr>
+              <p:cNvPr id="11" name="Rectangle 10">
+                <a:extLst>
+                  <a:ext uri="{FF2B5EF4-FFF2-40B4-BE49-F238E27FC236}">
+                    <a16:creationId xmlns:a16="http://schemas.microsoft.com/office/drawing/2014/main" id="{E9FB1B58-8E86-6E69-00F9-18112334625F}"/>
+                  </a:ext>
+                </a:extLst>
+              </p:cNvPr>
+              <p:cNvSpPr/>
+              <p:nvPr/>
+            </p:nvSpPr>
+            <p:spPr>
+              <a:xfrm>
+                <a:off x="3444547" y="3472924"/>
+                <a:ext cx="1207249" cy="546197"/>
+              </a:xfrm>
+              <a:prstGeom prst="rect">
+                <a:avLst/>
+              </a:prstGeom>
+              <a:noFill/>
+            </p:spPr>
+            <p:style>
+              <a:lnRef idx="2">
+                <a:schemeClr val="accent1">
+                  <a:shade val="15000"/>
+                </a:schemeClr>
+              </a:lnRef>
+              <a:fillRef idx="1">
+                <a:schemeClr val="accent1"/>
+              </a:fillRef>
+              <a:effectRef idx="0">
+                <a:schemeClr val="accent1"/>
+              </a:effectRef>
+              <a:fontRef idx="minor">
+                <a:schemeClr val="lt1"/>
+              </a:fontRef>
+            </p:style>
+            <p:txBody>
+              <a:bodyPr rtlCol="0" anchor="ctr"/>
+              <a:lstStyle/>
+              <a:p>
+                <a:pPr algn="ctr"/>
+                <a:r>
+                  <a:rPr lang="en-US" sz="1050" dirty="0">
+                    <a:solidFill>
+                      <a:schemeClr val="tx1"/>
+                    </a:solidFill>
+                  </a:rPr>
+                  <a:t>Project 1</a:t>
+                </a:r>
+              </a:p>
+            </p:txBody>
+          </p:sp>
+          <p:sp>
+            <p:nvSpPr>
+              <p:cNvPr id="12" name="Rectangle: Rounded Corners 11">
+                <a:extLst>
+                  <a:ext uri="{FF2B5EF4-FFF2-40B4-BE49-F238E27FC236}">
+                    <a16:creationId xmlns:a16="http://schemas.microsoft.com/office/drawing/2014/main" id="{B1252B3F-4BD4-85C7-E5B1-04AF847B3648}"/>
+                  </a:ext>
+                </a:extLst>
+              </p:cNvPr>
+              <p:cNvSpPr/>
+              <p:nvPr/>
+            </p:nvSpPr>
+            <p:spPr>
+              <a:xfrm>
+                <a:off x="4782027" y="3297067"/>
+                <a:ext cx="1100157" cy="256469"/>
+              </a:xfrm>
+              <a:prstGeom prst="roundRect">
+                <a:avLst/>
+              </a:prstGeom>
+              <a:noFill/>
+            </p:spPr>
+            <p:style>
+              <a:lnRef idx="2">
+                <a:schemeClr val="accent1">
+                  <a:shade val="15000"/>
+                </a:schemeClr>
+              </a:lnRef>
+              <a:fillRef idx="1">
+                <a:schemeClr val="accent1"/>
+              </a:fillRef>
+              <a:effectRef idx="0">
+                <a:schemeClr val="accent1"/>
+              </a:effectRef>
+              <a:fontRef idx="minor">
+                <a:schemeClr val="lt1"/>
+              </a:fontRef>
+            </p:style>
+            <p:txBody>
+              <a:bodyPr rtlCol="0" anchor="ctr"/>
+              <a:lstStyle/>
+              <a:p>
+                <a:pPr algn="ctr"/>
+                <a:r>
+                  <a:rPr lang="en-US" sz="1400" dirty="0">
+                    <a:solidFill>
+                      <a:schemeClr val="tx1"/>
+                    </a:solidFill>
+                  </a:rPr>
+                  <a:t>Sub </a:t>
+                </a:r>
+                <a:r>
+                  <a:rPr lang="en-US" sz="1400" dirty="0" err="1">
+                    <a:solidFill>
+                      <a:schemeClr val="tx1"/>
+                    </a:solidFill>
+                  </a:rPr>
+                  <a:t>dir</a:t>
+                </a:r>
+                <a:endParaRPr lang="en-US" sz="1400" dirty="0">
+                  <a:solidFill>
+                    <a:schemeClr val="tx1"/>
+                  </a:solidFill>
+                </a:endParaRPr>
+              </a:p>
+            </p:txBody>
+          </p:sp>
+          <p:sp>
+            <p:nvSpPr>
+              <p:cNvPr id="13" name="Rectangle: Rounded Corners 12">
+                <a:extLst>
+                  <a:ext uri="{FF2B5EF4-FFF2-40B4-BE49-F238E27FC236}">
+                    <a16:creationId xmlns:a16="http://schemas.microsoft.com/office/drawing/2014/main" id="{0E0F678C-D3A6-B480-53EF-DB6D3BFE91F3}"/>
+                  </a:ext>
+                </a:extLst>
+              </p:cNvPr>
+              <p:cNvSpPr/>
+              <p:nvPr/>
+            </p:nvSpPr>
+            <p:spPr>
+              <a:xfrm>
+                <a:off x="4782027" y="3617789"/>
+                <a:ext cx="1100157" cy="256469"/>
+              </a:xfrm>
+              <a:prstGeom prst="roundRect">
+                <a:avLst/>
+              </a:prstGeom>
+              <a:noFill/>
+            </p:spPr>
+            <p:style>
+              <a:lnRef idx="2">
+                <a:schemeClr val="accent1">
+                  <a:shade val="15000"/>
+                </a:schemeClr>
+              </a:lnRef>
+              <a:fillRef idx="1">
+                <a:schemeClr val="accent1"/>
+              </a:fillRef>
+              <a:effectRef idx="0">
+                <a:schemeClr val="accent1"/>
+              </a:effectRef>
+              <a:fontRef idx="minor">
+                <a:schemeClr val="lt1"/>
+              </a:fontRef>
+            </p:style>
+            <p:txBody>
+              <a:bodyPr rtlCol="0" anchor="ctr"/>
+              <a:lstStyle/>
+              <a:p>
+                <a:pPr algn="ctr"/>
+                <a:r>
+                  <a:rPr lang="en-US" sz="1400" dirty="0">
+                    <a:solidFill>
+                      <a:schemeClr val="tx1"/>
+                    </a:solidFill>
+                  </a:rPr>
+                  <a:t>Sub </a:t>
+                </a:r>
+                <a:r>
+                  <a:rPr lang="en-US" sz="1400" dirty="0" err="1">
+                    <a:solidFill>
+                      <a:schemeClr val="tx1"/>
+                    </a:solidFill>
+                  </a:rPr>
+                  <a:t>dir</a:t>
+                </a:r>
+                <a:endParaRPr lang="en-US" sz="1400" dirty="0">
+                  <a:solidFill>
+                    <a:schemeClr val="tx1"/>
+                  </a:solidFill>
+                </a:endParaRPr>
+              </a:p>
+            </p:txBody>
+          </p:sp>
+          <p:sp>
+            <p:nvSpPr>
+              <p:cNvPr id="14" name="Rectangle: Rounded Corners 13">
+                <a:extLst>
+                  <a:ext uri="{FF2B5EF4-FFF2-40B4-BE49-F238E27FC236}">
+                    <a16:creationId xmlns:a16="http://schemas.microsoft.com/office/drawing/2014/main" id="{A65B9C25-1823-20D9-83D7-C290367DD645}"/>
+                  </a:ext>
+                </a:extLst>
+              </p:cNvPr>
+              <p:cNvSpPr/>
+              <p:nvPr/>
+            </p:nvSpPr>
+            <p:spPr>
+              <a:xfrm>
+                <a:off x="4782027" y="3960115"/>
+                <a:ext cx="1100157" cy="256469"/>
+              </a:xfrm>
+              <a:prstGeom prst="roundRect">
+                <a:avLst/>
+              </a:prstGeom>
+              <a:noFill/>
+            </p:spPr>
+            <p:style>
+              <a:lnRef idx="2">
+                <a:schemeClr val="accent1">
+                  <a:shade val="15000"/>
+                </a:schemeClr>
+              </a:lnRef>
+              <a:fillRef idx="1">
+                <a:schemeClr val="accent1"/>
+              </a:fillRef>
+              <a:effectRef idx="0">
+                <a:schemeClr val="accent1"/>
+              </a:effectRef>
+              <a:fontRef idx="minor">
+                <a:schemeClr val="lt1"/>
+              </a:fontRef>
+            </p:style>
+            <p:txBody>
+              <a:bodyPr rtlCol="0" anchor="ctr"/>
+              <a:lstStyle/>
+              <a:p>
+                <a:pPr algn="ctr"/>
+                <a:r>
+                  <a:rPr lang="en-US" sz="1400" dirty="0">
+                    <a:solidFill>
+                      <a:schemeClr val="tx1"/>
+                    </a:solidFill>
+                  </a:rPr>
+                  <a:t>Sub </a:t>
+                </a:r>
+                <a:r>
+                  <a:rPr lang="en-US" sz="1400" dirty="0" err="1">
+                    <a:solidFill>
+                      <a:schemeClr val="tx1"/>
+                    </a:solidFill>
+                  </a:rPr>
+                  <a:t>dir</a:t>
+                </a:r>
+                <a:endParaRPr lang="en-US" sz="1400" dirty="0">
+                  <a:solidFill>
+                    <a:schemeClr val="tx1"/>
+                  </a:solidFill>
+                </a:endParaRPr>
+              </a:p>
+            </p:txBody>
+          </p:sp>
+        </p:grpSp>
+        <p:grpSp>
+          <p:nvGrpSpPr>
+            <p:cNvPr id="17" name="Group 16">
+              <a:extLst>
+                <a:ext uri="{FF2B5EF4-FFF2-40B4-BE49-F238E27FC236}">
+                  <a16:creationId xmlns:a16="http://schemas.microsoft.com/office/drawing/2014/main" id="{C6972DAC-8F2F-A1FD-1A0D-CA0204D43164}"/>
+                </a:ext>
+              </a:extLst>
+            </p:cNvPr>
+            <p:cNvGrpSpPr/>
+            <p:nvPr/>
+          </p:nvGrpSpPr>
+          <p:grpSpPr>
+            <a:xfrm>
+              <a:off x="3781949" y="3664567"/>
+              <a:ext cx="2437637" cy="919517"/>
+              <a:chOff x="3444547" y="3297067"/>
+              <a:chExt cx="2437637" cy="919517"/>
+            </a:xfrm>
+          </p:grpSpPr>
+          <p:sp>
+            <p:nvSpPr>
+              <p:cNvPr id="18" name="Rectangle 17">
+                <a:extLst>
+                  <a:ext uri="{FF2B5EF4-FFF2-40B4-BE49-F238E27FC236}">
+                    <a16:creationId xmlns:a16="http://schemas.microsoft.com/office/drawing/2014/main" id="{1285A463-F620-FB86-C190-E7F06BE46A34}"/>
+                  </a:ext>
+                </a:extLst>
+              </p:cNvPr>
+              <p:cNvSpPr/>
+              <p:nvPr/>
+            </p:nvSpPr>
+            <p:spPr>
+              <a:xfrm>
+                <a:off x="3444547" y="3472924"/>
+                <a:ext cx="1207249" cy="546197"/>
+              </a:xfrm>
+              <a:prstGeom prst="rect">
+                <a:avLst/>
+              </a:prstGeom>
+              <a:noFill/>
+            </p:spPr>
+            <p:style>
+              <a:lnRef idx="2">
+                <a:schemeClr val="accent1">
+                  <a:shade val="15000"/>
+                </a:schemeClr>
+              </a:lnRef>
+              <a:fillRef idx="1">
+                <a:schemeClr val="accent1"/>
+              </a:fillRef>
+              <a:effectRef idx="0">
+                <a:schemeClr val="accent1"/>
+              </a:effectRef>
+              <a:fontRef idx="minor">
+                <a:schemeClr val="lt1"/>
+              </a:fontRef>
+            </p:style>
+            <p:txBody>
+              <a:bodyPr rtlCol="0" anchor="ctr"/>
+              <a:lstStyle/>
+              <a:p>
+                <a:pPr algn="ctr"/>
+                <a:r>
+                  <a:rPr lang="en-US" sz="1050" dirty="0">
+                    <a:solidFill>
+                      <a:schemeClr val="tx1"/>
+                    </a:solidFill>
+                  </a:rPr>
+                  <a:t>Project 2</a:t>
+                </a:r>
+              </a:p>
+            </p:txBody>
+          </p:sp>
+          <p:sp>
+            <p:nvSpPr>
+              <p:cNvPr id="19" name="Rectangle: Rounded Corners 18">
+                <a:extLst>
+                  <a:ext uri="{FF2B5EF4-FFF2-40B4-BE49-F238E27FC236}">
+                    <a16:creationId xmlns:a16="http://schemas.microsoft.com/office/drawing/2014/main" id="{788CB140-AFD5-AA9E-041C-6DEEE92C45E0}"/>
+                  </a:ext>
+                </a:extLst>
+              </p:cNvPr>
+              <p:cNvSpPr/>
+              <p:nvPr/>
+            </p:nvSpPr>
+            <p:spPr>
+              <a:xfrm>
+                <a:off x="4782027" y="3297067"/>
+                <a:ext cx="1100157" cy="256469"/>
+              </a:xfrm>
+              <a:prstGeom prst="roundRect">
+                <a:avLst/>
+              </a:prstGeom>
+              <a:noFill/>
+            </p:spPr>
+            <p:style>
+              <a:lnRef idx="2">
+                <a:schemeClr val="accent1">
+                  <a:shade val="15000"/>
+                </a:schemeClr>
+              </a:lnRef>
+              <a:fillRef idx="1">
+                <a:schemeClr val="accent1"/>
+              </a:fillRef>
+              <a:effectRef idx="0">
+                <a:schemeClr val="accent1"/>
+              </a:effectRef>
+              <a:fontRef idx="minor">
+                <a:schemeClr val="lt1"/>
+              </a:fontRef>
+            </p:style>
+            <p:txBody>
+              <a:bodyPr rtlCol="0" anchor="ctr"/>
+              <a:lstStyle/>
+              <a:p>
+                <a:pPr algn="ctr"/>
+                <a:r>
+                  <a:rPr lang="en-US" sz="1400" dirty="0">
+                    <a:solidFill>
+                      <a:schemeClr val="tx1"/>
+                    </a:solidFill>
+                  </a:rPr>
+                  <a:t>Sub </a:t>
+                </a:r>
+                <a:r>
+                  <a:rPr lang="en-US" sz="1400" dirty="0" err="1">
+                    <a:solidFill>
+                      <a:schemeClr val="tx1"/>
+                    </a:solidFill>
+                  </a:rPr>
+                  <a:t>dir</a:t>
+                </a:r>
+                <a:endParaRPr lang="en-US" sz="1400" dirty="0">
+                  <a:solidFill>
+                    <a:schemeClr val="tx1"/>
+                  </a:solidFill>
+                </a:endParaRPr>
+              </a:p>
+            </p:txBody>
+          </p:sp>
+          <p:sp>
+            <p:nvSpPr>
+              <p:cNvPr id="20" name="Rectangle: Rounded Corners 19">
+                <a:extLst>
+                  <a:ext uri="{FF2B5EF4-FFF2-40B4-BE49-F238E27FC236}">
+                    <a16:creationId xmlns:a16="http://schemas.microsoft.com/office/drawing/2014/main" id="{D48BD2A1-E6D2-808F-4D30-5FE67B02C4EE}"/>
+                  </a:ext>
+                </a:extLst>
+              </p:cNvPr>
+              <p:cNvSpPr/>
+              <p:nvPr/>
+            </p:nvSpPr>
+            <p:spPr>
+              <a:xfrm>
+                <a:off x="4782027" y="3617789"/>
+                <a:ext cx="1100157" cy="256469"/>
+              </a:xfrm>
+              <a:prstGeom prst="roundRect">
+                <a:avLst/>
+              </a:prstGeom>
+              <a:noFill/>
+            </p:spPr>
+            <p:style>
+              <a:lnRef idx="2">
+                <a:schemeClr val="accent1">
+                  <a:shade val="15000"/>
+                </a:schemeClr>
+              </a:lnRef>
+              <a:fillRef idx="1">
+                <a:schemeClr val="accent1"/>
+              </a:fillRef>
+              <a:effectRef idx="0">
+                <a:schemeClr val="accent1"/>
+              </a:effectRef>
+              <a:fontRef idx="minor">
+                <a:schemeClr val="lt1"/>
+              </a:fontRef>
+            </p:style>
+            <p:txBody>
+              <a:bodyPr rtlCol="0" anchor="ctr"/>
+              <a:lstStyle/>
+              <a:p>
+                <a:pPr algn="ctr"/>
+                <a:r>
+                  <a:rPr lang="en-US" sz="1400" dirty="0">
+                    <a:solidFill>
+                      <a:schemeClr val="tx1"/>
+                    </a:solidFill>
+                  </a:rPr>
+                  <a:t>Sub </a:t>
+                </a:r>
+                <a:r>
+                  <a:rPr lang="en-US" sz="1400" dirty="0" err="1">
+                    <a:solidFill>
+                      <a:schemeClr val="tx1"/>
+                    </a:solidFill>
+                  </a:rPr>
+                  <a:t>dir</a:t>
+                </a:r>
+                <a:endParaRPr lang="en-US" sz="1400" dirty="0">
+                  <a:solidFill>
+                    <a:schemeClr val="tx1"/>
+                  </a:solidFill>
+                </a:endParaRPr>
+              </a:p>
+            </p:txBody>
+          </p:sp>
+          <p:sp>
+            <p:nvSpPr>
+              <p:cNvPr id="21" name="Rectangle: Rounded Corners 20">
+                <a:extLst>
+                  <a:ext uri="{FF2B5EF4-FFF2-40B4-BE49-F238E27FC236}">
+                    <a16:creationId xmlns:a16="http://schemas.microsoft.com/office/drawing/2014/main" id="{B0611147-C6D1-E24A-87C6-B8BBD07D945F}"/>
+                  </a:ext>
+                </a:extLst>
+              </p:cNvPr>
+              <p:cNvSpPr/>
+              <p:nvPr/>
+            </p:nvSpPr>
+            <p:spPr>
+              <a:xfrm>
+                <a:off x="4782027" y="3960115"/>
+                <a:ext cx="1100157" cy="256469"/>
+              </a:xfrm>
+              <a:prstGeom prst="roundRect">
+                <a:avLst/>
+              </a:prstGeom>
+              <a:noFill/>
+            </p:spPr>
+            <p:style>
+              <a:lnRef idx="2">
+                <a:schemeClr val="accent1">
+                  <a:shade val="15000"/>
+                </a:schemeClr>
+              </a:lnRef>
+              <a:fillRef idx="1">
+                <a:schemeClr val="accent1"/>
+              </a:fillRef>
+              <a:effectRef idx="0">
+                <a:schemeClr val="accent1"/>
+              </a:effectRef>
+              <a:fontRef idx="minor">
+                <a:schemeClr val="lt1"/>
+              </a:fontRef>
+            </p:style>
+            <p:txBody>
+              <a:bodyPr rtlCol="0" anchor="ctr"/>
+              <a:lstStyle/>
+              <a:p>
+                <a:pPr algn="ctr"/>
+                <a:r>
+                  <a:rPr lang="en-US" sz="1400" dirty="0">
+                    <a:solidFill>
+                      <a:schemeClr val="tx1"/>
+                    </a:solidFill>
+                  </a:rPr>
+                  <a:t>Sub </a:t>
+                </a:r>
+                <a:r>
+                  <a:rPr lang="en-US" sz="1400" dirty="0" err="1">
+                    <a:solidFill>
+                      <a:schemeClr val="tx1"/>
+                    </a:solidFill>
+                  </a:rPr>
+                  <a:t>dir</a:t>
+                </a:r>
+                <a:endParaRPr lang="en-US" sz="1400" dirty="0">
+                  <a:solidFill>
+                    <a:schemeClr val="tx1"/>
+                  </a:solidFill>
+                </a:endParaRPr>
+              </a:p>
+            </p:txBody>
+          </p:sp>
+        </p:grpSp>
+        <p:grpSp>
+          <p:nvGrpSpPr>
+            <p:cNvPr id="23" name="Group 22">
+              <a:extLst>
+                <a:ext uri="{FF2B5EF4-FFF2-40B4-BE49-F238E27FC236}">
+                  <a16:creationId xmlns:a16="http://schemas.microsoft.com/office/drawing/2014/main" id="{4E84C8D8-F6CE-8432-6071-64D42CAA04EF}"/>
+                </a:ext>
+              </a:extLst>
+            </p:cNvPr>
+            <p:cNvGrpSpPr/>
+            <p:nvPr/>
+          </p:nvGrpSpPr>
+          <p:grpSpPr>
+            <a:xfrm>
+              <a:off x="3791428" y="4855481"/>
+              <a:ext cx="2437637" cy="919517"/>
+              <a:chOff x="3444547" y="3297067"/>
+              <a:chExt cx="2437637" cy="919517"/>
+            </a:xfrm>
+          </p:grpSpPr>
+          <p:sp>
+            <p:nvSpPr>
+              <p:cNvPr id="25" name="Rectangle 24">
+                <a:extLst>
+                  <a:ext uri="{FF2B5EF4-FFF2-40B4-BE49-F238E27FC236}">
+                    <a16:creationId xmlns:a16="http://schemas.microsoft.com/office/drawing/2014/main" id="{F9BF82A2-13FE-923F-6E02-CD01C5CD5801}"/>
+                  </a:ext>
+                </a:extLst>
+              </p:cNvPr>
+              <p:cNvSpPr/>
+              <p:nvPr/>
+            </p:nvSpPr>
+            <p:spPr>
+              <a:xfrm>
+                <a:off x="3444547" y="3472924"/>
+                <a:ext cx="1207249" cy="546197"/>
+              </a:xfrm>
+              <a:prstGeom prst="rect">
+                <a:avLst/>
+              </a:prstGeom>
+              <a:noFill/>
+            </p:spPr>
+            <p:style>
+              <a:lnRef idx="2">
+                <a:schemeClr val="accent1">
+                  <a:shade val="15000"/>
+                </a:schemeClr>
+              </a:lnRef>
+              <a:fillRef idx="1">
+                <a:schemeClr val="accent1"/>
+              </a:fillRef>
+              <a:effectRef idx="0">
+                <a:schemeClr val="accent1"/>
+              </a:effectRef>
+              <a:fontRef idx="minor">
+                <a:schemeClr val="lt1"/>
+              </a:fontRef>
+            </p:style>
+            <p:txBody>
+              <a:bodyPr rtlCol="0" anchor="ctr"/>
+              <a:lstStyle/>
+              <a:p>
+                <a:pPr algn="ctr"/>
+                <a:r>
+                  <a:rPr lang="en-US" sz="1050" dirty="0">
+                    <a:solidFill>
+                      <a:schemeClr val="tx1"/>
+                    </a:solidFill>
+                  </a:rPr>
+                  <a:t>Project 3</a:t>
+                </a:r>
+              </a:p>
+            </p:txBody>
+          </p:sp>
+          <p:sp>
+            <p:nvSpPr>
+              <p:cNvPr id="26" name="Rectangle: Rounded Corners 25">
+                <a:extLst>
+                  <a:ext uri="{FF2B5EF4-FFF2-40B4-BE49-F238E27FC236}">
+                    <a16:creationId xmlns:a16="http://schemas.microsoft.com/office/drawing/2014/main" id="{761A58E5-D55A-CDF1-061A-344363BD4748}"/>
+                  </a:ext>
+                </a:extLst>
+              </p:cNvPr>
+              <p:cNvSpPr/>
+              <p:nvPr/>
+            </p:nvSpPr>
+            <p:spPr>
+              <a:xfrm>
+                <a:off x="4782027" y="3297067"/>
+                <a:ext cx="1100157" cy="256469"/>
+              </a:xfrm>
+              <a:prstGeom prst="roundRect">
+                <a:avLst/>
+              </a:prstGeom>
+              <a:noFill/>
+            </p:spPr>
+            <p:style>
+              <a:lnRef idx="2">
+                <a:schemeClr val="accent1">
+                  <a:shade val="15000"/>
+                </a:schemeClr>
+              </a:lnRef>
+              <a:fillRef idx="1">
+                <a:schemeClr val="accent1"/>
+              </a:fillRef>
+              <a:effectRef idx="0">
+                <a:schemeClr val="accent1"/>
+              </a:effectRef>
+              <a:fontRef idx="minor">
+                <a:schemeClr val="lt1"/>
+              </a:fontRef>
+            </p:style>
+            <p:txBody>
+              <a:bodyPr rtlCol="0" anchor="ctr"/>
+              <a:lstStyle/>
+              <a:p>
+                <a:pPr algn="ctr"/>
+                <a:r>
+                  <a:rPr lang="en-US" sz="1400" dirty="0">
+                    <a:solidFill>
+                      <a:schemeClr val="tx1"/>
+                    </a:solidFill>
+                  </a:rPr>
+                  <a:t>Sub </a:t>
+                </a:r>
+                <a:r>
+                  <a:rPr lang="en-US" sz="1400" dirty="0" err="1">
+                    <a:solidFill>
+                      <a:schemeClr val="tx1"/>
+                    </a:solidFill>
+                  </a:rPr>
+                  <a:t>dir</a:t>
+                </a:r>
+                <a:endParaRPr lang="en-US" sz="1400" dirty="0">
+                  <a:solidFill>
+                    <a:schemeClr val="tx1"/>
+                  </a:solidFill>
+                </a:endParaRPr>
+              </a:p>
+            </p:txBody>
+          </p:sp>
+          <p:sp>
+            <p:nvSpPr>
+              <p:cNvPr id="27" name="Rectangle: Rounded Corners 26">
+                <a:extLst>
+                  <a:ext uri="{FF2B5EF4-FFF2-40B4-BE49-F238E27FC236}">
+                    <a16:creationId xmlns:a16="http://schemas.microsoft.com/office/drawing/2014/main" id="{6808E0B9-52FA-41C4-0834-571B72559AA2}"/>
+                  </a:ext>
+                </a:extLst>
+              </p:cNvPr>
+              <p:cNvSpPr/>
+              <p:nvPr/>
+            </p:nvSpPr>
+            <p:spPr>
+              <a:xfrm>
+                <a:off x="4782027" y="3617789"/>
+                <a:ext cx="1100157" cy="256469"/>
+              </a:xfrm>
+              <a:prstGeom prst="roundRect">
+                <a:avLst/>
+              </a:prstGeom>
+              <a:noFill/>
+            </p:spPr>
+            <p:style>
+              <a:lnRef idx="2">
+                <a:schemeClr val="accent1">
+                  <a:shade val="15000"/>
+                </a:schemeClr>
+              </a:lnRef>
+              <a:fillRef idx="1">
+                <a:schemeClr val="accent1"/>
+              </a:fillRef>
+              <a:effectRef idx="0">
+                <a:schemeClr val="accent1"/>
+              </a:effectRef>
+              <a:fontRef idx="minor">
+                <a:schemeClr val="lt1"/>
+              </a:fontRef>
+            </p:style>
+            <p:txBody>
+              <a:bodyPr rtlCol="0" anchor="ctr"/>
+              <a:lstStyle/>
+              <a:p>
+                <a:pPr algn="ctr"/>
+                <a:r>
+                  <a:rPr lang="en-US" sz="1400" dirty="0">
+                    <a:solidFill>
+                      <a:schemeClr val="tx1"/>
+                    </a:solidFill>
+                  </a:rPr>
+                  <a:t>Sub </a:t>
+                </a:r>
+                <a:r>
+                  <a:rPr lang="en-US" sz="1400" dirty="0" err="1">
+                    <a:solidFill>
+                      <a:schemeClr val="tx1"/>
+                    </a:solidFill>
+                  </a:rPr>
+                  <a:t>dir</a:t>
+                </a:r>
+                <a:endParaRPr lang="en-US" sz="1400" dirty="0">
+                  <a:solidFill>
+                    <a:schemeClr val="tx1"/>
+                  </a:solidFill>
+                </a:endParaRPr>
+              </a:p>
+            </p:txBody>
+          </p:sp>
+          <p:sp>
+            <p:nvSpPr>
+              <p:cNvPr id="28" name="Rectangle: Rounded Corners 27">
+                <a:extLst>
+                  <a:ext uri="{FF2B5EF4-FFF2-40B4-BE49-F238E27FC236}">
+                    <a16:creationId xmlns:a16="http://schemas.microsoft.com/office/drawing/2014/main" id="{6D7E0A3E-DCAE-DE58-A705-7473A7A27643}"/>
+                  </a:ext>
+                </a:extLst>
+              </p:cNvPr>
+              <p:cNvSpPr/>
+              <p:nvPr/>
+            </p:nvSpPr>
+            <p:spPr>
+              <a:xfrm>
+                <a:off x="4782027" y="3960115"/>
+                <a:ext cx="1100157" cy="256469"/>
+              </a:xfrm>
+              <a:prstGeom prst="roundRect">
+                <a:avLst/>
+              </a:prstGeom>
+              <a:noFill/>
+            </p:spPr>
+            <p:style>
+              <a:lnRef idx="2">
+                <a:schemeClr val="accent1">
+                  <a:shade val="15000"/>
+                </a:schemeClr>
+              </a:lnRef>
+              <a:fillRef idx="1">
+                <a:schemeClr val="accent1"/>
+              </a:fillRef>
+              <a:effectRef idx="0">
+                <a:schemeClr val="accent1"/>
+              </a:effectRef>
+              <a:fontRef idx="minor">
+                <a:schemeClr val="lt1"/>
+              </a:fontRef>
+            </p:style>
+            <p:txBody>
+              <a:bodyPr rtlCol="0" anchor="ctr"/>
+              <a:lstStyle/>
+              <a:p>
+                <a:pPr algn="ctr"/>
+                <a:r>
+                  <a:rPr lang="en-US" sz="1400" dirty="0">
+                    <a:solidFill>
+                      <a:schemeClr val="tx1"/>
+                    </a:solidFill>
+                  </a:rPr>
+                  <a:t>Sub </a:t>
+                </a:r>
+                <a:r>
+                  <a:rPr lang="en-US" sz="1400" dirty="0" err="1">
+                    <a:solidFill>
+                      <a:schemeClr val="tx1"/>
+                    </a:solidFill>
+                  </a:rPr>
+                  <a:t>dir</a:t>
+                </a:r>
+                <a:endParaRPr lang="en-US" sz="1400" dirty="0">
+                  <a:solidFill>
+                    <a:schemeClr val="tx1"/>
+                  </a:solidFill>
+                </a:endParaRPr>
+              </a:p>
+            </p:txBody>
+          </p:sp>
+        </p:grpSp>
+        <p:cxnSp>
+          <p:nvCxnSpPr>
+            <p:cNvPr id="35" name="Straight Arrow Connector 34">
+              <a:extLst>
+                <a:ext uri="{FF2B5EF4-FFF2-40B4-BE49-F238E27FC236}">
+                  <a16:creationId xmlns:a16="http://schemas.microsoft.com/office/drawing/2014/main" id="{043CEF4C-5B84-722A-B697-608865728D6A}"/>
+                </a:ext>
+              </a:extLst>
+            </p:cNvPr>
+            <p:cNvCxnSpPr>
+              <a:cxnSpLocks/>
+              <a:stCxn id="11" idx="1"/>
+              <a:endCxn id="2" idx="3"/>
+            </p:cNvCxnSpPr>
+            <p:nvPr/>
+          </p:nvCxnSpPr>
+          <p:spPr>
+            <a:xfrm flipH="1">
+              <a:off x="2838734" y="2954741"/>
+              <a:ext cx="888625" cy="1252039"/>
+            </a:xfrm>
+            <a:prstGeom prst="straightConnector1">
+              <a:avLst/>
+            </a:prstGeom>
+            <a:ln>
+              <a:tailEnd type="triangle"/>
+            </a:ln>
+          </p:spPr>
+          <p:style>
+            <a:lnRef idx="1">
+              <a:schemeClr val="accent1"/>
+            </a:lnRef>
+            <a:fillRef idx="0">
+              <a:schemeClr val="accent1"/>
+            </a:fillRef>
+            <a:effectRef idx="0">
+              <a:schemeClr val="accent1"/>
+            </a:effectRef>
+            <a:fontRef idx="minor">
+              <a:schemeClr val="tx1"/>
+            </a:fontRef>
+          </p:style>
+        </p:cxnSp>
+        <p:cxnSp>
+          <p:nvCxnSpPr>
+            <p:cNvPr id="38" name="Straight Arrow Connector 37">
+              <a:extLst>
+                <a:ext uri="{FF2B5EF4-FFF2-40B4-BE49-F238E27FC236}">
+                  <a16:creationId xmlns:a16="http://schemas.microsoft.com/office/drawing/2014/main" id="{91AB55FE-BFDD-C81C-27D3-790D0F3DF445}"/>
+                </a:ext>
+              </a:extLst>
+            </p:cNvPr>
+            <p:cNvCxnSpPr>
+              <a:cxnSpLocks/>
+              <a:stCxn id="18" idx="1"/>
+              <a:endCxn id="2" idx="3"/>
+            </p:cNvCxnSpPr>
+            <p:nvPr/>
+          </p:nvCxnSpPr>
+          <p:spPr>
+            <a:xfrm flipH="1">
+              <a:off x="2838734" y="4113523"/>
+              <a:ext cx="943215" cy="93257"/>
+            </a:xfrm>
+            <a:prstGeom prst="straightConnector1">
+              <a:avLst/>
+            </a:prstGeom>
+            <a:ln>
+              <a:tailEnd type="triangle"/>
+            </a:ln>
+          </p:spPr>
+          <p:style>
+            <a:lnRef idx="1">
+              <a:schemeClr val="accent1"/>
+            </a:lnRef>
+            <a:fillRef idx="0">
+              <a:schemeClr val="accent1"/>
+            </a:fillRef>
+            <a:effectRef idx="0">
+              <a:schemeClr val="accent1"/>
+            </a:effectRef>
+            <a:fontRef idx="minor">
+              <a:schemeClr val="tx1"/>
+            </a:fontRef>
+          </p:style>
+        </p:cxnSp>
+        <p:cxnSp>
+          <p:nvCxnSpPr>
+            <p:cNvPr id="41" name="Straight Arrow Connector 40">
+              <a:extLst>
+                <a:ext uri="{FF2B5EF4-FFF2-40B4-BE49-F238E27FC236}">
+                  <a16:creationId xmlns:a16="http://schemas.microsoft.com/office/drawing/2014/main" id="{87F11D3C-9FDD-DE73-FFF7-A6D86F28F7E9}"/>
+                </a:ext>
+              </a:extLst>
+            </p:cNvPr>
+            <p:cNvCxnSpPr>
+              <a:cxnSpLocks/>
+              <a:stCxn id="25" idx="1"/>
+              <a:endCxn id="2" idx="3"/>
+            </p:cNvCxnSpPr>
+            <p:nvPr/>
+          </p:nvCxnSpPr>
+          <p:spPr>
+            <a:xfrm flipH="1" flipV="1">
+              <a:off x="2838734" y="4206780"/>
+              <a:ext cx="952694" cy="1097657"/>
+            </a:xfrm>
+            <a:prstGeom prst="straightConnector1">
+              <a:avLst/>
+            </a:prstGeom>
+            <a:ln>
+              <a:tailEnd type="triangle"/>
+            </a:ln>
+          </p:spPr>
+          <p:style>
+            <a:lnRef idx="1">
+              <a:schemeClr val="accent1"/>
+            </a:lnRef>
+            <a:fillRef idx="0">
+              <a:schemeClr val="accent1"/>
+            </a:fillRef>
+            <a:effectRef idx="0">
+              <a:schemeClr val="accent1"/>
+            </a:effectRef>
+            <a:fontRef idx="minor">
+              <a:schemeClr val="tx1"/>
+            </a:fontRef>
+          </p:style>
+        </p:cxnSp>
+        <p:sp>
+          <p:nvSpPr>
+            <p:cNvPr id="44" name="TextBox 43">
+              <a:extLst>
+                <a:ext uri="{FF2B5EF4-FFF2-40B4-BE49-F238E27FC236}">
+                  <a16:creationId xmlns:a16="http://schemas.microsoft.com/office/drawing/2014/main" id="{66C5F18E-534B-0CDA-2F5C-E3050F50C346}"/>
+                </a:ext>
+              </a:extLst>
+            </p:cNvPr>
+            <p:cNvSpPr txBox="1"/>
+            <p:nvPr/>
+          </p:nvSpPr>
+          <p:spPr>
+            <a:xfrm flipH="1">
+              <a:off x="327194" y="5073143"/>
+              <a:ext cx="1539869" cy="307777"/>
+            </a:xfrm>
+            <a:prstGeom prst="rect">
+              <a:avLst/>
+            </a:prstGeom>
+            <a:noFill/>
+          </p:spPr>
+          <p:txBody>
+            <a:bodyPr wrap="square" rtlCol="0">
+              <a:spAutoFit/>
+            </a:bodyPr>
+            <a:lstStyle/>
+            <a:p>
+              <a:pPr algn="ctr"/>
+              <a:r>
+                <a:rPr lang="en-US" sz="1400" b="1" dirty="0"/>
+                <a:t>Hundreds of libs</a:t>
+              </a:r>
+            </a:p>
+          </p:txBody>
+        </p:sp>
+        <p:sp>
+          <p:nvSpPr>
+            <p:cNvPr id="45" name="TextBox 44">
+              <a:extLst>
+                <a:ext uri="{FF2B5EF4-FFF2-40B4-BE49-F238E27FC236}">
+                  <a16:creationId xmlns:a16="http://schemas.microsoft.com/office/drawing/2014/main" id="{5CAD6F38-FE33-3486-CFFA-F7412DCF8DD3}"/>
+                </a:ext>
+              </a:extLst>
+            </p:cNvPr>
+            <p:cNvSpPr txBox="1"/>
+            <p:nvPr/>
+          </p:nvSpPr>
+          <p:spPr>
+            <a:xfrm flipH="1">
+              <a:off x="3579560" y="2358725"/>
+              <a:ext cx="1539869" cy="307777"/>
+            </a:xfrm>
+            <a:prstGeom prst="rect">
+              <a:avLst/>
+            </a:prstGeom>
+            <a:noFill/>
+          </p:spPr>
+          <p:txBody>
+            <a:bodyPr wrap="square" rtlCol="0">
+              <a:spAutoFit/>
+            </a:bodyPr>
+            <a:lstStyle/>
+            <a:p>
+              <a:pPr algn="ctr"/>
+              <a:r>
+                <a:rPr lang="en-US" sz="1400" b="1" dirty="0"/>
+                <a:t>Share libs</a:t>
+              </a:r>
+            </a:p>
+          </p:txBody>
+        </p:sp>
+        <p:sp>
+          <p:nvSpPr>
+            <p:cNvPr id="46" name="TextBox 45">
+              <a:extLst>
+                <a:ext uri="{FF2B5EF4-FFF2-40B4-BE49-F238E27FC236}">
+                  <a16:creationId xmlns:a16="http://schemas.microsoft.com/office/drawing/2014/main" id="{FCC6D55B-52D6-9A33-2C10-AD6FB7629A42}"/>
+                </a:ext>
+              </a:extLst>
+            </p:cNvPr>
+            <p:cNvSpPr txBox="1"/>
+            <p:nvPr/>
+          </p:nvSpPr>
+          <p:spPr>
+            <a:xfrm flipH="1">
+              <a:off x="3561048" y="5693612"/>
+              <a:ext cx="1539869" cy="307777"/>
+            </a:xfrm>
+            <a:prstGeom prst="rect">
+              <a:avLst/>
+            </a:prstGeom>
+            <a:noFill/>
+          </p:spPr>
+          <p:txBody>
+            <a:bodyPr wrap="square" rtlCol="0">
+              <a:spAutoFit/>
+            </a:bodyPr>
+            <a:lstStyle/>
+            <a:p>
+              <a:pPr algn="ctr"/>
+              <a:r>
+                <a:rPr lang="en-US" sz="1400" b="1" dirty="0"/>
+                <a:t>Share libs</a:t>
+              </a:r>
+            </a:p>
+          </p:txBody>
+        </p:sp>
+        <p:sp>
+          <p:nvSpPr>
+            <p:cNvPr id="47" name="TextBox 46">
+              <a:extLst>
+                <a:ext uri="{FF2B5EF4-FFF2-40B4-BE49-F238E27FC236}">
+                  <a16:creationId xmlns:a16="http://schemas.microsoft.com/office/drawing/2014/main" id="{960072FE-1690-24DB-3A98-A2D3AB92028F}"/>
+                </a:ext>
+              </a:extLst>
+            </p:cNvPr>
+            <p:cNvSpPr txBox="1"/>
+            <p:nvPr/>
+          </p:nvSpPr>
+          <p:spPr>
+            <a:xfrm flipH="1">
+              <a:off x="3524970" y="4454861"/>
+              <a:ext cx="1539869" cy="307777"/>
+            </a:xfrm>
+            <a:prstGeom prst="rect">
+              <a:avLst/>
+            </a:prstGeom>
+            <a:noFill/>
+          </p:spPr>
+          <p:txBody>
+            <a:bodyPr wrap="square" rtlCol="0">
+              <a:spAutoFit/>
+            </a:bodyPr>
+            <a:lstStyle/>
+            <a:p>
+              <a:pPr algn="ctr"/>
+              <a:r>
+                <a:rPr lang="en-US" sz="1400" b="1" dirty="0"/>
+                <a:t>Share libs</a:t>
+              </a:r>
+            </a:p>
+          </p:txBody>
+        </p:sp>
+        <p:sp>
+          <p:nvSpPr>
+            <p:cNvPr id="48" name="TextBox 47">
+              <a:extLst>
+                <a:ext uri="{FF2B5EF4-FFF2-40B4-BE49-F238E27FC236}">
+                  <a16:creationId xmlns:a16="http://schemas.microsoft.com/office/drawing/2014/main" id="{05C9876A-2E69-C88B-C9FB-79FDD326E7D1}"/>
+                </a:ext>
+              </a:extLst>
+            </p:cNvPr>
+            <p:cNvSpPr txBox="1"/>
+            <p:nvPr/>
+          </p:nvSpPr>
+          <p:spPr>
+            <a:xfrm flipH="1">
+              <a:off x="1211918" y="1733453"/>
+              <a:ext cx="4626103" cy="338554"/>
+            </a:xfrm>
+            <a:prstGeom prst="rect">
+              <a:avLst/>
+            </a:prstGeom>
+            <a:noFill/>
+          </p:spPr>
+          <p:txBody>
+            <a:bodyPr wrap="square" rtlCol="0">
+              <a:spAutoFit/>
+            </a:bodyPr>
+            <a:lstStyle/>
+            <a:p>
+              <a:pPr algn="ctr"/>
+              <a:r>
+                <a:rPr lang="en-US" sz="1600" dirty="0"/>
+                <a:t>Non-Virtual Environments</a:t>
+              </a:r>
+            </a:p>
+          </p:txBody>
+        </p:sp>
+        <p:sp>
+          <p:nvSpPr>
+            <p:cNvPr id="49" name="Rectangle 48">
+              <a:extLst>
+                <a:ext uri="{FF2B5EF4-FFF2-40B4-BE49-F238E27FC236}">
+                  <a16:creationId xmlns:a16="http://schemas.microsoft.com/office/drawing/2014/main" id="{EB2A6819-FFA3-DF74-53F3-FE2C1553BA33}"/>
+                </a:ext>
+              </a:extLst>
+            </p:cNvPr>
+            <p:cNvSpPr/>
+            <p:nvPr/>
+          </p:nvSpPr>
+          <p:spPr>
+            <a:xfrm>
+              <a:off x="327194" y="1610436"/>
+              <a:ext cx="6237379" cy="4653885"/>
+            </a:xfrm>
+            <a:prstGeom prst="rect">
+              <a:avLst/>
+            </a:prstGeom>
+            <a:noFill/>
+          </p:spPr>
+          <p:style>
+            <a:lnRef idx="2">
+              <a:schemeClr val="accent1">
+                <a:shade val="15000"/>
+              </a:schemeClr>
+            </a:lnRef>
+            <a:fillRef idx="1">
+              <a:schemeClr val="accent1"/>
+            </a:fillRef>
+            <a:effectRef idx="0">
+              <a:schemeClr val="accent1"/>
+            </a:effectRef>
+            <a:fontRef idx="minor">
+              <a:schemeClr val="lt1"/>
+            </a:fontRef>
+          </p:style>
+          <p:txBody>
+            <a:bodyPr rtlCol="0" anchor="ctr"/>
+            <a:lstStyle/>
+            <a:p>
+              <a:pPr algn="ctr"/>
+              <a:endParaRPr lang="en-US" sz="1400" dirty="0">
+                <a:solidFill>
+                  <a:schemeClr val="tx1"/>
+                </a:solidFill>
+              </a:endParaRPr>
+            </a:p>
+          </p:txBody>
+        </p:sp>
+      </p:grpSp>
+    </p:spTree>
+    <p:extLst>
+      <p:ext uri="{BB962C8B-B14F-4D97-AF65-F5344CB8AC3E}">
+        <p14:creationId xmlns:p14="http://schemas.microsoft.com/office/powerpoint/2010/main" val="1510544149"/>
+      </p:ext>
+    </p:extLst>
+  </p:cSld>
+  <p:clrMapOvr>
+    <a:masterClrMapping/>
+  </p:clrMapOvr>
+</p:sld>
+</file>
+
+<file path=ppt/slides/slide12.xml><?xml version="1.0" encoding="utf-8"?>
+<p:sld xmlns:a="http://schemas.openxmlformats.org/drawingml/2006/main" xmlns:r="http://schemas.openxmlformats.org/officeDocument/2006/relationships" xmlns:p="http://schemas.openxmlformats.org/presentationml/2006/main">
+  <p:cSld>
+    <p:spTree>
+      <p:nvGrpSpPr>
+        <p:cNvPr id="1" name="">
+          <a:extLst>
+            <a:ext uri="{FF2B5EF4-FFF2-40B4-BE49-F238E27FC236}">
+              <a16:creationId xmlns:a16="http://schemas.microsoft.com/office/drawing/2014/main" id="{8FCDAC28-FA91-ADAB-20DA-CFCEE63067F4}"/>
+            </a:ext>
+          </a:extLst>
+        </p:cNvPr>
+        <p:cNvGrpSpPr/>
+        <p:nvPr/>
+      </p:nvGrpSpPr>
+      <p:grpSpPr>
+        <a:xfrm>
+          <a:off x="0" y="0"/>
+          <a:ext cx="0" cy="0"/>
+          <a:chOff x="0" y="0"/>
+          <a:chExt cx="0" cy="0"/>
+        </a:xfrm>
+      </p:grpSpPr>
+      <p:grpSp>
+        <p:nvGrpSpPr>
+          <p:cNvPr id="62" name="Group 61">
+            <a:extLst>
+              <a:ext uri="{FF2B5EF4-FFF2-40B4-BE49-F238E27FC236}">
+                <a16:creationId xmlns:a16="http://schemas.microsoft.com/office/drawing/2014/main" id="{BA97BAA9-5B51-CF59-02F6-1DBEF347DE33}"/>
+              </a:ext>
+            </a:extLst>
+          </p:cNvPr>
+          <p:cNvGrpSpPr/>
+          <p:nvPr/>
+        </p:nvGrpSpPr>
+        <p:grpSpPr>
+          <a:xfrm>
+            <a:off x="327194" y="832513"/>
+            <a:ext cx="6237379" cy="7151427"/>
+            <a:chOff x="327194" y="832513"/>
+            <a:chExt cx="6237379" cy="7151427"/>
+          </a:xfrm>
+        </p:grpSpPr>
+        <p:sp>
+          <p:nvSpPr>
+            <p:cNvPr id="2" name="Rectangle 1">
+              <a:extLst>
+                <a:ext uri="{FF2B5EF4-FFF2-40B4-BE49-F238E27FC236}">
+                  <a16:creationId xmlns:a16="http://schemas.microsoft.com/office/drawing/2014/main" id="{26840436-E5DE-1B8C-3FD8-DB0418CDF0D4}"/>
+                </a:ext>
+              </a:extLst>
+            </p:cNvPr>
+            <p:cNvSpPr/>
+            <p:nvPr/>
+          </p:nvSpPr>
+          <p:spPr>
+            <a:xfrm>
+              <a:off x="1631485" y="3118227"/>
+              <a:ext cx="1207249" cy="730441"/>
+            </a:xfrm>
+            <a:prstGeom prst="rect">
+              <a:avLst/>
+            </a:prstGeom>
+            <a:noFill/>
+          </p:spPr>
+          <p:style>
+            <a:lnRef idx="2">
+              <a:schemeClr val="accent1">
+                <a:shade val="15000"/>
+              </a:schemeClr>
+            </a:lnRef>
+            <a:fillRef idx="1">
+              <a:schemeClr val="accent1"/>
+            </a:fillRef>
+            <a:effectRef idx="0">
+              <a:schemeClr val="accent1"/>
+            </a:effectRef>
+            <a:fontRef idx="minor">
+              <a:schemeClr val="lt1"/>
+            </a:fontRef>
+          </p:style>
+          <p:txBody>
+            <a:bodyPr rtlCol="0" anchor="ctr"/>
+            <a:lstStyle/>
+            <a:p>
+              <a:pPr algn="ctr"/>
+              <a:r>
+                <a:rPr lang="en-US" sz="1050" dirty="0">
+                  <a:solidFill>
+                    <a:schemeClr val="tx1"/>
+                  </a:solidFill>
+                </a:rPr>
+                <a:t>Global</a:t>
+              </a:r>
+            </a:p>
+            <a:p>
+              <a:pPr algn="ctr"/>
+              <a:r>
+                <a:rPr lang="en-US" sz="1050" dirty="0">
+                  <a:solidFill>
+                    <a:schemeClr val="tx1"/>
+                  </a:solidFill>
+                </a:rPr>
+                <a:t>Python</a:t>
+              </a:r>
+            </a:p>
+            <a:p>
+              <a:pPr algn="ctr"/>
+              <a:r>
+                <a:rPr lang="en-US" sz="1050" dirty="0">
+                  <a:solidFill>
+                    <a:schemeClr val="tx1"/>
+                  </a:solidFill>
+                </a:rPr>
+                <a:t>Installation</a:t>
+              </a:r>
+            </a:p>
+          </p:txBody>
+        </p:sp>
+        <p:sp>
+          <p:nvSpPr>
+            <p:cNvPr id="6" name="Rectangle: Rounded Corners 5">
+              <a:extLst>
+                <a:ext uri="{FF2B5EF4-FFF2-40B4-BE49-F238E27FC236}">
+                  <a16:creationId xmlns:a16="http://schemas.microsoft.com/office/drawing/2014/main" id="{2B8B0D58-9880-F110-E6F4-9D6CD15518DF}"/>
+                </a:ext>
+              </a:extLst>
+            </p:cNvPr>
+            <p:cNvSpPr/>
+            <p:nvPr/>
+          </p:nvSpPr>
+          <p:spPr>
+            <a:xfrm>
+              <a:off x="693004" y="2701970"/>
+              <a:ext cx="808250" cy="320722"/>
+            </a:xfrm>
+            <a:prstGeom prst="roundRect">
+              <a:avLst/>
+            </a:prstGeom>
+            <a:noFill/>
+          </p:spPr>
+          <p:style>
+            <a:lnRef idx="2">
+              <a:schemeClr val="accent1">
+                <a:shade val="15000"/>
+              </a:schemeClr>
+            </a:lnRef>
+            <a:fillRef idx="1">
+              <a:schemeClr val="accent1"/>
+            </a:fillRef>
+            <a:effectRef idx="0">
+              <a:schemeClr val="accent1"/>
+            </a:effectRef>
+            <a:fontRef idx="minor">
+              <a:schemeClr val="lt1"/>
+            </a:fontRef>
+          </p:style>
+          <p:txBody>
+            <a:bodyPr rtlCol="0" anchor="ctr"/>
+            <a:lstStyle/>
+            <a:p>
+              <a:pPr algn="ctr"/>
+              <a:r>
+                <a:rPr lang="en-US" sz="1400" dirty="0">
+                  <a:solidFill>
+                    <a:schemeClr val="tx1"/>
+                  </a:solidFill>
+                </a:rPr>
+                <a:t>lib</a:t>
+              </a:r>
+            </a:p>
+          </p:txBody>
+        </p:sp>
+        <p:sp>
+          <p:nvSpPr>
+            <p:cNvPr id="8" name="Rectangle: Rounded Corners 7">
+              <a:extLst>
+                <a:ext uri="{FF2B5EF4-FFF2-40B4-BE49-F238E27FC236}">
+                  <a16:creationId xmlns:a16="http://schemas.microsoft.com/office/drawing/2014/main" id="{A5AD39C8-123E-06C1-A5DB-279C7C23349D}"/>
+                </a:ext>
+              </a:extLst>
+            </p:cNvPr>
+            <p:cNvSpPr/>
+            <p:nvPr/>
+          </p:nvSpPr>
+          <p:spPr>
+            <a:xfrm>
+              <a:off x="693004" y="3067190"/>
+              <a:ext cx="808250" cy="320722"/>
+            </a:xfrm>
+            <a:prstGeom prst="roundRect">
+              <a:avLst/>
+            </a:prstGeom>
+            <a:noFill/>
+          </p:spPr>
+          <p:style>
+            <a:lnRef idx="2">
+              <a:schemeClr val="accent1">
+                <a:shade val="15000"/>
+              </a:schemeClr>
+            </a:lnRef>
+            <a:fillRef idx="1">
+              <a:schemeClr val="accent1"/>
+            </a:fillRef>
+            <a:effectRef idx="0">
+              <a:schemeClr val="accent1"/>
+            </a:effectRef>
+            <a:fontRef idx="minor">
+              <a:schemeClr val="lt1"/>
+            </a:fontRef>
+          </p:style>
+          <p:txBody>
+            <a:bodyPr rtlCol="0" anchor="ctr"/>
+            <a:lstStyle/>
+            <a:p>
+              <a:pPr algn="ctr"/>
+              <a:r>
+                <a:rPr lang="en-US" sz="1400" dirty="0">
+                  <a:solidFill>
+                    <a:schemeClr val="tx1"/>
+                  </a:solidFill>
+                </a:rPr>
+                <a:t>lib</a:t>
+              </a:r>
+            </a:p>
+          </p:txBody>
+        </p:sp>
+        <p:sp>
+          <p:nvSpPr>
+            <p:cNvPr id="9" name="Rectangle: Rounded Corners 8">
+              <a:extLst>
+                <a:ext uri="{FF2B5EF4-FFF2-40B4-BE49-F238E27FC236}">
+                  <a16:creationId xmlns:a16="http://schemas.microsoft.com/office/drawing/2014/main" id="{B24E5058-6803-933D-2FF8-45C691ED30EA}"/>
+                </a:ext>
+              </a:extLst>
+            </p:cNvPr>
+            <p:cNvSpPr/>
+            <p:nvPr/>
+          </p:nvSpPr>
+          <p:spPr>
+            <a:xfrm>
+              <a:off x="693004" y="3517566"/>
+              <a:ext cx="808250" cy="320722"/>
+            </a:xfrm>
+            <a:prstGeom prst="roundRect">
+              <a:avLst/>
+            </a:prstGeom>
+            <a:noFill/>
+          </p:spPr>
+          <p:style>
+            <a:lnRef idx="2">
+              <a:schemeClr val="accent1">
+                <a:shade val="15000"/>
+              </a:schemeClr>
+            </a:lnRef>
+            <a:fillRef idx="1">
+              <a:schemeClr val="accent1"/>
+            </a:fillRef>
+            <a:effectRef idx="0">
+              <a:schemeClr val="accent1"/>
+            </a:effectRef>
+            <a:fontRef idx="minor">
+              <a:schemeClr val="lt1"/>
+            </a:fontRef>
+          </p:style>
+          <p:txBody>
+            <a:bodyPr rtlCol="0" anchor="ctr"/>
+            <a:lstStyle/>
+            <a:p>
+              <a:pPr algn="ctr"/>
+              <a:r>
+                <a:rPr lang="en-US" sz="1400" dirty="0">
+                  <a:solidFill>
+                    <a:schemeClr val="tx1"/>
+                  </a:solidFill>
+                </a:rPr>
+                <a:t>lib</a:t>
+              </a:r>
+            </a:p>
+          </p:txBody>
+        </p:sp>
+        <p:sp>
+          <p:nvSpPr>
+            <p:cNvPr id="10" name="Rectangle: Rounded Corners 9">
+              <a:extLst>
+                <a:ext uri="{FF2B5EF4-FFF2-40B4-BE49-F238E27FC236}">
+                  <a16:creationId xmlns:a16="http://schemas.microsoft.com/office/drawing/2014/main" id="{CB7D9F3B-AF77-E320-5DC2-9C90976A7878}"/>
+                </a:ext>
+              </a:extLst>
+            </p:cNvPr>
+            <p:cNvSpPr/>
+            <p:nvPr/>
+          </p:nvSpPr>
+          <p:spPr>
+            <a:xfrm>
+              <a:off x="693004" y="3967942"/>
+              <a:ext cx="808250" cy="320722"/>
+            </a:xfrm>
+            <a:prstGeom prst="roundRect">
+              <a:avLst/>
+            </a:prstGeom>
+            <a:noFill/>
+          </p:spPr>
+          <p:style>
+            <a:lnRef idx="2">
+              <a:schemeClr val="accent1">
+                <a:shade val="15000"/>
+              </a:schemeClr>
+            </a:lnRef>
+            <a:fillRef idx="1">
+              <a:schemeClr val="accent1"/>
+            </a:fillRef>
+            <a:effectRef idx="0">
+              <a:schemeClr val="accent1"/>
+            </a:effectRef>
+            <a:fontRef idx="minor">
+              <a:schemeClr val="lt1"/>
+            </a:fontRef>
+          </p:style>
+          <p:txBody>
+            <a:bodyPr rtlCol="0" anchor="ctr"/>
+            <a:lstStyle/>
+            <a:p>
+              <a:pPr algn="ctr"/>
+              <a:r>
+                <a:rPr lang="en-US" sz="1400" dirty="0">
+                  <a:solidFill>
+                    <a:schemeClr val="tx1"/>
+                  </a:solidFill>
+                </a:rPr>
+                <a:t>lib</a:t>
+              </a:r>
+            </a:p>
+          </p:txBody>
+        </p:sp>
+        <p:grpSp>
+          <p:nvGrpSpPr>
+            <p:cNvPr id="16" name="Group 15">
+              <a:extLst>
+                <a:ext uri="{FF2B5EF4-FFF2-40B4-BE49-F238E27FC236}">
+                  <a16:creationId xmlns:a16="http://schemas.microsoft.com/office/drawing/2014/main" id="{E64D9A99-16FC-4B50-EE3F-EB8A0523D7FF}"/>
+                </a:ext>
+              </a:extLst>
+            </p:cNvPr>
+            <p:cNvGrpSpPr/>
+            <p:nvPr/>
+          </p:nvGrpSpPr>
+          <p:grpSpPr>
+            <a:xfrm>
+              <a:off x="3727359" y="1782453"/>
+              <a:ext cx="2437637" cy="919517"/>
+              <a:chOff x="3444547" y="3297067"/>
+              <a:chExt cx="2437637" cy="919517"/>
+            </a:xfrm>
+          </p:grpSpPr>
+          <p:sp>
+            <p:nvSpPr>
+              <p:cNvPr id="11" name="Rectangle 10">
+                <a:extLst>
+                  <a:ext uri="{FF2B5EF4-FFF2-40B4-BE49-F238E27FC236}">
+                    <a16:creationId xmlns:a16="http://schemas.microsoft.com/office/drawing/2014/main" id="{E9FB1B58-8E86-6E69-00F9-18112334625F}"/>
+                  </a:ext>
+                </a:extLst>
+              </p:cNvPr>
+              <p:cNvSpPr/>
+              <p:nvPr/>
+            </p:nvSpPr>
+            <p:spPr>
+              <a:xfrm>
+                <a:off x="3444547" y="3472924"/>
+                <a:ext cx="1207249" cy="546197"/>
+              </a:xfrm>
+              <a:prstGeom prst="rect">
+                <a:avLst/>
+              </a:prstGeom>
+              <a:noFill/>
+            </p:spPr>
+            <p:style>
+              <a:lnRef idx="2">
+                <a:schemeClr val="accent1">
+                  <a:shade val="15000"/>
+                </a:schemeClr>
+              </a:lnRef>
+              <a:fillRef idx="1">
+                <a:schemeClr val="accent1"/>
+              </a:fillRef>
+              <a:effectRef idx="0">
+                <a:schemeClr val="accent1"/>
+              </a:effectRef>
+              <a:fontRef idx="minor">
+                <a:schemeClr val="lt1"/>
+              </a:fontRef>
+            </p:style>
+            <p:txBody>
+              <a:bodyPr rtlCol="0" anchor="ctr"/>
+              <a:lstStyle/>
+              <a:p>
+                <a:pPr algn="ctr"/>
+                <a:r>
+                  <a:rPr lang="en-US" sz="1050" dirty="0">
+                    <a:solidFill>
+                      <a:schemeClr val="tx1"/>
+                    </a:solidFill>
+                  </a:rPr>
+                  <a:t>Project 1</a:t>
+                </a:r>
+              </a:p>
+            </p:txBody>
+          </p:sp>
+          <p:sp>
+            <p:nvSpPr>
+              <p:cNvPr id="12" name="Rectangle: Rounded Corners 11">
+                <a:extLst>
+                  <a:ext uri="{FF2B5EF4-FFF2-40B4-BE49-F238E27FC236}">
+                    <a16:creationId xmlns:a16="http://schemas.microsoft.com/office/drawing/2014/main" id="{B1252B3F-4BD4-85C7-E5B1-04AF847B3648}"/>
+                  </a:ext>
+                </a:extLst>
+              </p:cNvPr>
+              <p:cNvSpPr/>
+              <p:nvPr/>
+            </p:nvSpPr>
+            <p:spPr>
+              <a:xfrm>
+                <a:off x="4782027" y="3297067"/>
+                <a:ext cx="1100157" cy="256469"/>
+              </a:xfrm>
+              <a:prstGeom prst="roundRect">
+                <a:avLst/>
+              </a:prstGeom>
+              <a:noFill/>
+            </p:spPr>
+            <p:style>
+              <a:lnRef idx="2">
+                <a:schemeClr val="accent1">
+                  <a:shade val="15000"/>
+                </a:schemeClr>
+              </a:lnRef>
+              <a:fillRef idx="1">
+                <a:schemeClr val="accent1"/>
+              </a:fillRef>
+              <a:effectRef idx="0">
+                <a:schemeClr val="accent1"/>
+              </a:effectRef>
+              <a:fontRef idx="minor">
+                <a:schemeClr val="lt1"/>
+              </a:fontRef>
+            </p:style>
+            <p:txBody>
+              <a:bodyPr rtlCol="0" anchor="ctr"/>
+              <a:lstStyle/>
+              <a:p>
+                <a:pPr algn="ctr"/>
+                <a:r>
+                  <a:rPr lang="en-US" sz="1400" dirty="0">
+                    <a:solidFill>
+                      <a:schemeClr val="tx1"/>
+                    </a:solidFill>
+                  </a:rPr>
+                  <a:t>Sub </a:t>
+                </a:r>
+                <a:r>
+                  <a:rPr lang="en-US" sz="1400" dirty="0" err="1">
+                    <a:solidFill>
+                      <a:schemeClr val="tx1"/>
+                    </a:solidFill>
+                  </a:rPr>
+                  <a:t>dir</a:t>
+                </a:r>
+                <a:endParaRPr lang="en-US" sz="1400" dirty="0">
+                  <a:solidFill>
+                    <a:schemeClr val="tx1"/>
+                  </a:solidFill>
+                </a:endParaRPr>
+              </a:p>
+            </p:txBody>
+          </p:sp>
+          <p:sp>
+            <p:nvSpPr>
+              <p:cNvPr id="13" name="Rectangle: Rounded Corners 12">
+                <a:extLst>
+                  <a:ext uri="{FF2B5EF4-FFF2-40B4-BE49-F238E27FC236}">
+                    <a16:creationId xmlns:a16="http://schemas.microsoft.com/office/drawing/2014/main" id="{0E0F678C-D3A6-B480-53EF-DB6D3BFE91F3}"/>
+                  </a:ext>
+                </a:extLst>
+              </p:cNvPr>
+              <p:cNvSpPr/>
+              <p:nvPr/>
+            </p:nvSpPr>
+            <p:spPr>
+              <a:xfrm>
+                <a:off x="4782027" y="3617789"/>
+                <a:ext cx="1100157" cy="256469"/>
+              </a:xfrm>
+              <a:prstGeom prst="roundRect">
+                <a:avLst/>
+              </a:prstGeom>
+              <a:noFill/>
+            </p:spPr>
+            <p:style>
+              <a:lnRef idx="2">
+                <a:schemeClr val="accent1">
+                  <a:shade val="15000"/>
+                </a:schemeClr>
+              </a:lnRef>
+              <a:fillRef idx="1">
+                <a:schemeClr val="accent1"/>
+              </a:fillRef>
+              <a:effectRef idx="0">
+                <a:schemeClr val="accent1"/>
+              </a:effectRef>
+              <a:fontRef idx="minor">
+                <a:schemeClr val="lt1"/>
+              </a:fontRef>
+            </p:style>
+            <p:txBody>
+              <a:bodyPr rtlCol="0" anchor="ctr"/>
+              <a:lstStyle/>
+              <a:p>
+                <a:pPr algn="ctr"/>
+                <a:r>
+                  <a:rPr lang="en-US" sz="1400" dirty="0">
+                    <a:solidFill>
+                      <a:schemeClr val="tx1"/>
+                    </a:solidFill>
+                  </a:rPr>
+                  <a:t>Sub </a:t>
+                </a:r>
+                <a:r>
+                  <a:rPr lang="en-US" sz="1400" dirty="0" err="1">
+                    <a:solidFill>
+                      <a:schemeClr val="tx1"/>
+                    </a:solidFill>
+                  </a:rPr>
+                  <a:t>dir</a:t>
+                </a:r>
+                <a:endParaRPr lang="en-US" sz="1400" dirty="0">
+                  <a:solidFill>
+                    <a:schemeClr val="tx1"/>
+                  </a:solidFill>
+                </a:endParaRPr>
+              </a:p>
+            </p:txBody>
+          </p:sp>
+          <p:sp>
+            <p:nvSpPr>
+              <p:cNvPr id="14" name="Rectangle: Rounded Corners 13">
+                <a:extLst>
+                  <a:ext uri="{FF2B5EF4-FFF2-40B4-BE49-F238E27FC236}">
+                    <a16:creationId xmlns:a16="http://schemas.microsoft.com/office/drawing/2014/main" id="{A65B9C25-1823-20D9-83D7-C290367DD645}"/>
+                  </a:ext>
+                </a:extLst>
+              </p:cNvPr>
+              <p:cNvSpPr/>
+              <p:nvPr/>
+            </p:nvSpPr>
+            <p:spPr>
+              <a:xfrm>
+                <a:off x="4782027" y="3960115"/>
+                <a:ext cx="1100157" cy="256469"/>
+              </a:xfrm>
+              <a:prstGeom prst="roundRect">
+                <a:avLst/>
+              </a:prstGeom>
+              <a:noFill/>
+            </p:spPr>
+            <p:style>
+              <a:lnRef idx="2">
+                <a:schemeClr val="accent1">
+                  <a:shade val="15000"/>
+                </a:schemeClr>
+              </a:lnRef>
+              <a:fillRef idx="1">
+                <a:schemeClr val="accent1"/>
+              </a:fillRef>
+              <a:effectRef idx="0">
+                <a:schemeClr val="accent1"/>
+              </a:effectRef>
+              <a:fontRef idx="minor">
+                <a:schemeClr val="lt1"/>
+              </a:fontRef>
+            </p:style>
+            <p:txBody>
+              <a:bodyPr rtlCol="0" anchor="ctr"/>
+              <a:lstStyle/>
+              <a:p>
+                <a:pPr algn="ctr"/>
+                <a:r>
+                  <a:rPr lang="en-US" sz="1400" dirty="0">
+                    <a:solidFill>
+                      <a:schemeClr val="tx1"/>
+                    </a:solidFill>
+                  </a:rPr>
+                  <a:t>Sub </a:t>
+                </a:r>
+                <a:r>
+                  <a:rPr lang="en-US" sz="1400" dirty="0" err="1">
+                    <a:solidFill>
+                      <a:schemeClr val="tx1"/>
+                    </a:solidFill>
+                  </a:rPr>
+                  <a:t>dir</a:t>
+                </a:r>
+                <a:endParaRPr lang="en-US" sz="1400" dirty="0">
+                  <a:solidFill>
+                    <a:schemeClr val="tx1"/>
+                  </a:solidFill>
+                </a:endParaRPr>
+              </a:p>
+            </p:txBody>
+          </p:sp>
+        </p:grpSp>
+        <p:grpSp>
+          <p:nvGrpSpPr>
+            <p:cNvPr id="17" name="Group 16">
+              <a:extLst>
+                <a:ext uri="{FF2B5EF4-FFF2-40B4-BE49-F238E27FC236}">
+                  <a16:creationId xmlns:a16="http://schemas.microsoft.com/office/drawing/2014/main" id="{C6972DAC-8F2F-A1FD-1A0D-CA0204D43164}"/>
+                </a:ext>
+              </a:extLst>
+            </p:cNvPr>
+            <p:cNvGrpSpPr/>
+            <p:nvPr/>
+          </p:nvGrpSpPr>
+          <p:grpSpPr>
+            <a:xfrm>
+              <a:off x="3781949" y="2941235"/>
+              <a:ext cx="2437637" cy="919517"/>
+              <a:chOff x="3444547" y="3297067"/>
+              <a:chExt cx="2437637" cy="919517"/>
+            </a:xfrm>
+          </p:grpSpPr>
+          <p:sp>
+            <p:nvSpPr>
+              <p:cNvPr id="18" name="Rectangle 17">
+                <a:extLst>
+                  <a:ext uri="{FF2B5EF4-FFF2-40B4-BE49-F238E27FC236}">
+                    <a16:creationId xmlns:a16="http://schemas.microsoft.com/office/drawing/2014/main" id="{1285A463-F620-FB86-C190-E7F06BE46A34}"/>
+                  </a:ext>
+                </a:extLst>
+              </p:cNvPr>
+              <p:cNvSpPr/>
+              <p:nvPr/>
+            </p:nvSpPr>
+            <p:spPr>
+              <a:xfrm>
+                <a:off x="3444547" y="3472924"/>
+                <a:ext cx="1207249" cy="546197"/>
+              </a:xfrm>
+              <a:prstGeom prst="rect">
+                <a:avLst/>
+              </a:prstGeom>
+              <a:noFill/>
+            </p:spPr>
+            <p:style>
+              <a:lnRef idx="2">
+                <a:schemeClr val="accent1">
+                  <a:shade val="15000"/>
+                </a:schemeClr>
+              </a:lnRef>
+              <a:fillRef idx="1">
+                <a:schemeClr val="accent1"/>
+              </a:fillRef>
+              <a:effectRef idx="0">
+                <a:schemeClr val="accent1"/>
+              </a:effectRef>
+              <a:fontRef idx="minor">
+                <a:schemeClr val="lt1"/>
+              </a:fontRef>
+            </p:style>
+            <p:txBody>
+              <a:bodyPr rtlCol="0" anchor="ctr"/>
+              <a:lstStyle/>
+              <a:p>
+                <a:pPr algn="ctr"/>
+                <a:r>
+                  <a:rPr lang="en-US" sz="1050" dirty="0">
+                    <a:solidFill>
+                      <a:schemeClr val="tx1"/>
+                    </a:solidFill>
+                  </a:rPr>
+                  <a:t>Project 2</a:t>
+                </a:r>
+              </a:p>
+            </p:txBody>
+          </p:sp>
+          <p:sp>
+            <p:nvSpPr>
+              <p:cNvPr id="19" name="Rectangle: Rounded Corners 18">
+                <a:extLst>
+                  <a:ext uri="{FF2B5EF4-FFF2-40B4-BE49-F238E27FC236}">
+                    <a16:creationId xmlns:a16="http://schemas.microsoft.com/office/drawing/2014/main" id="{788CB140-AFD5-AA9E-041C-6DEEE92C45E0}"/>
+                  </a:ext>
+                </a:extLst>
+              </p:cNvPr>
+              <p:cNvSpPr/>
+              <p:nvPr/>
+            </p:nvSpPr>
+            <p:spPr>
+              <a:xfrm>
+                <a:off x="4782027" y="3297067"/>
+                <a:ext cx="1100157" cy="256469"/>
+              </a:xfrm>
+              <a:prstGeom prst="roundRect">
+                <a:avLst/>
+              </a:prstGeom>
+              <a:noFill/>
+            </p:spPr>
+            <p:style>
+              <a:lnRef idx="2">
+                <a:schemeClr val="accent1">
+                  <a:shade val="15000"/>
+                </a:schemeClr>
+              </a:lnRef>
+              <a:fillRef idx="1">
+                <a:schemeClr val="accent1"/>
+              </a:fillRef>
+              <a:effectRef idx="0">
+                <a:schemeClr val="accent1"/>
+              </a:effectRef>
+              <a:fontRef idx="minor">
+                <a:schemeClr val="lt1"/>
+              </a:fontRef>
+            </p:style>
+            <p:txBody>
+              <a:bodyPr rtlCol="0" anchor="ctr"/>
+              <a:lstStyle/>
+              <a:p>
+                <a:pPr algn="ctr"/>
+                <a:r>
+                  <a:rPr lang="en-US" sz="1400" dirty="0">
+                    <a:solidFill>
+                      <a:schemeClr val="tx1"/>
+                    </a:solidFill>
+                  </a:rPr>
+                  <a:t>Sub </a:t>
+                </a:r>
+                <a:r>
+                  <a:rPr lang="en-US" sz="1400" dirty="0" err="1">
+                    <a:solidFill>
+                      <a:schemeClr val="tx1"/>
+                    </a:solidFill>
+                  </a:rPr>
+                  <a:t>dir</a:t>
+                </a:r>
+                <a:endParaRPr lang="en-US" sz="1400" dirty="0">
+                  <a:solidFill>
+                    <a:schemeClr val="tx1"/>
+                  </a:solidFill>
+                </a:endParaRPr>
+              </a:p>
+            </p:txBody>
+          </p:sp>
+          <p:sp>
+            <p:nvSpPr>
+              <p:cNvPr id="20" name="Rectangle: Rounded Corners 19">
+                <a:extLst>
+                  <a:ext uri="{FF2B5EF4-FFF2-40B4-BE49-F238E27FC236}">
+                    <a16:creationId xmlns:a16="http://schemas.microsoft.com/office/drawing/2014/main" id="{D48BD2A1-E6D2-808F-4D30-5FE67B02C4EE}"/>
+                  </a:ext>
+                </a:extLst>
+              </p:cNvPr>
+              <p:cNvSpPr/>
+              <p:nvPr/>
+            </p:nvSpPr>
+            <p:spPr>
+              <a:xfrm>
+                <a:off x="4782027" y="3617789"/>
+                <a:ext cx="1100157" cy="256469"/>
+              </a:xfrm>
+              <a:prstGeom prst="roundRect">
+                <a:avLst/>
+              </a:prstGeom>
+              <a:noFill/>
+            </p:spPr>
+            <p:style>
+              <a:lnRef idx="2">
+                <a:schemeClr val="accent1">
+                  <a:shade val="15000"/>
+                </a:schemeClr>
+              </a:lnRef>
+              <a:fillRef idx="1">
+                <a:schemeClr val="accent1"/>
+              </a:fillRef>
+              <a:effectRef idx="0">
+                <a:schemeClr val="accent1"/>
+              </a:effectRef>
+              <a:fontRef idx="minor">
+                <a:schemeClr val="lt1"/>
+              </a:fontRef>
+            </p:style>
+            <p:txBody>
+              <a:bodyPr rtlCol="0" anchor="ctr"/>
+              <a:lstStyle/>
+              <a:p>
+                <a:pPr algn="ctr"/>
+                <a:r>
+                  <a:rPr lang="en-US" sz="1400" dirty="0">
+                    <a:solidFill>
+                      <a:schemeClr val="tx1"/>
+                    </a:solidFill>
+                  </a:rPr>
+                  <a:t>Sub </a:t>
+                </a:r>
+                <a:r>
+                  <a:rPr lang="en-US" sz="1400" dirty="0" err="1">
+                    <a:solidFill>
+                      <a:schemeClr val="tx1"/>
+                    </a:solidFill>
+                  </a:rPr>
+                  <a:t>dir</a:t>
+                </a:r>
+                <a:endParaRPr lang="en-US" sz="1400" dirty="0">
+                  <a:solidFill>
+                    <a:schemeClr val="tx1"/>
+                  </a:solidFill>
+                </a:endParaRPr>
+              </a:p>
+            </p:txBody>
+          </p:sp>
+          <p:sp>
+            <p:nvSpPr>
+              <p:cNvPr id="21" name="Rectangle: Rounded Corners 20">
+                <a:extLst>
+                  <a:ext uri="{FF2B5EF4-FFF2-40B4-BE49-F238E27FC236}">
+                    <a16:creationId xmlns:a16="http://schemas.microsoft.com/office/drawing/2014/main" id="{B0611147-C6D1-E24A-87C6-B8BBD07D945F}"/>
+                  </a:ext>
+                </a:extLst>
+              </p:cNvPr>
+              <p:cNvSpPr/>
+              <p:nvPr/>
+            </p:nvSpPr>
+            <p:spPr>
+              <a:xfrm>
+                <a:off x="4782027" y="3960115"/>
+                <a:ext cx="1100157" cy="256469"/>
+              </a:xfrm>
+              <a:prstGeom prst="roundRect">
+                <a:avLst/>
+              </a:prstGeom>
+              <a:noFill/>
+            </p:spPr>
+            <p:style>
+              <a:lnRef idx="2">
+                <a:schemeClr val="accent1">
+                  <a:shade val="15000"/>
+                </a:schemeClr>
+              </a:lnRef>
+              <a:fillRef idx="1">
+                <a:schemeClr val="accent1"/>
+              </a:fillRef>
+              <a:effectRef idx="0">
+                <a:schemeClr val="accent1"/>
+              </a:effectRef>
+              <a:fontRef idx="minor">
+                <a:schemeClr val="lt1"/>
+              </a:fontRef>
+            </p:style>
+            <p:txBody>
+              <a:bodyPr rtlCol="0" anchor="ctr"/>
+              <a:lstStyle/>
+              <a:p>
+                <a:pPr algn="ctr"/>
+                <a:r>
+                  <a:rPr lang="en-US" sz="1400" dirty="0">
+                    <a:solidFill>
+                      <a:schemeClr val="tx1"/>
+                    </a:solidFill>
+                  </a:rPr>
+                  <a:t>Sub </a:t>
+                </a:r>
+                <a:r>
+                  <a:rPr lang="en-US" sz="1400" dirty="0" err="1">
+                    <a:solidFill>
+                      <a:schemeClr val="tx1"/>
+                    </a:solidFill>
+                  </a:rPr>
+                  <a:t>dir</a:t>
+                </a:r>
+                <a:endParaRPr lang="en-US" sz="1400" dirty="0">
+                  <a:solidFill>
+                    <a:schemeClr val="tx1"/>
+                  </a:solidFill>
+                </a:endParaRPr>
+              </a:p>
+            </p:txBody>
+          </p:sp>
+        </p:grpSp>
+        <p:sp>
+          <p:nvSpPr>
+            <p:cNvPr id="25" name="Rectangle 24">
+              <a:extLst>
+                <a:ext uri="{FF2B5EF4-FFF2-40B4-BE49-F238E27FC236}">
+                  <a16:creationId xmlns:a16="http://schemas.microsoft.com/office/drawing/2014/main" id="{F9BF82A2-13FE-923F-6E02-CD01C5CD5801}"/>
+                </a:ext>
+              </a:extLst>
+            </p:cNvPr>
+            <p:cNvSpPr/>
+            <p:nvPr/>
+          </p:nvSpPr>
+          <p:spPr>
+            <a:xfrm>
+              <a:off x="1134059" y="5633467"/>
+              <a:ext cx="1207249" cy="546197"/>
+            </a:xfrm>
+            <a:prstGeom prst="rect">
+              <a:avLst/>
+            </a:prstGeom>
+            <a:noFill/>
+            <a:ln w="28575">
+              <a:solidFill>
+                <a:srgbClr val="FF0000"/>
+              </a:solidFill>
+            </a:ln>
+          </p:spPr>
+          <p:style>
+            <a:lnRef idx="2">
+              <a:schemeClr val="accent1">
+                <a:shade val="15000"/>
+              </a:schemeClr>
+            </a:lnRef>
+            <a:fillRef idx="1">
+              <a:schemeClr val="accent1"/>
+            </a:fillRef>
+            <a:effectRef idx="0">
+              <a:schemeClr val="accent1"/>
+            </a:effectRef>
+            <a:fontRef idx="minor">
+              <a:schemeClr val="lt1"/>
+            </a:fontRef>
+          </p:style>
+          <p:txBody>
+            <a:bodyPr rtlCol="0" anchor="ctr"/>
+            <a:lstStyle/>
+            <a:p>
+              <a:pPr algn="ctr"/>
+              <a:r>
+                <a:rPr lang="en-US" sz="1050" dirty="0">
+                  <a:solidFill>
+                    <a:schemeClr val="tx1"/>
+                  </a:solidFill>
+                </a:rPr>
+                <a:t>Project 3</a:t>
+              </a:r>
+            </a:p>
+          </p:txBody>
+        </p:sp>
+        <p:sp>
+          <p:nvSpPr>
+            <p:cNvPr id="26" name="Rectangle: Rounded Corners 25">
+              <a:extLst>
+                <a:ext uri="{FF2B5EF4-FFF2-40B4-BE49-F238E27FC236}">
+                  <a16:creationId xmlns:a16="http://schemas.microsoft.com/office/drawing/2014/main" id="{761A58E5-D55A-CDF1-061A-344363BD4748}"/>
+                </a:ext>
+              </a:extLst>
+            </p:cNvPr>
+            <p:cNvSpPr/>
+            <p:nvPr/>
+          </p:nvSpPr>
+          <p:spPr>
+            <a:xfrm>
+              <a:off x="3331026" y="5727643"/>
+              <a:ext cx="1100157" cy="256469"/>
+            </a:xfrm>
+            <a:prstGeom prst="roundRect">
+              <a:avLst/>
+            </a:prstGeom>
+            <a:noFill/>
+          </p:spPr>
+          <p:style>
+            <a:lnRef idx="2">
+              <a:schemeClr val="accent1">
+                <a:shade val="15000"/>
+              </a:schemeClr>
+            </a:lnRef>
+            <a:fillRef idx="1">
+              <a:schemeClr val="accent1"/>
+            </a:fillRef>
+            <a:effectRef idx="0">
+              <a:schemeClr val="accent1"/>
+            </a:effectRef>
+            <a:fontRef idx="minor">
+              <a:schemeClr val="lt1"/>
+            </a:fontRef>
+          </p:style>
+          <p:txBody>
+            <a:bodyPr rtlCol="0" anchor="ctr"/>
+            <a:lstStyle/>
+            <a:p>
+              <a:pPr algn="ctr"/>
+              <a:r>
+                <a:rPr lang="en-US" sz="1400" dirty="0">
+                  <a:solidFill>
+                    <a:schemeClr val="tx1"/>
+                  </a:solidFill>
+                </a:rPr>
+                <a:t>Sub </a:t>
+              </a:r>
+              <a:r>
+                <a:rPr lang="en-US" sz="1400" dirty="0" err="1">
+                  <a:solidFill>
+                    <a:schemeClr val="tx1"/>
+                  </a:solidFill>
+                </a:rPr>
+                <a:t>dir</a:t>
+              </a:r>
+              <a:endParaRPr lang="en-US" sz="1400" dirty="0">
+                <a:solidFill>
+                  <a:schemeClr val="tx1"/>
+                </a:solidFill>
+              </a:endParaRPr>
+            </a:p>
+          </p:txBody>
+        </p:sp>
+        <p:sp>
+          <p:nvSpPr>
+            <p:cNvPr id="27" name="Rectangle: Rounded Corners 26">
+              <a:extLst>
+                <a:ext uri="{FF2B5EF4-FFF2-40B4-BE49-F238E27FC236}">
+                  <a16:creationId xmlns:a16="http://schemas.microsoft.com/office/drawing/2014/main" id="{6808E0B9-52FA-41C4-0834-571B72559AA2}"/>
+                </a:ext>
+              </a:extLst>
+            </p:cNvPr>
+            <p:cNvSpPr/>
+            <p:nvPr/>
+          </p:nvSpPr>
+          <p:spPr>
+            <a:xfrm>
+              <a:off x="3331026" y="6048365"/>
+              <a:ext cx="1100157" cy="256469"/>
+            </a:xfrm>
+            <a:prstGeom prst="roundRect">
+              <a:avLst/>
+            </a:prstGeom>
+            <a:noFill/>
+          </p:spPr>
+          <p:style>
+            <a:lnRef idx="2">
+              <a:schemeClr val="accent1">
+                <a:shade val="15000"/>
+              </a:schemeClr>
+            </a:lnRef>
+            <a:fillRef idx="1">
+              <a:schemeClr val="accent1"/>
+            </a:fillRef>
+            <a:effectRef idx="0">
+              <a:schemeClr val="accent1"/>
+            </a:effectRef>
+            <a:fontRef idx="minor">
+              <a:schemeClr val="lt1"/>
+            </a:fontRef>
+          </p:style>
+          <p:txBody>
+            <a:bodyPr rtlCol="0" anchor="ctr"/>
+            <a:lstStyle/>
+            <a:p>
+              <a:pPr algn="ctr"/>
+              <a:r>
+                <a:rPr lang="en-US" sz="1400" dirty="0">
+                  <a:solidFill>
+                    <a:schemeClr val="tx1"/>
+                  </a:solidFill>
+                </a:rPr>
+                <a:t>Sub </a:t>
+              </a:r>
+              <a:r>
+                <a:rPr lang="en-US" sz="1400" dirty="0" err="1">
+                  <a:solidFill>
+                    <a:schemeClr val="tx1"/>
+                  </a:solidFill>
+                </a:rPr>
+                <a:t>dir</a:t>
+              </a:r>
+              <a:endParaRPr lang="en-US" sz="1400" dirty="0">
+                <a:solidFill>
+                  <a:schemeClr val="tx1"/>
+                </a:solidFill>
+              </a:endParaRPr>
+            </a:p>
+          </p:txBody>
+        </p:sp>
+        <p:sp>
+          <p:nvSpPr>
+            <p:cNvPr id="28" name="Rectangle: Rounded Corners 27">
+              <a:extLst>
+                <a:ext uri="{FF2B5EF4-FFF2-40B4-BE49-F238E27FC236}">
+                  <a16:creationId xmlns:a16="http://schemas.microsoft.com/office/drawing/2014/main" id="{6D7E0A3E-DCAE-DE58-A705-7473A7A27643}"/>
+                </a:ext>
+              </a:extLst>
+            </p:cNvPr>
+            <p:cNvSpPr/>
+            <p:nvPr/>
+          </p:nvSpPr>
+          <p:spPr>
+            <a:xfrm>
+              <a:off x="3331026" y="6390691"/>
+              <a:ext cx="1100157" cy="256469"/>
+            </a:xfrm>
+            <a:prstGeom prst="roundRect">
+              <a:avLst/>
+            </a:prstGeom>
+            <a:noFill/>
+          </p:spPr>
+          <p:style>
+            <a:lnRef idx="2">
+              <a:schemeClr val="accent1">
+                <a:shade val="15000"/>
+              </a:schemeClr>
+            </a:lnRef>
+            <a:fillRef idx="1">
+              <a:schemeClr val="accent1"/>
+            </a:fillRef>
+            <a:effectRef idx="0">
+              <a:schemeClr val="accent1"/>
+            </a:effectRef>
+            <a:fontRef idx="minor">
+              <a:schemeClr val="lt1"/>
+            </a:fontRef>
+          </p:style>
+          <p:txBody>
+            <a:bodyPr rtlCol="0" anchor="ctr"/>
+            <a:lstStyle/>
+            <a:p>
+              <a:pPr algn="ctr"/>
+              <a:r>
+                <a:rPr lang="en-US" sz="1400" dirty="0">
+                  <a:solidFill>
+                    <a:schemeClr val="tx1"/>
+                  </a:solidFill>
+                </a:rPr>
+                <a:t>Sub </a:t>
+              </a:r>
+              <a:r>
+                <a:rPr lang="en-US" sz="1400" dirty="0" err="1">
+                  <a:solidFill>
+                    <a:schemeClr val="tx1"/>
+                  </a:solidFill>
+                </a:rPr>
+                <a:t>dir</a:t>
+              </a:r>
+              <a:endParaRPr lang="en-US" sz="1400" dirty="0">
+                <a:solidFill>
+                  <a:schemeClr val="tx1"/>
+                </a:solidFill>
+              </a:endParaRPr>
+            </a:p>
+          </p:txBody>
+        </p:sp>
+        <p:cxnSp>
+          <p:nvCxnSpPr>
+            <p:cNvPr id="35" name="Straight Arrow Connector 34">
+              <a:extLst>
+                <a:ext uri="{FF2B5EF4-FFF2-40B4-BE49-F238E27FC236}">
+                  <a16:creationId xmlns:a16="http://schemas.microsoft.com/office/drawing/2014/main" id="{043CEF4C-5B84-722A-B697-608865728D6A}"/>
+                </a:ext>
+              </a:extLst>
+            </p:cNvPr>
+            <p:cNvCxnSpPr>
+              <a:cxnSpLocks/>
+              <a:stCxn id="11" idx="1"/>
+              <a:endCxn id="2" idx="3"/>
+            </p:cNvCxnSpPr>
+            <p:nvPr/>
+          </p:nvCxnSpPr>
+          <p:spPr>
+            <a:xfrm flipH="1">
+              <a:off x="2838734" y="2231409"/>
+              <a:ext cx="888625" cy="1252039"/>
+            </a:xfrm>
+            <a:prstGeom prst="straightConnector1">
+              <a:avLst/>
+            </a:prstGeom>
+            <a:ln>
+              <a:tailEnd type="triangle"/>
+            </a:ln>
+          </p:spPr>
+          <p:style>
+            <a:lnRef idx="1">
+              <a:schemeClr val="accent1"/>
+            </a:lnRef>
+            <a:fillRef idx="0">
+              <a:schemeClr val="accent1"/>
+            </a:fillRef>
+            <a:effectRef idx="0">
+              <a:schemeClr val="accent1"/>
+            </a:effectRef>
+            <a:fontRef idx="minor">
+              <a:schemeClr val="tx1"/>
+            </a:fontRef>
+          </p:style>
+        </p:cxnSp>
+        <p:cxnSp>
+          <p:nvCxnSpPr>
+            <p:cNvPr id="38" name="Straight Arrow Connector 37">
+              <a:extLst>
+                <a:ext uri="{FF2B5EF4-FFF2-40B4-BE49-F238E27FC236}">
+                  <a16:creationId xmlns:a16="http://schemas.microsoft.com/office/drawing/2014/main" id="{91AB55FE-BFDD-C81C-27D3-790D0F3DF445}"/>
+                </a:ext>
+              </a:extLst>
+            </p:cNvPr>
+            <p:cNvCxnSpPr>
+              <a:cxnSpLocks/>
+              <a:stCxn id="18" idx="1"/>
+              <a:endCxn id="2" idx="3"/>
+            </p:cNvCxnSpPr>
+            <p:nvPr/>
+          </p:nvCxnSpPr>
+          <p:spPr>
+            <a:xfrm flipH="1">
+              <a:off x="2838734" y="3390191"/>
+              <a:ext cx="943215" cy="93257"/>
+            </a:xfrm>
+            <a:prstGeom prst="straightConnector1">
+              <a:avLst/>
+            </a:prstGeom>
+            <a:ln>
+              <a:tailEnd type="triangle"/>
+            </a:ln>
+          </p:spPr>
+          <p:style>
+            <a:lnRef idx="1">
+              <a:schemeClr val="accent1"/>
+            </a:lnRef>
+            <a:fillRef idx="0">
+              <a:schemeClr val="accent1"/>
+            </a:fillRef>
+            <a:effectRef idx="0">
+              <a:schemeClr val="accent1"/>
+            </a:effectRef>
+            <a:fontRef idx="minor">
+              <a:schemeClr val="tx1"/>
+            </a:fontRef>
+          </p:style>
+        </p:cxnSp>
+        <p:sp>
+          <p:nvSpPr>
+            <p:cNvPr id="44" name="TextBox 43">
+              <a:extLst>
+                <a:ext uri="{FF2B5EF4-FFF2-40B4-BE49-F238E27FC236}">
+                  <a16:creationId xmlns:a16="http://schemas.microsoft.com/office/drawing/2014/main" id="{66C5F18E-534B-0CDA-2F5C-E3050F50C346}"/>
+                </a:ext>
+              </a:extLst>
+            </p:cNvPr>
+            <p:cNvSpPr txBox="1"/>
+            <p:nvPr/>
+          </p:nvSpPr>
+          <p:spPr>
+            <a:xfrm flipH="1">
+              <a:off x="327194" y="4349811"/>
+              <a:ext cx="1539869" cy="523220"/>
+            </a:xfrm>
+            <a:prstGeom prst="rect">
+              <a:avLst/>
+            </a:prstGeom>
+            <a:noFill/>
+          </p:spPr>
+          <p:txBody>
+            <a:bodyPr wrap="square" rtlCol="0">
+              <a:spAutoFit/>
+            </a:bodyPr>
+            <a:lstStyle/>
+            <a:p>
+              <a:pPr algn="ctr"/>
+              <a:r>
+                <a:rPr lang="en-US" sz="1400" b="1" dirty="0"/>
+                <a:t>Hundreds of shared libs</a:t>
+              </a:r>
+            </a:p>
+          </p:txBody>
+        </p:sp>
+        <p:sp>
+          <p:nvSpPr>
+            <p:cNvPr id="45" name="TextBox 44">
+              <a:extLst>
+                <a:ext uri="{FF2B5EF4-FFF2-40B4-BE49-F238E27FC236}">
+                  <a16:creationId xmlns:a16="http://schemas.microsoft.com/office/drawing/2014/main" id="{5CAD6F38-FE33-3486-CFFA-F7412DCF8DD3}"/>
+                </a:ext>
+              </a:extLst>
+            </p:cNvPr>
+            <p:cNvSpPr txBox="1"/>
+            <p:nvPr/>
+          </p:nvSpPr>
+          <p:spPr>
+            <a:xfrm flipH="1">
+              <a:off x="3579560" y="1635393"/>
+              <a:ext cx="1539869" cy="307777"/>
+            </a:xfrm>
+            <a:prstGeom prst="rect">
+              <a:avLst/>
+            </a:prstGeom>
+            <a:noFill/>
+          </p:spPr>
+          <p:txBody>
+            <a:bodyPr wrap="square" rtlCol="0">
+              <a:spAutoFit/>
+            </a:bodyPr>
+            <a:lstStyle/>
+            <a:p>
+              <a:pPr algn="ctr"/>
+              <a:r>
+                <a:rPr lang="en-US" sz="1400" b="1" dirty="0"/>
+                <a:t>Share libs</a:t>
+              </a:r>
+            </a:p>
+          </p:txBody>
+        </p:sp>
+        <p:sp>
+          <p:nvSpPr>
+            <p:cNvPr id="47" name="TextBox 46">
+              <a:extLst>
+                <a:ext uri="{FF2B5EF4-FFF2-40B4-BE49-F238E27FC236}">
+                  <a16:creationId xmlns:a16="http://schemas.microsoft.com/office/drawing/2014/main" id="{960072FE-1690-24DB-3A98-A2D3AB92028F}"/>
+                </a:ext>
+              </a:extLst>
+            </p:cNvPr>
+            <p:cNvSpPr txBox="1"/>
+            <p:nvPr/>
+          </p:nvSpPr>
+          <p:spPr>
+            <a:xfrm flipH="1">
+              <a:off x="3524970" y="3731529"/>
+              <a:ext cx="1539869" cy="307777"/>
+            </a:xfrm>
+            <a:prstGeom prst="rect">
+              <a:avLst/>
+            </a:prstGeom>
+            <a:noFill/>
+          </p:spPr>
+          <p:txBody>
+            <a:bodyPr wrap="square" rtlCol="0">
+              <a:spAutoFit/>
+            </a:bodyPr>
+            <a:lstStyle/>
+            <a:p>
+              <a:pPr algn="ctr"/>
+              <a:r>
+                <a:rPr lang="en-US" sz="1400" b="1" dirty="0"/>
+                <a:t>Share libs</a:t>
+              </a:r>
+            </a:p>
+          </p:txBody>
+        </p:sp>
+        <p:sp>
+          <p:nvSpPr>
+            <p:cNvPr id="48" name="TextBox 47">
+              <a:extLst>
+                <a:ext uri="{FF2B5EF4-FFF2-40B4-BE49-F238E27FC236}">
+                  <a16:creationId xmlns:a16="http://schemas.microsoft.com/office/drawing/2014/main" id="{05C9876A-2E69-C88B-C9FB-79FDD326E7D1}"/>
+                </a:ext>
+              </a:extLst>
+            </p:cNvPr>
+            <p:cNvSpPr txBox="1"/>
+            <p:nvPr/>
+          </p:nvSpPr>
+          <p:spPr>
+            <a:xfrm flipH="1">
+              <a:off x="1211918" y="1010121"/>
+              <a:ext cx="4626103" cy="338554"/>
+            </a:xfrm>
+            <a:prstGeom prst="rect">
+              <a:avLst/>
+            </a:prstGeom>
+            <a:noFill/>
+          </p:spPr>
+          <p:txBody>
+            <a:bodyPr wrap="square" rtlCol="0">
+              <a:spAutoFit/>
+            </a:bodyPr>
+            <a:lstStyle/>
+            <a:p>
+              <a:pPr algn="ctr"/>
+              <a:r>
+                <a:rPr lang="en-US" sz="1600" dirty="0"/>
+                <a:t>Example of Virtual Environment</a:t>
+              </a:r>
+            </a:p>
+          </p:txBody>
+        </p:sp>
+        <p:grpSp>
+          <p:nvGrpSpPr>
+            <p:cNvPr id="22" name="Group 21">
+              <a:extLst>
+                <a:ext uri="{FF2B5EF4-FFF2-40B4-BE49-F238E27FC236}">
+                  <a16:creationId xmlns:a16="http://schemas.microsoft.com/office/drawing/2014/main" id="{185DAE47-026C-E896-649A-2CA4CD3F74D6}"/>
+                </a:ext>
+              </a:extLst>
+            </p:cNvPr>
+            <p:cNvGrpSpPr/>
+            <p:nvPr/>
+          </p:nvGrpSpPr>
+          <p:grpSpPr>
+            <a:xfrm>
+              <a:off x="4588825" y="5451777"/>
+              <a:ext cx="1539869" cy="2386505"/>
+              <a:chOff x="4689196" y="6198004"/>
+              <a:chExt cx="1539869" cy="2386505"/>
+            </a:xfrm>
+          </p:grpSpPr>
+          <p:sp>
+            <p:nvSpPr>
+              <p:cNvPr id="3" name="Rectangle: Rounded Corners 2">
+                <a:extLst>
+                  <a:ext uri="{FF2B5EF4-FFF2-40B4-BE49-F238E27FC236}">
+                    <a16:creationId xmlns:a16="http://schemas.microsoft.com/office/drawing/2014/main" id="{5D9FFC9A-97C7-7F87-584A-FFCA5BA117B6}"/>
+                  </a:ext>
+                </a:extLst>
+              </p:cNvPr>
+              <p:cNvSpPr/>
+              <p:nvPr/>
+            </p:nvSpPr>
+            <p:spPr>
+              <a:xfrm>
+                <a:off x="5055006" y="6198004"/>
+                <a:ext cx="808250" cy="320722"/>
+              </a:xfrm>
+              <a:prstGeom prst="roundRect">
+                <a:avLst/>
+              </a:prstGeom>
+              <a:noFill/>
+            </p:spPr>
+            <p:style>
+              <a:lnRef idx="2">
+                <a:schemeClr val="accent1">
+                  <a:shade val="15000"/>
+                </a:schemeClr>
+              </a:lnRef>
+              <a:fillRef idx="1">
+                <a:schemeClr val="accent1"/>
+              </a:fillRef>
+              <a:effectRef idx="0">
+                <a:schemeClr val="accent1"/>
+              </a:effectRef>
+              <a:fontRef idx="minor">
+                <a:schemeClr val="lt1"/>
+              </a:fontRef>
+            </p:style>
+            <p:txBody>
+              <a:bodyPr rtlCol="0" anchor="ctr"/>
+              <a:lstStyle/>
+              <a:p>
+                <a:pPr algn="ctr"/>
+                <a:r>
+                  <a:rPr lang="en-US" sz="1400" dirty="0">
+                    <a:solidFill>
+                      <a:schemeClr val="tx1"/>
+                    </a:solidFill>
+                  </a:rPr>
+                  <a:t>python</a:t>
+                </a:r>
+              </a:p>
+            </p:txBody>
+          </p:sp>
+          <p:sp>
+            <p:nvSpPr>
+              <p:cNvPr id="4" name="Rectangle: Rounded Corners 3">
+                <a:extLst>
+                  <a:ext uri="{FF2B5EF4-FFF2-40B4-BE49-F238E27FC236}">
+                    <a16:creationId xmlns:a16="http://schemas.microsoft.com/office/drawing/2014/main" id="{BF60549D-CCC2-31CC-C4C5-7E4516F28C3B}"/>
+                  </a:ext>
+                </a:extLst>
+              </p:cNvPr>
+              <p:cNvSpPr/>
+              <p:nvPr/>
+            </p:nvSpPr>
+            <p:spPr>
+              <a:xfrm>
+                <a:off x="5055006" y="6563224"/>
+                <a:ext cx="808250" cy="320722"/>
+              </a:xfrm>
+              <a:prstGeom prst="roundRect">
+                <a:avLst/>
+              </a:prstGeom>
+              <a:noFill/>
+            </p:spPr>
+            <p:style>
+              <a:lnRef idx="2">
+                <a:schemeClr val="accent1">
+                  <a:shade val="15000"/>
+                </a:schemeClr>
+              </a:lnRef>
+              <a:fillRef idx="1">
+                <a:schemeClr val="accent1"/>
+              </a:fillRef>
+              <a:effectRef idx="0">
+                <a:schemeClr val="accent1"/>
+              </a:effectRef>
+              <a:fontRef idx="minor">
+                <a:schemeClr val="lt1"/>
+              </a:fontRef>
+            </p:style>
+            <p:txBody>
+              <a:bodyPr rtlCol="0" anchor="ctr"/>
+              <a:lstStyle/>
+              <a:p>
+                <a:pPr algn="ctr"/>
+                <a:r>
+                  <a:rPr lang="en-US" sz="1400" dirty="0">
+                    <a:solidFill>
+                      <a:schemeClr val="tx1"/>
+                    </a:solidFill>
+                  </a:rPr>
+                  <a:t>lib</a:t>
+                </a:r>
+              </a:p>
+            </p:txBody>
+          </p:sp>
+          <p:sp>
+            <p:nvSpPr>
+              <p:cNvPr id="5" name="Rectangle: Rounded Corners 4">
+                <a:extLst>
+                  <a:ext uri="{FF2B5EF4-FFF2-40B4-BE49-F238E27FC236}">
+                    <a16:creationId xmlns:a16="http://schemas.microsoft.com/office/drawing/2014/main" id="{1B84C36A-2DE6-3A55-5324-09EFD59E4214}"/>
+                  </a:ext>
+                </a:extLst>
+              </p:cNvPr>
+              <p:cNvSpPr/>
+              <p:nvPr/>
+            </p:nvSpPr>
+            <p:spPr>
+              <a:xfrm>
+                <a:off x="5055006" y="7013600"/>
+                <a:ext cx="808250" cy="320722"/>
+              </a:xfrm>
+              <a:prstGeom prst="roundRect">
+                <a:avLst/>
+              </a:prstGeom>
+              <a:noFill/>
+            </p:spPr>
+            <p:style>
+              <a:lnRef idx="2">
+                <a:schemeClr val="accent1">
+                  <a:shade val="15000"/>
+                </a:schemeClr>
+              </a:lnRef>
+              <a:fillRef idx="1">
+                <a:schemeClr val="accent1"/>
+              </a:fillRef>
+              <a:effectRef idx="0">
+                <a:schemeClr val="accent1"/>
+              </a:effectRef>
+              <a:fontRef idx="minor">
+                <a:schemeClr val="lt1"/>
+              </a:fontRef>
+            </p:style>
+            <p:txBody>
+              <a:bodyPr rtlCol="0" anchor="ctr"/>
+              <a:lstStyle/>
+              <a:p>
+                <a:pPr algn="ctr"/>
+                <a:r>
+                  <a:rPr lang="en-US" sz="1400" dirty="0">
+                    <a:solidFill>
+                      <a:schemeClr val="tx1"/>
+                    </a:solidFill>
+                  </a:rPr>
+                  <a:t>lib</a:t>
+                </a:r>
+              </a:p>
+            </p:txBody>
+          </p:sp>
+          <p:sp>
+            <p:nvSpPr>
+              <p:cNvPr id="7" name="Rectangle: Rounded Corners 6">
+                <a:extLst>
+                  <a:ext uri="{FF2B5EF4-FFF2-40B4-BE49-F238E27FC236}">
+                    <a16:creationId xmlns:a16="http://schemas.microsoft.com/office/drawing/2014/main" id="{1BF220CF-DC25-9BF2-D629-D7DE4B192D56}"/>
+                  </a:ext>
+                </a:extLst>
+              </p:cNvPr>
+              <p:cNvSpPr/>
+              <p:nvPr/>
+            </p:nvSpPr>
+            <p:spPr>
+              <a:xfrm>
+                <a:off x="5055006" y="7463976"/>
+                <a:ext cx="808250" cy="320722"/>
+              </a:xfrm>
+              <a:prstGeom prst="roundRect">
+                <a:avLst/>
+              </a:prstGeom>
+              <a:noFill/>
+            </p:spPr>
+            <p:style>
+              <a:lnRef idx="2">
+                <a:schemeClr val="accent1">
+                  <a:shade val="15000"/>
+                </a:schemeClr>
+              </a:lnRef>
+              <a:fillRef idx="1">
+                <a:schemeClr val="accent1"/>
+              </a:fillRef>
+              <a:effectRef idx="0">
+                <a:schemeClr val="accent1"/>
+              </a:effectRef>
+              <a:fontRef idx="minor">
+                <a:schemeClr val="lt1"/>
+              </a:fontRef>
+            </p:style>
+            <p:txBody>
+              <a:bodyPr rtlCol="0" anchor="ctr"/>
+              <a:lstStyle/>
+              <a:p>
+                <a:pPr algn="ctr"/>
+                <a:r>
+                  <a:rPr lang="en-US" sz="1400" dirty="0">
+                    <a:solidFill>
+                      <a:schemeClr val="tx1"/>
+                    </a:solidFill>
+                  </a:rPr>
+                  <a:t>lib</a:t>
+                </a:r>
+              </a:p>
+            </p:txBody>
+          </p:sp>
+          <p:sp>
+            <p:nvSpPr>
+              <p:cNvPr id="15" name="TextBox 14">
+                <a:extLst>
+                  <a:ext uri="{FF2B5EF4-FFF2-40B4-BE49-F238E27FC236}">
+                    <a16:creationId xmlns:a16="http://schemas.microsoft.com/office/drawing/2014/main" id="{713D997F-DB93-D706-4A71-2D2367AB16CC}"/>
+                  </a:ext>
+                </a:extLst>
+              </p:cNvPr>
+              <p:cNvSpPr txBox="1"/>
+              <p:nvPr/>
+            </p:nvSpPr>
+            <p:spPr>
+              <a:xfrm flipH="1">
+                <a:off x="4689196" y="7845845"/>
+                <a:ext cx="1539869" cy="738664"/>
+              </a:xfrm>
+              <a:prstGeom prst="rect">
+                <a:avLst/>
+              </a:prstGeom>
+              <a:noFill/>
+            </p:spPr>
+            <p:txBody>
+              <a:bodyPr wrap="square" rtlCol="0">
+                <a:spAutoFit/>
+              </a:bodyPr>
+              <a:lstStyle/>
+              <a:p>
+                <a:pPr algn="ctr"/>
+                <a:r>
+                  <a:rPr lang="en-US" sz="1400" b="1" dirty="0"/>
+                  <a:t>Hundreds of </a:t>
+                </a:r>
+              </a:p>
+              <a:p>
+                <a:pPr algn="ctr"/>
+                <a:r>
+                  <a:rPr lang="en-US" sz="1400" b="1" dirty="0"/>
+                  <a:t>Dedicated</a:t>
+                </a:r>
+              </a:p>
+              <a:p>
+                <a:pPr algn="ctr"/>
+                <a:r>
+                  <a:rPr lang="en-US" sz="1400" b="1" dirty="0"/>
+                  <a:t>libs</a:t>
+                </a:r>
+              </a:p>
+            </p:txBody>
+          </p:sp>
+        </p:grpSp>
+        <p:sp>
+          <p:nvSpPr>
+            <p:cNvPr id="30" name="Rectangle: Rounded Corners 29">
+              <a:extLst>
+                <a:ext uri="{FF2B5EF4-FFF2-40B4-BE49-F238E27FC236}">
+                  <a16:creationId xmlns:a16="http://schemas.microsoft.com/office/drawing/2014/main" id="{6FD10319-7FD9-965E-1535-0F46198CA659}"/>
+                </a:ext>
+              </a:extLst>
+            </p:cNvPr>
+            <p:cNvSpPr/>
+            <p:nvPr/>
+          </p:nvSpPr>
+          <p:spPr>
+            <a:xfrm>
+              <a:off x="3360164" y="4763425"/>
+              <a:ext cx="1100157" cy="809458"/>
+            </a:xfrm>
+            <a:prstGeom prst="roundRect">
+              <a:avLst/>
+            </a:prstGeom>
+            <a:noFill/>
+            <a:ln w="28575">
+              <a:solidFill>
+                <a:srgbClr val="FF0000"/>
+              </a:solidFill>
+            </a:ln>
+          </p:spPr>
+          <p:style>
+            <a:lnRef idx="2">
+              <a:schemeClr val="accent1">
+                <a:shade val="15000"/>
+              </a:schemeClr>
+            </a:lnRef>
+            <a:fillRef idx="1">
+              <a:schemeClr val="accent1"/>
+            </a:fillRef>
+            <a:effectRef idx="0">
+              <a:schemeClr val="accent1"/>
+            </a:effectRef>
+            <a:fontRef idx="minor">
+              <a:schemeClr val="lt1"/>
+            </a:fontRef>
+          </p:style>
+          <p:txBody>
+            <a:bodyPr rtlCol="0" anchor="ctr"/>
+            <a:lstStyle/>
+            <a:p>
+              <a:pPr algn="ctr"/>
+              <a:r>
+                <a:rPr lang="en-US" sz="1050" dirty="0">
+                  <a:solidFill>
+                    <a:schemeClr val="tx1"/>
+                  </a:solidFill>
+                </a:rPr>
+                <a:t>Dedicated Sub </a:t>
+              </a:r>
+              <a:r>
+                <a:rPr lang="en-US" sz="1050" dirty="0" err="1">
+                  <a:solidFill>
+                    <a:schemeClr val="tx1"/>
+                  </a:solidFill>
+                </a:rPr>
+                <a:t>dir</a:t>
+              </a:r>
+              <a:endParaRPr lang="en-US" sz="1050" dirty="0">
+                <a:solidFill>
+                  <a:schemeClr val="tx1"/>
+                </a:solidFill>
+              </a:endParaRPr>
+            </a:p>
+            <a:p>
+              <a:pPr algn="ctr"/>
+              <a:r>
+                <a:rPr lang="en-US" sz="1050" dirty="0">
+                  <a:solidFill>
+                    <a:schemeClr val="tx1"/>
+                  </a:solidFill>
+                </a:rPr>
+                <a:t>.</a:t>
+              </a:r>
+              <a:r>
+                <a:rPr lang="en-US" sz="1050" dirty="0" err="1">
+                  <a:solidFill>
+                    <a:schemeClr val="tx1"/>
+                  </a:solidFill>
+                </a:rPr>
+                <a:t>venv</a:t>
+              </a:r>
+              <a:endParaRPr lang="en-US" sz="1050" dirty="0">
+                <a:solidFill>
+                  <a:schemeClr val="tx1"/>
+                </a:solidFill>
+              </a:endParaRPr>
+            </a:p>
+          </p:txBody>
+        </p:sp>
+        <p:cxnSp>
+          <p:nvCxnSpPr>
+            <p:cNvPr id="32" name="Connector: Elbow 31">
+              <a:extLst>
+                <a:ext uri="{FF2B5EF4-FFF2-40B4-BE49-F238E27FC236}">
+                  <a16:creationId xmlns:a16="http://schemas.microsoft.com/office/drawing/2014/main" id="{865BE2ED-4388-C4E9-DBCA-96DBC324C75A}"/>
+                </a:ext>
+              </a:extLst>
+            </p:cNvPr>
+            <p:cNvCxnSpPr>
+              <a:cxnSpLocks/>
+              <a:stCxn id="30" idx="3"/>
+              <a:endCxn id="3" idx="0"/>
+            </p:cNvCxnSpPr>
+            <p:nvPr/>
+          </p:nvCxnSpPr>
+          <p:spPr>
+            <a:xfrm>
+              <a:off x="4460321" y="5168154"/>
+              <a:ext cx="898439" cy="283623"/>
+            </a:xfrm>
+            <a:prstGeom prst="bentConnector2">
+              <a:avLst/>
+            </a:prstGeom>
+            <a:ln>
+              <a:tailEnd type="triangle"/>
+            </a:ln>
+          </p:spPr>
+          <p:style>
+            <a:lnRef idx="1">
+              <a:schemeClr val="accent1"/>
+            </a:lnRef>
+            <a:fillRef idx="0">
+              <a:schemeClr val="accent1"/>
+            </a:fillRef>
+            <a:effectRef idx="0">
+              <a:schemeClr val="accent1"/>
+            </a:effectRef>
+            <a:fontRef idx="minor">
+              <a:schemeClr val="tx1"/>
+            </a:fontRef>
+          </p:style>
+        </p:cxnSp>
+        <p:sp>
+          <p:nvSpPr>
+            <p:cNvPr id="36" name="TextBox 35">
+              <a:extLst>
+                <a:ext uri="{FF2B5EF4-FFF2-40B4-BE49-F238E27FC236}">
+                  <a16:creationId xmlns:a16="http://schemas.microsoft.com/office/drawing/2014/main" id="{DD1DA4A6-F557-2E57-527B-BAD93DD22F84}"/>
+                </a:ext>
+              </a:extLst>
+            </p:cNvPr>
+            <p:cNvSpPr txBox="1"/>
+            <p:nvPr/>
+          </p:nvSpPr>
+          <p:spPr>
+            <a:xfrm flipH="1">
+              <a:off x="937482" y="6430170"/>
+              <a:ext cx="1539869" cy="1169551"/>
+            </a:xfrm>
+            <a:prstGeom prst="rect">
+              <a:avLst/>
+            </a:prstGeom>
+            <a:noFill/>
+          </p:spPr>
+          <p:txBody>
+            <a:bodyPr wrap="square" rtlCol="0">
+              <a:spAutoFit/>
+            </a:bodyPr>
+            <a:lstStyle/>
+            <a:p>
+              <a:pPr algn="ctr"/>
+              <a:r>
+                <a:rPr lang="en-US" sz="1400" b="1" dirty="0">
+                  <a:solidFill>
+                    <a:srgbClr val="FF0000"/>
+                  </a:solidFill>
+                </a:rPr>
+                <a:t>A project under virtual environment</a:t>
+              </a:r>
+            </a:p>
+            <a:p>
+              <a:pPr algn="ctr"/>
+              <a:endParaRPr lang="en-US" sz="1400" b="1" dirty="0">
+                <a:solidFill>
+                  <a:srgbClr val="FF0000"/>
+                </a:solidFill>
+              </a:endParaRPr>
+            </a:p>
+            <a:p>
+              <a:pPr algn="ctr"/>
+              <a:r>
+                <a:rPr lang="en-US" sz="1400" b="1" dirty="0">
+                  <a:solidFill>
+                    <a:srgbClr val="FF0000"/>
+                  </a:solidFill>
+                </a:rPr>
+                <a:t>Dedicated libs</a:t>
+              </a:r>
+            </a:p>
+          </p:txBody>
+        </p:sp>
+        <p:cxnSp>
+          <p:nvCxnSpPr>
+            <p:cNvPr id="37" name="Straight Arrow Connector 36">
+              <a:extLst>
+                <a:ext uri="{FF2B5EF4-FFF2-40B4-BE49-F238E27FC236}">
+                  <a16:creationId xmlns:a16="http://schemas.microsoft.com/office/drawing/2014/main" id="{BD358C11-3DD7-130A-439F-E4BEBE12E6F1}"/>
+                </a:ext>
+              </a:extLst>
+            </p:cNvPr>
+            <p:cNvCxnSpPr>
+              <a:cxnSpLocks/>
+              <a:stCxn id="25" idx="3"/>
+              <a:endCxn id="30" idx="1"/>
+            </p:cNvCxnSpPr>
+            <p:nvPr/>
+          </p:nvCxnSpPr>
+          <p:spPr>
+            <a:xfrm flipV="1">
+              <a:off x="2341308" y="5168154"/>
+              <a:ext cx="1018856" cy="738412"/>
+            </a:xfrm>
+            <a:prstGeom prst="straightConnector1">
+              <a:avLst/>
+            </a:prstGeom>
+            <a:ln>
+              <a:tailEnd type="triangle"/>
+            </a:ln>
+          </p:spPr>
+          <p:style>
+            <a:lnRef idx="1">
+              <a:schemeClr val="accent1"/>
+            </a:lnRef>
+            <a:fillRef idx="0">
+              <a:schemeClr val="accent1"/>
+            </a:fillRef>
+            <a:effectRef idx="0">
+              <a:schemeClr val="accent1"/>
+            </a:effectRef>
+            <a:fontRef idx="minor">
+              <a:schemeClr val="tx1"/>
+            </a:fontRef>
+          </p:style>
+        </p:cxnSp>
+        <p:cxnSp>
+          <p:nvCxnSpPr>
+            <p:cNvPr id="42" name="Straight Arrow Connector 41">
+              <a:extLst>
+                <a:ext uri="{FF2B5EF4-FFF2-40B4-BE49-F238E27FC236}">
+                  <a16:creationId xmlns:a16="http://schemas.microsoft.com/office/drawing/2014/main" id="{DD864346-EFE0-A9FF-9901-890A3C7CD4B7}"/>
+                </a:ext>
+              </a:extLst>
+            </p:cNvPr>
+            <p:cNvCxnSpPr>
+              <a:cxnSpLocks/>
+              <a:stCxn id="25" idx="3"/>
+              <a:endCxn id="26" idx="1"/>
+            </p:cNvCxnSpPr>
+            <p:nvPr/>
+          </p:nvCxnSpPr>
+          <p:spPr>
+            <a:xfrm flipV="1">
+              <a:off x="2341308" y="5855878"/>
+              <a:ext cx="989718" cy="50688"/>
+            </a:xfrm>
+            <a:prstGeom prst="straightConnector1">
+              <a:avLst/>
+            </a:prstGeom>
+            <a:ln>
+              <a:tailEnd type="triangle"/>
+            </a:ln>
+          </p:spPr>
+          <p:style>
+            <a:lnRef idx="1">
+              <a:schemeClr val="accent1"/>
+            </a:lnRef>
+            <a:fillRef idx="0">
+              <a:schemeClr val="accent1"/>
+            </a:fillRef>
+            <a:effectRef idx="0">
+              <a:schemeClr val="accent1"/>
+            </a:effectRef>
+            <a:fontRef idx="minor">
+              <a:schemeClr val="tx1"/>
+            </a:fontRef>
+          </p:style>
+        </p:cxnSp>
+        <p:cxnSp>
+          <p:nvCxnSpPr>
+            <p:cNvPr id="49" name="Straight Arrow Connector 48">
+              <a:extLst>
+                <a:ext uri="{FF2B5EF4-FFF2-40B4-BE49-F238E27FC236}">
+                  <a16:creationId xmlns:a16="http://schemas.microsoft.com/office/drawing/2014/main" id="{48952DB4-1DF3-2C49-C2D7-0A8B6FBF9775}"/>
+                </a:ext>
+              </a:extLst>
+            </p:cNvPr>
+            <p:cNvCxnSpPr>
+              <a:cxnSpLocks/>
+              <a:stCxn id="25" idx="3"/>
+              <a:endCxn id="28" idx="1"/>
+            </p:cNvCxnSpPr>
+            <p:nvPr/>
+          </p:nvCxnSpPr>
+          <p:spPr>
+            <a:xfrm>
+              <a:off x="2341308" y="5906566"/>
+              <a:ext cx="989718" cy="612360"/>
+            </a:xfrm>
+            <a:prstGeom prst="straightConnector1">
+              <a:avLst/>
+            </a:prstGeom>
+            <a:ln>
+              <a:tailEnd type="triangle"/>
+            </a:ln>
+          </p:spPr>
+          <p:style>
+            <a:lnRef idx="1">
+              <a:schemeClr val="accent1"/>
+            </a:lnRef>
+            <a:fillRef idx="0">
+              <a:schemeClr val="accent1"/>
+            </a:fillRef>
+            <a:effectRef idx="0">
+              <a:schemeClr val="accent1"/>
+            </a:effectRef>
+            <a:fontRef idx="minor">
+              <a:schemeClr val="tx1"/>
+            </a:fontRef>
+          </p:style>
+        </p:cxnSp>
+        <p:cxnSp>
+          <p:nvCxnSpPr>
+            <p:cNvPr id="52" name="Straight Arrow Connector 51">
+              <a:extLst>
+                <a:ext uri="{FF2B5EF4-FFF2-40B4-BE49-F238E27FC236}">
+                  <a16:creationId xmlns:a16="http://schemas.microsoft.com/office/drawing/2014/main" id="{028335FE-22FE-EC03-B6B6-ADFBF2DF4183}"/>
+                </a:ext>
+              </a:extLst>
+            </p:cNvPr>
+            <p:cNvCxnSpPr>
+              <a:cxnSpLocks/>
+              <a:stCxn id="25" idx="3"/>
+              <a:endCxn id="27" idx="1"/>
+            </p:cNvCxnSpPr>
+            <p:nvPr/>
+          </p:nvCxnSpPr>
+          <p:spPr>
+            <a:xfrm>
+              <a:off x="2341308" y="5906566"/>
+              <a:ext cx="989718" cy="270034"/>
+            </a:xfrm>
+            <a:prstGeom prst="straightConnector1">
+              <a:avLst/>
+            </a:prstGeom>
+            <a:ln>
+              <a:tailEnd type="triangle"/>
+            </a:ln>
+          </p:spPr>
+          <p:style>
+            <a:lnRef idx="1">
+              <a:schemeClr val="accent1"/>
+            </a:lnRef>
+            <a:fillRef idx="0">
+              <a:schemeClr val="accent1"/>
+            </a:fillRef>
+            <a:effectRef idx="0">
+              <a:schemeClr val="accent1"/>
+            </a:effectRef>
+            <a:fontRef idx="minor">
+              <a:schemeClr val="tx1"/>
+            </a:fontRef>
+          </p:style>
+        </p:cxnSp>
+        <p:cxnSp>
+          <p:nvCxnSpPr>
+            <p:cNvPr id="56" name="Connector: Elbow 55">
+              <a:extLst>
+                <a:ext uri="{FF2B5EF4-FFF2-40B4-BE49-F238E27FC236}">
+                  <a16:creationId xmlns:a16="http://schemas.microsoft.com/office/drawing/2014/main" id="{2B0B3B4B-4F5A-6316-E4A7-7846EFCB145F}"/>
+                </a:ext>
+              </a:extLst>
+            </p:cNvPr>
+            <p:cNvCxnSpPr>
+              <a:cxnSpLocks/>
+              <a:stCxn id="25" idx="0"/>
+              <a:endCxn id="2" idx="2"/>
+            </p:cNvCxnSpPr>
+            <p:nvPr/>
+          </p:nvCxnSpPr>
+          <p:spPr>
+            <a:xfrm rot="5400000" flipH="1" flipV="1">
+              <a:off x="1093998" y="4492355"/>
+              <a:ext cx="1784799" cy="497426"/>
+            </a:xfrm>
+            <a:prstGeom prst="bentConnector3">
+              <a:avLst>
+                <a:gd name="adj1" fmla="val 50000"/>
+              </a:avLst>
+            </a:prstGeom>
+            <a:ln>
+              <a:prstDash val="dashDot"/>
+              <a:tailEnd type="triangle"/>
+            </a:ln>
+          </p:spPr>
+          <p:style>
+            <a:lnRef idx="1">
+              <a:schemeClr val="accent1"/>
+            </a:lnRef>
+            <a:fillRef idx="0">
+              <a:schemeClr val="accent1"/>
+            </a:fillRef>
+            <a:effectRef idx="0">
+              <a:schemeClr val="accent1"/>
+            </a:effectRef>
+            <a:fontRef idx="minor">
+              <a:schemeClr val="tx1"/>
+            </a:fontRef>
+          </p:style>
+        </p:cxnSp>
+        <p:sp>
+          <p:nvSpPr>
+            <p:cNvPr id="59" name="TextBox 58">
+              <a:extLst>
+                <a:ext uri="{FF2B5EF4-FFF2-40B4-BE49-F238E27FC236}">
+                  <a16:creationId xmlns:a16="http://schemas.microsoft.com/office/drawing/2014/main" id="{F2F2AA04-FDB0-C401-7AAC-0A2EFF44FCA8}"/>
+                </a:ext>
+              </a:extLst>
+            </p:cNvPr>
+            <p:cNvSpPr txBox="1"/>
+            <p:nvPr/>
+          </p:nvSpPr>
+          <p:spPr>
+            <a:xfrm flipH="1">
+              <a:off x="1270289" y="4933382"/>
+              <a:ext cx="1539869" cy="307777"/>
+            </a:xfrm>
+            <a:prstGeom prst="rect">
+              <a:avLst/>
+            </a:prstGeom>
+            <a:noFill/>
+          </p:spPr>
+          <p:txBody>
+            <a:bodyPr wrap="square" rtlCol="0">
+              <a:spAutoFit/>
+            </a:bodyPr>
+            <a:lstStyle/>
+            <a:p>
+              <a:pPr algn="ctr"/>
+              <a:r>
+                <a:rPr lang="en-US" sz="1400" b="1" dirty="0" err="1"/>
+                <a:t>Loosley</a:t>
+              </a:r>
+              <a:r>
+                <a:rPr lang="en-US" sz="1400" b="1" dirty="0"/>
+                <a:t> coupled</a:t>
+              </a:r>
+            </a:p>
+          </p:txBody>
+        </p:sp>
+        <p:sp>
+          <p:nvSpPr>
+            <p:cNvPr id="61" name="Rectangle 60">
+              <a:extLst>
+                <a:ext uri="{FF2B5EF4-FFF2-40B4-BE49-F238E27FC236}">
+                  <a16:creationId xmlns:a16="http://schemas.microsoft.com/office/drawing/2014/main" id="{142101F3-32C8-70D2-59F8-EC2449007F00}"/>
+                </a:ext>
+              </a:extLst>
+            </p:cNvPr>
+            <p:cNvSpPr/>
+            <p:nvPr/>
+          </p:nvSpPr>
+          <p:spPr>
+            <a:xfrm>
+              <a:off x="327194" y="832513"/>
+              <a:ext cx="6237379" cy="7151427"/>
+            </a:xfrm>
+            <a:prstGeom prst="rect">
+              <a:avLst/>
+            </a:prstGeom>
+            <a:noFill/>
+          </p:spPr>
+          <p:style>
+            <a:lnRef idx="2">
+              <a:schemeClr val="accent1">
+                <a:shade val="15000"/>
+              </a:schemeClr>
+            </a:lnRef>
+            <a:fillRef idx="1">
+              <a:schemeClr val="accent1"/>
+            </a:fillRef>
+            <a:effectRef idx="0">
+              <a:schemeClr val="accent1"/>
+            </a:effectRef>
+            <a:fontRef idx="minor">
+              <a:schemeClr val="lt1"/>
+            </a:fontRef>
+          </p:style>
+          <p:txBody>
+            <a:bodyPr rtlCol="0" anchor="ctr"/>
+            <a:lstStyle/>
+            <a:p>
+              <a:pPr algn="ctr"/>
+              <a:endParaRPr lang="en-US" sz="1400" dirty="0">
+                <a:solidFill>
+                  <a:schemeClr val="tx1"/>
+                </a:solidFill>
+              </a:endParaRPr>
+            </a:p>
+          </p:txBody>
+        </p:sp>
+      </p:grpSp>
+    </p:spTree>
+    <p:extLst>
+      <p:ext uri="{BB962C8B-B14F-4D97-AF65-F5344CB8AC3E}">
+        <p14:creationId xmlns:p14="http://schemas.microsoft.com/office/powerpoint/2010/main" val="1335368783"/>
+      </p:ext>
+    </p:extLst>
+  </p:cSld>
+  <p:clrMapOvr>
+    <a:masterClrMapping/>
+  </p:clrMapOvr>
+</p:sld>
+</file>
+
 <file path=ppt/slides/slide2.xml><?xml version="1.0" encoding="utf-8"?>
 <p:sld xmlns:a="http://schemas.openxmlformats.org/drawingml/2006/main" xmlns:r="http://schemas.openxmlformats.org/officeDocument/2006/relationships" xmlns:p="http://schemas.openxmlformats.org/presentationml/2006/main">
   <p:cSld>
@@ -12294,9 +16740,10 @@
           <a:p>
             <a:pPr algn="ctr"/>
             <a:r>
-              <a:rPr lang="en-US" sz="1400" dirty="0"/>
+              <a:rPr lang="en-US" sz="1400"/>
               <a:t>Execute A Project</a:t>
             </a:r>
+            <a:endParaRPr lang="en-US" sz="1400" dirty="0"/>
           </a:p>
         </p:txBody>
       </p:sp>

--- a/general-tech-figures.pptx
+++ b/general-tech-figures.pptx
@@ -17,6 +17,7 @@
     <p:sldId id="265" r:id="rId11"/>
     <p:sldId id="266" r:id="rId12"/>
     <p:sldId id="267" r:id="rId13"/>
+    <p:sldId id="268" r:id="rId14"/>
   </p:sldIdLst>
   <p:sldSz cx="6858000" cy="9144000" type="letter"/>
   <p:notesSz cx="6858000" cy="9144000"/>
@@ -265,7 +266,7 @@
           <a:p>
             <a:fld id="{BFBBFCFE-809B-4AE5-92DC-0D51595F6FEA}" type="datetimeFigureOut">
               <a:rPr lang="en-US" smtClean="0"/>
-              <a:t>3/7/2025</a:t>
+              <a:t>3/11/2025</a:t>
             </a:fld>
             <a:endParaRPr lang="en-US"/>
           </a:p>
@@ -435,7 +436,7 @@
           <a:p>
             <a:fld id="{BFBBFCFE-809B-4AE5-92DC-0D51595F6FEA}" type="datetimeFigureOut">
               <a:rPr lang="en-US" smtClean="0"/>
-              <a:t>3/7/2025</a:t>
+              <a:t>3/11/2025</a:t>
             </a:fld>
             <a:endParaRPr lang="en-US"/>
           </a:p>
@@ -615,7 +616,7 @@
           <a:p>
             <a:fld id="{BFBBFCFE-809B-4AE5-92DC-0D51595F6FEA}" type="datetimeFigureOut">
               <a:rPr lang="en-US" smtClean="0"/>
-              <a:t>3/7/2025</a:t>
+              <a:t>3/11/2025</a:t>
             </a:fld>
             <a:endParaRPr lang="en-US"/>
           </a:p>
@@ -785,7 +786,7 @@
           <a:p>
             <a:fld id="{BFBBFCFE-809B-4AE5-92DC-0D51595F6FEA}" type="datetimeFigureOut">
               <a:rPr lang="en-US" smtClean="0"/>
-              <a:t>3/7/2025</a:t>
+              <a:t>3/11/2025</a:t>
             </a:fld>
             <a:endParaRPr lang="en-US"/>
           </a:p>
@@ -1029,7 +1030,7 @@
           <a:p>
             <a:fld id="{BFBBFCFE-809B-4AE5-92DC-0D51595F6FEA}" type="datetimeFigureOut">
               <a:rPr lang="en-US" smtClean="0"/>
-              <a:t>3/7/2025</a:t>
+              <a:t>3/11/2025</a:t>
             </a:fld>
             <a:endParaRPr lang="en-US"/>
           </a:p>
@@ -1261,7 +1262,7 @@
           <a:p>
             <a:fld id="{BFBBFCFE-809B-4AE5-92DC-0D51595F6FEA}" type="datetimeFigureOut">
               <a:rPr lang="en-US" smtClean="0"/>
-              <a:t>3/7/2025</a:t>
+              <a:t>3/11/2025</a:t>
             </a:fld>
             <a:endParaRPr lang="en-US"/>
           </a:p>
@@ -1628,7 +1629,7 @@
           <a:p>
             <a:fld id="{BFBBFCFE-809B-4AE5-92DC-0D51595F6FEA}" type="datetimeFigureOut">
               <a:rPr lang="en-US" smtClean="0"/>
-              <a:t>3/7/2025</a:t>
+              <a:t>3/11/2025</a:t>
             </a:fld>
             <a:endParaRPr lang="en-US"/>
           </a:p>
@@ -1746,7 +1747,7 @@
           <a:p>
             <a:fld id="{BFBBFCFE-809B-4AE5-92DC-0D51595F6FEA}" type="datetimeFigureOut">
               <a:rPr lang="en-US" smtClean="0"/>
-              <a:t>3/7/2025</a:t>
+              <a:t>3/11/2025</a:t>
             </a:fld>
             <a:endParaRPr lang="en-US"/>
           </a:p>
@@ -1841,7 +1842,7 @@
           <a:p>
             <a:fld id="{BFBBFCFE-809B-4AE5-92DC-0D51595F6FEA}" type="datetimeFigureOut">
               <a:rPr lang="en-US" smtClean="0"/>
-              <a:t>3/7/2025</a:t>
+              <a:t>3/11/2025</a:t>
             </a:fld>
             <a:endParaRPr lang="en-US"/>
           </a:p>
@@ -2118,7 +2119,7 @@
           <a:p>
             <a:fld id="{BFBBFCFE-809B-4AE5-92DC-0D51595F6FEA}" type="datetimeFigureOut">
               <a:rPr lang="en-US" smtClean="0"/>
-              <a:t>3/7/2025</a:t>
+              <a:t>3/11/2025</a:t>
             </a:fld>
             <a:endParaRPr lang="en-US"/>
           </a:p>
@@ -2375,7 +2376,7 @@
           <a:p>
             <a:fld id="{BFBBFCFE-809B-4AE5-92DC-0D51595F6FEA}" type="datetimeFigureOut">
               <a:rPr lang="en-US" smtClean="0"/>
-              <a:t>3/7/2025</a:t>
+              <a:t>3/11/2025</a:t>
             </a:fld>
             <a:endParaRPr lang="en-US"/>
           </a:p>
@@ -2588,7 +2589,7 @@
           <a:p>
             <a:fld id="{BFBBFCFE-809B-4AE5-92DC-0D51595F6FEA}" type="datetimeFigureOut">
               <a:rPr lang="en-US" smtClean="0"/>
-              <a:t>3/7/2025</a:t>
+              <a:t>3/11/2025</a:t>
             </a:fld>
             <a:endParaRPr lang="en-US"/>
           </a:p>
@@ -9015,6 +9016,72 @@
 </p:sld>
 </file>
 
+<file path=ppt/slides/slide13.xml><?xml version="1.0" encoding="utf-8"?>
+<p:sld xmlns:a="http://schemas.openxmlformats.org/drawingml/2006/main" xmlns:r="http://schemas.openxmlformats.org/officeDocument/2006/relationships" xmlns:p="http://schemas.openxmlformats.org/presentationml/2006/main">
+  <p:cSld>
+    <p:spTree>
+      <p:nvGrpSpPr>
+        <p:cNvPr id="1" name="">
+          <a:extLst>
+            <a:ext uri="{FF2B5EF4-FFF2-40B4-BE49-F238E27FC236}">
+              <a16:creationId xmlns:a16="http://schemas.microsoft.com/office/drawing/2014/main" id="{8FCDAC28-FA91-ADAB-20DA-CFCEE63067F4}"/>
+            </a:ext>
+          </a:extLst>
+        </p:cNvPr>
+        <p:cNvGrpSpPr/>
+        <p:nvPr/>
+      </p:nvGrpSpPr>
+      <p:grpSpPr>
+        <a:xfrm>
+          <a:off x="0" y="0"/>
+          <a:ext cx="0" cy="0"/>
+          <a:chOff x="0" y="0"/>
+          <a:chExt cx="0" cy="0"/>
+        </a:xfrm>
+      </p:grpSpPr>
+      <p:pic>
+        <p:nvPicPr>
+          <p:cNvPr id="6" name="Picture 5">
+            <a:extLst>
+              <a:ext uri="{FF2B5EF4-FFF2-40B4-BE49-F238E27FC236}">
+                <a16:creationId xmlns:a16="http://schemas.microsoft.com/office/drawing/2014/main" id="{9FE8BD5C-2510-A62D-5827-B644622FCC50}"/>
+              </a:ext>
+            </a:extLst>
+          </p:cNvPr>
+          <p:cNvPicPr>
+            <a:picLocks noChangeAspect="1"/>
+          </p:cNvPicPr>
+          <p:nvPr/>
+        </p:nvPicPr>
+        <p:blipFill>
+          <a:blip r:embed="rId2"/>
+          <a:stretch>
+            <a:fillRect/>
+          </a:stretch>
+        </p:blipFill>
+        <p:spPr>
+          <a:xfrm>
+            <a:off x="402329" y="2961564"/>
+            <a:ext cx="6053341" cy="2738768"/>
+          </a:xfrm>
+          <a:prstGeom prst="rect">
+            <a:avLst/>
+          </a:prstGeom>
+        </p:spPr>
+      </p:pic>
+    </p:spTree>
+    <p:extLst>
+      <p:ext uri="{BB962C8B-B14F-4D97-AF65-F5344CB8AC3E}">
+        <p14:creationId xmlns:p14="http://schemas.microsoft.com/office/powerpoint/2010/main" val="126634779"/>
+      </p:ext>
+    </p:extLst>
+  </p:cSld>
+  <p:clrMapOvr>
+    <a:masterClrMapping/>
+  </p:clrMapOvr>
+</p:sld>
+</file>
+
 <file path=ppt/slides/slide2.xml><?xml version="1.0" encoding="utf-8"?>
 <p:sld xmlns:a="http://schemas.openxmlformats.org/drawingml/2006/main" xmlns:r="http://schemas.openxmlformats.org/officeDocument/2006/relationships" xmlns:p="http://schemas.openxmlformats.org/presentationml/2006/main">
   <p:cSld>

--- a/general-tech-figures.pptx
+++ b/general-tech-figures.pptx
@@ -17,7 +17,9 @@
     <p:sldId id="265" r:id="rId11"/>
     <p:sldId id="266" r:id="rId12"/>
     <p:sldId id="267" r:id="rId13"/>
-    <p:sldId id="268" r:id="rId14"/>
+    <p:sldId id="269" r:id="rId14"/>
+    <p:sldId id="270" r:id="rId15"/>
+    <p:sldId id="268" r:id="rId16"/>
   </p:sldIdLst>
   <p:sldSz cx="6858000" cy="9144000" type="letter"/>
   <p:notesSz cx="6858000" cy="9144000"/>
@@ -266,7 +268,7 @@
           <a:p>
             <a:fld id="{BFBBFCFE-809B-4AE5-92DC-0D51595F6FEA}" type="datetimeFigureOut">
               <a:rPr lang="en-US" smtClean="0"/>
-              <a:t>3/11/2025</a:t>
+              <a:t>8/1/2025</a:t>
             </a:fld>
             <a:endParaRPr lang="en-US"/>
           </a:p>
@@ -436,7 +438,7 @@
           <a:p>
             <a:fld id="{BFBBFCFE-809B-4AE5-92DC-0D51595F6FEA}" type="datetimeFigureOut">
               <a:rPr lang="en-US" smtClean="0"/>
-              <a:t>3/11/2025</a:t>
+              <a:t>8/1/2025</a:t>
             </a:fld>
             <a:endParaRPr lang="en-US"/>
           </a:p>
@@ -616,7 +618,7 @@
           <a:p>
             <a:fld id="{BFBBFCFE-809B-4AE5-92DC-0D51595F6FEA}" type="datetimeFigureOut">
               <a:rPr lang="en-US" smtClean="0"/>
-              <a:t>3/11/2025</a:t>
+              <a:t>8/1/2025</a:t>
             </a:fld>
             <a:endParaRPr lang="en-US"/>
           </a:p>
@@ -786,7 +788,7 @@
           <a:p>
             <a:fld id="{BFBBFCFE-809B-4AE5-92DC-0D51595F6FEA}" type="datetimeFigureOut">
               <a:rPr lang="en-US" smtClean="0"/>
-              <a:t>3/11/2025</a:t>
+              <a:t>8/1/2025</a:t>
             </a:fld>
             <a:endParaRPr lang="en-US"/>
           </a:p>
@@ -1030,7 +1032,7 @@
           <a:p>
             <a:fld id="{BFBBFCFE-809B-4AE5-92DC-0D51595F6FEA}" type="datetimeFigureOut">
               <a:rPr lang="en-US" smtClean="0"/>
-              <a:t>3/11/2025</a:t>
+              <a:t>8/1/2025</a:t>
             </a:fld>
             <a:endParaRPr lang="en-US"/>
           </a:p>
@@ -1262,7 +1264,7 @@
           <a:p>
             <a:fld id="{BFBBFCFE-809B-4AE5-92DC-0D51595F6FEA}" type="datetimeFigureOut">
               <a:rPr lang="en-US" smtClean="0"/>
-              <a:t>3/11/2025</a:t>
+              <a:t>8/1/2025</a:t>
             </a:fld>
             <a:endParaRPr lang="en-US"/>
           </a:p>
@@ -1629,7 +1631,7 @@
           <a:p>
             <a:fld id="{BFBBFCFE-809B-4AE5-92DC-0D51595F6FEA}" type="datetimeFigureOut">
               <a:rPr lang="en-US" smtClean="0"/>
-              <a:t>3/11/2025</a:t>
+              <a:t>8/1/2025</a:t>
             </a:fld>
             <a:endParaRPr lang="en-US"/>
           </a:p>
@@ -1747,7 +1749,7 @@
           <a:p>
             <a:fld id="{BFBBFCFE-809B-4AE5-92DC-0D51595F6FEA}" type="datetimeFigureOut">
               <a:rPr lang="en-US" smtClean="0"/>
-              <a:t>3/11/2025</a:t>
+              <a:t>8/1/2025</a:t>
             </a:fld>
             <a:endParaRPr lang="en-US"/>
           </a:p>
@@ -1842,7 +1844,7 @@
           <a:p>
             <a:fld id="{BFBBFCFE-809B-4AE5-92DC-0D51595F6FEA}" type="datetimeFigureOut">
               <a:rPr lang="en-US" smtClean="0"/>
-              <a:t>3/11/2025</a:t>
+              <a:t>8/1/2025</a:t>
             </a:fld>
             <a:endParaRPr lang="en-US"/>
           </a:p>
@@ -2119,7 +2121,7 @@
           <a:p>
             <a:fld id="{BFBBFCFE-809B-4AE5-92DC-0D51595F6FEA}" type="datetimeFigureOut">
               <a:rPr lang="en-US" smtClean="0"/>
-              <a:t>3/11/2025</a:t>
+              <a:t>8/1/2025</a:t>
             </a:fld>
             <a:endParaRPr lang="en-US"/>
           </a:p>
@@ -2376,7 +2378,7 @@
           <a:p>
             <a:fld id="{BFBBFCFE-809B-4AE5-92DC-0D51595F6FEA}" type="datetimeFigureOut">
               <a:rPr lang="en-US" smtClean="0"/>
-              <a:t>3/11/2025</a:t>
+              <a:t>8/1/2025</a:t>
             </a:fld>
             <a:endParaRPr lang="en-US"/>
           </a:p>
@@ -2589,7 +2591,7 @@
           <a:p>
             <a:fld id="{BFBBFCFE-809B-4AE5-92DC-0D51595F6FEA}" type="datetimeFigureOut">
               <a:rPr lang="en-US" smtClean="0"/>
-              <a:t>3/11/2025</a:t>
+              <a:t>8/1/2025</a:t>
             </a:fld>
             <a:endParaRPr lang="en-US"/>
           </a:p>
@@ -9039,6 +9041,2705 @@
           <a:chExt cx="0" cy="0"/>
         </a:xfrm>
       </p:grpSpPr>
+      <p:sp>
+        <p:nvSpPr>
+          <p:cNvPr id="48" name="TextBox 47">
+            <a:extLst>
+              <a:ext uri="{FF2B5EF4-FFF2-40B4-BE49-F238E27FC236}">
+                <a16:creationId xmlns:a16="http://schemas.microsoft.com/office/drawing/2014/main" id="{05C9876A-2E69-C88B-C9FB-79FDD326E7D1}"/>
+              </a:ext>
+            </a:extLst>
+          </p:cNvPr>
+          <p:cNvSpPr txBox="1"/>
+          <p:nvPr/>
+        </p:nvSpPr>
+        <p:spPr>
+          <a:xfrm flipH="1">
+            <a:off x="1211918" y="1010121"/>
+            <a:ext cx="4626103" cy="338554"/>
+          </a:xfrm>
+          <a:prstGeom prst="rect">
+            <a:avLst/>
+          </a:prstGeom>
+          <a:noFill/>
+        </p:spPr>
+        <p:txBody>
+          <a:bodyPr wrap="square" rtlCol="0">
+            <a:spAutoFit/>
+          </a:bodyPr>
+          <a:lstStyle/>
+          <a:p>
+            <a:pPr algn="ctr"/>
+            <a:r>
+              <a:rPr lang="en-US" sz="1600" dirty="0" err="1"/>
+              <a:t>Uv</a:t>
+            </a:r>
+            <a:r>
+              <a:rPr lang="en-US" sz="1600" dirty="0"/>
+              <a:t> Features in pictures</a:t>
+            </a:r>
+          </a:p>
+        </p:txBody>
+      </p:sp>
+      <p:sp>
+        <p:nvSpPr>
+          <p:cNvPr id="61" name="Rectangle 60">
+            <a:extLst>
+              <a:ext uri="{FF2B5EF4-FFF2-40B4-BE49-F238E27FC236}">
+                <a16:creationId xmlns:a16="http://schemas.microsoft.com/office/drawing/2014/main" id="{142101F3-32C8-70D2-59F8-EC2449007F00}"/>
+              </a:ext>
+            </a:extLst>
+          </p:cNvPr>
+          <p:cNvSpPr/>
+          <p:nvPr/>
+        </p:nvSpPr>
+        <p:spPr>
+          <a:xfrm>
+            <a:off x="327194" y="832513"/>
+            <a:ext cx="6237379" cy="5038898"/>
+          </a:xfrm>
+          <a:prstGeom prst="rect">
+            <a:avLst/>
+          </a:prstGeom>
+          <a:noFill/>
+        </p:spPr>
+        <p:style>
+          <a:lnRef idx="2">
+            <a:schemeClr val="accent1">
+              <a:shade val="15000"/>
+            </a:schemeClr>
+          </a:lnRef>
+          <a:fillRef idx="1">
+            <a:schemeClr val="accent1"/>
+          </a:fillRef>
+          <a:effectRef idx="0">
+            <a:schemeClr val="accent1"/>
+          </a:effectRef>
+          <a:fontRef idx="minor">
+            <a:schemeClr val="lt1"/>
+          </a:fontRef>
+        </p:style>
+        <p:txBody>
+          <a:bodyPr rtlCol="0" anchor="ctr"/>
+          <a:lstStyle/>
+          <a:p>
+            <a:pPr algn="ctr"/>
+            <a:endParaRPr lang="en-US" sz="1400" dirty="0">
+              <a:solidFill>
+                <a:schemeClr val="tx1"/>
+              </a:solidFill>
+            </a:endParaRPr>
+          </a:p>
+        </p:txBody>
+      </p:sp>
+      <p:sp>
+        <p:nvSpPr>
+          <p:cNvPr id="34" name="Rectangle 33">
+            <a:extLst>
+              <a:ext uri="{FF2B5EF4-FFF2-40B4-BE49-F238E27FC236}">
+                <a16:creationId xmlns:a16="http://schemas.microsoft.com/office/drawing/2014/main" id="{EC89A492-E03B-15D6-AF09-212A4D4E14C0}"/>
+              </a:ext>
+            </a:extLst>
+          </p:cNvPr>
+          <p:cNvSpPr/>
+          <p:nvPr/>
+        </p:nvSpPr>
+        <p:spPr>
+          <a:xfrm>
+            <a:off x="1211918" y="2720759"/>
+            <a:ext cx="893329" cy="546198"/>
+          </a:xfrm>
+          <a:prstGeom prst="rect">
+            <a:avLst/>
+          </a:prstGeom>
+          <a:noFill/>
+        </p:spPr>
+        <p:style>
+          <a:lnRef idx="2">
+            <a:schemeClr val="accent1">
+              <a:shade val="15000"/>
+            </a:schemeClr>
+          </a:lnRef>
+          <a:fillRef idx="1">
+            <a:schemeClr val="accent1"/>
+          </a:fillRef>
+          <a:effectRef idx="0">
+            <a:schemeClr val="accent1"/>
+          </a:effectRef>
+          <a:fontRef idx="minor">
+            <a:schemeClr val="lt1"/>
+          </a:fontRef>
+        </p:style>
+        <p:txBody>
+          <a:bodyPr rtlCol="0" anchor="ctr"/>
+          <a:lstStyle/>
+          <a:p>
+            <a:pPr algn="ctr"/>
+            <a:r>
+              <a:rPr lang="en-US" sz="1050" dirty="0" err="1">
+                <a:solidFill>
+                  <a:schemeClr val="tx1"/>
+                </a:solidFill>
+              </a:rPr>
+              <a:t>Uv</a:t>
+            </a:r>
+            <a:endParaRPr lang="en-US" sz="1050" dirty="0">
+              <a:solidFill>
+                <a:schemeClr val="tx1"/>
+              </a:solidFill>
+            </a:endParaRPr>
+          </a:p>
+          <a:p>
+            <a:pPr algn="ctr"/>
+            <a:r>
+              <a:rPr lang="en-US" sz="1050" dirty="0">
+                <a:solidFill>
+                  <a:schemeClr val="tx1"/>
+                </a:solidFill>
+              </a:rPr>
+              <a:t>(Executable)</a:t>
+            </a:r>
+          </a:p>
+        </p:txBody>
+      </p:sp>
+      <p:sp>
+        <p:nvSpPr>
+          <p:cNvPr id="39" name="Rectangle 38">
+            <a:extLst>
+              <a:ext uri="{FF2B5EF4-FFF2-40B4-BE49-F238E27FC236}">
+                <a16:creationId xmlns:a16="http://schemas.microsoft.com/office/drawing/2014/main" id="{A569F8FB-EDE4-C367-189A-F868B4C578D0}"/>
+              </a:ext>
+            </a:extLst>
+          </p:cNvPr>
+          <p:cNvSpPr/>
+          <p:nvPr/>
+        </p:nvSpPr>
+        <p:spPr>
+          <a:xfrm>
+            <a:off x="3232297" y="1753404"/>
+            <a:ext cx="1198885" cy="338554"/>
+          </a:xfrm>
+          <a:prstGeom prst="rect">
+            <a:avLst/>
+          </a:prstGeom>
+          <a:noFill/>
+        </p:spPr>
+        <p:style>
+          <a:lnRef idx="2">
+            <a:schemeClr val="accent1">
+              <a:shade val="15000"/>
+            </a:schemeClr>
+          </a:lnRef>
+          <a:fillRef idx="1">
+            <a:schemeClr val="accent1"/>
+          </a:fillRef>
+          <a:effectRef idx="0">
+            <a:schemeClr val="accent1"/>
+          </a:effectRef>
+          <a:fontRef idx="minor">
+            <a:schemeClr val="lt1"/>
+          </a:fontRef>
+        </p:style>
+        <p:txBody>
+          <a:bodyPr rtlCol="0" anchor="ctr"/>
+          <a:lstStyle/>
+          <a:p>
+            <a:pPr algn="ctr"/>
+            <a:r>
+              <a:rPr lang="en-US" sz="1050" dirty="0">
+                <a:solidFill>
+                  <a:schemeClr val="tx1"/>
+                </a:solidFill>
+              </a:rPr>
+              <a:t>Install Python</a:t>
+            </a:r>
+          </a:p>
+        </p:txBody>
+      </p:sp>
+      <p:sp>
+        <p:nvSpPr>
+          <p:cNvPr id="41" name="Rectangle 40">
+            <a:extLst>
+              <a:ext uri="{FF2B5EF4-FFF2-40B4-BE49-F238E27FC236}">
+                <a16:creationId xmlns:a16="http://schemas.microsoft.com/office/drawing/2014/main" id="{1505B487-721A-0237-3FF7-ED20E82D9D49}"/>
+              </a:ext>
+            </a:extLst>
+          </p:cNvPr>
+          <p:cNvSpPr/>
+          <p:nvPr/>
+        </p:nvSpPr>
+        <p:spPr>
+          <a:xfrm>
+            <a:off x="3232295" y="2215649"/>
+            <a:ext cx="1198885" cy="338554"/>
+          </a:xfrm>
+          <a:prstGeom prst="rect">
+            <a:avLst/>
+          </a:prstGeom>
+          <a:noFill/>
+        </p:spPr>
+        <p:style>
+          <a:lnRef idx="2">
+            <a:schemeClr val="accent1">
+              <a:shade val="15000"/>
+            </a:schemeClr>
+          </a:lnRef>
+          <a:fillRef idx="1">
+            <a:schemeClr val="accent1"/>
+          </a:fillRef>
+          <a:effectRef idx="0">
+            <a:schemeClr val="accent1"/>
+          </a:effectRef>
+          <a:fontRef idx="minor">
+            <a:schemeClr val="lt1"/>
+          </a:fontRef>
+        </p:style>
+        <p:txBody>
+          <a:bodyPr rtlCol="0" anchor="ctr"/>
+          <a:lstStyle/>
+          <a:p>
+            <a:pPr algn="ctr"/>
+            <a:r>
+              <a:rPr lang="en-US" sz="1050" dirty="0">
+                <a:solidFill>
+                  <a:schemeClr val="tx1"/>
+                </a:solidFill>
+              </a:rPr>
+              <a:t>Install libs</a:t>
+            </a:r>
+          </a:p>
+        </p:txBody>
+      </p:sp>
+      <p:sp>
+        <p:nvSpPr>
+          <p:cNvPr id="43" name="Rectangle 42">
+            <a:extLst>
+              <a:ext uri="{FF2B5EF4-FFF2-40B4-BE49-F238E27FC236}">
+                <a16:creationId xmlns:a16="http://schemas.microsoft.com/office/drawing/2014/main" id="{DA547158-C51C-5555-97A0-DC769F5A8A96}"/>
+              </a:ext>
+            </a:extLst>
+          </p:cNvPr>
+          <p:cNvSpPr/>
+          <p:nvPr/>
+        </p:nvSpPr>
+        <p:spPr>
+          <a:xfrm>
+            <a:off x="3232295" y="2655304"/>
+            <a:ext cx="1198885" cy="338554"/>
+          </a:xfrm>
+          <a:prstGeom prst="rect">
+            <a:avLst/>
+          </a:prstGeom>
+          <a:noFill/>
+        </p:spPr>
+        <p:style>
+          <a:lnRef idx="2">
+            <a:schemeClr val="accent1">
+              <a:shade val="15000"/>
+            </a:schemeClr>
+          </a:lnRef>
+          <a:fillRef idx="1">
+            <a:schemeClr val="accent1"/>
+          </a:fillRef>
+          <a:effectRef idx="0">
+            <a:schemeClr val="accent1"/>
+          </a:effectRef>
+          <a:fontRef idx="minor">
+            <a:schemeClr val="lt1"/>
+          </a:fontRef>
+        </p:style>
+        <p:txBody>
+          <a:bodyPr rtlCol="0" anchor="ctr"/>
+          <a:lstStyle/>
+          <a:p>
+            <a:pPr algn="ctr"/>
+            <a:r>
+              <a:rPr lang="en-US" sz="1050" dirty="0">
+                <a:solidFill>
+                  <a:schemeClr val="tx1"/>
+                </a:solidFill>
+              </a:rPr>
+              <a:t>Run .</a:t>
+            </a:r>
+            <a:r>
+              <a:rPr lang="en-US" sz="1050" dirty="0" err="1">
+                <a:solidFill>
+                  <a:schemeClr val="tx1"/>
+                </a:solidFill>
+              </a:rPr>
+              <a:t>py</a:t>
+            </a:r>
+            <a:r>
+              <a:rPr lang="en-US" sz="1050" dirty="0">
+                <a:solidFill>
+                  <a:schemeClr val="tx1"/>
+                </a:solidFill>
+              </a:rPr>
+              <a:t> scripts</a:t>
+            </a:r>
+          </a:p>
+        </p:txBody>
+      </p:sp>
+      <p:sp>
+        <p:nvSpPr>
+          <p:cNvPr id="46" name="Rectangle 45">
+            <a:extLst>
+              <a:ext uri="{FF2B5EF4-FFF2-40B4-BE49-F238E27FC236}">
+                <a16:creationId xmlns:a16="http://schemas.microsoft.com/office/drawing/2014/main" id="{FFF75CB2-D92D-A3DF-BCC0-CB9F14B1E87E}"/>
+              </a:ext>
+            </a:extLst>
+          </p:cNvPr>
+          <p:cNvSpPr/>
+          <p:nvPr/>
+        </p:nvSpPr>
+        <p:spPr>
+          <a:xfrm>
+            <a:off x="3232294" y="3153766"/>
+            <a:ext cx="1198885" cy="338554"/>
+          </a:xfrm>
+          <a:prstGeom prst="rect">
+            <a:avLst/>
+          </a:prstGeom>
+          <a:noFill/>
+        </p:spPr>
+        <p:style>
+          <a:lnRef idx="2">
+            <a:schemeClr val="accent1">
+              <a:shade val="15000"/>
+            </a:schemeClr>
+          </a:lnRef>
+          <a:fillRef idx="1">
+            <a:schemeClr val="accent1"/>
+          </a:fillRef>
+          <a:effectRef idx="0">
+            <a:schemeClr val="accent1"/>
+          </a:effectRef>
+          <a:fontRef idx="minor">
+            <a:schemeClr val="lt1"/>
+          </a:fontRef>
+        </p:style>
+        <p:txBody>
+          <a:bodyPr rtlCol="0" anchor="ctr"/>
+          <a:lstStyle/>
+          <a:p>
+            <a:pPr algn="ctr"/>
+            <a:r>
+              <a:rPr lang="en-US" sz="1050" dirty="0">
+                <a:solidFill>
+                  <a:schemeClr val="tx1"/>
+                </a:solidFill>
+              </a:rPr>
+              <a:t>Manage Projects</a:t>
+            </a:r>
+          </a:p>
+        </p:txBody>
+      </p:sp>
+      <p:sp>
+        <p:nvSpPr>
+          <p:cNvPr id="50" name="Rectangle 49">
+            <a:extLst>
+              <a:ext uri="{FF2B5EF4-FFF2-40B4-BE49-F238E27FC236}">
+                <a16:creationId xmlns:a16="http://schemas.microsoft.com/office/drawing/2014/main" id="{E794498E-8F88-DFE5-C2EB-D1A0C9C4712A}"/>
+              </a:ext>
+            </a:extLst>
+          </p:cNvPr>
+          <p:cNvSpPr/>
+          <p:nvPr/>
+        </p:nvSpPr>
+        <p:spPr>
+          <a:xfrm>
+            <a:off x="3232293" y="3703139"/>
+            <a:ext cx="1198885" cy="790251"/>
+          </a:xfrm>
+          <a:prstGeom prst="rect">
+            <a:avLst/>
+          </a:prstGeom>
+          <a:noFill/>
+        </p:spPr>
+        <p:style>
+          <a:lnRef idx="2">
+            <a:schemeClr val="accent1">
+              <a:shade val="15000"/>
+            </a:schemeClr>
+          </a:lnRef>
+          <a:fillRef idx="1">
+            <a:schemeClr val="accent1"/>
+          </a:fillRef>
+          <a:effectRef idx="0">
+            <a:schemeClr val="accent1"/>
+          </a:effectRef>
+          <a:fontRef idx="minor">
+            <a:schemeClr val="lt1"/>
+          </a:fontRef>
+        </p:style>
+        <p:txBody>
+          <a:bodyPr rtlCol="0" anchor="ctr"/>
+          <a:lstStyle/>
+          <a:p>
+            <a:pPr algn="ctr"/>
+            <a:r>
+              <a:rPr lang="en-US" sz="1050" dirty="0">
+                <a:solidFill>
+                  <a:schemeClr val="tx1"/>
+                </a:solidFill>
+              </a:rPr>
+              <a:t>Run public </a:t>
+            </a:r>
+            <a:r>
+              <a:rPr lang="en-US" sz="1050" dirty="0" err="1">
+                <a:solidFill>
+                  <a:schemeClr val="tx1"/>
+                </a:solidFill>
+              </a:rPr>
+              <a:t>probrams</a:t>
+            </a:r>
+            <a:endParaRPr lang="en-US" sz="1050" dirty="0">
+              <a:solidFill>
+                <a:schemeClr val="tx1"/>
+              </a:solidFill>
+            </a:endParaRPr>
+          </a:p>
+          <a:p>
+            <a:pPr algn="ctr"/>
+            <a:r>
+              <a:rPr lang="en-US" sz="1050" dirty="0">
+                <a:solidFill>
+                  <a:schemeClr val="tx1"/>
+                </a:solidFill>
+              </a:rPr>
+              <a:t>With temp installs</a:t>
+            </a:r>
+          </a:p>
+          <a:p>
+            <a:pPr algn="ctr"/>
+            <a:r>
+              <a:rPr lang="en-US" sz="1050" dirty="0">
+                <a:solidFill>
+                  <a:schemeClr val="tx1"/>
+                </a:solidFill>
+              </a:rPr>
+              <a:t>(</a:t>
+            </a:r>
+            <a:r>
+              <a:rPr lang="en-US" sz="1050" dirty="0" err="1">
+                <a:solidFill>
+                  <a:schemeClr val="tx1"/>
+                </a:solidFill>
+              </a:rPr>
+              <a:t>uvx</a:t>
+            </a:r>
+            <a:r>
+              <a:rPr lang="en-US" sz="1050" dirty="0">
+                <a:solidFill>
+                  <a:schemeClr val="tx1"/>
+                </a:solidFill>
+              </a:rPr>
+              <a:t>)</a:t>
+            </a:r>
+          </a:p>
+        </p:txBody>
+      </p:sp>
+      <p:cxnSp>
+        <p:nvCxnSpPr>
+          <p:cNvPr id="53" name="Straight Arrow Connector 52">
+            <a:extLst>
+              <a:ext uri="{FF2B5EF4-FFF2-40B4-BE49-F238E27FC236}">
+                <a16:creationId xmlns:a16="http://schemas.microsoft.com/office/drawing/2014/main" id="{39D816BD-CC9F-D997-986F-A556F913E34A}"/>
+              </a:ext>
+            </a:extLst>
+          </p:cNvPr>
+          <p:cNvCxnSpPr>
+            <a:stCxn id="34" idx="3"/>
+            <a:endCxn id="39" idx="1"/>
+          </p:cNvCxnSpPr>
+          <p:nvPr/>
+        </p:nvCxnSpPr>
+        <p:spPr>
+          <a:xfrm flipV="1">
+            <a:off x="2105247" y="1922681"/>
+            <a:ext cx="1127050" cy="1071177"/>
+          </a:xfrm>
+          <a:prstGeom prst="straightConnector1">
+            <a:avLst/>
+          </a:prstGeom>
+          <a:ln>
+            <a:tailEnd type="triangle"/>
+          </a:ln>
+        </p:spPr>
+        <p:style>
+          <a:lnRef idx="1">
+            <a:schemeClr val="accent1"/>
+          </a:lnRef>
+          <a:fillRef idx="0">
+            <a:schemeClr val="accent1"/>
+          </a:fillRef>
+          <a:effectRef idx="0">
+            <a:schemeClr val="accent1"/>
+          </a:effectRef>
+          <a:fontRef idx="minor">
+            <a:schemeClr val="tx1"/>
+          </a:fontRef>
+        </p:style>
+      </p:cxnSp>
+      <p:cxnSp>
+        <p:nvCxnSpPr>
+          <p:cNvPr id="54" name="Straight Arrow Connector 53">
+            <a:extLst>
+              <a:ext uri="{FF2B5EF4-FFF2-40B4-BE49-F238E27FC236}">
+                <a16:creationId xmlns:a16="http://schemas.microsoft.com/office/drawing/2014/main" id="{20719E94-0A8C-7FAB-0647-A0B9C8FF8EDA}"/>
+              </a:ext>
+            </a:extLst>
+          </p:cNvPr>
+          <p:cNvCxnSpPr>
+            <a:cxnSpLocks/>
+            <a:stCxn id="34" idx="3"/>
+            <a:endCxn id="41" idx="1"/>
+          </p:cNvCxnSpPr>
+          <p:nvPr/>
+        </p:nvCxnSpPr>
+        <p:spPr>
+          <a:xfrm flipV="1">
+            <a:off x="2105247" y="2384926"/>
+            <a:ext cx="1127048" cy="608932"/>
+          </a:xfrm>
+          <a:prstGeom prst="straightConnector1">
+            <a:avLst/>
+          </a:prstGeom>
+          <a:ln>
+            <a:tailEnd type="triangle"/>
+          </a:ln>
+        </p:spPr>
+        <p:style>
+          <a:lnRef idx="1">
+            <a:schemeClr val="accent1"/>
+          </a:lnRef>
+          <a:fillRef idx="0">
+            <a:schemeClr val="accent1"/>
+          </a:fillRef>
+          <a:effectRef idx="0">
+            <a:schemeClr val="accent1"/>
+          </a:effectRef>
+          <a:fontRef idx="minor">
+            <a:schemeClr val="tx1"/>
+          </a:fontRef>
+        </p:style>
+      </p:cxnSp>
+      <p:cxnSp>
+        <p:nvCxnSpPr>
+          <p:cNvPr id="58" name="Straight Arrow Connector 57">
+            <a:extLst>
+              <a:ext uri="{FF2B5EF4-FFF2-40B4-BE49-F238E27FC236}">
+                <a16:creationId xmlns:a16="http://schemas.microsoft.com/office/drawing/2014/main" id="{41CF3686-5D4B-5AE3-D173-04CE14DBA25D}"/>
+              </a:ext>
+            </a:extLst>
+          </p:cNvPr>
+          <p:cNvCxnSpPr>
+            <a:cxnSpLocks/>
+            <a:stCxn id="34" idx="3"/>
+            <a:endCxn id="43" idx="1"/>
+          </p:cNvCxnSpPr>
+          <p:nvPr/>
+        </p:nvCxnSpPr>
+        <p:spPr>
+          <a:xfrm flipV="1">
+            <a:off x="2105247" y="2824581"/>
+            <a:ext cx="1127048" cy="169277"/>
+          </a:xfrm>
+          <a:prstGeom prst="straightConnector1">
+            <a:avLst/>
+          </a:prstGeom>
+          <a:ln>
+            <a:tailEnd type="triangle"/>
+          </a:ln>
+        </p:spPr>
+        <p:style>
+          <a:lnRef idx="1">
+            <a:schemeClr val="accent1"/>
+          </a:lnRef>
+          <a:fillRef idx="0">
+            <a:schemeClr val="accent1"/>
+          </a:fillRef>
+          <a:effectRef idx="0">
+            <a:schemeClr val="accent1"/>
+          </a:effectRef>
+          <a:fontRef idx="minor">
+            <a:schemeClr val="tx1"/>
+          </a:fontRef>
+        </p:style>
+      </p:cxnSp>
+      <p:cxnSp>
+        <p:nvCxnSpPr>
+          <p:cNvPr id="64" name="Straight Arrow Connector 63">
+            <a:extLst>
+              <a:ext uri="{FF2B5EF4-FFF2-40B4-BE49-F238E27FC236}">
+                <a16:creationId xmlns:a16="http://schemas.microsoft.com/office/drawing/2014/main" id="{FB1232F7-2B2B-79C5-8C99-57B821019BB5}"/>
+              </a:ext>
+            </a:extLst>
+          </p:cNvPr>
+          <p:cNvCxnSpPr>
+            <a:cxnSpLocks/>
+            <a:stCxn id="34" idx="3"/>
+            <a:endCxn id="46" idx="1"/>
+          </p:cNvCxnSpPr>
+          <p:nvPr/>
+        </p:nvCxnSpPr>
+        <p:spPr>
+          <a:xfrm>
+            <a:off x="2105247" y="2993858"/>
+            <a:ext cx="1127047" cy="329185"/>
+          </a:xfrm>
+          <a:prstGeom prst="straightConnector1">
+            <a:avLst/>
+          </a:prstGeom>
+          <a:ln>
+            <a:tailEnd type="triangle"/>
+          </a:ln>
+        </p:spPr>
+        <p:style>
+          <a:lnRef idx="1">
+            <a:schemeClr val="accent1"/>
+          </a:lnRef>
+          <a:fillRef idx="0">
+            <a:schemeClr val="accent1"/>
+          </a:fillRef>
+          <a:effectRef idx="0">
+            <a:schemeClr val="accent1"/>
+          </a:effectRef>
+          <a:fontRef idx="minor">
+            <a:schemeClr val="tx1"/>
+          </a:fontRef>
+        </p:style>
+      </p:cxnSp>
+      <p:cxnSp>
+        <p:nvCxnSpPr>
+          <p:cNvPr id="67" name="Straight Arrow Connector 66">
+            <a:extLst>
+              <a:ext uri="{FF2B5EF4-FFF2-40B4-BE49-F238E27FC236}">
+                <a16:creationId xmlns:a16="http://schemas.microsoft.com/office/drawing/2014/main" id="{787C1831-0AB9-B205-C91D-EAF3C69F2976}"/>
+              </a:ext>
+            </a:extLst>
+          </p:cNvPr>
+          <p:cNvCxnSpPr>
+            <a:cxnSpLocks/>
+            <a:stCxn id="34" idx="3"/>
+            <a:endCxn id="50" idx="1"/>
+          </p:cNvCxnSpPr>
+          <p:nvPr/>
+        </p:nvCxnSpPr>
+        <p:spPr>
+          <a:xfrm>
+            <a:off x="2105247" y="2993858"/>
+            <a:ext cx="1127046" cy="1104407"/>
+          </a:xfrm>
+          <a:prstGeom prst="straightConnector1">
+            <a:avLst/>
+          </a:prstGeom>
+          <a:ln>
+            <a:tailEnd type="triangle"/>
+          </a:ln>
+        </p:spPr>
+        <p:style>
+          <a:lnRef idx="1">
+            <a:schemeClr val="accent1"/>
+          </a:lnRef>
+          <a:fillRef idx="0">
+            <a:schemeClr val="accent1"/>
+          </a:fillRef>
+          <a:effectRef idx="0">
+            <a:schemeClr val="accent1"/>
+          </a:effectRef>
+          <a:fontRef idx="minor">
+            <a:schemeClr val="tx1"/>
+          </a:fontRef>
+        </p:style>
+      </p:cxnSp>
+      <p:sp>
+        <p:nvSpPr>
+          <p:cNvPr id="75" name="TextBox 74">
+            <a:extLst>
+              <a:ext uri="{FF2B5EF4-FFF2-40B4-BE49-F238E27FC236}">
+                <a16:creationId xmlns:a16="http://schemas.microsoft.com/office/drawing/2014/main" id="{B593F6E1-75BE-A144-84F1-513536BEF7CE}"/>
+              </a:ext>
+            </a:extLst>
+          </p:cNvPr>
+          <p:cNvSpPr txBox="1"/>
+          <p:nvPr/>
+        </p:nvSpPr>
+        <p:spPr>
+          <a:xfrm flipH="1">
+            <a:off x="1978772" y="4920790"/>
+            <a:ext cx="3092393" cy="523220"/>
+          </a:xfrm>
+          <a:prstGeom prst="rect">
+            <a:avLst/>
+          </a:prstGeom>
+          <a:noFill/>
+        </p:spPr>
+        <p:txBody>
+          <a:bodyPr wrap="square" lIns="0" rIns="0" rtlCol="0">
+            <a:spAutoFit/>
+          </a:bodyPr>
+          <a:lstStyle/>
+          <a:p>
+            <a:pPr algn="ctr"/>
+            <a:r>
+              <a:rPr lang="en-US" sz="1400" dirty="0"/>
+              <a:t>Idea:</a:t>
+            </a:r>
+            <a:br>
+              <a:rPr lang="en-US" sz="1400" dirty="0"/>
+            </a:br>
+            <a:r>
+              <a:rPr lang="en-US" sz="1400" dirty="0" err="1"/>
+              <a:t>uv</a:t>
+            </a:r>
+            <a:r>
+              <a:rPr lang="en-US" sz="1400" dirty="0"/>
+              <a:t> &lt;run-any-thing-you-want&gt;</a:t>
+            </a:r>
+          </a:p>
+        </p:txBody>
+      </p:sp>
+    </p:spTree>
+    <p:extLst>
+      <p:ext uri="{BB962C8B-B14F-4D97-AF65-F5344CB8AC3E}">
+        <p14:creationId xmlns:p14="http://schemas.microsoft.com/office/powerpoint/2010/main" val="2846325625"/>
+      </p:ext>
+    </p:extLst>
+  </p:cSld>
+  <p:clrMapOvr>
+    <a:masterClrMapping/>
+  </p:clrMapOvr>
+</p:sld>
+</file>
+
+<file path=ppt/slides/slide14.xml><?xml version="1.0" encoding="utf-8"?>
+<p:sld xmlns:a="http://schemas.openxmlformats.org/drawingml/2006/main" xmlns:r="http://schemas.openxmlformats.org/officeDocument/2006/relationships" xmlns:p="http://schemas.openxmlformats.org/presentationml/2006/main">
+  <p:cSld>
+    <p:spTree>
+      <p:nvGrpSpPr>
+        <p:cNvPr id="1" name="">
+          <a:extLst>
+            <a:ext uri="{FF2B5EF4-FFF2-40B4-BE49-F238E27FC236}">
+              <a16:creationId xmlns:a16="http://schemas.microsoft.com/office/drawing/2014/main" id="{8FCDAC28-FA91-ADAB-20DA-CFCEE63067F4}"/>
+            </a:ext>
+          </a:extLst>
+        </p:cNvPr>
+        <p:cNvGrpSpPr/>
+        <p:nvPr/>
+      </p:nvGrpSpPr>
+      <p:grpSpPr>
+        <a:xfrm>
+          <a:off x="0" y="0"/>
+          <a:ext cx="0" cy="0"/>
+          <a:chOff x="0" y="0"/>
+          <a:chExt cx="0" cy="0"/>
+        </a:xfrm>
+      </p:grpSpPr>
+      <p:sp>
+        <p:nvSpPr>
+          <p:cNvPr id="25" name="Rectangle 24">
+            <a:extLst>
+              <a:ext uri="{FF2B5EF4-FFF2-40B4-BE49-F238E27FC236}">
+                <a16:creationId xmlns:a16="http://schemas.microsoft.com/office/drawing/2014/main" id="{F9BF82A2-13FE-923F-6E02-CD01C5CD5801}"/>
+              </a:ext>
+            </a:extLst>
+          </p:cNvPr>
+          <p:cNvSpPr/>
+          <p:nvPr/>
+        </p:nvSpPr>
+        <p:spPr>
+          <a:xfrm>
+            <a:off x="1749219" y="4495848"/>
+            <a:ext cx="1207249" cy="546197"/>
+          </a:xfrm>
+          <a:prstGeom prst="rect">
+            <a:avLst/>
+          </a:prstGeom>
+          <a:noFill/>
+        </p:spPr>
+        <p:style>
+          <a:lnRef idx="2">
+            <a:schemeClr val="accent1">
+              <a:shade val="15000"/>
+            </a:schemeClr>
+          </a:lnRef>
+          <a:fillRef idx="1">
+            <a:schemeClr val="accent1"/>
+          </a:fillRef>
+          <a:effectRef idx="0">
+            <a:schemeClr val="accent1"/>
+          </a:effectRef>
+          <a:fontRef idx="minor">
+            <a:schemeClr val="lt1"/>
+          </a:fontRef>
+        </p:style>
+        <p:txBody>
+          <a:bodyPr rtlCol="0" anchor="ctr"/>
+          <a:lstStyle/>
+          <a:p>
+            <a:pPr algn="ctr"/>
+            <a:r>
+              <a:rPr lang="en-US" sz="1050" dirty="0">
+                <a:solidFill>
+                  <a:schemeClr val="tx1"/>
+                </a:solidFill>
+              </a:rPr>
+              <a:t>Project</a:t>
+            </a:r>
+          </a:p>
+        </p:txBody>
+      </p:sp>
+      <p:sp>
+        <p:nvSpPr>
+          <p:cNvPr id="26" name="Rectangle: Rounded Corners 25">
+            <a:extLst>
+              <a:ext uri="{FF2B5EF4-FFF2-40B4-BE49-F238E27FC236}">
+                <a16:creationId xmlns:a16="http://schemas.microsoft.com/office/drawing/2014/main" id="{761A58E5-D55A-CDF1-061A-344363BD4748}"/>
+              </a:ext>
+            </a:extLst>
+          </p:cNvPr>
+          <p:cNvSpPr/>
+          <p:nvPr/>
+        </p:nvSpPr>
+        <p:spPr>
+          <a:xfrm>
+            <a:off x="3946186" y="4590024"/>
+            <a:ext cx="1100157" cy="256469"/>
+          </a:xfrm>
+          <a:prstGeom prst="roundRect">
+            <a:avLst/>
+          </a:prstGeom>
+          <a:noFill/>
+        </p:spPr>
+        <p:style>
+          <a:lnRef idx="2">
+            <a:schemeClr val="accent1">
+              <a:shade val="15000"/>
+            </a:schemeClr>
+          </a:lnRef>
+          <a:fillRef idx="1">
+            <a:schemeClr val="accent1"/>
+          </a:fillRef>
+          <a:effectRef idx="0">
+            <a:schemeClr val="accent1"/>
+          </a:effectRef>
+          <a:fontRef idx="minor">
+            <a:schemeClr val="lt1"/>
+          </a:fontRef>
+        </p:style>
+        <p:txBody>
+          <a:bodyPr rtlCol="0" anchor="ctr"/>
+          <a:lstStyle/>
+          <a:p>
+            <a:pPr algn="ctr"/>
+            <a:r>
+              <a:rPr lang="en-US" sz="1400" dirty="0">
+                <a:solidFill>
+                  <a:schemeClr val="tx1"/>
+                </a:solidFill>
+              </a:rPr>
+              <a:t>Sub </a:t>
+            </a:r>
+            <a:r>
+              <a:rPr lang="en-US" sz="1400" dirty="0" err="1">
+                <a:solidFill>
+                  <a:schemeClr val="tx1"/>
+                </a:solidFill>
+              </a:rPr>
+              <a:t>dir</a:t>
+            </a:r>
+            <a:endParaRPr lang="en-US" sz="1400" dirty="0">
+              <a:solidFill>
+                <a:schemeClr val="tx1"/>
+              </a:solidFill>
+            </a:endParaRPr>
+          </a:p>
+        </p:txBody>
+      </p:sp>
+      <p:sp>
+        <p:nvSpPr>
+          <p:cNvPr id="27" name="Rectangle: Rounded Corners 26">
+            <a:extLst>
+              <a:ext uri="{FF2B5EF4-FFF2-40B4-BE49-F238E27FC236}">
+                <a16:creationId xmlns:a16="http://schemas.microsoft.com/office/drawing/2014/main" id="{6808E0B9-52FA-41C4-0834-571B72559AA2}"/>
+              </a:ext>
+            </a:extLst>
+          </p:cNvPr>
+          <p:cNvSpPr/>
+          <p:nvPr/>
+        </p:nvSpPr>
+        <p:spPr>
+          <a:xfrm>
+            <a:off x="3946186" y="4910746"/>
+            <a:ext cx="1100157" cy="256469"/>
+          </a:xfrm>
+          <a:prstGeom prst="roundRect">
+            <a:avLst/>
+          </a:prstGeom>
+          <a:noFill/>
+        </p:spPr>
+        <p:style>
+          <a:lnRef idx="2">
+            <a:schemeClr val="accent1">
+              <a:shade val="15000"/>
+            </a:schemeClr>
+          </a:lnRef>
+          <a:fillRef idx="1">
+            <a:schemeClr val="accent1"/>
+          </a:fillRef>
+          <a:effectRef idx="0">
+            <a:schemeClr val="accent1"/>
+          </a:effectRef>
+          <a:fontRef idx="minor">
+            <a:schemeClr val="lt1"/>
+          </a:fontRef>
+        </p:style>
+        <p:txBody>
+          <a:bodyPr rtlCol="0" anchor="ctr"/>
+          <a:lstStyle/>
+          <a:p>
+            <a:pPr algn="ctr"/>
+            <a:r>
+              <a:rPr lang="en-US" sz="1400" dirty="0">
+                <a:solidFill>
+                  <a:schemeClr val="tx1"/>
+                </a:solidFill>
+              </a:rPr>
+              <a:t>Sub </a:t>
+            </a:r>
+            <a:r>
+              <a:rPr lang="en-US" sz="1400" dirty="0" err="1">
+                <a:solidFill>
+                  <a:schemeClr val="tx1"/>
+                </a:solidFill>
+              </a:rPr>
+              <a:t>dir</a:t>
+            </a:r>
+            <a:endParaRPr lang="en-US" sz="1400" dirty="0">
+              <a:solidFill>
+                <a:schemeClr val="tx1"/>
+              </a:solidFill>
+            </a:endParaRPr>
+          </a:p>
+        </p:txBody>
+      </p:sp>
+      <p:sp>
+        <p:nvSpPr>
+          <p:cNvPr id="28" name="Rectangle: Rounded Corners 27">
+            <a:extLst>
+              <a:ext uri="{FF2B5EF4-FFF2-40B4-BE49-F238E27FC236}">
+                <a16:creationId xmlns:a16="http://schemas.microsoft.com/office/drawing/2014/main" id="{6D7E0A3E-DCAE-DE58-A705-7473A7A27643}"/>
+              </a:ext>
+            </a:extLst>
+          </p:cNvPr>
+          <p:cNvSpPr/>
+          <p:nvPr/>
+        </p:nvSpPr>
+        <p:spPr>
+          <a:xfrm>
+            <a:off x="3946186" y="5253072"/>
+            <a:ext cx="1100157" cy="256469"/>
+          </a:xfrm>
+          <a:prstGeom prst="roundRect">
+            <a:avLst/>
+          </a:prstGeom>
+          <a:noFill/>
+        </p:spPr>
+        <p:style>
+          <a:lnRef idx="2">
+            <a:schemeClr val="accent1">
+              <a:shade val="15000"/>
+            </a:schemeClr>
+          </a:lnRef>
+          <a:fillRef idx="1">
+            <a:schemeClr val="accent1"/>
+          </a:fillRef>
+          <a:effectRef idx="0">
+            <a:schemeClr val="accent1"/>
+          </a:effectRef>
+          <a:fontRef idx="minor">
+            <a:schemeClr val="lt1"/>
+          </a:fontRef>
+        </p:style>
+        <p:txBody>
+          <a:bodyPr rtlCol="0" anchor="ctr"/>
+          <a:lstStyle/>
+          <a:p>
+            <a:pPr algn="ctr"/>
+            <a:r>
+              <a:rPr lang="en-US" sz="1400" dirty="0">
+                <a:solidFill>
+                  <a:schemeClr val="tx1"/>
+                </a:solidFill>
+              </a:rPr>
+              <a:t>Sub </a:t>
+            </a:r>
+            <a:r>
+              <a:rPr lang="en-US" sz="1400" dirty="0" err="1">
+                <a:solidFill>
+                  <a:schemeClr val="tx1"/>
+                </a:solidFill>
+              </a:rPr>
+              <a:t>dir</a:t>
+            </a:r>
+            <a:endParaRPr lang="en-US" sz="1400" dirty="0">
+              <a:solidFill>
+                <a:schemeClr val="tx1"/>
+              </a:solidFill>
+            </a:endParaRPr>
+          </a:p>
+        </p:txBody>
+      </p:sp>
+      <p:sp>
+        <p:nvSpPr>
+          <p:cNvPr id="48" name="TextBox 47">
+            <a:extLst>
+              <a:ext uri="{FF2B5EF4-FFF2-40B4-BE49-F238E27FC236}">
+                <a16:creationId xmlns:a16="http://schemas.microsoft.com/office/drawing/2014/main" id="{05C9876A-2E69-C88B-C9FB-79FDD326E7D1}"/>
+              </a:ext>
+            </a:extLst>
+          </p:cNvPr>
+          <p:cNvSpPr txBox="1"/>
+          <p:nvPr/>
+        </p:nvSpPr>
+        <p:spPr>
+          <a:xfrm flipH="1">
+            <a:off x="1211918" y="1010121"/>
+            <a:ext cx="4626103" cy="338554"/>
+          </a:xfrm>
+          <a:prstGeom prst="rect">
+            <a:avLst/>
+          </a:prstGeom>
+          <a:noFill/>
+        </p:spPr>
+        <p:txBody>
+          <a:bodyPr wrap="square" rtlCol="0">
+            <a:spAutoFit/>
+          </a:bodyPr>
+          <a:lstStyle/>
+          <a:p>
+            <a:pPr algn="ctr"/>
+            <a:r>
+              <a:rPr lang="en-US" sz="1600" dirty="0"/>
+              <a:t>Ask “UV” to do all things Python</a:t>
+            </a:r>
+          </a:p>
+        </p:txBody>
+      </p:sp>
+      <p:grpSp>
+        <p:nvGrpSpPr>
+          <p:cNvPr id="22" name="Group 21">
+            <a:extLst>
+              <a:ext uri="{FF2B5EF4-FFF2-40B4-BE49-F238E27FC236}">
+                <a16:creationId xmlns:a16="http://schemas.microsoft.com/office/drawing/2014/main" id="{185DAE47-026C-E896-649A-2CA4CD3F74D6}"/>
+              </a:ext>
+            </a:extLst>
+          </p:cNvPr>
+          <p:cNvGrpSpPr/>
+          <p:nvPr/>
+        </p:nvGrpSpPr>
+        <p:grpSpPr>
+          <a:xfrm>
+            <a:off x="5182573" y="4535402"/>
+            <a:ext cx="1044129" cy="2220753"/>
+            <a:chOff x="4937066" y="6198004"/>
+            <a:chExt cx="1044129" cy="2220753"/>
+          </a:xfrm>
+        </p:grpSpPr>
+        <p:sp>
+          <p:nvSpPr>
+            <p:cNvPr id="3" name="Rectangle: Rounded Corners 2">
+              <a:extLst>
+                <a:ext uri="{FF2B5EF4-FFF2-40B4-BE49-F238E27FC236}">
+                  <a16:creationId xmlns:a16="http://schemas.microsoft.com/office/drawing/2014/main" id="{5D9FFC9A-97C7-7F87-584A-FFCA5BA117B6}"/>
+                </a:ext>
+              </a:extLst>
+            </p:cNvPr>
+            <p:cNvSpPr/>
+            <p:nvPr/>
+          </p:nvSpPr>
+          <p:spPr>
+            <a:xfrm>
+              <a:off x="5055006" y="6198004"/>
+              <a:ext cx="808250" cy="320722"/>
+            </a:xfrm>
+            <a:prstGeom prst="roundRect">
+              <a:avLst/>
+            </a:prstGeom>
+            <a:noFill/>
+          </p:spPr>
+          <p:style>
+            <a:lnRef idx="2">
+              <a:schemeClr val="accent1">
+                <a:shade val="15000"/>
+              </a:schemeClr>
+            </a:lnRef>
+            <a:fillRef idx="1">
+              <a:schemeClr val="accent1"/>
+            </a:fillRef>
+            <a:effectRef idx="0">
+              <a:schemeClr val="accent1"/>
+            </a:effectRef>
+            <a:fontRef idx="minor">
+              <a:schemeClr val="lt1"/>
+            </a:fontRef>
+          </p:style>
+          <p:txBody>
+            <a:bodyPr rtlCol="0" anchor="ctr"/>
+            <a:lstStyle/>
+            <a:p>
+              <a:pPr algn="ctr"/>
+              <a:r>
+                <a:rPr lang="en-US" sz="1400" dirty="0">
+                  <a:solidFill>
+                    <a:schemeClr val="tx1"/>
+                  </a:solidFill>
+                </a:rPr>
+                <a:t>python</a:t>
+              </a:r>
+            </a:p>
+          </p:txBody>
+        </p:sp>
+        <p:sp>
+          <p:nvSpPr>
+            <p:cNvPr id="4" name="Rectangle: Rounded Corners 3">
+              <a:extLst>
+                <a:ext uri="{FF2B5EF4-FFF2-40B4-BE49-F238E27FC236}">
+                  <a16:creationId xmlns:a16="http://schemas.microsoft.com/office/drawing/2014/main" id="{BF60549D-CCC2-31CC-C4C5-7E4516F28C3B}"/>
+                </a:ext>
+              </a:extLst>
+            </p:cNvPr>
+            <p:cNvSpPr/>
+            <p:nvPr/>
+          </p:nvSpPr>
+          <p:spPr>
+            <a:xfrm>
+              <a:off x="5055006" y="6563224"/>
+              <a:ext cx="808250" cy="320722"/>
+            </a:xfrm>
+            <a:prstGeom prst="roundRect">
+              <a:avLst/>
+            </a:prstGeom>
+            <a:noFill/>
+          </p:spPr>
+          <p:style>
+            <a:lnRef idx="2">
+              <a:schemeClr val="accent1">
+                <a:shade val="15000"/>
+              </a:schemeClr>
+            </a:lnRef>
+            <a:fillRef idx="1">
+              <a:schemeClr val="accent1"/>
+            </a:fillRef>
+            <a:effectRef idx="0">
+              <a:schemeClr val="accent1"/>
+            </a:effectRef>
+            <a:fontRef idx="minor">
+              <a:schemeClr val="lt1"/>
+            </a:fontRef>
+          </p:style>
+          <p:txBody>
+            <a:bodyPr rtlCol="0" anchor="ctr"/>
+            <a:lstStyle/>
+            <a:p>
+              <a:pPr algn="ctr"/>
+              <a:r>
+                <a:rPr lang="en-US" sz="1400" dirty="0">
+                  <a:solidFill>
+                    <a:schemeClr val="tx1"/>
+                  </a:solidFill>
+                </a:rPr>
+                <a:t>lib</a:t>
+              </a:r>
+            </a:p>
+          </p:txBody>
+        </p:sp>
+        <p:sp>
+          <p:nvSpPr>
+            <p:cNvPr id="5" name="Rectangle: Rounded Corners 4">
+              <a:extLst>
+                <a:ext uri="{FF2B5EF4-FFF2-40B4-BE49-F238E27FC236}">
+                  <a16:creationId xmlns:a16="http://schemas.microsoft.com/office/drawing/2014/main" id="{1B84C36A-2DE6-3A55-5324-09EFD59E4214}"/>
+                </a:ext>
+              </a:extLst>
+            </p:cNvPr>
+            <p:cNvSpPr/>
+            <p:nvPr/>
+          </p:nvSpPr>
+          <p:spPr>
+            <a:xfrm>
+              <a:off x="5055006" y="7013600"/>
+              <a:ext cx="808250" cy="320722"/>
+            </a:xfrm>
+            <a:prstGeom prst="roundRect">
+              <a:avLst/>
+            </a:prstGeom>
+            <a:noFill/>
+          </p:spPr>
+          <p:style>
+            <a:lnRef idx="2">
+              <a:schemeClr val="accent1">
+                <a:shade val="15000"/>
+              </a:schemeClr>
+            </a:lnRef>
+            <a:fillRef idx="1">
+              <a:schemeClr val="accent1"/>
+            </a:fillRef>
+            <a:effectRef idx="0">
+              <a:schemeClr val="accent1"/>
+            </a:effectRef>
+            <a:fontRef idx="minor">
+              <a:schemeClr val="lt1"/>
+            </a:fontRef>
+          </p:style>
+          <p:txBody>
+            <a:bodyPr rtlCol="0" anchor="ctr"/>
+            <a:lstStyle/>
+            <a:p>
+              <a:pPr algn="ctr"/>
+              <a:r>
+                <a:rPr lang="en-US" sz="1400" dirty="0">
+                  <a:solidFill>
+                    <a:schemeClr val="tx1"/>
+                  </a:solidFill>
+                </a:rPr>
+                <a:t>lib</a:t>
+              </a:r>
+            </a:p>
+          </p:txBody>
+        </p:sp>
+        <p:sp>
+          <p:nvSpPr>
+            <p:cNvPr id="7" name="Rectangle: Rounded Corners 6">
+              <a:extLst>
+                <a:ext uri="{FF2B5EF4-FFF2-40B4-BE49-F238E27FC236}">
+                  <a16:creationId xmlns:a16="http://schemas.microsoft.com/office/drawing/2014/main" id="{1BF220CF-DC25-9BF2-D629-D7DE4B192D56}"/>
+                </a:ext>
+              </a:extLst>
+            </p:cNvPr>
+            <p:cNvSpPr/>
+            <p:nvPr/>
+          </p:nvSpPr>
+          <p:spPr>
+            <a:xfrm>
+              <a:off x="5055006" y="7463976"/>
+              <a:ext cx="808250" cy="320722"/>
+            </a:xfrm>
+            <a:prstGeom prst="roundRect">
+              <a:avLst/>
+            </a:prstGeom>
+            <a:noFill/>
+          </p:spPr>
+          <p:style>
+            <a:lnRef idx="2">
+              <a:schemeClr val="accent1">
+                <a:shade val="15000"/>
+              </a:schemeClr>
+            </a:lnRef>
+            <a:fillRef idx="1">
+              <a:schemeClr val="accent1"/>
+            </a:fillRef>
+            <a:effectRef idx="0">
+              <a:schemeClr val="accent1"/>
+            </a:effectRef>
+            <a:fontRef idx="minor">
+              <a:schemeClr val="lt1"/>
+            </a:fontRef>
+          </p:style>
+          <p:txBody>
+            <a:bodyPr rtlCol="0" anchor="ctr"/>
+            <a:lstStyle/>
+            <a:p>
+              <a:pPr algn="ctr"/>
+              <a:r>
+                <a:rPr lang="en-US" sz="1400" dirty="0">
+                  <a:solidFill>
+                    <a:schemeClr val="tx1"/>
+                  </a:solidFill>
+                </a:rPr>
+                <a:t>lib</a:t>
+              </a:r>
+            </a:p>
+          </p:txBody>
+        </p:sp>
+        <p:sp>
+          <p:nvSpPr>
+            <p:cNvPr id="15" name="TextBox 14">
+              <a:extLst>
+                <a:ext uri="{FF2B5EF4-FFF2-40B4-BE49-F238E27FC236}">
+                  <a16:creationId xmlns:a16="http://schemas.microsoft.com/office/drawing/2014/main" id="{713D997F-DB93-D706-4A71-2D2367AB16CC}"/>
+                </a:ext>
+              </a:extLst>
+            </p:cNvPr>
+            <p:cNvSpPr txBox="1"/>
+            <p:nvPr/>
+          </p:nvSpPr>
+          <p:spPr>
+            <a:xfrm flipH="1">
+              <a:off x="4937066" y="7841676"/>
+              <a:ext cx="1044129" cy="577081"/>
+            </a:xfrm>
+            <a:prstGeom prst="rect">
+              <a:avLst/>
+            </a:prstGeom>
+            <a:noFill/>
+          </p:spPr>
+          <p:txBody>
+            <a:bodyPr wrap="square" rtlCol="0">
+              <a:spAutoFit/>
+            </a:bodyPr>
+            <a:lstStyle/>
+            <a:p>
+              <a:pPr algn="ctr"/>
+              <a:r>
+                <a:rPr lang="en-US" sz="1050" b="1" dirty="0"/>
+                <a:t>Hundreds of </a:t>
+              </a:r>
+            </a:p>
+            <a:p>
+              <a:pPr algn="ctr"/>
+              <a:r>
+                <a:rPr lang="en-US" sz="1050" b="1" dirty="0"/>
+                <a:t>Dedicated</a:t>
+              </a:r>
+            </a:p>
+            <a:p>
+              <a:pPr algn="ctr"/>
+              <a:r>
+                <a:rPr lang="en-US" sz="1050" b="1" dirty="0"/>
+                <a:t>libs</a:t>
+              </a:r>
+            </a:p>
+          </p:txBody>
+        </p:sp>
+      </p:grpSp>
+      <p:sp>
+        <p:nvSpPr>
+          <p:cNvPr id="30" name="Rectangle: Rounded Corners 29">
+            <a:extLst>
+              <a:ext uri="{FF2B5EF4-FFF2-40B4-BE49-F238E27FC236}">
+                <a16:creationId xmlns:a16="http://schemas.microsoft.com/office/drawing/2014/main" id="{6FD10319-7FD9-965E-1535-0F46198CA659}"/>
+              </a:ext>
+            </a:extLst>
+          </p:cNvPr>
+          <p:cNvSpPr/>
+          <p:nvPr/>
+        </p:nvSpPr>
+        <p:spPr>
+          <a:xfrm>
+            <a:off x="3975324" y="3971426"/>
+            <a:ext cx="1100157" cy="463838"/>
+          </a:xfrm>
+          <a:prstGeom prst="roundRect">
+            <a:avLst/>
+          </a:prstGeom>
+          <a:noFill/>
+          <a:ln w="28575">
+            <a:solidFill>
+              <a:srgbClr val="FF0000"/>
+            </a:solidFill>
+          </a:ln>
+        </p:spPr>
+        <p:style>
+          <a:lnRef idx="2">
+            <a:schemeClr val="accent1">
+              <a:shade val="15000"/>
+            </a:schemeClr>
+          </a:lnRef>
+          <a:fillRef idx="1">
+            <a:schemeClr val="accent1"/>
+          </a:fillRef>
+          <a:effectRef idx="0">
+            <a:schemeClr val="accent1"/>
+          </a:effectRef>
+          <a:fontRef idx="minor">
+            <a:schemeClr val="lt1"/>
+          </a:fontRef>
+        </p:style>
+        <p:txBody>
+          <a:bodyPr rtlCol="0" anchor="ctr"/>
+          <a:lstStyle/>
+          <a:p>
+            <a:pPr algn="ctr"/>
+            <a:r>
+              <a:rPr lang="en-US" sz="1050" dirty="0">
+                <a:solidFill>
+                  <a:schemeClr val="tx1"/>
+                </a:solidFill>
+              </a:rPr>
+              <a:t>Sub </a:t>
+            </a:r>
+            <a:r>
+              <a:rPr lang="en-US" sz="1050" dirty="0" err="1">
+                <a:solidFill>
+                  <a:schemeClr val="tx1"/>
+                </a:solidFill>
+              </a:rPr>
+              <a:t>dir</a:t>
+            </a:r>
+            <a:endParaRPr lang="en-US" sz="1050" dirty="0">
+              <a:solidFill>
+                <a:schemeClr val="tx1"/>
+              </a:solidFill>
+            </a:endParaRPr>
+          </a:p>
+          <a:p>
+            <a:pPr algn="ctr"/>
+            <a:r>
+              <a:rPr lang="en-US" sz="1050" dirty="0">
+                <a:solidFill>
+                  <a:schemeClr val="tx1"/>
+                </a:solidFill>
+              </a:rPr>
+              <a:t>.</a:t>
+            </a:r>
+            <a:r>
+              <a:rPr lang="en-US" sz="1050" dirty="0" err="1">
+                <a:solidFill>
+                  <a:schemeClr val="tx1"/>
+                </a:solidFill>
+              </a:rPr>
+              <a:t>venv</a:t>
+            </a:r>
+            <a:endParaRPr lang="en-US" sz="1050" dirty="0">
+              <a:solidFill>
+                <a:schemeClr val="tx1"/>
+              </a:solidFill>
+            </a:endParaRPr>
+          </a:p>
+        </p:txBody>
+      </p:sp>
+      <p:cxnSp>
+        <p:nvCxnSpPr>
+          <p:cNvPr id="32" name="Connector: Elbow 31">
+            <a:extLst>
+              <a:ext uri="{FF2B5EF4-FFF2-40B4-BE49-F238E27FC236}">
+                <a16:creationId xmlns:a16="http://schemas.microsoft.com/office/drawing/2014/main" id="{865BE2ED-4388-C4E9-DBCA-96DBC324C75A}"/>
+              </a:ext>
+            </a:extLst>
+          </p:cNvPr>
+          <p:cNvCxnSpPr>
+            <a:cxnSpLocks/>
+            <a:stCxn id="30" idx="3"/>
+            <a:endCxn id="3" idx="0"/>
+          </p:cNvCxnSpPr>
+          <p:nvPr/>
+        </p:nvCxnSpPr>
+        <p:spPr>
+          <a:xfrm>
+            <a:off x="5075481" y="4203345"/>
+            <a:ext cx="629157" cy="332057"/>
+          </a:xfrm>
+          <a:prstGeom prst="bentConnector2">
+            <a:avLst/>
+          </a:prstGeom>
+          <a:ln>
+            <a:tailEnd type="triangle"/>
+          </a:ln>
+        </p:spPr>
+        <p:style>
+          <a:lnRef idx="1">
+            <a:schemeClr val="accent1"/>
+          </a:lnRef>
+          <a:fillRef idx="0">
+            <a:schemeClr val="accent1"/>
+          </a:fillRef>
+          <a:effectRef idx="0">
+            <a:schemeClr val="accent1"/>
+          </a:effectRef>
+          <a:fontRef idx="minor">
+            <a:schemeClr val="tx1"/>
+          </a:fontRef>
+        </p:style>
+      </p:cxnSp>
+      <p:cxnSp>
+        <p:nvCxnSpPr>
+          <p:cNvPr id="37" name="Straight Arrow Connector 36">
+            <a:extLst>
+              <a:ext uri="{FF2B5EF4-FFF2-40B4-BE49-F238E27FC236}">
+                <a16:creationId xmlns:a16="http://schemas.microsoft.com/office/drawing/2014/main" id="{BD358C11-3DD7-130A-439F-E4BEBE12E6F1}"/>
+              </a:ext>
+            </a:extLst>
+          </p:cNvPr>
+          <p:cNvCxnSpPr>
+            <a:cxnSpLocks/>
+            <a:stCxn id="25" idx="3"/>
+            <a:endCxn id="30" idx="1"/>
+          </p:cNvCxnSpPr>
+          <p:nvPr/>
+        </p:nvCxnSpPr>
+        <p:spPr>
+          <a:xfrm flipV="1">
+            <a:off x="2956468" y="4203345"/>
+            <a:ext cx="1018856" cy="565602"/>
+          </a:xfrm>
+          <a:prstGeom prst="straightConnector1">
+            <a:avLst/>
+          </a:prstGeom>
+          <a:ln>
+            <a:tailEnd type="triangle"/>
+          </a:ln>
+        </p:spPr>
+        <p:style>
+          <a:lnRef idx="1">
+            <a:schemeClr val="accent1"/>
+          </a:lnRef>
+          <a:fillRef idx="0">
+            <a:schemeClr val="accent1"/>
+          </a:fillRef>
+          <a:effectRef idx="0">
+            <a:schemeClr val="accent1"/>
+          </a:effectRef>
+          <a:fontRef idx="minor">
+            <a:schemeClr val="tx1"/>
+          </a:fontRef>
+        </p:style>
+      </p:cxnSp>
+      <p:cxnSp>
+        <p:nvCxnSpPr>
+          <p:cNvPr id="42" name="Straight Arrow Connector 41">
+            <a:extLst>
+              <a:ext uri="{FF2B5EF4-FFF2-40B4-BE49-F238E27FC236}">
+                <a16:creationId xmlns:a16="http://schemas.microsoft.com/office/drawing/2014/main" id="{DD864346-EFE0-A9FF-9901-890A3C7CD4B7}"/>
+              </a:ext>
+            </a:extLst>
+          </p:cNvPr>
+          <p:cNvCxnSpPr>
+            <a:cxnSpLocks/>
+            <a:stCxn id="25" idx="3"/>
+            <a:endCxn id="26" idx="1"/>
+          </p:cNvCxnSpPr>
+          <p:nvPr/>
+        </p:nvCxnSpPr>
+        <p:spPr>
+          <a:xfrm flipV="1">
+            <a:off x="2956468" y="4718259"/>
+            <a:ext cx="989718" cy="50688"/>
+          </a:xfrm>
+          <a:prstGeom prst="straightConnector1">
+            <a:avLst/>
+          </a:prstGeom>
+          <a:ln>
+            <a:tailEnd type="triangle"/>
+          </a:ln>
+        </p:spPr>
+        <p:style>
+          <a:lnRef idx="1">
+            <a:schemeClr val="accent1"/>
+          </a:lnRef>
+          <a:fillRef idx="0">
+            <a:schemeClr val="accent1"/>
+          </a:fillRef>
+          <a:effectRef idx="0">
+            <a:schemeClr val="accent1"/>
+          </a:effectRef>
+          <a:fontRef idx="minor">
+            <a:schemeClr val="tx1"/>
+          </a:fontRef>
+        </p:style>
+      </p:cxnSp>
+      <p:cxnSp>
+        <p:nvCxnSpPr>
+          <p:cNvPr id="49" name="Straight Arrow Connector 48">
+            <a:extLst>
+              <a:ext uri="{FF2B5EF4-FFF2-40B4-BE49-F238E27FC236}">
+                <a16:creationId xmlns:a16="http://schemas.microsoft.com/office/drawing/2014/main" id="{48952DB4-1DF3-2C49-C2D7-0A8B6FBF9775}"/>
+              </a:ext>
+            </a:extLst>
+          </p:cNvPr>
+          <p:cNvCxnSpPr>
+            <a:cxnSpLocks/>
+            <a:stCxn id="25" idx="3"/>
+            <a:endCxn id="28" idx="1"/>
+          </p:cNvCxnSpPr>
+          <p:nvPr/>
+        </p:nvCxnSpPr>
+        <p:spPr>
+          <a:xfrm>
+            <a:off x="2956468" y="4768947"/>
+            <a:ext cx="989718" cy="612360"/>
+          </a:xfrm>
+          <a:prstGeom prst="straightConnector1">
+            <a:avLst/>
+          </a:prstGeom>
+          <a:ln>
+            <a:tailEnd type="triangle"/>
+          </a:ln>
+        </p:spPr>
+        <p:style>
+          <a:lnRef idx="1">
+            <a:schemeClr val="accent1"/>
+          </a:lnRef>
+          <a:fillRef idx="0">
+            <a:schemeClr val="accent1"/>
+          </a:fillRef>
+          <a:effectRef idx="0">
+            <a:schemeClr val="accent1"/>
+          </a:effectRef>
+          <a:fontRef idx="minor">
+            <a:schemeClr val="tx1"/>
+          </a:fontRef>
+        </p:style>
+      </p:cxnSp>
+      <p:cxnSp>
+        <p:nvCxnSpPr>
+          <p:cNvPr id="52" name="Straight Arrow Connector 51">
+            <a:extLst>
+              <a:ext uri="{FF2B5EF4-FFF2-40B4-BE49-F238E27FC236}">
+                <a16:creationId xmlns:a16="http://schemas.microsoft.com/office/drawing/2014/main" id="{028335FE-22FE-EC03-B6B6-ADFBF2DF4183}"/>
+              </a:ext>
+            </a:extLst>
+          </p:cNvPr>
+          <p:cNvCxnSpPr>
+            <a:cxnSpLocks/>
+            <a:stCxn id="25" idx="3"/>
+            <a:endCxn id="27" idx="1"/>
+          </p:cNvCxnSpPr>
+          <p:nvPr/>
+        </p:nvCxnSpPr>
+        <p:spPr>
+          <a:xfrm>
+            <a:off x="2956468" y="4768947"/>
+            <a:ext cx="989718" cy="270034"/>
+          </a:xfrm>
+          <a:prstGeom prst="straightConnector1">
+            <a:avLst/>
+          </a:prstGeom>
+          <a:ln>
+            <a:tailEnd type="triangle"/>
+          </a:ln>
+        </p:spPr>
+        <p:style>
+          <a:lnRef idx="1">
+            <a:schemeClr val="accent1"/>
+          </a:lnRef>
+          <a:fillRef idx="0">
+            <a:schemeClr val="accent1"/>
+          </a:fillRef>
+          <a:effectRef idx="0">
+            <a:schemeClr val="accent1"/>
+          </a:effectRef>
+          <a:fontRef idx="minor">
+            <a:schemeClr val="tx1"/>
+          </a:fontRef>
+        </p:style>
+      </p:cxnSp>
+      <p:sp>
+        <p:nvSpPr>
+          <p:cNvPr id="61" name="Rectangle 60">
+            <a:extLst>
+              <a:ext uri="{FF2B5EF4-FFF2-40B4-BE49-F238E27FC236}">
+                <a16:creationId xmlns:a16="http://schemas.microsoft.com/office/drawing/2014/main" id="{142101F3-32C8-70D2-59F8-EC2449007F00}"/>
+              </a:ext>
+            </a:extLst>
+          </p:cNvPr>
+          <p:cNvSpPr/>
+          <p:nvPr/>
+        </p:nvSpPr>
+        <p:spPr>
+          <a:xfrm>
+            <a:off x="327194" y="832513"/>
+            <a:ext cx="6237379" cy="6082429"/>
+          </a:xfrm>
+          <a:prstGeom prst="rect">
+            <a:avLst/>
+          </a:prstGeom>
+          <a:noFill/>
+        </p:spPr>
+        <p:style>
+          <a:lnRef idx="2">
+            <a:schemeClr val="accent1">
+              <a:shade val="15000"/>
+            </a:schemeClr>
+          </a:lnRef>
+          <a:fillRef idx="1">
+            <a:schemeClr val="accent1"/>
+          </a:fillRef>
+          <a:effectRef idx="0">
+            <a:schemeClr val="accent1"/>
+          </a:effectRef>
+          <a:fontRef idx="minor">
+            <a:schemeClr val="lt1"/>
+          </a:fontRef>
+        </p:style>
+        <p:txBody>
+          <a:bodyPr rtlCol="0" anchor="ctr"/>
+          <a:lstStyle/>
+          <a:p>
+            <a:pPr algn="ctr"/>
+            <a:endParaRPr lang="en-US" sz="1400" dirty="0">
+              <a:solidFill>
+                <a:schemeClr val="tx1"/>
+              </a:solidFill>
+            </a:endParaRPr>
+          </a:p>
+        </p:txBody>
+      </p:sp>
+      <p:sp>
+        <p:nvSpPr>
+          <p:cNvPr id="34" name="Rectangle 33">
+            <a:extLst>
+              <a:ext uri="{FF2B5EF4-FFF2-40B4-BE49-F238E27FC236}">
+                <a16:creationId xmlns:a16="http://schemas.microsoft.com/office/drawing/2014/main" id="{EC89A492-E03B-15D6-AF09-212A4D4E14C0}"/>
+              </a:ext>
+            </a:extLst>
+          </p:cNvPr>
+          <p:cNvSpPr/>
+          <p:nvPr/>
+        </p:nvSpPr>
+        <p:spPr>
+          <a:xfrm>
+            <a:off x="1806940" y="2711314"/>
+            <a:ext cx="893329" cy="546198"/>
+          </a:xfrm>
+          <a:prstGeom prst="rect">
+            <a:avLst/>
+          </a:prstGeom>
+          <a:noFill/>
+          <a:ln w="28575">
+            <a:solidFill>
+              <a:srgbClr val="FF0000"/>
+            </a:solidFill>
+          </a:ln>
+        </p:spPr>
+        <p:style>
+          <a:lnRef idx="2">
+            <a:schemeClr val="accent1">
+              <a:shade val="15000"/>
+            </a:schemeClr>
+          </a:lnRef>
+          <a:fillRef idx="1">
+            <a:schemeClr val="accent1"/>
+          </a:fillRef>
+          <a:effectRef idx="0">
+            <a:schemeClr val="accent1"/>
+          </a:effectRef>
+          <a:fontRef idx="minor">
+            <a:schemeClr val="lt1"/>
+          </a:fontRef>
+        </p:style>
+        <p:txBody>
+          <a:bodyPr rtlCol="0" anchor="ctr"/>
+          <a:lstStyle/>
+          <a:p>
+            <a:pPr algn="ctr"/>
+            <a:r>
+              <a:rPr lang="en-US" sz="1050" dirty="0" err="1">
+                <a:solidFill>
+                  <a:schemeClr val="tx1"/>
+                </a:solidFill>
+              </a:rPr>
+              <a:t>Uv</a:t>
+            </a:r>
+            <a:endParaRPr lang="en-US" sz="1050" dirty="0">
+              <a:solidFill>
+                <a:schemeClr val="tx1"/>
+              </a:solidFill>
+            </a:endParaRPr>
+          </a:p>
+          <a:p>
+            <a:pPr algn="ctr"/>
+            <a:r>
+              <a:rPr lang="en-US" sz="1050" dirty="0">
+                <a:solidFill>
+                  <a:schemeClr val="tx1"/>
+                </a:solidFill>
+              </a:rPr>
+              <a:t>(Executable)</a:t>
+            </a:r>
+          </a:p>
+        </p:txBody>
+      </p:sp>
+      <p:sp>
+        <p:nvSpPr>
+          <p:cNvPr id="10" name="Rectangle 9">
+            <a:extLst>
+              <a:ext uri="{FF2B5EF4-FFF2-40B4-BE49-F238E27FC236}">
+                <a16:creationId xmlns:a16="http://schemas.microsoft.com/office/drawing/2014/main" id="{C4448F91-D56D-625F-143D-AB02C7E69CB5}"/>
+              </a:ext>
+            </a:extLst>
+          </p:cNvPr>
+          <p:cNvSpPr/>
+          <p:nvPr/>
+        </p:nvSpPr>
+        <p:spPr>
+          <a:xfrm>
+            <a:off x="2939033" y="5755013"/>
+            <a:ext cx="1207249" cy="320722"/>
+          </a:xfrm>
+          <a:prstGeom prst="rect">
+            <a:avLst/>
+          </a:prstGeom>
+          <a:noFill/>
+          <a:ln w="28575">
+            <a:solidFill>
+              <a:srgbClr val="FF0000"/>
+            </a:solidFill>
+          </a:ln>
+        </p:spPr>
+        <p:style>
+          <a:lnRef idx="2">
+            <a:schemeClr val="accent1">
+              <a:shade val="15000"/>
+            </a:schemeClr>
+          </a:lnRef>
+          <a:fillRef idx="1">
+            <a:schemeClr val="accent1"/>
+          </a:fillRef>
+          <a:effectRef idx="0">
+            <a:schemeClr val="accent1"/>
+          </a:effectRef>
+          <a:fontRef idx="minor">
+            <a:schemeClr val="lt1"/>
+          </a:fontRef>
+        </p:style>
+        <p:txBody>
+          <a:bodyPr rtlCol="0" anchor="ctr"/>
+          <a:lstStyle/>
+          <a:p>
+            <a:pPr algn="ctr"/>
+            <a:r>
+              <a:rPr lang="en-US" sz="1050" dirty="0" err="1">
+                <a:solidFill>
+                  <a:schemeClr val="tx1"/>
+                </a:solidFill>
+              </a:rPr>
+              <a:t>pyproject.toml</a:t>
+            </a:r>
+            <a:endParaRPr lang="en-US" sz="1050" dirty="0">
+              <a:solidFill>
+                <a:schemeClr val="tx1"/>
+              </a:solidFill>
+            </a:endParaRPr>
+          </a:p>
+        </p:txBody>
+      </p:sp>
+      <p:sp>
+        <p:nvSpPr>
+          <p:cNvPr id="11" name="Rectangle 10">
+            <a:extLst>
+              <a:ext uri="{FF2B5EF4-FFF2-40B4-BE49-F238E27FC236}">
+                <a16:creationId xmlns:a16="http://schemas.microsoft.com/office/drawing/2014/main" id="{44D6655A-3E8F-A5B3-21F8-55997CC1923C}"/>
+              </a:ext>
+            </a:extLst>
+          </p:cNvPr>
+          <p:cNvSpPr/>
+          <p:nvPr/>
+        </p:nvSpPr>
+        <p:spPr>
+          <a:xfrm>
+            <a:off x="2939033" y="6225573"/>
+            <a:ext cx="1207249" cy="320722"/>
+          </a:xfrm>
+          <a:prstGeom prst="rect">
+            <a:avLst/>
+          </a:prstGeom>
+          <a:noFill/>
+          <a:ln w="28575">
+            <a:solidFill>
+              <a:srgbClr val="FF0000"/>
+            </a:solidFill>
+          </a:ln>
+        </p:spPr>
+        <p:style>
+          <a:lnRef idx="2">
+            <a:schemeClr val="accent1">
+              <a:shade val="15000"/>
+            </a:schemeClr>
+          </a:lnRef>
+          <a:fillRef idx="1">
+            <a:schemeClr val="accent1"/>
+          </a:fillRef>
+          <a:effectRef idx="0">
+            <a:schemeClr val="accent1"/>
+          </a:effectRef>
+          <a:fontRef idx="minor">
+            <a:schemeClr val="lt1"/>
+          </a:fontRef>
+        </p:style>
+        <p:txBody>
+          <a:bodyPr rtlCol="0" anchor="ctr"/>
+          <a:lstStyle/>
+          <a:p>
+            <a:pPr algn="ctr"/>
+            <a:r>
+              <a:rPr lang="en-US" sz="1050" dirty="0" err="1">
+                <a:solidFill>
+                  <a:schemeClr val="tx1"/>
+                </a:solidFill>
+              </a:rPr>
+              <a:t>Uv.lock</a:t>
+            </a:r>
+            <a:endParaRPr lang="en-US" sz="1050" dirty="0">
+              <a:solidFill>
+                <a:schemeClr val="tx1"/>
+              </a:solidFill>
+            </a:endParaRPr>
+          </a:p>
+        </p:txBody>
+      </p:sp>
+      <p:cxnSp>
+        <p:nvCxnSpPr>
+          <p:cNvPr id="12" name="Straight Arrow Connector 11">
+            <a:extLst>
+              <a:ext uri="{FF2B5EF4-FFF2-40B4-BE49-F238E27FC236}">
+                <a16:creationId xmlns:a16="http://schemas.microsoft.com/office/drawing/2014/main" id="{3BE0A3FE-E523-38EC-78FA-0DF3C6CCC90F}"/>
+              </a:ext>
+            </a:extLst>
+          </p:cNvPr>
+          <p:cNvCxnSpPr>
+            <a:cxnSpLocks/>
+            <a:stCxn id="25" idx="2"/>
+            <a:endCxn id="10" idx="1"/>
+          </p:cNvCxnSpPr>
+          <p:nvPr/>
+        </p:nvCxnSpPr>
+        <p:spPr>
+          <a:xfrm>
+            <a:off x="2352844" y="5042045"/>
+            <a:ext cx="586189" cy="873329"/>
+          </a:xfrm>
+          <a:prstGeom prst="straightConnector1">
+            <a:avLst/>
+          </a:prstGeom>
+          <a:ln>
+            <a:tailEnd type="triangle"/>
+          </a:ln>
+        </p:spPr>
+        <p:style>
+          <a:lnRef idx="1">
+            <a:schemeClr val="accent1"/>
+          </a:lnRef>
+          <a:fillRef idx="0">
+            <a:schemeClr val="accent1"/>
+          </a:fillRef>
+          <a:effectRef idx="0">
+            <a:schemeClr val="accent1"/>
+          </a:effectRef>
+          <a:fontRef idx="minor">
+            <a:schemeClr val="tx1"/>
+          </a:fontRef>
+        </p:style>
+      </p:cxnSp>
+      <p:cxnSp>
+        <p:nvCxnSpPr>
+          <p:cNvPr id="16" name="Straight Arrow Connector 15">
+            <a:extLst>
+              <a:ext uri="{FF2B5EF4-FFF2-40B4-BE49-F238E27FC236}">
+                <a16:creationId xmlns:a16="http://schemas.microsoft.com/office/drawing/2014/main" id="{1A4E8ED7-45CA-AB73-11C1-CFEEFE322C31}"/>
+              </a:ext>
+            </a:extLst>
+          </p:cNvPr>
+          <p:cNvCxnSpPr>
+            <a:cxnSpLocks/>
+            <a:stCxn id="25" idx="2"/>
+            <a:endCxn id="11" idx="1"/>
+          </p:cNvCxnSpPr>
+          <p:nvPr/>
+        </p:nvCxnSpPr>
+        <p:spPr>
+          <a:xfrm>
+            <a:off x="2352844" y="5042045"/>
+            <a:ext cx="586189" cy="1343889"/>
+          </a:xfrm>
+          <a:prstGeom prst="straightConnector1">
+            <a:avLst/>
+          </a:prstGeom>
+          <a:ln>
+            <a:tailEnd type="triangle"/>
+          </a:ln>
+        </p:spPr>
+        <p:style>
+          <a:lnRef idx="1">
+            <a:schemeClr val="accent1"/>
+          </a:lnRef>
+          <a:fillRef idx="0">
+            <a:schemeClr val="accent1"/>
+          </a:fillRef>
+          <a:effectRef idx="0">
+            <a:schemeClr val="accent1"/>
+          </a:effectRef>
+          <a:fontRef idx="minor">
+            <a:schemeClr val="tx1"/>
+          </a:fontRef>
+        </p:style>
+      </p:cxnSp>
+      <p:cxnSp>
+        <p:nvCxnSpPr>
+          <p:cNvPr id="19" name="Straight Arrow Connector 18">
+            <a:extLst>
+              <a:ext uri="{FF2B5EF4-FFF2-40B4-BE49-F238E27FC236}">
+                <a16:creationId xmlns:a16="http://schemas.microsoft.com/office/drawing/2014/main" id="{FA976E2C-14B1-0F21-D761-F7D405CC68CA}"/>
+              </a:ext>
+            </a:extLst>
+          </p:cNvPr>
+          <p:cNvCxnSpPr>
+            <a:cxnSpLocks/>
+            <a:stCxn id="34" idx="2"/>
+            <a:endCxn id="25" idx="0"/>
+          </p:cNvCxnSpPr>
+          <p:nvPr/>
+        </p:nvCxnSpPr>
+        <p:spPr>
+          <a:xfrm>
+            <a:off x="2253605" y="3257512"/>
+            <a:ext cx="99239" cy="1238336"/>
+          </a:xfrm>
+          <a:prstGeom prst="straightConnector1">
+            <a:avLst/>
+          </a:prstGeom>
+          <a:ln>
+            <a:tailEnd type="triangle"/>
+          </a:ln>
+        </p:spPr>
+        <p:style>
+          <a:lnRef idx="1">
+            <a:schemeClr val="accent1"/>
+          </a:lnRef>
+          <a:fillRef idx="0">
+            <a:schemeClr val="accent1"/>
+          </a:fillRef>
+          <a:effectRef idx="0">
+            <a:schemeClr val="accent1"/>
+          </a:effectRef>
+          <a:fontRef idx="minor">
+            <a:schemeClr val="tx1"/>
+          </a:fontRef>
+        </p:style>
+      </p:cxnSp>
+      <p:sp>
+        <p:nvSpPr>
+          <p:cNvPr id="23" name="TextBox 22">
+            <a:extLst>
+              <a:ext uri="{FF2B5EF4-FFF2-40B4-BE49-F238E27FC236}">
+                <a16:creationId xmlns:a16="http://schemas.microsoft.com/office/drawing/2014/main" id="{6C816312-74EA-A501-635A-25B776D3F451}"/>
+              </a:ext>
+            </a:extLst>
+          </p:cNvPr>
+          <p:cNvSpPr txBox="1"/>
+          <p:nvPr/>
+        </p:nvSpPr>
+        <p:spPr>
+          <a:xfrm flipH="1">
+            <a:off x="1851975" y="3684850"/>
+            <a:ext cx="1027019" cy="307777"/>
+          </a:xfrm>
+          <a:prstGeom prst="rect">
+            <a:avLst/>
+          </a:prstGeom>
+          <a:noFill/>
+        </p:spPr>
+        <p:txBody>
+          <a:bodyPr wrap="square" rtlCol="0">
+            <a:spAutoFit/>
+          </a:bodyPr>
+          <a:lstStyle/>
+          <a:p>
+            <a:pPr algn="ctr"/>
+            <a:r>
+              <a:rPr lang="en-US" sz="1400" dirty="0"/>
+              <a:t>Manage</a:t>
+            </a:r>
+          </a:p>
+        </p:txBody>
+      </p:sp>
+      <p:sp>
+        <p:nvSpPr>
+          <p:cNvPr id="24" name="Rectangle: Rounded Corners 23">
+            <a:extLst>
+              <a:ext uri="{FF2B5EF4-FFF2-40B4-BE49-F238E27FC236}">
+                <a16:creationId xmlns:a16="http://schemas.microsoft.com/office/drawing/2014/main" id="{4772D0C1-7048-B6A0-03C9-8D0B1D012D1E}"/>
+              </a:ext>
+            </a:extLst>
+          </p:cNvPr>
+          <p:cNvSpPr/>
+          <p:nvPr/>
+        </p:nvSpPr>
+        <p:spPr>
+          <a:xfrm>
+            <a:off x="3124412" y="2158362"/>
+            <a:ext cx="1371852" cy="320722"/>
+          </a:xfrm>
+          <a:prstGeom prst="roundRect">
+            <a:avLst/>
+          </a:prstGeom>
+          <a:noFill/>
+        </p:spPr>
+        <p:style>
+          <a:lnRef idx="2">
+            <a:schemeClr val="accent1">
+              <a:shade val="15000"/>
+            </a:schemeClr>
+          </a:lnRef>
+          <a:fillRef idx="1">
+            <a:schemeClr val="accent1"/>
+          </a:fillRef>
+          <a:effectRef idx="0">
+            <a:schemeClr val="accent1"/>
+          </a:effectRef>
+          <a:fontRef idx="minor">
+            <a:schemeClr val="lt1"/>
+          </a:fontRef>
+        </p:style>
+        <p:txBody>
+          <a:bodyPr rtlCol="0" anchor="ctr"/>
+          <a:lstStyle/>
+          <a:p>
+            <a:pPr algn="ctr"/>
+            <a:r>
+              <a:rPr lang="en-US" sz="1400" dirty="0">
+                <a:solidFill>
+                  <a:schemeClr val="tx1"/>
+                </a:solidFill>
+              </a:rPr>
+              <a:t>a.py</a:t>
+            </a:r>
+          </a:p>
+        </p:txBody>
+      </p:sp>
+      <p:sp>
+        <p:nvSpPr>
+          <p:cNvPr id="29" name="Rectangle: Rounded Corners 28">
+            <a:extLst>
+              <a:ext uri="{FF2B5EF4-FFF2-40B4-BE49-F238E27FC236}">
+                <a16:creationId xmlns:a16="http://schemas.microsoft.com/office/drawing/2014/main" id="{6F8DA5DA-E25C-1980-49D4-2E2B18FF42B8}"/>
+              </a:ext>
+            </a:extLst>
+          </p:cNvPr>
+          <p:cNvSpPr/>
+          <p:nvPr/>
+        </p:nvSpPr>
+        <p:spPr>
+          <a:xfrm>
+            <a:off x="3124411" y="2785646"/>
+            <a:ext cx="1371853" cy="320722"/>
+          </a:xfrm>
+          <a:prstGeom prst="roundRect">
+            <a:avLst/>
+          </a:prstGeom>
+          <a:noFill/>
+        </p:spPr>
+        <p:style>
+          <a:lnRef idx="2">
+            <a:schemeClr val="accent1">
+              <a:shade val="15000"/>
+            </a:schemeClr>
+          </a:lnRef>
+          <a:fillRef idx="1">
+            <a:schemeClr val="accent1"/>
+          </a:fillRef>
+          <a:effectRef idx="0">
+            <a:schemeClr val="accent1"/>
+          </a:effectRef>
+          <a:fontRef idx="minor">
+            <a:schemeClr val="lt1"/>
+          </a:fontRef>
+        </p:style>
+        <p:txBody>
+          <a:bodyPr rtlCol="0" anchor="ctr"/>
+          <a:lstStyle/>
+          <a:p>
+            <a:pPr algn="ctr"/>
+            <a:r>
+              <a:rPr lang="en-US" sz="1400" dirty="0">
+                <a:solidFill>
+                  <a:schemeClr val="tx1"/>
+                </a:solidFill>
+              </a:rPr>
+              <a:t>Some-lib</a:t>
+            </a:r>
+          </a:p>
+        </p:txBody>
+      </p:sp>
+      <p:cxnSp>
+        <p:nvCxnSpPr>
+          <p:cNvPr id="31" name="Straight Arrow Connector 30">
+            <a:extLst>
+              <a:ext uri="{FF2B5EF4-FFF2-40B4-BE49-F238E27FC236}">
+                <a16:creationId xmlns:a16="http://schemas.microsoft.com/office/drawing/2014/main" id="{936D2D76-688B-6957-0ADA-ED183122FCAC}"/>
+              </a:ext>
+            </a:extLst>
+          </p:cNvPr>
+          <p:cNvCxnSpPr>
+            <a:cxnSpLocks/>
+            <a:stCxn id="34" idx="3"/>
+            <a:endCxn id="24" idx="1"/>
+          </p:cNvCxnSpPr>
+          <p:nvPr/>
+        </p:nvCxnSpPr>
+        <p:spPr>
+          <a:xfrm flipV="1">
+            <a:off x="2700269" y="2318723"/>
+            <a:ext cx="424143" cy="665690"/>
+          </a:xfrm>
+          <a:prstGeom prst="straightConnector1">
+            <a:avLst/>
+          </a:prstGeom>
+          <a:ln>
+            <a:tailEnd type="triangle"/>
+          </a:ln>
+        </p:spPr>
+        <p:style>
+          <a:lnRef idx="1">
+            <a:schemeClr val="accent1"/>
+          </a:lnRef>
+          <a:fillRef idx="0">
+            <a:schemeClr val="accent1"/>
+          </a:fillRef>
+          <a:effectRef idx="0">
+            <a:schemeClr val="accent1"/>
+          </a:effectRef>
+          <a:fontRef idx="minor">
+            <a:schemeClr val="tx1"/>
+          </a:fontRef>
+        </p:style>
+      </p:cxnSp>
+      <p:sp>
+        <p:nvSpPr>
+          <p:cNvPr id="38" name="TextBox 37">
+            <a:extLst>
+              <a:ext uri="{FF2B5EF4-FFF2-40B4-BE49-F238E27FC236}">
+                <a16:creationId xmlns:a16="http://schemas.microsoft.com/office/drawing/2014/main" id="{2151408D-CA69-A283-03C4-5BD1520A72AD}"/>
+              </a:ext>
+            </a:extLst>
+          </p:cNvPr>
+          <p:cNvSpPr txBox="1"/>
+          <p:nvPr/>
+        </p:nvSpPr>
+        <p:spPr>
+          <a:xfrm flipH="1">
+            <a:off x="3417551" y="1847521"/>
+            <a:ext cx="728731" cy="307777"/>
+          </a:xfrm>
+          <a:prstGeom prst="rect">
+            <a:avLst/>
+          </a:prstGeom>
+          <a:noFill/>
+        </p:spPr>
+        <p:txBody>
+          <a:bodyPr wrap="square" rtlCol="0">
+            <a:spAutoFit/>
+          </a:bodyPr>
+          <a:lstStyle/>
+          <a:p>
+            <a:pPr algn="ctr"/>
+            <a:r>
+              <a:rPr lang="en-US" sz="1400" dirty="0" err="1"/>
+              <a:t>Uv</a:t>
+            </a:r>
+            <a:r>
+              <a:rPr lang="en-US" sz="1400" dirty="0"/>
+              <a:t> run</a:t>
+            </a:r>
+          </a:p>
+        </p:txBody>
+      </p:sp>
+      <p:cxnSp>
+        <p:nvCxnSpPr>
+          <p:cNvPr id="44" name="Straight Arrow Connector 43">
+            <a:extLst>
+              <a:ext uri="{FF2B5EF4-FFF2-40B4-BE49-F238E27FC236}">
+                <a16:creationId xmlns:a16="http://schemas.microsoft.com/office/drawing/2014/main" id="{47212487-78C1-F09F-1B63-AD709E9F6CA4}"/>
+              </a:ext>
+            </a:extLst>
+          </p:cNvPr>
+          <p:cNvCxnSpPr>
+            <a:cxnSpLocks/>
+            <a:stCxn id="34" idx="3"/>
+            <a:endCxn id="29" idx="1"/>
+          </p:cNvCxnSpPr>
+          <p:nvPr/>
+        </p:nvCxnSpPr>
+        <p:spPr>
+          <a:xfrm flipV="1">
+            <a:off x="2700269" y="2946007"/>
+            <a:ext cx="424142" cy="38406"/>
+          </a:xfrm>
+          <a:prstGeom prst="straightConnector1">
+            <a:avLst/>
+          </a:prstGeom>
+          <a:ln>
+            <a:tailEnd type="triangle"/>
+          </a:ln>
+        </p:spPr>
+        <p:style>
+          <a:lnRef idx="1">
+            <a:schemeClr val="accent1"/>
+          </a:lnRef>
+          <a:fillRef idx="0">
+            <a:schemeClr val="accent1"/>
+          </a:fillRef>
+          <a:effectRef idx="0">
+            <a:schemeClr val="accent1"/>
+          </a:effectRef>
+          <a:fontRef idx="minor">
+            <a:schemeClr val="tx1"/>
+          </a:fontRef>
+        </p:style>
+      </p:cxnSp>
+      <p:sp>
+        <p:nvSpPr>
+          <p:cNvPr id="53" name="TextBox 52">
+            <a:extLst>
+              <a:ext uri="{FF2B5EF4-FFF2-40B4-BE49-F238E27FC236}">
+                <a16:creationId xmlns:a16="http://schemas.microsoft.com/office/drawing/2014/main" id="{7100BF55-22A5-63E1-7713-D5B01B1D3C49}"/>
+              </a:ext>
+            </a:extLst>
+          </p:cNvPr>
+          <p:cNvSpPr txBox="1"/>
+          <p:nvPr/>
+        </p:nvSpPr>
+        <p:spPr>
+          <a:xfrm flipH="1">
+            <a:off x="3110120" y="3225124"/>
+            <a:ext cx="1252396" cy="307777"/>
+          </a:xfrm>
+          <a:prstGeom prst="rect">
+            <a:avLst/>
+          </a:prstGeom>
+          <a:noFill/>
+        </p:spPr>
+        <p:txBody>
+          <a:bodyPr wrap="square" rtlCol="0">
+            <a:spAutoFit/>
+          </a:bodyPr>
+          <a:lstStyle/>
+          <a:p>
+            <a:pPr algn="ctr"/>
+            <a:r>
+              <a:rPr lang="en-US" sz="1400" dirty="0" err="1"/>
+              <a:t>Uv</a:t>
+            </a:r>
+            <a:r>
+              <a:rPr lang="en-US" sz="1400" dirty="0"/>
+              <a:t> pip install</a:t>
+            </a:r>
+          </a:p>
+        </p:txBody>
+      </p:sp>
+      <p:pic>
+        <p:nvPicPr>
+          <p:cNvPr id="60" name="Picture 59">
+            <a:extLst>
+              <a:ext uri="{FF2B5EF4-FFF2-40B4-BE49-F238E27FC236}">
+                <a16:creationId xmlns:a16="http://schemas.microsoft.com/office/drawing/2014/main" id="{A7607558-CDAE-4589-070B-A083C038CD03}"/>
+              </a:ext>
+            </a:extLst>
+          </p:cNvPr>
+          <p:cNvPicPr>
+            <a:picLocks noChangeAspect="1"/>
+          </p:cNvPicPr>
+          <p:nvPr/>
+        </p:nvPicPr>
+        <p:blipFill>
+          <a:blip r:embed="rId2"/>
+          <a:stretch>
+            <a:fillRect/>
+          </a:stretch>
+        </p:blipFill>
+        <p:spPr>
+          <a:xfrm>
+            <a:off x="1509429" y="2843239"/>
+            <a:ext cx="356259" cy="327595"/>
+          </a:xfrm>
+          <a:prstGeom prst="rect">
+            <a:avLst/>
+          </a:prstGeom>
+        </p:spPr>
+      </p:pic>
+      <p:cxnSp>
+        <p:nvCxnSpPr>
+          <p:cNvPr id="1025" name="Straight Arrow Connector 1024">
+            <a:extLst>
+              <a:ext uri="{FF2B5EF4-FFF2-40B4-BE49-F238E27FC236}">
+                <a16:creationId xmlns:a16="http://schemas.microsoft.com/office/drawing/2014/main" id="{6DFDE9ED-4FD3-8766-30E6-E9CFB52F651B}"/>
+              </a:ext>
+            </a:extLst>
+          </p:cNvPr>
+          <p:cNvCxnSpPr>
+            <a:cxnSpLocks/>
+            <a:stCxn id="1033" idx="3"/>
+            <a:endCxn id="60" idx="1"/>
+          </p:cNvCxnSpPr>
+          <p:nvPr/>
+        </p:nvCxnSpPr>
+        <p:spPr>
+          <a:xfrm flipV="1">
+            <a:off x="870131" y="3007037"/>
+            <a:ext cx="639298" cy="1068682"/>
+          </a:xfrm>
+          <a:prstGeom prst="straightConnector1">
+            <a:avLst/>
+          </a:prstGeom>
+          <a:ln>
+            <a:tailEnd type="triangle"/>
+          </a:ln>
+        </p:spPr>
+        <p:style>
+          <a:lnRef idx="1">
+            <a:schemeClr val="accent1"/>
+          </a:lnRef>
+          <a:fillRef idx="0">
+            <a:schemeClr val="accent1"/>
+          </a:fillRef>
+          <a:effectRef idx="0">
+            <a:schemeClr val="accent1"/>
+          </a:effectRef>
+          <a:fontRef idx="minor">
+            <a:schemeClr val="tx1"/>
+          </a:fontRef>
+        </p:style>
+      </p:cxnSp>
+      <p:pic>
+        <p:nvPicPr>
+          <p:cNvPr id="1033" name="Picture 1032">
+            <a:extLst>
+              <a:ext uri="{FF2B5EF4-FFF2-40B4-BE49-F238E27FC236}">
+                <a16:creationId xmlns:a16="http://schemas.microsoft.com/office/drawing/2014/main" id="{080AF91D-A5A8-9C53-3DDB-21AD256C5CDF}"/>
+              </a:ext>
+            </a:extLst>
+          </p:cNvPr>
+          <p:cNvPicPr>
+            <a:picLocks noChangeAspect="1"/>
+          </p:cNvPicPr>
+          <p:nvPr/>
+        </p:nvPicPr>
+        <p:blipFill>
+          <a:blip r:embed="rId3"/>
+          <a:stretch>
+            <a:fillRect/>
+          </a:stretch>
+        </p:blipFill>
+        <p:spPr>
+          <a:xfrm>
+            <a:off x="528922" y="3876680"/>
+            <a:ext cx="341209" cy="398077"/>
+          </a:xfrm>
+          <a:prstGeom prst="rect">
+            <a:avLst/>
+          </a:prstGeom>
+        </p:spPr>
+      </p:pic>
+      <p:sp>
+        <p:nvSpPr>
+          <p:cNvPr id="1036" name="TextBox 1035">
+            <a:extLst>
+              <a:ext uri="{FF2B5EF4-FFF2-40B4-BE49-F238E27FC236}">
+                <a16:creationId xmlns:a16="http://schemas.microsoft.com/office/drawing/2014/main" id="{D61C2D64-5A89-0BD5-D404-93CECBD37A9F}"/>
+              </a:ext>
+            </a:extLst>
+          </p:cNvPr>
+          <p:cNvSpPr txBox="1"/>
+          <p:nvPr/>
+        </p:nvSpPr>
+        <p:spPr>
+          <a:xfrm flipH="1">
+            <a:off x="389391" y="3257512"/>
+            <a:ext cx="1121058" cy="461665"/>
+          </a:xfrm>
+          <a:prstGeom prst="rect">
+            <a:avLst/>
+          </a:prstGeom>
+          <a:noFill/>
+        </p:spPr>
+        <p:txBody>
+          <a:bodyPr wrap="square" rtlCol="0">
+            <a:spAutoFit/>
+          </a:bodyPr>
+          <a:lstStyle/>
+          <a:p>
+            <a:pPr algn="ctr"/>
+            <a:r>
+              <a:rPr lang="en-US" sz="1200" dirty="0"/>
+              <a:t>Do all things</a:t>
+            </a:r>
+          </a:p>
+          <a:p>
+            <a:pPr algn="ctr"/>
+            <a:r>
+              <a:rPr lang="en-US" sz="1200" dirty="0"/>
+              <a:t>Python</a:t>
+            </a:r>
+          </a:p>
+        </p:txBody>
+      </p:sp>
+      <p:sp>
+        <p:nvSpPr>
+          <p:cNvPr id="1038" name="TextBox 1037">
+            <a:extLst>
+              <a:ext uri="{FF2B5EF4-FFF2-40B4-BE49-F238E27FC236}">
+                <a16:creationId xmlns:a16="http://schemas.microsoft.com/office/drawing/2014/main" id="{ACE50921-B506-0E15-58DB-03E485450F01}"/>
+              </a:ext>
+            </a:extLst>
+          </p:cNvPr>
+          <p:cNvSpPr txBox="1"/>
+          <p:nvPr/>
+        </p:nvSpPr>
+        <p:spPr>
+          <a:xfrm flipH="1">
+            <a:off x="663665" y="2301314"/>
+            <a:ext cx="1176097" cy="523220"/>
+          </a:xfrm>
+          <a:prstGeom prst="rect">
+            <a:avLst/>
+          </a:prstGeom>
+          <a:noFill/>
+        </p:spPr>
+        <p:txBody>
+          <a:bodyPr wrap="square" lIns="0" rIns="0" rtlCol="0">
+            <a:spAutoFit/>
+          </a:bodyPr>
+          <a:lstStyle/>
+          <a:p>
+            <a:pPr algn="ctr"/>
+            <a:r>
+              <a:rPr lang="en-US" sz="1400" dirty="0"/>
+              <a:t>UV</a:t>
+            </a:r>
+          </a:p>
+          <a:p>
+            <a:pPr algn="ctr"/>
+            <a:r>
+              <a:rPr lang="en-US" sz="1400" dirty="0"/>
+              <a:t>As an Agent</a:t>
+            </a:r>
+          </a:p>
+        </p:txBody>
+      </p:sp>
+      <p:sp>
+        <p:nvSpPr>
+          <p:cNvPr id="1039" name="TextBox 1038">
+            <a:extLst>
+              <a:ext uri="{FF2B5EF4-FFF2-40B4-BE49-F238E27FC236}">
+                <a16:creationId xmlns:a16="http://schemas.microsoft.com/office/drawing/2014/main" id="{FA12364F-B618-B346-3684-472BF10BD864}"/>
+              </a:ext>
+            </a:extLst>
+          </p:cNvPr>
+          <p:cNvSpPr txBox="1"/>
+          <p:nvPr/>
+        </p:nvSpPr>
+        <p:spPr>
+          <a:xfrm flipH="1">
+            <a:off x="363149" y="4346024"/>
+            <a:ext cx="1176097" cy="307777"/>
+          </a:xfrm>
+          <a:prstGeom prst="rect">
+            <a:avLst/>
+          </a:prstGeom>
+          <a:noFill/>
+        </p:spPr>
+        <p:txBody>
+          <a:bodyPr wrap="square" lIns="0" rIns="0" rtlCol="0">
+            <a:spAutoFit/>
+          </a:bodyPr>
+          <a:lstStyle/>
+          <a:p>
+            <a:pPr algn="ctr"/>
+            <a:r>
+              <a:rPr lang="en-US" sz="1400" dirty="0"/>
+              <a:t>Programmer</a:t>
+            </a:r>
+          </a:p>
+        </p:txBody>
+      </p:sp>
+      <p:sp>
+        <p:nvSpPr>
+          <p:cNvPr id="1047" name="TextBox 1046">
+            <a:extLst>
+              <a:ext uri="{FF2B5EF4-FFF2-40B4-BE49-F238E27FC236}">
+                <a16:creationId xmlns:a16="http://schemas.microsoft.com/office/drawing/2014/main" id="{E054335B-F6F8-3DE9-D3EC-C82CB1C45AFD}"/>
+              </a:ext>
+            </a:extLst>
+          </p:cNvPr>
+          <p:cNvSpPr txBox="1"/>
+          <p:nvPr/>
+        </p:nvSpPr>
+        <p:spPr>
+          <a:xfrm flipH="1">
+            <a:off x="4625975" y="2460319"/>
+            <a:ext cx="1736500" cy="954107"/>
+          </a:xfrm>
+          <a:prstGeom prst="rect">
+            <a:avLst/>
+          </a:prstGeom>
+          <a:noFill/>
+        </p:spPr>
+        <p:txBody>
+          <a:bodyPr wrap="square" rtlCol="0">
+            <a:spAutoFit/>
+          </a:bodyPr>
+          <a:lstStyle/>
+          <a:p>
+            <a:pPr marL="168275" indent="-168275">
+              <a:buAutoNum type="arabicPeriod"/>
+              <a:tabLst>
+                <a:tab pos="60325" algn="l"/>
+              </a:tabLst>
+            </a:pPr>
+            <a:r>
+              <a:rPr lang="en-US" sz="1400" dirty="0"/>
+              <a:t>No activation necessary</a:t>
+            </a:r>
+          </a:p>
+          <a:p>
+            <a:pPr marL="168275" indent="-168275">
+              <a:buAutoNum type="arabicPeriod"/>
+              <a:tabLst>
+                <a:tab pos="60325" algn="l"/>
+              </a:tabLst>
+            </a:pPr>
+            <a:r>
+              <a:rPr lang="en-US" sz="1400" dirty="0"/>
+              <a:t>Creates .</a:t>
+            </a:r>
+            <a:r>
+              <a:rPr lang="en-US" sz="1400" dirty="0" err="1"/>
+              <a:t>venv</a:t>
+            </a:r>
+            <a:r>
+              <a:rPr lang="en-US" sz="1400" dirty="0"/>
+              <a:t> automatically</a:t>
+            </a:r>
+          </a:p>
+        </p:txBody>
+      </p:sp>
+    </p:spTree>
+    <p:extLst>
+      <p:ext uri="{BB962C8B-B14F-4D97-AF65-F5344CB8AC3E}">
+        <p14:creationId xmlns:p14="http://schemas.microsoft.com/office/powerpoint/2010/main" val="2113167129"/>
+      </p:ext>
+    </p:extLst>
+  </p:cSld>
+  <p:clrMapOvr>
+    <a:masterClrMapping/>
+  </p:clrMapOvr>
+</p:sld>
+</file>
+
+<file path=ppt/slides/slide15.xml><?xml version="1.0" encoding="utf-8"?>
+<p:sld xmlns:a="http://schemas.openxmlformats.org/drawingml/2006/main" xmlns:r="http://schemas.openxmlformats.org/officeDocument/2006/relationships" xmlns:p="http://schemas.openxmlformats.org/presentationml/2006/main">
+  <p:cSld>
+    <p:spTree>
+      <p:nvGrpSpPr>
+        <p:cNvPr id="1" name="">
+          <a:extLst>
+            <a:ext uri="{FF2B5EF4-FFF2-40B4-BE49-F238E27FC236}">
+              <a16:creationId xmlns:a16="http://schemas.microsoft.com/office/drawing/2014/main" id="{8FCDAC28-FA91-ADAB-20DA-CFCEE63067F4}"/>
+            </a:ext>
+          </a:extLst>
+        </p:cNvPr>
+        <p:cNvGrpSpPr/>
+        <p:nvPr/>
+      </p:nvGrpSpPr>
+      <p:grpSpPr>
+        <a:xfrm>
+          <a:off x="0" y="0"/>
+          <a:ext cx="0" cy="0"/>
+          <a:chOff x="0" y="0"/>
+          <a:chExt cx="0" cy="0"/>
+        </a:xfrm>
+      </p:grpSpPr>
       <p:pic>
         <p:nvPicPr>
           <p:cNvPr id="6" name="Picture 5">

--- a/general-tech-figures.pptx
+++ b/general-tech-figures.pptx
@@ -268,7 +268,7 @@
           <a:p>
             <a:fld id="{BFBBFCFE-809B-4AE5-92DC-0D51595F6FEA}" type="datetimeFigureOut">
               <a:rPr lang="en-US" smtClean="0"/>
-              <a:t>8/1/2025</a:t>
+              <a:t>8/9/2025</a:t>
             </a:fld>
             <a:endParaRPr lang="en-US"/>
           </a:p>
@@ -438,7 +438,7 @@
           <a:p>
             <a:fld id="{BFBBFCFE-809B-4AE5-92DC-0D51595F6FEA}" type="datetimeFigureOut">
               <a:rPr lang="en-US" smtClean="0"/>
-              <a:t>8/1/2025</a:t>
+              <a:t>8/9/2025</a:t>
             </a:fld>
             <a:endParaRPr lang="en-US"/>
           </a:p>
@@ -618,7 +618,7 @@
           <a:p>
             <a:fld id="{BFBBFCFE-809B-4AE5-92DC-0D51595F6FEA}" type="datetimeFigureOut">
               <a:rPr lang="en-US" smtClean="0"/>
-              <a:t>8/1/2025</a:t>
+              <a:t>8/9/2025</a:t>
             </a:fld>
             <a:endParaRPr lang="en-US"/>
           </a:p>
@@ -788,7 +788,7 @@
           <a:p>
             <a:fld id="{BFBBFCFE-809B-4AE5-92DC-0D51595F6FEA}" type="datetimeFigureOut">
               <a:rPr lang="en-US" smtClean="0"/>
-              <a:t>8/1/2025</a:t>
+              <a:t>8/9/2025</a:t>
             </a:fld>
             <a:endParaRPr lang="en-US"/>
           </a:p>
@@ -1032,7 +1032,7 @@
           <a:p>
             <a:fld id="{BFBBFCFE-809B-4AE5-92DC-0D51595F6FEA}" type="datetimeFigureOut">
               <a:rPr lang="en-US" smtClean="0"/>
-              <a:t>8/1/2025</a:t>
+              <a:t>8/9/2025</a:t>
             </a:fld>
             <a:endParaRPr lang="en-US"/>
           </a:p>
@@ -1264,7 +1264,7 @@
           <a:p>
             <a:fld id="{BFBBFCFE-809B-4AE5-92DC-0D51595F6FEA}" type="datetimeFigureOut">
               <a:rPr lang="en-US" smtClean="0"/>
-              <a:t>8/1/2025</a:t>
+              <a:t>8/9/2025</a:t>
             </a:fld>
             <a:endParaRPr lang="en-US"/>
           </a:p>
@@ -1631,7 +1631,7 @@
           <a:p>
             <a:fld id="{BFBBFCFE-809B-4AE5-92DC-0D51595F6FEA}" type="datetimeFigureOut">
               <a:rPr lang="en-US" smtClean="0"/>
-              <a:t>8/1/2025</a:t>
+              <a:t>8/9/2025</a:t>
             </a:fld>
             <a:endParaRPr lang="en-US"/>
           </a:p>
@@ -1749,7 +1749,7 @@
           <a:p>
             <a:fld id="{BFBBFCFE-809B-4AE5-92DC-0D51595F6FEA}" type="datetimeFigureOut">
               <a:rPr lang="en-US" smtClean="0"/>
-              <a:t>8/1/2025</a:t>
+              <a:t>8/9/2025</a:t>
             </a:fld>
             <a:endParaRPr lang="en-US"/>
           </a:p>
@@ -1844,7 +1844,7 @@
           <a:p>
             <a:fld id="{BFBBFCFE-809B-4AE5-92DC-0D51595F6FEA}" type="datetimeFigureOut">
               <a:rPr lang="en-US" smtClean="0"/>
-              <a:t>8/1/2025</a:t>
+              <a:t>8/9/2025</a:t>
             </a:fld>
             <a:endParaRPr lang="en-US"/>
           </a:p>
@@ -2121,7 +2121,7 @@
           <a:p>
             <a:fld id="{BFBBFCFE-809B-4AE5-92DC-0D51595F6FEA}" type="datetimeFigureOut">
               <a:rPr lang="en-US" smtClean="0"/>
-              <a:t>8/1/2025</a:t>
+              <a:t>8/9/2025</a:t>
             </a:fld>
             <a:endParaRPr lang="en-US"/>
           </a:p>
@@ -2378,7 +2378,7 @@
           <a:p>
             <a:fld id="{BFBBFCFE-809B-4AE5-92DC-0D51595F6FEA}" type="datetimeFigureOut">
               <a:rPr lang="en-US" smtClean="0"/>
-              <a:t>8/1/2025</a:t>
+              <a:t>8/9/2025</a:t>
             </a:fld>
             <a:endParaRPr lang="en-US"/>
           </a:p>
@@ -2591,7 +2591,7 @@
           <a:p>
             <a:fld id="{BFBBFCFE-809B-4AE5-92DC-0D51595F6FEA}" type="datetimeFigureOut">
               <a:rPr lang="en-US" smtClean="0"/>
-              <a:t>8/1/2025</a:t>
+              <a:t>8/9/2025</a:t>
             </a:fld>
             <a:endParaRPr lang="en-US"/>
           </a:p>
@@ -9041,765 +9041,786 @@
           <a:chExt cx="0" cy="0"/>
         </a:xfrm>
       </p:grpSpPr>
-      <p:sp>
-        <p:nvSpPr>
-          <p:cNvPr id="48" name="TextBox 47">
+      <p:grpSp>
+        <p:nvGrpSpPr>
+          <p:cNvPr id="76" name="Group 75">
             <a:extLst>
               <a:ext uri="{FF2B5EF4-FFF2-40B4-BE49-F238E27FC236}">
-                <a16:creationId xmlns:a16="http://schemas.microsoft.com/office/drawing/2014/main" id="{05C9876A-2E69-C88B-C9FB-79FDD326E7D1}"/>
+                <a16:creationId xmlns:a16="http://schemas.microsoft.com/office/drawing/2014/main" id="{55E96B22-9DE1-B1B9-1E52-301154EC25FB}"/>
               </a:ext>
             </a:extLst>
           </p:cNvPr>
-          <p:cNvSpPr txBox="1"/>
+          <p:cNvGrpSpPr/>
           <p:nvPr/>
-        </p:nvSpPr>
-        <p:spPr>
-          <a:xfrm flipH="1">
-            <a:off x="1211918" y="1010121"/>
-            <a:ext cx="4626103" cy="338554"/>
-          </a:xfrm>
-          <a:prstGeom prst="rect">
-            <a:avLst/>
-          </a:prstGeom>
-          <a:noFill/>
-        </p:spPr>
-        <p:txBody>
-          <a:bodyPr wrap="square" rtlCol="0">
-            <a:spAutoFit/>
-          </a:bodyPr>
-          <a:lstStyle/>
-          <a:p>
-            <a:pPr algn="ctr"/>
-            <a:r>
-              <a:rPr lang="en-US" sz="1600" dirty="0" err="1"/>
-              <a:t>Uv</a:t>
-            </a:r>
-            <a:r>
-              <a:rPr lang="en-US" sz="1600" dirty="0"/>
-              <a:t> Features in pictures</a:t>
-            </a:r>
-          </a:p>
-        </p:txBody>
-      </p:sp>
-      <p:sp>
-        <p:nvSpPr>
-          <p:cNvPr id="61" name="Rectangle 60">
-            <a:extLst>
-              <a:ext uri="{FF2B5EF4-FFF2-40B4-BE49-F238E27FC236}">
-                <a16:creationId xmlns:a16="http://schemas.microsoft.com/office/drawing/2014/main" id="{142101F3-32C8-70D2-59F8-EC2449007F00}"/>
-              </a:ext>
-            </a:extLst>
-          </p:cNvPr>
-          <p:cNvSpPr/>
-          <p:nvPr/>
-        </p:nvSpPr>
-        <p:spPr>
+        </p:nvGrpSpPr>
+        <p:grpSpPr>
           <a:xfrm>
             <a:off x="327194" y="832513"/>
             <a:ext cx="6237379" cy="5038898"/>
-          </a:xfrm>
-          <a:prstGeom prst="rect">
-            <a:avLst/>
-          </a:prstGeom>
-          <a:noFill/>
-        </p:spPr>
-        <p:style>
-          <a:lnRef idx="2">
-            <a:schemeClr val="accent1">
-              <a:shade val="15000"/>
-            </a:schemeClr>
-          </a:lnRef>
-          <a:fillRef idx="1">
-            <a:schemeClr val="accent1"/>
-          </a:fillRef>
-          <a:effectRef idx="0">
-            <a:schemeClr val="accent1"/>
-          </a:effectRef>
-          <a:fontRef idx="minor">
-            <a:schemeClr val="lt1"/>
-          </a:fontRef>
-        </p:style>
-        <p:txBody>
-          <a:bodyPr rtlCol="0" anchor="ctr"/>
-          <a:lstStyle/>
-          <a:p>
-            <a:pPr algn="ctr"/>
-            <a:endParaRPr lang="en-US" sz="1400" dirty="0">
-              <a:solidFill>
-                <a:schemeClr val="tx1"/>
-              </a:solidFill>
-            </a:endParaRPr>
-          </a:p>
-        </p:txBody>
-      </p:sp>
-      <p:sp>
-        <p:nvSpPr>
-          <p:cNvPr id="34" name="Rectangle 33">
-            <a:extLst>
-              <a:ext uri="{FF2B5EF4-FFF2-40B4-BE49-F238E27FC236}">
-                <a16:creationId xmlns:a16="http://schemas.microsoft.com/office/drawing/2014/main" id="{EC89A492-E03B-15D6-AF09-212A4D4E14C0}"/>
-              </a:ext>
-            </a:extLst>
-          </p:cNvPr>
-          <p:cNvSpPr/>
-          <p:nvPr/>
-        </p:nvSpPr>
-        <p:spPr>
-          <a:xfrm>
-            <a:off x="1211918" y="2720759"/>
-            <a:ext cx="893329" cy="546198"/>
-          </a:xfrm>
-          <a:prstGeom prst="rect">
-            <a:avLst/>
-          </a:prstGeom>
-          <a:noFill/>
-        </p:spPr>
-        <p:style>
-          <a:lnRef idx="2">
-            <a:schemeClr val="accent1">
-              <a:shade val="15000"/>
-            </a:schemeClr>
-          </a:lnRef>
-          <a:fillRef idx="1">
-            <a:schemeClr val="accent1"/>
-          </a:fillRef>
-          <a:effectRef idx="0">
-            <a:schemeClr val="accent1"/>
-          </a:effectRef>
-          <a:fontRef idx="minor">
-            <a:schemeClr val="lt1"/>
-          </a:fontRef>
-        </p:style>
-        <p:txBody>
-          <a:bodyPr rtlCol="0" anchor="ctr"/>
-          <a:lstStyle/>
-          <a:p>
-            <a:pPr algn="ctr"/>
-            <a:r>
-              <a:rPr lang="en-US" sz="1050" dirty="0" err="1">
+            <a:chOff x="327194" y="832513"/>
+            <a:chExt cx="6237379" cy="5038898"/>
+          </a:xfrm>
+        </p:grpSpPr>
+        <p:sp>
+          <p:nvSpPr>
+            <p:cNvPr id="48" name="TextBox 47">
+              <a:extLst>
+                <a:ext uri="{FF2B5EF4-FFF2-40B4-BE49-F238E27FC236}">
+                  <a16:creationId xmlns:a16="http://schemas.microsoft.com/office/drawing/2014/main" id="{05C9876A-2E69-C88B-C9FB-79FDD326E7D1}"/>
+                </a:ext>
+              </a:extLst>
+            </p:cNvPr>
+            <p:cNvSpPr txBox="1"/>
+            <p:nvPr/>
+          </p:nvSpPr>
+          <p:spPr>
+            <a:xfrm flipH="1">
+              <a:off x="1211918" y="1010121"/>
+              <a:ext cx="4626103" cy="338554"/>
+            </a:xfrm>
+            <a:prstGeom prst="rect">
+              <a:avLst/>
+            </a:prstGeom>
+            <a:noFill/>
+          </p:spPr>
+          <p:txBody>
+            <a:bodyPr wrap="square" rtlCol="0">
+              <a:spAutoFit/>
+            </a:bodyPr>
+            <a:lstStyle/>
+            <a:p>
+              <a:pPr algn="ctr"/>
+              <a:r>
+                <a:rPr lang="en-US" sz="1600" dirty="0" err="1"/>
+                <a:t>Uv</a:t>
+              </a:r>
+              <a:r>
+                <a:rPr lang="en-US" sz="1600" dirty="0"/>
+                <a:t> Features in pictures</a:t>
+              </a:r>
+            </a:p>
+          </p:txBody>
+        </p:sp>
+        <p:sp>
+          <p:nvSpPr>
+            <p:cNvPr id="61" name="Rectangle 60">
+              <a:extLst>
+                <a:ext uri="{FF2B5EF4-FFF2-40B4-BE49-F238E27FC236}">
+                  <a16:creationId xmlns:a16="http://schemas.microsoft.com/office/drawing/2014/main" id="{142101F3-32C8-70D2-59F8-EC2449007F00}"/>
+                </a:ext>
+              </a:extLst>
+            </p:cNvPr>
+            <p:cNvSpPr/>
+            <p:nvPr/>
+          </p:nvSpPr>
+          <p:spPr>
+            <a:xfrm>
+              <a:off x="327194" y="832513"/>
+              <a:ext cx="6237379" cy="5038898"/>
+            </a:xfrm>
+            <a:prstGeom prst="rect">
+              <a:avLst/>
+            </a:prstGeom>
+            <a:noFill/>
+          </p:spPr>
+          <p:style>
+            <a:lnRef idx="2">
+              <a:schemeClr val="accent1">
+                <a:shade val="15000"/>
+              </a:schemeClr>
+            </a:lnRef>
+            <a:fillRef idx="1">
+              <a:schemeClr val="accent1"/>
+            </a:fillRef>
+            <a:effectRef idx="0">
+              <a:schemeClr val="accent1"/>
+            </a:effectRef>
+            <a:fontRef idx="minor">
+              <a:schemeClr val="lt1"/>
+            </a:fontRef>
+          </p:style>
+          <p:txBody>
+            <a:bodyPr rtlCol="0" anchor="ctr"/>
+            <a:lstStyle/>
+            <a:p>
+              <a:pPr algn="ctr"/>
+              <a:endParaRPr lang="en-US" sz="1400" dirty="0">
                 <a:solidFill>
                   <a:schemeClr val="tx1"/>
                 </a:solidFill>
-              </a:rPr>
-              <a:t>Uv</a:t>
-            </a:r>
-            <a:endParaRPr lang="en-US" sz="1050" dirty="0">
-              <a:solidFill>
-                <a:schemeClr val="tx1"/>
-              </a:solidFill>
-            </a:endParaRPr>
-          </a:p>
-          <a:p>
-            <a:pPr algn="ctr"/>
-            <a:r>
-              <a:rPr lang="en-US" sz="1050" dirty="0">
+              </a:endParaRPr>
+            </a:p>
+          </p:txBody>
+        </p:sp>
+        <p:sp>
+          <p:nvSpPr>
+            <p:cNvPr id="34" name="Rectangle 33">
+              <a:extLst>
+                <a:ext uri="{FF2B5EF4-FFF2-40B4-BE49-F238E27FC236}">
+                  <a16:creationId xmlns:a16="http://schemas.microsoft.com/office/drawing/2014/main" id="{EC89A492-E03B-15D6-AF09-212A4D4E14C0}"/>
+                </a:ext>
+              </a:extLst>
+            </p:cNvPr>
+            <p:cNvSpPr/>
+            <p:nvPr/>
+          </p:nvSpPr>
+          <p:spPr>
+            <a:xfrm>
+              <a:off x="1211918" y="2720759"/>
+              <a:ext cx="893329" cy="546198"/>
+            </a:xfrm>
+            <a:prstGeom prst="rect">
+              <a:avLst/>
+            </a:prstGeom>
+            <a:noFill/>
+          </p:spPr>
+          <p:style>
+            <a:lnRef idx="2">
+              <a:schemeClr val="accent1">
+                <a:shade val="15000"/>
+              </a:schemeClr>
+            </a:lnRef>
+            <a:fillRef idx="1">
+              <a:schemeClr val="accent1"/>
+            </a:fillRef>
+            <a:effectRef idx="0">
+              <a:schemeClr val="accent1"/>
+            </a:effectRef>
+            <a:fontRef idx="minor">
+              <a:schemeClr val="lt1"/>
+            </a:fontRef>
+          </p:style>
+          <p:txBody>
+            <a:bodyPr rtlCol="0" anchor="ctr"/>
+            <a:lstStyle/>
+            <a:p>
+              <a:pPr algn="ctr"/>
+              <a:r>
+                <a:rPr lang="en-US" sz="1050" dirty="0" err="1">
+                  <a:solidFill>
+                    <a:schemeClr val="tx1"/>
+                  </a:solidFill>
+                </a:rPr>
+                <a:t>Uv</a:t>
+              </a:r>
+              <a:endParaRPr lang="en-US" sz="1050" dirty="0">
                 <a:solidFill>
                   <a:schemeClr val="tx1"/>
                 </a:solidFill>
-              </a:rPr>
-              <a:t>(Executable)</a:t>
-            </a:r>
-          </a:p>
-        </p:txBody>
-      </p:sp>
-      <p:sp>
-        <p:nvSpPr>
-          <p:cNvPr id="39" name="Rectangle 38">
-            <a:extLst>
-              <a:ext uri="{FF2B5EF4-FFF2-40B4-BE49-F238E27FC236}">
-                <a16:creationId xmlns:a16="http://schemas.microsoft.com/office/drawing/2014/main" id="{A569F8FB-EDE4-C367-189A-F868B4C578D0}"/>
-              </a:ext>
-            </a:extLst>
-          </p:cNvPr>
-          <p:cNvSpPr/>
-          <p:nvPr/>
-        </p:nvSpPr>
-        <p:spPr>
-          <a:xfrm>
-            <a:off x="3232297" y="1753404"/>
-            <a:ext cx="1198885" cy="338554"/>
-          </a:xfrm>
-          <a:prstGeom prst="rect">
-            <a:avLst/>
-          </a:prstGeom>
-          <a:noFill/>
-        </p:spPr>
-        <p:style>
-          <a:lnRef idx="2">
-            <a:schemeClr val="accent1">
-              <a:shade val="15000"/>
-            </a:schemeClr>
-          </a:lnRef>
-          <a:fillRef idx="1">
-            <a:schemeClr val="accent1"/>
-          </a:fillRef>
-          <a:effectRef idx="0">
-            <a:schemeClr val="accent1"/>
-          </a:effectRef>
-          <a:fontRef idx="minor">
-            <a:schemeClr val="lt1"/>
-          </a:fontRef>
-        </p:style>
-        <p:txBody>
-          <a:bodyPr rtlCol="0" anchor="ctr"/>
-          <a:lstStyle/>
-          <a:p>
-            <a:pPr algn="ctr"/>
-            <a:r>
-              <a:rPr lang="en-US" sz="1050" dirty="0">
+              </a:endParaRPr>
+            </a:p>
+            <a:p>
+              <a:pPr algn="ctr"/>
+              <a:r>
+                <a:rPr lang="en-US" sz="1050" dirty="0">
+                  <a:solidFill>
+                    <a:schemeClr val="tx1"/>
+                  </a:solidFill>
+                </a:rPr>
+                <a:t>(Executable)</a:t>
+              </a:r>
+            </a:p>
+          </p:txBody>
+        </p:sp>
+        <p:sp>
+          <p:nvSpPr>
+            <p:cNvPr id="39" name="Rectangle 38">
+              <a:extLst>
+                <a:ext uri="{FF2B5EF4-FFF2-40B4-BE49-F238E27FC236}">
+                  <a16:creationId xmlns:a16="http://schemas.microsoft.com/office/drawing/2014/main" id="{A569F8FB-EDE4-C367-189A-F868B4C578D0}"/>
+                </a:ext>
+              </a:extLst>
+            </p:cNvPr>
+            <p:cNvSpPr/>
+            <p:nvPr/>
+          </p:nvSpPr>
+          <p:spPr>
+            <a:xfrm>
+              <a:off x="3232297" y="1753404"/>
+              <a:ext cx="1198885" cy="338554"/>
+            </a:xfrm>
+            <a:prstGeom prst="rect">
+              <a:avLst/>
+            </a:prstGeom>
+            <a:noFill/>
+          </p:spPr>
+          <p:style>
+            <a:lnRef idx="2">
+              <a:schemeClr val="accent1">
+                <a:shade val="15000"/>
+              </a:schemeClr>
+            </a:lnRef>
+            <a:fillRef idx="1">
+              <a:schemeClr val="accent1"/>
+            </a:fillRef>
+            <a:effectRef idx="0">
+              <a:schemeClr val="accent1"/>
+            </a:effectRef>
+            <a:fontRef idx="minor">
+              <a:schemeClr val="lt1"/>
+            </a:fontRef>
+          </p:style>
+          <p:txBody>
+            <a:bodyPr rtlCol="0" anchor="ctr"/>
+            <a:lstStyle/>
+            <a:p>
+              <a:pPr algn="ctr"/>
+              <a:r>
+                <a:rPr lang="en-US" sz="1050" dirty="0">
+                  <a:solidFill>
+                    <a:schemeClr val="tx1"/>
+                  </a:solidFill>
+                </a:rPr>
+                <a:t>Install Python</a:t>
+              </a:r>
+            </a:p>
+          </p:txBody>
+        </p:sp>
+        <p:sp>
+          <p:nvSpPr>
+            <p:cNvPr id="41" name="Rectangle 40">
+              <a:extLst>
+                <a:ext uri="{FF2B5EF4-FFF2-40B4-BE49-F238E27FC236}">
+                  <a16:creationId xmlns:a16="http://schemas.microsoft.com/office/drawing/2014/main" id="{1505B487-721A-0237-3FF7-ED20E82D9D49}"/>
+                </a:ext>
+              </a:extLst>
+            </p:cNvPr>
+            <p:cNvSpPr/>
+            <p:nvPr/>
+          </p:nvSpPr>
+          <p:spPr>
+            <a:xfrm>
+              <a:off x="3232295" y="2215649"/>
+              <a:ext cx="1198885" cy="338554"/>
+            </a:xfrm>
+            <a:prstGeom prst="rect">
+              <a:avLst/>
+            </a:prstGeom>
+            <a:noFill/>
+          </p:spPr>
+          <p:style>
+            <a:lnRef idx="2">
+              <a:schemeClr val="accent1">
+                <a:shade val="15000"/>
+              </a:schemeClr>
+            </a:lnRef>
+            <a:fillRef idx="1">
+              <a:schemeClr val="accent1"/>
+            </a:fillRef>
+            <a:effectRef idx="0">
+              <a:schemeClr val="accent1"/>
+            </a:effectRef>
+            <a:fontRef idx="minor">
+              <a:schemeClr val="lt1"/>
+            </a:fontRef>
+          </p:style>
+          <p:txBody>
+            <a:bodyPr rtlCol="0" anchor="ctr"/>
+            <a:lstStyle/>
+            <a:p>
+              <a:pPr algn="ctr"/>
+              <a:r>
+                <a:rPr lang="en-US" sz="1050" dirty="0">
+                  <a:solidFill>
+                    <a:schemeClr val="tx1"/>
+                  </a:solidFill>
+                </a:rPr>
+                <a:t>Install libs</a:t>
+              </a:r>
+            </a:p>
+          </p:txBody>
+        </p:sp>
+        <p:sp>
+          <p:nvSpPr>
+            <p:cNvPr id="43" name="Rectangle 42">
+              <a:extLst>
+                <a:ext uri="{FF2B5EF4-FFF2-40B4-BE49-F238E27FC236}">
+                  <a16:creationId xmlns:a16="http://schemas.microsoft.com/office/drawing/2014/main" id="{DA547158-C51C-5555-97A0-DC769F5A8A96}"/>
+                </a:ext>
+              </a:extLst>
+            </p:cNvPr>
+            <p:cNvSpPr/>
+            <p:nvPr/>
+          </p:nvSpPr>
+          <p:spPr>
+            <a:xfrm>
+              <a:off x="3232295" y="2655304"/>
+              <a:ext cx="1198885" cy="338554"/>
+            </a:xfrm>
+            <a:prstGeom prst="rect">
+              <a:avLst/>
+            </a:prstGeom>
+            <a:noFill/>
+          </p:spPr>
+          <p:style>
+            <a:lnRef idx="2">
+              <a:schemeClr val="accent1">
+                <a:shade val="15000"/>
+              </a:schemeClr>
+            </a:lnRef>
+            <a:fillRef idx="1">
+              <a:schemeClr val="accent1"/>
+            </a:fillRef>
+            <a:effectRef idx="0">
+              <a:schemeClr val="accent1"/>
+            </a:effectRef>
+            <a:fontRef idx="minor">
+              <a:schemeClr val="lt1"/>
+            </a:fontRef>
+          </p:style>
+          <p:txBody>
+            <a:bodyPr rtlCol="0" anchor="ctr"/>
+            <a:lstStyle/>
+            <a:p>
+              <a:pPr algn="ctr"/>
+              <a:r>
+                <a:rPr lang="en-US" sz="1050" dirty="0">
+                  <a:solidFill>
+                    <a:schemeClr val="tx1"/>
+                  </a:solidFill>
+                </a:rPr>
+                <a:t>Run .</a:t>
+              </a:r>
+              <a:r>
+                <a:rPr lang="en-US" sz="1050" dirty="0" err="1">
+                  <a:solidFill>
+                    <a:schemeClr val="tx1"/>
+                  </a:solidFill>
+                </a:rPr>
+                <a:t>py</a:t>
+              </a:r>
+              <a:r>
+                <a:rPr lang="en-US" sz="1050" dirty="0">
+                  <a:solidFill>
+                    <a:schemeClr val="tx1"/>
+                  </a:solidFill>
+                </a:rPr>
+                <a:t> scripts</a:t>
+              </a:r>
+            </a:p>
+          </p:txBody>
+        </p:sp>
+        <p:sp>
+          <p:nvSpPr>
+            <p:cNvPr id="46" name="Rectangle 45">
+              <a:extLst>
+                <a:ext uri="{FF2B5EF4-FFF2-40B4-BE49-F238E27FC236}">
+                  <a16:creationId xmlns:a16="http://schemas.microsoft.com/office/drawing/2014/main" id="{FFF75CB2-D92D-A3DF-BCC0-CB9F14B1E87E}"/>
+                </a:ext>
+              </a:extLst>
+            </p:cNvPr>
+            <p:cNvSpPr/>
+            <p:nvPr/>
+          </p:nvSpPr>
+          <p:spPr>
+            <a:xfrm>
+              <a:off x="3232294" y="3153766"/>
+              <a:ext cx="1198885" cy="338554"/>
+            </a:xfrm>
+            <a:prstGeom prst="rect">
+              <a:avLst/>
+            </a:prstGeom>
+            <a:noFill/>
+          </p:spPr>
+          <p:style>
+            <a:lnRef idx="2">
+              <a:schemeClr val="accent1">
+                <a:shade val="15000"/>
+              </a:schemeClr>
+            </a:lnRef>
+            <a:fillRef idx="1">
+              <a:schemeClr val="accent1"/>
+            </a:fillRef>
+            <a:effectRef idx="0">
+              <a:schemeClr val="accent1"/>
+            </a:effectRef>
+            <a:fontRef idx="minor">
+              <a:schemeClr val="lt1"/>
+            </a:fontRef>
+          </p:style>
+          <p:txBody>
+            <a:bodyPr rtlCol="0" anchor="ctr"/>
+            <a:lstStyle/>
+            <a:p>
+              <a:pPr algn="ctr"/>
+              <a:r>
+                <a:rPr lang="en-US" sz="1050" dirty="0">
+                  <a:solidFill>
+                    <a:schemeClr val="tx1"/>
+                  </a:solidFill>
+                </a:rPr>
+                <a:t>Manage Projects</a:t>
+              </a:r>
+            </a:p>
+          </p:txBody>
+        </p:sp>
+        <p:sp>
+          <p:nvSpPr>
+            <p:cNvPr id="50" name="Rectangle 49">
+              <a:extLst>
+                <a:ext uri="{FF2B5EF4-FFF2-40B4-BE49-F238E27FC236}">
+                  <a16:creationId xmlns:a16="http://schemas.microsoft.com/office/drawing/2014/main" id="{E794498E-8F88-DFE5-C2EB-D1A0C9C4712A}"/>
+                </a:ext>
+              </a:extLst>
+            </p:cNvPr>
+            <p:cNvSpPr/>
+            <p:nvPr/>
+          </p:nvSpPr>
+          <p:spPr>
+            <a:xfrm>
+              <a:off x="3232293" y="3703139"/>
+              <a:ext cx="1198885" cy="790251"/>
+            </a:xfrm>
+            <a:prstGeom prst="rect">
+              <a:avLst/>
+            </a:prstGeom>
+            <a:noFill/>
+          </p:spPr>
+          <p:style>
+            <a:lnRef idx="2">
+              <a:schemeClr val="accent1">
+                <a:shade val="15000"/>
+              </a:schemeClr>
+            </a:lnRef>
+            <a:fillRef idx="1">
+              <a:schemeClr val="accent1"/>
+            </a:fillRef>
+            <a:effectRef idx="0">
+              <a:schemeClr val="accent1"/>
+            </a:effectRef>
+            <a:fontRef idx="minor">
+              <a:schemeClr val="lt1"/>
+            </a:fontRef>
+          </p:style>
+          <p:txBody>
+            <a:bodyPr rtlCol="0" anchor="ctr"/>
+            <a:lstStyle/>
+            <a:p>
+              <a:pPr algn="ctr"/>
+              <a:r>
+                <a:rPr lang="en-US" sz="1050" dirty="0">
+                  <a:solidFill>
+                    <a:schemeClr val="tx1"/>
+                  </a:solidFill>
+                </a:rPr>
+                <a:t>Run public </a:t>
+              </a:r>
+              <a:r>
+                <a:rPr lang="en-US" sz="1050" dirty="0" err="1">
+                  <a:solidFill>
+                    <a:schemeClr val="tx1"/>
+                  </a:solidFill>
+                </a:rPr>
+                <a:t>probrams</a:t>
+              </a:r>
+              <a:endParaRPr lang="en-US" sz="1050" dirty="0">
                 <a:solidFill>
                   <a:schemeClr val="tx1"/>
                 </a:solidFill>
-              </a:rPr>
-              <a:t>Install Python</a:t>
-            </a:r>
-          </a:p>
-        </p:txBody>
-      </p:sp>
-      <p:sp>
-        <p:nvSpPr>
-          <p:cNvPr id="41" name="Rectangle 40">
-            <a:extLst>
-              <a:ext uri="{FF2B5EF4-FFF2-40B4-BE49-F238E27FC236}">
-                <a16:creationId xmlns:a16="http://schemas.microsoft.com/office/drawing/2014/main" id="{1505B487-721A-0237-3FF7-ED20E82D9D49}"/>
-              </a:ext>
-            </a:extLst>
-          </p:cNvPr>
-          <p:cNvSpPr/>
-          <p:nvPr/>
-        </p:nvSpPr>
-        <p:spPr>
-          <a:xfrm>
-            <a:off x="3232295" y="2215649"/>
-            <a:ext cx="1198885" cy="338554"/>
-          </a:xfrm>
-          <a:prstGeom prst="rect">
-            <a:avLst/>
-          </a:prstGeom>
-          <a:noFill/>
-        </p:spPr>
-        <p:style>
-          <a:lnRef idx="2">
-            <a:schemeClr val="accent1">
-              <a:shade val="15000"/>
-            </a:schemeClr>
-          </a:lnRef>
-          <a:fillRef idx="1">
-            <a:schemeClr val="accent1"/>
-          </a:fillRef>
-          <a:effectRef idx="0">
-            <a:schemeClr val="accent1"/>
-          </a:effectRef>
-          <a:fontRef idx="minor">
-            <a:schemeClr val="lt1"/>
-          </a:fontRef>
-        </p:style>
-        <p:txBody>
-          <a:bodyPr rtlCol="0" anchor="ctr"/>
-          <a:lstStyle/>
-          <a:p>
-            <a:pPr algn="ctr"/>
-            <a:r>
-              <a:rPr lang="en-US" sz="1050" dirty="0">
-                <a:solidFill>
-                  <a:schemeClr val="tx1"/>
-                </a:solidFill>
-              </a:rPr>
-              <a:t>Install libs</a:t>
-            </a:r>
-          </a:p>
-        </p:txBody>
-      </p:sp>
-      <p:sp>
-        <p:nvSpPr>
-          <p:cNvPr id="43" name="Rectangle 42">
-            <a:extLst>
-              <a:ext uri="{FF2B5EF4-FFF2-40B4-BE49-F238E27FC236}">
-                <a16:creationId xmlns:a16="http://schemas.microsoft.com/office/drawing/2014/main" id="{DA547158-C51C-5555-97A0-DC769F5A8A96}"/>
-              </a:ext>
-            </a:extLst>
-          </p:cNvPr>
-          <p:cNvSpPr/>
-          <p:nvPr/>
-        </p:nvSpPr>
-        <p:spPr>
-          <a:xfrm>
-            <a:off x="3232295" y="2655304"/>
-            <a:ext cx="1198885" cy="338554"/>
-          </a:xfrm>
-          <a:prstGeom prst="rect">
-            <a:avLst/>
-          </a:prstGeom>
-          <a:noFill/>
-        </p:spPr>
-        <p:style>
-          <a:lnRef idx="2">
-            <a:schemeClr val="accent1">
-              <a:shade val="15000"/>
-            </a:schemeClr>
-          </a:lnRef>
-          <a:fillRef idx="1">
-            <a:schemeClr val="accent1"/>
-          </a:fillRef>
-          <a:effectRef idx="0">
-            <a:schemeClr val="accent1"/>
-          </a:effectRef>
-          <a:fontRef idx="minor">
-            <a:schemeClr val="lt1"/>
-          </a:fontRef>
-        </p:style>
-        <p:txBody>
-          <a:bodyPr rtlCol="0" anchor="ctr"/>
-          <a:lstStyle/>
-          <a:p>
-            <a:pPr algn="ctr"/>
-            <a:r>
-              <a:rPr lang="en-US" sz="1050" dirty="0">
-                <a:solidFill>
-                  <a:schemeClr val="tx1"/>
-                </a:solidFill>
-              </a:rPr>
-              <a:t>Run .</a:t>
-            </a:r>
-            <a:r>
-              <a:rPr lang="en-US" sz="1050" dirty="0" err="1">
-                <a:solidFill>
-                  <a:schemeClr val="tx1"/>
-                </a:solidFill>
-              </a:rPr>
-              <a:t>py</a:t>
-            </a:r>
-            <a:r>
-              <a:rPr lang="en-US" sz="1050" dirty="0">
-                <a:solidFill>
-                  <a:schemeClr val="tx1"/>
-                </a:solidFill>
-              </a:rPr>
-              <a:t> scripts</a:t>
-            </a:r>
-          </a:p>
-        </p:txBody>
-      </p:sp>
-      <p:sp>
-        <p:nvSpPr>
-          <p:cNvPr id="46" name="Rectangle 45">
-            <a:extLst>
-              <a:ext uri="{FF2B5EF4-FFF2-40B4-BE49-F238E27FC236}">
-                <a16:creationId xmlns:a16="http://schemas.microsoft.com/office/drawing/2014/main" id="{FFF75CB2-D92D-A3DF-BCC0-CB9F14B1E87E}"/>
-              </a:ext>
-            </a:extLst>
-          </p:cNvPr>
-          <p:cNvSpPr/>
-          <p:nvPr/>
-        </p:nvSpPr>
-        <p:spPr>
-          <a:xfrm>
-            <a:off x="3232294" y="3153766"/>
-            <a:ext cx="1198885" cy="338554"/>
-          </a:xfrm>
-          <a:prstGeom prst="rect">
-            <a:avLst/>
-          </a:prstGeom>
-          <a:noFill/>
-        </p:spPr>
-        <p:style>
-          <a:lnRef idx="2">
-            <a:schemeClr val="accent1">
-              <a:shade val="15000"/>
-            </a:schemeClr>
-          </a:lnRef>
-          <a:fillRef idx="1">
-            <a:schemeClr val="accent1"/>
-          </a:fillRef>
-          <a:effectRef idx="0">
-            <a:schemeClr val="accent1"/>
-          </a:effectRef>
-          <a:fontRef idx="minor">
-            <a:schemeClr val="lt1"/>
-          </a:fontRef>
-        </p:style>
-        <p:txBody>
-          <a:bodyPr rtlCol="0" anchor="ctr"/>
-          <a:lstStyle/>
-          <a:p>
-            <a:pPr algn="ctr"/>
-            <a:r>
-              <a:rPr lang="en-US" sz="1050" dirty="0">
-                <a:solidFill>
-                  <a:schemeClr val="tx1"/>
-                </a:solidFill>
-              </a:rPr>
-              <a:t>Manage Projects</a:t>
-            </a:r>
-          </a:p>
-        </p:txBody>
-      </p:sp>
-      <p:sp>
-        <p:nvSpPr>
-          <p:cNvPr id="50" name="Rectangle 49">
-            <a:extLst>
-              <a:ext uri="{FF2B5EF4-FFF2-40B4-BE49-F238E27FC236}">
-                <a16:creationId xmlns:a16="http://schemas.microsoft.com/office/drawing/2014/main" id="{E794498E-8F88-DFE5-C2EB-D1A0C9C4712A}"/>
-              </a:ext>
-            </a:extLst>
-          </p:cNvPr>
-          <p:cNvSpPr/>
-          <p:nvPr/>
-        </p:nvSpPr>
-        <p:spPr>
-          <a:xfrm>
-            <a:off x="3232293" y="3703139"/>
-            <a:ext cx="1198885" cy="790251"/>
-          </a:xfrm>
-          <a:prstGeom prst="rect">
-            <a:avLst/>
-          </a:prstGeom>
-          <a:noFill/>
-        </p:spPr>
-        <p:style>
-          <a:lnRef idx="2">
-            <a:schemeClr val="accent1">
-              <a:shade val="15000"/>
-            </a:schemeClr>
-          </a:lnRef>
-          <a:fillRef idx="1">
-            <a:schemeClr val="accent1"/>
-          </a:fillRef>
-          <a:effectRef idx="0">
-            <a:schemeClr val="accent1"/>
-          </a:effectRef>
-          <a:fontRef idx="minor">
-            <a:schemeClr val="lt1"/>
-          </a:fontRef>
-        </p:style>
-        <p:txBody>
-          <a:bodyPr rtlCol="0" anchor="ctr"/>
-          <a:lstStyle/>
-          <a:p>
-            <a:pPr algn="ctr"/>
-            <a:r>
-              <a:rPr lang="en-US" sz="1050" dirty="0">
-                <a:solidFill>
-                  <a:schemeClr val="tx1"/>
-                </a:solidFill>
-              </a:rPr>
-              <a:t>Run public </a:t>
-            </a:r>
-            <a:r>
-              <a:rPr lang="en-US" sz="1050" dirty="0" err="1">
-                <a:solidFill>
-                  <a:schemeClr val="tx1"/>
-                </a:solidFill>
-              </a:rPr>
-              <a:t>probrams</a:t>
-            </a:r>
-            <a:endParaRPr lang="en-US" sz="1050" dirty="0">
-              <a:solidFill>
-                <a:schemeClr val="tx1"/>
-              </a:solidFill>
-            </a:endParaRPr>
-          </a:p>
-          <a:p>
-            <a:pPr algn="ctr"/>
-            <a:r>
-              <a:rPr lang="en-US" sz="1050" dirty="0">
-                <a:solidFill>
-                  <a:schemeClr val="tx1"/>
-                </a:solidFill>
-              </a:rPr>
-              <a:t>With temp installs</a:t>
-            </a:r>
-          </a:p>
-          <a:p>
-            <a:pPr algn="ctr"/>
-            <a:r>
-              <a:rPr lang="en-US" sz="1050" dirty="0">
-                <a:solidFill>
-                  <a:schemeClr val="tx1"/>
-                </a:solidFill>
-              </a:rPr>
-              <a:t>(</a:t>
-            </a:r>
-            <a:r>
-              <a:rPr lang="en-US" sz="1050" dirty="0" err="1">
-                <a:solidFill>
-                  <a:schemeClr val="tx1"/>
-                </a:solidFill>
-              </a:rPr>
-              <a:t>uvx</a:t>
-            </a:r>
-            <a:r>
-              <a:rPr lang="en-US" sz="1050" dirty="0">
-                <a:solidFill>
-                  <a:schemeClr val="tx1"/>
-                </a:solidFill>
-              </a:rPr>
-              <a:t>)</a:t>
-            </a:r>
-          </a:p>
-        </p:txBody>
-      </p:sp>
-      <p:cxnSp>
-        <p:nvCxnSpPr>
-          <p:cNvPr id="53" name="Straight Arrow Connector 52">
-            <a:extLst>
-              <a:ext uri="{FF2B5EF4-FFF2-40B4-BE49-F238E27FC236}">
-                <a16:creationId xmlns:a16="http://schemas.microsoft.com/office/drawing/2014/main" id="{39D816BD-CC9F-D997-986F-A556F913E34A}"/>
-              </a:ext>
-            </a:extLst>
-          </p:cNvPr>
-          <p:cNvCxnSpPr>
-            <a:stCxn id="34" idx="3"/>
-            <a:endCxn id="39" idx="1"/>
-          </p:cNvCxnSpPr>
-          <p:nvPr/>
-        </p:nvCxnSpPr>
-        <p:spPr>
-          <a:xfrm flipV="1">
-            <a:off x="2105247" y="1922681"/>
-            <a:ext cx="1127050" cy="1071177"/>
-          </a:xfrm>
-          <a:prstGeom prst="straightConnector1">
-            <a:avLst/>
-          </a:prstGeom>
-          <a:ln>
-            <a:tailEnd type="triangle"/>
-          </a:ln>
-        </p:spPr>
-        <p:style>
-          <a:lnRef idx="1">
-            <a:schemeClr val="accent1"/>
-          </a:lnRef>
-          <a:fillRef idx="0">
-            <a:schemeClr val="accent1"/>
-          </a:fillRef>
-          <a:effectRef idx="0">
-            <a:schemeClr val="accent1"/>
-          </a:effectRef>
-          <a:fontRef idx="minor">
-            <a:schemeClr val="tx1"/>
-          </a:fontRef>
-        </p:style>
-      </p:cxnSp>
-      <p:cxnSp>
-        <p:nvCxnSpPr>
-          <p:cNvPr id="54" name="Straight Arrow Connector 53">
-            <a:extLst>
-              <a:ext uri="{FF2B5EF4-FFF2-40B4-BE49-F238E27FC236}">
-                <a16:creationId xmlns:a16="http://schemas.microsoft.com/office/drawing/2014/main" id="{20719E94-0A8C-7FAB-0647-A0B9C8FF8EDA}"/>
-              </a:ext>
-            </a:extLst>
-          </p:cNvPr>
-          <p:cNvCxnSpPr>
-            <a:cxnSpLocks/>
-            <a:stCxn id="34" idx="3"/>
-            <a:endCxn id="41" idx="1"/>
-          </p:cNvCxnSpPr>
-          <p:nvPr/>
-        </p:nvCxnSpPr>
-        <p:spPr>
-          <a:xfrm flipV="1">
-            <a:off x="2105247" y="2384926"/>
-            <a:ext cx="1127048" cy="608932"/>
-          </a:xfrm>
-          <a:prstGeom prst="straightConnector1">
-            <a:avLst/>
-          </a:prstGeom>
-          <a:ln>
-            <a:tailEnd type="triangle"/>
-          </a:ln>
-        </p:spPr>
-        <p:style>
-          <a:lnRef idx="1">
-            <a:schemeClr val="accent1"/>
-          </a:lnRef>
-          <a:fillRef idx="0">
-            <a:schemeClr val="accent1"/>
-          </a:fillRef>
-          <a:effectRef idx="0">
-            <a:schemeClr val="accent1"/>
-          </a:effectRef>
-          <a:fontRef idx="minor">
-            <a:schemeClr val="tx1"/>
-          </a:fontRef>
-        </p:style>
-      </p:cxnSp>
-      <p:cxnSp>
-        <p:nvCxnSpPr>
-          <p:cNvPr id="58" name="Straight Arrow Connector 57">
-            <a:extLst>
-              <a:ext uri="{FF2B5EF4-FFF2-40B4-BE49-F238E27FC236}">
-                <a16:creationId xmlns:a16="http://schemas.microsoft.com/office/drawing/2014/main" id="{41CF3686-5D4B-5AE3-D173-04CE14DBA25D}"/>
-              </a:ext>
-            </a:extLst>
-          </p:cNvPr>
-          <p:cNvCxnSpPr>
-            <a:cxnSpLocks/>
-            <a:stCxn id="34" idx="3"/>
-            <a:endCxn id="43" idx="1"/>
-          </p:cNvCxnSpPr>
-          <p:nvPr/>
-        </p:nvCxnSpPr>
-        <p:spPr>
-          <a:xfrm flipV="1">
-            <a:off x="2105247" y="2824581"/>
-            <a:ext cx="1127048" cy="169277"/>
-          </a:xfrm>
-          <a:prstGeom prst="straightConnector1">
-            <a:avLst/>
-          </a:prstGeom>
-          <a:ln>
-            <a:tailEnd type="triangle"/>
-          </a:ln>
-        </p:spPr>
-        <p:style>
-          <a:lnRef idx="1">
-            <a:schemeClr val="accent1"/>
-          </a:lnRef>
-          <a:fillRef idx="0">
-            <a:schemeClr val="accent1"/>
-          </a:fillRef>
-          <a:effectRef idx="0">
-            <a:schemeClr val="accent1"/>
-          </a:effectRef>
-          <a:fontRef idx="minor">
-            <a:schemeClr val="tx1"/>
-          </a:fontRef>
-        </p:style>
-      </p:cxnSp>
-      <p:cxnSp>
-        <p:nvCxnSpPr>
-          <p:cNvPr id="64" name="Straight Arrow Connector 63">
-            <a:extLst>
-              <a:ext uri="{FF2B5EF4-FFF2-40B4-BE49-F238E27FC236}">
-                <a16:creationId xmlns:a16="http://schemas.microsoft.com/office/drawing/2014/main" id="{FB1232F7-2B2B-79C5-8C99-57B821019BB5}"/>
-              </a:ext>
-            </a:extLst>
-          </p:cNvPr>
-          <p:cNvCxnSpPr>
-            <a:cxnSpLocks/>
-            <a:stCxn id="34" idx="3"/>
-            <a:endCxn id="46" idx="1"/>
-          </p:cNvCxnSpPr>
-          <p:nvPr/>
-        </p:nvCxnSpPr>
-        <p:spPr>
-          <a:xfrm>
-            <a:off x="2105247" y="2993858"/>
-            <a:ext cx="1127047" cy="329185"/>
-          </a:xfrm>
-          <a:prstGeom prst="straightConnector1">
-            <a:avLst/>
-          </a:prstGeom>
-          <a:ln>
-            <a:tailEnd type="triangle"/>
-          </a:ln>
-        </p:spPr>
-        <p:style>
-          <a:lnRef idx="1">
-            <a:schemeClr val="accent1"/>
-          </a:lnRef>
-          <a:fillRef idx="0">
-            <a:schemeClr val="accent1"/>
-          </a:fillRef>
-          <a:effectRef idx="0">
-            <a:schemeClr val="accent1"/>
-          </a:effectRef>
-          <a:fontRef idx="minor">
-            <a:schemeClr val="tx1"/>
-          </a:fontRef>
-        </p:style>
-      </p:cxnSp>
-      <p:cxnSp>
-        <p:nvCxnSpPr>
-          <p:cNvPr id="67" name="Straight Arrow Connector 66">
-            <a:extLst>
-              <a:ext uri="{FF2B5EF4-FFF2-40B4-BE49-F238E27FC236}">
-                <a16:creationId xmlns:a16="http://schemas.microsoft.com/office/drawing/2014/main" id="{787C1831-0AB9-B205-C91D-EAF3C69F2976}"/>
-              </a:ext>
-            </a:extLst>
-          </p:cNvPr>
-          <p:cNvCxnSpPr>
-            <a:cxnSpLocks/>
-            <a:stCxn id="34" idx="3"/>
-            <a:endCxn id="50" idx="1"/>
-          </p:cNvCxnSpPr>
-          <p:nvPr/>
-        </p:nvCxnSpPr>
-        <p:spPr>
-          <a:xfrm>
-            <a:off x="2105247" y="2993858"/>
-            <a:ext cx="1127046" cy="1104407"/>
-          </a:xfrm>
-          <a:prstGeom prst="straightConnector1">
-            <a:avLst/>
-          </a:prstGeom>
-          <a:ln>
-            <a:tailEnd type="triangle"/>
-          </a:ln>
-        </p:spPr>
-        <p:style>
-          <a:lnRef idx="1">
-            <a:schemeClr val="accent1"/>
-          </a:lnRef>
-          <a:fillRef idx="0">
-            <a:schemeClr val="accent1"/>
-          </a:fillRef>
-          <a:effectRef idx="0">
-            <a:schemeClr val="accent1"/>
-          </a:effectRef>
-          <a:fontRef idx="minor">
-            <a:schemeClr val="tx1"/>
-          </a:fontRef>
-        </p:style>
-      </p:cxnSp>
-      <p:sp>
-        <p:nvSpPr>
-          <p:cNvPr id="75" name="TextBox 74">
-            <a:extLst>
-              <a:ext uri="{FF2B5EF4-FFF2-40B4-BE49-F238E27FC236}">
-                <a16:creationId xmlns:a16="http://schemas.microsoft.com/office/drawing/2014/main" id="{B593F6E1-75BE-A144-84F1-513536BEF7CE}"/>
-              </a:ext>
-            </a:extLst>
-          </p:cNvPr>
-          <p:cNvSpPr txBox="1"/>
-          <p:nvPr/>
-        </p:nvSpPr>
-        <p:spPr>
-          <a:xfrm flipH="1">
-            <a:off x="1978772" y="4920790"/>
-            <a:ext cx="3092393" cy="523220"/>
-          </a:xfrm>
-          <a:prstGeom prst="rect">
-            <a:avLst/>
-          </a:prstGeom>
-          <a:noFill/>
-        </p:spPr>
-        <p:txBody>
-          <a:bodyPr wrap="square" lIns="0" rIns="0" rtlCol="0">
-            <a:spAutoFit/>
-          </a:bodyPr>
-          <a:lstStyle/>
-          <a:p>
-            <a:pPr algn="ctr"/>
-            <a:r>
-              <a:rPr lang="en-US" sz="1400" dirty="0"/>
-              <a:t>Idea:</a:t>
-            </a:r>
-            <a:br>
-              <a:rPr lang="en-US" sz="1400" dirty="0"/>
-            </a:br>
-            <a:r>
-              <a:rPr lang="en-US" sz="1400" dirty="0" err="1"/>
-              <a:t>uv</a:t>
-            </a:r>
-            <a:r>
-              <a:rPr lang="en-US" sz="1400" dirty="0"/>
-              <a:t> &lt;run-any-thing-you-want&gt;</a:t>
-            </a:r>
-          </a:p>
-        </p:txBody>
-      </p:sp>
+              </a:endParaRPr>
+            </a:p>
+            <a:p>
+              <a:pPr algn="ctr"/>
+              <a:r>
+                <a:rPr lang="en-US" sz="1050" dirty="0">
+                  <a:solidFill>
+                    <a:schemeClr val="tx1"/>
+                  </a:solidFill>
+                </a:rPr>
+                <a:t>With temp installs</a:t>
+              </a:r>
+            </a:p>
+            <a:p>
+              <a:pPr algn="ctr"/>
+              <a:r>
+                <a:rPr lang="en-US" sz="1050" dirty="0">
+                  <a:solidFill>
+                    <a:schemeClr val="tx1"/>
+                  </a:solidFill>
+                </a:rPr>
+                <a:t>(</a:t>
+              </a:r>
+              <a:r>
+                <a:rPr lang="en-US" sz="1050" dirty="0" err="1">
+                  <a:solidFill>
+                    <a:schemeClr val="tx1"/>
+                  </a:solidFill>
+                </a:rPr>
+                <a:t>uvx</a:t>
+              </a:r>
+              <a:r>
+                <a:rPr lang="en-US" sz="1050" dirty="0">
+                  <a:solidFill>
+                    <a:schemeClr val="tx1"/>
+                  </a:solidFill>
+                </a:rPr>
+                <a:t>)</a:t>
+              </a:r>
+            </a:p>
+          </p:txBody>
+        </p:sp>
+        <p:cxnSp>
+          <p:nvCxnSpPr>
+            <p:cNvPr id="53" name="Straight Arrow Connector 52">
+              <a:extLst>
+                <a:ext uri="{FF2B5EF4-FFF2-40B4-BE49-F238E27FC236}">
+                  <a16:creationId xmlns:a16="http://schemas.microsoft.com/office/drawing/2014/main" id="{39D816BD-CC9F-D997-986F-A556F913E34A}"/>
+                </a:ext>
+              </a:extLst>
+            </p:cNvPr>
+            <p:cNvCxnSpPr>
+              <a:stCxn id="34" idx="3"/>
+              <a:endCxn id="39" idx="1"/>
+            </p:cNvCxnSpPr>
+            <p:nvPr/>
+          </p:nvCxnSpPr>
+          <p:spPr>
+            <a:xfrm flipV="1">
+              <a:off x="2105247" y="1922681"/>
+              <a:ext cx="1127050" cy="1071177"/>
+            </a:xfrm>
+            <a:prstGeom prst="straightConnector1">
+              <a:avLst/>
+            </a:prstGeom>
+            <a:ln>
+              <a:tailEnd type="triangle"/>
+            </a:ln>
+          </p:spPr>
+          <p:style>
+            <a:lnRef idx="1">
+              <a:schemeClr val="accent1"/>
+            </a:lnRef>
+            <a:fillRef idx="0">
+              <a:schemeClr val="accent1"/>
+            </a:fillRef>
+            <a:effectRef idx="0">
+              <a:schemeClr val="accent1"/>
+            </a:effectRef>
+            <a:fontRef idx="minor">
+              <a:schemeClr val="tx1"/>
+            </a:fontRef>
+          </p:style>
+        </p:cxnSp>
+        <p:cxnSp>
+          <p:nvCxnSpPr>
+            <p:cNvPr id="54" name="Straight Arrow Connector 53">
+              <a:extLst>
+                <a:ext uri="{FF2B5EF4-FFF2-40B4-BE49-F238E27FC236}">
+                  <a16:creationId xmlns:a16="http://schemas.microsoft.com/office/drawing/2014/main" id="{20719E94-0A8C-7FAB-0647-A0B9C8FF8EDA}"/>
+                </a:ext>
+              </a:extLst>
+            </p:cNvPr>
+            <p:cNvCxnSpPr>
+              <a:cxnSpLocks/>
+              <a:stCxn id="34" idx="3"/>
+              <a:endCxn id="41" idx="1"/>
+            </p:cNvCxnSpPr>
+            <p:nvPr/>
+          </p:nvCxnSpPr>
+          <p:spPr>
+            <a:xfrm flipV="1">
+              <a:off x="2105247" y="2384926"/>
+              <a:ext cx="1127048" cy="608932"/>
+            </a:xfrm>
+            <a:prstGeom prst="straightConnector1">
+              <a:avLst/>
+            </a:prstGeom>
+            <a:ln>
+              <a:tailEnd type="triangle"/>
+            </a:ln>
+          </p:spPr>
+          <p:style>
+            <a:lnRef idx="1">
+              <a:schemeClr val="accent1"/>
+            </a:lnRef>
+            <a:fillRef idx="0">
+              <a:schemeClr val="accent1"/>
+            </a:fillRef>
+            <a:effectRef idx="0">
+              <a:schemeClr val="accent1"/>
+            </a:effectRef>
+            <a:fontRef idx="minor">
+              <a:schemeClr val="tx1"/>
+            </a:fontRef>
+          </p:style>
+        </p:cxnSp>
+        <p:cxnSp>
+          <p:nvCxnSpPr>
+            <p:cNvPr id="58" name="Straight Arrow Connector 57">
+              <a:extLst>
+                <a:ext uri="{FF2B5EF4-FFF2-40B4-BE49-F238E27FC236}">
+                  <a16:creationId xmlns:a16="http://schemas.microsoft.com/office/drawing/2014/main" id="{41CF3686-5D4B-5AE3-D173-04CE14DBA25D}"/>
+                </a:ext>
+              </a:extLst>
+            </p:cNvPr>
+            <p:cNvCxnSpPr>
+              <a:cxnSpLocks/>
+              <a:stCxn id="34" idx="3"/>
+              <a:endCxn id="43" idx="1"/>
+            </p:cNvCxnSpPr>
+            <p:nvPr/>
+          </p:nvCxnSpPr>
+          <p:spPr>
+            <a:xfrm flipV="1">
+              <a:off x="2105247" y="2824581"/>
+              <a:ext cx="1127048" cy="169277"/>
+            </a:xfrm>
+            <a:prstGeom prst="straightConnector1">
+              <a:avLst/>
+            </a:prstGeom>
+            <a:ln>
+              <a:tailEnd type="triangle"/>
+            </a:ln>
+          </p:spPr>
+          <p:style>
+            <a:lnRef idx="1">
+              <a:schemeClr val="accent1"/>
+            </a:lnRef>
+            <a:fillRef idx="0">
+              <a:schemeClr val="accent1"/>
+            </a:fillRef>
+            <a:effectRef idx="0">
+              <a:schemeClr val="accent1"/>
+            </a:effectRef>
+            <a:fontRef idx="minor">
+              <a:schemeClr val="tx1"/>
+            </a:fontRef>
+          </p:style>
+        </p:cxnSp>
+        <p:cxnSp>
+          <p:nvCxnSpPr>
+            <p:cNvPr id="64" name="Straight Arrow Connector 63">
+              <a:extLst>
+                <a:ext uri="{FF2B5EF4-FFF2-40B4-BE49-F238E27FC236}">
+                  <a16:creationId xmlns:a16="http://schemas.microsoft.com/office/drawing/2014/main" id="{FB1232F7-2B2B-79C5-8C99-57B821019BB5}"/>
+                </a:ext>
+              </a:extLst>
+            </p:cNvPr>
+            <p:cNvCxnSpPr>
+              <a:cxnSpLocks/>
+              <a:stCxn id="34" idx="3"/>
+              <a:endCxn id="46" idx="1"/>
+            </p:cNvCxnSpPr>
+            <p:nvPr/>
+          </p:nvCxnSpPr>
+          <p:spPr>
+            <a:xfrm>
+              <a:off x="2105247" y="2993858"/>
+              <a:ext cx="1127047" cy="329185"/>
+            </a:xfrm>
+            <a:prstGeom prst="straightConnector1">
+              <a:avLst/>
+            </a:prstGeom>
+            <a:ln>
+              <a:tailEnd type="triangle"/>
+            </a:ln>
+          </p:spPr>
+          <p:style>
+            <a:lnRef idx="1">
+              <a:schemeClr val="accent1"/>
+            </a:lnRef>
+            <a:fillRef idx="0">
+              <a:schemeClr val="accent1"/>
+            </a:fillRef>
+            <a:effectRef idx="0">
+              <a:schemeClr val="accent1"/>
+            </a:effectRef>
+            <a:fontRef idx="minor">
+              <a:schemeClr val="tx1"/>
+            </a:fontRef>
+          </p:style>
+        </p:cxnSp>
+        <p:cxnSp>
+          <p:nvCxnSpPr>
+            <p:cNvPr id="67" name="Straight Arrow Connector 66">
+              <a:extLst>
+                <a:ext uri="{FF2B5EF4-FFF2-40B4-BE49-F238E27FC236}">
+                  <a16:creationId xmlns:a16="http://schemas.microsoft.com/office/drawing/2014/main" id="{787C1831-0AB9-B205-C91D-EAF3C69F2976}"/>
+                </a:ext>
+              </a:extLst>
+            </p:cNvPr>
+            <p:cNvCxnSpPr>
+              <a:cxnSpLocks/>
+              <a:stCxn id="34" idx="3"/>
+              <a:endCxn id="50" idx="1"/>
+            </p:cNvCxnSpPr>
+            <p:nvPr/>
+          </p:nvCxnSpPr>
+          <p:spPr>
+            <a:xfrm>
+              <a:off x="2105247" y="2993858"/>
+              <a:ext cx="1127046" cy="1104407"/>
+            </a:xfrm>
+            <a:prstGeom prst="straightConnector1">
+              <a:avLst/>
+            </a:prstGeom>
+            <a:ln>
+              <a:tailEnd type="triangle"/>
+            </a:ln>
+          </p:spPr>
+          <p:style>
+            <a:lnRef idx="1">
+              <a:schemeClr val="accent1"/>
+            </a:lnRef>
+            <a:fillRef idx="0">
+              <a:schemeClr val="accent1"/>
+            </a:fillRef>
+            <a:effectRef idx="0">
+              <a:schemeClr val="accent1"/>
+            </a:effectRef>
+            <a:fontRef idx="minor">
+              <a:schemeClr val="tx1"/>
+            </a:fontRef>
+          </p:style>
+        </p:cxnSp>
+        <p:sp>
+          <p:nvSpPr>
+            <p:cNvPr id="75" name="TextBox 74">
+              <a:extLst>
+                <a:ext uri="{FF2B5EF4-FFF2-40B4-BE49-F238E27FC236}">
+                  <a16:creationId xmlns:a16="http://schemas.microsoft.com/office/drawing/2014/main" id="{B593F6E1-75BE-A144-84F1-513536BEF7CE}"/>
+                </a:ext>
+              </a:extLst>
+            </p:cNvPr>
+            <p:cNvSpPr txBox="1"/>
+            <p:nvPr/>
+          </p:nvSpPr>
+          <p:spPr>
+            <a:xfrm flipH="1">
+              <a:off x="1978772" y="4920790"/>
+              <a:ext cx="3092393" cy="523220"/>
+            </a:xfrm>
+            <a:prstGeom prst="rect">
+              <a:avLst/>
+            </a:prstGeom>
+            <a:noFill/>
+          </p:spPr>
+          <p:txBody>
+            <a:bodyPr wrap="square" lIns="0" rIns="0" rtlCol="0">
+              <a:spAutoFit/>
+            </a:bodyPr>
+            <a:lstStyle/>
+            <a:p>
+              <a:pPr algn="ctr"/>
+              <a:r>
+                <a:rPr lang="en-US" sz="1400" dirty="0"/>
+                <a:t>Idea:</a:t>
+              </a:r>
+              <a:br>
+                <a:rPr lang="en-US" sz="1400" dirty="0"/>
+              </a:br>
+              <a:r>
+                <a:rPr lang="en-US" sz="1400" dirty="0" err="1"/>
+                <a:t>uv</a:t>
+              </a:r>
+              <a:r>
+                <a:rPr lang="en-US" sz="1400" dirty="0"/>
+                <a:t> &lt;run-any-thing-you-want&gt;</a:t>
+              </a:r>
+            </a:p>
+          </p:txBody>
+        </p:sp>
+      </p:grpSp>
     </p:spTree>
     <p:extLst>
       <p:ext uri="{BB962C8B-B14F-4D97-AF65-F5344CB8AC3E}">
@@ -9836,303 +9857,12 @@
           <a:chExt cx="0" cy="0"/>
         </a:xfrm>
       </p:grpSpPr>
-      <p:sp>
-        <p:nvSpPr>
-          <p:cNvPr id="25" name="Rectangle 24">
+      <p:grpSp>
+        <p:nvGrpSpPr>
+          <p:cNvPr id="1048" name="Group 1047">
             <a:extLst>
               <a:ext uri="{FF2B5EF4-FFF2-40B4-BE49-F238E27FC236}">
-                <a16:creationId xmlns:a16="http://schemas.microsoft.com/office/drawing/2014/main" id="{F9BF82A2-13FE-923F-6E02-CD01C5CD5801}"/>
-              </a:ext>
-            </a:extLst>
-          </p:cNvPr>
-          <p:cNvSpPr/>
-          <p:nvPr/>
-        </p:nvSpPr>
-        <p:spPr>
-          <a:xfrm>
-            <a:off x="1749219" y="4495848"/>
-            <a:ext cx="1207249" cy="546197"/>
-          </a:xfrm>
-          <a:prstGeom prst="rect">
-            <a:avLst/>
-          </a:prstGeom>
-          <a:noFill/>
-        </p:spPr>
-        <p:style>
-          <a:lnRef idx="2">
-            <a:schemeClr val="accent1">
-              <a:shade val="15000"/>
-            </a:schemeClr>
-          </a:lnRef>
-          <a:fillRef idx="1">
-            <a:schemeClr val="accent1"/>
-          </a:fillRef>
-          <a:effectRef idx="0">
-            <a:schemeClr val="accent1"/>
-          </a:effectRef>
-          <a:fontRef idx="minor">
-            <a:schemeClr val="lt1"/>
-          </a:fontRef>
-        </p:style>
-        <p:txBody>
-          <a:bodyPr rtlCol="0" anchor="ctr"/>
-          <a:lstStyle/>
-          <a:p>
-            <a:pPr algn="ctr"/>
-            <a:r>
-              <a:rPr lang="en-US" sz="1050" dirty="0">
-                <a:solidFill>
-                  <a:schemeClr val="tx1"/>
-                </a:solidFill>
-              </a:rPr>
-              <a:t>Project</a:t>
-            </a:r>
-          </a:p>
-        </p:txBody>
-      </p:sp>
-      <p:sp>
-        <p:nvSpPr>
-          <p:cNvPr id="26" name="Rectangle: Rounded Corners 25">
-            <a:extLst>
-              <a:ext uri="{FF2B5EF4-FFF2-40B4-BE49-F238E27FC236}">
-                <a16:creationId xmlns:a16="http://schemas.microsoft.com/office/drawing/2014/main" id="{761A58E5-D55A-CDF1-061A-344363BD4748}"/>
-              </a:ext>
-            </a:extLst>
-          </p:cNvPr>
-          <p:cNvSpPr/>
-          <p:nvPr/>
-        </p:nvSpPr>
-        <p:spPr>
-          <a:xfrm>
-            <a:off x="3946186" y="4590024"/>
-            <a:ext cx="1100157" cy="256469"/>
-          </a:xfrm>
-          <a:prstGeom prst="roundRect">
-            <a:avLst/>
-          </a:prstGeom>
-          <a:noFill/>
-        </p:spPr>
-        <p:style>
-          <a:lnRef idx="2">
-            <a:schemeClr val="accent1">
-              <a:shade val="15000"/>
-            </a:schemeClr>
-          </a:lnRef>
-          <a:fillRef idx="1">
-            <a:schemeClr val="accent1"/>
-          </a:fillRef>
-          <a:effectRef idx="0">
-            <a:schemeClr val="accent1"/>
-          </a:effectRef>
-          <a:fontRef idx="minor">
-            <a:schemeClr val="lt1"/>
-          </a:fontRef>
-        </p:style>
-        <p:txBody>
-          <a:bodyPr rtlCol="0" anchor="ctr"/>
-          <a:lstStyle/>
-          <a:p>
-            <a:pPr algn="ctr"/>
-            <a:r>
-              <a:rPr lang="en-US" sz="1400" dirty="0">
-                <a:solidFill>
-                  <a:schemeClr val="tx1"/>
-                </a:solidFill>
-              </a:rPr>
-              <a:t>Sub </a:t>
-            </a:r>
-            <a:r>
-              <a:rPr lang="en-US" sz="1400" dirty="0" err="1">
-                <a:solidFill>
-                  <a:schemeClr val="tx1"/>
-                </a:solidFill>
-              </a:rPr>
-              <a:t>dir</a:t>
-            </a:r>
-            <a:endParaRPr lang="en-US" sz="1400" dirty="0">
-              <a:solidFill>
-                <a:schemeClr val="tx1"/>
-              </a:solidFill>
-            </a:endParaRPr>
-          </a:p>
-        </p:txBody>
-      </p:sp>
-      <p:sp>
-        <p:nvSpPr>
-          <p:cNvPr id="27" name="Rectangle: Rounded Corners 26">
-            <a:extLst>
-              <a:ext uri="{FF2B5EF4-FFF2-40B4-BE49-F238E27FC236}">
-                <a16:creationId xmlns:a16="http://schemas.microsoft.com/office/drawing/2014/main" id="{6808E0B9-52FA-41C4-0834-571B72559AA2}"/>
-              </a:ext>
-            </a:extLst>
-          </p:cNvPr>
-          <p:cNvSpPr/>
-          <p:nvPr/>
-        </p:nvSpPr>
-        <p:spPr>
-          <a:xfrm>
-            <a:off x="3946186" y="4910746"/>
-            <a:ext cx="1100157" cy="256469"/>
-          </a:xfrm>
-          <a:prstGeom prst="roundRect">
-            <a:avLst/>
-          </a:prstGeom>
-          <a:noFill/>
-        </p:spPr>
-        <p:style>
-          <a:lnRef idx="2">
-            <a:schemeClr val="accent1">
-              <a:shade val="15000"/>
-            </a:schemeClr>
-          </a:lnRef>
-          <a:fillRef idx="1">
-            <a:schemeClr val="accent1"/>
-          </a:fillRef>
-          <a:effectRef idx="0">
-            <a:schemeClr val="accent1"/>
-          </a:effectRef>
-          <a:fontRef idx="minor">
-            <a:schemeClr val="lt1"/>
-          </a:fontRef>
-        </p:style>
-        <p:txBody>
-          <a:bodyPr rtlCol="0" anchor="ctr"/>
-          <a:lstStyle/>
-          <a:p>
-            <a:pPr algn="ctr"/>
-            <a:r>
-              <a:rPr lang="en-US" sz="1400" dirty="0">
-                <a:solidFill>
-                  <a:schemeClr val="tx1"/>
-                </a:solidFill>
-              </a:rPr>
-              <a:t>Sub </a:t>
-            </a:r>
-            <a:r>
-              <a:rPr lang="en-US" sz="1400" dirty="0" err="1">
-                <a:solidFill>
-                  <a:schemeClr val="tx1"/>
-                </a:solidFill>
-              </a:rPr>
-              <a:t>dir</a:t>
-            </a:r>
-            <a:endParaRPr lang="en-US" sz="1400" dirty="0">
-              <a:solidFill>
-                <a:schemeClr val="tx1"/>
-              </a:solidFill>
-            </a:endParaRPr>
-          </a:p>
-        </p:txBody>
-      </p:sp>
-      <p:sp>
-        <p:nvSpPr>
-          <p:cNvPr id="28" name="Rectangle: Rounded Corners 27">
-            <a:extLst>
-              <a:ext uri="{FF2B5EF4-FFF2-40B4-BE49-F238E27FC236}">
-                <a16:creationId xmlns:a16="http://schemas.microsoft.com/office/drawing/2014/main" id="{6D7E0A3E-DCAE-DE58-A705-7473A7A27643}"/>
-              </a:ext>
-            </a:extLst>
-          </p:cNvPr>
-          <p:cNvSpPr/>
-          <p:nvPr/>
-        </p:nvSpPr>
-        <p:spPr>
-          <a:xfrm>
-            <a:off x="3946186" y="5253072"/>
-            <a:ext cx="1100157" cy="256469"/>
-          </a:xfrm>
-          <a:prstGeom prst="roundRect">
-            <a:avLst/>
-          </a:prstGeom>
-          <a:noFill/>
-        </p:spPr>
-        <p:style>
-          <a:lnRef idx="2">
-            <a:schemeClr val="accent1">
-              <a:shade val="15000"/>
-            </a:schemeClr>
-          </a:lnRef>
-          <a:fillRef idx="1">
-            <a:schemeClr val="accent1"/>
-          </a:fillRef>
-          <a:effectRef idx="0">
-            <a:schemeClr val="accent1"/>
-          </a:effectRef>
-          <a:fontRef idx="minor">
-            <a:schemeClr val="lt1"/>
-          </a:fontRef>
-        </p:style>
-        <p:txBody>
-          <a:bodyPr rtlCol="0" anchor="ctr"/>
-          <a:lstStyle/>
-          <a:p>
-            <a:pPr algn="ctr"/>
-            <a:r>
-              <a:rPr lang="en-US" sz="1400" dirty="0">
-                <a:solidFill>
-                  <a:schemeClr val="tx1"/>
-                </a:solidFill>
-              </a:rPr>
-              <a:t>Sub </a:t>
-            </a:r>
-            <a:r>
-              <a:rPr lang="en-US" sz="1400" dirty="0" err="1">
-                <a:solidFill>
-                  <a:schemeClr val="tx1"/>
-                </a:solidFill>
-              </a:rPr>
-              <a:t>dir</a:t>
-            </a:r>
-            <a:endParaRPr lang="en-US" sz="1400" dirty="0">
-              <a:solidFill>
-                <a:schemeClr val="tx1"/>
-              </a:solidFill>
-            </a:endParaRPr>
-          </a:p>
-        </p:txBody>
-      </p:sp>
-      <p:sp>
-        <p:nvSpPr>
-          <p:cNvPr id="48" name="TextBox 47">
-            <a:extLst>
-              <a:ext uri="{FF2B5EF4-FFF2-40B4-BE49-F238E27FC236}">
-                <a16:creationId xmlns:a16="http://schemas.microsoft.com/office/drawing/2014/main" id="{05C9876A-2E69-C88B-C9FB-79FDD326E7D1}"/>
-              </a:ext>
-            </a:extLst>
-          </p:cNvPr>
-          <p:cNvSpPr txBox="1"/>
-          <p:nvPr/>
-        </p:nvSpPr>
-        <p:spPr>
-          <a:xfrm flipH="1">
-            <a:off x="1211918" y="1010121"/>
-            <a:ext cx="4626103" cy="338554"/>
-          </a:xfrm>
-          <a:prstGeom prst="rect">
-            <a:avLst/>
-          </a:prstGeom>
-          <a:noFill/>
-        </p:spPr>
-        <p:txBody>
-          <a:bodyPr wrap="square" rtlCol="0">
-            <a:spAutoFit/>
-          </a:bodyPr>
-          <a:lstStyle/>
-          <a:p>
-            <a:pPr algn="ctr"/>
-            <a:r>
-              <a:rPr lang="en-US" sz="1600" dirty="0"/>
-              <a:t>Ask “UV” to do all things Python</a:t>
-            </a:r>
-          </a:p>
-        </p:txBody>
-      </p:sp>
-      <p:grpSp>
-        <p:nvGrpSpPr>
-          <p:cNvPr id="22" name="Group 21">
-            <a:extLst>
-              <a:ext uri="{FF2B5EF4-FFF2-40B4-BE49-F238E27FC236}">
-                <a16:creationId xmlns:a16="http://schemas.microsoft.com/office/drawing/2014/main" id="{185DAE47-026C-E896-649A-2CA4CD3F74D6}"/>
+                <a16:creationId xmlns:a16="http://schemas.microsoft.com/office/drawing/2014/main" id="{47B997B4-14FD-F8CC-D056-268368E89738}"/>
               </a:ext>
             </a:extLst>
           </p:cNvPr>
@@ -10141,18 +9871,18 @@
         </p:nvGrpSpPr>
         <p:grpSpPr>
           <a:xfrm>
-            <a:off x="5182573" y="4535402"/>
-            <a:ext cx="1044129" cy="2220753"/>
-            <a:chOff x="4937066" y="6198004"/>
-            <a:chExt cx="1044129" cy="2220753"/>
+            <a:off x="327194" y="832513"/>
+            <a:ext cx="6237379" cy="6082429"/>
+            <a:chOff x="327194" y="832513"/>
+            <a:chExt cx="6237379" cy="6082429"/>
           </a:xfrm>
         </p:grpSpPr>
         <p:sp>
           <p:nvSpPr>
-            <p:cNvPr id="3" name="Rectangle: Rounded Corners 2">
+            <p:cNvPr id="25" name="Rectangle 24">
               <a:extLst>
                 <a:ext uri="{FF2B5EF4-FFF2-40B4-BE49-F238E27FC236}">
-                  <a16:creationId xmlns:a16="http://schemas.microsoft.com/office/drawing/2014/main" id="{5D9FFC9A-97C7-7F87-584A-FFCA5BA117B6}"/>
+                  <a16:creationId xmlns:a16="http://schemas.microsoft.com/office/drawing/2014/main" id="{F9BF82A2-13FE-923F-6E02-CD01C5CD5801}"/>
                 </a:ext>
               </a:extLst>
             </p:cNvPr>
@@ -10161,8 +9891,62 @@
           </p:nvSpPr>
           <p:spPr>
             <a:xfrm>
-              <a:off x="5055006" y="6198004"/>
-              <a:ext cx="808250" cy="320722"/>
+              <a:off x="1749219" y="4495848"/>
+              <a:ext cx="1207249" cy="546197"/>
+            </a:xfrm>
+            <a:prstGeom prst="rect">
+              <a:avLst/>
+            </a:prstGeom>
+            <a:noFill/>
+          </p:spPr>
+          <p:style>
+            <a:lnRef idx="2">
+              <a:schemeClr val="accent1">
+                <a:shade val="15000"/>
+              </a:schemeClr>
+            </a:lnRef>
+            <a:fillRef idx="1">
+              <a:schemeClr val="accent1"/>
+            </a:fillRef>
+            <a:effectRef idx="0">
+              <a:schemeClr val="accent1"/>
+            </a:effectRef>
+            <a:fontRef idx="minor">
+              <a:schemeClr val="lt1"/>
+            </a:fontRef>
+          </p:style>
+          <p:txBody>
+            <a:bodyPr rtlCol="0" anchor="ctr"/>
+            <a:lstStyle/>
+            <a:p>
+              <a:pPr algn="ctr"/>
+              <a:r>
+                <a:rPr lang="en-US" sz="1050" dirty="0">
+                  <a:solidFill>
+                    <a:schemeClr val="tx1"/>
+                  </a:solidFill>
+                </a:rPr>
+                <a:t>Project</a:t>
+              </a:r>
+            </a:p>
+          </p:txBody>
+        </p:sp>
+        <p:sp>
+          <p:nvSpPr>
+            <p:cNvPr id="26" name="Rectangle: Rounded Corners 25">
+              <a:extLst>
+                <a:ext uri="{FF2B5EF4-FFF2-40B4-BE49-F238E27FC236}">
+                  <a16:creationId xmlns:a16="http://schemas.microsoft.com/office/drawing/2014/main" id="{761A58E5-D55A-CDF1-061A-344363BD4748}"/>
+                </a:ext>
+              </a:extLst>
+            </p:cNvPr>
+            <p:cNvSpPr/>
+            <p:nvPr/>
+          </p:nvSpPr>
+          <p:spPr>
+            <a:xfrm>
+              <a:off x="3946186" y="4590024"/>
+              <a:ext cx="1100157" cy="256469"/>
             </a:xfrm>
             <a:prstGeom prst="roundRect">
               <a:avLst/>
@@ -10196,17 +9980,30 @@
                     <a:schemeClr val="tx1"/>
                   </a:solidFill>
                 </a:rPr>
-                <a:t>python</a:t>
+                <a:t>Sub </a:t>
               </a:r>
+              <a:r>
+                <a:rPr lang="en-US" sz="1400" dirty="0" err="1">
+                  <a:solidFill>
+                    <a:schemeClr val="tx1"/>
+                  </a:solidFill>
+                </a:rPr>
+                <a:t>dir</a:t>
+              </a:r>
+              <a:endParaRPr lang="en-US" sz="1400" dirty="0">
+                <a:solidFill>
+                  <a:schemeClr val="tx1"/>
+                </a:solidFill>
+              </a:endParaRPr>
             </a:p>
           </p:txBody>
         </p:sp>
         <p:sp>
           <p:nvSpPr>
-            <p:cNvPr id="4" name="Rectangle: Rounded Corners 3">
+            <p:cNvPr id="27" name="Rectangle: Rounded Corners 26">
               <a:extLst>
                 <a:ext uri="{FF2B5EF4-FFF2-40B4-BE49-F238E27FC236}">
-                  <a16:creationId xmlns:a16="http://schemas.microsoft.com/office/drawing/2014/main" id="{BF60549D-CCC2-31CC-C4C5-7E4516F28C3B}"/>
+                  <a16:creationId xmlns:a16="http://schemas.microsoft.com/office/drawing/2014/main" id="{6808E0B9-52FA-41C4-0834-571B72559AA2}"/>
                 </a:ext>
               </a:extLst>
             </p:cNvPr>
@@ -10215,8 +10012,8 @@
           </p:nvSpPr>
           <p:spPr>
             <a:xfrm>
-              <a:off x="5055006" y="6563224"/>
-              <a:ext cx="808250" cy="320722"/>
+              <a:off x="3946186" y="4910746"/>
+              <a:ext cx="1100157" cy="256469"/>
             </a:xfrm>
             <a:prstGeom prst="roundRect">
               <a:avLst/>
@@ -10250,17 +10047,30 @@
                     <a:schemeClr val="tx1"/>
                   </a:solidFill>
                 </a:rPr>
-                <a:t>lib</a:t>
+                <a:t>Sub </a:t>
               </a:r>
+              <a:r>
+                <a:rPr lang="en-US" sz="1400" dirty="0" err="1">
+                  <a:solidFill>
+                    <a:schemeClr val="tx1"/>
+                  </a:solidFill>
+                </a:rPr>
+                <a:t>dir</a:t>
+              </a:r>
+              <a:endParaRPr lang="en-US" sz="1400" dirty="0">
+                <a:solidFill>
+                  <a:schemeClr val="tx1"/>
+                </a:solidFill>
+              </a:endParaRPr>
             </a:p>
           </p:txBody>
         </p:sp>
         <p:sp>
           <p:nvSpPr>
-            <p:cNvPr id="5" name="Rectangle: Rounded Corners 4">
+            <p:cNvPr id="28" name="Rectangle: Rounded Corners 27">
               <a:extLst>
                 <a:ext uri="{FF2B5EF4-FFF2-40B4-BE49-F238E27FC236}">
-                  <a16:creationId xmlns:a16="http://schemas.microsoft.com/office/drawing/2014/main" id="{1B84C36A-2DE6-3A55-5324-09EFD59E4214}"/>
+                  <a16:creationId xmlns:a16="http://schemas.microsoft.com/office/drawing/2014/main" id="{6D7E0A3E-DCAE-DE58-A705-7473A7A27643}"/>
                 </a:ext>
               </a:extLst>
             </p:cNvPr>
@@ -10269,8 +10079,8 @@
           </p:nvSpPr>
           <p:spPr>
             <a:xfrm>
-              <a:off x="5055006" y="7013600"/>
-              <a:ext cx="808250" cy="320722"/>
+              <a:off x="3946186" y="5253072"/>
+              <a:ext cx="1100157" cy="256469"/>
             </a:xfrm>
             <a:prstGeom prst="roundRect">
               <a:avLst/>
@@ -10304,17 +10114,353 @@
                     <a:schemeClr val="tx1"/>
                   </a:solidFill>
                 </a:rPr>
-                <a:t>lib</a:t>
+                <a:t>Sub </a:t>
               </a:r>
+              <a:r>
+                <a:rPr lang="en-US" sz="1400" dirty="0" err="1">
+                  <a:solidFill>
+                    <a:schemeClr val="tx1"/>
+                  </a:solidFill>
+                </a:rPr>
+                <a:t>dir</a:t>
+              </a:r>
+              <a:endParaRPr lang="en-US" sz="1400" dirty="0">
+                <a:solidFill>
+                  <a:schemeClr val="tx1"/>
+                </a:solidFill>
+              </a:endParaRPr>
             </a:p>
           </p:txBody>
         </p:sp>
         <p:sp>
           <p:nvSpPr>
-            <p:cNvPr id="7" name="Rectangle: Rounded Corners 6">
+            <p:cNvPr id="48" name="TextBox 47">
               <a:extLst>
                 <a:ext uri="{FF2B5EF4-FFF2-40B4-BE49-F238E27FC236}">
-                  <a16:creationId xmlns:a16="http://schemas.microsoft.com/office/drawing/2014/main" id="{1BF220CF-DC25-9BF2-D629-D7DE4B192D56}"/>
+                  <a16:creationId xmlns:a16="http://schemas.microsoft.com/office/drawing/2014/main" id="{05C9876A-2E69-C88B-C9FB-79FDD326E7D1}"/>
+                </a:ext>
+              </a:extLst>
+            </p:cNvPr>
+            <p:cNvSpPr txBox="1"/>
+            <p:nvPr/>
+          </p:nvSpPr>
+          <p:spPr>
+            <a:xfrm flipH="1">
+              <a:off x="1211918" y="1010121"/>
+              <a:ext cx="4626103" cy="338554"/>
+            </a:xfrm>
+            <a:prstGeom prst="rect">
+              <a:avLst/>
+            </a:prstGeom>
+            <a:noFill/>
+          </p:spPr>
+          <p:txBody>
+            <a:bodyPr wrap="square" rtlCol="0">
+              <a:spAutoFit/>
+            </a:bodyPr>
+            <a:lstStyle/>
+            <a:p>
+              <a:pPr algn="ctr"/>
+              <a:r>
+                <a:rPr lang="en-US" sz="1600" dirty="0"/>
+                <a:t>Ask “UV” to do all things Python</a:t>
+              </a:r>
+            </a:p>
+          </p:txBody>
+        </p:sp>
+        <p:grpSp>
+          <p:nvGrpSpPr>
+            <p:cNvPr id="22" name="Group 21">
+              <a:extLst>
+                <a:ext uri="{FF2B5EF4-FFF2-40B4-BE49-F238E27FC236}">
+                  <a16:creationId xmlns:a16="http://schemas.microsoft.com/office/drawing/2014/main" id="{185DAE47-026C-E896-649A-2CA4CD3F74D6}"/>
+                </a:ext>
+              </a:extLst>
+            </p:cNvPr>
+            <p:cNvGrpSpPr/>
+            <p:nvPr/>
+          </p:nvGrpSpPr>
+          <p:grpSpPr>
+            <a:xfrm>
+              <a:off x="5182573" y="4535402"/>
+              <a:ext cx="1044129" cy="2220753"/>
+              <a:chOff x="4937066" y="6198004"/>
+              <a:chExt cx="1044129" cy="2220753"/>
+            </a:xfrm>
+          </p:grpSpPr>
+          <p:sp>
+            <p:nvSpPr>
+              <p:cNvPr id="3" name="Rectangle: Rounded Corners 2">
+                <a:extLst>
+                  <a:ext uri="{FF2B5EF4-FFF2-40B4-BE49-F238E27FC236}">
+                    <a16:creationId xmlns:a16="http://schemas.microsoft.com/office/drawing/2014/main" id="{5D9FFC9A-97C7-7F87-584A-FFCA5BA117B6}"/>
+                  </a:ext>
+                </a:extLst>
+              </p:cNvPr>
+              <p:cNvSpPr/>
+              <p:nvPr/>
+            </p:nvSpPr>
+            <p:spPr>
+              <a:xfrm>
+                <a:off x="5055006" y="6198004"/>
+                <a:ext cx="808250" cy="320722"/>
+              </a:xfrm>
+              <a:prstGeom prst="roundRect">
+                <a:avLst/>
+              </a:prstGeom>
+              <a:noFill/>
+            </p:spPr>
+            <p:style>
+              <a:lnRef idx="2">
+                <a:schemeClr val="accent1">
+                  <a:shade val="15000"/>
+                </a:schemeClr>
+              </a:lnRef>
+              <a:fillRef idx="1">
+                <a:schemeClr val="accent1"/>
+              </a:fillRef>
+              <a:effectRef idx="0">
+                <a:schemeClr val="accent1"/>
+              </a:effectRef>
+              <a:fontRef idx="minor">
+                <a:schemeClr val="lt1"/>
+              </a:fontRef>
+            </p:style>
+            <p:txBody>
+              <a:bodyPr rtlCol="0" anchor="ctr"/>
+              <a:lstStyle/>
+              <a:p>
+                <a:pPr algn="ctr"/>
+                <a:r>
+                  <a:rPr lang="en-US" sz="1400" dirty="0">
+                    <a:solidFill>
+                      <a:schemeClr val="tx1"/>
+                    </a:solidFill>
+                  </a:rPr>
+                  <a:t>python</a:t>
+                </a:r>
+              </a:p>
+            </p:txBody>
+          </p:sp>
+          <p:sp>
+            <p:nvSpPr>
+              <p:cNvPr id="4" name="Rectangle: Rounded Corners 3">
+                <a:extLst>
+                  <a:ext uri="{FF2B5EF4-FFF2-40B4-BE49-F238E27FC236}">
+                    <a16:creationId xmlns:a16="http://schemas.microsoft.com/office/drawing/2014/main" id="{BF60549D-CCC2-31CC-C4C5-7E4516F28C3B}"/>
+                  </a:ext>
+                </a:extLst>
+              </p:cNvPr>
+              <p:cNvSpPr/>
+              <p:nvPr/>
+            </p:nvSpPr>
+            <p:spPr>
+              <a:xfrm>
+                <a:off x="5055006" y="6563224"/>
+                <a:ext cx="808250" cy="320722"/>
+              </a:xfrm>
+              <a:prstGeom prst="roundRect">
+                <a:avLst/>
+              </a:prstGeom>
+              <a:noFill/>
+            </p:spPr>
+            <p:style>
+              <a:lnRef idx="2">
+                <a:schemeClr val="accent1">
+                  <a:shade val="15000"/>
+                </a:schemeClr>
+              </a:lnRef>
+              <a:fillRef idx="1">
+                <a:schemeClr val="accent1"/>
+              </a:fillRef>
+              <a:effectRef idx="0">
+                <a:schemeClr val="accent1"/>
+              </a:effectRef>
+              <a:fontRef idx="minor">
+                <a:schemeClr val="lt1"/>
+              </a:fontRef>
+            </p:style>
+            <p:txBody>
+              <a:bodyPr rtlCol="0" anchor="ctr"/>
+              <a:lstStyle/>
+              <a:p>
+                <a:pPr algn="ctr"/>
+                <a:r>
+                  <a:rPr lang="en-US" sz="1400" dirty="0">
+                    <a:solidFill>
+                      <a:schemeClr val="tx1"/>
+                    </a:solidFill>
+                  </a:rPr>
+                  <a:t>lib</a:t>
+                </a:r>
+              </a:p>
+            </p:txBody>
+          </p:sp>
+          <p:sp>
+            <p:nvSpPr>
+              <p:cNvPr id="5" name="Rectangle: Rounded Corners 4">
+                <a:extLst>
+                  <a:ext uri="{FF2B5EF4-FFF2-40B4-BE49-F238E27FC236}">
+                    <a16:creationId xmlns:a16="http://schemas.microsoft.com/office/drawing/2014/main" id="{1B84C36A-2DE6-3A55-5324-09EFD59E4214}"/>
+                  </a:ext>
+                </a:extLst>
+              </p:cNvPr>
+              <p:cNvSpPr/>
+              <p:nvPr/>
+            </p:nvSpPr>
+            <p:spPr>
+              <a:xfrm>
+                <a:off x="5055006" y="7013600"/>
+                <a:ext cx="808250" cy="320722"/>
+              </a:xfrm>
+              <a:prstGeom prst="roundRect">
+                <a:avLst/>
+              </a:prstGeom>
+              <a:noFill/>
+            </p:spPr>
+            <p:style>
+              <a:lnRef idx="2">
+                <a:schemeClr val="accent1">
+                  <a:shade val="15000"/>
+                </a:schemeClr>
+              </a:lnRef>
+              <a:fillRef idx="1">
+                <a:schemeClr val="accent1"/>
+              </a:fillRef>
+              <a:effectRef idx="0">
+                <a:schemeClr val="accent1"/>
+              </a:effectRef>
+              <a:fontRef idx="minor">
+                <a:schemeClr val="lt1"/>
+              </a:fontRef>
+            </p:style>
+            <p:txBody>
+              <a:bodyPr rtlCol="0" anchor="ctr"/>
+              <a:lstStyle/>
+              <a:p>
+                <a:pPr algn="ctr"/>
+                <a:r>
+                  <a:rPr lang="en-US" sz="1400" dirty="0">
+                    <a:solidFill>
+                      <a:schemeClr val="tx1"/>
+                    </a:solidFill>
+                  </a:rPr>
+                  <a:t>lib</a:t>
+                </a:r>
+              </a:p>
+            </p:txBody>
+          </p:sp>
+          <p:sp>
+            <p:nvSpPr>
+              <p:cNvPr id="7" name="Rectangle: Rounded Corners 6">
+                <a:extLst>
+                  <a:ext uri="{FF2B5EF4-FFF2-40B4-BE49-F238E27FC236}">
+                    <a16:creationId xmlns:a16="http://schemas.microsoft.com/office/drawing/2014/main" id="{1BF220CF-DC25-9BF2-D629-D7DE4B192D56}"/>
+                  </a:ext>
+                </a:extLst>
+              </p:cNvPr>
+              <p:cNvSpPr/>
+              <p:nvPr/>
+            </p:nvSpPr>
+            <p:spPr>
+              <a:xfrm>
+                <a:off x="5055006" y="7463976"/>
+                <a:ext cx="808250" cy="320722"/>
+              </a:xfrm>
+              <a:prstGeom prst="roundRect">
+                <a:avLst/>
+              </a:prstGeom>
+              <a:noFill/>
+            </p:spPr>
+            <p:style>
+              <a:lnRef idx="2">
+                <a:schemeClr val="accent1">
+                  <a:shade val="15000"/>
+                </a:schemeClr>
+              </a:lnRef>
+              <a:fillRef idx="1">
+                <a:schemeClr val="accent1"/>
+              </a:fillRef>
+              <a:effectRef idx="0">
+                <a:schemeClr val="accent1"/>
+              </a:effectRef>
+              <a:fontRef idx="minor">
+                <a:schemeClr val="lt1"/>
+              </a:fontRef>
+            </p:style>
+            <p:txBody>
+              <a:bodyPr rtlCol="0" anchor="ctr"/>
+              <a:lstStyle/>
+              <a:p>
+                <a:pPr algn="ctr"/>
+                <a:r>
+                  <a:rPr lang="en-US" sz="1400" dirty="0">
+                    <a:solidFill>
+                      <a:schemeClr val="tx1"/>
+                    </a:solidFill>
+                  </a:rPr>
+                  <a:t>lib</a:t>
+                </a:r>
+              </a:p>
+            </p:txBody>
+          </p:sp>
+          <p:sp>
+            <p:nvSpPr>
+              <p:cNvPr id="15" name="TextBox 14">
+                <a:extLst>
+                  <a:ext uri="{FF2B5EF4-FFF2-40B4-BE49-F238E27FC236}">
+                    <a16:creationId xmlns:a16="http://schemas.microsoft.com/office/drawing/2014/main" id="{713D997F-DB93-D706-4A71-2D2367AB16CC}"/>
+                  </a:ext>
+                </a:extLst>
+              </p:cNvPr>
+              <p:cNvSpPr txBox="1"/>
+              <p:nvPr/>
+            </p:nvSpPr>
+            <p:spPr>
+              <a:xfrm flipH="1">
+                <a:off x="4937066" y="7841676"/>
+                <a:ext cx="1044129" cy="577081"/>
+              </a:xfrm>
+              <a:prstGeom prst="rect">
+                <a:avLst/>
+              </a:prstGeom>
+              <a:noFill/>
+            </p:spPr>
+            <p:txBody>
+              <a:bodyPr wrap="square" rtlCol="0">
+                <a:spAutoFit/>
+              </a:bodyPr>
+              <a:lstStyle/>
+              <a:p>
+                <a:pPr algn="ctr"/>
+                <a:r>
+                  <a:rPr lang="en-US" sz="1050" b="1" dirty="0"/>
+                  <a:t>Hundreds of </a:t>
+                </a:r>
+              </a:p>
+              <a:p>
+                <a:pPr algn="ctr"/>
+                <a:r>
+                  <a:rPr lang="en-US" sz="1050" b="1" dirty="0"/>
+                  <a:t>Dedicated</a:t>
+                </a:r>
+              </a:p>
+              <a:p>
+                <a:pPr algn="ctr"/>
+                <a:r>
+                  <a:rPr lang="en-US" sz="1050" b="1" dirty="0"/>
+                  <a:t>libs</a:t>
+                </a:r>
+              </a:p>
+            </p:txBody>
+          </p:sp>
+        </p:grpSp>
+        <p:sp>
+          <p:nvSpPr>
+            <p:cNvPr id="30" name="Rectangle: Rounded Corners 29">
+              <a:extLst>
+                <a:ext uri="{FF2B5EF4-FFF2-40B4-BE49-F238E27FC236}">
+                  <a16:creationId xmlns:a16="http://schemas.microsoft.com/office/drawing/2014/main" id="{6FD10319-7FD9-965E-1535-0F46198CA659}"/>
                 </a:ext>
               </a:extLst>
             </p:cNvPr>
@@ -10323,8 +10469,738 @@
           </p:nvSpPr>
           <p:spPr>
             <a:xfrm>
-              <a:off x="5055006" y="7463976"/>
-              <a:ext cx="808250" cy="320722"/>
+              <a:off x="3975324" y="3971426"/>
+              <a:ext cx="1100157" cy="463838"/>
+            </a:xfrm>
+            <a:prstGeom prst="roundRect">
+              <a:avLst/>
+            </a:prstGeom>
+            <a:noFill/>
+            <a:ln w="28575">
+              <a:solidFill>
+                <a:srgbClr val="FF0000"/>
+              </a:solidFill>
+            </a:ln>
+          </p:spPr>
+          <p:style>
+            <a:lnRef idx="2">
+              <a:schemeClr val="accent1">
+                <a:shade val="15000"/>
+              </a:schemeClr>
+            </a:lnRef>
+            <a:fillRef idx="1">
+              <a:schemeClr val="accent1"/>
+            </a:fillRef>
+            <a:effectRef idx="0">
+              <a:schemeClr val="accent1"/>
+            </a:effectRef>
+            <a:fontRef idx="minor">
+              <a:schemeClr val="lt1"/>
+            </a:fontRef>
+          </p:style>
+          <p:txBody>
+            <a:bodyPr rtlCol="0" anchor="ctr"/>
+            <a:lstStyle/>
+            <a:p>
+              <a:pPr algn="ctr"/>
+              <a:r>
+                <a:rPr lang="en-US" sz="1050" dirty="0">
+                  <a:solidFill>
+                    <a:schemeClr val="tx1"/>
+                  </a:solidFill>
+                </a:rPr>
+                <a:t>Sub </a:t>
+              </a:r>
+              <a:r>
+                <a:rPr lang="en-US" sz="1050" dirty="0" err="1">
+                  <a:solidFill>
+                    <a:schemeClr val="tx1"/>
+                  </a:solidFill>
+                </a:rPr>
+                <a:t>dir</a:t>
+              </a:r>
+              <a:endParaRPr lang="en-US" sz="1050" dirty="0">
+                <a:solidFill>
+                  <a:schemeClr val="tx1"/>
+                </a:solidFill>
+              </a:endParaRPr>
+            </a:p>
+            <a:p>
+              <a:pPr algn="ctr"/>
+              <a:r>
+                <a:rPr lang="en-US" sz="1050" dirty="0">
+                  <a:solidFill>
+                    <a:schemeClr val="tx1"/>
+                  </a:solidFill>
+                </a:rPr>
+                <a:t>.</a:t>
+              </a:r>
+              <a:r>
+                <a:rPr lang="en-US" sz="1050" dirty="0" err="1">
+                  <a:solidFill>
+                    <a:schemeClr val="tx1"/>
+                  </a:solidFill>
+                </a:rPr>
+                <a:t>venv</a:t>
+              </a:r>
+              <a:endParaRPr lang="en-US" sz="1050" dirty="0">
+                <a:solidFill>
+                  <a:schemeClr val="tx1"/>
+                </a:solidFill>
+              </a:endParaRPr>
+            </a:p>
+          </p:txBody>
+        </p:sp>
+        <p:cxnSp>
+          <p:nvCxnSpPr>
+            <p:cNvPr id="32" name="Connector: Elbow 31">
+              <a:extLst>
+                <a:ext uri="{FF2B5EF4-FFF2-40B4-BE49-F238E27FC236}">
+                  <a16:creationId xmlns:a16="http://schemas.microsoft.com/office/drawing/2014/main" id="{865BE2ED-4388-C4E9-DBCA-96DBC324C75A}"/>
+                </a:ext>
+              </a:extLst>
+            </p:cNvPr>
+            <p:cNvCxnSpPr>
+              <a:cxnSpLocks/>
+              <a:stCxn id="30" idx="3"/>
+              <a:endCxn id="3" idx="0"/>
+            </p:cNvCxnSpPr>
+            <p:nvPr/>
+          </p:nvCxnSpPr>
+          <p:spPr>
+            <a:xfrm>
+              <a:off x="5075481" y="4203345"/>
+              <a:ext cx="629157" cy="332057"/>
+            </a:xfrm>
+            <a:prstGeom prst="bentConnector2">
+              <a:avLst/>
+            </a:prstGeom>
+            <a:ln>
+              <a:tailEnd type="triangle"/>
+            </a:ln>
+          </p:spPr>
+          <p:style>
+            <a:lnRef idx="1">
+              <a:schemeClr val="accent1"/>
+            </a:lnRef>
+            <a:fillRef idx="0">
+              <a:schemeClr val="accent1"/>
+            </a:fillRef>
+            <a:effectRef idx="0">
+              <a:schemeClr val="accent1"/>
+            </a:effectRef>
+            <a:fontRef idx="minor">
+              <a:schemeClr val="tx1"/>
+            </a:fontRef>
+          </p:style>
+        </p:cxnSp>
+        <p:cxnSp>
+          <p:nvCxnSpPr>
+            <p:cNvPr id="37" name="Straight Arrow Connector 36">
+              <a:extLst>
+                <a:ext uri="{FF2B5EF4-FFF2-40B4-BE49-F238E27FC236}">
+                  <a16:creationId xmlns:a16="http://schemas.microsoft.com/office/drawing/2014/main" id="{BD358C11-3DD7-130A-439F-E4BEBE12E6F1}"/>
+                </a:ext>
+              </a:extLst>
+            </p:cNvPr>
+            <p:cNvCxnSpPr>
+              <a:cxnSpLocks/>
+              <a:stCxn id="25" idx="3"/>
+              <a:endCxn id="30" idx="1"/>
+            </p:cNvCxnSpPr>
+            <p:nvPr/>
+          </p:nvCxnSpPr>
+          <p:spPr>
+            <a:xfrm flipV="1">
+              <a:off x="2956468" y="4203345"/>
+              <a:ext cx="1018856" cy="565602"/>
+            </a:xfrm>
+            <a:prstGeom prst="straightConnector1">
+              <a:avLst/>
+            </a:prstGeom>
+            <a:ln>
+              <a:tailEnd type="triangle"/>
+            </a:ln>
+          </p:spPr>
+          <p:style>
+            <a:lnRef idx="1">
+              <a:schemeClr val="accent1"/>
+            </a:lnRef>
+            <a:fillRef idx="0">
+              <a:schemeClr val="accent1"/>
+            </a:fillRef>
+            <a:effectRef idx="0">
+              <a:schemeClr val="accent1"/>
+            </a:effectRef>
+            <a:fontRef idx="minor">
+              <a:schemeClr val="tx1"/>
+            </a:fontRef>
+          </p:style>
+        </p:cxnSp>
+        <p:cxnSp>
+          <p:nvCxnSpPr>
+            <p:cNvPr id="42" name="Straight Arrow Connector 41">
+              <a:extLst>
+                <a:ext uri="{FF2B5EF4-FFF2-40B4-BE49-F238E27FC236}">
+                  <a16:creationId xmlns:a16="http://schemas.microsoft.com/office/drawing/2014/main" id="{DD864346-EFE0-A9FF-9901-890A3C7CD4B7}"/>
+                </a:ext>
+              </a:extLst>
+            </p:cNvPr>
+            <p:cNvCxnSpPr>
+              <a:cxnSpLocks/>
+              <a:stCxn id="25" idx="3"/>
+              <a:endCxn id="26" idx="1"/>
+            </p:cNvCxnSpPr>
+            <p:nvPr/>
+          </p:nvCxnSpPr>
+          <p:spPr>
+            <a:xfrm flipV="1">
+              <a:off x="2956468" y="4718259"/>
+              <a:ext cx="989718" cy="50688"/>
+            </a:xfrm>
+            <a:prstGeom prst="straightConnector1">
+              <a:avLst/>
+            </a:prstGeom>
+            <a:ln>
+              <a:tailEnd type="triangle"/>
+            </a:ln>
+          </p:spPr>
+          <p:style>
+            <a:lnRef idx="1">
+              <a:schemeClr val="accent1"/>
+            </a:lnRef>
+            <a:fillRef idx="0">
+              <a:schemeClr val="accent1"/>
+            </a:fillRef>
+            <a:effectRef idx="0">
+              <a:schemeClr val="accent1"/>
+            </a:effectRef>
+            <a:fontRef idx="minor">
+              <a:schemeClr val="tx1"/>
+            </a:fontRef>
+          </p:style>
+        </p:cxnSp>
+        <p:cxnSp>
+          <p:nvCxnSpPr>
+            <p:cNvPr id="49" name="Straight Arrow Connector 48">
+              <a:extLst>
+                <a:ext uri="{FF2B5EF4-FFF2-40B4-BE49-F238E27FC236}">
+                  <a16:creationId xmlns:a16="http://schemas.microsoft.com/office/drawing/2014/main" id="{48952DB4-1DF3-2C49-C2D7-0A8B6FBF9775}"/>
+                </a:ext>
+              </a:extLst>
+            </p:cNvPr>
+            <p:cNvCxnSpPr>
+              <a:cxnSpLocks/>
+              <a:stCxn id="25" idx="3"/>
+              <a:endCxn id="28" idx="1"/>
+            </p:cNvCxnSpPr>
+            <p:nvPr/>
+          </p:nvCxnSpPr>
+          <p:spPr>
+            <a:xfrm>
+              <a:off x="2956468" y="4768947"/>
+              <a:ext cx="989718" cy="612360"/>
+            </a:xfrm>
+            <a:prstGeom prst="straightConnector1">
+              <a:avLst/>
+            </a:prstGeom>
+            <a:ln>
+              <a:tailEnd type="triangle"/>
+            </a:ln>
+          </p:spPr>
+          <p:style>
+            <a:lnRef idx="1">
+              <a:schemeClr val="accent1"/>
+            </a:lnRef>
+            <a:fillRef idx="0">
+              <a:schemeClr val="accent1"/>
+            </a:fillRef>
+            <a:effectRef idx="0">
+              <a:schemeClr val="accent1"/>
+            </a:effectRef>
+            <a:fontRef idx="minor">
+              <a:schemeClr val="tx1"/>
+            </a:fontRef>
+          </p:style>
+        </p:cxnSp>
+        <p:cxnSp>
+          <p:nvCxnSpPr>
+            <p:cNvPr id="52" name="Straight Arrow Connector 51">
+              <a:extLst>
+                <a:ext uri="{FF2B5EF4-FFF2-40B4-BE49-F238E27FC236}">
+                  <a16:creationId xmlns:a16="http://schemas.microsoft.com/office/drawing/2014/main" id="{028335FE-22FE-EC03-B6B6-ADFBF2DF4183}"/>
+                </a:ext>
+              </a:extLst>
+            </p:cNvPr>
+            <p:cNvCxnSpPr>
+              <a:cxnSpLocks/>
+              <a:stCxn id="25" idx="3"/>
+              <a:endCxn id="27" idx="1"/>
+            </p:cNvCxnSpPr>
+            <p:nvPr/>
+          </p:nvCxnSpPr>
+          <p:spPr>
+            <a:xfrm>
+              <a:off x="2956468" y="4768947"/>
+              <a:ext cx="989718" cy="270034"/>
+            </a:xfrm>
+            <a:prstGeom prst="straightConnector1">
+              <a:avLst/>
+            </a:prstGeom>
+            <a:ln>
+              <a:tailEnd type="triangle"/>
+            </a:ln>
+          </p:spPr>
+          <p:style>
+            <a:lnRef idx="1">
+              <a:schemeClr val="accent1"/>
+            </a:lnRef>
+            <a:fillRef idx="0">
+              <a:schemeClr val="accent1"/>
+            </a:fillRef>
+            <a:effectRef idx="0">
+              <a:schemeClr val="accent1"/>
+            </a:effectRef>
+            <a:fontRef idx="minor">
+              <a:schemeClr val="tx1"/>
+            </a:fontRef>
+          </p:style>
+        </p:cxnSp>
+        <p:sp>
+          <p:nvSpPr>
+            <p:cNvPr id="61" name="Rectangle 60">
+              <a:extLst>
+                <a:ext uri="{FF2B5EF4-FFF2-40B4-BE49-F238E27FC236}">
+                  <a16:creationId xmlns:a16="http://schemas.microsoft.com/office/drawing/2014/main" id="{142101F3-32C8-70D2-59F8-EC2449007F00}"/>
+                </a:ext>
+              </a:extLst>
+            </p:cNvPr>
+            <p:cNvSpPr/>
+            <p:nvPr/>
+          </p:nvSpPr>
+          <p:spPr>
+            <a:xfrm>
+              <a:off x="327194" y="832513"/>
+              <a:ext cx="6237379" cy="6082429"/>
+            </a:xfrm>
+            <a:prstGeom prst="rect">
+              <a:avLst/>
+            </a:prstGeom>
+            <a:noFill/>
+          </p:spPr>
+          <p:style>
+            <a:lnRef idx="2">
+              <a:schemeClr val="accent1">
+                <a:shade val="15000"/>
+              </a:schemeClr>
+            </a:lnRef>
+            <a:fillRef idx="1">
+              <a:schemeClr val="accent1"/>
+            </a:fillRef>
+            <a:effectRef idx="0">
+              <a:schemeClr val="accent1"/>
+            </a:effectRef>
+            <a:fontRef idx="minor">
+              <a:schemeClr val="lt1"/>
+            </a:fontRef>
+          </p:style>
+          <p:txBody>
+            <a:bodyPr rtlCol="0" anchor="ctr"/>
+            <a:lstStyle/>
+            <a:p>
+              <a:pPr algn="ctr"/>
+              <a:endParaRPr lang="en-US" sz="1400" dirty="0">
+                <a:solidFill>
+                  <a:schemeClr val="tx1"/>
+                </a:solidFill>
+              </a:endParaRPr>
+            </a:p>
+          </p:txBody>
+        </p:sp>
+        <p:sp>
+          <p:nvSpPr>
+            <p:cNvPr id="34" name="Rectangle 33">
+              <a:extLst>
+                <a:ext uri="{FF2B5EF4-FFF2-40B4-BE49-F238E27FC236}">
+                  <a16:creationId xmlns:a16="http://schemas.microsoft.com/office/drawing/2014/main" id="{EC89A492-E03B-15D6-AF09-212A4D4E14C0}"/>
+                </a:ext>
+              </a:extLst>
+            </p:cNvPr>
+            <p:cNvSpPr/>
+            <p:nvPr/>
+          </p:nvSpPr>
+          <p:spPr>
+            <a:xfrm>
+              <a:off x="1806940" y="2711314"/>
+              <a:ext cx="893329" cy="546198"/>
+            </a:xfrm>
+            <a:prstGeom prst="rect">
+              <a:avLst/>
+            </a:prstGeom>
+            <a:noFill/>
+            <a:ln w="28575">
+              <a:solidFill>
+                <a:srgbClr val="FF0000"/>
+              </a:solidFill>
+            </a:ln>
+          </p:spPr>
+          <p:style>
+            <a:lnRef idx="2">
+              <a:schemeClr val="accent1">
+                <a:shade val="15000"/>
+              </a:schemeClr>
+            </a:lnRef>
+            <a:fillRef idx="1">
+              <a:schemeClr val="accent1"/>
+            </a:fillRef>
+            <a:effectRef idx="0">
+              <a:schemeClr val="accent1"/>
+            </a:effectRef>
+            <a:fontRef idx="minor">
+              <a:schemeClr val="lt1"/>
+            </a:fontRef>
+          </p:style>
+          <p:txBody>
+            <a:bodyPr rtlCol="0" anchor="ctr"/>
+            <a:lstStyle/>
+            <a:p>
+              <a:pPr algn="ctr"/>
+              <a:r>
+                <a:rPr lang="en-US" sz="1050" dirty="0" err="1">
+                  <a:solidFill>
+                    <a:schemeClr val="tx1"/>
+                  </a:solidFill>
+                </a:rPr>
+                <a:t>Uv</a:t>
+              </a:r>
+              <a:endParaRPr lang="en-US" sz="1050" dirty="0">
+                <a:solidFill>
+                  <a:schemeClr val="tx1"/>
+                </a:solidFill>
+              </a:endParaRPr>
+            </a:p>
+            <a:p>
+              <a:pPr algn="ctr"/>
+              <a:r>
+                <a:rPr lang="en-US" sz="1050" dirty="0">
+                  <a:solidFill>
+                    <a:schemeClr val="tx1"/>
+                  </a:solidFill>
+                </a:rPr>
+                <a:t>(Executable)</a:t>
+              </a:r>
+            </a:p>
+          </p:txBody>
+        </p:sp>
+        <p:sp>
+          <p:nvSpPr>
+            <p:cNvPr id="10" name="Rectangle 9">
+              <a:extLst>
+                <a:ext uri="{FF2B5EF4-FFF2-40B4-BE49-F238E27FC236}">
+                  <a16:creationId xmlns:a16="http://schemas.microsoft.com/office/drawing/2014/main" id="{C4448F91-D56D-625F-143D-AB02C7E69CB5}"/>
+                </a:ext>
+              </a:extLst>
+            </p:cNvPr>
+            <p:cNvSpPr/>
+            <p:nvPr/>
+          </p:nvSpPr>
+          <p:spPr>
+            <a:xfrm>
+              <a:off x="2939033" y="5755013"/>
+              <a:ext cx="1207249" cy="320722"/>
+            </a:xfrm>
+            <a:prstGeom prst="rect">
+              <a:avLst/>
+            </a:prstGeom>
+            <a:noFill/>
+            <a:ln w="28575">
+              <a:solidFill>
+                <a:srgbClr val="FF0000"/>
+              </a:solidFill>
+            </a:ln>
+          </p:spPr>
+          <p:style>
+            <a:lnRef idx="2">
+              <a:schemeClr val="accent1">
+                <a:shade val="15000"/>
+              </a:schemeClr>
+            </a:lnRef>
+            <a:fillRef idx="1">
+              <a:schemeClr val="accent1"/>
+            </a:fillRef>
+            <a:effectRef idx="0">
+              <a:schemeClr val="accent1"/>
+            </a:effectRef>
+            <a:fontRef idx="minor">
+              <a:schemeClr val="lt1"/>
+            </a:fontRef>
+          </p:style>
+          <p:txBody>
+            <a:bodyPr rtlCol="0" anchor="ctr"/>
+            <a:lstStyle/>
+            <a:p>
+              <a:pPr algn="ctr"/>
+              <a:r>
+                <a:rPr lang="en-US" sz="1050" dirty="0" err="1">
+                  <a:solidFill>
+                    <a:schemeClr val="tx1"/>
+                  </a:solidFill>
+                </a:rPr>
+                <a:t>pyproject.toml</a:t>
+              </a:r>
+              <a:endParaRPr lang="en-US" sz="1050" dirty="0">
+                <a:solidFill>
+                  <a:schemeClr val="tx1"/>
+                </a:solidFill>
+              </a:endParaRPr>
+            </a:p>
+          </p:txBody>
+        </p:sp>
+        <p:sp>
+          <p:nvSpPr>
+            <p:cNvPr id="11" name="Rectangle 10">
+              <a:extLst>
+                <a:ext uri="{FF2B5EF4-FFF2-40B4-BE49-F238E27FC236}">
+                  <a16:creationId xmlns:a16="http://schemas.microsoft.com/office/drawing/2014/main" id="{44D6655A-3E8F-A5B3-21F8-55997CC1923C}"/>
+                </a:ext>
+              </a:extLst>
+            </p:cNvPr>
+            <p:cNvSpPr/>
+            <p:nvPr/>
+          </p:nvSpPr>
+          <p:spPr>
+            <a:xfrm>
+              <a:off x="2939033" y="6225573"/>
+              <a:ext cx="1207249" cy="320722"/>
+            </a:xfrm>
+            <a:prstGeom prst="rect">
+              <a:avLst/>
+            </a:prstGeom>
+            <a:noFill/>
+            <a:ln w="28575">
+              <a:solidFill>
+                <a:srgbClr val="FF0000"/>
+              </a:solidFill>
+            </a:ln>
+          </p:spPr>
+          <p:style>
+            <a:lnRef idx="2">
+              <a:schemeClr val="accent1">
+                <a:shade val="15000"/>
+              </a:schemeClr>
+            </a:lnRef>
+            <a:fillRef idx="1">
+              <a:schemeClr val="accent1"/>
+            </a:fillRef>
+            <a:effectRef idx="0">
+              <a:schemeClr val="accent1"/>
+            </a:effectRef>
+            <a:fontRef idx="minor">
+              <a:schemeClr val="lt1"/>
+            </a:fontRef>
+          </p:style>
+          <p:txBody>
+            <a:bodyPr rtlCol="0" anchor="ctr"/>
+            <a:lstStyle/>
+            <a:p>
+              <a:pPr algn="ctr"/>
+              <a:r>
+                <a:rPr lang="en-US" sz="1050" dirty="0" err="1">
+                  <a:solidFill>
+                    <a:schemeClr val="tx1"/>
+                  </a:solidFill>
+                </a:rPr>
+                <a:t>Uv.lock</a:t>
+              </a:r>
+              <a:endParaRPr lang="en-US" sz="1050" dirty="0">
+                <a:solidFill>
+                  <a:schemeClr val="tx1"/>
+                </a:solidFill>
+              </a:endParaRPr>
+            </a:p>
+          </p:txBody>
+        </p:sp>
+        <p:cxnSp>
+          <p:nvCxnSpPr>
+            <p:cNvPr id="12" name="Straight Arrow Connector 11">
+              <a:extLst>
+                <a:ext uri="{FF2B5EF4-FFF2-40B4-BE49-F238E27FC236}">
+                  <a16:creationId xmlns:a16="http://schemas.microsoft.com/office/drawing/2014/main" id="{3BE0A3FE-E523-38EC-78FA-0DF3C6CCC90F}"/>
+                </a:ext>
+              </a:extLst>
+            </p:cNvPr>
+            <p:cNvCxnSpPr>
+              <a:cxnSpLocks/>
+              <a:stCxn id="25" idx="2"/>
+              <a:endCxn id="10" idx="1"/>
+            </p:cNvCxnSpPr>
+            <p:nvPr/>
+          </p:nvCxnSpPr>
+          <p:spPr>
+            <a:xfrm>
+              <a:off x="2352844" y="5042045"/>
+              <a:ext cx="586189" cy="873329"/>
+            </a:xfrm>
+            <a:prstGeom prst="straightConnector1">
+              <a:avLst/>
+            </a:prstGeom>
+            <a:ln>
+              <a:tailEnd type="triangle"/>
+            </a:ln>
+          </p:spPr>
+          <p:style>
+            <a:lnRef idx="1">
+              <a:schemeClr val="accent1"/>
+            </a:lnRef>
+            <a:fillRef idx="0">
+              <a:schemeClr val="accent1"/>
+            </a:fillRef>
+            <a:effectRef idx="0">
+              <a:schemeClr val="accent1"/>
+            </a:effectRef>
+            <a:fontRef idx="minor">
+              <a:schemeClr val="tx1"/>
+            </a:fontRef>
+          </p:style>
+        </p:cxnSp>
+        <p:cxnSp>
+          <p:nvCxnSpPr>
+            <p:cNvPr id="16" name="Straight Arrow Connector 15">
+              <a:extLst>
+                <a:ext uri="{FF2B5EF4-FFF2-40B4-BE49-F238E27FC236}">
+                  <a16:creationId xmlns:a16="http://schemas.microsoft.com/office/drawing/2014/main" id="{1A4E8ED7-45CA-AB73-11C1-CFEEFE322C31}"/>
+                </a:ext>
+              </a:extLst>
+            </p:cNvPr>
+            <p:cNvCxnSpPr>
+              <a:cxnSpLocks/>
+              <a:stCxn id="25" idx="2"/>
+              <a:endCxn id="11" idx="1"/>
+            </p:cNvCxnSpPr>
+            <p:nvPr/>
+          </p:nvCxnSpPr>
+          <p:spPr>
+            <a:xfrm>
+              <a:off x="2352844" y="5042045"/>
+              <a:ext cx="586189" cy="1343889"/>
+            </a:xfrm>
+            <a:prstGeom prst="straightConnector1">
+              <a:avLst/>
+            </a:prstGeom>
+            <a:ln>
+              <a:tailEnd type="triangle"/>
+            </a:ln>
+          </p:spPr>
+          <p:style>
+            <a:lnRef idx="1">
+              <a:schemeClr val="accent1"/>
+            </a:lnRef>
+            <a:fillRef idx="0">
+              <a:schemeClr val="accent1"/>
+            </a:fillRef>
+            <a:effectRef idx="0">
+              <a:schemeClr val="accent1"/>
+            </a:effectRef>
+            <a:fontRef idx="minor">
+              <a:schemeClr val="tx1"/>
+            </a:fontRef>
+          </p:style>
+        </p:cxnSp>
+        <p:cxnSp>
+          <p:nvCxnSpPr>
+            <p:cNvPr id="19" name="Straight Arrow Connector 18">
+              <a:extLst>
+                <a:ext uri="{FF2B5EF4-FFF2-40B4-BE49-F238E27FC236}">
+                  <a16:creationId xmlns:a16="http://schemas.microsoft.com/office/drawing/2014/main" id="{FA976E2C-14B1-0F21-D761-F7D405CC68CA}"/>
+                </a:ext>
+              </a:extLst>
+            </p:cNvPr>
+            <p:cNvCxnSpPr>
+              <a:cxnSpLocks/>
+              <a:stCxn id="34" idx="2"/>
+              <a:endCxn id="25" idx="0"/>
+            </p:cNvCxnSpPr>
+            <p:nvPr/>
+          </p:nvCxnSpPr>
+          <p:spPr>
+            <a:xfrm>
+              <a:off x="2253605" y="3257512"/>
+              <a:ext cx="99239" cy="1238336"/>
+            </a:xfrm>
+            <a:prstGeom prst="straightConnector1">
+              <a:avLst/>
+            </a:prstGeom>
+            <a:ln>
+              <a:tailEnd type="triangle"/>
+            </a:ln>
+          </p:spPr>
+          <p:style>
+            <a:lnRef idx="1">
+              <a:schemeClr val="accent1"/>
+            </a:lnRef>
+            <a:fillRef idx="0">
+              <a:schemeClr val="accent1"/>
+            </a:fillRef>
+            <a:effectRef idx="0">
+              <a:schemeClr val="accent1"/>
+            </a:effectRef>
+            <a:fontRef idx="minor">
+              <a:schemeClr val="tx1"/>
+            </a:fontRef>
+          </p:style>
+        </p:cxnSp>
+        <p:sp>
+          <p:nvSpPr>
+            <p:cNvPr id="23" name="TextBox 22">
+              <a:extLst>
+                <a:ext uri="{FF2B5EF4-FFF2-40B4-BE49-F238E27FC236}">
+                  <a16:creationId xmlns:a16="http://schemas.microsoft.com/office/drawing/2014/main" id="{6C816312-74EA-A501-635A-25B776D3F451}"/>
+                </a:ext>
+              </a:extLst>
+            </p:cNvPr>
+            <p:cNvSpPr txBox="1"/>
+            <p:nvPr/>
+          </p:nvSpPr>
+          <p:spPr>
+            <a:xfrm flipH="1">
+              <a:off x="1851975" y="3684850"/>
+              <a:ext cx="1027019" cy="307777"/>
+            </a:xfrm>
+            <a:prstGeom prst="rect">
+              <a:avLst/>
+            </a:prstGeom>
+            <a:noFill/>
+          </p:spPr>
+          <p:txBody>
+            <a:bodyPr wrap="square" rtlCol="0">
+              <a:spAutoFit/>
+            </a:bodyPr>
+            <a:lstStyle/>
+            <a:p>
+              <a:pPr algn="ctr"/>
+              <a:r>
+                <a:rPr lang="en-US" sz="1400" dirty="0"/>
+                <a:t>Manage</a:t>
+              </a:r>
+            </a:p>
+          </p:txBody>
+        </p:sp>
+        <p:sp>
+          <p:nvSpPr>
+            <p:cNvPr id="24" name="Rectangle: Rounded Corners 23">
+              <a:extLst>
+                <a:ext uri="{FF2B5EF4-FFF2-40B4-BE49-F238E27FC236}">
+                  <a16:creationId xmlns:a16="http://schemas.microsoft.com/office/drawing/2014/main" id="{4772D0C1-7048-B6A0-03C9-8D0B1D012D1E}"/>
+                </a:ext>
+              </a:extLst>
+            </p:cNvPr>
+            <p:cNvSpPr/>
+            <p:nvPr/>
+          </p:nvSpPr>
+          <p:spPr>
+            <a:xfrm>
+              <a:off x="3124412" y="2158362"/>
+              <a:ext cx="1371852" cy="320722"/>
             </a:xfrm>
             <a:prstGeom prst="roundRect">
               <a:avLst/>
@@ -10358,17 +11234,114 @@
                     <a:schemeClr val="tx1"/>
                   </a:solidFill>
                 </a:rPr>
-                <a:t>lib</a:t>
+                <a:t>a.py</a:t>
               </a:r>
             </a:p>
           </p:txBody>
         </p:sp>
         <p:sp>
           <p:nvSpPr>
-            <p:cNvPr id="15" name="TextBox 14">
+            <p:cNvPr id="29" name="Rectangle: Rounded Corners 28">
               <a:extLst>
                 <a:ext uri="{FF2B5EF4-FFF2-40B4-BE49-F238E27FC236}">
-                  <a16:creationId xmlns:a16="http://schemas.microsoft.com/office/drawing/2014/main" id="{713D997F-DB93-D706-4A71-2D2367AB16CC}"/>
+                  <a16:creationId xmlns:a16="http://schemas.microsoft.com/office/drawing/2014/main" id="{6F8DA5DA-E25C-1980-49D4-2E2B18FF42B8}"/>
+                </a:ext>
+              </a:extLst>
+            </p:cNvPr>
+            <p:cNvSpPr/>
+            <p:nvPr/>
+          </p:nvSpPr>
+          <p:spPr>
+            <a:xfrm>
+              <a:off x="3124411" y="2785646"/>
+              <a:ext cx="1371853" cy="320722"/>
+            </a:xfrm>
+            <a:prstGeom prst="roundRect">
+              <a:avLst/>
+            </a:prstGeom>
+            <a:noFill/>
+          </p:spPr>
+          <p:style>
+            <a:lnRef idx="2">
+              <a:schemeClr val="accent1">
+                <a:shade val="15000"/>
+              </a:schemeClr>
+            </a:lnRef>
+            <a:fillRef idx="1">
+              <a:schemeClr val="accent1"/>
+            </a:fillRef>
+            <a:effectRef idx="0">
+              <a:schemeClr val="accent1"/>
+            </a:effectRef>
+            <a:fontRef idx="minor">
+              <a:schemeClr val="lt1"/>
+            </a:fontRef>
+          </p:style>
+          <p:txBody>
+            <a:bodyPr rtlCol="0" anchor="ctr"/>
+            <a:lstStyle/>
+            <a:p>
+              <a:pPr algn="ctr"/>
+              <a:r>
+                <a:rPr lang="en-US" sz="1400" dirty="0">
+                  <a:solidFill>
+                    <a:schemeClr val="tx1"/>
+                  </a:solidFill>
+                </a:rPr>
+                <a:t>Some-lib</a:t>
+              </a:r>
+            </a:p>
+          </p:txBody>
+        </p:sp>
+        <p:cxnSp>
+          <p:nvCxnSpPr>
+            <p:cNvPr id="31" name="Straight Arrow Connector 30">
+              <a:extLst>
+                <a:ext uri="{FF2B5EF4-FFF2-40B4-BE49-F238E27FC236}">
+                  <a16:creationId xmlns:a16="http://schemas.microsoft.com/office/drawing/2014/main" id="{936D2D76-688B-6957-0ADA-ED183122FCAC}"/>
+                </a:ext>
+              </a:extLst>
+            </p:cNvPr>
+            <p:cNvCxnSpPr>
+              <a:cxnSpLocks/>
+              <a:stCxn id="34" idx="3"/>
+              <a:endCxn id="24" idx="1"/>
+            </p:cNvCxnSpPr>
+            <p:nvPr/>
+          </p:nvCxnSpPr>
+          <p:spPr>
+            <a:xfrm flipV="1">
+              <a:off x="2700269" y="2318723"/>
+              <a:ext cx="424143" cy="665690"/>
+            </a:xfrm>
+            <a:prstGeom prst="straightConnector1">
+              <a:avLst/>
+            </a:prstGeom>
+            <a:ln>
+              <a:tailEnd type="triangle"/>
+            </a:ln>
+          </p:spPr>
+          <p:style>
+            <a:lnRef idx="1">
+              <a:schemeClr val="accent1"/>
+            </a:lnRef>
+            <a:fillRef idx="0">
+              <a:schemeClr val="accent1"/>
+            </a:fillRef>
+            <a:effectRef idx="0">
+              <a:schemeClr val="accent1"/>
+            </a:effectRef>
+            <a:fontRef idx="minor">
+              <a:schemeClr val="tx1"/>
+            </a:fontRef>
+          </p:style>
+        </p:cxnSp>
+        <p:sp>
+          <p:nvSpPr>
+            <p:cNvPr id="38" name="TextBox 37">
+              <a:extLst>
+                <a:ext uri="{FF2B5EF4-FFF2-40B4-BE49-F238E27FC236}">
+                  <a16:creationId xmlns:a16="http://schemas.microsoft.com/office/drawing/2014/main" id="{2151408D-CA69-A283-03C4-5BD1520A72AD}"/>
                 </a:ext>
               </a:extLst>
             </p:cNvPr>
@@ -10377,8 +11350,8 @@
           </p:nvSpPr>
           <p:spPr>
             <a:xfrm flipH="1">
-              <a:off x="4937066" y="7841676"/>
-              <a:ext cx="1044129" cy="577081"/>
+              <a:off x="3417551" y="1847521"/>
+              <a:ext cx="728731" cy="307777"/>
             </a:xfrm>
             <a:prstGeom prst="rect">
               <a:avLst/>
@@ -10393,1317 +11366,386 @@
             <a:p>
               <a:pPr algn="ctr"/>
               <a:r>
-                <a:rPr lang="en-US" sz="1050" b="1" dirty="0"/>
-                <a:t>Hundreds of </a:t>
+                <a:rPr lang="en-US" sz="1400" dirty="0" err="1"/>
+                <a:t>Uv</a:t>
+              </a:r>
+              <a:r>
+                <a:rPr lang="en-US" sz="1400" dirty="0"/>
+                <a:t> run</a:t>
+              </a:r>
+            </a:p>
+          </p:txBody>
+        </p:sp>
+        <p:cxnSp>
+          <p:nvCxnSpPr>
+            <p:cNvPr id="44" name="Straight Arrow Connector 43">
+              <a:extLst>
+                <a:ext uri="{FF2B5EF4-FFF2-40B4-BE49-F238E27FC236}">
+                  <a16:creationId xmlns:a16="http://schemas.microsoft.com/office/drawing/2014/main" id="{47212487-78C1-F09F-1B63-AD709E9F6CA4}"/>
+                </a:ext>
+              </a:extLst>
+            </p:cNvPr>
+            <p:cNvCxnSpPr>
+              <a:cxnSpLocks/>
+              <a:stCxn id="34" idx="3"/>
+              <a:endCxn id="29" idx="1"/>
+            </p:cNvCxnSpPr>
+            <p:nvPr/>
+          </p:nvCxnSpPr>
+          <p:spPr>
+            <a:xfrm flipV="1">
+              <a:off x="2700269" y="2946007"/>
+              <a:ext cx="424142" cy="38406"/>
+            </a:xfrm>
+            <a:prstGeom prst="straightConnector1">
+              <a:avLst/>
+            </a:prstGeom>
+            <a:ln>
+              <a:tailEnd type="triangle"/>
+            </a:ln>
+          </p:spPr>
+          <p:style>
+            <a:lnRef idx="1">
+              <a:schemeClr val="accent1"/>
+            </a:lnRef>
+            <a:fillRef idx="0">
+              <a:schemeClr val="accent1"/>
+            </a:fillRef>
+            <a:effectRef idx="0">
+              <a:schemeClr val="accent1"/>
+            </a:effectRef>
+            <a:fontRef idx="minor">
+              <a:schemeClr val="tx1"/>
+            </a:fontRef>
+          </p:style>
+        </p:cxnSp>
+        <p:sp>
+          <p:nvSpPr>
+            <p:cNvPr id="53" name="TextBox 52">
+              <a:extLst>
+                <a:ext uri="{FF2B5EF4-FFF2-40B4-BE49-F238E27FC236}">
+                  <a16:creationId xmlns:a16="http://schemas.microsoft.com/office/drawing/2014/main" id="{7100BF55-22A5-63E1-7713-D5B01B1D3C49}"/>
+                </a:ext>
+              </a:extLst>
+            </p:cNvPr>
+            <p:cNvSpPr txBox="1"/>
+            <p:nvPr/>
+          </p:nvSpPr>
+          <p:spPr>
+            <a:xfrm flipH="1">
+              <a:off x="3110120" y="3225124"/>
+              <a:ext cx="1252396" cy="307777"/>
+            </a:xfrm>
+            <a:prstGeom prst="rect">
+              <a:avLst/>
+            </a:prstGeom>
+            <a:noFill/>
+          </p:spPr>
+          <p:txBody>
+            <a:bodyPr wrap="square" rtlCol="0">
+              <a:spAutoFit/>
+            </a:bodyPr>
+            <a:lstStyle/>
+            <a:p>
+              <a:pPr algn="ctr"/>
+              <a:r>
+                <a:rPr lang="en-US" sz="1400" dirty="0" err="1"/>
+                <a:t>Uv</a:t>
+              </a:r>
+              <a:r>
+                <a:rPr lang="en-US" sz="1400" dirty="0"/>
+                <a:t> pip install</a:t>
+              </a:r>
+            </a:p>
+          </p:txBody>
+        </p:sp>
+        <p:pic>
+          <p:nvPicPr>
+            <p:cNvPr id="60" name="Picture 59">
+              <a:extLst>
+                <a:ext uri="{FF2B5EF4-FFF2-40B4-BE49-F238E27FC236}">
+                  <a16:creationId xmlns:a16="http://schemas.microsoft.com/office/drawing/2014/main" id="{A7607558-CDAE-4589-070B-A083C038CD03}"/>
+                </a:ext>
+              </a:extLst>
+            </p:cNvPr>
+            <p:cNvPicPr>
+              <a:picLocks noChangeAspect="1"/>
+            </p:cNvPicPr>
+            <p:nvPr/>
+          </p:nvPicPr>
+          <p:blipFill>
+            <a:blip r:embed="rId2"/>
+            <a:stretch>
+              <a:fillRect/>
+            </a:stretch>
+          </p:blipFill>
+          <p:spPr>
+            <a:xfrm>
+              <a:off x="1509429" y="2843239"/>
+              <a:ext cx="356259" cy="327595"/>
+            </a:xfrm>
+            <a:prstGeom prst="rect">
+              <a:avLst/>
+            </a:prstGeom>
+          </p:spPr>
+        </p:pic>
+        <p:cxnSp>
+          <p:nvCxnSpPr>
+            <p:cNvPr id="1025" name="Straight Arrow Connector 1024">
+              <a:extLst>
+                <a:ext uri="{FF2B5EF4-FFF2-40B4-BE49-F238E27FC236}">
+                  <a16:creationId xmlns:a16="http://schemas.microsoft.com/office/drawing/2014/main" id="{6DFDE9ED-4FD3-8766-30E6-E9CFB52F651B}"/>
+                </a:ext>
+              </a:extLst>
+            </p:cNvPr>
+            <p:cNvCxnSpPr>
+              <a:cxnSpLocks/>
+              <a:stCxn id="1033" idx="3"/>
+              <a:endCxn id="60" idx="1"/>
+            </p:cNvCxnSpPr>
+            <p:nvPr/>
+          </p:nvCxnSpPr>
+          <p:spPr>
+            <a:xfrm flipV="1">
+              <a:off x="870131" y="3007037"/>
+              <a:ext cx="639298" cy="1068682"/>
+            </a:xfrm>
+            <a:prstGeom prst="straightConnector1">
+              <a:avLst/>
+            </a:prstGeom>
+            <a:ln>
+              <a:tailEnd type="triangle"/>
+            </a:ln>
+          </p:spPr>
+          <p:style>
+            <a:lnRef idx="1">
+              <a:schemeClr val="accent1"/>
+            </a:lnRef>
+            <a:fillRef idx="0">
+              <a:schemeClr val="accent1"/>
+            </a:fillRef>
+            <a:effectRef idx="0">
+              <a:schemeClr val="accent1"/>
+            </a:effectRef>
+            <a:fontRef idx="minor">
+              <a:schemeClr val="tx1"/>
+            </a:fontRef>
+          </p:style>
+        </p:cxnSp>
+        <p:pic>
+          <p:nvPicPr>
+            <p:cNvPr id="1033" name="Picture 1032">
+              <a:extLst>
+                <a:ext uri="{FF2B5EF4-FFF2-40B4-BE49-F238E27FC236}">
+                  <a16:creationId xmlns:a16="http://schemas.microsoft.com/office/drawing/2014/main" id="{080AF91D-A5A8-9C53-3DDB-21AD256C5CDF}"/>
+                </a:ext>
+              </a:extLst>
+            </p:cNvPr>
+            <p:cNvPicPr>
+              <a:picLocks noChangeAspect="1"/>
+            </p:cNvPicPr>
+            <p:nvPr/>
+          </p:nvPicPr>
+          <p:blipFill>
+            <a:blip r:embed="rId3"/>
+            <a:stretch>
+              <a:fillRect/>
+            </a:stretch>
+          </p:blipFill>
+          <p:spPr>
+            <a:xfrm>
+              <a:off x="528922" y="3876680"/>
+              <a:ext cx="341209" cy="398077"/>
+            </a:xfrm>
+            <a:prstGeom prst="rect">
+              <a:avLst/>
+            </a:prstGeom>
+          </p:spPr>
+        </p:pic>
+        <p:sp>
+          <p:nvSpPr>
+            <p:cNvPr id="1036" name="TextBox 1035">
+              <a:extLst>
+                <a:ext uri="{FF2B5EF4-FFF2-40B4-BE49-F238E27FC236}">
+                  <a16:creationId xmlns:a16="http://schemas.microsoft.com/office/drawing/2014/main" id="{D61C2D64-5A89-0BD5-D404-93CECBD37A9F}"/>
+                </a:ext>
+              </a:extLst>
+            </p:cNvPr>
+            <p:cNvSpPr txBox="1"/>
+            <p:nvPr/>
+          </p:nvSpPr>
+          <p:spPr>
+            <a:xfrm flipH="1">
+              <a:off x="389391" y="3257512"/>
+              <a:ext cx="1121058" cy="461665"/>
+            </a:xfrm>
+            <a:prstGeom prst="rect">
+              <a:avLst/>
+            </a:prstGeom>
+            <a:noFill/>
+          </p:spPr>
+          <p:txBody>
+            <a:bodyPr wrap="square" rtlCol="0">
+              <a:spAutoFit/>
+            </a:bodyPr>
+            <a:lstStyle/>
+            <a:p>
+              <a:pPr algn="ctr"/>
+              <a:r>
+                <a:rPr lang="en-US" sz="1200" dirty="0"/>
+                <a:t>Do all things</a:t>
               </a:r>
             </a:p>
             <a:p>
               <a:pPr algn="ctr"/>
               <a:r>
-                <a:rPr lang="en-US" sz="1050" b="1" dirty="0"/>
-                <a:t>Dedicated</a:t>
+                <a:rPr lang="en-US" sz="1200" dirty="0"/>
+                <a:t>Python</a:t>
+              </a:r>
+            </a:p>
+          </p:txBody>
+        </p:sp>
+        <p:sp>
+          <p:nvSpPr>
+            <p:cNvPr id="1038" name="TextBox 1037">
+              <a:extLst>
+                <a:ext uri="{FF2B5EF4-FFF2-40B4-BE49-F238E27FC236}">
+                  <a16:creationId xmlns:a16="http://schemas.microsoft.com/office/drawing/2014/main" id="{ACE50921-B506-0E15-58DB-03E485450F01}"/>
+                </a:ext>
+              </a:extLst>
+            </p:cNvPr>
+            <p:cNvSpPr txBox="1"/>
+            <p:nvPr/>
+          </p:nvSpPr>
+          <p:spPr>
+            <a:xfrm flipH="1">
+              <a:off x="663665" y="2301314"/>
+              <a:ext cx="1176097" cy="523220"/>
+            </a:xfrm>
+            <a:prstGeom prst="rect">
+              <a:avLst/>
+            </a:prstGeom>
+            <a:noFill/>
+          </p:spPr>
+          <p:txBody>
+            <a:bodyPr wrap="square" lIns="0" rIns="0" rtlCol="0">
+              <a:spAutoFit/>
+            </a:bodyPr>
+            <a:lstStyle/>
+            <a:p>
+              <a:pPr algn="ctr"/>
+              <a:r>
+                <a:rPr lang="en-US" sz="1400" dirty="0"/>
+                <a:t>UV</a:t>
               </a:r>
             </a:p>
             <a:p>
               <a:pPr algn="ctr"/>
               <a:r>
-                <a:rPr lang="en-US" sz="1050" b="1" dirty="0"/>
-                <a:t>libs</a:t>
+                <a:rPr lang="en-US" sz="1400" dirty="0"/>
+                <a:t>As an Agent</a:t>
+              </a:r>
+            </a:p>
+          </p:txBody>
+        </p:sp>
+        <p:sp>
+          <p:nvSpPr>
+            <p:cNvPr id="1039" name="TextBox 1038">
+              <a:extLst>
+                <a:ext uri="{FF2B5EF4-FFF2-40B4-BE49-F238E27FC236}">
+                  <a16:creationId xmlns:a16="http://schemas.microsoft.com/office/drawing/2014/main" id="{FA12364F-B618-B346-3684-472BF10BD864}"/>
+                </a:ext>
+              </a:extLst>
+            </p:cNvPr>
+            <p:cNvSpPr txBox="1"/>
+            <p:nvPr/>
+          </p:nvSpPr>
+          <p:spPr>
+            <a:xfrm flipH="1">
+              <a:off x="363149" y="4346024"/>
+              <a:ext cx="1176097" cy="307777"/>
+            </a:xfrm>
+            <a:prstGeom prst="rect">
+              <a:avLst/>
+            </a:prstGeom>
+            <a:noFill/>
+          </p:spPr>
+          <p:txBody>
+            <a:bodyPr wrap="square" lIns="0" rIns="0" rtlCol="0">
+              <a:spAutoFit/>
+            </a:bodyPr>
+            <a:lstStyle/>
+            <a:p>
+              <a:pPr algn="ctr"/>
+              <a:r>
+                <a:rPr lang="en-US" sz="1400" dirty="0"/>
+                <a:t>Programmer</a:t>
+              </a:r>
+            </a:p>
+          </p:txBody>
+        </p:sp>
+        <p:sp>
+          <p:nvSpPr>
+            <p:cNvPr id="1047" name="TextBox 1046">
+              <a:extLst>
+                <a:ext uri="{FF2B5EF4-FFF2-40B4-BE49-F238E27FC236}">
+                  <a16:creationId xmlns:a16="http://schemas.microsoft.com/office/drawing/2014/main" id="{E054335B-F6F8-3DE9-D3EC-C82CB1C45AFD}"/>
+                </a:ext>
+              </a:extLst>
+            </p:cNvPr>
+            <p:cNvSpPr txBox="1"/>
+            <p:nvPr/>
+          </p:nvSpPr>
+          <p:spPr>
+            <a:xfrm flipH="1">
+              <a:off x="4625975" y="2460319"/>
+              <a:ext cx="1736500" cy="954107"/>
+            </a:xfrm>
+            <a:prstGeom prst="rect">
+              <a:avLst/>
+            </a:prstGeom>
+            <a:noFill/>
+          </p:spPr>
+          <p:txBody>
+            <a:bodyPr wrap="square" rtlCol="0">
+              <a:spAutoFit/>
+            </a:bodyPr>
+            <a:lstStyle/>
+            <a:p>
+              <a:pPr marL="168275" indent="-168275">
+                <a:buAutoNum type="arabicPeriod"/>
+                <a:tabLst>
+                  <a:tab pos="60325" algn="l"/>
+                </a:tabLst>
+              </a:pPr>
+              <a:r>
+                <a:rPr lang="en-US" sz="1400" dirty="0"/>
+                <a:t>No activation necessary</a:t>
+              </a:r>
+            </a:p>
+            <a:p>
+              <a:pPr marL="168275" indent="-168275">
+                <a:buAutoNum type="arabicPeriod"/>
+                <a:tabLst>
+                  <a:tab pos="60325" algn="l"/>
+                </a:tabLst>
+              </a:pPr>
+              <a:r>
+                <a:rPr lang="en-US" sz="1400" dirty="0"/>
+                <a:t>Creates .</a:t>
+              </a:r>
+              <a:r>
+                <a:rPr lang="en-US" sz="1400" dirty="0" err="1"/>
+                <a:t>venv</a:t>
+              </a:r>
+              <a:r>
+                <a:rPr lang="en-US" sz="1400" dirty="0"/>
+                <a:t> automatically</a:t>
               </a:r>
             </a:p>
           </p:txBody>
         </p:sp>
       </p:grpSp>
-      <p:sp>
-        <p:nvSpPr>
-          <p:cNvPr id="30" name="Rectangle: Rounded Corners 29">
-            <a:extLst>
-              <a:ext uri="{FF2B5EF4-FFF2-40B4-BE49-F238E27FC236}">
-                <a16:creationId xmlns:a16="http://schemas.microsoft.com/office/drawing/2014/main" id="{6FD10319-7FD9-965E-1535-0F46198CA659}"/>
-              </a:ext>
-            </a:extLst>
-          </p:cNvPr>
-          <p:cNvSpPr/>
-          <p:nvPr/>
-        </p:nvSpPr>
-        <p:spPr>
-          <a:xfrm>
-            <a:off x="3975324" y="3971426"/>
-            <a:ext cx="1100157" cy="463838"/>
-          </a:xfrm>
-          <a:prstGeom prst="roundRect">
-            <a:avLst/>
-          </a:prstGeom>
-          <a:noFill/>
-          <a:ln w="28575">
-            <a:solidFill>
-              <a:srgbClr val="FF0000"/>
-            </a:solidFill>
-          </a:ln>
-        </p:spPr>
-        <p:style>
-          <a:lnRef idx="2">
-            <a:schemeClr val="accent1">
-              <a:shade val="15000"/>
-            </a:schemeClr>
-          </a:lnRef>
-          <a:fillRef idx="1">
-            <a:schemeClr val="accent1"/>
-          </a:fillRef>
-          <a:effectRef idx="0">
-            <a:schemeClr val="accent1"/>
-          </a:effectRef>
-          <a:fontRef idx="minor">
-            <a:schemeClr val="lt1"/>
-          </a:fontRef>
-        </p:style>
-        <p:txBody>
-          <a:bodyPr rtlCol="0" anchor="ctr"/>
-          <a:lstStyle/>
-          <a:p>
-            <a:pPr algn="ctr"/>
-            <a:r>
-              <a:rPr lang="en-US" sz="1050" dirty="0">
-                <a:solidFill>
-                  <a:schemeClr val="tx1"/>
-                </a:solidFill>
-              </a:rPr>
-              <a:t>Sub </a:t>
-            </a:r>
-            <a:r>
-              <a:rPr lang="en-US" sz="1050" dirty="0" err="1">
-                <a:solidFill>
-                  <a:schemeClr val="tx1"/>
-                </a:solidFill>
-              </a:rPr>
-              <a:t>dir</a:t>
-            </a:r>
-            <a:endParaRPr lang="en-US" sz="1050" dirty="0">
-              <a:solidFill>
-                <a:schemeClr val="tx1"/>
-              </a:solidFill>
-            </a:endParaRPr>
-          </a:p>
-          <a:p>
-            <a:pPr algn="ctr"/>
-            <a:r>
-              <a:rPr lang="en-US" sz="1050" dirty="0">
-                <a:solidFill>
-                  <a:schemeClr val="tx1"/>
-                </a:solidFill>
-              </a:rPr>
-              <a:t>.</a:t>
-            </a:r>
-            <a:r>
-              <a:rPr lang="en-US" sz="1050" dirty="0" err="1">
-                <a:solidFill>
-                  <a:schemeClr val="tx1"/>
-                </a:solidFill>
-              </a:rPr>
-              <a:t>venv</a:t>
-            </a:r>
-            <a:endParaRPr lang="en-US" sz="1050" dirty="0">
-              <a:solidFill>
-                <a:schemeClr val="tx1"/>
-              </a:solidFill>
-            </a:endParaRPr>
-          </a:p>
-        </p:txBody>
-      </p:sp>
-      <p:cxnSp>
-        <p:nvCxnSpPr>
-          <p:cNvPr id="32" name="Connector: Elbow 31">
-            <a:extLst>
-              <a:ext uri="{FF2B5EF4-FFF2-40B4-BE49-F238E27FC236}">
-                <a16:creationId xmlns:a16="http://schemas.microsoft.com/office/drawing/2014/main" id="{865BE2ED-4388-C4E9-DBCA-96DBC324C75A}"/>
-              </a:ext>
-            </a:extLst>
-          </p:cNvPr>
-          <p:cNvCxnSpPr>
-            <a:cxnSpLocks/>
-            <a:stCxn id="30" idx="3"/>
-            <a:endCxn id="3" idx="0"/>
-          </p:cNvCxnSpPr>
-          <p:nvPr/>
-        </p:nvCxnSpPr>
-        <p:spPr>
-          <a:xfrm>
-            <a:off x="5075481" y="4203345"/>
-            <a:ext cx="629157" cy="332057"/>
-          </a:xfrm>
-          <a:prstGeom prst="bentConnector2">
-            <a:avLst/>
-          </a:prstGeom>
-          <a:ln>
-            <a:tailEnd type="triangle"/>
-          </a:ln>
-        </p:spPr>
-        <p:style>
-          <a:lnRef idx="1">
-            <a:schemeClr val="accent1"/>
-          </a:lnRef>
-          <a:fillRef idx="0">
-            <a:schemeClr val="accent1"/>
-          </a:fillRef>
-          <a:effectRef idx="0">
-            <a:schemeClr val="accent1"/>
-          </a:effectRef>
-          <a:fontRef idx="minor">
-            <a:schemeClr val="tx1"/>
-          </a:fontRef>
-        </p:style>
-      </p:cxnSp>
-      <p:cxnSp>
-        <p:nvCxnSpPr>
-          <p:cNvPr id="37" name="Straight Arrow Connector 36">
-            <a:extLst>
-              <a:ext uri="{FF2B5EF4-FFF2-40B4-BE49-F238E27FC236}">
-                <a16:creationId xmlns:a16="http://schemas.microsoft.com/office/drawing/2014/main" id="{BD358C11-3DD7-130A-439F-E4BEBE12E6F1}"/>
-              </a:ext>
-            </a:extLst>
-          </p:cNvPr>
-          <p:cNvCxnSpPr>
-            <a:cxnSpLocks/>
-            <a:stCxn id="25" idx="3"/>
-            <a:endCxn id="30" idx="1"/>
-          </p:cNvCxnSpPr>
-          <p:nvPr/>
-        </p:nvCxnSpPr>
-        <p:spPr>
-          <a:xfrm flipV="1">
-            <a:off x="2956468" y="4203345"/>
-            <a:ext cx="1018856" cy="565602"/>
-          </a:xfrm>
-          <a:prstGeom prst="straightConnector1">
-            <a:avLst/>
-          </a:prstGeom>
-          <a:ln>
-            <a:tailEnd type="triangle"/>
-          </a:ln>
-        </p:spPr>
-        <p:style>
-          <a:lnRef idx="1">
-            <a:schemeClr val="accent1"/>
-          </a:lnRef>
-          <a:fillRef idx="0">
-            <a:schemeClr val="accent1"/>
-          </a:fillRef>
-          <a:effectRef idx="0">
-            <a:schemeClr val="accent1"/>
-          </a:effectRef>
-          <a:fontRef idx="minor">
-            <a:schemeClr val="tx1"/>
-          </a:fontRef>
-        </p:style>
-      </p:cxnSp>
-      <p:cxnSp>
-        <p:nvCxnSpPr>
-          <p:cNvPr id="42" name="Straight Arrow Connector 41">
-            <a:extLst>
-              <a:ext uri="{FF2B5EF4-FFF2-40B4-BE49-F238E27FC236}">
-                <a16:creationId xmlns:a16="http://schemas.microsoft.com/office/drawing/2014/main" id="{DD864346-EFE0-A9FF-9901-890A3C7CD4B7}"/>
-              </a:ext>
-            </a:extLst>
-          </p:cNvPr>
-          <p:cNvCxnSpPr>
-            <a:cxnSpLocks/>
-            <a:stCxn id="25" idx="3"/>
-            <a:endCxn id="26" idx="1"/>
-          </p:cNvCxnSpPr>
-          <p:nvPr/>
-        </p:nvCxnSpPr>
-        <p:spPr>
-          <a:xfrm flipV="1">
-            <a:off x="2956468" y="4718259"/>
-            <a:ext cx="989718" cy="50688"/>
-          </a:xfrm>
-          <a:prstGeom prst="straightConnector1">
-            <a:avLst/>
-          </a:prstGeom>
-          <a:ln>
-            <a:tailEnd type="triangle"/>
-          </a:ln>
-        </p:spPr>
-        <p:style>
-          <a:lnRef idx="1">
-            <a:schemeClr val="accent1"/>
-          </a:lnRef>
-          <a:fillRef idx="0">
-            <a:schemeClr val="accent1"/>
-          </a:fillRef>
-          <a:effectRef idx="0">
-            <a:schemeClr val="accent1"/>
-          </a:effectRef>
-          <a:fontRef idx="minor">
-            <a:schemeClr val="tx1"/>
-          </a:fontRef>
-        </p:style>
-      </p:cxnSp>
-      <p:cxnSp>
-        <p:nvCxnSpPr>
-          <p:cNvPr id="49" name="Straight Arrow Connector 48">
-            <a:extLst>
-              <a:ext uri="{FF2B5EF4-FFF2-40B4-BE49-F238E27FC236}">
-                <a16:creationId xmlns:a16="http://schemas.microsoft.com/office/drawing/2014/main" id="{48952DB4-1DF3-2C49-C2D7-0A8B6FBF9775}"/>
-              </a:ext>
-            </a:extLst>
-          </p:cNvPr>
-          <p:cNvCxnSpPr>
-            <a:cxnSpLocks/>
-            <a:stCxn id="25" idx="3"/>
-            <a:endCxn id="28" idx="1"/>
-          </p:cNvCxnSpPr>
-          <p:nvPr/>
-        </p:nvCxnSpPr>
-        <p:spPr>
-          <a:xfrm>
-            <a:off x="2956468" y="4768947"/>
-            <a:ext cx="989718" cy="612360"/>
-          </a:xfrm>
-          <a:prstGeom prst="straightConnector1">
-            <a:avLst/>
-          </a:prstGeom>
-          <a:ln>
-            <a:tailEnd type="triangle"/>
-          </a:ln>
-        </p:spPr>
-        <p:style>
-          <a:lnRef idx="1">
-            <a:schemeClr val="accent1"/>
-          </a:lnRef>
-          <a:fillRef idx="0">
-            <a:schemeClr val="accent1"/>
-          </a:fillRef>
-          <a:effectRef idx="0">
-            <a:schemeClr val="accent1"/>
-          </a:effectRef>
-          <a:fontRef idx="minor">
-            <a:schemeClr val="tx1"/>
-          </a:fontRef>
-        </p:style>
-      </p:cxnSp>
-      <p:cxnSp>
-        <p:nvCxnSpPr>
-          <p:cNvPr id="52" name="Straight Arrow Connector 51">
-            <a:extLst>
-              <a:ext uri="{FF2B5EF4-FFF2-40B4-BE49-F238E27FC236}">
-                <a16:creationId xmlns:a16="http://schemas.microsoft.com/office/drawing/2014/main" id="{028335FE-22FE-EC03-B6B6-ADFBF2DF4183}"/>
-              </a:ext>
-            </a:extLst>
-          </p:cNvPr>
-          <p:cNvCxnSpPr>
-            <a:cxnSpLocks/>
-            <a:stCxn id="25" idx="3"/>
-            <a:endCxn id="27" idx="1"/>
-          </p:cNvCxnSpPr>
-          <p:nvPr/>
-        </p:nvCxnSpPr>
-        <p:spPr>
-          <a:xfrm>
-            <a:off x="2956468" y="4768947"/>
-            <a:ext cx="989718" cy="270034"/>
-          </a:xfrm>
-          <a:prstGeom prst="straightConnector1">
-            <a:avLst/>
-          </a:prstGeom>
-          <a:ln>
-            <a:tailEnd type="triangle"/>
-          </a:ln>
-        </p:spPr>
-        <p:style>
-          <a:lnRef idx="1">
-            <a:schemeClr val="accent1"/>
-          </a:lnRef>
-          <a:fillRef idx="0">
-            <a:schemeClr val="accent1"/>
-          </a:fillRef>
-          <a:effectRef idx="0">
-            <a:schemeClr val="accent1"/>
-          </a:effectRef>
-          <a:fontRef idx="minor">
-            <a:schemeClr val="tx1"/>
-          </a:fontRef>
-        </p:style>
-      </p:cxnSp>
-      <p:sp>
-        <p:nvSpPr>
-          <p:cNvPr id="61" name="Rectangle 60">
-            <a:extLst>
-              <a:ext uri="{FF2B5EF4-FFF2-40B4-BE49-F238E27FC236}">
-                <a16:creationId xmlns:a16="http://schemas.microsoft.com/office/drawing/2014/main" id="{142101F3-32C8-70D2-59F8-EC2449007F00}"/>
-              </a:ext>
-            </a:extLst>
-          </p:cNvPr>
-          <p:cNvSpPr/>
-          <p:nvPr/>
-        </p:nvSpPr>
-        <p:spPr>
-          <a:xfrm>
-            <a:off x="327194" y="832513"/>
-            <a:ext cx="6237379" cy="6082429"/>
-          </a:xfrm>
-          <a:prstGeom prst="rect">
-            <a:avLst/>
-          </a:prstGeom>
-          <a:noFill/>
-        </p:spPr>
-        <p:style>
-          <a:lnRef idx="2">
-            <a:schemeClr val="accent1">
-              <a:shade val="15000"/>
-            </a:schemeClr>
-          </a:lnRef>
-          <a:fillRef idx="1">
-            <a:schemeClr val="accent1"/>
-          </a:fillRef>
-          <a:effectRef idx="0">
-            <a:schemeClr val="accent1"/>
-          </a:effectRef>
-          <a:fontRef idx="minor">
-            <a:schemeClr val="lt1"/>
-          </a:fontRef>
-        </p:style>
-        <p:txBody>
-          <a:bodyPr rtlCol="0" anchor="ctr"/>
-          <a:lstStyle/>
-          <a:p>
-            <a:pPr algn="ctr"/>
-            <a:endParaRPr lang="en-US" sz="1400" dirty="0">
-              <a:solidFill>
-                <a:schemeClr val="tx1"/>
-              </a:solidFill>
-            </a:endParaRPr>
-          </a:p>
-        </p:txBody>
-      </p:sp>
-      <p:sp>
-        <p:nvSpPr>
-          <p:cNvPr id="34" name="Rectangle 33">
-            <a:extLst>
-              <a:ext uri="{FF2B5EF4-FFF2-40B4-BE49-F238E27FC236}">
-                <a16:creationId xmlns:a16="http://schemas.microsoft.com/office/drawing/2014/main" id="{EC89A492-E03B-15D6-AF09-212A4D4E14C0}"/>
-              </a:ext>
-            </a:extLst>
-          </p:cNvPr>
-          <p:cNvSpPr/>
-          <p:nvPr/>
-        </p:nvSpPr>
-        <p:spPr>
-          <a:xfrm>
-            <a:off x="1806940" y="2711314"/>
-            <a:ext cx="893329" cy="546198"/>
-          </a:xfrm>
-          <a:prstGeom prst="rect">
-            <a:avLst/>
-          </a:prstGeom>
-          <a:noFill/>
-          <a:ln w="28575">
-            <a:solidFill>
-              <a:srgbClr val="FF0000"/>
-            </a:solidFill>
-          </a:ln>
-        </p:spPr>
-        <p:style>
-          <a:lnRef idx="2">
-            <a:schemeClr val="accent1">
-              <a:shade val="15000"/>
-            </a:schemeClr>
-          </a:lnRef>
-          <a:fillRef idx="1">
-            <a:schemeClr val="accent1"/>
-          </a:fillRef>
-          <a:effectRef idx="0">
-            <a:schemeClr val="accent1"/>
-          </a:effectRef>
-          <a:fontRef idx="minor">
-            <a:schemeClr val="lt1"/>
-          </a:fontRef>
-        </p:style>
-        <p:txBody>
-          <a:bodyPr rtlCol="0" anchor="ctr"/>
-          <a:lstStyle/>
-          <a:p>
-            <a:pPr algn="ctr"/>
-            <a:r>
-              <a:rPr lang="en-US" sz="1050" dirty="0" err="1">
-                <a:solidFill>
-                  <a:schemeClr val="tx1"/>
-                </a:solidFill>
-              </a:rPr>
-              <a:t>Uv</a:t>
-            </a:r>
-            <a:endParaRPr lang="en-US" sz="1050" dirty="0">
-              <a:solidFill>
-                <a:schemeClr val="tx1"/>
-              </a:solidFill>
-            </a:endParaRPr>
-          </a:p>
-          <a:p>
-            <a:pPr algn="ctr"/>
-            <a:r>
-              <a:rPr lang="en-US" sz="1050" dirty="0">
-                <a:solidFill>
-                  <a:schemeClr val="tx1"/>
-                </a:solidFill>
-              </a:rPr>
-              <a:t>(Executable)</a:t>
-            </a:r>
-          </a:p>
-        </p:txBody>
-      </p:sp>
-      <p:sp>
-        <p:nvSpPr>
-          <p:cNvPr id="10" name="Rectangle 9">
-            <a:extLst>
-              <a:ext uri="{FF2B5EF4-FFF2-40B4-BE49-F238E27FC236}">
-                <a16:creationId xmlns:a16="http://schemas.microsoft.com/office/drawing/2014/main" id="{C4448F91-D56D-625F-143D-AB02C7E69CB5}"/>
-              </a:ext>
-            </a:extLst>
-          </p:cNvPr>
-          <p:cNvSpPr/>
-          <p:nvPr/>
-        </p:nvSpPr>
-        <p:spPr>
-          <a:xfrm>
-            <a:off x="2939033" y="5755013"/>
-            <a:ext cx="1207249" cy="320722"/>
-          </a:xfrm>
-          <a:prstGeom prst="rect">
-            <a:avLst/>
-          </a:prstGeom>
-          <a:noFill/>
-          <a:ln w="28575">
-            <a:solidFill>
-              <a:srgbClr val="FF0000"/>
-            </a:solidFill>
-          </a:ln>
-        </p:spPr>
-        <p:style>
-          <a:lnRef idx="2">
-            <a:schemeClr val="accent1">
-              <a:shade val="15000"/>
-            </a:schemeClr>
-          </a:lnRef>
-          <a:fillRef idx="1">
-            <a:schemeClr val="accent1"/>
-          </a:fillRef>
-          <a:effectRef idx="0">
-            <a:schemeClr val="accent1"/>
-          </a:effectRef>
-          <a:fontRef idx="minor">
-            <a:schemeClr val="lt1"/>
-          </a:fontRef>
-        </p:style>
-        <p:txBody>
-          <a:bodyPr rtlCol="0" anchor="ctr"/>
-          <a:lstStyle/>
-          <a:p>
-            <a:pPr algn="ctr"/>
-            <a:r>
-              <a:rPr lang="en-US" sz="1050" dirty="0" err="1">
-                <a:solidFill>
-                  <a:schemeClr val="tx1"/>
-                </a:solidFill>
-              </a:rPr>
-              <a:t>pyproject.toml</a:t>
-            </a:r>
-            <a:endParaRPr lang="en-US" sz="1050" dirty="0">
-              <a:solidFill>
-                <a:schemeClr val="tx1"/>
-              </a:solidFill>
-            </a:endParaRPr>
-          </a:p>
-        </p:txBody>
-      </p:sp>
-      <p:sp>
-        <p:nvSpPr>
-          <p:cNvPr id="11" name="Rectangle 10">
-            <a:extLst>
-              <a:ext uri="{FF2B5EF4-FFF2-40B4-BE49-F238E27FC236}">
-                <a16:creationId xmlns:a16="http://schemas.microsoft.com/office/drawing/2014/main" id="{44D6655A-3E8F-A5B3-21F8-55997CC1923C}"/>
-              </a:ext>
-            </a:extLst>
-          </p:cNvPr>
-          <p:cNvSpPr/>
-          <p:nvPr/>
-        </p:nvSpPr>
-        <p:spPr>
-          <a:xfrm>
-            <a:off x="2939033" y="6225573"/>
-            <a:ext cx="1207249" cy="320722"/>
-          </a:xfrm>
-          <a:prstGeom prst="rect">
-            <a:avLst/>
-          </a:prstGeom>
-          <a:noFill/>
-          <a:ln w="28575">
-            <a:solidFill>
-              <a:srgbClr val="FF0000"/>
-            </a:solidFill>
-          </a:ln>
-        </p:spPr>
-        <p:style>
-          <a:lnRef idx="2">
-            <a:schemeClr val="accent1">
-              <a:shade val="15000"/>
-            </a:schemeClr>
-          </a:lnRef>
-          <a:fillRef idx="1">
-            <a:schemeClr val="accent1"/>
-          </a:fillRef>
-          <a:effectRef idx="0">
-            <a:schemeClr val="accent1"/>
-          </a:effectRef>
-          <a:fontRef idx="minor">
-            <a:schemeClr val="lt1"/>
-          </a:fontRef>
-        </p:style>
-        <p:txBody>
-          <a:bodyPr rtlCol="0" anchor="ctr"/>
-          <a:lstStyle/>
-          <a:p>
-            <a:pPr algn="ctr"/>
-            <a:r>
-              <a:rPr lang="en-US" sz="1050" dirty="0" err="1">
-                <a:solidFill>
-                  <a:schemeClr val="tx1"/>
-                </a:solidFill>
-              </a:rPr>
-              <a:t>Uv.lock</a:t>
-            </a:r>
-            <a:endParaRPr lang="en-US" sz="1050" dirty="0">
-              <a:solidFill>
-                <a:schemeClr val="tx1"/>
-              </a:solidFill>
-            </a:endParaRPr>
-          </a:p>
-        </p:txBody>
-      </p:sp>
-      <p:cxnSp>
-        <p:nvCxnSpPr>
-          <p:cNvPr id="12" name="Straight Arrow Connector 11">
-            <a:extLst>
-              <a:ext uri="{FF2B5EF4-FFF2-40B4-BE49-F238E27FC236}">
-                <a16:creationId xmlns:a16="http://schemas.microsoft.com/office/drawing/2014/main" id="{3BE0A3FE-E523-38EC-78FA-0DF3C6CCC90F}"/>
-              </a:ext>
-            </a:extLst>
-          </p:cNvPr>
-          <p:cNvCxnSpPr>
-            <a:cxnSpLocks/>
-            <a:stCxn id="25" idx="2"/>
-            <a:endCxn id="10" idx="1"/>
-          </p:cNvCxnSpPr>
-          <p:nvPr/>
-        </p:nvCxnSpPr>
-        <p:spPr>
-          <a:xfrm>
-            <a:off x="2352844" y="5042045"/>
-            <a:ext cx="586189" cy="873329"/>
-          </a:xfrm>
-          <a:prstGeom prst="straightConnector1">
-            <a:avLst/>
-          </a:prstGeom>
-          <a:ln>
-            <a:tailEnd type="triangle"/>
-          </a:ln>
-        </p:spPr>
-        <p:style>
-          <a:lnRef idx="1">
-            <a:schemeClr val="accent1"/>
-          </a:lnRef>
-          <a:fillRef idx="0">
-            <a:schemeClr val="accent1"/>
-          </a:fillRef>
-          <a:effectRef idx="0">
-            <a:schemeClr val="accent1"/>
-          </a:effectRef>
-          <a:fontRef idx="minor">
-            <a:schemeClr val="tx1"/>
-          </a:fontRef>
-        </p:style>
-      </p:cxnSp>
-      <p:cxnSp>
-        <p:nvCxnSpPr>
-          <p:cNvPr id="16" name="Straight Arrow Connector 15">
-            <a:extLst>
-              <a:ext uri="{FF2B5EF4-FFF2-40B4-BE49-F238E27FC236}">
-                <a16:creationId xmlns:a16="http://schemas.microsoft.com/office/drawing/2014/main" id="{1A4E8ED7-45CA-AB73-11C1-CFEEFE322C31}"/>
-              </a:ext>
-            </a:extLst>
-          </p:cNvPr>
-          <p:cNvCxnSpPr>
-            <a:cxnSpLocks/>
-            <a:stCxn id="25" idx="2"/>
-            <a:endCxn id="11" idx="1"/>
-          </p:cNvCxnSpPr>
-          <p:nvPr/>
-        </p:nvCxnSpPr>
-        <p:spPr>
-          <a:xfrm>
-            <a:off x="2352844" y="5042045"/>
-            <a:ext cx="586189" cy="1343889"/>
-          </a:xfrm>
-          <a:prstGeom prst="straightConnector1">
-            <a:avLst/>
-          </a:prstGeom>
-          <a:ln>
-            <a:tailEnd type="triangle"/>
-          </a:ln>
-        </p:spPr>
-        <p:style>
-          <a:lnRef idx="1">
-            <a:schemeClr val="accent1"/>
-          </a:lnRef>
-          <a:fillRef idx="0">
-            <a:schemeClr val="accent1"/>
-          </a:fillRef>
-          <a:effectRef idx="0">
-            <a:schemeClr val="accent1"/>
-          </a:effectRef>
-          <a:fontRef idx="minor">
-            <a:schemeClr val="tx1"/>
-          </a:fontRef>
-        </p:style>
-      </p:cxnSp>
-      <p:cxnSp>
-        <p:nvCxnSpPr>
-          <p:cNvPr id="19" name="Straight Arrow Connector 18">
-            <a:extLst>
-              <a:ext uri="{FF2B5EF4-FFF2-40B4-BE49-F238E27FC236}">
-                <a16:creationId xmlns:a16="http://schemas.microsoft.com/office/drawing/2014/main" id="{FA976E2C-14B1-0F21-D761-F7D405CC68CA}"/>
-              </a:ext>
-            </a:extLst>
-          </p:cNvPr>
-          <p:cNvCxnSpPr>
-            <a:cxnSpLocks/>
-            <a:stCxn id="34" idx="2"/>
-            <a:endCxn id="25" idx="0"/>
-          </p:cNvCxnSpPr>
-          <p:nvPr/>
-        </p:nvCxnSpPr>
-        <p:spPr>
-          <a:xfrm>
-            <a:off x="2253605" y="3257512"/>
-            <a:ext cx="99239" cy="1238336"/>
-          </a:xfrm>
-          <a:prstGeom prst="straightConnector1">
-            <a:avLst/>
-          </a:prstGeom>
-          <a:ln>
-            <a:tailEnd type="triangle"/>
-          </a:ln>
-        </p:spPr>
-        <p:style>
-          <a:lnRef idx="1">
-            <a:schemeClr val="accent1"/>
-          </a:lnRef>
-          <a:fillRef idx="0">
-            <a:schemeClr val="accent1"/>
-          </a:fillRef>
-          <a:effectRef idx="0">
-            <a:schemeClr val="accent1"/>
-          </a:effectRef>
-          <a:fontRef idx="minor">
-            <a:schemeClr val="tx1"/>
-          </a:fontRef>
-        </p:style>
-      </p:cxnSp>
-      <p:sp>
-        <p:nvSpPr>
-          <p:cNvPr id="23" name="TextBox 22">
-            <a:extLst>
-              <a:ext uri="{FF2B5EF4-FFF2-40B4-BE49-F238E27FC236}">
-                <a16:creationId xmlns:a16="http://schemas.microsoft.com/office/drawing/2014/main" id="{6C816312-74EA-A501-635A-25B776D3F451}"/>
-              </a:ext>
-            </a:extLst>
-          </p:cNvPr>
-          <p:cNvSpPr txBox="1"/>
-          <p:nvPr/>
-        </p:nvSpPr>
-        <p:spPr>
-          <a:xfrm flipH="1">
-            <a:off x="1851975" y="3684850"/>
-            <a:ext cx="1027019" cy="307777"/>
-          </a:xfrm>
-          <a:prstGeom prst="rect">
-            <a:avLst/>
-          </a:prstGeom>
-          <a:noFill/>
-        </p:spPr>
-        <p:txBody>
-          <a:bodyPr wrap="square" rtlCol="0">
-            <a:spAutoFit/>
-          </a:bodyPr>
-          <a:lstStyle/>
-          <a:p>
-            <a:pPr algn="ctr"/>
-            <a:r>
-              <a:rPr lang="en-US" sz="1400" dirty="0"/>
-              <a:t>Manage</a:t>
-            </a:r>
-          </a:p>
-        </p:txBody>
-      </p:sp>
-      <p:sp>
-        <p:nvSpPr>
-          <p:cNvPr id="24" name="Rectangle: Rounded Corners 23">
-            <a:extLst>
-              <a:ext uri="{FF2B5EF4-FFF2-40B4-BE49-F238E27FC236}">
-                <a16:creationId xmlns:a16="http://schemas.microsoft.com/office/drawing/2014/main" id="{4772D0C1-7048-B6A0-03C9-8D0B1D012D1E}"/>
-              </a:ext>
-            </a:extLst>
-          </p:cNvPr>
-          <p:cNvSpPr/>
-          <p:nvPr/>
-        </p:nvSpPr>
-        <p:spPr>
-          <a:xfrm>
-            <a:off x="3124412" y="2158362"/>
-            <a:ext cx="1371852" cy="320722"/>
-          </a:xfrm>
-          <a:prstGeom prst="roundRect">
-            <a:avLst/>
-          </a:prstGeom>
-          <a:noFill/>
-        </p:spPr>
-        <p:style>
-          <a:lnRef idx="2">
-            <a:schemeClr val="accent1">
-              <a:shade val="15000"/>
-            </a:schemeClr>
-          </a:lnRef>
-          <a:fillRef idx="1">
-            <a:schemeClr val="accent1"/>
-          </a:fillRef>
-          <a:effectRef idx="0">
-            <a:schemeClr val="accent1"/>
-          </a:effectRef>
-          <a:fontRef idx="minor">
-            <a:schemeClr val="lt1"/>
-          </a:fontRef>
-        </p:style>
-        <p:txBody>
-          <a:bodyPr rtlCol="0" anchor="ctr"/>
-          <a:lstStyle/>
-          <a:p>
-            <a:pPr algn="ctr"/>
-            <a:r>
-              <a:rPr lang="en-US" sz="1400" dirty="0">
-                <a:solidFill>
-                  <a:schemeClr val="tx1"/>
-                </a:solidFill>
-              </a:rPr>
-              <a:t>a.py</a:t>
-            </a:r>
-          </a:p>
-        </p:txBody>
-      </p:sp>
-      <p:sp>
-        <p:nvSpPr>
-          <p:cNvPr id="29" name="Rectangle: Rounded Corners 28">
-            <a:extLst>
-              <a:ext uri="{FF2B5EF4-FFF2-40B4-BE49-F238E27FC236}">
-                <a16:creationId xmlns:a16="http://schemas.microsoft.com/office/drawing/2014/main" id="{6F8DA5DA-E25C-1980-49D4-2E2B18FF42B8}"/>
-              </a:ext>
-            </a:extLst>
-          </p:cNvPr>
-          <p:cNvSpPr/>
-          <p:nvPr/>
-        </p:nvSpPr>
-        <p:spPr>
-          <a:xfrm>
-            <a:off x="3124411" y="2785646"/>
-            <a:ext cx="1371853" cy="320722"/>
-          </a:xfrm>
-          <a:prstGeom prst="roundRect">
-            <a:avLst/>
-          </a:prstGeom>
-          <a:noFill/>
-        </p:spPr>
-        <p:style>
-          <a:lnRef idx="2">
-            <a:schemeClr val="accent1">
-              <a:shade val="15000"/>
-            </a:schemeClr>
-          </a:lnRef>
-          <a:fillRef idx="1">
-            <a:schemeClr val="accent1"/>
-          </a:fillRef>
-          <a:effectRef idx="0">
-            <a:schemeClr val="accent1"/>
-          </a:effectRef>
-          <a:fontRef idx="minor">
-            <a:schemeClr val="lt1"/>
-          </a:fontRef>
-        </p:style>
-        <p:txBody>
-          <a:bodyPr rtlCol="0" anchor="ctr"/>
-          <a:lstStyle/>
-          <a:p>
-            <a:pPr algn="ctr"/>
-            <a:r>
-              <a:rPr lang="en-US" sz="1400" dirty="0">
-                <a:solidFill>
-                  <a:schemeClr val="tx1"/>
-                </a:solidFill>
-              </a:rPr>
-              <a:t>Some-lib</a:t>
-            </a:r>
-          </a:p>
-        </p:txBody>
-      </p:sp>
-      <p:cxnSp>
-        <p:nvCxnSpPr>
-          <p:cNvPr id="31" name="Straight Arrow Connector 30">
-            <a:extLst>
-              <a:ext uri="{FF2B5EF4-FFF2-40B4-BE49-F238E27FC236}">
-                <a16:creationId xmlns:a16="http://schemas.microsoft.com/office/drawing/2014/main" id="{936D2D76-688B-6957-0ADA-ED183122FCAC}"/>
-              </a:ext>
-            </a:extLst>
-          </p:cNvPr>
-          <p:cNvCxnSpPr>
-            <a:cxnSpLocks/>
-            <a:stCxn id="34" idx="3"/>
-            <a:endCxn id="24" idx="1"/>
-          </p:cNvCxnSpPr>
-          <p:nvPr/>
-        </p:nvCxnSpPr>
-        <p:spPr>
-          <a:xfrm flipV="1">
-            <a:off x="2700269" y="2318723"/>
-            <a:ext cx="424143" cy="665690"/>
-          </a:xfrm>
-          <a:prstGeom prst="straightConnector1">
-            <a:avLst/>
-          </a:prstGeom>
-          <a:ln>
-            <a:tailEnd type="triangle"/>
-          </a:ln>
-        </p:spPr>
-        <p:style>
-          <a:lnRef idx="1">
-            <a:schemeClr val="accent1"/>
-          </a:lnRef>
-          <a:fillRef idx="0">
-            <a:schemeClr val="accent1"/>
-          </a:fillRef>
-          <a:effectRef idx="0">
-            <a:schemeClr val="accent1"/>
-          </a:effectRef>
-          <a:fontRef idx="minor">
-            <a:schemeClr val="tx1"/>
-          </a:fontRef>
-        </p:style>
-      </p:cxnSp>
-      <p:sp>
-        <p:nvSpPr>
-          <p:cNvPr id="38" name="TextBox 37">
-            <a:extLst>
-              <a:ext uri="{FF2B5EF4-FFF2-40B4-BE49-F238E27FC236}">
-                <a16:creationId xmlns:a16="http://schemas.microsoft.com/office/drawing/2014/main" id="{2151408D-CA69-A283-03C4-5BD1520A72AD}"/>
-              </a:ext>
-            </a:extLst>
-          </p:cNvPr>
-          <p:cNvSpPr txBox="1"/>
-          <p:nvPr/>
-        </p:nvSpPr>
-        <p:spPr>
-          <a:xfrm flipH="1">
-            <a:off x="3417551" y="1847521"/>
-            <a:ext cx="728731" cy="307777"/>
-          </a:xfrm>
-          <a:prstGeom prst="rect">
-            <a:avLst/>
-          </a:prstGeom>
-          <a:noFill/>
-        </p:spPr>
-        <p:txBody>
-          <a:bodyPr wrap="square" rtlCol="0">
-            <a:spAutoFit/>
-          </a:bodyPr>
-          <a:lstStyle/>
-          <a:p>
-            <a:pPr algn="ctr"/>
-            <a:r>
-              <a:rPr lang="en-US" sz="1400" dirty="0" err="1"/>
-              <a:t>Uv</a:t>
-            </a:r>
-            <a:r>
-              <a:rPr lang="en-US" sz="1400" dirty="0"/>
-              <a:t> run</a:t>
-            </a:r>
-          </a:p>
-        </p:txBody>
-      </p:sp>
-      <p:cxnSp>
-        <p:nvCxnSpPr>
-          <p:cNvPr id="44" name="Straight Arrow Connector 43">
-            <a:extLst>
-              <a:ext uri="{FF2B5EF4-FFF2-40B4-BE49-F238E27FC236}">
-                <a16:creationId xmlns:a16="http://schemas.microsoft.com/office/drawing/2014/main" id="{47212487-78C1-F09F-1B63-AD709E9F6CA4}"/>
-              </a:ext>
-            </a:extLst>
-          </p:cNvPr>
-          <p:cNvCxnSpPr>
-            <a:cxnSpLocks/>
-            <a:stCxn id="34" idx="3"/>
-            <a:endCxn id="29" idx="1"/>
-          </p:cNvCxnSpPr>
-          <p:nvPr/>
-        </p:nvCxnSpPr>
-        <p:spPr>
-          <a:xfrm flipV="1">
-            <a:off x="2700269" y="2946007"/>
-            <a:ext cx="424142" cy="38406"/>
-          </a:xfrm>
-          <a:prstGeom prst="straightConnector1">
-            <a:avLst/>
-          </a:prstGeom>
-          <a:ln>
-            <a:tailEnd type="triangle"/>
-          </a:ln>
-        </p:spPr>
-        <p:style>
-          <a:lnRef idx="1">
-            <a:schemeClr val="accent1"/>
-          </a:lnRef>
-          <a:fillRef idx="0">
-            <a:schemeClr val="accent1"/>
-          </a:fillRef>
-          <a:effectRef idx="0">
-            <a:schemeClr val="accent1"/>
-          </a:effectRef>
-          <a:fontRef idx="minor">
-            <a:schemeClr val="tx1"/>
-          </a:fontRef>
-        </p:style>
-      </p:cxnSp>
-      <p:sp>
-        <p:nvSpPr>
-          <p:cNvPr id="53" name="TextBox 52">
-            <a:extLst>
-              <a:ext uri="{FF2B5EF4-FFF2-40B4-BE49-F238E27FC236}">
-                <a16:creationId xmlns:a16="http://schemas.microsoft.com/office/drawing/2014/main" id="{7100BF55-22A5-63E1-7713-D5B01B1D3C49}"/>
-              </a:ext>
-            </a:extLst>
-          </p:cNvPr>
-          <p:cNvSpPr txBox="1"/>
-          <p:nvPr/>
-        </p:nvSpPr>
-        <p:spPr>
-          <a:xfrm flipH="1">
-            <a:off x="3110120" y="3225124"/>
-            <a:ext cx="1252396" cy="307777"/>
-          </a:xfrm>
-          <a:prstGeom prst="rect">
-            <a:avLst/>
-          </a:prstGeom>
-          <a:noFill/>
-        </p:spPr>
-        <p:txBody>
-          <a:bodyPr wrap="square" rtlCol="0">
-            <a:spAutoFit/>
-          </a:bodyPr>
-          <a:lstStyle/>
-          <a:p>
-            <a:pPr algn="ctr"/>
-            <a:r>
-              <a:rPr lang="en-US" sz="1400" dirty="0" err="1"/>
-              <a:t>Uv</a:t>
-            </a:r>
-            <a:r>
-              <a:rPr lang="en-US" sz="1400" dirty="0"/>
-              <a:t> pip install</a:t>
-            </a:r>
-          </a:p>
-        </p:txBody>
-      </p:sp>
-      <p:pic>
-        <p:nvPicPr>
-          <p:cNvPr id="60" name="Picture 59">
-            <a:extLst>
-              <a:ext uri="{FF2B5EF4-FFF2-40B4-BE49-F238E27FC236}">
-                <a16:creationId xmlns:a16="http://schemas.microsoft.com/office/drawing/2014/main" id="{A7607558-CDAE-4589-070B-A083C038CD03}"/>
-              </a:ext>
-            </a:extLst>
-          </p:cNvPr>
-          <p:cNvPicPr>
-            <a:picLocks noChangeAspect="1"/>
-          </p:cNvPicPr>
-          <p:nvPr/>
-        </p:nvPicPr>
-        <p:blipFill>
-          <a:blip r:embed="rId2"/>
-          <a:stretch>
-            <a:fillRect/>
-          </a:stretch>
-        </p:blipFill>
-        <p:spPr>
-          <a:xfrm>
-            <a:off x="1509429" y="2843239"/>
-            <a:ext cx="356259" cy="327595"/>
-          </a:xfrm>
-          <a:prstGeom prst="rect">
-            <a:avLst/>
-          </a:prstGeom>
-        </p:spPr>
-      </p:pic>
-      <p:cxnSp>
-        <p:nvCxnSpPr>
-          <p:cNvPr id="1025" name="Straight Arrow Connector 1024">
-            <a:extLst>
-              <a:ext uri="{FF2B5EF4-FFF2-40B4-BE49-F238E27FC236}">
-                <a16:creationId xmlns:a16="http://schemas.microsoft.com/office/drawing/2014/main" id="{6DFDE9ED-4FD3-8766-30E6-E9CFB52F651B}"/>
-              </a:ext>
-            </a:extLst>
-          </p:cNvPr>
-          <p:cNvCxnSpPr>
-            <a:cxnSpLocks/>
-            <a:stCxn id="1033" idx="3"/>
-            <a:endCxn id="60" idx="1"/>
-          </p:cNvCxnSpPr>
-          <p:nvPr/>
-        </p:nvCxnSpPr>
-        <p:spPr>
-          <a:xfrm flipV="1">
-            <a:off x="870131" y="3007037"/>
-            <a:ext cx="639298" cy="1068682"/>
-          </a:xfrm>
-          <a:prstGeom prst="straightConnector1">
-            <a:avLst/>
-          </a:prstGeom>
-          <a:ln>
-            <a:tailEnd type="triangle"/>
-          </a:ln>
-        </p:spPr>
-        <p:style>
-          <a:lnRef idx="1">
-            <a:schemeClr val="accent1"/>
-          </a:lnRef>
-          <a:fillRef idx="0">
-            <a:schemeClr val="accent1"/>
-          </a:fillRef>
-          <a:effectRef idx="0">
-            <a:schemeClr val="accent1"/>
-          </a:effectRef>
-          <a:fontRef idx="minor">
-            <a:schemeClr val="tx1"/>
-          </a:fontRef>
-        </p:style>
-      </p:cxnSp>
-      <p:pic>
-        <p:nvPicPr>
-          <p:cNvPr id="1033" name="Picture 1032">
-            <a:extLst>
-              <a:ext uri="{FF2B5EF4-FFF2-40B4-BE49-F238E27FC236}">
-                <a16:creationId xmlns:a16="http://schemas.microsoft.com/office/drawing/2014/main" id="{080AF91D-A5A8-9C53-3DDB-21AD256C5CDF}"/>
-              </a:ext>
-            </a:extLst>
-          </p:cNvPr>
-          <p:cNvPicPr>
-            <a:picLocks noChangeAspect="1"/>
-          </p:cNvPicPr>
-          <p:nvPr/>
-        </p:nvPicPr>
-        <p:blipFill>
-          <a:blip r:embed="rId3"/>
-          <a:stretch>
-            <a:fillRect/>
-          </a:stretch>
-        </p:blipFill>
-        <p:spPr>
-          <a:xfrm>
-            <a:off x="528922" y="3876680"/>
-            <a:ext cx="341209" cy="398077"/>
-          </a:xfrm>
-          <a:prstGeom prst="rect">
-            <a:avLst/>
-          </a:prstGeom>
-        </p:spPr>
-      </p:pic>
-      <p:sp>
-        <p:nvSpPr>
-          <p:cNvPr id="1036" name="TextBox 1035">
-            <a:extLst>
-              <a:ext uri="{FF2B5EF4-FFF2-40B4-BE49-F238E27FC236}">
-                <a16:creationId xmlns:a16="http://schemas.microsoft.com/office/drawing/2014/main" id="{D61C2D64-5A89-0BD5-D404-93CECBD37A9F}"/>
-              </a:ext>
-            </a:extLst>
-          </p:cNvPr>
-          <p:cNvSpPr txBox="1"/>
-          <p:nvPr/>
-        </p:nvSpPr>
-        <p:spPr>
-          <a:xfrm flipH="1">
-            <a:off x="389391" y="3257512"/>
-            <a:ext cx="1121058" cy="461665"/>
-          </a:xfrm>
-          <a:prstGeom prst="rect">
-            <a:avLst/>
-          </a:prstGeom>
-          <a:noFill/>
-        </p:spPr>
-        <p:txBody>
-          <a:bodyPr wrap="square" rtlCol="0">
-            <a:spAutoFit/>
-          </a:bodyPr>
-          <a:lstStyle/>
-          <a:p>
-            <a:pPr algn="ctr"/>
-            <a:r>
-              <a:rPr lang="en-US" sz="1200" dirty="0"/>
-              <a:t>Do all things</a:t>
-            </a:r>
-          </a:p>
-          <a:p>
-            <a:pPr algn="ctr"/>
-            <a:r>
-              <a:rPr lang="en-US" sz="1200" dirty="0"/>
-              <a:t>Python</a:t>
-            </a:r>
-          </a:p>
-        </p:txBody>
-      </p:sp>
-      <p:sp>
-        <p:nvSpPr>
-          <p:cNvPr id="1038" name="TextBox 1037">
-            <a:extLst>
-              <a:ext uri="{FF2B5EF4-FFF2-40B4-BE49-F238E27FC236}">
-                <a16:creationId xmlns:a16="http://schemas.microsoft.com/office/drawing/2014/main" id="{ACE50921-B506-0E15-58DB-03E485450F01}"/>
-              </a:ext>
-            </a:extLst>
-          </p:cNvPr>
-          <p:cNvSpPr txBox="1"/>
-          <p:nvPr/>
-        </p:nvSpPr>
-        <p:spPr>
-          <a:xfrm flipH="1">
-            <a:off x="663665" y="2301314"/>
-            <a:ext cx="1176097" cy="523220"/>
-          </a:xfrm>
-          <a:prstGeom prst="rect">
-            <a:avLst/>
-          </a:prstGeom>
-          <a:noFill/>
-        </p:spPr>
-        <p:txBody>
-          <a:bodyPr wrap="square" lIns="0" rIns="0" rtlCol="0">
-            <a:spAutoFit/>
-          </a:bodyPr>
-          <a:lstStyle/>
-          <a:p>
-            <a:pPr algn="ctr"/>
-            <a:r>
-              <a:rPr lang="en-US" sz="1400" dirty="0"/>
-              <a:t>UV</a:t>
-            </a:r>
-          </a:p>
-          <a:p>
-            <a:pPr algn="ctr"/>
-            <a:r>
-              <a:rPr lang="en-US" sz="1400" dirty="0"/>
-              <a:t>As an Agent</a:t>
-            </a:r>
-          </a:p>
-        </p:txBody>
-      </p:sp>
-      <p:sp>
-        <p:nvSpPr>
-          <p:cNvPr id="1039" name="TextBox 1038">
-            <a:extLst>
-              <a:ext uri="{FF2B5EF4-FFF2-40B4-BE49-F238E27FC236}">
-                <a16:creationId xmlns:a16="http://schemas.microsoft.com/office/drawing/2014/main" id="{FA12364F-B618-B346-3684-472BF10BD864}"/>
-              </a:ext>
-            </a:extLst>
-          </p:cNvPr>
-          <p:cNvSpPr txBox="1"/>
-          <p:nvPr/>
-        </p:nvSpPr>
-        <p:spPr>
-          <a:xfrm flipH="1">
-            <a:off x="363149" y="4346024"/>
-            <a:ext cx="1176097" cy="307777"/>
-          </a:xfrm>
-          <a:prstGeom prst="rect">
-            <a:avLst/>
-          </a:prstGeom>
-          <a:noFill/>
-        </p:spPr>
-        <p:txBody>
-          <a:bodyPr wrap="square" lIns="0" rIns="0" rtlCol="0">
-            <a:spAutoFit/>
-          </a:bodyPr>
-          <a:lstStyle/>
-          <a:p>
-            <a:pPr algn="ctr"/>
-            <a:r>
-              <a:rPr lang="en-US" sz="1400" dirty="0"/>
-              <a:t>Programmer</a:t>
-            </a:r>
-          </a:p>
-        </p:txBody>
-      </p:sp>
-      <p:sp>
-        <p:nvSpPr>
-          <p:cNvPr id="1047" name="TextBox 1046">
-            <a:extLst>
-              <a:ext uri="{FF2B5EF4-FFF2-40B4-BE49-F238E27FC236}">
-                <a16:creationId xmlns:a16="http://schemas.microsoft.com/office/drawing/2014/main" id="{E054335B-F6F8-3DE9-D3EC-C82CB1C45AFD}"/>
-              </a:ext>
-            </a:extLst>
-          </p:cNvPr>
-          <p:cNvSpPr txBox="1"/>
-          <p:nvPr/>
-        </p:nvSpPr>
-        <p:spPr>
-          <a:xfrm flipH="1">
-            <a:off x="4625975" y="2460319"/>
-            <a:ext cx="1736500" cy="954107"/>
-          </a:xfrm>
-          <a:prstGeom prst="rect">
-            <a:avLst/>
-          </a:prstGeom>
-          <a:noFill/>
-        </p:spPr>
-        <p:txBody>
-          <a:bodyPr wrap="square" rtlCol="0">
-            <a:spAutoFit/>
-          </a:bodyPr>
-          <a:lstStyle/>
-          <a:p>
-            <a:pPr marL="168275" indent="-168275">
-              <a:buAutoNum type="arabicPeriod"/>
-              <a:tabLst>
-                <a:tab pos="60325" algn="l"/>
-              </a:tabLst>
-            </a:pPr>
-            <a:r>
-              <a:rPr lang="en-US" sz="1400" dirty="0"/>
-              <a:t>No activation necessary</a:t>
-            </a:r>
-          </a:p>
-          <a:p>
-            <a:pPr marL="168275" indent="-168275">
-              <a:buAutoNum type="arabicPeriod"/>
-              <a:tabLst>
-                <a:tab pos="60325" algn="l"/>
-              </a:tabLst>
-            </a:pPr>
-            <a:r>
-              <a:rPr lang="en-US" sz="1400" dirty="0"/>
-              <a:t>Creates .</a:t>
-            </a:r>
-            <a:r>
-              <a:rPr lang="en-US" sz="1400" dirty="0" err="1"/>
-              <a:t>venv</a:t>
-            </a:r>
-            <a:r>
-              <a:rPr lang="en-US" sz="1400" dirty="0"/>
-              <a:t> automatically</a:t>
-            </a:r>
-          </a:p>
-        </p:txBody>
-      </p:sp>
     </p:spTree>
     <p:extLst>
       <p:ext uri="{BB962C8B-B14F-4D97-AF65-F5344CB8AC3E}">

--- a/general-tech-figures.pptx
+++ b/general-tech-figures.pptx
@@ -3,23 +3,26 @@
 <p:presentation xmlns:a="http://schemas.openxmlformats.org/drawingml/2006/main" xmlns:r="http://schemas.openxmlformats.org/officeDocument/2006/relationships" xmlns:p="http://schemas.openxmlformats.org/presentationml/2006/main" saveSubsetFonts="1">
   <p:sldMasterIdLst>
     <p:sldMasterId id="2147483672" r:id="rId1"/>
+    <p:sldMasterId id="2147483684" r:id="rId2"/>
   </p:sldMasterIdLst>
   <p:sldIdLst>
-    <p:sldId id="256" r:id="rId2"/>
-    <p:sldId id="257" r:id="rId3"/>
-    <p:sldId id="258" r:id="rId4"/>
-    <p:sldId id="259" r:id="rId5"/>
-    <p:sldId id="260" r:id="rId6"/>
-    <p:sldId id="261" r:id="rId7"/>
-    <p:sldId id="262" r:id="rId8"/>
-    <p:sldId id="263" r:id="rId9"/>
-    <p:sldId id="264" r:id="rId10"/>
-    <p:sldId id="265" r:id="rId11"/>
-    <p:sldId id="266" r:id="rId12"/>
-    <p:sldId id="267" r:id="rId13"/>
-    <p:sldId id="269" r:id="rId14"/>
-    <p:sldId id="270" r:id="rId15"/>
-    <p:sldId id="268" r:id="rId16"/>
+    <p:sldId id="256" r:id="rId3"/>
+    <p:sldId id="257" r:id="rId4"/>
+    <p:sldId id="258" r:id="rId5"/>
+    <p:sldId id="259" r:id="rId6"/>
+    <p:sldId id="260" r:id="rId7"/>
+    <p:sldId id="261" r:id="rId8"/>
+    <p:sldId id="262" r:id="rId9"/>
+    <p:sldId id="263" r:id="rId10"/>
+    <p:sldId id="264" r:id="rId11"/>
+    <p:sldId id="265" r:id="rId12"/>
+    <p:sldId id="266" r:id="rId13"/>
+    <p:sldId id="267" r:id="rId14"/>
+    <p:sldId id="269" r:id="rId15"/>
+    <p:sldId id="270" r:id="rId16"/>
+    <p:sldId id="271" r:id="rId17"/>
+    <p:sldId id="272" r:id="rId18"/>
+    <p:sldId id="268" r:id="rId19"/>
   </p:sldIdLst>
   <p:sldSz cx="6858000" cy="9144000" type="letter"/>
   <p:notesSz cx="6858000" cy="9144000"/>
@@ -268,7 +271,7 @@
           <a:p>
             <a:fld id="{BFBBFCFE-809B-4AE5-92DC-0D51595F6FEA}" type="datetimeFigureOut">
               <a:rPr lang="en-US" smtClean="0"/>
-              <a:t>8/9/2025</a:t>
+              <a:t>8/29/2025</a:t>
             </a:fld>
             <a:endParaRPr lang="en-US"/>
           </a:p>
@@ -438,7 +441,7 @@
           <a:p>
             <a:fld id="{BFBBFCFE-809B-4AE5-92DC-0D51595F6FEA}" type="datetimeFigureOut">
               <a:rPr lang="en-US" smtClean="0"/>
-              <a:t>8/9/2025</a:t>
+              <a:t>8/29/2025</a:t>
             </a:fld>
             <a:endParaRPr lang="en-US"/>
           </a:p>
@@ -618,7 +621,7 @@
           <a:p>
             <a:fld id="{BFBBFCFE-809B-4AE5-92DC-0D51595F6FEA}" type="datetimeFigureOut">
               <a:rPr lang="en-US" smtClean="0"/>
-              <a:t>8/9/2025</a:t>
+              <a:t>8/29/2025</a:t>
             </a:fld>
             <a:endParaRPr lang="en-US"/>
           </a:p>
@@ -670,6 +673,2139 @@
     <p:extLst>
       <p:ext uri="{BB962C8B-B14F-4D97-AF65-F5344CB8AC3E}">
         <p14:creationId xmlns:p14="http://schemas.microsoft.com/office/powerpoint/2010/main" val="3763494517"/>
+      </p:ext>
+    </p:extLst>
+  </p:cSld>
+  <p:clrMapOvr>
+    <a:masterClrMapping/>
+  </p:clrMapOvr>
+</p:sldLayout>
+</file>
+
+<file path=ppt/slideLayouts/slideLayout12.xml><?xml version="1.0" encoding="utf-8"?>
+<p:sldLayout xmlns:a="http://schemas.openxmlformats.org/drawingml/2006/main" xmlns:r="http://schemas.openxmlformats.org/officeDocument/2006/relationships" xmlns:p="http://schemas.openxmlformats.org/presentationml/2006/main" showMasterSp="0" type="title" preserve="1">
+  <p:cSld name="Title Slide">
+    <p:spTree>
+      <p:nvGrpSpPr>
+        <p:cNvPr id="1" name=""/>
+        <p:cNvGrpSpPr/>
+        <p:nvPr/>
+      </p:nvGrpSpPr>
+      <p:grpSpPr>
+        <a:xfrm>
+          <a:off x="0" y="0"/>
+          <a:ext cx="0" cy="0"/>
+          <a:chOff x="0" y="0"/>
+          <a:chExt cx="0" cy="0"/>
+        </a:xfrm>
+      </p:grpSpPr>
+      <p:grpSp>
+        <p:nvGrpSpPr>
+          <p:cNvPr id="18" name="Group 17"/>
+          <p:cNvGrpSpPr/>
+          <p:nvPr/>
+        </p:nvGrpSpPr>
+        <p:grpSpPr>
+          <a:xfrm>
+            <a:off x="0" y="0"/>
+            <a:ext cx="6858508" cy="9144000"/>
+            <a:chOff x="0" y="0"/>
+            <a:chExt cx="9144677" cy="6858000"/>
+          </a:xfrm>
+        </p:grpSpPr>
+        <p:pic>
+          <p:nvPicPr>
+            <p:cNvPr id="8" name="Picture 7" descr="SD-PanelTitle-R1.png"/>
+            <p:cNvPicPr>
+              <a:picLocks noChangeAspect="1"/>
+            </p:cNvPicPr>
+            <p:nvPr/>
+          </p:nvPicPr>
+          <p:blipFill>
+            <a:blip r:embed="rId2">
+              <a:extLst>
+                <a:ext uri="{28A0092B-C50C-407E-A947-70E740481C1C}">
+                  <a14:useLocalDpi xmlns:a14="http://schemas.microsoft.com/office/drawing/2010/main" val="0"/>
+                </a:ext>
+              </a:extLst>
+            </a:blip>
+            <a:stretch>
+              <a:fillRect/>
+            </a:stretch>
+          </p:blipFill>
+          <p:spPr>
+            <a:xfrm>
+              <a:off x="0" y="0"/>
+              <a:ext cx="9144000" cy="6858000"/>
+            </a:xfrm>
+            <a:prstGeom prst="rect">
+              <a:avLst/>
+            </a:prstGeom>
+          </p:spPr>
+        </p:pic>
+        <p:sp>
+          <p:nvSpPr>
+            <p:cNvPr id="11" name="Rectangle 10"/>
+            <p:cNvSpPr/>
+            <p:nvPr/>
+          </p:nvSpPr>
+          <p:spPr>
+            <a:xfrm>
+              <a:off x="1515532" y="1520422"/>
+              <a:ext cx="6112935" cy="3818468"/>
+            </a:xfrm>
+            <a:prstGeom prst="rect">
+              <a:avLst/>
+            </a:prstGeom>
+            <a:noFill/>
+            <a:ln w="15875" cap="flat">
+              <a:miter lim="800000"/>
+            </a:ln>
+          </p:spPr>
+          <p:style>
+            <a:lnRef idx="1">
+              <a:schemeClr val="accent1"/>
+            </a:lnRef>
+            <a:fillRef idx="3">
+              <a:schemeClr val="accent1"/>
+            </a:fillRef>
+            <a:effectRef idx="2">
+              <a:schemeClr val="accent1"/>
+            </a:effectRef>
+            <a:fontRef idx="minor">
+              <a:schemeClr val="lt1"/>
+            </a:fontRef>
+          </p:style>
+        </p:sp>
+        <p:pic>
+          <p:nvPicPr>
+            <p:cNvPr id="12" name="Picture 11" descr="HDRibbonTitle-UniformTrim.png"/>
+            <p:cNvPicPr>
+              <a:picLocks noChangeAspect="1"/>
+            </p:cNvPicPr>
+            <p:nvPr/>
+          </p:nvPicPr>
+          <p:blipFill rotWithShape="1">
+            <a:blip r:embed="rId3">
+              <a:extLst>
+                <a:ext uri="{28A0092B-C50C-407E-A947-70E740481C1C}">
+                  <a14:useLocalDpi xmlns:a14="http://schemas.microsoft.com/office/drawing/2010/main" val="0"/>
+                </a:ext>
+              </a:extLst>
+            </a:blip>
+            <a:srcRect l="-2" r="47959"/>
+            <a:stretch/>
+          </p:blipFill>
+          <p:spPr>
+            <a:xfrm>
+              <a:off x="0" y="3128434"/>
+              <a:ext cx="1664208" cy="612648"/>
+            </a:xfrm>
+            <a:prstGeom prst="rect">
+              <a:avLst/>
+            </a:prstGeom>
+          </p:spPr>
+        </p:pic>
+        <p:pic>
+          <p:nvPicPr>
+            <p:cNvPr id="13" name="Picture 12" descr="HDRibbonTitle-UniformTrim.png"/>
+            <p:cNvPicPr>
+              <a:picLocks noChangeAspect="1"/>
+            </p:cNvPicPr>
+            <p:nvPr/>
+          </p:nvPicPr>
+          <p:blipFill rotWithShape="1">
+            <a:blip r:embed="rId3">
+              <a:extLst>
+                <a:ext uri="{28A0092B-C50C-407E-A947-70E740481C1C}">
+                  <a14:useLocalDpi xmlns:a14="http://schemas.microsoft.com/office/drawing/2010/main" val="0"/>
+                </a:ext>
+              </a:extLst>
+            </a:blip>
+            <a:srcRect l="-2" r="47959"/>
+            <a:stretch/>
+          </p:blipFill>
+          <p:spPr>
+            <a:xfrm>
+              <a:off x="7480469" y="3128434"/>
+              <a:ext cx="1664208" cy="612648"/>
+            </a:xfrm>
+            <a:prstGeom prst="rect">
+              <a:avLst/>
+            </a:prstGeom>
+          </p:spPr>
+        </p:pic>
+      </p:grpSp>
+      <p:sp>
+        <p:nvSpPr>
+          <p:cNvPr id="2" name="Title 1"/>
+          <p:cNvSpPr>
+            <a:spLocks noGrp="1"/>
+          </p:cNvSpPr>
+          <p:nvPr>
+            <p:ph type="ctrTitle"/>
+          </p:nvPr>
+        </p:nvSpPr>
+        <p:spPr>
+          <a:xfrm>
+            <a:off x="1441450" y="2415818"/>
+            <a:ext cx="3981650" cy="2020711"/>
+          </a:xfrm>
+        </p:spPr>
+        <p:txBody>
+          <a:bodyPr anchor="b">
+            <a:noAutofit/>
+          </a:bodyPr>
+          <a:lstStyle>
+            <a:lvl1pPr algn="ctr">
+              <a:defRPr sz="3600">
+                <a:effectLst/>
+              </a:defRPr>
+            </a:lvl1pPr>
+          </a:lstStyle>
+          <a:p>
+            <a:r>
+              <a:rPr lang="en-US"/>
+              <a:t>Click to edit Master title style</a:t>
+            </a:r>
+            <a:endParaRPr lang="en-US" dirty="0"/>
+          </a:p>
+        </p:txBody>
+      </p:sp>
+      <p:sp>
+        <p:nvSpPr>
+          <p:cNvPr id="3" name="Subtitle 2"/>
+          <p:cNvSpPr>
+            <a:spLocks noGrp="1"/>
+          </p:cNvSpPr>
+          <p:nvPr>
+            <p:ph type="subTitle" idx="1"/>
+          </p:nvPr>
+        </p:nvSpPr>
+        <p:spPr>
+          <a:xfrm>
+            <a:off x="1441450" y="4797770"/>
+            <a:ext cx="3981650" cy="1836868"/>
+          </a:xfrm>
+        </p:spPr>
+        <p:txBody>
+          <a:bodyPr anchor="t">
+            <a:normAutofit/>
+          </a:bodyPr>
+          <a:lstStyle>
+            <a:lvl1pPr marL="0" indent="0" algn="ctr">
+              <a:buNone/>
+              <a:defRPr sz="1500">
+                <a:solidFill>
+                  <a:schemeClr val="tx1"/>
+                </a:solidFill>
+              </a:defRPr>
+            </a:lvl1pPr>
+            <a:lvl2pPr marL="342900" indent="0" algn="ctr">
+              <a:buNone/>
+              <a:defRPr>
+                <a:solidFill>
+                  <a:schemeClr val="tx1">
+                    <a:tint val="75000"/>
+                  </a:schemeClr>
+                </a:solidFill>
+              </a:defRPr>
+            </a:lvl2pPr>
+            <a:lvl3pPr marL="685800" indent="0" algn="ctr">
+              <a:buNone/>
+              <a:defRPr>
+                <a:solidFill>
+                  <a:schemeClr val="tx1">
+                    <a:tint val="75000"/>
+                  </a:schemeClr>
+                </a:solidFill>
+              </a:defRPr>
+            </a:lvl3pPr>
+            <a:lvl4pPr marL="1028700" indent="0" algn="ctr">
+              <a:buNone/>
+              <a:defRPr>
+                <a:solidFill>
+                  <a:schemeClr val="tx1">
+                    <a:tint val="75000"/>
+                  </a:schemeClr>
+                </a:solidFill>
+              </a:defRPr>
+            </a:lvl4pPr>
+            <a:lvl5pPr marL="1371600" indent="0" algn="ctr">
+              <a:buNone/>
+              <a:defRPr>
+                <a:solidFill>
+                  <a:schemeClr val="tx1">
+                    <a:tint val="75000"/>
+                  </a:schemeClr>
+                </a:solidFill>
+              </a:defRPr>
+            </a:lvl5pPr>
+            <a:lvl6pPr marL="1714500" indent="0" algn="ctr">
+              <a:buNone/>
+              <a:defRPr>
+                <a:solidFill>
+                  <a:schemeClr val="tx1">
+                    <a:tint val="75000"/>
+                  </a:schemeClr>
+                </a:solidFill>
+              </a:defRPr>
+            </a:lvl6pPr>
+            <a:lvl7pPr marL="2057400" indent="0" algn="ctr">
+              <a:buNone/>
+              <a:defRPr>
+                <a:solidFill>
+                  <a:schemeClr val="tx1">
+                    <a:tint val="75000"/>
+                  </a:schemeClr>
+                </a:solidFill>
+              </a:defRPr>
+            </a:lvl7pPr>
+            <a:lvl8pPr marL="2400300" indent="0" algn="ctr">
+              <a:buNone/>
+              <a:defRPr>
+                <a:solidFill>
+                  <a:schemeClr val="tx1">
+                    <a:tint val="75000"/>
+                  </a:schemeClr>
+                </a:solidFill>
+              </a:defRPr>
+            </a:lvl8pPr>
+            <a:lvl9pPr marL="2743200" indent="0" algn="ctr">
+              <a:buNone/>
+              <a:defRPr>
+                <a:solidFill>
+                  <a:schemeClr val="tx1">
+                    <a:tint val="75000"/>
+                  </a:schemeClr>
+                </a:solidFill>
+              </a:defRPr>
+            </a:lvl9pPr>
+          </a:lstStyle>
+          <a:p>
+            <a:r>
+              <a:rPr lang="en-US"/>
+              <a:t>Click to edit Master subtitle style</a:t>
+            </a:r>
+            <a:endParaRPr lang="en-US" dirty="0"/>
+          </a:p>
+        </p:txBody>
+      </p:sp>
+      <p:sp>
+        <p:nvSpPr>
+          <p:cNvPr id="4" name="Date Placeholder 3"/>
+          <p:cNvSpPr>
+            <a:spLocks noGrp="1"/>
+          </p:cNvSpPr>
+          <p:nvPr>
+            <p:ph type="dt" sz="half" idx="10"/>
+          </p:nvPr>
+        </p:nvSpPr>
+        <p:spPr>
+          <a:xfrm>
+            <a:off x="4549063" y="6739470"/>
+            <a:ext cx="504957" cy="372533"/>
+          </a:xfrm>
+        </p:spPr>
+        <p:txBody>
+          <a:bodyPr/>
+          <a:lstStyle/>
+          <a:p>
+            <a:fld id="{BFBBFCFE-809B-4AE5-92DC-0D51595F6FEA}" type="datetimeFigureOut">
+              <a:rPr lang="en-US" smtClean="0"/>
+              <a:t>8/29/2025</a:t>
+            </a:fld>
+            <a:endParaRPr lang="en-US"/>
+          </a:p>
+        </p:txBody>
+      </p:sp>
+      <p:sp>
+        <p:nvSpPr>
+          <p:cNvPr id="5" name="Footer Placeholder 4"/>
+          <p:cNvSpPr>
+            <a:spLocks noGrp="1"/>
+          </p:cNvSpPr>
+          <p:nvPr>
+            <p:ph type="ftr" sz="quarter" idx="11"/>
+          </p:nvPr>
+        </p:nvSpPr>
+        <p:spPr>
+          <a:xfrm>
+            <a:off x="1441451" y="6739470"/>
+            <a:ext cx="3048645" cy="372533"/>
+          </a:xfrm>
+        </p:spPr>
+        <p:txBody>
+          <a:bodyPr/>
+          <a:lstStyle/>
+          <a:p>
+            <a:endParaRPr lang="en-US"/>
+          </a:p>
+        </p:txBody>
+      </p:sp>
+      <p:sp>
+        <p:nvSpPr>
+          <p:cNvPr id="6" name="Slide Number Placeholder 5"/>
+          <p:cNvSpPr>
+            <a:spLocks noGrp="1"/>
+          </p:cNvSpPr>
+          <p:nvPr>
+            <p:ph type="sldNum" sz="quarter" idx="12"/>
+          </p:nvPr>
+        </p:nvSpPr>
+        <p:spPr>
+          <a:xfrm>
+            <a:off x="5112988" y="6739470"/>
+            <a:ext cx="310112" cy="372533"/>
+          </a:xfrm>
+        </p:spPr>
+        <p:txBody>
+          <a:bodyPr/>
+          <a:lstStyle/>
+          <a:p>
+            <a:fld id="{B52BE1B2-C80A-4E30-B0B7-9476C5A58E1A}" type="slidenum">
+              <a:rPr lang="en-US" smtClean="0"/>
+              <a:t>‹#›</a:t>
+            </a:fld>
+            <a:endParaRPr lang="en-US"/>
+          </a:p>
+        </p:txBody>
+      </p:sp>
+      <p:cxnSp>
+        <p:nvCxnSpPr>
+          <p:cNvPr id="15" name="Straight Connector 14"/>
+          <p:cNvCxnSpPr/>
+          <p:nvPr/>
+        </p:nvCxnSpPr>
+        <p:spPr>
+          <a:xfrm>
+            <a:off x="1514869" y="4628439"/>
+            <a:ext cx="3834812" cy="0"/>
+          </a:xfrm>
+          <a:prstGeom prst="line">
+            <a:avLst/>
+          </a:prstGeom>
+          <a:ln w="15875"/>
+        </p:spPr>
+        <p:style>
+          <a:lnRef idx="2">
+            <a:schemeClr val="accent1"/>
+          </a:lnRef>
+          <a:fillRef idx="0">
+            <a:schemeClr val="accent1"/>
+          </a:fillRef>
+          <a:effectRef idx="1">
+            <a:schemeClr val="accent1"/>
+          </a:effectRef>
+          <a:fontRef idx="minor">
+            <a:schemeClr val="tx1"/>
+          </a:fontRef>
+        </p:style>
+      </p:cxnSp>
+    </p:spTree>
+    <p:extLst>
+      <p:ext uri="{BB962C8B-B14F-4D97-AF65-F5344CB8AC3E}">
+        <p14:creationId xmlns:p14="http://schemas.microsoft.com/office/powerpoint/2010/main" val="1378417364"/>
+      </p:ext>
+    </p:extLst>
+  </p:cSld>
+  <p:clrMapOvr>
+    <a:masterClrMapping/>
+  </p:clrMapOvr>
+</p:sldLayout>
+</file>
+
+<file path=ppt/slideLayouts/slideLayout13.xml><?xml version="1.0" encoding="utf-8"?>
+<p:sldLayout xmlns:a="http://schemas.openxmlformats.org/drawingml/2006/main" xmlns:r="http://schemas.openxmlformats.org/officeDocument/2006/relationships" xmlns:p="http://schemas.openxmlformats.org/presentationml/2006/main" type="obj" preserve="1">
+  <p:cSld name="Title and Content">
+    <p:spTree>
+      <p:nvGrpSpPr>
+        <p:cNvPr id="1" name=""/>
+        <p:cNvGrpSpPr/>
+        <p:nvPr/>
+      </p:nvGrpSpPr>
+      <p:grpSpPr>
+        <a:xfrm>
+          <a:off x="0" y="0"/>
+          <a:ext cx="0" cy="0"/>
+          <a:chOff x="0" y="0"/>
+          <a:chExt cx="0" cy="0"/>
+        </a:xfrm>
+      </p:grpSpPr>
+      <p:cxnSp>
+        <p:nvCxnSpPr>
+          <p:cNvPr id="7" name="Straight Connector 6"/>
+          <p:cNvCxnSpPr/>
+          <p:nvPr/>
+        </p:nvCxnSpPr>
+        <p:spPr>
+          <a:xfrm>
+            <a:off x="958849" y="3141680"/>
+            <a:ext cx="4946651" cy="0"/>
+          </a:xfrm>
+          <a:prstGeom prst="line">
+            <a:avLst/>
+          </a:prstGeom>
+          <a:ln w="15875"/>
+        </p:spPr>
+        <p:style>
+          <a:lnRef idx="2">
+            <a:schemeClr val="accent1"/>
+          </a:lnRef>
+          <a:fillRef idx="0">
+            <a:schemeClr val="accent1"/>
+          </a:fillRef>
+          <a:effectRef idx="1">
+            <a:schemeClr val="accent1"/>
+          </a:effectRef>
+          <a:fontRef idx="minor">
+            <a:schemeClr val="tx1"/>
+          </a:fontRef>
+        </p:style>
+      </p:cxnSp>
+      <p:sp>
+        <p:nvSpPr>
+          <p:cNvPr id="2" name="Title 1"/>
+          <p:cNvSpPr>
+            <a:spLocks noGrp="1"/>
+          </p:cNvSpPr>
+          <p:nvPr>
+            <p:ph type="title"/>
+          </p:nvPr>
+        </p:nvSpPr>
+        <p:spPr/>
+        <p:txBody>
+          <a:bodyPr/>
+          <a:lstStyle/>
+          <a:p>
+            <a:r>
+              <a:rPr lang="en-US"/>
+              <a:t>Click to edit Master title style</a:t>
+            </a:r>
+            <a:endParaRPr lang="en-US" dirty="0"/>
+          </a:p>
+        </p:txBody>
+      </p:sp>
+      <p:sp>
+        <p:nvSpPr>
+          <p:cNvPr id="3" name="Content Placeholder 2"/>
+          <p:cNvSpPr>
+            <a:spLocks noGrp="1"/>
+          </p:cNvSpPr>
+          <p:nvPr>
+            <p:ph idx="1"/>
+          </p:nvPr>
+        </p:nvSpPr>
+        <p:spPr/>
+        <p:txBody>
+          <a:bodyPr/>
+          <a:lstStyle/>
+          <a:p>
+            <a:pPr lvl="0"/>
+            <a:r>
+              <a:rPr lang="en-US"/>
+              <a:t>Click to edit Master text styles</a:t>
+            </a:r>
+          </a:p>
+          <a:p>
+            <a:pPr lvl="1"/>
+            <a:r>
+              <a:rPr lang="en-US"/>
+              <a:t>Second level</a:t>
+            </a:r>
+          </a:p>
+          <a:p>
+            <a:pPr lvl="2"/>
+            <a:r>
+              <a:rPr lang="en-US"/>
+              <a:t>Third level</a:t>
+            </a:r>
+          </a:p>
+          <a:p>
+            <a:pPr lvl="3"/>
+            <a:r>
+              <a:rPr lang="en-US"/>
+              <a:t>Fourth level</a:t>
+            </a:r>
+          </a:p>
+          <a:p>
+            <a:pPr lvl="4"/>
+            <a:r>
+              <a:rPr lang="en-US"/>
+              <a:t>Fifth level</a:t>
+            </a:r>
+            <a:endParaRPr lang="en-US" dirty="0"/>
+          </a:p>
+        </p:txBody>
+      </p:sp>
+      <p:sp>
+        <p:nvSpPr>
+          <p:cNvPr id="4" name="Date Placeholder 3"/>
+          <p:cNvSpPr>
+            <a:spLocks noGrp="1"/>
+          </p:cNvSpPr>
+          <p:nvPr>
+            <p:ph type="dt" sz="half" idx="10"/>
+          </p:nvPr>
+        </p:nvSpPr>
+        <p:spPr/>
+        <p:txBody>
+          <a:bodyPr/>
+          <a:lstStyle/>
+          <a:p>
+            <a:fld id="{BFBBFCFE-809B-4AE5-92DC-0D51595F6FEA}" type="datetimeFigureOut">
+              <a:rPr lang="en-US" smtClean="0"/>
+              <a:t>8/29/2025</a:t>
+            </a:fld>
+            <a:endParaRPr lang="en-US"/>
+          </a:p>
+        </p:txBody>
+      </p:sp>
+      <p:sp>
+        <p:nvSpPr>
+          <p:cNvPr id="5" name="Footer Placeholder 4"/>
+          <p:cNvSpPr>
+            <a:spLocks noGrp="1"/>
+          </p:cNvSpPr>
+          <p:nvPr>
+            <p:ph type="ftr" sz="quarter" idx="11"/>
+          </p:nvPr>
+        </p:nvSpPr>
+        <p:spPr/>
+        <p:txBody>
+          <a:bodyPr/>
+          <a:lstStyle/>
+          <a:p>
+            <a:endParaRPr lang="en-US"/>
+          </a:p>
+        </p:txBody>
+      </p:sp>
+      <p:sp>
+        <p:nvSpPr>
+          <p:cNvPr id="6" name="Slide Number Placeholder 5"/>
+          <p:cNvSpPr>
+            <a:spLocks noGrp="1"/>
+          </p:cNvSpPr>
+          <p:nvPr>
+            <p:ph type="sldNum" sz="quarter" idx="12"/>
+          </p:nvPr>
+        </p:nvSpPr>
+        <p:spPr/>
+        <p:txBody>
+          <a:bodyPr/>
+          <a:lstStyle/>
+          <a:p>
+            <a:fld id="{B52BE1B2-C80A-4E30-B0B7-9476C5A58E1A}" type="slidenum">
+              <a:rPr lang="en-US" smtClean="0"/>
+              <a:t>‹#›</a:t>
+            </a:fld>
+            <a:endParaRPr lang="en-US"/>
+          </a:p>
+        </p:txBody>
+      </p:sp>
+    </p:spTree>
+    <p:extLst>
+      <p:ext uri="{BB962C8B-B14F-4D97-AF65-F5344CB8AC3E}">
+        <p14:creationId xmlns:p14="http://schemas.microsoft.com/office/powerpoint/2010/main" val="4242067287"/>
+      </p:ext>
+    </p:extLst>
+  </p:cSld>
+  <p:clrMapOvr>
+    <a:masterClrMapping/>
+  </p:clrMapOvr>
+</p:sldLayout>
+</file>
+
+<file path=ppt/slideLayouts/slideLayout14.xml><?xml version="1.0" encoding="utf-8"?>
+<p:sldLayout xmlns:a="http://schemas.openxmlformats.org/drawingml/2006/main" xmlns:r="http://schemas.openxmlformats.org/officeDocument/2006/relationships" xmlns:p="http://schemas.openxmlformats.org/presentationml/2006/main" type="secHead" preserve="1">
+  <p:cSld name="Section Header">
+    <p:spTree>
+      <p:nvGrpSpPr>
+        <p:cNvPr id="1" name=""/>
+        <p:cNvGrpSpPr/>
+        <p:nvPr/>
+      </p:nvGrpSpPr>
+      <p:grpSpPr>
+        <a:xfrm>
+          <a:off x="0" y="0"/>
+          <a:ext cx="0" cy="0"/>
+          <a:chOff x="0" y="0"/>
+          <a:chExt cx="0" cy="0"/>
+        </a:xfrm>
+      </p:grpSpPr>
+      <p:sp>
+        <p:nvSpPr>
+          <p:cNvPr id="2" name="Title 1"/>
+          <p:cNvSpPr>
+            <a:spLocks noGrp="1"/>
+          </p:cNvSpPr>
+          <p:nvPr>
+            <p:ph type="title"/>
+          </p:nvPr>
+        </p:nvSpPr>
+        <p:spPr>
+          <a:xfrm>
+            <a:off x="958849" y="2188551"/>
+            <a:ext cx="4946651" cy="2430019"/>
+          </a:xfrm>
+        </p:spPr>
+        <p:txBody>
+          <a:bodyPr anchor="b">
+            <a:normAutofit/>
+          </a:bodyPr>
+          <a:lstStyle>
+            <a:lvl1pPr algn="ctr">
+              <a:defRPr sz="3000" b="0" cap="none"/>
+            </a:lvl1pPr>
+          </a:lstStyle>
+          <a:p>
+            <a:r>
+              <a:rPr lang="en-US"/>
+              <a:t>Click to edit Master title style</a:t>
+            </a:r>
+            <a:endParaRPr lang="en-US" dirty="0"/>
+          </a:p>
+        </p:txBody>
+      </p:sp>
+      <p:sp>
+        <p:nvSpPr>
+          <p:cNvPr id="3" name="Text Placeholder 2"/>
+          <p:cNvSpPr>
+            <a:spLocks noGrp="1"/>
+          </p:cNvSpPr>
+          <p:nvPr>
+            <p:ph type="body" idx="1"/>
+          </p:nvPr>
+        </p:nvSpPr>
+        <p:spPr>
+          <a:xfrm>
+            <a:off x="958849" y="4979813"/>
+            <a:ext cx="4946651" cy="1453353"/>
+          </a:xfrm>
+        </p:spPr>
+        <p:txBody>
+          <a:bodyPr anchor="t">
+            <a:normAutofit/>
+          </a:bodyPr>
+          <a:lstStyle>
+            <a:lvl1pPr marL="0" indent="0" algn="ctr">
+              <a:buNone/>
+              <a:defRPr sz="1800">
+                <a:solidFill>
+                  <a:schemeClr val="tx1"/>
+                </a:solidFill>
+              </a:defRPr>
+            </a:lvl1pPr>
+            <a:lvl2pPr marL="342900" indent="0">
+              <a:buNone/>
+              <a:defRPr sz="1350">
+                <a:solidFill>
+                  <a:schemeClr val="tx1">
+                    <a:tint val="75000"/>
+                  </a:schemeClr>
+                </a:solidFill>
+              </a:defRPr>
+            </a:lvl2pPr>
+            <a:lvl3pPr marL="685800" indent="0">
+              <a:buNone/>
+              <a:defRPr sz="1200">
+                <a:solidFill>
+                  <a:schemeClr val="tx1">
+                    <a:tint val="75000"/>
+                  </a:schemeClr>
+                </a:solidFill>
+              </a:defRPr>
+            </a:lvl3pPr>
+            <a:lvl4pPr marL="1028700" indent="0">
+              <a:buNone/>
+              <a:defRPr sz="1050">
+                <a:solidFill>
+                  <a:schemeClr val="tx1">
+                    <a:tint val="75000"/>
+                  </a:schemeClr>
+                </a:solidFill>
+              </a:defRPr>
+            </a:lvl4pPr>
+            <a:lvl5pPr marL="1371600" indent="0">
+              <a:buNone/>
+              <a:defRPr sz="1050">
+                <a:solidFill>
+                  <a:schemeClr val="tx1">
+                    <a:tint val="75000"/>
+                  </a:schemeClr>
+                </a:solidFill>
+              </a:defRPr>
+            </a:lvl5pPr>
+            <a:lvl6pPr marL="1714500" indent="0">
+              <a:buNone/>
+              <a:defRPr sz="1050">
+                <a:solidFill>
+                  <a:schemeClr val="tx1">
+                    <a:tint val="75000"/>
+                  </a:schemeClr>
+                </a:solidFill>
+              </a:defRPr>
+            </a:lvl6pPr>
+            <a:lvl7pPr marL="2057400" indent="0">
+              <a:buNone/>
+              <a:defRPr sz="1050">
+                <a:solidFill>
+                  <a:schemeClr val="tx1">
+                    <a:tint val="75000"/>
+                  </a:schemeClr>
+                </a:solidFill>
+              </a:defRPr>
+            </a:lvl7pPr>
+            <a:lvl8pPr marL="2400300" indent="0">
+              <a:buNone/>
+              <a:defRPr sz="1050">
+                <a:solidFill>
+                  <a:schemeClr val="tx1">
+                    <a:tint val="75000"/>
+                  </a:schemeClr>
+                </a:solidFill>
+              </a:defRPr>
+            </a:lvl8pPr>
+            <a:lvl9pPr marL="2743200" indent="0">
+              <a:buNone/>
+              <a:defRPr sz="1050">
+                <a:solidFill>
+                  <a:schemeClr val="tx1">
+                    <a:tint val="75000"/>
+                  </a:schemeClr>
+                </a:solidFill>
+              </a:defRPr>
+            </a:lvl9pPr>
+          </a:lstStyle>
+          <a:p>
+            <a:pPr lvl="0"/>
+            <a:r>
+              <a:rPr lang="en-US"/>
+              <a:t>Click to edit Master text styles</a:t>
+            </a:r>
+          </a:p>
+        </p:txBody>
+      </p:sp>
+      <p:sp>
+        <p:nvSpPr>
+          <p:cNvPr id="4" name="Date Placeholder 3"/>
+          <p:cNvSpPr>
+            <a:spLocks noGrp="1"/>
+          </p:cNvSpPr>
+          <p:nvPr>
+            <p:ph type="dt" sz="half" idx="10"/>
+          </p:nvPr>
+        </p:nvSpPr>
+        <p:spPr/>
+        <p:txBody>
+          <a:bodyPr/>
+          <a:lstStyle/>
+          <a:p>
+            <a:fld id="{BFBBFCFE-809B-4AE5-92DC-0D51595F6FEA}" type="datetimeFigureOut">
+              <a:rPr lang="en-US" smtClean="0"/>
+              <a:t>8/29/2025</a:t>
+            </a:fld>
+            <a:endParaRPr lang="en-US"/>
+          </a:p>
+        </p:txBody>
+      </p:sp>
+      <p:sp>
+        <p:nvSpPr>
+          <p:cNvPr id="5" name="Footer Placeholder 4"/>
+          <p:cNvSpPr>
+            <a:spLocks noGrp="1"/>
+          </p:cNvSpPr>
+          <p:nvPr>
+            <p:ph type="ftr" sz="quarter" idx="11"/>
+          </p:nvPr>
+        </p:nvSpPr>
+        <p:spPr/>
+        <p:txBody>
+          <a:bodyPr/>
+          <a:lstStyle/>
+          <a:p>
+            <a:endParaRPr lang="en-US"/>
+          </a:p>
+        </p:txBody>
+      </p:sp>
+      <p:sp>
+        <p:nvSpPr>
+          <p:cNvPr id="6" name="Slide Number Placeholder 5"/>
+          <p:cNvSpPr>
+            <a:spLocks noGrp="1"/>
+          </p:cNvSpPr>
+          <p:nvPr>
+            <p:ph type="sldNum" sz="quarter" idx="12"/>
+          </p:nvPr>
+        </p:nvSpPr>
+        <p:spPr/>
+        <p:txBody>
+          <a:bodyPr/>
+          <a:lstStyle/>
+          <a:p>
+            <a:fld id="{B52BE1B2-C80A-4E30-B0B7-9476C5A58E1A}" type="slidenum">
+              <a:rPr lang="en-US" smtClean="0"/>
+              <a:t>‹#›</a:t>
+            </a:fld>
+            <a:endParaRPr lang="en-US"/>
+          </a:p>
+        </p:txBody>
+      </p:sp>
+      <p:cxnSp>
+        <p:nvCxnSpPr>
+          <p:cNvPr id="31" name="Straight Connector 30"/>
+          <p:cNvCxnSpPr/>
+          <p:nvPr/>
+        </p:nvCxnSpPr>
+        <p:spPr>
+          <a:xfrm>
+            <a:off x="958850" y="4799189"/>
+            <a:ext cx="4946650" cy="0"/>
+          </a:xfrm>
+          <a:prstGeom prst="line">
+            <a:avLst/>
+          </a:prstGeom>
+          <a:ln w="15875"/>
+        </p:spPr>
+        <p:style>
+          <a:lnRef idx="2">
+            <a:schemeClr val="accent1"/>
+          </a:lnRef>
+          <a:fillRef idx="0">
+            <a:schemeClr val="accent1"/>
+          </a:fillRef>
+          <a:effectRef idx="1">
+            <a:schemeClr val="accent1"/>
+          </a:effectRef>
+          <a:fontRef idx="minor">
+            <a:schemeClr val="tx1"/>
+          </a:fontRef>
+        </p:style>
+      </p:cxnSp>
+    </p:spTree>
+    <p:extLst>
+      <p:ext uri="{BB962C8B-B14F-4D97-AF65-F5344CB8AC3E}">
+        <p14:creationId xmlns:p14="http://schemas.microsoft.com/office/powerpoint/2010/main" val="2678904149"/>
+      </p:ext>
+    </p:extLst>
+  </p:cSld>
+  <p:clrMapOvr>
+    <a:masterClrMapping/>
+  </p:clrMapOvr>
+</p:sldLayout>
+</file>
+
+<file path=ppt/slideLayouts/slideLayout15.xml><?xml version="1.0" encoding="utf-8"?>
+<p:sldLayout xmlns:a="http://schemas.openxmlformats.org/drawingml/2006/main" xmlns:r="http://schemas.openxmlformats.org/officeDocument/2006/relationships" xmlns:p="http://schemas.openxmlformats.org/presentationml/2006/main" type="twoObj" preserve="1">
+  <p:cSld name="Two Content">
+    <p:spTree>
+      <p:nvGrpSpPr>
+        <p:cNvPr id="1" name=""/>
+        <p:cNvGrpSpPr/>
+        <p:nvPr/>
+      </p:nvGrpSpPr>
+      <p:grpSpPr>
+        <a:xfrm>
+          <a:off x="0" y="0"/>
+          <a:ext cx="0" cy="0"/>
+          <a:chOff x="0" y="0"/>
+          <a:chExt cx="0" cy="0"/>
+        </a:xfrm>
+      </p:grpSpPr>
+      <p:cxnSp>
+        <p:nvCxnSpPr>
+          <p:cNvPr id="8" name="Straight Connector 7"/>
+          <p:cNvCxnSpPr/>
+          <p:nvPr/>
+        </p:nvCxnSpPr>
+        <p:spPr>
+          <a:xfrm>
+            <a:off x="958849" y="3141680"/>
+            <a:ext cx="4946651" cy="0"/>
+          </a:xfrm>
+          <a:prstGeom prst="line">
+            <a:avLst/>
+          </a:prstGeom>
+          <a:ln w="15875"/>
+        </p:spPr>
+        <p:style>
+          <a:lnRef idx="2">
+            <a:schemeClr val="accent1"/>
+          </a:lnRef>
+          <a:fillRef idx="0">
+            <a:schemeClr val="accent1"/>
+          </a:fillRef>
+          <a:effectRef idx="1">
+            <a:schemeClr val="accent1"/>
+          </a:effectRef>
+          <a:fontRef idx="minor">
+            <a:schemeClr val="tx1"/>
+          </a:fontRef>
+        </p:style>
+      </p:cxnSp>
+      <p:sp>
+        <p:nvSpPr>
+          <p:cNvPr id="2" name="Title 1"/>
+          <p:cNvSpPr>
+            <a:spLocks noGrp="1"/>
+          </p:cNvSpPr>
+          <p:nvPr>
+            <p:ph type="title"/>
+          </p:nvPr>
+        </p:nvSpPr>
+        <p:spPr>
+          <a:xfrm>
+            <a:off x="882649" y="1220450"/>
+            <a:ext cx="5099051" cy="1738489"/>
+          </a:xfrm>
+        </p:spPr>
+        <p:txBody>
+          <a:bodyPr/>
+          <a:lstStyle/>
+          <a:p>
+            <a:r>
+              <a:rPr lang="en-US"/>
+              <a:t>Click to edit Master title style</a:t>
+            </a:r>
+            <a:endParaRPr lang="en-US" dirty="0"/>
+          </a:p>
+        </p:txBody>
+      </p:sp>
+      <p:sp>
+        <p:nvSpPr>
+          <p:cNvPr id="3" name="Content Placeholder 2"/>
+          <p:cNvSpPr>
+            <a:spLocks noGrp="1"/>
+          </p:cNvSpPr>
+          <p:nvPr>
+            <p:ph sz="half" idx="1"/>
+          </p:nvPr>
+        </p:nvSpPr>
+        <p:spPr>
+          <a:xfrm>
+            <a:off x="882650" y="3316224"/>
+            <a:ext cx="2503170" cy="4596384"/>
+          </a:xfrm>
+        </p:spPr>
+        <p:txBody>
+          <a:bodyPr>
+            <a:normAutofit/>
+          </a:bodyPr>
+          <a:lstStyle/>
+          <a:p>
+            <a:pPr lvl="0"/>
+            <a:r>
+              <a:rPr lang="en-US"/>
+              <a:t>Click to edit Master text styles</a:t>
+            </a:r>
+          </a:p>
+          <a:p>
+            <a:pPr lvl="1"/>
+            <a:r>
+              <a:rPr lang="en-US"/>
+              <a:t>Second level</a:t>
+            </a:r>
+          </a:p>
+          <a:p>
+            <a:pPr lvl="2"/>
+            <a:r>
+              <a:rPr lang="en-US"/>
+              <a:t>Third level</a:t>
+            </a:r>
+          </a:p>
+          <a:p>
+            <a:pPr lvl="3"/>
+            <a:r>
+              <a:rPr lang="en-US"/>
+              <a:t>Fourth level</a:t>
+            </a:r>
+          </a:p>
+          <a:p>
+            <a:pPr lvl="4"/>
+            <a:r>
+              <a:rPr lang="en-US"/>
+              <a:t>Fifth level</a:t>
+            </a:r>
+            <a:endParaRPr lang="en-US" dirty="0"/>
+          </a:p>
+        </p:txBody>
+      </p:sp>
+      <p:sp>
+        <p:nvSpPr>
+          <p:cNvPr id="4" name="Content Placeholder 3"/>
+          <p:cNvSpPr>
+            <a:spLocks noGrp="1"/>
+          </p:cNvSpPr>
+          <p:nvPr>
+            <p:ph sz="half" idx="2"/>
+          </p:nvPr>
+        </p:nvSpPr>
+        <p:spPr>
+          <a:xfrm>
+            <a:off x="3483864" y="3316224"/>
+            <a:ext cx="2503170" cy="4596384"/>
+          </a:xfrm>
+        </p:spPr>
+        <p:txBody>
+          <a:bodyPr>
+            <a:normAutofit/>
+          </a:bodyPr>
+          <a:lstStyle/>
+          <a:p>
+            <a:pPr lvl="0"/>
+            <a:r>
+              <a:rPr lang="en-US"/>
+              <a:t>Click to edit Master text styles</a:t>
+            </a:r>
+          </a:p>
+          <a:p>
+            <a:pPr lvl="1"/>
+            <a:r>
+              <a:rPr lang="en-US"/>
+              <a:t>Second level</a:t>
+            </a:r>
+          </a:p>
+          <a:p>
+            <a:pPr lvl="2"/>
+            <a:r>
+              <a:rPr lang="en-US"/>
+              <a:t>Third level</a:t>
+            </a:r>
+          </a:p>
+          <a:p>
+            <a:pPr lvl="3"/>
+            <a:r>
+              <a:rPr lang="en-US"/>
+              <a:t>Fourth level</a:t>
+            </a:r>
+          </a:p>
+          <a:p>
+            <a:pPr lvl="4"/>
+            <a:r>
+              <a:rPr lang="en-US"/>
+              <a:t>Fifth level</a:t>
+            </a:r>
+            <a:endParaRPr lang="en-US" dirty="0"/>
+          </a:p>
+        </p:txBody>
+      </p:sp>
+      <p:sp>
+        <p:nvSpPr>
+          <p:cNvPr id="5" name="Date Placeholder 4"/>
+          <p:cNvSpPr>
+            <a:spLocks noGrp="1"/>
+          </p:cNvSpPr>
+          <p:nvPr>
+            <p:ph type="dt" sz="half" idx="10"/>
+          </p:nvPr>
+        </p:nvSpPr>
+        <p:spPr/>
+        <p:txBody>
+          <a:bodyPr/>
+          <a:lstStyle/>
+          <a:p>
+            <a:fld id="{BFBBFCFE-809B-4AE5-92DC-0D51595F6FEA}" type="datetimeFigureOut">
+              <a:rPr lang="en-US" smtClean="0"/>
+              <a:t>8/29/2025</a:t>
+            </a:fld>
+            <a:endParaRPr lang="en-US"/>
+          </a:p>
+        </p:txBody>
+      </p:sp>
+      <p:sp>
+        <p:nvSpPr>
+          <p:cNvPr id="6" name="Footer Placeholder 5"/>
+          <p:cNvSpPr>
+            <a:spLocks noGrp="1"/>
+          </p:cNvSpPr>
+          <p:nvPr>
+            <p:ph type="ftr" sz="quarter" idx="11"/>
+          </p:nvPr>
+        </p:nvSpPr>
+        <p:spPr/>
+        <p:txBody>
+          <a:bodyPr/>
+          <a:lstStyle/>
+          <a:p>
+            <a:endParaRPr lang="en-US"/>
+          </a:p>
+        </p:txBody>
+      </p:sp>
+      <p:sp>
+        <p:nvSpPr>
+          <p:cNvPr id="7" name="Slide Number Placeholder 6"/>
+          <p:cNvSpPr>
+            <a:spLocks noGrp="1"/>
+          </p:cNvSpPr>
+          <p:nvPr>
+            <p:ph type="sldNum" sz="quarter" idx="12"/>
+          </p:nvPr>
+        </p:nvSpPr>
+        <p:spPr/>
+        <p:txBody>
+          <a:bodyPr/>
+          <a:lstStyle/>
+          <a:p>
+            <a:fld id="{B52BE1B2-C80A-4E30-B0B7-9476C5A58E1A}" type="slidenum">
+              <a:rPr lang="en-US" smtClean="0"/>
+              <a:t>‹#›</a:t>
+            </a:fld>
+            <a:endParaRPr lang="en-US"/>
+          </a:p>
+        </p:txBody>
+      </p:sp>
+    </p:spTree>
+    <p:extLst>
+      <p:ext uri="{BB962C8B-B14F-4D97-AF65-F5344CB8AC3E}">
+        <p14:creationId xmlns:p14="http://schemas.microsoft.com/office/powerpoint/2010/main" val="1478434041"/>
+      </p:ext>
+    </p:extLst>
+  </p:cSld>
+  <p:clrMapOvr>
+    <a:masterClrMapping/>
+  </p:clrMapOvr>
+</p:sldLayout>
+</file>
+
+<file path=ppt/slideLayouts/slideLayout16.xml><?xml version="1.0" encoding="utf-8"?>
+<p:sldLayout xmlns:a="http://schemas.openxmlformats.org/drawingml/2006/main" xmlns:r="http://schemas.openxmlformats.org/officeDocument/2006/relationships" xmlns:p="http://schemas.openxmlformats.org/presentationml/2006/main" type="twoTxTwoObj" preserve="1">
+  <p:cSld name="Comparison">
+    <p:spTree>
+      <p:nvGrpSpPr>
+        <p:cNvPr id="1" name=""/>
+        <p:cNvGrpSpPr/>
+        <p:nvPr/>
+      </p:nvGrpSpPr>
+      <p:grpSpPr>
+        <a:xfrm>
+          <a:off x="0" y="0"/>
+          <a:ext cx="0" cy="0"/>
+          <a:chOff x="0" y="0"/>
+          <a:chExt cx="0" cy="0"/>
+        </a:xfrm>
+      </p:grpSpPr>
+      <p:sp>
+        <p:nvSpPr>
+          <p:cNvPr id="2" name="Title 1"/>
+          <p:cNvSpPr>
+            <a:spLocks noGrp="1"/>
+          </p:cNvSpPr>
+          <p:nvPr>
+            <p:ph type="title"/>
+          </p:nvPr>
+        </p:nvSpPr>
+        <p:spPr/>
+        <p:txBody>
+          <a:bodyPr/>
+          <a:lstStyle>
+            <a:lvl1pPr>
+              <a:defRPr/>
+            </a:lvl1pPr>
+          </a:lstStyle>
+          <a:p>
+            <a:r>
+              <a:rPr lang="en-US"/>
+              <a:t>Click to edit Master title style</a:t>
+            </a:r>
+            <a:endParaRPr lang="en-US" dirty="0"/>
+          </a:p>
+        </p:txBody>
+      </p:sp>
+      <p:sp>
+        <p:nvSpPr>
+          <p:cNvPr id="3" name="Text Placeholder 2"/>
+          <p:cNvSpPr>
+            <a:spLocks noGrp="1"/>
+          </p:cNvSpPr>
+          <p:nvPr>
+            <p:ph type="body" idx="1"/>
+          </p:nvPr>
+        </p:nvSpPr>
+        <p:spPr>
+          <a:xfrm>
+            <a:off x="882651" y="3544711"/>
+            <a:ext cx="2503170" cy="768349"/>
+          </a:xfrm>
+        </p:spPr>
+        <p:txBody>
+          <a:bodyPr anchor="b">
+            <a:noAutofit/>
+          </a:bodyPr>
+          <a:lstStyle>
+            <a:lvl1pPr marL="0" indent="0">
+              <a:buNone/>
+              <a:defRPr sz="1800" b="0">
+                <a:solidFill>
+                  <a:schemeClr val="accent1"/>
+                </a:solidFill>
+              </a:defRPr>
+            </a:lvl1pPr>
+            <a:lvl2pPr marL="342900" indent="0">
+              <a:buNone/>
+              <a:defRPr sz="1500" b="1"/>
+            </a:lvl2pPr>
+            <a:lvl3pPr marL="685800" indent="0">
+              <a:buNone/>
+              <a:defRPr sz="1350" b="1"/>
+            </a:lvl3pPr>
+            <a:lvl4pPr marL="1028700" indent="0">
+              <a:buNone/>
+              <a:defRPr sz="1200" b="1"/>
+            </a:lvl4pPr>
+            <a:lvl5pPr marL="1371600" indent="0">
+              <a:buNone/>
+              <a:defRPr sz="1200" b="1"/>
+            </a:lvl5pPr>
+            <a:lvl6pPr marL="1714500" indent="0">
+              <a:buNone/>
+              <a:defRPr sz="1200" b="1"/>
+            </a:lvl6pPr>
+            <a:lvl7pPr marL="2057400" indent="0">
+              <a:buNone/>
+              <a:defRPr sz="1200" b="1"/>
+            </a:lvl7pPr>
+            <a:lvl8pPr marL="2400300" indent="0">
+              <a:buNone/>
+              <a:defRPr sz="1200" b="1"/>
+            </a:lvl8pPr>
+            <a:lvl9pPr marL="2743200" indent="0">
+              <a:buNone/>
+              <a:defRPr sz="1200" b="1"/>
+            </a:lvl9pPr>
+          </a:lstStyle>
+          <a:p>
+            <a:pPr lvl="0"/>
+            <a:r>
+              <a:rPr lang="en-US"/>
+              <a:t>Click to edit Master text styles</a:t>
+            </a:r>
+          </a:p>
+        </p:txBody>
+      </p:sp>
+      <p:sp>
+        <p:nvSpPr>
+          <p:cNvPr id="4" name="Content Placeholder 3"/>
+          <p:cNvSpPr>
+            <a:spLocks noGrp="1"/>
+          </p:cNvSpPr>
+          <p:nvPr>
+            <p:ph sz="half" idx="2"/>
+          </p:nvPr>
+        </p:nvSpPr>
+        <p:spPr>
+          <a:xfrm>
+            <a:off x="882651" y="4324351"/>
+            <a:ext cx="2503170" cy="3608832"/>
+          </a:xfrm>
+        </p:spPr>
+        <p:txBody>
+          <a:bodyPr>
+            <a:normAutofit/>
+          </a:bodyPr>
+          <a:lstStyle/>
+          <a:p>
+            <a:pPr lvl="0"/>
+            <a:r>
+              <a:rPr lang="en-US"/>
+              <a:t>Click to edit Master text styles</a:t>
+            </a:r>
+          </a:p>
+          <a:p>
+            <a:pPr lvl="1"/>
+            <a:r>
+              <a:rPr lang="en-US"/>
+              <a:t>Second level</a:t>
+            </a:r>
+          </a:p>
+          <a:p>
+            <a:pPr lvl="2"/>
+            <a:r>
+              <a:rPr lang="en-US"/>
+              <a:t>Third level</a:t>
+            </a:r>
+          </a:p>
+          <a:p>
+            <a:pPr lvl="3"/>
+            <a:r>
+              <a:rPr lang="en-US"/>
+              <a:t>Fourth level</a:t>
+            </a:r>
+          </a:p>
+          <a:p>
+            <a:pPr lvl="4"/>
+            <a:r>
+              <a:rPr lang="en-US"/>
+              <a:t>Fifth level</a:t>
+            </a:r>
+            <a:endParaRPr lang="en-US" dirty="0"/>
+          </a:p>
+        </p:txBody>
+      </p:sp>
+      <p:sp>
+        <p:nvSpPr>
+          <p:cNvPr id="5" name="Text Placeholder 4"/>
+          <p:cNvSpPr>
+            <a:spLocks noGrp="1"/>
+          </p:cNvSpPr>
+          <p:nvPr>
+            <p:ph type="body" sz="quarter" idx="3"/>
+          </p:nvPr>
+        </p:nvSpPr>
+        <p:spPr>
+          <a:xfrm>
+            <a:off x="3481374" y="3544711"/>
+            <a:ext cx="2503170" cy="768349"/>
+          </a:xfrm>
+        </p:spPr>
+        <p:txBody>
+          <a:bodyPr anchor="b">
+            <a:noAutofit/>
+          </a:bodyPr>
+          <a:lstStyle>
+            <a:lvl1pPr marL="0" indent="0">
+              <a:buNone/>
+              <a:defRPr sz="1800" b="0">
+                <a:solidFill>
+                  <a:schemeClr val="accent1"/>
+                </a:solidFill>
+              </a:defRPr>
+            </a:lvl1pPr>
+            <a:lvl2pPr marL="342900" indent="0">
+              <a:buNone/>
+              <a:defRPr sz="1500" b="1"/>
+            </a:lvl2pPr>
+            <a:lvl3pPr marL="685800" indent="0">
+              <a:buNone/>
+              <a:defRPr sz="1350" b="1"/>
+            </a:lvl3pPr>
+            <a:lvl4pPr marL="1028700" indent="0">
+              <a:buNone/>
+              <a:defRPr sz="1200" b="1"/>
+            </a:lvl4pPr>
+            <a:lvl5pPr marL="1371600" indent="0">
+              <a:buNone/>
+              <a:defRPr sz="1200" b="1"/>
+            </a:lvl5pPr>
+            <a:lvl6pPr marL="1714500" indent="0">
+              <a:buNone/>
+              <a:defRPr sz="1200" b="1"/>
+            </a:lvl6pPr>
+            <a:lvl7pPr marL="2057400" indent="0">
+              <a:buNone/>
+              <a:defRPr sz="1200" b="1"/>
+            </a:lvl7pPr>
+            <a:lvl8pPr marL="2400300" indent="0">
+              <a:buNone/>
+              <a:defRPr sz="1200" b="1"/>
+            </a:lvl8pPr>
+            <a:lvl9pPr marL="2743200" indent="0">
+              <a:buNone/>
+              <a:defRPr sz="1200" b="1"/>
+            </a:lvl9pPr>
+          </a:lstStyle>
+          <a:p>
+            <a:pPr lvl="0"/>
+            <a:r>
+              <a:rPr lang="en-US"/>
+              <a:t>Click to edit Master text styles</a:t>
+            </a:r>
+          </a:p>
+        </p:txBody>
+      </p:sp>
+      <p:sp>
+        <p:nvSpPr>
+          <p:cNvPr id="6" name="Content Placeholder 5"/>
+          <p:cNvSpPr>
+            <a:spLocks noGrp="1"/>
+          </p:cNvSpPr>
+          <p:nvPr>
+            <p:ph sz="quarter" idx="4"/>
+          </p:nvPr>
+        </p:nvSpPr>
+        <p:spPr>
+          <a:xfrm>
+            <a:off x="3481374" y="4324351"/>
+            <a:ext cx="2503170" cy="3608832"/>
+          </a:xfrm>
+        </p:spPr>
+        <p:txBody>
+          <a:bodyPr>
+            <a:normAutofit/>
+          </a:bodyPr>
+          <a:lstStyle/>
+          <a:p>
+            <a:pPr lvl="0"/>
+            <a:r>
+              <a:rPr lang="en-US"/>
+              <a:t>Click to edit Master text styles</a:t>
+            </a:r>
+          </a:p>
+          <a:p>
+            <a:pPr lvl="1"/>
+            <a:r>
+              <a:rPr lang="en-US"/>
+              <a:t>Second level</a:t>
+            </a:r>
+          </a:p>
+          <a:p>
+            <a:pPr lvl="2"/>
+            <a:r>
+              <a:rPr lang="en-US"/>
+              <a:t>Third level</a:t>
+            </a:r>
+          </a:p>
+          <a:p>
+            <a:pPr lvl="3"/>
+            <a:r>
+              <a:rPr lang="en-US"/>
+              <a:t>Fourth level</a:t>
+            </a:r>
+          </a:p>
+          <a:p>
+            <a:pPr lvl="4"/>
+            <a:r>
+              <a:rPr lang="en-US"/>
+              <a:t>Fifth level</a:t>
+            </a:r>
+            <a:endParaRPr lang="en-US" dirty="0"/>
+          </a:p>
+        </p:txBody>
+      </p:sp>
+      <p:sp>
+        <p:nvSpPr>
+          <p:cNvPr id="7" name="Date Placeholder 6"/>
+          <p:cNvSpPr>
+            <a:spLocks noGrp="1"/>
+          </p:cNvSpPr>
+          <p:nvPr>
+            <p:ph type="dt" sz="half" idx="10"/>
+          </p:nvPr>
+        </p:nvSpPr>
+        <p:spPr/>
+        <p:txBody>
+          <a:bodyPr/>
+          <a:lstStyle/>
+          <a:p>
+            <a:fld id="{BFBBFCFE-809B-4AE5-92DC-0D51595F6FEA}" type="datetimeFigureOut">
+              <a:rPr lang="en-US" smtClean="0"/>
+              <a:t>8/29/2025</a:t>
+            </a:fld>
+            <a:endParaRPr lang="en-US"/>
+          </a:p>
+        </p:txBody>
+      </p:sp>
+      <p:sp>
+        <p:nvSpPr>
+          <p:cNvPr id="8" name="Footer Placeholder 7"/>
+          <p:cNvSpPr>
+            <a:spLocks noGrp="1"/>
+          </p:cNvSpPr>
+          <p:nvPr>
+            <p:ph type="ftr" sz="quarter" idx="11"/>
+          </p:nvPr>
+        </p:nvSpPr>
+        <p:spPr/>
+        <p:txBody>
+          <a:bodyPr/>
+          <a:lstStyle/>
+          <a:p>
+            <a:endParaRPr lang="en-US"/>
+          </a:p>
+        </p:txBody>
+      </p:sp>
+      <p:sp>
+        <p:nvSpPr>
+          <p:cNvPr id="9" name="Slide Number Placeholder 8"/>
+          <p:cNvSpPr>
+            <a:spLocks noGrp="1"/>
+          </p:cNvSpPr>
+          <p:nvPr>
+            <p:ph type="sldNum" sz="quarter" idx="12"/>
+          </p:nvPr>
+        </p:nvSpPr>
+        <p:spPr/>
+        <p:txBody>
+          <a:bodyPr/>
+          <a:lstStyle/>
+          <a:p>
+            <a:fld id="{B52BE1B2-C80A-4E30-B0B7-9476C5A58E1A}" type="slidenum">
+              <a:rPr lang="en-US" smtClean="0"/>
+              <a:t>‹#›</a:t>
+            </a:fld>
+            <a:endParaRPr lang="en-US"/>
+          </a:p>
+        </p:txBody>
+      </p:sp>
+      <p:cxnSp>
+        <p:nvCxnSpPr>
+          <p:cNvPr id="41" name="Straight Connector 40"/>
+          <p:cNvCxnSpPr/>
+          <p:nvPr/>
+        </p:nvCxnSpPr>
+        <p:spPr>
+          <a:xfrm>
+            <a:off x="958849" y="3139560"/>
+            <a:ext cx="4946651" cy="0"/>
+          </a:xfrm>
+          <a:prstGeom prst="line">
+            <a:avLst/>
+          </a:prstGeom>
+          <a:ln w="15875"/>
+        </p:spPr>
+        <p:style>
+          <a:lnRef idx="2">
+            <a:schemeClr val="accent1"/>
+          </a:lnRef>
+          <a:fillRef idx="0">
+            <a:schemeClr val="accent1"/>
+          </a:fillRef>
+          <a:effectRef idx="1">
+            <a:schemeClr val="accent1"/>
+          </a:effectRef>
+          <a:fontRef idx="minor">
+            <a:schemeClr val="tx1"/>
+          </a:fontRef>
+        </p:style>
+      </p:cxnSp>
+    </p:spTree>
+    <p:extLst>
+      <p:ext uri="{BB962C8B-B14F-4D97-AF65-F5344CB8AC3E}">
+        <p14:creationId xmlns:p14="http://schemas.microsoft.com/office/powerpoint/2010/main" val="2643055240"/>
+      </p:ext>
+    </p:extLst>
+  </p:cSld>
+  <p:clrMapOvr>
+    <a:masterClrMapping/>
+  </p:clrMapOvr>
+</p:sldLayout>
+</file>
+
+<file path=ppt/slideLayouts/slideLayout17.xml><?xml version="1.0" encoding="utf-8"?>
+<p:sldLayout xmlns:a="http://schemas.openxmlformats.org/drawingml/2006/main" xmlns:r="http://schemas.openxmlformats.org/officeDocument/2006/relationships" xmlns:p="http://schemas.openxmlformats.org/presentationml/2006/main" type="titleOnly" preserve="1">
+  <p:cSld name="Title Only">
+    <p:spTree>
+      <p:nvGrpSpPr>
+        <p:cNvPr id="1" name=""/>
+        <p:cNvGrpSpPr/>
+        <p:nvPr/>
+      </p:nvGrpSpPr>
+      <p:grpSpPr>
+        <a:xfrm>
+          <a:off x="0" y="0"/>
+          <a:ext cx="0" cy="0"/>
+          <a:chOff x="0" y="0"/>
+          <a:chExt cx="0" cy="0"/>
+        </a:xfrm>
+      </p:grpSpPr>
+      <p:sp>
+        <p:nvSpPr>
+          <p:cNvPr id="2" name="Title 1"/>
+          <p:cNvSpPr>
+            <a:spLocks noGrp="1"/>
+          </p:cNvSpPr>
+          <p:nvPr>
+            <p:ph type="title"/>
+          </p:nvPr>
+        </p:nvSpPr>
+        <p:spPr>
+          <a:xfrm>
+            <a:off x="882649" y="1220450"/>
+            <a:ext cx="5099051" cy="1738489"/>
+          </a:xfrm>
+        </p:spPr>
+        <p:txBody>
+          <a:bodyPr/>
+          <a:lstStyle/>
+          <a:p>
+            <a:r>
+              <a:rPr lang="en-US"/>
+              <a:t>Click to edit Master title style</a:t>
+            </a:r>
+            <a:endParaRPr lang="en-US" dirty="0"/>
+          </a:p>
+        </p:txBody>
+      </p:sp>
+      <p:sp>
+        <p:nvSpPr>
+          <p:cNvPr id="3" name="Date Placeholder 2"/>
+          <p:cNvSpPr>
+            <a:spLocks noGrp="1"/>
+          </p:cNvSpPr>
+          <p:nvPr>
+            <p:ph type="dt" sz="half" idx="10"/>
+          </p:nvPr>
+        </p:nvSpPr>
+        <p:spPr/>
+        <p:txBody>
+          <a:bodyPr/>
+          <a:lstStyle/>
+          <a:p>
+            <a:fld id="{BFBBFCFE-809B-4AE5-92DC-0D51595F6FEA}" type="datetimeFigureOut">
+              <a:rPr lang="en-US" smtClean="0"/>
+              <a:t>8/29/2025</a:t>
+            </a:fld>
+            <a:endParaRPr lang="en-US"/>
+          </a:p>
+        </p:txBody>
+      </p:sp>
+      <p:sp>
+        <p:nvSpPr>
+          <p:cNvPr id="4" name="Footer Placeholder 3"/>
+          <p:cNvSpPr>
+            <a:spLocks noGrp="1"/>
+          </p:cNvSpPr>
+          <p:nvPr>
+            <p:ph type="ftr" sz="quarter" idx="11"/>
+          </p:nvPr>
+        </p:nvSpPr>
+        <p:spPr/>
+        <p:txBody>
+          <a:bodyPr/>
+          <a:lstStyle/>
+          <a:p>
+            <a:endParaRPr lang="en-US"/>
+          </a:p>
+        </p:txBody>
+      </p:sp>
+      <p:sp>
+        <p:nvSpPr>
+          <p:cNvPr id="5" name="Slide Number Placeholder 4"/>
+          <p:cNvSpPr>
+            <a:spLocks noGrp="1"/>
+          </p:cNvSpPr>
+          <p:nvPr>
+            <p:ph type="sldNum" sz="quarter" idx="12"/>
+          </p:nvPr>
+        </p:nvSpPr>
+        <p:spPr/>
+        <p:txBody>
+          <a:bodyPr/>
+          <a:lstStyle/>
+          <a:p>
+            <a:fld id="{B52BE1B2-C80A-4E30-B0B7-9476C5A58E1A}" type="slidenum">
+              <a:rPr lang="en-US" smtClean="0"/>
+              <a:t>‹#›</a:t>
+            </a:fld>
+            <a:endParaRPr lang="en-US"/>
+          </a:p>
+        </p:txBody>
+      </p:sp>
+      <p:cxnSp>
+        <p:nvCxnSpPr>
+          <p:cNvPr id="14" name="Straight Connector 13"/>
+          <p:cNvCxnSpPr/>
+          <p:nvPr/>
+        </p:nvCxnSpPr>
+        <p:spPr>
+          <a:xfrm>
+            <a:off x="958849" y="3139560"/>
+            <a:ext cx="4946651" cy="0"/>
+          </a:xfrm>
+          <a:prstGeom prst="line">
+            <a:avLst/>
+          </a:prstGeom>
+          <a:ln w="15875"/>
+        </p:spPr>
+        <p:style>
+          <a:lnRef idx="2">
+            <a:schemeClr val="accent1"/>
+          </a:lnRef>
+          <a:fillRef idx="0">
+            <a:schemeClr val="accent1"/>
+          </a:fillRef>
+          <a:effectRef idx="1">
+            <a:schemeClr val="accent1"/>
+          </a:effectRef>
+          <a:fontRef idx="minor">
+            <a:schemeClr val="tx1"/>
+          </a:fontRef>
+        </p:style>
+      </p:cxnSp>
+    </p:spTree>
+    <p:extLst>
+      <p:ext uri="{BB962C8B-B14F-4D97-AF65-F5344CB8AC3E}">
+        <p14:creationId xmlns:p14="http://schemas.microsoft.com/office/powerpoint/2010/main" val="49403488"/>
+      </p:ext>
+    </p:extLst>
+  </p:cSld>
+  <p:clrMapOvr>
+    <a:masterClrMapping/>
+  </p:clrMapOvr>
+</p:sldLayout>
+</file>
+
+<file path=ppt/slideLayouts/slideLayout18.xml><?xml version="1.0" encoding="utf-8"?>
+<p:sldLayout xmlns:a="http://schemas.openxmlformats.org/drawingml/2006/main" xmlns:r="http://schemas.openxmlformats.org/officeDocument/2006/relationships" xmlns:p="http://schemas.openxmlformats.org/presentationml/2006/main" type="blank" preserve="1">
+  <p:cSld name="Blank">
+    <p:spTree>
+      <p:nvGrpSpPr>
+        <p:cNvPr id="1" name=""/>
+        <p:cNvGrpSpPr/>
+        <p:nvPr/>
+      </p:nvGrpSpPr>
+      <p:grpSpPr>
+        <a:xfrm>
+          <a:off x="0" y="0"/>
+          <a:ext cx="0" cy="0"/>
+          <a:chOff x="0" y="0"/>
+          <a:chExt cx="0" cy="0"/>
+        </a:xfrm>
+      </p:grpSpPr>
+      <p:sp>
+        <p:nvSpPr>
+          <p:cNvPr id="2" name="Date Placeholder 1"/>
+          <p:cNvSpPr>
+            <a:spLocks noGrp="1"/>
+          </p:cNvSpPr>
+          <p:nvPr>
+            <p:ph type="dt" sz="half" idx="10"/>
+          </p:nvPr>
+        </p:nvSpPr>
+        <p:spPr/>
+        <p:txBody>
+          <a:bodyPr/>
+          <a:lstStyle/>
+          <a:p>
+            <a:fld id="{BFBBFCFE-809B-4AE5-92DC-0D51595F6FEA}" type="datetimeFigureOut">
+              <a:rPr lang="en-US" smtClean="0"/>
+              <a:t>8/29/2025</a:t>
+            </a:fld>
+            <a:endParaRPr lang="en-US"/>
+          </a:p>
+        </p:txBody>
+      </p:sp>
+      <p:sp>
+        <p:nvSpPr>
+          <p:cNvPr id="3" name="Footer Placeholder 2"/>
+          <p:cNvSpPr>
+            <a:spLocks noGrp="1"/>
+          </p:cNvSpPr>
+          <p:nvPr>
+            <p:ph type="ftr" sz="quarter" idx="11"/>
+          </p:nvPr>
+        </p:nvSpPr>
+        <p:spPr/>
+        <p:txBody>
+          <a:bodyPr/>
+          <a:lstStyle/>
+          <a:p>
+            <a:endParaRPr lang="en-US"/>
+          </a:p>
+        </p:txBody>
+      </p:sp>
+      <p:sp>
+        <p:nvSpPr>
+          <p:cNvPr id="4" name="Slide Number Placeholder 3"/>
+          <p:cNvSpPr>
+            <a:spLocks noGrp="1"/>
+          </p:cNvSpPr>
+          <p:nvPr>
+            <p:ph type="sldNum" sz="quarter" idx="12"/>
+          </p:nvPr>
+        </p:nvSpPr>
+        <p:spPr/>
+        <p:txBody>
+          <a:bodyPr/>
+          <a:lstStyle/>
+          <a:p>
+            <a:fld id="{B52BE1B2-C80A-4E30-B0B7-9476C5A58E1A}" type="slidenum">
+              <a:rPr lang="en-US" smtClean="0"/>
+              <a:t>‹#›</a:t>
+            </a:fld>
+            <a:endParaRPr lang="en-US"/>
+          </a:p>
+        </p:txBody>
+      </p:sp>
+    </p:spTree>
+    <p:extLst>
+      <p:ext uri="{BB962C8B-B14F-4D97-AF65-F5344CB8AC3E}">
+        <p14:creationId xmlns:p14="http://schemas.microsoft.com/office/powerpoint/2010/main" val="2693177766"/>
+      </p:ext>
+    </p:extLst>
+  </p:cSld>
+  <p:clrMapOvr>
+    <a:masterClrMapping/>
+  </p:clrMapOvr>
+</p:sldLayout>
+</file>
+
+<file path=ppt/slideLayouts/slideLayout19.xml><?xml version="1.0" encoding="utf-8"?>
+<p:sldLayout xmlns:a="http://schemas.openxmlformats.org/drawingml/2006/main" xmlns:r="http://schemas.openxmlformats.org/officeDocument/2006/relationships" xmlns:p="http://schemas.openxmlformats.org/presentationml/2006/main" type="objTx" preserve="1">
+  <p:cSld name="Content with Caption">
+    <p:spTree>
+      <p:nvGrpSpPr>
+        <p:cNvPr id="1" name=""/>
+        <p:cNvGrpSpPr/>
+        <p:nvPr/>
+      </p:nvGrpSpPr>
+      <p:grpSpPr>
+        <a:xfrm>
+          <a:off x="0" y="0"/>
+          <a:ext cx="0" cy="0"/>
+          <a:chOff x="0" y="0"/>
+          <a:chExt cx="0" cy="0"/>
+        </a:xfrm>
+      </p:grpSpPr>
+      <p:sp>
+        <p:nvSpPr>
+          <p:cNvPr id="2" name="Title 1"/>
+          <p:cNvSpPr>
+            <a:spLocks noGrp="1"/>
+          </p:cNvSpPr>
+          <p:nvPr>
+            <p:ph type="title"/>
+          </p:nvPr>
+        </p:nvSpPr>
+        <p:spPr>
+          <a:xfrm>
+            <a:off x="882648" y="1851379"/>
+            <a:ext cx="1902599" cy="1828800"/>
+          </a:xfrm>
+        </p:spPr>
+        <p:txBody>
+          <a:bodyPr anchor="b">
+            <a:normAutofit/>
+          </a:bodyPr>
+          <a:lstStyle>
+            <a:lvl1pPr algn="ctr">
+              <a:defRPr sz="1800" b="0"/>
+            </a:lvl1pPr>
+          </a:lstStyle>
+          <a:p>
+            <a:r>
+              <a:rPr lang="en-US"/>
+              <a:t>Click to edit Master title style</a:t>
+            </a:r>
+            <a:endParaRPr lang="en-US" dirty="0"/>
+          </a:p>
+        </p:txBody>
+      </p:sp>
+      <p:sp>
+        <p:nvSpPr>
+          <p:cNvPr id="3" name="Content Placeholder 2"/>
+          <p:cNvSpPr>
+            <a:spLocks noGrp="1"/>
+          </p:cNvSpPr>
+          <p:nvPr>
+            <p:ph idx="1"/>
+          </p:nvPr>
+        </p:nvSpPr>
+        <p:spPr>
+          <a:xfrm>
+            <a:off x="3090047" y="1309510"/>
+            <a:ext cx="2891654" cy="6524980"/>
+          </a:xfrm>
+        </p:spPr>
+        <p:txBody>
+          <a:bodyPr anchor="ctr">
+            <a:normAutofit/>
+          </a:bodyPr>
+          <a:lstStyle/>
+          <a:p>
+            <a:pPr lvl="0"/>
+            <a:r>
+              <a:rPr lang="en-US"/>
+              <a:t>Click to edit Master text styles</a:t>
+            </a:r>
+          </a:p>
+          <a:p>
+            <a:pPr lvl="1"/>
+            <a:r>
+              <a:rPr lang="en-US"/>
+              <a:t>Second level</a:t>
+            </a:r>
+          </a:p>
+          <a:p>
+            <a:pPr lvl="2"/>
+            <a:r>
+              <a:rPr lang="en-US"/>
+              <a:t>Third level</a:t>
+            </a:r>
+          </a:p>
+          <a:p>
+            <a:pPr lvl="3"/>
+            <a:r>
+              <a:rPr lang="en-US"/>
+              <a:t>Fourth level</a:t>
+            </a:r>
+          </a:p>
+          <a:p>
+            <a:pPr lvl="4"/>
+            <a:r>
+              <a:rPr lang="en-US"/>
+              <a:t>Fifth level</a:t>
+            </a:r>
+            <a:endParaRPr lang="en-US" dirty="0"/>
+          </a:p>
+        </p:txBody>
+      </p:sp>
+      <p:sp>
+        <p:nvSpPr>
+          <p:cNvPr id="4" name="Text Placeholder 3"/>
+          <p:cNvSpPr>
+            <a:spLocks noGrp="1"/>
+          </p:cNvSpPr>
+          <p:nvPr>
+            <p:ph type="body" sz="half" idx="2"/>
+          </p:nvPr>
+        </p:nvSpPr>
+        <p:spPr>
+          <a:xfrm>
+            <a:off x="882648" y="4041420"/>
+            <a:ext cx="1902599" cy="3251205"/>
+          </a:xfrm>
+        </p:spPr>
+        <p:txBody>
+          <a:bodyPr anchor="t">
+            <a:normAutofit/>
+          </a:bodyPr>
+          <a:lstStyle>
+            <a:lvl1pPr marL="0" indent="0" algn="ctr">
+              <a:buNone/>
+              <a:defRPr sz="1200"/>
+            </a:lvl1pPr>
+            <a:lvl2pPr marL="342900" indent="0">
+              <a:buNone/>
+              <a:defRPr sz="900"/>
+            </a:lvl2pPr>
+            <a:lvl3pPr marL="685800" indent="0">
+              <a:buNone/>
+              <a:defRPr sz="750"/>
+            </a:lvl3pPr>
+            <a:lvl4pPr marL="1028700" indent="0">
+              <a:buNone/>
+              <a:defRPr sz="675"/>
+            </a:lvl4pPr>
+            <a:lvl5pPr marL="1371600" indent="0">
+              <a:buNone/>
+              <a:defRPr sz="675"/>
+            </a:lvl5pPr>
+            <a:lvl6pPr marL="1714500" indent="0">
+              <a:buNone/>
+              <a:defRPr sz="675"/>
+            </a:lvl6pPr>
+            <a:lvl7pPr marL="2057400" indent="0">
+              <a:buNone/>
+              <a:defRPr sz="675"/>
+            </a:lvl7pPr>
+            <a:lvl8pPr marL="2400300" indent="0">
+              <a:buNone/>
+              <a:defRPr sz="675"/>
+            </a:lvl8pPr>
+            <a:lvl9pPr marL="2743200" indent="0">
+              <a:buNone/>
+              <a:defRPr sz="675"/>
+            </a:lvl9pPr>
+          </a:lstStyle>
+          <a:p>
+            <a:pPr lvl="0"/>
+            <a:r>
+              <a:rPr lang="en-US"/>
+              <a:t>Click to edit Master text styles</a:t>
+            </a:r>
+          </a:p>
+        </p:txBody>
+      </p:sp>
+      <p:sp>
+        <p:nvSpPr>
+          <p:cNvPr id="5" name="Date Placeholder 4"/>
+          <p:cNvSpPr>
+            <a:spLocks noGrp="1"/>
+          </p:cNvSpPr>
+          <p:nvPr>
+            <p:ph type="dt" sz="half" idx="10"/>
+          </p:nvPr>
+        </p:nvSpPr>
+        <p:spPr/>
+        <p:txBody>
+          <a:bodyPr/>
+          <a:lstStyle/>
+          <a:p>
+            <a:fld id="{BFBBFCFE-809B-4AE5-92DC-0D51595F6FEA}" type="datetimeFigureOut">
+              <a:rPr lang="en-US" smtClean="0"/>
+              <a:t>8/29/2025</a:t>
+            </a:fld>
+            <a:endParaRPr lang="en-US"/>
+          </a:p>
+        </p:txBody>
+      </p:sp>
+      <p:sp>
+        <p:nvSpPr>
+          <p:cNvPr id="6" name="Footer Placeholder 5"/>
+          <p:cNvSpPr>
+            <a:spLocks noGrp="1"/>
+          </p:cNvSpPr>
+          <p:nvPr>
+            <p:ph type="ftr" sz="quarter" idx="11"/>
+          </p:nvPr>
+        </p:nvSpPr>
+        <p:spPr/>
+        <p:txBody>
+          <a:bodyPr/>
+          <a:lstStyle/>
+          <a:p>
+            <a:endParaRPr lang="en-US"/>
+          </a:p>
+        </p:txBody>
+      </p:sp>
+      <p:sp>
+        <p:nvSpPr>
+          <p:cNvPr id="7" name="Slide Number Placeholder 6"/>
+          <p:cNvSpPr>
+            <a:spLocks noGrp="1"/>
+          </p:cNvSpPr>
+          <p:nvPr>
+            <p:ph type="sldNum" sz="quarter" idx="12"/>
+          </p:nvPr>
+        </p:nvSpPr>
+        <p:spPr/>
+        <p:txBody>
+          <a:bodyPr/>
+          <a:lstStyle/>
+          <a:p>
+            <a:fld id="{B52BE1B2-C80A-4E30-B0B7-9476C5A58E1A}" type="slidenum">
+              <a:rPr lang="en-US" smtClean="0"/>
+              <a:t>‹#›</a:t>
+            </a:fld>
+            <a:endParaRPr lang="en-US"/>
+          </a:p>
+        </p:txBody>
+      </p:sp>
+      <p:cxnSp>
+        <p:nvCxnSpPr>
+          <p:cNvPr id="16" name="Straight Connector 15"/>
+          <p:cNvCxnSpPr/>
+          <p:nvPr/>
+        </p:nvCxnSpPr>
+        <p:spPr>
+          <a:xfrm>
+            <a:off x="958849" y="3883377"/>
+            <a:ext cx="1750196" cy="0"/>
+          </a:xfrm>
+          <a:prstGeom prst="line">
+            <a:avLst/>
+          </a:prstGeom>
+          <a:ln w="15875"/>
+        </p:spPr>
+        <p:style>
+          <a:lnRef idx="2">
+            <a:schemeClr val="accent1"/>
+          </a:lnRef>
+          <a:fillRef idx="0">
+            <a:schemeClr val="accent1"/>
+          </a:fillRef>
+          <a:effectRef idx="1">
+            <a:schemeClr val="accent1"/>
+          </a:effectRef>
+          <a:fontRef idx="minor">
+            <a:schemeClr val="tx1"/>
+          </a:fontRef>
+        </p:style>
+      </p:cxnSp>
+    </p:spTree>
+    <p:extLst>
+      <p:ext uri="{BB962C8B-B14F-4D97-AF65-F5344CB8AC3E}">
+        <p14:creationId xmlns:p14="http://schemas.microsoft.com/office/powerpoint/2010/main" val="1113428773"/>
       </p:ext>
     </p:extLst>
   </p:cSld>
@@ -788,7 +2924,7 @@
           <a:p>
             <a:fld id="{BFBBFCFE-809B-4AE5-92DC-0D51595F6FEA}" type="datetimeFigureOut">
               <a:rPr lang="en-US" smtClean="0"/>
-              <a:t>8/9/2025</a:t>
+              <a:t>8/29/2025</a:t>
             </a:fld>
             <a:endParaRPr lang="en-US"/>
           </a:p>
@@ -840,6 +2976,2802 @@
     <p:extLst>
       <p:ext uri="{BB962C8B-B14F-4D97-AF65-F5344CB8AC3E}">
         <p14:creationId xmlns:p14="http://schemas.microsoft.com/office/powerpoint/2010/main" val="1081624530"/>
+      </p:ext>
+    </p:extLst>
+  </p:cSld>
+  <p:clrMapOvr>
+    <a:masterClrMapping/>
+  </p:clrMapOvr>
+</p:sldLayout>
+</file>
+
+<file path=ppt/slideLayouts/slideLayout20.xml><?xml version="1.0" encoding="utf-8"?>
+<p:sldLayout xmlns:a="http://schemas.openxmlformats.org/drawingml/2006/main" xmlns:r="http://schemas.openxmlformats.org/officeDocument/2006/relationships" xmlns:p="http://schemas.openxmlformats.org/presentationml/2006/main" type="picTx" preserve="1">
+  <p:cSld name="Picture with Caption">
+    <p:spTree>
+      <p:nvGrpSpPr>
+        <p:cNvPr id="1" name=""/>
+        <p:cNvGrpSpPr/>
+        <p:nvPr/>
+      </p:nvGrpSpPr>
+      <p:grpSpPr>
+        <a:xfrm>
+          <a:off x="0" y="0"/>
+          <a:ext cx="0" cy="0"/>
+          <a:chOff x="0" y="0"/>
+          <a:chExt cx="0" cy="0"/>
+        </a:xfrm>
+      </p:grpSpPr>
+      <p:sp>
+        <p:nvSpPr>
+          <p:cNvPr id="2" name="Title 1"/>
+          <p:cNvSpPr>
+            <a:spLocks noGrp="1"/>
+          </p:cNvSpPr>
+          <p:nvPr>
+            <p:ph type="title"/>
+          </p:nvPr>
+        </p:nvSpPr>
+        <p:spPr>
+          <a:xfrm>
+            <a:off x="882649" y="2511776"/>
+            <a:ext cx="2724152" cy="1828800"/>
+          </a:xfrm>
+        </p:spPr>
+        <p:txBody>
+          <a:bodyPr anchor="b">
+            <a:normAutofit/>
+          </a:bodyPr>
+          <a:lstStyle>
+            <a:lvl1pPr algn="ctr">
+              <a:defRPr sz="1800" b="0"/>
+            </a:lvl1pPr>
+          </a:lstStyle>
+          <a:p>
+            <a:r>
+              <a:rPr lang="en-US"/>
+              <a:t>Click to edit Master title style</a:t>
+            </a:r>
+            <a:endParaRPr lang="en-US" dirty="0"/>
+          </a:p>
+        </p:txBody>
+      </p:sp>
+      <p:sp>
+        <p:nvSpPr>
+          <p:cNvPr id="17" name="Picture Placeholder 2"/>
+          <p:cNvSpPr>
+            <a:spLocks noGrp="1" noChangeAspect="1"/>
+          </p:cNvSpPr>
+          <p:nvPr>
+            <p:ph type="pic" idx="1"/>
+          </p:nvPr>
+        </p:nvSpPr>
+        <p:spPr>
+          <a:xfrm>
+            <a:off x="3887302" y="1377244"/>
+            <a:ext cx="2197097" cy="6389515"/>
+          </a:xfrm>
+          <a:prstGeom prst="roundRect">
+            <a:avLst>
+              <a:gd name="adj" fmla="val 0"/>
+            </a:avLst>
+          </a:prstGeom>
+          <a:ln w="57150" cmpd="thickThin">
+            <a:solidFill>
+              <a:schemeClr val="tx1">
+                <a:lumMod val="50000"/>
+                <a:lumOff val="50000"/>
+              </a:schemeClr>
+            </a:solidFill>
+          </a:ln>
+          <a:effectLst>
+            <a:innerShdw blurRad="57150" dist="38100" dir="14460000">
+              <a:srgbClr val="000000">
+                <a:alpha val="70000"/>
+              </a:srgbClr>
+            </a:innerShdw>
+          </a:effectLst>
+        </p:spPr>
+        <p:txBody>
+          <a:bodyPr anchor="t">
+            <a:normAutofit/>
+          </a:bodyPr>
+          <a:lstStyle>
+            <a:lvl1pPr marL="0" indent="0" algn="ctr">
+              <a:buNone/>
+              <a:defRPr sz="1200"/>
+            </a:lvl1pPr>
+            <a:lvl2pPr marL="342900" indent="0">
+              <a:buNone/>
+              <a:defRPr sz="1200"/>
+            </a:lvl2pPr>
+            <a:lvl3pPr marL="685800" indent="0">
+              <a:buNone/>
+              <a:defRPr sz="1200"/>
+            </a:lvl3pPr>
+            <a:lvl4pPr marL="1028700" indent="0">
+              <a:buNone/>
+              <a:defRPr sz="1200"/>
+            </a:lvl4pPr>
+            <a:lvl5pPr marL="1371600" indent="0">
+              <a:buNone/>
+              <a:defRPr sz="1200"/>
+            </a:lvl5pPr>
+            <a:lvl6pPr marL="1714500" indent="0">
+              <a:buNone/>
+              <a:defRPr sz="1200"/>
+            </a:lvl6pPr>
+            <a:lvl7pPr marL="2057400" indent="0">
+              <a:buNone/>
+              <a:defRPr sz="1200"/>
+            </a:lvl7pPr>
+            <a:lvl8pPr marL="2400300" indent="0">
+              <a:buNone/>
+              <a:defRPr sz="1200"/>
+            </a:lvl8pPr>
+            <a:lvl9pPr marL="2743200" indent="0">
+              <a:buNone/>
+              <a:defRPr sz="1200"/>
+            </a:lvl9pPr>
+          </a:lstStyle>
+          <a:p>
+            <a:r>
+              <a:rPr lang="en-US"/>
+              <a:t>Click icon to add picture</a:t>
+            </a:r>
+            <a:endParaRPr lang="en-US" dirty="0"/>
+          </a:p>
+        </p:txBody>
+      </p:sp>
+      <p:sp>
+        <p:nvSpPr>
+          <p:cNvPr id="4" name="Text Placeholder 3"/>
+          <p:cNvSpPr>
+            <a:spLocks noGrp="1"/>
+          </p:cNvSpPr>
+          <p:nvPr>
+            <p:ph type="body" sz="half" idx="2"/>
+          </p:nvPr>
+        </p:nvSpPr>
+        <p:spPr>
+          <a:xfrm>
+            <a:off x="882649" y="4340576"/>
+            <a:ext cx="2724151" cy="2438400"/>
+          </a:xfrm>
+        </p:spPr>
+        <p:txBody>
+          <a:bodyPr anchor="t">
+            <a:normAutofit/>
+          </a:bodyPr>
+          <a:lstStyle>
+            <a:lvl1pPr marL="0" indent="0" algn="ctr">
+              <a:buNone/>
+              <a:defRPr sz="1200"/>
+            </a:lvl1pPr>
+            <a:lvl2pPr marL="342900" indent="0">
+              <a:buNone/>
+              <a:defRPr sz="900"/>
+            </a:lvl2pPr>
+            <a:lvl3pPr marL="685800" indent="0">
+              <a:buNone/>
+              <a:defRPr sz="750"/>
+            </a:lvl3pPr>
+            <a:lvl4pPr marL="1028700" indent="0">
+              <a:buNone/>
+              <a:defRPr sz="675"/>
+            </a:lvl4pPr>
+            <a:lvl5pPr marL="1371600" indent="0">
+              <a:buNone/>
+              <a:defRPr sz="675"/>
+            </a:lvl5pPr>
+            <a:lvl6pPr marL="1714500" indent="0">
+              <a:buNone/>
+              <a:defRPr sz="675"/>
+            </a:lvl6pPr>
+            <a:lvl7pPr marL="2057400" indent="0">
+              <a:buNone/>
+              <a:defRPr sz="675"/>
+            </a:lvl7pPr>
+            <a:lvl8pPr marL="2400300" indent="0">
+              <a:buNone/>
+              <a:defRPr sz="675"/>
+            </a:lvl8pPr>
+            <a:lvl9pPr marL="2743200" indent="0">
+              <a:buNone/>
+              <a:defRPr sz="675"/>
+            </a:lvl9pPr>
+          </a:lstStyle>
+          <a:p>
+            <a:pPr lvl="0"/>
+            <a:r>
+              <a:rPr lang="en-US"/>
+              <a:t>Click to edit Master text styles</a:t>
+            </a:r>
+          </a:p>
+        </p:txBody>
+      </p:sp>
+      <p:sp>
+        <p:nvSpPr>
+          <p:cNvPr id="5" name="Date Placeholder 4"/>
+          <p:cNvSpPr>
+            <a:spLocks noGrp="1"/>
+          </p:cNvSpPr>
+          <p:nvPr>
+            <p:ph type="dt" sz="half" idx="10"/>
+          </p:nvPr>
+        </p:nvSpPr>
+        <p:spPr/>
+        <p:txBody>
+          <a:bodyPr/>
+          <a:lstStyle/>
+          <a:p>
+            <a:fld id="{BFBBFCFE-809B-4AE5-92DC-0D51595F6FEA}" type="datetimeFigureOut">
+              <a:rPr lang="en-US" smtClean="0"/>
+              <a:t>8/29/2025</a:t>
+            </a:fld>
+            <a:endParaRPr lang="en-US"/>
+          </a:p>
+        </p:txBody>
+      </p:sp>
+      <p:sp>
+        <p:nvSpPr>
+          <p:cNvPr id="6" name="Footer Placeholder 5"/>
+          <p:cNvSpPr>
+            <a:spLocks noGrp="1"/>
+          </p:cNvSpPr>
+          <p:nvPr>
+            <p:ph type="ftr" sz="quarter" idx="11"/>
+          </p:nvPr>
+        </p:nvSpPr>
+        <p:spPr/>
+        <p:txBody>
+          <a:bodyPr/>
+          <a:lstStyle/>
+          <a:p>
+            <a:endParaRPr lang="en-US"/>
+          </a:p>
+        </p:txBody>
+      </p:sp>
+      <p:sp>
+        <p:nvSpPr>
+          <p:cNvPr id="7" name="Slide Number Placeholder 6"/>
+          <p:cNvSpPr>
+            <a:spLocks noGrp="1"/>
+          </p:cNvSpPr>
+          <p:nvPr>
+            <p:ph type="sldNum" sz="quarter" idx="12"/>
+          </p:nvPr>
+        </p:nvSpPr>
+        <p:spPr/>
+        <p:txBody>
+          <a:bodyPr/>
+          <a:lstStyle/>
+          <a:p>
+            <a:fld id="{B52BE1B2-C80A-4E30-B0B7-9476C5A58E1A}" type="slidenum">
+              <a:rPr lang="en-US" smtClean="0"/>
+              <a:t>‹#›</a:t>
+            </a:fld>
+            <a:endParaRPr lang="en-US"/>
+          </a:p>
+        </p:txBody>
+      </p:sp>
+    </p:spTree>
+    <p:extLst>
+      <p:ext uri="{BB962C8B-B14F-4D97-AF65-F5344CB8AC3E}">
+        <p14:creationId xmlns:p14="http://schemas.microsoft.com/office/powerpoint/2010/main" val="359980782"/>
+      </p:ext>
+    </p:extLst>
+  </p:cSld>
+  <p:clrMapOvr>
+    <a:masterClrMapping/>
+  </p:clrMapOvr>
+</p:sldLayout>
+</file>
+
+<file path=ppt/slideLayouts/slideLayout21.xml><?xml version="1.0" encoding="utf-8"?>
+<p:sldLayout xmlns:a="http://schemas.openxmlformats.org/drawingml/2006/main" xmlns:r="http://schemas.openxmlformats.org/officeDocument/2006/relationships" xmlns:p="http://schemas.openxmlformats.org/presentationml/2006/main" preserve="1">
+  <p:cSld name="Panoramic Picture with Caption">
+    <p:spTree>
+      <p:nvGrpSpPr>
+        <p:cNvPr id="1" name=""/>
+        <p:cNvGrpSpPr/>
+        <p:nvPr/>
+      </p:nvGrpSpPr>
+      <p:grpSpPr>
+        <a:xfrm>
+          <a:off x="0" y="0"/>
+          <a:ext cx="0" cy="0"/>
+          <a:chOff x="0" y="0"/>
+          <a:chExt cx="0" cy="0"/>
+        </a:xfrm>
+      </p:grpSpPr>
+      <p:sp>
+        <p:nvSpPr>
+          <p:cNvPr id="2" name="Title 1"/>
+          <p:cNvSpPr>
+            <a:spLocks noGrp="1"/>
+          </p:cNvSpPr>
+          <p:nvPr>
+            <p:ph type="title"/>
+          </p:nvPr>
+        </p:nvSpPr>
+        <p:spPr>
+          <a:xfrm>
+            <a:off x="882649" y="6420553"/>
+            <a:ext cx="5099051" cy="755651"/>
+          </a:xfrm>
+        </p:spPr>
+        <p:txBody>
+          <a:bodyPr anchor="b">
+            <a:normAutofit/>
+          </a:bodyPr>
+          <a:lstStyle>
+            <a:lvl1pPr algn="ctr">
+              <a:defRPr sz="1800" b="0"/>
+            </a:lvl1pPr>
+          </a:lstStyle>
+          <a:p>
+            <a:r>
+              <a:rPr lang="en-US"/>
+              <a:t>Click to edit Master title style</a:t>
+            </a:r>
+            <a:endParaRPr lang="en-US" dirty="0"/>
+          </a:p>
+        </p:txBody>
+      </p:sp>
+      <p:sp>
+        <p:nvSpPr>
+          <p:cNvPr id="3" name="Picture Placeholder 2"/>
+          <p:cNvSpPr>
+            <a:spLocks noGrp="1" noChangeAspect="1"/>
+          </p:cNvSpPr>
+          <p:nvPr>
+            <p:ph type="pic" idx="1"/>
+          </p:nvPr>
+        </p:nvSpPr>
+        <p:spPr>
+          <a:xfrm>
+            <a:off x="769695" y="1377245"/>
+            <a:ext cx="5318612" cy="4481692"/>
+          </a:xfrm>
+          <a:prstGeom prst="roundRect">
+            <a:avLst>
+              <a:gd name="adj" fmla="val 0"/>
+            </a:avLst>
+          </a:prstGeom>
+          <a:ln w="57150" cmpd="thickThin">
+            <a:solidFill>
+              <a:schemeClr val="tx1">
+                <a:lumMod val="50000"/>
+                <a:lumOff val="50000"/>
+              </a:schemeClr>
+            </a:solidFill>
+          </a:ln>
+          <a:effectLst>
+            <a:innerShdw blurRad="57150" dist="38100" dir="14460000">
+              <a:srgbClr val="000000">
+                <a:alpha val="70000"/>
+              </a:srgbClr>
+            </a:innerShdw>
+          </a:effectLst>
+        </p:spPr>
+        <p:txBody>
+          <a:bodyPr anchor="t">
+            <a:normAutofit/>
+          </a:bodyPr>
+          <a:lstStyle>
+            <a:lvl1pPr marL="0" indent="0" algn="ctr">
+              <a:buNone/>
+              <a:defRPr sz="1200"/>
+            </a:lvl1pPr>
+            <a:lvl2pPr marL="342900" indent="0">
+              <a:buNone/>
+              <a:defRPr sz="1200"/>
+            </a:lvl2pPr>
+            <a:lvl3pPr marL="685800" indent="0">
+              <a:buNone/>
+              <a:defRPr sz="1200"/>
+            </a:lvl3pPr>
+            <a:lvl4pPr marL="1028700" indent="0">
+              <a:buNone/>
+              <a:defRPr sz="1200"/>
+            </a:lvl4pPr>
+            <a:lvl5pPr marL="1371600" indent="0">
+              <a:buNone/>
+              <a:defRPr sz="1200"/>
+            </a:lvl5pPr>
+            <a:lvl6pPr marL="1714500" indent="0">
+              <a:buNone/>
+              <a:defRPr sz="1200"/>
+            </a:lvl6pPr>
+            <a:lvl7pPr marL="2057400" indent="0">
+              <a:buNone/>
+              <a:defRPr sz="1200"/>
+            </a:lvl7pPr>
+            <a:lvl8pPr marL="2400300" indent="0">
+              <a:buNone/>
+              <a:defRPr sz="1200"/>
+            </a:lvl8pPr>
+            <a:lvl9pPr marL="2743200" indent="0">
+              <a:buNone/>
+              <a:defRPr sz="1200"/>
+            </a:lvl9pPr>
+          </a:lstStyle>
+          <a:p>
+            <a:r>
+              <a:rPr lang="en-US"/>
+              <a:t>Click icon to add picture</a:t>
+            </a:r>
+            <a:endParaRPr lang="en-US" dirty="0"/>
+          </a:p>
+        </p:txBody>
+      </p:sp>
+      <p:sp>
+        <p:nvSpPr>
+          <p:cNvPr id="4" name="Text Placeholder 3"/>
+          <p:cNvSpPr>
+            <a:spLocks noGrp="1"/>
+          </p:cNvSpPr>
+          <p:nvPr>
+            <p:ph type="body" sz="half" idx="2"/>
+          </p:nvPr>
+        </p:nvSpPr>
+        <p:spPr>
+          <a:xfrm>
+            <a:off x="882649" y="7176204"/>
+            <a:ext cx="5099051" cy="658283"/>
+          </a:xfrm>
+        </p:spPr>
+        <p:txBody>
+          <a:bodyPr anchor="t">
+            <a:normAutofit/>
+          </a:bodyPr>
+          <a:lstStyle>
+            <a:lvl1pPr marL="0" indent="0" algn="ctr">
+              <a:buNone/>
+              <a:defRPr sz="1200"/>
+            </a:lvl1pPr>
+            <a:lvl2pPr marL="342900" indent="0">
+              <a:buNone/>
+              <a:defRPr sz="900"/>
+            </a:lvl2pPr>
+            <a:lvl3pPr marL="685800" indent="0">
+              <a:buNone/>
+              <a:defRPr sz="750"/>
+            </a:lvl3pPr>
+            <a:lvl4pPr marL="1028700" indent="0">
+              <a:buNone/>
+              <a:defRPr sz="675"/>
+            </a:lvl4pPr>
+            <a:lvl5pPr marL="1371600" indent="0">
+              <a:buNone/>
+              <a:defRPr sz="675"/>
+            </a:lvl5pPr>
+            <a:lvl6pPr marL="1714500" indent="0">
+              <a:buNone/>
+              <a:defRPr sz="675"/>
+            </a:lvl6pPr>
+            <a:lvl7pPr marL="2057400" indent="0">
+              <a:buNone/>
+              <a:defRPr sz="675"/>
+            </a:lvl7pPr>
+            <a:lvl8pPr marL="2400300" indent="0">
+              <a:buNone/>
+              <a:defRPr sz="675"/>
+            </a:lvl8pPr>
+            <a:lvl9pPr marL="2743200" indent="0">
+              <a:buNone/>
+              <a:defRPr sz="675"/>
+            </a:lvl9pPr>
+          </a:lstStyle>
+          <a:p>
+            <a:pPr lvl="0"/>
+            <a:r>
+              <a:rPr lang="en-US"/>
+              <a:t>Click to edit Master text styles</a:t>
+            </a:r>
+          </a:p>
+        </p:txBody>
+      </p:sp>
+      <p:sp>
+        <p:nvSpPr>
+          <p:cNvPr id="5" name="Date Placeholder 4"/>
+          <p:cNvSpPr>
+            <a:spLocks noGrp="1"/>
+          </p:cNvSpPr>
+          <p:nvPr>
+            <p:ph type="dt" sz="half" idx="10"/>
+          </p:nvPr>
+        </p:nvSpPr>
+        <p:spPr/>
+        <p:txBody>
+          <a:bodyPr/>
+          <a:lstStyle/>
+          <a:p>
+            <a:fld id="{BFBBFCFE-809B-4AE5-92DC-0D51595F6FEA}" type="datetimeFigureOut">
+              <a:rPr lang="en-US" smtClean="0"/>
+              <a:t>8/29/2025</a:t>
+            </a:fld>
+            <a:endParaRPr lang="en-US"/>
+          </a:p>
+        </p:txBody>
+      </p:sp>
+      <p:sp>
+        <p:nvSpPr>
+          <p:cNvPr id="6" name="Footer Placeholder 5"/>
+          <p:cNvSpPr>
+            <a:spLocks noGrp="1"/>
+          </p:cNvSpPr>
+          <p:nvPr>
+            <p:ph type="ftr" sz="quarter" idx="11"/>
+          </p:nvPr>
+        </p:nvSpPr>
+        <p:spPr/>
+        <p:txBody>
+          <a:bodyPr/>
+          <a:lstStyle/>
+          <a:p>
+            <a:endParaRPr lang="en-US"/>
+          </a:p>
+        </p:txBody>
+      </p:sp>
+      <p:sp>
+        <p:nvSpPr>
+          <p:cNvPr id="7" name="Slide Number Placeholder 6"/>
+          <p:cNvSpPr>
+            <a:spLocks noGrp="1"/>
+          </p:cNvSpPr>
+          <p:nvPr>
+            <p:ph type="sldNum" sz="quarter" idx="12"/>
+          </p:nvPr>
+        </p:nvSpPr>
+        <p:spPr/>
+        <p:txBody>
+          <a:bodyPr/>
+          <a:lstStyle/>
+          <a:p>
+            <a:fld id="{B52BE1B2-C80A-4E30-B0B7-9476C5A58E1A}" type="slidenum">
+              <a:rPr lang="en-US" smtClean="0"/>
+              <a:t>‹#›</a:t>
+            </a:fld>
+            <a:endParaRPr lang="en-US"/>
+          </a:p>
+        </p:txBody>
+      </p:sp>
+    </p:spTree>
+    <p:extLst>
+      <p:ext uri="{BB962C8B-B14F-4D97-AF65-F5344CB8AC3E}">
+        <p14:creationId xmlns:p14="http://schemas.microsoft.com/office/powerpoint/2010/main" val="3355277083"/>
+      </p:ext>
+    </p:extLst>
+  </p:cSld>
+  <p:clrMapOvr>
+    <a:masterClrMapping/>
+  </p:clrMapOvr>
+</p:sldLayout>
+</file>
+
+<file path=ppt/slideLayouts/slideLayout22.xml><?xml version="1.0" encoding="utf-8"?>
+<p:sldLayout xmlns:a="http://schemas.openxmlformats.org/drawingml/2006/main" xmlns:r="http://schemas.openxmlformats.org/officeDocument/2006/relationships" xmlns:p="http://schemas.openxmlformats.org/presentationml/2006/main" preserve="1">
+  <p:cSld name="Title and Caption">
+    <p:spTree>
+      <p:nvGrpSpPr>
+        <p:cNvPr id="1" name=""/>
+        <p:cNvGrpSpPr/>
+        <p:nvPr/>
+      </p:nvGrpSpPr>
+      <p:grpSpPr>
+        <a:xfrm>
+          <a:off x="0" y="0"/>
+          <a:ext cx="0" cy="0"/>
+          <a:chOff x="0" y="0"/>
+          <a:chExt cx="0" cy="0"/>
+        </a:xfrm>
+      </p:grpSpPr>
+      <p:sp>
+        <p:nvSpPr>
+          <p:cNvPr id="2" name="Title 1"/>
+          <p:cNvSpPr>
+            <a:spLocks noGrp="1"/>
+          </p:cNvSpPr>
+          <p:nvPr>
+            <p:ph type="title"/>
+          </p:nvPr>
+        </p:nvSpPr>
+        <p:spPr>
+          <a:xfrm>
+            <a:off x="882649" y="1209164"/>
+            <a:ext cx="5099051" cy="4130480"/>
+          </a:xfrm>
+        </p:spPr>
+        <p:txBody>
+          <a:bodyPr anchor="ctr">
+            <a:normAutofit/>
+          </a:bodyPr>
+          <a:lstStyle>
+            <a:lvl1pPr algn="ctr">
+              <a:defRPr sz="2400" b="0" cap="none"/>
+            </a:lvl1pPr>
+          </a:lstStyle>
+          <a:p>
+            <a:r>
+              <a:rPr lang="en-US"/>
+              <a:t>Click to edit Master title style</a:t>
+            </a:r>
+            <a:endParaRPr lang="en-US" dirty="0"/>
+          </a:p>
+        </p:txBody>
+      </p:sp>
+      <p:sp>
+        <p:nvSpPr>
+          <p:cNvPr id="3" name="Text Placeholder 2"/>
+          <p:cNvSpPr>
+            <a:spLocks noGrp="1"/>
+          </p:cNvSpPr>
+          <p:nvPr>
+            <p:ph type="body" idx="1"/>
+          </p:nvPr>
+        </p:nvSpPr>
+        <p:spPr>
+          <a:xfrm>
+            <a:off x="882649" y="5700888"/>
+            <a:ext cx="5099052" cy="2133603"/>
+          </a:xfrm>
+        </p:spPr>
+        <p:txBody>
+          <a:bodyPr anchor="ctr">
+            <a:normAutofit/>
+          </a:bodyPr>
+          <a:lstStyle>
+            <a:lvl1pPr marL="0" indent="0" algn="ctr">
+              <a:buNone/>
+              <a:defRPr sz="1500">
+                <a:solidFill>
+                  <a:schemeClr val="tx1"/>
+                </a:solidFill>
+              </a:defRPr>
+            </a:lvl1pPr>
+            <a:lvl2pPr marL="342900" indent="0">
+              <a:buNone/>
+              <a:defRPr sz="1350">
+                <a:solidFill>
+                  <a:schemeClr val="tx1">
+                    <a:tint val="75000"/>
+                  </a:schemeClr>
+                </a:solidFill>
+              </a:defRPr>
+            </a:lvl2pPr>
+            <a:lvl3pPr marL="685800" indent="0">
+              <a:buNone/>
+              <a:defRPr sz="1200">
+                <a:solidFill>
+                  <a:schemeClr val="tx1">
+                    <a:tint val="75000"/>
+                  </a:schemeClr>
+                </a:solidFill>
+              </a:defRPr>
+            </a:lvl3pPr>
+            <a:lvl4pPr marL="1028700" indent="0">
+              <a:buNone/>
+              <a:defRPr sz="1050">
+                <a:solidFill>
+                  <a:schemeClr val="tx1">
+                    <a:tint val="75000"/>
+                  </a:schemeClr>
+                </a:solidFill>
+              </a:defRPr>
+            </a:lvl4pPr>
+            <a:lvl5pPr marL="1371600" indent="0">
+              <a:buNone/>
+              <a:defRPr sz="1050">
+                <a:solidFill>
+                  <a:schemeClr val="tx1">
+                    <a:tint val="75000"/>
+                  </a:schemeClr>
+                </a:solidFill>
+              </a:defRPr>
+            </a:lvl5pPr>
+            <a:lvl6pPr marL="1714500" indent="0">
+              <a:buNone/>
+              <a:defRPr sz="1050">
+                <a:solidFill>
+                  <a:schemeClr val="tx1">
+                    <a:tint val="75000"/>
+                  </a:schemeClr>
+                </a:solidFill>
+              </a:defRPr>
+            </a:lvl6pPr>
+            <a:lvl7pPr marL="2057400" indent="0">
+              <a:buNone/>
+              <a:defRPr sz="1050">
+                <a:solidFill>
+                  <a:schemeClr val="tx1">
+                    <a:tint val="75000"/>
+                  </a:schemeClr>
+                </a:solidFill>
+              </a:defRPr>
+            </a:lvl7pPr>
+            <a:lvl8pPr marL="2400300" indent="0">
+              <a:buNone/>
+              <a:defRPr sz="1050">
+                <a:solidFill>
+                  <a:schemeClr val="tx1">
+                    <a:tint val="75000"/>
+                  </a:schemeClr>
+                </a:solidFill>
+              </a:defRPr>
+            </a:lvl8pPr>
+            <a:lvl9pPr marL="2743200" indent="0">
+              <a:buNone/>
+              <a:defRPr sz="1050">
+                <a:solidFill>
+                  <a:schemeClr val="tx1">
+                    <a:tint val="75000"/>
+                  </a:schemeClr>
+                </a:solidFill>
+              </a:defRPr>
+            </a:lvl9pPr>
+          </a:lstStyle>
+          <a:p>
+            <a:pPr lvl="0"/>
+            <a:r>
+              <a:rPr lang="en-US"/>
+              <a:t>Click to edit Master text styles</a:t>
+            </a:r>
+          </a:p>
+        </p:txBody>
+      </p:sp>
+      <p:sp>
+        <p:nvSpPr>
+          <p:cNvPr id="4" name="Date Placeholder 3"/>
+          <p:cNvSpPr>
+            <a:spLocks noGrp="1"/>
+          </p:cNvSpPr>
+          <p:nvPr>
+            <p:ph type="dt" sz="half" idx="10"/>
+          </p:nvPr>
+        </p:nvSpPr>
+        <p:spPr/>
+        <p:txBody>
+          <a:bodyPr/>
+          <a:lstStyle/>
+          <a:p>
+            <a:fld id="{BFBBFCFE-809B-4AE5-92DC-0D51595F6FEA}" type="datetimeFigureOut">
+              <a:rPr lang="en-US" smtClean="0"/>
+              <a:t>8/29/2025</a:t>
+            </a:fld>
+            <a:endParaRPr lang="en-US"/>
+          </a:p>
+        </p:txBody>
+      </p:sp>
+      <p:sp>
+        <p:nvSpPr>
+          <p:cNvPr id="5" name="Footer Placeholder 4"/>
+          <p:cNvSpPr>
+            <a:spLocks noGrp="1"/>
+          </p:cNvSpPr>
+          <p:nvPr>
+            <p:ph type="ftr" sz="quarter" idx="11"/>
+          </p:nvPr>
+        </p:nvSpPr>
+        <p:spPr/>
+        <p:txBody>
+          <a:bodyPr/>
+          <a:lstStyle/>
+          <a:p>
+            <a:endParaRPr lang="en-US"/>
+          </a:p>
+        </p:txBody>
+      </p:sp>
+      <p:sp>
+        <p:nvSpPr>
+          <p:cNvPr id="6" name="Slide Number Placeholder 5"/>
+          <p:cNvSpPr>
+            <a:spLocks noGrp="1"/>
+          </p:cNvSpPr>
+          <p:nvPr>
+            <p:ph type="sldNum" sz="quarter" idx="12"/>
+          </p:nvPr>
+        </p:nvSpPr>
+        <p:spPr/>
+        <p:txBody>
+          <a:bodyPr/>
+          <a:lstStyle/>
+          <a:p>
+            <a:fld id="{B52BE1B2-C80A-4E30-B0B7-9476C5A58E1A}" type="slidenum">
+              <a:rPr lang="en-US" smtClean="0"/>
+              <a:t>‹#›</a:t>
+            </a:fld>
+            <a:endParaRPr lang="en-US"/>
+          </a:p>
+        </p:txBody>
+      </p:sp>
+      <p:cxnSp>
+        <p:nvCxnSpPr>
+          <p:cNvPr id="15" name="Straight Connector 14"/>
+          <p:cNvCxnSpPr/>
+          <p:nvPr/>
+        </p:nvCxnSpPr>
+        <p:spPr>
+          <a:xfrm>
+            <a:off x="958849" y="5520265"/>
+            <a:ext cx="4954819" cy="0"/>
+          </a:xfrm>
+          <a:prstGeom prst="line">
+            <a:avLst/>
+          </a:prstGeom>
+          <a:ln w="15875"/>
+        </p:spPr>
+        <p:style>
+          <a:lnRef idx="2">
+            <a:schemeClr val="accent1"/>
+          </a:lnRef>
+          <a:fillRef idx="0">
+            <a:schemeClr val="accent1"/>
+          </a:fillRef>
+          <a:effectRef idx="1">
+            <a:schemeClr val="accent1"/>
+          </a:effectRef>
+          <a:fontRef idx="minor">
+            <a:schemeClr val="tx1"/>
+          </a:fontRef>
+        </p:style>
+      </p:cxnSp>
+    </p:spTree>
+    <p:extLst>
+      <p:ext uri="{BB962C8B-B14F-4D97-AF65-F5344CB8AC3E}">
+        <p14:creationId xmlns:p14="http://schemas.microsoft.com/office/powerpoint/2010/main" val="3640085095"/>
+      </p:ext>
+    </p:extLst>
+  </p:cSld>
+  <p:clrMapOvr>
+    <a:masterClrMapping/>
+  </p:clrMapOvr>
+</p:sldLayout>
+</file>
+
+<file path=ppt/slideLayouts/slideLayout23.xml><?xml version="1.0" encoding="utf-8"?>
+<p:sldLayout xmlns:a="http://schemas.openxmlformats.org/drawingml/2006/main" xmlns:r="http://schemas.openxmlformats.org/officeDocument/2006/relationships" xmlns:p="http://schemas.openxmlformats.org/presentationml/2006/main" preserve="1">
+  <p:cSld name="Quote with Caption">
+    <p:spTree>
+      <p:nvGrpSpPr>
+        <p:cNvPr id="1" name=""/>
+        <p:cNvGrpSpPr/>
+        <p:nvPr/>
+      </p:nvGrpSpPr>
+      <p:grpSpPr>
+        <a:xfrm>
+          <a:off x="0" y="0"/>
+          <a:ext cx="0" cy="0"/>
+          <a:chOff x="0" y="0"/>
+          <a:chExt cx="0" cy="0"/>
+        </a:xfrm>
+      </p:grpSpPr>
+      <p:sp>
+        <p:nvSpPr>
+          <p:cNvPr id="2" name="Title 1"/>
+          <p:cNvSpPr>
+            <a:spLocks noGrp="1"/>
+          </p:cNvSpPr>
+          <p:nvPr>
+            <p:ph type="title"/>
+          </p:nvPr>
+        </p:nvSpPr>
+        <p:spPr>
+          <a:xfrm>
+            <a:off x="1000750" y="1309509"/>
+            <a:ext cx="4800188" cy="3160891"/>
+          </a:xfrm>
+        </p:spPr>
+        <p:txBody>
+          <a:bodyPr anchor="ctr">
+            <a:normAutofit/>
+          </a:bodyPr>
+          <a:lstStyle>
+            <a:lvl1pPr algn="ctr">
+              <a:defRPr sz="2400" b="0" cap="none">
+                <a:solidFill>
+                  <a:schemeClr val="tx1"/>
+                </a:solidFill>
+              </a:defRPr>
+            </a:lvl1pPr>
+          </a:lstStyle>
+          <a:p>
+            <a:r>
+              <a:rPr lang="en-US"/>
+              <a:t>Click to edit Master title style</a:t>
+            </a:r>
+            <a:endParaRPr lang="en-US" dirty="0"/>
+          </a:p>
+        </p:txBody>
+      </p:sp>
+      <p:sp>
+        <p:nvSpPr>
+          <p:cNvPr id="10" name="Text Placeholder 9"/>
+          <p:cNvSpPr>
+            <a:spLocks noGrp="1"/>
+          </p:cNvSpPr>
+          <p:nvPr>
+            <p:ph type="body" sz="quarter" idx="13"/>
+          </p:nvPr>
+        </p:nvSpPr>
+        <p:spPr>
+          <a:xfrm>
+            <a:off x="1200150" y="4470399"/>
+            <a:ext cx="4419599" cy="869244"/>
+          </a:xfrm>
+        </p:spPr>
+        <p:txBody>
+          <a:bodyPr anchor="ctr">
+            <a:normAutofit/>
+          </a:bodyPr>
+          <a:lstStyle>
+            <a:lvl1pPr marL="0" indent="0" algn="r">
+              <a:buFontTx/>
+              <a:buNone/>
+              <a:defRPr sz="1350"/>
+            </a:lvl1pPr>
+            <a:lvl2pPr marL="342900" indent="0">
+              <a:buFontTx/>
+              <a:buNone/>
+              <a:defRPr/>
+            </a:lvl2pPr>
+            <a:lvl3pPr marL="685800" indent="0">
+              <a:buFontTx/>
+              <a:buNone/>
+              <a:defRPr/>
+            </a:lvl3pPr>
+            <a:lvl4pPr marL="1028700" indent="0">
+              <a:buFontTx/>
+              <a:buNone/>
+              <a:defRPr/>
+            </a:lvl4pPr>
+            <a:lvl5pPr marL="1371600" indent="0">
+              <a:buFontTx/>
+              <a:buNone/>
+              <a:defRPr/>
+            </a:lvl5pPr>
+          </a:lstStyle>
+          <a:p>
+            <a:pPr lvl="0"/>
+            <a:r>
+              <a:rPr lang="en-US"/>
+              <a:t>Click to edit Master text styles</a:t>
+            </a:r>
+          </a:p>
+        </p:txBody>
+      </p:sp>
+      <p:sp>
+        <p:nvSpPr>
+          <p:cNvPr id="3" name="Text Placeholder 2"/>
+          <p:cNvSpPr>
+            <a:spLocks noGrp="1"/>
+          </p:cNvSpPr>
+          <p:nvPr>
+            <p:ph type="body" idx="1"/>
+          </p:nvPr>
+        </p:nvSpPr>
+        <p:spPr>
+          <a:xfrm>
+            <a:off x="882647" y="5791201"/>
+            <a:ext cx="5099054" cy="2043289"/>
+          </a:xfrm>
+        </p:spPr>
+        <p:txBody>
+          <a:bodyPr anchor="ctr">
+            <a:normAutofit/>
+          </a:bodyPr>
+          <a:lstStyle>
+            <a:lvl1pPr marL="0" indent="0" algn="ctr">
+              <a:buNone/>
+              <a:defRPr sz="1500">
+                <a:solidFill>
+                  <a:schemeClr val="tx1"/>
+                </a:solidFill>
+              </a:defRPr>
+            </a:lvl1pPr>
+            <a:lvl2pPr marL="342900" indent="0">
+              <a:buNone/>
+              <a:defRPr sz="1350">
+                <a:solidFill>
+                  <a:schemeClr val="tx1">
+                    <a:tint val="75000"/>
+                  </a:schemeClr>
+                </a:solidFill>
+              </a:defRPr>
+            </a:lvl2pPr>
+            <a:lvl3pPr marL="685800" indent="0">
+              <a:buNone/>
+              <a:defRPr sz="1200">
+                <a:solidFill>
+                  <a:schemeClr val="tx1">
+                    <a:tint val="75000"/>
+                  </a:schemeClr>
+                </a:solidFill>
+              </a:defRPr>
+            </a:lvl3pPr>
+            <a:lvl4pPr marL="1028700" indent="0">
+              <a:buNone/>
+              <a:defRPr sz="1050">
+                <a:solidFill>
+                  <a:schemeClr val="tx1">
+                    <a:tint val="75000"/>
+                  </a:schemeClr>
+                </a:solidFill>
+              </a:defRPr>
+            </a:lvl4pPr>
+            <a:lvl5pPr marL="1371600" indent="0">
+              <a:buNone/>
+              <a:defRPr sz="1050">
+                <a:solidFill>
+                  <a:schemeClr val="tx1">
+                    <a:tint val="75000"/>
+                  </a:schemeClr>
+                </a:solidFill>
+              </a:defRPr>
+            </a:lvl5pPr>
+            <a:lvl6pPr marL="1714500" indent="0">
+              <a:buNone/>
+              <a:defRPr sz="1050">
+                <a:solidFill>
+                  <a:schemeClr val="tx1">
+                    <a:tint val="75000"/>
+                  </a:schemeClr>
+                </a:solidFill>
+              </a:defRPr>
+            </a:lvl6pPr>
+            <a:lvl7pPr marL="2057400" indent="0">
+              <a:buNone/>
+              <a:defRPr sz="1050">
+                <a:solidFill>
+                  <a:schemeClr val="tx1">
+                    <a:tint val="75000"/>
+                  </a:schemeClr>
+                </a:solidFill>
+              </a:defRPr>
+            </a:lvl7pPr>
+            <a:lvl8pPr marL="2400300" indent="0">
+              <a:buNone/>
+              <a:defRPr sz="1050">
+                <a:solidFill>
+                  <a:schemeClr val="tx1">
+                    <a:tint val="75000"/>
+                  </a:schemeClr>
+                </a:solidFill>
+              </a:defRPr>
+            </a:lvl8pPr>
+            <a:lvl9pPr marL="2743200" indent="0">
+              <a:buNone/>
+              <a:defRPr sz="1050">
+                <a:solidFill>
+                  <a:schemeClr val="tx1">
+                    <a:tint val="75000"/>
+                  </a:schemeClr>
+                </a:solidFill>
+              </a:defRPr>
+            </a:lvl9pPr>
+          </a:lstStyle>
+          <a:p>
+            <a:pPr lvl="0"/>
+            <a:r>
+              <a:rPr lang="en-US"/>
+              <a:t>Click to edit Master text styles</a:t>
+            </a:r>
+          </a:p>
+        </p:txBody>
+      </p:sp>
+      <p:sp>
+        <p:nvSpPr>
+          <p:cNvPr id="4" name="Date Placeholder 3"/>
+          <p:cNvSpPr>
+            <a:spLocks noGrp="1"/>
+          </p:cNvSpPr>
+          <p:nvPr>
+            <p:ph type="dt" sz="half" idx="10"/>
+          </p:nvPr>
+        </p:nvSpPr>
+        <p:spPr/>
+        <p:txBody>
+          <a:bodyPr/>
+          <a:lstStyle/>
+          <a:p>
+            <a:fld id="{BFBBFCFE-809B-4AE5-92DC-0D51595F6FEA}" type="datetimeFigureOut">
+              <a:rPr lang="en-US" smtClean="0"/>
+              <a:t>8/29/2025</a:t>
+            </a:fld>
+            <a:endParaRPr lang="en-US"/>
+          </a:p>
+        </p:txBody>
+      </p:sp>
+      <p:sp>
+        <p:nvSpPr>
+          <p:cNvPr id="5" name="Footer Placeholder 4"/>
+          <p:cNvSpPr>
+            <a:spLocks noGrp="1"/>
+          </p:cNvSpPr>
+          <p:nvPr>
+            <p:ph type="ftr" sz="quarter" idx="11"/>
+          </p:nvPr>
+        </p:nvSpPr>
+        <p:spPr/>
+        <p:txBody>
+          <a:bodyPr/>
+          <a:lstStyle/>
+          <a:p>
+            <a:endParaRPr lang="en-US"/>
+          </a:p>
+        </p:txBody>
+      </p:sp>
+      <p:sp>
+        <p:nvSpPr>
+          <p:cNvPr id="6" name="Slide Number Placeholder 5"/>
+          <p:cNvSpPr>
+            <a:spLocks noGrp="1"/>
+          </p:cNvSpPr>
+          <p:nvPr>
+            <p:ph type="sldNum" sz="quarter" idx="12"/>
+          </p:nvPr>
+        </p:nvSpPr>
+        <p:spPr/>
+        <p:txBody>
+          <a:bodyPr/>
+          <a:lstStyle/>
+          <a:p>
+            <a:fld id="{B52BE1B2-C80A-4E30-B0B7-9476C5A58E1A}" type="slidenum">
+              <a:rPr lang="en-US" smtClean="0"/>
+              <a:t>‹#›</a:t>
+            </a:fld>
+            <a:endParaRPr lang="en-US"/>
+          </a:p>
+        </p:txBody>
+      </p:sp>
+      <p:sp>
+        <p:nvSpPr>
+          <p:cNvPr id="14" name="TextBox 13"/>
+          <p:cNvSpPr txBox="1"/>
+          <p:nvPr/>
+        </p:nvSpPr>
+        <p:spPr>
+          <a:xfrm>
+            <a:off x="637477" y="1207150"/>
+            <a:ext cx="342989" cy="779701"/>
+          </a:xfrm>
+          <a:prstGeom prst="rect">
+            <a:avLst/>
+          </a:prstGeom>
+        </p:spPr>
+        <p:txBody>
+          <a:bodyPr vert="horz" lIns="68580" tIns="34290" rIns="68580" bIns="34290" rtlCol="0" anchor="ctr">
+            <a:noAutofit/>
+          </a:bodyPr>
+          <a:lstStyle/>
+          <a:p>
+            <a:pPr lvl="0"/>
+            <a:r>
+              <a:rPr lang="en-US" sz="5400" dirty="0">
+                <a:solidFill>
+                  <a:schemeClr val="tx1"/>
+                </a:solidFill>
+                <a:effectLst/>
+              </a:rPr>
+              <a:t>“</a:t>
+            </a:r>
+          </a:p>
+        </p:txBody>
+      </p:sp>
+      <p:sp>
+        <p:nvSpPr>
+          <p:cNvPr id="15" name="TextBox 14"/>
+          <p:cNvSpPr txBox="1"/>
+          <p:nvPr/>
+        </p:nvSpPr>
+        <p:spPr>
+          <a:xfrm>
+            <a:off x="5725128" y="3770494"/>
+            <a:ext cx="342989" cy="779701"/>
+          </a:xfrm>
+          <a:prstGeom prst="rect">
+            <a:avLst/>
+          </a:prstGeom>
+        </p:spPr>
+        <p:txBody>
+          <a:bodyPr vert="horz" lIns="68580" tIns="34290" rIns="68580" bIns="34290" rtlCol="0" anchor="ctr">
+            <a:noAutofit/>
+          </a:bodyPr>
+          <a:lstStyle/>
+          <a:p>
+            <a:pPr lvl="0" algn="r"/>
+            <a:r>
+              <a:rPr lang="en-US" sz="5400" dirty="0">
+                <a:solidFill>
+                  <a:schemeClr val="tx1"/>
+                </a:solidFill>
+                <a:effectLst/>
+              </a:rPr>
+              <a:t>”</a:t>
+            </a:r>
+          </a:p>
+        </p:txBody>
+      </p:sp>
+      <p:cxnSp>
+        <p:nvCxnSpPr>
+          <p:cNvPr id="19" name="Straight Connector 18"/>
+          <p:cNvCxnSpPr/>
+          <p:nvPr/>
+        </p:nvCxnSpPr>
+        <p:spPr>
+          <a:xfrm>
+            <a:off x="958849" y="5520265"/>
+            <a:ext cx="4946651" cy="0"/>
+          </a:xfrm>
+          <a:prstGeom prst="line">
+            <a:avLst/>
+          </a:prstGeom>
+          <a:ln w="15875"/>
+        </p:spPr>
+        <p:style>
+          <a:lnRef idx="2">
+            <a:schemeClr val="accent1"/>
+          </a:lnRef>
+          <a:fillRef idx="0">
+            <a:schemeClr val="accent1"/>
+          </a:fillRef>
+          <a:effectRef idx="1">
+            <a:schemeClr val="accent1"/>
+          </a:effectRef>
+          <a:fontRef idx="minor">
+            <a:schemeClr val="tx1"/>
+          </a:fontRef>
+        </p:style>
+      </p:cxnSp>
+    </p:spTree>
+    <p:extLst>
+      <p:ext uri="{BB962C8B-B14F-4D97-AF65-F5344CB8AC3E}">
+        <p14:creationId xmlns:p14="http://schemas.microsoft.com/office/powerpoint/2010/main" val="2795584482"/>
+      </p:ext>
+    </p:extLst>
+  </p:cSld>
+  <p:clrMapOvr>
+    <a:masterClrMapping/>
+  </p:clrMapOvr>
+</p:sldLayout>
+</file>
+
+<file path=ppt/slideLayouts/slideLayout24.xml><?xml version="1.0" encoding="utf-8"?>
+<p:sldLayout xmlns:a="http://schemas.openxmlformats.org/drawingml/2006/main" xmlns:r="http://schemas.openxmlformats.org/officeDocument/2006/relationships" xmlns:p="http://schemas.openxmlformats.org/presentationml/2006/main" preserve="1">
+  <p:cSld name="Name Card">
+    <p:spTree>
+      <p:nvGrpSpPr>
+        <p:cNvPr id="1" name=""/>
+        <p:cNvGrpSpPr/>
+        <p:nvPr/>
+      </p:nvGrpSpPr>
+      <p:grpSpPr>
+        <a:xfrm>
+          <a:off x="0" y="0"/>
+          <a:ext cx="0" cy="0"/>
+          <a:chOff x="0" y="0"/>
+          <a:chExt cx="0" cy="0"/>
+        </a:xfrm>
+      </p:grpSpPr>
+      <p:sp>
+        <p:nvSpPr>
+          <p:cNvPr id="2" name="Title 1"/>
+          <p:cNvSpPr>
+            <a:spLocks noGrp="1"/>
+          </p:cNvSpPr>
+          <p:nvPr>
+            <p:ph type="title"/>
+          </p:nvPr>
+        </p:nvSpPr>
+        <p:spPr>
+          <a:xfrm>
+            <a:off x="882652" y="4411441"/>
+            <a:ext cx="5099046" cy="1958400"/>
+          </a:xfrm>
+        </p:spPr>
+        <p:txBody>
+          <a:bodyPr anchor="b">
+            <a:normAutofit/>
+          </a:bodyPr>
+          <a:lstStyle>
+            <a:lvl1pPr algn="l">
+              <a:defRPr sz="2400" b="0" cap="none"/>
+            </a:lvl1pPr>
+          </a:lstStyle>
+          <a:p>
+            <a:r>
+              <a:rPr lang="en-US"/>
+              <a:t>Click to edit Master title style</a:t>
+            </a:r>
+            <a:endParaRPr lang="en-US" dirty="0"/>
+          </a:p>
+        </p:txBody>
+      </p:sp>
+      <p:sp>
+        <p:nvSpPr>
+          <p:cNvPr id="3" name="Text Placeholder 2"/>
+          <p:cNvSpPr>
+            <a:spLocks noGrp="1"/>
+          </p:cNvSpPr>
+          <p:nvPr>
+            <p:ph type="body" idx="1"/>
+          </p:nvPr>
+        </p:nvSpPr>
+        <p:spPr>
+          <a:xfrm>
+            <a:off x="882651" y="6369841"/>
+            <a:ext cx="5099048" cy="1147200"/>
+          </a:xfrm>
+        </p:spPr>
+        <p:txBody>
+          <a:bodyPr anchor="t">
+            <a:normAutofit/>
+          </a:bodyPr>
+          <a:lstStyle>
+            <a:lvl1pPr marL="0" indent="0" algn="l">
+              <a:buNone/>
+              <a:defRPr sz="1350">
+                <a:solidFill>
+                  <a:schemeClr val="tx1"/>
+                </a:solidFill>
+              </a:defRPr>
+            </a:lvl1pPr>
+            <a:lvl2pPr marL="342900" indent="0">
+              <a:buNone/>
+              <a:defRPr sz="1350">
+                <a:solidFill>
+                  <a:schemeClr val="tx1">
+                    <a:tint val="75000"/>
+                  </a:schemeClr>
+                </a:solidFill>
+              </a:defRPr>
+            </a:lvl2pPr>
+            <a:lvl3pPr marL="685800" indent="0">
+              <a:buNone/>
+              <a:defRPr sz="1200">
+                <a:solidFill>
+                  <a:schemeClr val="tx1">
+                    <a:tint val="75000"/>
+                  </a:schemeClr>
+                </a:solidFill>
+              </a:defRPr>
+            </a:lvl3pPr>
+            <a:lvl4pPr marL="1028700" indent="0">
+              <a:buNone/>
+              <a:defRPr sz="1050">
+                <a:solidFill>
+                  <a:schemeClr val="tx1">
+                    <a:tint val="75000"/>
+                  </a:schemeClr>
+                </a:solidFill>
+              </a:defRPr>
+            </a:lvl4pPr>
+            <a:lvl5pPr marL="1371600" indent="0">
+              <a:buNone/>
+              <a:defRPr sz="1050">
+                <a:solidFill>
+                  <a:schemeClr val="tx1">
+                    <a:tint val="75000"/>
+                  </a:schemeClr>
+                </a:solidFill>
+              </a:defRPr>
+            </a:lvl5pPr>
+            <a:lvl6pPr marL="1714500" indent="0">
+              <a:buNone/>
+              <a:defRPr sz="1050">
+                <a:solidFill>
+                  <a:schemeClr val="tx1">
+                    <a:tint val="75000"/>
+                  </a:schemeClr>
+                </a:solidFill>
+              </a:defRPr>
+            </a:lvl6pPr>
+            <a:lvl7pPr marL="2057400" indent="0">
+              <a:buNone/>
+              <a:defRPr sz="1050">
+                <a:solidFill>
+                  <a:schemeClr val="tx1">
+                    <a:tint val="75000"/>
+                  </a:schemeClr>
+                </a:solidFill>
+              </a:defRPr>
+            </a:lvl7pPr>
+            <a:lvl8pPr marL="2400300" indent="0">
+              <a:buNone/>
+              <a:defRPr sz="1050">
+                <a:solidFill>
+                  <a:schemeClr val="tx1">
+                    <a:tint val="75000"/>
+                  </a:schemeClr>
+                </a:solidFill>
+              </a:defRPr>
+            </a:lvl8pPr>
+            <a:lvl9pPr marL="2743200" indent="0">
+              <a:buNone/>
+              <a:defRPr sz="1050">
+                <a:solidFill>
+                  <a:schemeClr val="tx1">
+                    <a:tint val="75000"/>
+                  </a:schemeClr>
+                </a:solidFill>
+              </a:defRPr>
+            </a:lvl9pPr>
+          </a:lstStyle>
+          <a:p>
+            <a:pPr lvl="0"/>
+            <a:r>
+              <a:rPr lang="en-US"/>
+              <a:t>Click to edit Master text styles</a:t>
+            </a:r>
+          </a:p>
+        </p:txBody>
+      </p:sp>
+      <p:sp>
+        <p:nvSpPr>
+          <p:cNvPr id="4" name="Date Placeholder 3"/>
+          <p:cNvSpPr>
+            <a:spLocks noGrp="1"/>
+          </p:cNvSpPr>
+          <p:nvPr>
+            <p:ph type="dt" sz="half" idx="10"/>
+          </p:nvPr>
+        </p:nvSpPr>
+        <p:spPr/>
+        <p:txBody>
+          <a:bodyPr/>
+          <a:lstStyle/>
+          <a:p>
+            <a:fld id="{BFBBFCFE-809B-4AE5-92DC-0D51595F6FEA}" type="datetimeFigureOut">
+              <a:rPr lang="en-US" smtClean="0"/>
+              <a:t>8/29/2025</a:t>
+            </a:fld>
+            <a:endParaRPr lang="en-US"/>
+          </a:p>
+        </p:txBody>
+      </p:sp>
+      <p:sp>
+        <p:nvSpPr>
+          <p:cNvPr id="5" name="Footer Placeholder 4"/>
+          <p:cNvSpPr>
+            <a:spLocks noGrp="1"/>
+          </p:cNvSpPr>
+          <p:nvPr>
+            <p:ph type="ftr" sz="quarter" idx="11"/>
+          </p:nvPr>
+        </p:nvSpPr>
+        <p:spPr/>
+        <p:txBody>
+          <a:bodyPr/>
+          <a:lstStyle/>
+          <a:p>
+            <a:endParaRPr lang="en-US"/>
+          </a:p>
+        </p:txBody>
+      </p:sp>
+      <p:sp>
+        <p:nvSpPr>
+          <p:cNvPr id="6" name="Slide Number Placeholder 5"/>
+          <p:cNvSpPr>
+            <a:spLocks noGrp="1"/>
+          </p:cNvSpPr>
+          <p:nvPr>
+            <p:ph type="sldNum" sz="quarter" idx="12"/>
+          </p:nvPr>
+        </p:nvSpPr>
+        <p:spPr/>
+        <p:txBody>
+          <a:bodyPr/>
+          <a:lstStyle/>
+          <a:p>
+            <a:fld id="{B52BE1B2-C80A-4E30-B0B7-9476C5A58E1A}" type="slidenum">
+              <a:rPr lang="en-US" smtClean="0"/>
+              <a:t>‹#›</a:t>
+            </a:fld>
+            <a:endParaRPr lang="en-US"/>
+          </a:p>
+        </p:txBody>
+      </p:sp>
+    </p:spTree>
+    <p:extLst>
+      <p:ext uri="{BB962C8B-B14F-4D97-AF65-F5344CB8AC3E}">
+        <p14:creationId xmlns:p14="http://schemas.microsoft.com/office/powerpoint/2010/main" val="3376679495"/>
+      </p:ext>
+    </p:extLst>
+  </p:cSld>
+  <p:clrMapOvr>
+    <a:masterClrMapping/>
+  </p:clrMapOvr>
+</p:sldLayout>
+</file>
+
+<file path=ppt/slideLayouts/slideLayout25.xml><?xml version="1.0" encoding="utf-8"?>
+<p:sldLayout xmlns:a="http://schemas.openxmlformats.org/drawingml/2006/main" xmlns:r="http://schemas.openxmlformats.org/officeDocument/2006/relationships" xmlns:p="http://schemas.openxmlformats.org/presentationml/2006/main" preserve="1">
+  <p:cSld name="Quote Name Card">
+    <p:spTree>
+      <p:nvGrpSpPr>
+        <p:cNvPr id="1" name=""/>
+        <p:cNvGrpSpPr/>
+        <p:nvPr/>
+      </p:nvGrpSpPr>
+      <p:grpSpPr>
+        <a:xfrm>
+          <a:off x="0" y="0"/>
+          <a:ext cx="0" cy="0"/>
+          <a:chOff x="0" y="0"/>
+          <a:chExt cx="0" cy="0"/>
+        </a:xfrm>
+      </p:grpSpPr>
+      <p:sp>
+        <p:nvSpPr>
+          <p:cNvPr id="2" name="Title 1"/>
+          <p:cNvSpPr>
+            <a:spLocks noGrp="1"/>
+          </p:cNvSpPr>
+          <p:nvPr>
+            <p:ph type="title"/>
+          </p:nvPr>
+        </p:nvSpPr>
+        <p:spPr>
+          <a:xfrm>
+            <a:off x="1057062" y="1309510"/>
+            <a:ext cx="4743876" cy="2991557"/>
+          </a:xfrm>
+        </p:spPr>
+        <p:txBody>
+          <a:bodyPr anchor="ctr">
+            <a:normAutofit/>
+          </a:bodyPr>
+          <a:lstStyle>
+            <a:lvl1pPr algn="ctr">
+              <a:defRPr sz="2400" b="0" cap="none">
+                <a:solidFill>
+                  <a:schemeClr val="tx1"/>
+                </a:solidFill>
+              </a:defRPr>
+            </a:lvl1pPr>
+          </a:lstStyle>
+          <a:p>
+            <a:r>
+              <a:rPr lang="en-US"/>
+              <a:t>Click to edit Master title style</a:t>
+            </a:r>
+            <a:endParaRPr lang="en-US" dirty="0"/>
+          </a:p>
+        </p:txBody>
+      </p:sp>
+      <p:sp>
+        <p:nvSpPr>
+          <p:cNvPr id="18" name="Text Placeholder 2"/>
+          <p:cNvSpPr>
+            <a:spLocks noGrp="1"/>
+          </p:cNvSpPr>
+          <p:nvPr>
+            <p:ph type="body" idx="13"/>
+          </p:nvPr>
+        </p:nvSpPr>
+        <p:spPr>
+          <a:xfrm>
+            <a:off x="882651" y="4852416"/>
+            <a:ext cx="5099048" cy="1182624"/>
+          </a:xfrm>
+        </p:spPr>
+        <p:txBody>
+          <a:bodyPr anchor="b">
+            <a:normAutofit/>
+          </a:bodyPr>
+          <a:lstStyle>
+            <a:lvl1pPr marL="0" indent="0" algn="l">
+              <a:spcBef>
+                <a:spcPts val="0"/>
+              </a:spcBef>
+              <a:buNone/>
+              <a:defRPr sz="1500">
+                <a:solidFill>
+                  <a:schemeClr val="tx1"/>
+                </a:solidFill>
+              </a:defRPr>
+            </a:lvl1pPr>
+            <a:lvl2pPr marL="342900" indent="0">
+              <a:buNone/>
+              <a:defRPr sz="1350">
+                <a:solidFill>
+                  <a:schemeClr val="tx1">
+                    <a:tint val="75000"/>
+                  </a:schemeClr>
+                </a:solidFill>
+              </a:defRPr>
+            </a:lvl2pPr>
+            <a:lvl3pPr marL="685800" indent="0">
+              <a:buNone/>
+              <a:defRPr sz="1200">
+                <a:solidFill>
+                  <a:schemeClr val="tx1">
+                    <a:tint val="75000"/>
+                  </a:schemeClr>
+                </a:solidFill>
+              </a:defRPr>
+            </a:lvl3pPr>
+            <a:lvl4pPr marL="1028700" indent="0">
+              <a:buNone/>
+              <a:defRPr sz="1050">
+                <a:solidFill>
+                  <a:schemeClr val="tx1">
+                    <a:tint val="75000"/>
+                  </a:schemeClr>
+                </a:solidFill>
+              </a:defRPr>
+            </a:lvl4pPr>
+            <a:lvl5pPr marL="1371600" indent="0">
+              <a:buNone/>
+              <a:defRPr sz="1050">
+                <a:solidFill>
+                  <a:schemeClr val="tx1">
+                    <a:tint val="75000"/>
+                  </a:schemeClr>
+                </a:solidFill>
+              </a:defRPr>
+            </a:lvl5pPr>
+            <a:lvl6pPr marL="1714500" indent="0">
+              <a:buNone/>
+              <a:defRPr sz="1050">
+                <a:solidFill>
+                  <a:schemeClr val="tx1">
+                    <a:tint val="75000"/>
+                  </a:schemeClr>
+                </a:solidFill>
+              </a:defRPr>
+            </a:lvl6pPr>
+            <a:lvl7pPr marL="2057400" indent="0">
+              <a:buNone/>
+              <a:defRPr sz="1050">
+                <a:solidFill>
+                  <a:schemeClr val="tx1">
+                    <a:tint val="75000"/>
+                  </a:schemeClr>
+                </a:solidFill>
+              </a:defRPr>
+            </a:lvl7pPr>
+            <a:lvl8pPr marL="2400300" indent="0">
+              <a:buNone/>
+              <a:defRPr sz="1050">
+                <a:solidFill>
+                  <a:schemeClr val="tx1">
+                    <a:tint val="75000"/>
+                  </a:schemeClr>
+                </a:solidFill>
+              </a:defRPr>
+            </a:lvl8pPr>
+            <a:lvl9pPr marL="2743200" indent="0">
+              <a:buNone/>
+              <a:defRPr sz="1050">
+                <a:solidFill>
+                  <a:schemeClr val="tx1">
+                    <a:tint val="75000"/>
+                  </a:schemeClr>
+                </a:solidFill>
+              </a:defRPr>
+            </a:lvl9pPr>
+          </a:lstStyle>
+          <a:p>
+            <a:pPr lvl="0"/>
+            <a:r>
+              <a:rPr lang="en-US"/>
+              <a:t>Click to edit Master text styles</a:t>
+            </a:r>
+          </a:p>
+        </p:txBody>
+      </p:sp>
+      <p:sp>
+        <p:nvSpPr>
+          <p:cNvPr id="3" name="Text Placeholder 2"/>
+          <p:cNvSpPr>
+            <a:spLocks noGrp="1"/>
+          </p:cNvSpPr>
+          <p:nvPr>
+            <p:ph type="body" idx="1"/>
+          </p:nvPr>
+        </p:nvSpPr>
+        <p:spPr>
+          <a:xfrm>
+            <a:off x="882649" y="6039556"/>
+            <a:ext cx="5099052" cy="1794933"/>
+          </a:xfrm>
+        </p:spPr>
+        <p:txBody>
+          <a:bodyPr anchor="t">
+            <a:normAutofit/>
+          </a:bodyPr>
+          <a:lstStyle>
+            <a:lvl1pPr marL="0" indent="0" algn="l">
+              <a:buNone/>
+              <a:defRPr sz="1200">
+                <a:solidFill>
+                  <a:schemeClr val="tx1"/>
+                </a:solidFill>
+              </a:defRPr>
+            </a:lvl1pPr>
+            <a:lvl2pPr marL="342900" indent="0">
+              <a:buNone/>
+              <a:defRPr sz="1200">
+                <a:solidFill>
+                  <a:schemeClr val="tx1">
+                    <a:tint val="75000"/>
+                  </a:schemeClr>
+                </a:solidFill>
+              </a:defRPr>
+            </a:lvl2pPr>
+            <a:lvl3pPr marL="685800" indent="0">
+              <a:buNone/>
+              <a:defRPr sz="1200">
+                <a:solidFill>
+                  <a:schemeClr val="tx1">
+                    <a:tint val="75000"/>
+                  </a:schemeClr>
+                </a:solidFill>
+              </a:defRPr>
+            </a:lvl3pPr>
+            <a:lvl4pPr marL="1028700" indent="0">
+              <a:buNone/>
+              <a:defRPr sz="1050">
+                <a:solidFill>
+                  <a:schemeClr val="tx1">
+                    <a:tint val="75000"/>
+                  </a:schemeClr>
+                </a:solidFill>
+              </a:defRPr>
+            </a:lvl4pPr>
+            <a:lvl5pPr marL="1371600" indent="0">
+              <a:buNone/>
+              <a:defRPr sz="1050">
+                <a:solidFill>
+                  <a:schemeClr val="tx1">
+                    <a:tint val="75000"/>
+                  </a:schemeClr>
+                </a:solidFill>
+              </a:defRPr>
+            </a:lvl5pPr>
+            <a:lvl6pPr marL="1714500" indent="0">
+              <a:buNone/>
+              <a:defRPr sz="1050">
+                <a:solidFill>
+                  <a:schemeClr val="tx1">
+                    <a:tint val="75000"/>
+                  </a:schemeClr>
+                </a:solidFill>
+              </a:defRPr>
+            </a:lvl6pPr>
+            <a:lvl7pPr marL="2057400" indent="0">
+              <a:buNone/>
+              <a:defRPr sz="1050">
+                <a:solidFill>
+                  <a:schemeClr val="tx1">
+                    <a:tint val="75000"/>
+                  </a:schemeClr>
+                </a:solidFill>
+              </a:defRPr>
+            </a:lvl7pPr>
+            <a:lvl8pPr marL="2400300" indent="0">
+              <a:buNone/>
+              <a:defRPr sz="1050">
+                <a:solidFill>
+                  <a:schemeClr val="tx1">
+                    <a:tint val="75000"/>
+                  </a:schemeClr>
+                </a:solidFill>
+              </a:defRPr>
+            </a:lvl8pPr>
+            <a:lvl9pPr marL="2743200" indent="0">
+              <a:buNone/>
+              <a:defRPr sz="1050">
+                <a:solidFill>
+                  <a:schemeClr val="tx1">
+                    <a:tint val="75000"/>
+                  </a:schemeClr>
+                </a:solidFill>
+              </a:defRPr>
+            </a:lvl9pPr>
+          </a:lstStyle>
+          <a:p>
+            <a:pPr lvl="0"/>
+            <a:r>
+              <a:rPr lang="en-US"/>
+              <a:t>Click to edit Master text styles</a:t>
+            </a:r>
+          </a:p>
+        </p:txBody>
+      </p:sp>
+      <p:sp>
+        <p:nvSpPr>
+          <p:cNvPr id="4" name="Date Placeholder 3"/>
+          <p:cNvSpPr>
+            <a:spLocks noGrp="1"/>
+          </p:cNvSpPr>
+          <p:nvPr>
+            <p:ph type="dt" sz="half" idx="10"/>
+          </p:nvPr>
+        </p:nvSpPr>
+        <p:spPr/>
+        <p:txBody>
+          <a:bodyPr/>
+          <a:lstStyle/>
+          <a:p>
+            <a:fld id="{BFBBFCFE-809B-4AE5-92DC-0D51595F6FEA}" type="datetimeFigureOut">
+              <a:rPr lang="en-US" smtClean="0"/>
+              <a:t>8/29/2025</a:t>
+            </a:fld>
+            <a:endParaRPr lang="en-US"/>
+          </a:p>
+        </p:txBody>
+      </p:sp>
+      <p:sp>
+        <p:nvSpPr>
+          <p:cNvPr id="5" name="Footer Placeholder 4"/>
+          <p:cNvSpPr>
+            <a:spLocks noGrp="1"/>
+          </p:cNvSpPr>
+          <p:nvPr>
+            <p:ph type="ftr" sz="quarter" idx="11"/>
+          </p:nvPr>
+        </p:nvSpPr>
+        <p:spPr/>
+        <p:txBody>
+          <a:bodyPr/>
+          <a:lstStyle/>
+          <a:p>
+            <a:endParaRPr lang="en-US"/>
+          </a:p>
+        </p:txBody>
+      </p:sp>
+      <p:sp>
+        <p:nvSpPr>
+          <p:cNvPr id="6" name="Slide Number Placeholder 5"/>
+          <p:cNvSpPr>
+            <a:spLocks noGrp="1"/>
+          </p:cNvSpPr>
+          <p:nvPr>
+            <p:ph type="sldNum" sz="quarter" idx="12"/>
+          </p:nvPr>
+        </p:nvSpPr>
+        <p:spPr/>
+        <p:txBody>
+          <a:bodyPr/>
+          <a:lstStyle/>
+          <a:p>
+            <a:fld id="{B52BE1B2-C80A-4E30-B0B7-9476C5A58E1A}" type="slidenum">
+              <a:rPr lang="en-US" smtClean="0"/>
+              <a:t>‹#›</a:t>
+            </a:fld>
+            <a:endParaRPr lang="en-US"/>
+          </a:p>
+        </p:txBody>
+      </p:sp>
+      <p:sp>
+        <p:nvSpPr>
+          <p:cNvPr id="12" name="TextBox 11"/>
+          <p:cNvSpPr txBox="1"/>
+          <p:nvPr/>
+        </p:nvSpPr>
+        <p:spPr>
+          <a:xfrm>
+            <a:off x="658546" y="1195860"/>
+            <a:ext cx="342989" cy="779701"/>
+          </a:xfrm>
+          <a:prstGeom prst="rect">
+            <a:avLst/>
+          </a:prstGeom>
+        </p:spPr>
+        <p:txBody>
+          <a:bodyPr vert="horz" lIns="68580" tIns="34290" rIns="68580" bIns="34290" rtlCol="0" anchor="ctr">
+            <a:noAutofit/>
+          </a:bodyPr>
+          <a:lstStyle/>
+          <a:p>
+            <a:pPr lvl="0"/>
+            <a:r>
+              <a:rPr lang="en-US" sz="6000" dirty="0">
+                <a:solidFill>
+                  <a:schemeClr val="tx1"/>
+                </a:solidFill>
+                <a:effectLst/>
+              </a:rPr>
+              <a:t>“</a:t>
+            </a:r>
+          </a:p>
+        </p:txBody>
+      </p:sp>
+      <p:sp>
+        <p:nvSpPr>
+          <p:cNvPr id="13" name="TextBox 12"/>
+          <p:cNvSpPr txBox="1"/>
+          <p:nvPr/>
+        </p:nvSpPr>
+        <p:spPr>
+          <a:xfrm>
+            <a:off x="5737348" y="3476971"/>
+            <a:ext cx="342989" cy="779701"/>
+          </a:xfrm>
+          <a:prstGeom prst="rect">
+            <a:avLst/>
+          </a:prstGeom>
+        </p:spPr>
+        <p:txBody>
+          <a:bodyPr vert="horz" lIns="68580" tIns="34290" rIns="68580" bIns="34290" rtlCol="0" anchor="ctr">
+            <a:noAutofit/>
+          </a:bodyPr>
+          <a:lstStyle/>
+          <a:p>
+            <a:pPr lvl="0" algn="r"/>
+            <a:r>
+              <a:rPr lang="en-US" sz="6000" dirty="0">
+                <a:solidFill>
+                  <a:schemeClr val="tx1"/>
+                </a:solidFill>
+                <a:effectLst/>
+              </a:rPr>
+              <a:t>”</a:t>
+            </a:r>
+          </a:p>
+        </p:txBody>
+      </p:sp>
+      <p:cxnSp>
+        <p:nvCxnSpPr>
+          <p:cNvPr id="26" name="Straight Connector 25"/>
+          <p:cNvCxnSpPr/>
+          <p:nvPr/>
+        </p:nvCxnSpPr>
+        <p:spPr>
+          <a:xfrm>
+            <a:off x="958849" y="4572000"/>
+            <a:ext cx="4946651" cy="0"/>
+          </a:xfrm>
+          <a:prstGeom prst="line">
+            <a:avLst/>
+          </a:prstGeom>
+          <a:ln w="15875"/>
+        </p:spPr>
+        <p:style>
+          <a:lnRef idx="2">
+            <a:schemeClr val="accent1"/>
+          </a:lnRef>
+          <a:fillRef idx="0">
+            <a:schemeClr val="accent1"/>
+          </a:fillRef>
+          <a:effectRef idx="1">
+            <a:schemeClr val="accent1"/>
+          </a:effectRef>
+          <a:fontRef idx="minor">
+            <a:schemeClr val="tx1"/>
+          </a:fontRef>
+        </p:style>
+      </p:cxnSp>
+    </p:spTree>
+    <p:extLst>
+      <p:ext uri="{BB962C8B-B14F-4D97-AF65-F5344CB8AC3E}">
+        <p14:creationId xmlns:p14="http://schemas.microsoft.com/office/powerpoint/2010/main" val="4104802503"/>
+      </p:ext>
+    </p:extLst>
+  </p:cSld>
+  <p:clrMapOvr>
+    <a:masterClrMapping/>
+  </p:clrMapOvr>
+</p:sldLayout>
+</file>
+
+<file path=ppt/slideLayouts/slideLayout26.xml><?xml version="1.0" encoding="utf-8"?>
+<p:sldLayout xmlns:a="http://schemas.openxmlformats.org/drawingml/2006/main" xmlns:r="http://schemas.openxmlformats.org/officeDocument/2006/relationships" xmlns:p="http://schemas.openxmlformats.org/presentationml/2006/main" preserve="1">
+  <p:cSld name="True or False">
+    <p:spTree>
+      <p:nvGrpSpPr>
+        <p:cNvPr id="1" name=""/>
+        <p:cNvGrpSpPr/>
+        <p:nvPr/>
+      </p:nvGrpSpPr>
+      <p:grpSpPr>
+        <a:xfrm>
+          <a:off x="0" y="0"/>
+          <a:ext cx="0" cy="0"/>
+          <a:chOff x="0" y="0"/>
+          <a:chExt cx="0" cy="0"/>
+        </a:xfrm>
+      </p:grpSpPr>
+      <p:sp>
+        <p:nvSpPr>
+          <p:cNvPr id="2" name="Title 1"/>
+          <p:cNvSpPr>
+            <a:spLocks noGrp="1"/>
+          </p:cNvSpPr>
+          <p:nvPr>
+            <p:ph type="title"/>
+          </p:nvPr>
+        </p:nvSpPr>
+        <p:spPr>
+          <a:xfrm>
+            <a:off x="882649" y="1309509"/>
+            <a:ext cx="5099051" cy="3059289"/>
+          </a:xfrm>
+        </p:spPr>
+        <p:txBody>
+          <a:bodyPr vert="horz" lIns="91440" tIns="45720" rIns="91440" bIns="45720" rtlCol="0" anchor="ctr">
+            <a:normAutofit/>
+          </a:bodyPr>
+          <a:lstStyle>
+            <a:lvl1pPr>
+              <a:defRPr lang="en-US" sz="2400" b="0" dirty="0"/>
+            </a:lvl1pPr>
+          </a:lstStyle>
+          <a:p>
+            <a:pPr marL="0" lvl="0"/>
+            <a:r>
+              <a:rPr lang="en-US"/>
+              <a:t>Click to edit Master title style</a:t>
+            </a:r>
+            <a:endParaRPr lang="en-US" dirty="0"/>
+          </a:p>
+        </p:txBody>
+      </p:sp>
+      <p:sp>
+        <p:nvSpPr>
+          <p:cNvPr id="14" name="Text Placeholder 2"/>
+          <p:cNvSpPr>
+            <a:spLocks noGrp="1"/>
+          </p:cNvSpPr>
+          <p:nvPr>
+            <p:ph type="body" idx="13"/>
+          </p:nvPr>
+        </p:nvSpPr>
+        <p:spPr>
+          <a:xfrm>
+            <a:off x="882651" y="4754880"/>
+            <a:ext cx="5099048" cy="1207008"/>
+          </a:xfrm>
+        </p:spPr>
+        <p:txBody>
+          <a:bodyPr anchor="b">
+            <a:normAutofit/>
+          </a:bodyPr>
+          <a:lstStyle>
+            <a:lvl1pPr marL="0" indent="0" algn="l">
+              <a:spcBef>
+                <a:spcPts val="0"/>
+              </a:spcBef>
+              <a:buNone/>
+              <a:defRPr sz="1500">
+                <a:solidFill>
+                  <a:schemeClr val="tx1"/>
+                </a:solidFill>
+              </a:defRPr>
+            </a:lvl1pPr>
+            <a:lvl2pPr marL="342900" indent="0">
+              <a:buNone/>
+              <a:defRPr sz="1350">
+                <a:solidFill>
+                  <a:schemeClr val="tx1">
+                    <a:tint val="75000"/>
+                  </a:schemeClr>
+                </a:solidFill>
+              </a:defRPr>
+            </a:lvl2pPr>
+            <a:lvl3pPr marL="685800" indent="0">
+              <a:buNone/>
+              <a:defRPr sz="1200">
+                <a:solidFill>
+                  <a:schemeClr val="tx1">
+                    <a:tint val="75000"/>
+                  </a:schemeClr>
+                </a:solidFill>
+              </a:defRPr>
+            </a:lvl3pPr>
+            <a:lvl4pPr marL="1028700" indent="0">
+              <a:buNone/>
+              <a:defRPr sz="1050">
+                <a:solidFill>
+                  <a:schemeClr val="tx1">
+                    <a:tint val="75000"/>
+                  </a:schemeClr>
+                </a:solidFill>
+              </a:defRPr>
+            </a:lvl4pPr>
+            <a:lvl5pPr marL="1371600" indent="0">
+              <a:buNone/>
+              <a:defRPr sz="1050">
+                <a:solidFill>
+                  <a:schemeClr val="tx1">
+                    <a:tint val="75000"/>
+                  </a:schemeClr>
+                </a:solidFill>
+              </a:defRPr>
+            </a:lvl5pPr>
+            <a:lvl6pPr marL="1714500" indent="0">
+              <a:buNone/>
+              <a:defRPr sz="1050">
+                <a:solidFill>
+                  <a:schemeClr val="tx1">
+                    <a:tint val="75000"/>
+                  </a:schemeClr>
+                </a:solidFill>
+              </a:defRPr>
+            </a:lvl6pPr>
+            <a:lvl7pPr marL="2057400" indent="0">
+              <a:buNone/>
+              <a:defRPr sz="1050">
+                <a:solidFill>
+                  <a:schemeClr val="tx1">
+                    <a:tint val="75000"/>
+                  </a:schemeClr>
+                </a:solidFill>
+              </a:defRPr>
+            </a:lvl7pPr>
+            <a:lvl8pPr marL="2400300" indent="0">
+              <a:buNone/>
+              <a:defRPr sz="1050">
+                <a:solidFill>
+                  <a:schemeClr val="tx1">
+                    <a:tint val="75000"/>
+                  </a:schemeClr>
+                </a:solidFill>
+              </a:defRPr>
+            </a:lvl8pPr>
+            <a:lvl9pPr marL="2743200" indent="0">
+              <a:buNone/>
+              <a:defRPr sz="1050">
+                <a:solidFill>
+                  <a:schemeClr val="tx1">
+                    <a:tint val="75000"/>
+                  </a:schemeClr>
+                </a:solidFill>
+              </a:defRPr>
+            </a:lvl9pPr>
+          </a:lstStyle>
+          <a:p>
+            <a:pPr lvl="0"/>
+            <a:r>
+              <a:rPr lang="en-US"/>
+              <a:t>Click to edit Master text styles</a:t>
+            </a:r>
+          </a:p>
+        </p:txBody>
+      </p:sp>
+      <p:sp>
+        <p:nvSpPr>
+          <p:cNvPr id="3" name="Text Placeholder 2"/>
+          <p:cNvSpPr>
+            <a:spLocks noGrp="1"/>
+          </p:cNvSpPr>
+          <p:nvPr>
+            <p:ph type="body" idx="1"/>
+          </p:nvPr>
+        </p:nvSpPr>
+        <p:spPr>
+          <a:xfrm>
+            <a:off x="882649" y="5960534"/>
+            <a:ext cx="5099051" cy="1873956"/>
+          </a:xfrm>
+        </p:spPr>
+        <p:txBody>
+          <a:bodyPr anchor="t">
+            <a:normAutofit/>
+          </a:bodyPr>
+          <a:lstStyle>
+            <a:lvl1pPr marL="0" indent="0" algn="l">
+              <a:buNone/>
+              <a:defRPr sz="1200">
+                <a:solidFill>
+                  <a:schemeClr val="tx1"/>
+                </a:solidFill>
+              </a:defRPr>
+            </a:lvl1pPr>
+            <a:lvl2pPr marL="342900" indent="0">
+              <a:buNone/>
+              <a:defRPr sz="1200">
+                <a:solidFill>
+                  <a:schemeClr val="tx1">
+                    <a:tint val="75000"/>
+                  </a:schemeClr>
+                </a:solidFill>
+              </a:defRPr>
+            </a:lvl2pPr>
+            <a:lvl3pPr marL="685800" indent="0">
+              <a:buNone/>
+              <a:defRPr sz="1200">
+                <a:solidFill>
+                  <a:schemeClr val="tx1">
+                    <a:tint val="75000"/>
+                  </a:schemeClr>
+                </a:solidFill>
+              </a:defRPr>
+            </a:lvl3pPr>
+            <a:lvl4pPr marL="1028700" indent="0">
+              <a:buNone/>
+              <a:defRPr sz="1050">
+                <a:solidFill>
+                  <a:schemeClr val="tx1">
+                    <a:tint val="75000"/>
+                  </a:schemeClr>
+                </a:solidFill>
+              </a:defRPr>
+            </a:lvl4pPr>
+            <a:lvl5pPr marL="1371600" indent="0">
+              <a:buNone/>
+              <a:defRPr sz="1050">
+                <a:solidFill>
+                  <a:schemeClr val="tx1">
+                    <a:tint val="75000"/>
+                  </a:schemeClr>
+                </a:solidFill>
+              </a:defRPr>
+            </a:lvl5pPr>
+            <a:lvl6pPr marL="1714500" indent="0">
+              <a:buNone/>
+              <a:defRPr sz="1050">
+                <a:solidFill>
+                  <a:schemeClr val="tx1">
+                    <a:tint val="75000"/>
+                  </a:schemeClr>
+                </a:solidFill>
+              </a:defRPr>
+            </a:lvl6pPr>
+            <a:lvl7pPr marL="2057400" indent="0">
+              <a:buNone/>
+              <a:defRPr sz="1050">
+                <a:solidFill>
+                  <a:schemeClr val="tx1">
+                    <a:tint val="75000"/>
+                  </a:schemeClr>
+                </a:solidFill>
+              </a:defRPr>
+            </a:lvl7pPr>
+            <a:lvl8pPr marL="2400300" indent="0">
+              <a:buNone/>
+              <a:defRPr sz="1050">
+                <a:solidFill>
+                  <a:schemeClr val="tx1">
+                    <a:tint val="75000"/>
+                  </a:schemeClr>
+                </a:solidFill>
+              </a:defRPr>
+            </a:lvl8pPr>
+            <a:lvl9pPr marL="2743200" indent="0">
+              <a:buNone/>
+              <a:defRPr sz="1050">
+                <a:solidFill>
+                  <a:schemeClr val="tx1">
+                    <a:tint val="75000"/>
+                  </a:schemeClr>
+                </a:solidFill>
+              </a:defRPr>
+            </a:lvl9pPr>
+          </a:lstStyle>
+          <a:p>
+            <a:pPr lvl="0"/>
+            <a:r>
+              <a:rPr lang="en-US"/>
+              <a:t>Click to edit Master text styles</a:t>
+            </a:r>
+          </a:p>
+        </p:txBody>
+      </p:sp>
+      <p:sp>
+        <p:nvSpPr>
+          <p:cNvPr id="4" name="Date Placeholder 3"/>
+          <p:cNvSpPr>
+            <a:spLocks noGrp="1"/>
+          </p:cNvSpPr>
+          <p:nvPr>
+            <p:ph type="dt" sz="half" idx="10"/>
+          </p:nvPr>
+        </p:nvSpPr>
+        <p:spPr/>
+        <p:txBody>
+          <a:bodyPr/>
+          <a:lstStyle/>
+          <a:p>
+            <a:fld id="{BFBBFCFE-809B-4AE5-92DC-0D51595F6FEA}" type="datetimeFigureOut">
+              <a:rPr lang="en-US" smtClean="0"/>
+              <a:t>8/29/2025</a:t>
+            </a:fld>
+            <a:endParaRPr lang="en-US"/>
+          </a:p>
+        </p:txBody>
+      </p:sp>
+      <p:sp>
+        <p:nvSpPr>
+          <p:cNvPr id="5" name="Footer Placeholder 4"/>
+          <p:cNvSpPr>
+            <a:spLocks noGrp="1"/>
+          </p:cNvSpPr>
+          <p:nvPr>
+            <p:ph type="ftr" sz="quarter" idx="11"/>
+          </p:nvPr>
+        </p:nvSpPr>
+        <p:spPr/>
+        <p:txBody>
+          <a:bodyPr/>
+          <a:lstStyle/>
+          <a:p>
+            <a:endParaRPr lang="en-US"/>
+          </a:p>
+        </p:txBody>
+      </p:sp>
+      <p:sp>
+        <p:nvSpPr>
+          <p:cNvPr id="6" name="Slide Number Placeholder 5"/>
+          <p:cNvSpPr>
+            <a:spLocks noGrp="1"/>
+          </p:cNvSpPr>
+          <p:nvPr>
+            <p:ph type="sldNum" sz="quarter" idx="12"/>
+          </p:nvPr>
+        </p:nvSpPr>
+        <p:spPr/>
+        <p:txBody>
+          <a:bodyPr/>
+          <a:lstStyle/>
+          <a:p>
+            <a:fld id="{B52BE1B2-C80A-4E30-B0B7-9476C5A58E1A}" type="slidenum">
+              <a:rPr lang="en-US" smtClean="0"/>
+              <a:t>‹#›</a:t>
+            </a:fld>
+            <a:endParaRPr lang="en-US"/>
+          </a:p>
+        </p:txBody>
+      </p:sp>
+      <p:cxnSp>
+        <p:nvCxnSpPr>
+          <p:cNvPr id="15" name="Straight Connector 14"/>
+          <p:cNvCxnSpPr/>
+          <p:nvPr/>
+        </p:nvCxnSpPr>
+        <p:spPr>
+          <a:xfrm>
+            <a:off x="958852" y="4572000"/>
+            <a:ext cx="4954816" cy="0"/>
+          </a:xfrm>
+          <a:prstGeom prst="line">
+            <a:avLst/>
+          </a:prstGeom>
+          <a:ln w="15875"/>
+        </p:spPr>
+        <p:style>
+          <a:lnRef idx="2">
+            <a:schemeClr val="accent1"/>
+          </a:lnRef>
+          <a:fillRef idx="0">
+            <a:schemeClr val="accent1"/>
+          </a:fillRef>
+          <a:effectRef idx="1">
+            <a:schemeClr val="accent1"/>
+          </a:effectRef>
+          <a:fontRef idx="minor">
+            <a:schemeClr val="tx1"/>
+          </a:fontRef>
+        </p:style>
+      </p:cxnSp>
+    </p:spTree>
+    <p:extLst>
+      <p:ext uri="{BB962C8B-B14F-4D97-AF65-F5344CB8AC3E}">
+        <p14:creationId xmlns:p14="http://schemas.microsoft.com/office/powerpoint/2010/main" val="3198430353"/>
+      </p:ext>
+    </p:extLst>
+  </p:cSld>
+  <p:clrMapOvr>
+    <a:masterClrMapping/>
+  </p:clrMapOvr>
+</p:sldLayout>
+</file>
+
+<file path=ppt/slideLayouts/slideLayout27.xml><?xml version="1.0" encoding="utf-8"?>
+<p:sldLayout xmlns:a="http://schemas.openxmlformats.org/drawingml/2006/main" xmlns:r="http://schemas.openxmlformats.org/officeDocument/2006/relationships" xmlns:p="http://schemas.openxmlformats.org/presentationml/2006/main" type="vertTx" preserve="1">
+  <p:cSld name="Title and Vertical Text">
+    <p:spTree>
+      <p:nvGrpSpPr>
+        <p:cNvPr id="1" name=""/>
+        <p:cNvGrpSpPr/>
+        <p:nvPr/>
+      </p:nvGrpSpPr>
+      <p:grpSpPr>
+        <a:xfrm>
+          <a:off x="0" y="0"/>
+          <a:ext cx="0" cy="0"/>
+          <a:chOff x="0" y="0"/>
+          <a:chExt cx="0" cy="0"/>
+        </a:xfrm>
+      </p:grpSpPr>
+      <p:sp>
+        <p:nvSpPr>
+          <p:cNvPr id="2" name="Title 1"/>
+          <p:cNvSpPr>
+            <a:spLocks noGrp="1"/>
+          </p:cNvSpPr>
+          <p:nvPr>
+            <p:ph type="title"/>
+          </p:nvPr>
+        </p:nvSpPr>
+        <p:spPr/>
+        <p:txBody>
+          <a:bodyPr/>
+          <a:lstStyle>
+            <a:lvl1pPr algn="ctr">
+              <a:defRPr/>
+            </a:lvl1pPr>
+          </a:lstStyle>
+          <a:p>
+            <a:r>
+              <a:rPr lang="en-US"/>
+              <a:t>Click to edit Master title style</a:t>
+            </a:r>
+            <a:endParaRPr lang="en-US" dirty="0"/>
+          </a:p>
+        </p:txBody>
+      </p:sp>
+      <p:sp>
+        <p:nvSpPr>
+          <p:cNvPr id="3" name="Vertical Text Placeholder 2"/>
+          <p:cNvSpPr>
+            <a:spLocks noGrp="1"/>
+          </p:cNvSpPr>
+          <p:nvPr>
+            <p:ph type="body" orient="vert" idx="1"/>
+          </p:nvPr>
+        </p:nvSpPr>
+        <p:spPr>
+          <a:xfrm>
+            <a:off x="882649" y="3320181"/>
+            <a:ext cx="5099052" cy="4514311"/>
+          </a:xfrm>
+        </p:spPr>
+        <p:txBody>
+          <a:bodyPr vert="eaVert" anchor="t"/>
+          <a:lstStyle/>
+          <a:p>
+            <a:pPr lvl="0"/>
+            <a:r>
+              <a:rPr lang="en-US"/>
+              <a:t>Click to edit Master text styles</a:t>
+            </a:r>
+          </a:p>
+          <a:p>
+            <a:pPr lvl="1"/>
+            <a:r>
+              <a:rPr lang="en-US"/>
+              <a:t>Second level</a:t>
+            </a:r>
+          </a:p>
+          <a:p>
+            <a:pPr lvl="2"/>
+            <a:r>
+              <a:rPr lang="en-US"/>
+              <a:t>Third level</a:t>
+            </a:r>
+          </a:p>
+          <a:p>
+            <a:pPr lvl="3"/>
+            <a:r>
+              <a:rPr lang="en-US"/>
+              <a:t>Fourth level</a:t>
+            </a:r>
+          </a:p>
+          <a:p>
+            <a:pPr lvl="4"/>
+            <a:r>
+              <a:rPr lang="en-US"/>
+              <a:t>Fifth level</a:t>
+            </a:r>
+            <a:endParaRPr lang="en-US" dirty="0"/>
+          </a:p>
+        </p:txBody>
+      </p:sp>
+      <p:sp>
+        <p:nvSpPr>
+          <p:cNvPr id="4" name="Date Placeholder 3"/>
+          <p:cNvSpPr>
+            <a:spLocks noGrp="1"/>
+          </p:cNvSpPr>
+          <p:nvPr>
+            <p:ph type="dt" sz="half" idx="10"/>
+          </p:nvPr>
+        </p:nvSpPr>
+        <p:spPr/>
+        <p:txBody>
+          <a:bodyPr/>
+          <a:lstStyle/>
+          <a:p>
+            <a:fld id="{BFBBFCFE-809B-4AE5-92DC-0D51595F6FEA}" type="datetimeFigureOut">
+              <a:rPr lang="en-US" smtClean="0"/>
+              <a:t>8/29/2025</a:t>
+            </a:fld>
+            <a:endParaRPr lang="en-US"/>
+          </a:p>
+        </p:txBody>
+      </p:sp>
+      <p:sp>
+        <p:nvSpPr>
+          <p:cNvPr id="5" name="Footer Placeholder 4"/>
+          <p:cNvSpPr>
+            <a:spLocks noGrp="1"/>
+          </p:cNvSpPr>
+          <p:nvPr>
+            <p:ph type="ftr" sz="quarter" idx="11"/>
+          </p:nvPr>
+        </p:nvSpPr>
+        <p:spPr/>
+        <p:txBody>
+          <a:bodyPr/>
+          <a:lstStyle/>
+          <a:p>
+            <a:endParaRPr lang="en-US"/>
+          </a:p>
+        </p:txBody>
+      </p:sp>
+      <p:sp>
+        <p:nvSpPr>
+          <p:cNvPr id="6" name="Slide Number Placeholder 5"/>
+          <p:cNvSpPr>
+            <a:spLocks noGrp="1"/>
+          </p:cNvSpPr>
+          <p:nvPr>
+            <p:ph type="sldNum" sz="quarter" idx="12"/>
+          </p:nvPr>
+        </p:nvSpPr>
+        <p:spPr/>
+        <p:txBody>
+          <a:bodyPr/>
+          <a:lstStyle/>
+          <a:p>
+            <a:fld id="{B52BE1B2-C80A-4E30-B0B7-9476C5A58E1A}" type="slidenum">
+              <a:rPr lang="en-US" smtClean="0"/>
+              <a:t>‹#›</a:t>
+            </a:fld>
+            <a:endParaRPr lang="en-US"/>
+          </a:p>
+        </p:txBody>
+      </p:sp>
+      <p:cxnSp>
+        <p:nvCxnSpPr>
+          <p:cNvPr id="14" name="Straight Connector 13"/>
+          <p:cNvCxnSpPr/>
+          <p:nvPr/>
+        </p:nvCxnSpPr>
+        <p:spPr>
+          <a:xfrm>
+            <a:off x="958850" y="3139560"/>
+            <a:ext cx="4954818" cy="0"/>
+          </a:xfrm>
+          <a:prstGeom prst="line">
+            <a:avLst/>
+          </a:prstGeom>
+          <a:ln w="15875"/>
+        </p:spPr>
+        <p:style>
+          <a:lnRef idx="2">
+            <a:schemeClr val="accent1"/>
+          </a:lnRef>
+          <a:fillRef idx="0">
+            <a:schemeClr val="accent1"/>
+          </a:fillRef>
+          <a:effectRef idx="1">
+            <a:schemeClr val="accent1"/>
+          </a:effectRef>
+          <a:fontRef idx="minor">
+            <a:schemeClr val="tx1"/>
+          </a:fontRef>
+        </p:style>
+      </p:cxnSp>
+    </p:spTree>
+    <p:extLst>
+      <p:ext uri="{BB962C8B-B14F-4D97-AF65-F5344CB8AC3E}">
+        <p14:creationId xmlns:p14="http://schemas.microsoft.com/office/powerpoint/2010/main" val="4121969005"/>
+      </p:ext>
+    </p:extLst>
+  </p:cSld>
+  <p:clrMapOvr>
+    <a:masterClrMapping/>
+  </p:clrMapOvr>
+</p:sldLayout>
+</file>
+
+<file path=ppt/slideLayouts/slideLayout28.xml><?xml version="1.0" encoding="utf-8"?>
+<p:sldLayout xmlns:a="http://schemas.openxmlformats.org/drawingml/2006/main" xmlns:r="http://schemas.openxmlformats.org/officeDocument/2006/relationships" xmlns:p="http://schemas.openxmlformats.org/presentationml/2006/main" type="vertTitleAndTx" preserve="1">
+  <p:cSld name="Vertical Title and Text">
+    <p:spTree>
+      <p:nvGrpSpPr>
+        <p:cNvPr id="1" name=""/>
+        <p:cNvGrpSpPr/>
+        <p:nvPr/>
+      </p:nvGrpSpPr>
+      <p:grpSpPr>
+        <a:xfrm>
+          <a:off x="0" y="0"/>
+          <a:ext cx="0" cy="0"/>
+          <a:chOff x="0" y="0"/>
+          <a:chExt cx="0" cy="0"/>
+        </a:xfrm>
+      </p:grpSpPr>
+      <p:sp>
+        <p:nvSpPr>
+          <p:cNvPr id="2" name="Vertical Title 1"/>
+          <p:cNvSpPr>
+            <a:spLocks noGrp="1"/>
+          </p:cNvSpPr>
+          <p:nvPr>
+            <p:ph type="title" orient="vert"/>
+          </p:nvPr>
+        </p:nvSpPr>
+        <p:spPr>
+          <a:xfrm>
+            <a:off x="4767500" y="1209165"/>
+            <a:ext cx="1214198" cy="6625327"/>
+          </a:xfrm>
+        </p:spPr>
+        <p:txBody>
+          <a:bodyPr vert="eaVert"/>
+          <a:lstStyle/>
+          <a:p>
+            <a:r>
+              <a:rPr lang="en-US"/>
+              <a:t>Click to edit Master title style</a:t>
+            </a:r>
+            <a:endParaRPr lang="en-US" dirty="0"/>
+          </a:p>
+        </p:txBody>
+      </p:sp>
+      <p:sp>
+        <p:nvSpPr>
+          <p:cNvPr id="3" name="Vertical Text Placeholder 2"/>
+          <p:cNvSpPr>
+            <a:spLocks noGrp="1"/>
+          </p:cNvSpPr>
+          <p:nvPr>
+            <p:ph type="body" orient="vert" idx="1"/>
+          </p:nvPr>
+        </p:nvSpPr>
+        <p:spPr>
+          <a:xfrm>
+            <a:off x="882651" y="1209165"/>
+            <a:ext cx="3686632" cy="6625324"/>
+          </a:xfrm>
+        </p:spPr>
+        <p:txBody>
+          <a:bodyPr vert="eaVert" anchor="t"/>
+          <a:lstStyle/>
+          <a:p>
+            <a:pPr lvl="0"/>
+            <a:r>
+              <a:rPr lang="en-US"/>
+              <a:t>Click to edit Master text styles</a:t>
+            </a:r>
+          </a:p>
+          <a:p>
+            <a:pPr lvl="1"/>
+            <a:r>
+              <a:rPr lang="en-US"/>
+              <a:t>Second level</a:t>
+            </a:r>
+          </a:p>
+          <a:p>
+            <a:pPr lvl="2"/>
+            <a:r>
+              <a:rPr lang="en-US"/>
+              <a:t>Third level</a:t>
+            </a:r>
+          </a:p>
+          <a:p>
+            <a:pPr lvl="3"/>
+            <a:r>
+              <a:rPr lang="en-US"/>
+              <a:t>Fourth level</a:t>
+            </a:r>
+          </a:p>
+          <a:p>
+            <a:pPr lvl="4"/>
+            <a:r>
+              <a:rPr lang="en-US"/>
+              <a:t>Fifth level</a:t>
+            </a:r>
+            <a:endParaRPr lang="en-US" dirty="0"/>
+          </a:p>
+        </p:txBody>
+      </p:sp>
+      <p:sp>
+        <p:nvSpPr>
+          <p:cNvPr id="4" name="Date Placeholder 3"/>
+          <p:cNvSpPr>
+            <a:spLocks noGrp="1"/>
+          </p:cNvSpPr>
+          <p:nvPr>
+            <p:ph type="dt" sz="half" idx="10"/>
+          </p:nvPr>
+        </p:nvSpPr>
+        <p:spPr/>
+        <p:txBody>
+          <a:bodyPr/>
+          <a:lstStyle/>
+          <a:p>
+            <a:fld id="{BFBBFCFE-809B-4AE5-92DC-0D51595F6FEA}" type="datetimeFigureOut">
+              <a:rPr lang="en-US" smtClean="0"/>
+              <a:t>8/29/2025</a:t>
+            </a:fld>
+            <a:endParaRPr lang="en-US"/>
+          </a:p>
+        </p:txBody>
+      </p:sp>
+      <p:sp>
+        <p:nvSpPr>
+          <p:cNvPr id="5" name="Footer Placeholder 4"/>
+          <p:cNvSpPr>
+            <a:spLocks noGrp="1"/>
+          </p:cNvSpPr>
+          <p:nvPr>
+            <p:ph type="ftr" sz="quarter" idx="11"/>
+          </p:nvPr>
+        </p:nvSpPr>
+        <p:spPr/>
+        <p:txBody>
+          <a:bodyPr/>
+          <a:lstStyle/>
+          <a:p>
+            <a:endParaRPr lang="en-US"/>
+          </a:p>
+        </p:txBody>
+      </p:sp>
+      <p:sp>
+        <p:nvSpPr>
+          <p:cNvPr id="6" name="Slide Number Placeholder 5"/>
+          <p:cNvSpPr>
+            <a:spLocks noGrp="1"/>
+          </p:cNvSpPr>
+          <p:nvPr>
+            <p:ph type="sldNum" sz="quarter" idx="12"/>
+          </p:nvPr>
+        </p:nvSpPr>
+        <p:spPr/>
+        <p:txBody>
+          <a:bodyPr/>
+          <a:lstStyle/>
+          <a:p>
+            <a:fld id="{B52BE1B2-C80A-4E30-B0B7-9476C5A58E1A}" type="slidenum">
+              <a:rPr lang="en-US" smtClean="0"/>
+              <a:t>‹#›</a:t>
+            </a:fld>
+            <a:endParaRPr lang="en-US"/>
+          </a:p>
+        </p:txBody>
+      </p:sp>
+      <p:cxnSp>
+        <p:nvCxnSpPr>
+          <p:cNvPr id="14" name="Straight Connector 13"/>
+          <p:cNvCxnSpPr/>
+          <p:nvPr/>
+        </p:nvCxnSpPr>
+        <p:spPr>
+          <a:xfrm>
+            <a:off x="4684134" y="1209165"/>
+            <a:ext cx="0" cy="6625324"/>
+          </a:xfrm>
+          <a:prstGeom prst="line">
+            <a:avLst/>
+          </a:prstGeom>
+          <a:ln w="15875"/>
+        </p:spPr>
+        <p:style>
+          <a:lnRef idx="2">
+            <a:schemeClr val="accent1"/>
+          </a:lnRef>
+          <a:fillRef idx="0">
+            <a:schemeClr val="accent1"/>
+          </a:fillRef>
+          <a:effectRef idx="1">
+            <a:schemeClr val="accent1"/>
+          </a:effectRef>
+          <a:fontRef idx="minor">
+            <a:schemeClr val="tx1"/>
+          </a:fontRef>
+        </p:style>
+      </p:cxnSp>
+    </p:spTree>
+    <p:extLst>
+      <p:ext uri="{BB962C8B-B14F-4D97-AF65-F5344CB8AC3E}">
+        <p14:creationId xmlns:p14="http://schemas.microsoft.com/office/powerpoint/2010/main" val="3285635592"/>
       </p:ext>
     </p:extLst>
   </p:cSld>
@@ -1032,7 +5964,7 @@
           <a:p>
             <a:fld id="{BFBBFCFE-809B-4AE5-92DC-0D51595F6FEA}" type="datetimeFigureOut">
               <a:rPr lang="en-US" smtClean="0"/>
-              <a:t>8/9/2025</a:t>
+              <a:t>8/29/2025</a:t>
             </a:fld>
             <a:endParaRPr lang="en-US"/>
           </a:p>
@@ -1264,7 +6196,7 @@
           <a:p>
             <a:fld id="{BFBBFCFE-809B-4AE5-92DC-0D51595F6FEA}" type="datetimeFigureOut">
               <a:rPr lang="en-US" smtClean="0"/>
-              <a:t>8/9/2025</a:t>
+              <a:t>8/29/2025</a:t>
             </a:fld>
             <a:endParaRPr lang="en-US"/>
           </a:p>
@@ -1631,7 +6563,7 @@
           <a:p>
             <a:fld id="{BFBBFCFE-809B-4AE5-92DC-0D51595F6FEA}" type="datetimeFigureOut">
               <a:rPr lang="en-US" smtClean="0"/>
-              <a:t>8/9/2025</a:t>
+              <a:t>8/29/2025</a:t>
             </a:fld>
             <a:endParaRPr lang="en-US"/>
           </a:p>
@@ -1749,7 +6681,7 @@
           <a:p>
             <a:fld id="{BFBBFCFE-809B-4AE5-92DC-0D51595F6FEA}" type="datetimeFigureOut">
               <a:rPr lang="en-US" smtClean="0"/>
-              <a:t>8/9/2025</a:t>
+              <a:t>8/29/2025</a:t>
             </a:fld>
             <a:endParaRPr lang="en-US"/>
           </a:p>
@@ -1844,7 +6776,7 @@
           <a:p>
             <a:fld id="{BFBBFCFE-809B-4AE5-92DC-0D51595F6FEA}" type="datetimeFigureOut">
               <a:rPr lang="en-US" smtClean="0"/>
-              <a:t>8/9/2025</a:t>
+              <a:t>8/29/2025</a:t>
             </a:fld>
             <a:endParaRPr lang="en-US"/>
           </a:p>
@@ -2121,7 +7053,7 @@
           <a:p>
             <a:fld id="{BFBBFCFE-809B-4AE5-92DC-0D51595F6FEA}" type="datetimeFigureOut">
               <a:rPr lang="en-US" smtClean="0"/>
-              <a:t>8/9/2025</a:t>
+              <a:t>8/29/2025</a:t>
             </a:fld>
             <a:endParaRPr lang="en-US"/>
           </a:p>
@@ -2378,7 +7310,7 @@
           <a:p>
             <a:fld id="{BFBBFCFE-809B-4AE5-92DC-0D51595F6FEA}" type="datetimeFigureOut">
               <a:rPr lang="en-US" smtClean="0"/>
-              <a:t>8/9/2025</a:t>
+              <a:t>8/29/2025</a:t>
             </a:fld>
             <a:endParaRPr lang="en-US"/>
           </a:p>
@@ -2591,7 +7523,7 @@
           <a:p>
             <a:fld id="{BFBBFCFE-809B-4AE5-92DC-0D51595F6FEA}" type="datetimeFigureOut">
               <a:rPr lang="en-US" smtClean="0"/>
-              <a:t>8/9/2025</a:t>
+              <a:t>8/29/2025</a:t>
             </a:fld>
             <a:endParaRPr lang="en-US"/>
           </a:p>
@@ -2965,6 +7897,822 @@
         </a:defRPr>
       </a:lvl8pPr>
       <a:lvl9pPr marL="2743200" algn="l" defTabSz="685800" rtl="0" eaLnBrk="1" latinLnBrk="0" hangingPunct="1">
+        <a:defRPr sz="1350" kern="1200">
+          <a:solidFill>
+            <a:schemeClr val="tx1"/>
+          </a:solidFill>
+          <a:latin typeface="+mn-lt"/>
+          <a:ea typeface="+mn-ea"/>
+          <a:cs typeface="+mn-cs"/>
+        </a:defRPr>
+      </a:lvl9pPr>
+    </p:otherStyle>
+  </p:txStyles>
+</p:sldMaster>
+</file>
+
+<file path=ppt/slideMasters/slideMaster2.xml><?xml version="1.0" encoding="utf-8"?>
+<p:sldMaster xmlns:a="http://schemas.openxmlformats.org/drawingml/2006/main" xmlns:r="http://schemas.openxmlformats.org/officeDocument/2006/relationships" xmlns:p="http://schemas.openxmlformats.org/presentationml/2006/main">
+  <p:cSld>
+    <p:bg>
+      <p:bgRef idx="1003">
+        <a:schemeClr val="bg1"/>
+      </p:bgRef>
+    </p:bg>
+    <p:spTree>
+      <p:nvGrpSpPr>
+        <p:cNvPr id="1" name=""/>
+        <p:cNvGrpSpPr/>
+        <p:nvPr/>
+      </p:nvGrpSpPr>
+      <p:grpSpPr>
+        <a:xfrm>
+          <a:off x="0" y="0"/>
+          <a:ext cx="0" cy="0"/>
+          <a:chOff x="0" y="0"/>
+          <a:chExt cx="0" cy="0"/>
+        </a:xfrm>
+      </p:grpSpPr>
+      <p:grpSp>
+        <p:nvGrpSpPr>
+          <p:cNvPr id="7" name="Group 6"/>
+          <p:cNvGrpSpPr/>
+          <p:nvPr/>
+        </p:nvGrpSpPr>
+        <p:grpSpPr>
+          <a:xfrm>
+            <a:off x="1" y="0"/>
+            <a:ext cx="6864350" cy="9144000"/>
+            <a:chOff x="0" y="0"/>
+            <a:chExt cx="9152467" cy="6858000"/>
+          </a:xfrm>
+        </p:grpSpPr>
+        <p:pic>
+          <p:nvPicPr>
+            <p:cNvPr id="8" name="Picture 7" descr="SD-PanelContent.png"/>
+            <p:cNvPicPr>
+              <a:picLocks noChangeAspect="1"/>
+            </p:cNvPicPr>
+            <p:nvPr/>
+          </p:nvPicPr>
+          <p:blipFill>
+            <a:blip r:embed="rId19">
+              <a:extLst>
+                <a:ext uri="{28A0092B-C50C-407E-A947-70E740481C1C}">
+                  <a14:useLocalDpi xmlns:a14="http://schemas.microsoft.com/office/drawing/2010/main" val="0"/>
+                </a:ext>
+              </a:extLst>
+            </a:blip>
+            <a:stretch>
+              <a:fillRect/>
+            </a:stretch>
+          </p:blipFill>
+          <p:spPr>
+            <a:xfrm>
+              <a:off x="0" y="0"/>
+              <a:ext cx="9144000" cy="6858000"/>
+            </a:xfrm>
+            <a:prstGeom prst="rect">
+              <a:avLst/>
+            </a:prstGeom>
+          </p:spPr>
+        </p:pic>
+        <p:sp>
+          <p:nvSpPr>
+            <p:cNvPr id="9" name="Rectangle 8"/>
+            <p:cNvSpPr/>
+            <p:nvPr/>
+          </p:nvSpPr>
+          <p:spPr>
+            <a:xfrm>
+              <a:off x="553888" y="542807"/>
+              <a:ext cx="8039776" cy="5756392"/>
+            </a:xfrm>
+            <a:prstGeom prst="rect">
+              <a:avLst/>
+            </a:prstGeom>
+            <a:noFill/>
+            <a:ln w="15875" cap="flat">
+              <a:miter lim="800000"/>
+            </a:ln>
+          </p:spPr>
+          <p:style>
+            <a:lnRef idx="1">
+              <a:schemeClr val="accent1"/>
+            </a:lnRef>
+            <a:fillRef idx="3">
+              <a:schemeClr val="accent1"/>
+            </a:fillRef>
+            <a:effectRef idx="2">
+              <a:schemeClr val="accent1"/>
+            </a:effectRef>
+            <a:fontRef idx="minor">
+              <a:schemeClr val="lt1"/>
+            </a:fontRef>
+          </p:style>
+        </p:sp>
+        <p:pic>
+          <p:nvPicPr>
+            <p:cNvPr id="10" name="Picture 9" descr="HDRibbonContent-UniformTrim.png"/>
+            <p:cNvPicPr>
+              <a:picLocks noChangeAspect="1"/>
+            </p:cNvPicPr>
+            <p:nvPr/>
+          </p:nvPicPr>
+          <p:blipFill rotWithShape="1">
+            <a:blip r:embed="rId20">
+              <a:extLst>
+                <a:ext uri="{28A0092B-C50C-407E-A947-70E740481C1C}">
+                  <a14:useLocalDpi xmlns:a14="http://schemas.microsoft.com/office/drawing/2010/main" val="0"/>
+                </a:ext>
+              </a:extLst>
+            </a:blip>
+            <a:srcRect l="1" r="14240"/>
+            <a:stretch/>
+          </p:blipFill>
+          <p:spPr>
+            <a:xfrm>
+              <a:off x="0" y="3128434"/>
+              <a:ext cx="685800" cy="606425"/>
+            </a:xfrm>
+            <a:prstGeom prst="rect">
+              <a:avLst/>
+            </a:prstGeom>
+          </p:spPr>
+        </p:pic>
+        <p:pic>
+          <p:nvPicPr>
+            <p:cNvPr id="11" name="Picture 10" descr="HDRibbonContent-UniformTrim.png"/>
+            <p:cNvPicPr>
+              <a:picLocks noChangeAspect="1"/>
+            </p:cNvPicPr>
+            <p:nvPr/>
+          </p:nvPicPr>
+          <p:blipFill rotWithShape="1">
+            <a:blip r:embed="rId20">
+              <a:extLst>
+                <a:ext uri="{28A0092B-C50C-407E-A947-70E740481C1C}">
+                  <a14:useLocalDpi xmlns:a14="http://schemas.microsoft.com/office/drawing/2010/main" val="0"/>
+                </a:ext>
+              </a:extLst>
+            </a:blip>
+            <a:srcRect l="1" r="14240"/>
+            <a:stretch/>
+          </p:blipFill>
+          <p:spPr>
+            <a:xfrm>
+              <a:off x="8466667" y="3128434"/>
+              <a:ext cx="685800" cy="606425"/>
+            </a:xfrm>
+            <a:prstGeom prst="rect">
+              <a:avLst/>
+            </a:prstGeom>
+          </p:spPr>
+        </p:pic>
+      </p:grpSp>
+      <p:sp>
+        <p:nvSpPr>
+          <p:cNvPr id="2" name="Title Placeholder 1"/>
+          <p:cNvSpPr>
+            <a:spLocks noGrp="1"/>
+          </p:cNvSpPr>
+          <p:nvPr>
+            <p:ph type="title"/>
+          </p:nvPr>
+        </p:nvSpPr>
+        <p:spPr>
+          <a:xfrm>
+            <a:off x="882649" y="1220450"/>
+            <a:ext cx="5099051" cy="1738489"/>
+          </a:xfrm>
+          <a:prstGeom prst="rect">
+            <a:avLst/>
+          </a:prstGeom>
+          <a:effectLst/>
+        </p:spPr>
+        <p:txBody>
+          <a:bodyPr vert="horz" lIns="91440" tIns="45720" rIns="91440" bIns="45720" rtlCol="0" anchor="ctr">
+            <a:normAutofit/>
+          </a:bodyPr>
+          <a:lstStyle/>
+          <a:p>
+            <a:r>
+              <a:rPr lang="en-US"/>
+              <a:t>Click to edit Master title style</a:t>
+            </a:r>
+            <a:endParaRPr lang="en-US" dirty="0"/>
+          </a:p>
+        </p:txBody>
+      </p:sp>
+      <p:sp>
+        <p:nvSpPr>
+          <p:cNvPr id="3" name="Text Placeholder 2"/>
+          <p:cNvSpPr>
+            <a:spLocks noGrp="1"/>
+          </p:cNvSpPr>
+          <p:nvPr>
+            <p:ph type="body" idx="1"/>
+          </p:nvPr>
+        </p:nvSpPr>
+        <p:spPr>
+          <a:xfrm>
+            <a:off x="882649" y="3320181"/>
+            <a:ext cx="5099052" cy="4593329"/>
+          </a:xfrm>
+          <a:prstGeom prst="rect">
+            <a:avLst/>
+          </a:prstGeom>
+        </p:spPr>
+        <p:txBody>
+          <a:bodyPr vert="horz" lIns="91440" tIns="45720" rIns="91440" bIns="45720" rtlCol="0" anchor="t">
+            <a:normAutofit/>
+          </a:bodyPr>
+          <a:lstStyle/>
+          <a:p>
+            <a:pPr lvl="0"/>
+            <a:r>
+              <a:rPr lang="en-US"/>
+              <a:t>Click to edit Master text styles</a:t>
+            </a:r>
+          </a:p>
+          <a:p>
+            <a:pPr lvl="1"/>
+            <a:r>
+              <a:rPr lang="en-US"/>
+              <a:t>Second level</a:t>
+            </a:r>
+          </a:p>
+          <a:p>
+            <a:pPr lvl="2"/>
+            <a:r>
+              <a:rPr lang="en-US"/>
+              <a:t>Third level</a:t>
+            </a:r>
+          </a:p>
+          <a:p>
+            <a:pPr lvl="3"/>
+            <a:r>
+              <a:rPr lang="en-US"/>
+              <a:t>Fourth level</a:t>
+            </a:r>
+          </a:p>
+          <a:p>
+            <a:pPr lvl="4"/>
+            <a:r>
+              <a:rPr lang="en-US"/>
+              <a:t>Fifth level</a:t>
+            </a:r>
+            <a:endParaRPr lang="en-US" dirty="0"/>
+          </a:p>
+        </p:txBody>
+      </p:sp>
+      <p:sp>
+        <p:nvSpPr>
+          <p:cNvPr id="4" name="Date Placeholder 3"/>
+          <p:cNvSpPr>
+            <a:spLocks noGrp="1"/>
+          </p:cNvSpPr>
+          <p:nvPr>
+            <p:ph type="dt" sz="half" idx="2"/>
+          </p:nvPr>
+        </p:nvSpPr>
+        <p:spPr>
+          <a:xfrm>
+            <a:off x="4767503" y="7947378"/>
+            <a:ext cx="861212" cy="372533"/>
+          </a:xfrm>
+          <a:prstGeom prst="rect">
+            <a:avLst/>
+          </a:prstGeom>
+        </p:spPr>
+        <p:txBody>
+          <a:bodyPr vert="horz" lIns="91440" tIns="45720" rIns="91440" bIns="45720" rtlCol="0" anchor="ctr"/>
+          <a:lstStyle>
+            <a:lvl1pPr algn="r">
+              <a:defRPr sz="750" b="0" i="0">
+                <a:solidFill>
+                  <a:schemeClr val="tx1"/>
+                </a:solidFill>
+                <a:effectLst/>
+                <a:latin typeface="+mn-lt"/>
+              </a:defRPr>
+            </a:lvl1pPr>
+          </a:lstStyle>
+          <a:p>
+            <a:fld id="{BFBBFCFE-809B-4AE5-92DC-0D51595F6FEA}" type="datetimeFigureOut">
+              <a:rPr lang="en-US" smtClean="0"/>
+              <a:t>8/29/2025</a:t>
+            </a:fld>
+            <a:endParaRPr lang="en-US"/>
+          </a:p>
+        </p:txBody>
+      </p:sp>
+      <p:sp>
+        <p:nvSpPr>
+          <p:cNvPr id="5" name="Footer Placeholder 4"/>
+          <p:cNvSpPr>
+            <a:spLocks noGrp="1"/>
+          </p:cNvSpPr>
+          <p:nvPr>
+            <p:ph type="ftr" sz="quarter" idx="3"/>
+          </p:nvPr>
+        </p:nvSpPr>
+        <p:spPr>
+          <a:xfrm>
+            <a:off x="882649" y="7947378"/>
+            <a:ext cx="3828500" cy="372533"/>
+          </a:xfrm>
+          <a:prstGeom prst="rect">
+            <a:avLst/>
+          </a:prstGeom>
+        </p:spPr>
+        <p:txBody>
+          <a:bodyPr vert="horz" lIns="91440" tIns="45720" rIns="91440" bIns="45720" rtlCol="0" anchor="ctr"/>
+          <a:lstStyle>
+            <a:lvl1pPr algn="l">
+              <a:defRPr sz="750" b="0" i="0">
+                <a:solidFill>
+                  <a:schemeClr val="tx1"/>
+                </a:solidFill>
+                <a:effectLst/>
+                <a:latin typeface="+mn-lt"/>
+              </a:defRPr>
+            </a:lvl1pPr>
+          </a:lstStyle>
+          <a:p>
+            <a:endParaRPr lang="en-US"/>
+          </a:p>
+        </p:txBody>
+      </p:sp>
+      <p:sp>
+        <p:nvSpPr>
+          <p:cNvPr id="6" name="Slide Number Placeholder 5"/>
+          <p:cNvSpPr>
+            <a:spLocks noGrp="1"/>
+          </p:cNvSpPr>
+          <p:nvPr>
+            <p:ph type="sldNum" sz="quarter" idx="4"/>
+          </p:nvPr>
+        </p:nvSpPr>
+        <p:spPr>
+          <a:xfrm>
+            <a:off x="5685068" y="7947378"/>
+            <a:ext cx="296633" cy="372533"/>
+          </a:xfrm>
+          <a:prstGeom prst="rect">
+            <a:avLst/>
+          </a:prstGeom>
+        </p:spPr>
+        <p:txBody>
+          <a:bodyPr vert="horz" lIns="91440" tIns="45720" rIns="91440" bIns="45720" rtlCol="0" anchor="ctr"/>
+          <a:lstStyle>
+            <a:lvl1pPr algn="r">
+              <a:defRPr sz="750" b="0" i="0">
+                <a:solidFill>
+                  <a:schemeClr val="tx1"/>
+                </a:solidFill>
+                <a:effectLst/>
+                <a:latin typeface="+mn-lt"/>
+              </a:defRPr>
+            </a:lvl1pPr>
+          </a:lstStyle>
+          <a:p>
+            <a:fld id="{B52BE1B2-C80A-4E30-B0B7-9476C5A58E1A}" type="slidenum">
+              <a:rPr lang="en-US" smtClean="0"/>
+              <a:t>‹#›</a:t>
+            </a:fld>
+            <a:endParaRPr lang="en-US"/>
+          </a:p>
+        </p:txBody>
+      </p:sp>
+    </p:spTree>
+    <p:extLst>
+      <p:ext uri="{BB962C8B-B14F-4D97-AF65-F5344CB8AC3E}">
+        <p14:creationId xmlns:p14="http://schemas.microsoft.com/office/powerpoint/2010/main" val="3421588461"/>
+      </p:ext>
+    </p:extLst>
+  </p:cSld>
+  <p:clrMap bg1="lt1" tx1="dk1" bg2="lt2" tx2="dk2" accent1="accent1" accent2="accent2" accent3="accent3" accent4="accent4" accent5="accent5" accent6="accent6" hlink="hlink" folHlink="folHlink"/>
+  <p:sldLayoutIdLst>
+    <p:sldLayoutId id="2147483685" r:id="rId1"/>
+    <p:sldLayoutId id="2147483686" r:id="rId2"/>
+    <p:sldLayoutId id="2147483687" r:id="rId3"/>
+    <p:sldLayoutId id="2147483688" r:id="rId4"/>
+    <p:sldLayoutId id="2147483689" r:id="rId5"/>
+    <p:sldLayoutId id="2147483690" r:id="rId6"/>
+    <p:sldLayoutId id="2147483691" r:id="rId7"/>
+    <p:sldLayoutId id="2147483692" r:id="rId8"/>
+    <p:sldLayoutId id="2147483693" r:id="rId9"/>
+    <p:sldLayoutId id="2147483694" r:id="rId10"/>
+    <p:sldLayoutId id="2147483695" r:id="rId11"/>
+    <p:sldLayoutId id="2147483696" r:id="rId12"/>
+    <p:sldLayoutId id="2147483697" r:id="rId13"/>
+    <p:sldLayoutId id="2147483698" r:id="rId14"/>
+    <p:sldLayoutId id="2147483699" r:id="rId15"/>
+    <p:sldLayoutId id="2147483700" r:id="rId16"/>
+    <p:sldLayoutId id="2147483701" r:id="rId17"/>
+  </p:sldLayoutIdLst>
+  <p:txStyles>
+    <p:titleStyle>
+      <a:lvl1pPr algn="ctr" defTabSz="342900" rtl="0" eaLnBrk="1" latinLnBrk="0" hangingPunct="1">
+        <a:spcBef>
+          <a:spcPct val="0"/>
+        </a:spcBef>
+        <a:buNone/>
+        <a:defRPr sz="3000" kern="1200" cap="none">
+          <a:ln w="3175" cmpd="sng">
+            <a:noFill/>
+          </a:ln>
+          <a:solidFill>
+            <a:schemeClr val="tx1">
+              <a:lumMod val="85000"/>
+              <a:lumOff val="15000"/>
+            </a:schemeClr>
+          </a:solidFill>
+          <a:effectLst/>
+          <a:latin typeface="+mj-lt"/>
+          <a:ea typeface="+mj-ea"/>
+          <a:cs typeface="+mj-cs"/>
+        </a:defRPr>
+      </a:lvl1pPr>
+      <a:lvl2pPr eaLnBrk="1" hangingPunct="1">
+        <a:defRPr>
+          <a:solidFill>
+            <a:schemeClr val="tx2"/>
+          </a:solidFill>
+        </a:defRPr>
+      </a:lvl2pPr>
+      <a:lvl3pPr eaLnBrk="1" hangingPunct="1">
+        <a:defRPr>
+          <a:solidFill>
+            <a:schemeClr val="tx2"/>
+          </a:solidFill>
+        </a:defRPr>
+      </a:lvl3pPr>
+      <a:lvl4pPr eaLnBrk="1" hangingPunct="1">
+        <a:defRPr>
+          <a:solidFill>
+            <a:schemeClr val="tx2"/>
+          </a:solidFill>
+        </a:defRPr>
+      </a:lvl4pPr>
+      <a:lvl5pPr eaLnBrk="1" hangingPunct="1">
+        <a:defRPr>
+          <a:solidFill>
+            <a:schemeClr val="tx2"/>
+          </a:solidFill>
+        </a:defRPr>
+      </a:lvl5pPr>
+      <a:lvl6pPr eaLnBrk="1" hangingPunct="1">
+        <a:defRPr>
+          <a:solidFill>
+            <a:schemeClr val="tx2"/>
+          </a:solidFill>
+        </a:defRPr>
+      </a:lvl6pPr>
+      <a:lvl7pPr eaLnBrk="1" hangingPunct="1">
+        <a:defRPr>
+          <a:solidFill>
+            <a:schemeClr val="tx2"/>
+          </a:solidFill>
+        </a:defRPr>
+      </a:lvl7pPr>
+      <a:lvl8pPr eaLnBrk="1" hangingPunct="1">
+        <a:defRPr>
+          <a:solidFill>
+            <a:schemeClr val="tx2"/>
+          </a:solidFill>
+        </a:defRPr>
+      </a:lvl8pPr>
+      <a:lvl9pPr eaLnBrk="1" hangingPunct="1">
+        <a:defRPr>
+          <a:solidFill>
+            <a:schemeClr val="tx2"/>
+          </a:solidFill>
+        </a:defRPr>
+      </a:lvl9pPr>
+    </p:titleStyle>
+    <p:bodyStyle>
+      <a:lvl1pPr marL="214313" indent="-214313" algn="l" defTabSz="342900" rtl="0" eaLnBrk="1" latinLnBrk="0" hangingPunct="1">
+        <a:spcBef>
+          <a:spcPct val="20000"/>
+        </a:spcBef>
+        <a:spcAft>
+          <a:spcPts val="450"/>
+        </a:spcAft>
+        <a:buClr>
+          <a:schemeClr val="accent1"/>
+        </a:buClr>
+        <a:buSzPct val="115000"/>
+        <a:buFont typeface="Arial"/>
+        <a:buChar char="•"/>
+        <a:defRPr sz="1800" kern="1200" cap="none">
+          <a:solidFill>
+            <a:schemeClr val="tx1">
+              <a:lumMod val="85000"/>
+              <a:lumOff val="15000"/>
+            </a:schemeClr>
+          </a:solidFill>
+          <a:effectLst/>
+          <a:latin typeface="+mn-lt"/>
+          <a:ea typeface="+mn-ea"/>
+          <a:cs typeface="+mn-cs"/>
+        </a:defRPr>
+      </a:lvl1pPr>
+      <a:lvl2pPr marL="557213" indent="-214313" algn="l" defTabSz="342900" rtl="0" eaLnBrk="1" latinLnBrk="0" hangingPunct="1">
+        <a:spcBef>
+          <a:spcPct val="20000"/>
+        </a:spcBef>
+        <a:spcAft>
+          <a:spcPts val="450"/>
+        </a:spcAft>
+        <a:buClr>
+          <a:schemeClr val="accent1"/>
+        </a:buClr>
+        <a:buSzPct val="115000"/>
+        <a:buFont typeface="Arial"/>
+        <a:buChar char="•"/>
+        <a:defRPr sz="1500" kern="1200" cap="none">
+          <a:solidFill>
+            <a:schemeClr val="tx1">
+              <a:lumMod val="85000"/>
+              <a:lumOff val="15000"/>
+            </a:schemeClr>
+          </a:solidFill>
+          <a:effectLst/>
+          <a:latin typeface="+mn-lt"/>
+          <a:ea typeface="+mn-ea"/>
+          <a:cs typeface="+mn-cs"/>
+        </a:defRPr>
+      </a:lvl2pPr>
+      <a:lvl3pPr marL="900113" indent="-214313" algn="l" defTabSz="342900" rtl="0" eaLnBrk="1" latinLnBrk="0" hangingPunct="1">
+        <a:spcBef>
+          <a:spcPct val="20000"/>
+        </a:spcBef>
+        <a:spcAft>
+          <a:spcPts val="450"/>
+        </a:spcAft>
+        <a:buClr>
+          <a:schemeClr val="accent1"/>
+        </a:buClr>
+        <a:buSzPct val="115000"/>
+        <a:buFont typeface="Arial"/>
+        <a:buChar char="•"/>
+        <a:defRPr sz="1350" kern="1200" cap="none">
+          <a:solidFill>
+            <a:schemeClr val="tx1">
+              <a:lumMod val="85000"/>
+              <a:lumOff val="15000"/>
+            </a:schemeClr>
+          </a:solidFill>
+          <a:effectLst/>
+          <a:latin typeface="+mn-lt"/>
+          <a:ea typeface="+mn-ea"/>
+          <a:cs typeface="+mn-cs"/>
+        </a:defRPr>
+      </a:lvl3pPr>
+      <a:lvl4pPr marL="1157288" indent="-128588" algn="l" defTabSz="342900" rtl="0" eaLnBrk="1" latinLnBrk="0" hangingPunct="1">
+        <a:spcBef>
+          <a:spcPct val="20000"/>
+        </a:spcBef>
+        <a:spcAft>
+          <a:spcPts val="450"/>
+        </a:spcAft>
+        <a:buClr>
+          <a:schemeClr val="accent1"/>
+        </a:buClr>
+        <a:buSzPct val="115000"/>
+        <a:buFont typeface="Arial"/>
+        <a:buChar char="•"/>
+        <a:defRPr sz="1200" kern="1200" cap="none">
+          <a:solidFill>
+            <a:schemeClr val="tx1">
+              <a:lumMod val="85000"/>
+              <a:lumOff val="15000"/>
+            </a:schemeClr>
+          </a:solidFill>
+          <a:effectLst/>
+          <a:latin typeface="+mn-lt"/>
+          <a:ea typeface="+mn-ea"/>
+          <a:cs typeface="+mn-cs"/>
+        </a:defRPr>
+      </a:lvl4pPr>
+      <a:lvl5pPr marL="1500188" indent="-128588" algn="l" defTabSz="342900" rtl="0" eaLnBrk="1" latinLnBrk="0" hangingPunct="1">
+        <a:spcBef>
+          <a:spcPct val="20000"/>
+        </a:spcBef>
+        <a:spcAft>
+          <a:spcPts val="450"/>
+        </a:spcAft>
+        <a:buClr>
+          <a:schemeClr val="accent1"/>
+        </a:buClr>
+        <a:buSzPct val="115000"/>
+        <a:buFont typeface="Arial"/>
+        <a:buChar char="•"/>
+        <a:defRPr sz="1050" kern="1200" cap="none">
+          <a:solidFill>
+            <a:schemeClr val="tx1">
+              <a:lumMod val="85000"/>
+              <a:lumOff val="15000"/>
+            </a:schemeClr>
+          </a:solidFill>
+          <a:effectLst/>
+          <a:latin typeface="+mn-lt"/>
+          <a:ea typeface="+mn-ea"/>
+          <a:cs typeface="+mn-cs"/>
+        </a:defRPr>
+      </a:lvl5pPr>
+      <a:lvl6pPr marL="1885950" indent="-171450" algn="l" defTabSz="342900" rtl="0" eaLnBrk="1" latinLnBrk="0" hangingPunct="1">
+        <a:spcBef>
+          <a:spcPct val="20000"/>
+        </a:spcBef>
+        <a:spcAft>
+          <a:spcPts val="450"/>
+        </a:spcAft>
+        <a:buClr>
+          <a:schemeClr val="accent1"/>
+        </a:buClr>
+        <a:buSzPct val="115000"/>
+        <a:buFont typeface="Arial"/>
+        <a:buChar char="•"/>
+        <a:defRPr sz="1050" kern="1200" cap="none">
+          <a:solidFill>
+            <a:schemeClr val="tx1">
+              <a:lumMod val="85000"/>
+              <a:lumOff val="15000"/>
+            </a:schemeClr>
+          </a:solidFill>
+          <a:effectLst/>
+          <a:latin typeface="+mn-lt"/>
+          <a:ea typeface="+mn-ea"/>
+          <a:cs typeface="+mn-cs"/>
+        </a:defRPr>
+      </a:lvl6pPr>
+      <a:lvl7pPr marL="2228850" indent="-171450" algn="l" defTabSz="342900" rtl="0" eaLnBrk="1" latinLnBrk="0" hangingPunct="1">
+        <a:spcBef>
+          <a:spcPct val="20000"/>
+        </a:spcBef>
+        <a:spcAft>
+          <a:spcPts val="450"/>
+        </a:spcAft>
+        <a:buClr>
+          <a:schemeClr val="accent1"/>
+        </a:buClr>
+        <a:buSzPct val="115000"/>
+        <a:buFont typeface="Arial"/>
+        <a:buChar char="•"/>
+        <a:defRPr sz="1050" kern="1200" cap="none">
+          <a:solidFill>
+            <a:schemeClr val="tx1">
+              <a:lumMod val="85000"/>
+              <a:lumOff val="15000"/>
+            </a:schemeClr>
+          </a:solidFill>
+          <a:effectLst/>
+          <a:latin typeface="+mn-lt"/>
+          <a:ea typeface="+mn-ea"/>
+          <a:cs typeface="+mn-cs"/>
+        </a:defRPr>
+      </a:lvl7pPr>
+      <a:lvl8pPr marL="2571750" indent="-171450" algn="l" defTabSz="342900" rtl="0" eaLnBrk="1" latinLnBrk="0" hangingPunct="1">
+        <a:spcBef>
+          <a:spcPct val="20000"/>
+        </a:spcBef>
+        <a:spcAft>
+          <a:spcPts val="450"/>
+        </a:spcAft>
+        <a:buClr>
+          <a:schemeClr val="accent1"/>
+        </a:buClr>
+        <a:buSzPct val="115000"/>
+        <a:buFont typeface="Arial"/>
+        <a:buChar char="•"/>
+        <a:defRPr sz="1050" kern="1200" cap="none">
+          <a:solidFill>
+            <a:schemeClr val="tx1">
+              <a:lumMod val="85000"/>
+              <a:lumOff val="15000"/>
+            </a:schemeClr>
+          </a:solidFill>
+          <a:effectLst/>
+          <a:latin typeface="+mn-lt"/>
+          <a:ea typeface="+mn-ea"/>
+          <a:cs typeface="+mn-cs"/>
+        </a:defRPr>
+      </a:lvl8pPr>
+      <a:lvl9pPr marL="2914650" indent="-171450" algn="l" defTabSz="342900" rtl="0" eaLnBrk="1" latinLnBrk="0" hangingPunct="1">
+        <a:spcBef>
+          <a:spcPct val="20000"/>
+        </a:spcBef>
+        <a:spcAft>
+          <a:spcPts val="450"/>
+        </a:spcAft>
+        <a:buClr>
+          <a:schemeClr val="accent1"/>
+        </a:buClr>
+        <a:buSzPct val="115000"/>
+        <a:buFont typeface="Arial"/>
+        <a:buChar char="•"/>
+        <a:defRPr sz="1050" kern="1200" cap="none">
+          <a:solidFill>
+            <a:schemeClr val="tx1">
+              <a:lumMod val="85000"/>
+              <a:lumOff val="15000"/>
+            </a:schemeClr>
+          </a:solidFill>
+          <a:effectLst/>
+          <a:latin typeface="+mn-lt"/>
+          <a:ea typeface="+mn-ea"/>
+          <a:cs typeface="+mn-cs"/>
+        </a:defRPr>
+      </a:lvl9pPr>
+    </p:bodyStyle>
+    <p:otherStyle>
+      <a:defPPr>
+        <a:defRPr lang="en-US"/>
+      </a:defPPr>
+      <a:lvl1pPr marL="0" algn="l" defTabSz="342900" rtl="0" eaLnBrk="1" latinLnBrk="0" hangingPunct="1">
+        <a:defRPr sz="1350" kern="1200">
+          <a:solidFill>
+            <a:schemeClr val="tx1"/>
+          </a:solidFill>
+          <a:latin typeface="+mn-lt"/>
+          <a:ea typeface="+mn-ea"/>
+          <a:cs typeface="+mn-cs"/>
+        </a:defRPr>
+      </a:lvl1pPr>
+      <a:lvl2pPr marL="342900" algn="l" defTabSz="342900" rtl="0" eaLnBrk="1" latinLnBrk="0" hangingPunct="1">
+        <a:defRPr sz="1350" kern="1200">
+          <a:solidFill>
+            <a:schemeClr val="tx1"/>
+          </a:solidFill>
+          <a:latin typeface="+mn-lt"/>
+          <a:ea typeface="+mn-ea"/>
+          <a:cs typeface="+mn-cs"/>
+        </a:defRPr>
+      </a:lvl2pPr>
+      <a:lvl3pPr marL="685800" algn="l" defTabSz="342900" rtl="0" eaLnBrk="1" latinLnBrk="0" hangingPunct="1">
+        <a:defRPr sz="1350" kern="1200">
+          <a:solidFill>
+            <a:schemeClr val="tx1"/>
+          </a:solidFill>
+          <a:latin typeface="+mn-lt"/>
+          <a:ea typeface="+mn-ea"/>
+          <a:cs typeface="+mn-cs"/>
+        </a:defRPr>
+      </a:lvl3pPr>
+      <a:lvl4pPr marL="1028700" algn="l" defTabSz="342900" rtl="0" eaLnBrk="1" latinLnBrk="0" hangingPunct="1">
+        <a:defRPr sz="1350" kern="1200">
+          <a:solidFill>
+            <a:schemeClr val="tx1"/>
+          </a:solidFill>
+          <a:latin typeface="+mn-lt"/>
+          <a:ea typeface="+mn-ea"/>
+          <a:cs typeface="+mn-cs"/>
+        </a:defRPr>
+      </a:lvl4pPr>
+      <a:lvl5pPr marL="1371600" algn="l" defTabSz="342900" rtl="0" eaLnBrk="1" latinLnBrk="0" hangingPunct="1">
+        <a:defRPr sz="1350" kern="1200">
+          <a:solidFill>
+            <a:schemeClr val="tx1"/>
+          </a:solidFill>
+          <a:latin typeface="+mn-lt"/>
+          <a:ea typeface="+mn-ea"/>
+          <a:cs typeface="+mn-cs"/>
+        </a:defRPr>
+      </a:lvl5pPr>
+      <a:lvl6pPr marL="1714500" algn="l" defTabSz="342900" rtl="0" eaLnBrk="1" latinLnBrk="0" hangingPunct="1">
+        <a:defRPr sz="1350" kern="1200">
+          <a:solidFill>
+            <a:schemeClr val="tx1"/>
+          </a:solidFill>
+          <a:latin typeface="+mn-lt"/>
+          <a:ea typeface="+mn-ea"/>
+          <a:cs typeface="+mn-cs"/>
+        </a:defRPr>
+      </a:lvl6pPr>
+      <a:lvl7pPr marL="2057400" algn="l" defTabSz="342900" rtl="0" eaLnBrk="1" latinLnBrk="0" hangingPunct="1">
+        <a:defRPr sz="1350" kern="1200">
+          <a:solidFill>
+            <a:schemeClr val="tx1"/>
+          </a:solidFill>
+          <a:latin typeface="+mn-lt"/>
+          <a:ea typeface="+mn-ea"/>
+          <a:cs typeface="+mn-cs"/>
+        </a:defRPr>
+      </a:lvl7pPr>
+      <a:lvl8pPr marL="2400300" algn="l" defTabSz="342900" rtl="0" eaLnBrk="1" latinLnBrk="0" hangingPunct="1">
+        <a:defRPr sz="1350" kern="1200">
+          <a:solidFill>
+            <a:schemeClr val="tx1"/>
+          </a:solidFill>
+          <a:latin typeface="+mn-lt"/>
+          <a:ea typeface="+mn-ea"/>
+          <a:cs typeface="+mn-cs"/>
+        </a:defRPr>
+      </a:lvl8pPr>
+      <a:lvl9pPr marL="2743200" algn="l" defTabSz="342900" rtl="0" eaLnBrk="1" latinLnBrk="0" hangingPunct="1">
         <a:defRPr sz="1350" kern="1200">
           <a:solidFill>
             <a:schemeClr val="tx1"/>
@@ -11782,6 +17530,618 @@
           <a:chExt cx="0" cy="0"/>
         </a:xfrm>
       </p:grpSpPr>
+      <p:sp>
+        <p:nvSpPr>
+          <p:cNvPr id="2" name="TextBox 1">
+            <a:extLst>
+              <a:ext uri="{FF2B5EF4-FFF2-40B4-BE49-F238E27FC236}">
+                <a16:creationId xmlns:a16="http://schemas.microsoft.com/office/drawing/2014/main" id="{BFE66A2C-90D6-8011-2A8E-58F49C6A109D}"/>
+              </a:ext>
+            </a:extLst>
+          </p:cNvPr>
+          <p:cNvSpPr txBox="1"/>
+          <p:nvPr/>
+        </p:nvSpPr>
+        <p:spPr>
+          <a:xfrm>
+            <a:off x="1678675" y="2676984"/>
+            <a:ext cx="3657596" cy="800219"/>
+          </a:xfrm>
+          <a:prstGeom prst="rect">
+            <a:avLst/>
+          </a:prstGeom>
+        </p:spPr>
+        <p:style>
+          <a:lnRef idx="3">
+            <a:schemeClr val="lt1"/>
+          </a:lnRef>
+          <a:fillRef idx="1">
+            <a:schemeClr val="accent5"/>
+          </a:fillRef>
+          <a:effectRef idx="1">
+            <a:schemeClr val="accent5"/>
+          </a:effectRef>
+          <a:fontRef idx="minor">
+            <a:schemeClr val="lt1"/>
+          </a:fontRef>
+        </p:style>
+        <p:txBody>
+          <a:bodyPr wrap="square" rtlCol="0">
+            <a:spAutoFit/>
+          </a:bodyPr>
+          <a:lstStyle/>
+          <a:p>
+            <a:pPr algn="ctr"/>
+            <a:r>
+              <a:rPr lang="en-US" sz="2800" dirty="0"/>
+              <a:t>Applied GenAI</a:t>
+            </a:r>
+          </a:p>
+          <a:p>
+            <a:pPr algn="ctr"/>
+            <a:r>
+              <a:rPr lang="en-US" dirty="0"/>
+              <a:t>- Horizontal -</a:t>
+            </a:r>
+          </a:p>
+        </p:txBody>
+      </p:sp>
+      <p:sp>
+        <p:nvSpPr>
+          <p:cNvPr id="4" name="Rectangle: Rounded Corners 3">
+            <a:extLst>
+              <a:ext uri="{FF2B5EF4-FFF2-40B4-BE49-F238E27FC236}">
+                <a16:creationId xmlns:a16="http://schemas.microsoft.com/office/drawing/2014/main" id="{44A5E277-04C7-823B-6F02-11F8DC6B0DCD}"/>
+              </a:ext>
+            </a:extLst>
+          </p:cNvPr>
+          <p:cNvSpPr/>
+          <p:nvPr/>
+        </p:nvSpPr>
+        <p:spPr>
+          <a:xfrm>
+            <a:off x="1678674" y="4926002"/>
+            <a:ext cx="791571" cy="600501"/>
+          </a:xfrm>
+          <a:prstGeom prst="roundRect">
+            <a:avLst/>
+          </a:prstGeom>
+        </p:spPr>
+        <p:style>
+          <a:lnRef idx="2">
+            <a:schemeClr val="accent1">
+              <a:shade val="15000"/>
+            </a:schemeClr>
+          </a:lnRef>
+          <a:fillRef idx="1">
+            <a:schemeClr val="accent1"/>
+          </a:fillRef>
+          <a:effectRef idx="0">
+            <a:schemeClr val="accent1"/>
+          </a:effectRef>
+          <a:fontRef idx="minor">
+            <a:schemeClr val="lt1"/>
+          </a:fontRef>
+        </p:style>
+        <p:txBody>
+          <a:bodyPr rtlCol="0" anchor="ctr"/>
+          <a:lstStyle/>
+          <a:p>
+            <a:pPr algn="ctr"/>
+            <a:r>
+              <a:rPr lang="en-US" sz="1400" dirty="0"/>
+              <a:t>MCP Server</a:t>
+            </a:r>
+          </a:p>
+        </p:txBody>
+      </p:sp>
+      <p:sp>
+        <p:nvSpPr>
+          <p:cNvPr id="5" name="Rectangle: Rounded Corners 4">
+            <a:extLst>
+              <a:ext uri="{FF2B5EF4-FFF2-40B4-BE49-F238E27FC236}">
+                <a16:creationId xmlns:a16="http://schemas.microsoft.com/office/drawing/2014/main" id="{20D55D48-5FBB-6E84-61E3-14E81668C888}"/>
+              </a:ext>
+            </a:extLst>
+          </p:cNvPr>
+          <p:cNvSpPr/>
+          <p:nvPr/>
+        </p:nvSpPr>
+        <p:spPr>
+          <a:xfrm>
+            <a:off x="2634016" y="4912354"/>
+            <a:ext cx="791571" cy="600501"/>
+          </a:xfrm>
+          <a:prstGeom prst="roundRect">
+            <a:avLst/>
+          </a:prstGeom>
+        </p:spPr>
+        <p:style>
+          <a:lnRef idx="2">
+            <a:schemeClr val="accent1">
+              <a:shade val="15000"/>
+            </a:schemeClr>
+          </a:lnRef>
+          <a:fillRef idx="1">
+            <a:schemeClr val="accent1"/>
+          </a:fillRef>
+          <a:effectRef idx="0">
+            <a:schemeClr val="accent1"/>
+          </a:effectRef>
+          <a:fontRef idx="minor">
+            <a:schemeClr val="lt1"/>
+          </a:fontRef>
+        </p:style>
+        <p:txBody>
+          <a:bodyPr rtlCol="0" anchor="ctr"/>
+          <a:lstStyle/>
+          <a:p>
+            <a:pPr algn="ctr"/>
+            <a:r>
+              <a:rPr lang="en-US" sz="1400" dirty="0"/>
+              <a:t>MCP Server</a:t>
+            </a:r>
+          </a:p>
+        </p:txBody>
+      </p:sp>
+      <p:sp>
+        <p:nvSpPr>
+          <p:cNvPr id="6" name="Rectangle: Rounded Corners 5">
+            <a:extLst>
+              <a:ext uri="{FF2B5EF4-FFF2-40B4-BE49-F238E27FC236}">
+                <a16:creationId xmlns:a16="http://schemas.microsoft.com/office/drawing/2014/main" id="{40709CA9-F3C7-9CCB-B1C1-F287FDBA6901}"/>
+              </a:ext>
+            </a:extLst>
+          </p:cNvPr>
+          <p:cNvSpPr/>
+          <p:nvPr/>
+        </p:nvSpPr>
+        <p:spPr>
+          <a:xfrm>
+            <a:off x="3589358" y="4912353"/>
+            <a:ext cx="791571" cy="600501"/>
+          </a:xfrm>
+          <a:prstGeom prst="roundRect">
+            <a:avLst/>
+          </a:prstGeom>
+        </p:spPr>
+        <p:style>
+          <a:lnRef idx="2">
+            <a:schemeClr val="accent1">
+              <a:shade val="15000"/>
+            </a:schemeClr>
+          </a:lnRef>
+          <a:fillRef idx="1">
+            <a:schemeClr val="accent1"/>
+          </a:fillRef>
+          <a:effectRef idx="0">
+            <a:schemeClr val="accent1"/>
+          </a:effectRef>
+          <a:fontRef idx="minor">
+            <a:schemeClr val="lt1"/>
+          </a:fontRef>
+        </p:style>
+        <p:txBody>
+          <a:bodyPr rtlCol="0" anchor="ctr"/>
+          <a:lstStyle/>
+          <a:p>
+            <a:pPr algn="ctr"/>
+            <a:r>
+              <a:rPr lang="en-US" sz="1400" dirty="0"/>
+              <a:t>MCP Server</a:t>
+            </a:r>
+          </a:p>
+        </p:txBody>
+      </p:sp>
+      <p:sp>
+        <p:nvSpPr>
+          <p:cNvPr id="7" name="Rectangle: Rounded Corners 6">
+            <a:extLst>
+              <a:ext uri="{FF2B5EF4-FFF2-40B4-BE49-F238E27FC236}">
+                <a16:creationId xmlns:a16="http://schemas.microsoft.com/office/drawing/2014/main" id="{F20D6BD3-8B72-A605-71A2-7A03A37FE2BD}"/>
+              </a:ext>
+            </a:extLst>
+          </p:cNvPr>
+          <p:cNvSpPr/>
+          <p:nvPr/>
+        </p:nvSpPr>
+        <p:spPr>
+          <a:xfrm>
+            <a:off x="4544700" y="4912353"/>
+            <a:ext cx="791571" cy="600501"/>
+          </a:xfrm>
+          <a:prstGeom prst="roundRect">
+            <a:avLst/>
+          </a:prstGeom>
+        </p:spPr>
+        <p:style>
+          <a:lnRef idx="2">
+            <a:schemeClr val="accent1">
+              <a:shade val="15000"/>
+            </a:schemeClr>
+          </a:lnRef>
+          <a:fillRef idx="1">
+            <a:schemeClr val="accent1"/>
+          </a:fillRef>
+          <a:effectRef idx="0">
+            <a:schemeClr val="accent1"/>
+          </a:effectRef>
+          <a:fontRef idx="minor">
+            <a:schemeClr val="lt1"/>
+          </a:fontRef>
+        </p:style>
+        <p:txBody>
+          <a:bodyPr rtlCol="0" anchor="ctr"/>
+          <a:lstStyle/>
+          <a:p>
+            <a:pPr algn="ctr"/>
+            <a:r>
+              <a:rPr lang="en-US" sz="1400" dirty="0"/>
+              <a:t>MCP Server</a:t>
+            </a:r>
+          </a:p>
+        </p:txBody>
+      </p:sp>
+      <p:sp>
+        <p:nvSpPr>
+          <p:cNvPr id="8" name="TextBox 7">
+            <a:extLst>
+              <a:ext uri="{FF2B5EF4-FFF2-40B4-BE49-F238E27FC236}">
+                <a16:creationId xmlns:a16="http://schemas.microsoft.com/office/drawing/2014/main" id="{20CF6740-0BDD-2F22-F652-DDD63F54BF36}"/>
+              </a:ext>
+            </a:extLst>
+          </p:cNvPr>
+          <p:cNvSpPr txBox="1"/>
+          <p:nvPr/>
+        </p:nvSpPr>
+        <p:spPr>
+          <a:xfrm>
+            <a:off x="1856096" y="5947898"/>
+            <a:ext cx="3480175" cy="646331"/>
+          </a:xfrm>
+          <a:prstGeom prst="rect">
+            <a:avLst/>
+          </a:prstGeom>
+        </p:spPr>
+        <p:style>
+          <a:lnRef idx="3">
+            <a:schemeClr val="lt1"/>
+          </a:lnRef>
+          <a:fillRef idx="1">
+            <a:schemeClr val="accent4"/>
+          </a:fillRef>
+          <a:effectRef idx="1">
+            <a:schemeClr val="accent4"/>
+          </a:effectRef>
+          <a:fontRef idx="minor">
+            <a:schemeClr val="lt1"/>
+          </a:fontRef>
+        </p:style>
+        <p:txBody>
+          <a:bodyPr wrap="square" rtlCol="0">
+            <a:spAutoFit/>
+          </a:bodyPr>
+          <a:lstStyle/>
+          <a:p>
+            <a:pPr algn="ctr"/>
+            <a:r>
+              <a:rPr lang="en-US" sz="3600" dirty="0"/>
+              <a:t>Enterprise</a:t>
+            </a:r>
+          </a:p>
+        </p:txBody>
+      </p:sp>
+      <p:sp>
+        <p:nvSpPr>
+          <p:cNvPr id="9" name="Rectangle: Rounded Corners 8">
+            <a:extLst>
+              <a:ext uri="{FF2B5EF4-FFF2-40B4-BE49-F238E27FC236}">
+                <a16:creationId xmlns:a16="http://schemas.microsoft.com/office/drawing/2014/main" id="{FEAE4ADB-FFDF-DC3E-1D59-0FABF59876BC}"/>
+              </a:ext>
+            </a:extLst>
+          </p:cNvPr>
+          <p:cNvSpPr/>
+          <p:nvPr/>
+        </p:nvSpPr>
+        <p:spPr>
+          <a:xfrm>
+            <a:off x="1678674" y="3635531"/>
+            <a:ext cx="1064526" cy="600501"/>
+          </a:xfrm>
+          <a:prstGeom prst="roundRect">
+            <a:avLst/>
+          </a:prstGeom>
+        </p:spPr>
+        <p:style>
+          <a:lnRef idx="2">
+            <a:schemeClr val="accent1">
+              <a:shade val="15000"/>
+            </a:schemeClr>
+          </a:lnRef>
+          <a:fillRef idx="1">
+            <a:schemeClr val="accent1"/>
+          </a:fillRef>
+          <a:effectRef idx="0">
+            <a:schemeClr val="accent1"/>
+          </a:effectRef>
+          <a:fontRef idx="minor">
+            <a:schemeClr val="lt1"/>
+          </a:fontRef>
+        </p:style>
+        <p:txBody>
+          <a:bodyPr rtlCol="0" anchor="ctr"/>
+          <a:lstStyle/>
+          <a:p>
+            <a:pPr algn="ctr"/>
+            <a:r>
+              <a:rPr lang="en-US" sz="1400" dirty="0"/>
+              <a:t>Agentic Chat</a:t>
+            </a:r>
+          </a:p>
+        </p:txBody>
+      </p:sp>
+      <p:sp>
+        <p:nvSpPr>
+          <p:cNvPr id="10" name="Rectangle: Rounded Corners 9">
+            <a:extLst>
+              <a:ext uri="{FF2B5EF4-FFF2-40B4-BE49-F238E27FC236}">
+                <a16:creationId xmlns:a16="http://schemas.microsoft.com/office/drawing/2014/main" id="{2EC78828-18D8-F358-AD39-614011EDDB3D}"/>
+              </a:ext>
+            </a:extLst>
+          </p:cNvPr>
+          <p:cNvSpPr/>
+          <p:nvPr/>
+        </p:nvSpPr>
+        <p:spPr>
+          <a:xfrm>
+            <a:off x="3029800" y="3635529"/>
+            <a:ext cx="791571" cy="600501"/>
+          </a:xfrm>
+          <a:prstGeom prst="roundRect">
+            <a:avLst/>
+          </a:prstGeom>
+        </p:spPr>
+        <p:style>
+          <a:lnRef idx="2">
+            <a:schemeClr val="accent1">
+              <a:shade val="15000"/>
+            </a:schemeClr>
+          </a:lnRef>
+          <a:fillRef idx="1">
+            <a:schemeClr val="accent1"/>
+          </a:fillRef>
+          <a:effectRef idx="0">
+            <a:schemeClr val="accent1"/>
+          </a:effectRef>
+          <a:fontRef idx="minor">
+            <a:schemeClr val="lt1"/>
+          </a:fontRef>
+        </p:style>
+        <p:txBody>
+          <a:bodyPr rtlCol="0" anchor="ctr"/>
+          <a:lstStyle/>
+          <a:p>
+            <a:pPr algn="ctr"/>
+            <a:r>
+              <a:rPr lang="en-US" sz="1400" dirty="0"/>
+              <a:t>Slack/Teams</a:t>
+            </a:r>
+          </a:p>
+        </p:txBody>
+      </p:sp>
+      <p:sp>
+        <p:nvSpPr>
+          <p:cNvPr id="11" name="Rectangle: Rounded Corners 10">
+            <a:extLst>
+              <a:ext uri="{FF2B5EF4-FFF2-40B4-BE49-F238E27FC236}">
+                <a16:creationId xmlns:a16="http://schemas.microsoft.com/office/drawing/2014/main" id="{8BC57974-DAE5-1D48-F6B7-2579475EAB66}"/>
+              </a:ext>
+            </a:extLst>
+          </p:cNvPr>
+          <p:cNvSpPr/>
+          <p:nvPr/>
+        </p:nvSpPr>
+        <p:spPr>
+          <a:xfrm>
+            <a:off x="3985143" y="3635530"/>
+            <a:ext cx="1351128" cy="600501"/>
+          </a:xfrm>
+          <a:prstGeom prst="roundRect">
+            <a:avLst/>
+          </a:prstGeom>
+        </p:spPr>
+        <p:style>
+          <a:lnRef idx="2">
+            <a:schemeClr val="accent1">
+              <a:shade val="15000"/>
+            </a:schemeClr>
+          </a:lnRef>
+          <a:fillRef idx="1">
+            <a:schemeClr val="accent1"/>
+          </a:fillRef>
+          <a:effectRef idx="0">
+            <a:schemeClr val="accent1"/>
+          </a:effectRef>
+          <a:fontRef idx="minor">
+            <a:schemeClr val="lt1"/>
+          </a:fontRef>
+        </p:style>
+        <p:txBody>
+          <a:bodyPr rtlCol="0" anchor="ctr"/>
+          <a:lstStyle/>
+          <a:p>
+            <a:pPr algn="ctr"/>
+            <a:r>
+              <a:rPr lang="en-US" sz="1400" dirty="0"/>
+              <a:t>CoPilot/Cursor</a:t>
+            </a:r>
+          </a:p>
+        </p:txBody>
+      </p:sp>
+      <p:sp>
+        <p:nvSpPr>
+          <p:cNvPr id="14" name="TextBox 13">
+            <a:extLst>
+              <a:ext uri="{FF2B5EF4-FFF2-40B4-BE49-F238E27FC236}">
+                <a16:creationId xmlns:a16="http://schemas.microsoft.com/office/drawing/2014/main" id="{CE2FD84C-F10B-0B71-4DF6-D67D65006F6A}"/>
+              </a:ext>
+            </a:extLst>
+          </p:cNvPr>
+          <p:cNvSpPr txBox="1"/>
+          <p:nvPr/>
+        </p:nvSpPr>
+        <p:spPr>
+          <a:xfrm>
+            <a:off x="1678675" y="1215268"/>
+            <a:ext cx="3657596" cy="523220"/>
+          </a:xfrm>
+          <a:prstGeom prst="rect">
+            <a:avLst/>
+          </a:prstGeom>
+          <a:noFill/>
+          <a:ln>
+            <a:noFill/>
+          </a:ln>
+        </p:spPr>
+        <p:style>
+          <a:lnRef idx="3">
+            <a:schemeClr val="lt1"/>
+          </a:lnRef>
+          <a:fillRef idx="1">
+            <a:schemeClr val="accent5"/>
+          </a:fillRef>
+          <a:effectRef idx="1">
+            <a:schemeClr val="accent5"/>
+          </a:effectRef>
+          <a:fontRef idx="minor">
+            <a:schemeClr val="lt1"/>
+          </a:fontRef>
+        </p:style>
+        <p:txBody>
+          <a:bodyPr wrap="square" rtlCol="0">
+            <a:spAutoFit/>
+          </a:bodyPr>
+          <a:lstStyle/>
+          <a:p>
+            <a:pPr algn="ctr"/>
+            <a:r>
+              <a:rPr lang="en-US" sz="2800" b="1" dirty="0">
+                <a:solidFill>
+                  <a:srgbClr val="FF0000"/>
+                </a:solidFill>
+              </a:rPr>
+              <a:t>Reimagine!</a:t>
+            </a:r>
+            <a:endParaRPr lang="en-US" b="1" dirty="0">
+              <a:solidFill>
+                <a:srgbClr val="FF0000"/>
+              </a:solidFill>
+            </a:endParaRPr>
+          </a:p>
+        </p:txBody>
+      </p:sp>
+    </p:spTree>
+    <p:extLst>
+      <p:ext uri="{BB962C8B-B14F-4D97-AF65-F5344CB8AC3E}">
+        <p14:creationId xmlns:p14="http://schemas.microsoft.com/office/powerpoint/2010/main" val="1405593503"/>
+      </p:ext>
+    </p:extLst>
+  </p:cSld>
+  <p:clrMapOvr>
+    <a:masterClrMapping/>
+  </p:clrMapOvr>
+</p:sld>
+</file>
+
+<file path=ppt/slides/slide16.xml><?xml version="1.0" encoding="utf-8"?>
+<p:sld xmlns:a="http://schemas.openxmlformats.org/drawingml/2006/main" xmlns:r="http://schemas.openxmlformats.org/officeDocument/2006/relationships" xmlns:p="http://schemas.openxmlformats.org/presentationml/2006/main">
+  <p:cSld>
+    <p:spTree>
+      <p:nvGrpSpPr>
+        <p:cNvPr id="1" name="">
+          <a:extLst>
+            <a:ext uri="{FF2B5EF4-FFF2-40B4-BE49-F238E27FC236}">
+              <a16:creationId xmlns:a16="http://schemas.microsoft.com/office/drawing/2014/main" id="{8FCDAC28-FA91-ADAB-20DA-CFCEE63067F4}"/>
+            </a:ext>
+          </a:extLst>
+        </p:cNvPr>
+        <p:cNvGrpSpPr/>
+        <p:nvPr/>
+      </p:nvGrpSpPr>
+      <p:grpSpPr>
+        <a:xfrm>
+          <a:off x="0" y="0"/>
+          <a:ext cx="0" cy="0"/>
+          <a:chOff x="0" y="0"/>
+          <a:chExt cx="0" cy="0"/>
+        </a:xfrm>
+      </p:grpSpPr>
+      <p:pic>
+        <p:nvPicPr>
+          <p:cNvPr id="3" name="Picture 2">
+            <a:extLst>
+              <a:ext uri="{FF2B5EF4-FFF2-40B4-BE49-F238E27FC236}">
+                <a16:creationId xmlns:a16="http://schemas.microsoft.com/office/drawing/2014/main" id="{D7629D3E-F14B-AA3F-6048-2C6B7F5FE39C}"/>
+              </a:ext>
+            </a:extLst>
+          </p:cNvPr>
+          <p:cNvPicPr>
+            <a:picLocks noChangeAspect="1"/>
+          </p:cNvPicPr>
+          <p:nvPr/>
+        </p:nvPicPr>
+        <p:blipFill>
+          <a:blip r:embed="rId2"/>
+          <a:stretch>
+            <a:fillRect/>
+          </a:stretch>
+        </p:blipFill>
+        <p:spPr>
+          <a:xfrm>
+            <a:off x="1480865" y="2352365"/>
+            <a:ext cx="3896269" cy="4439270"/>
+          </a:xfrm>
+          <a:prstGeom prst="rect">
+            <a:avLst/>
+          </a:prstGeom>
+        </p:spPr>
+      </p:pic>
+    </p:spTree>
+    <p:extLst>
+      <p:ext uri="{BB962C8B-B14F-4D97-AF65-F5344CB8AC3E}">
+        <p14:creationId xmlns:p14="http://schemas.microsoft.com/office/powerpoint/2010/main" val="898434166"/>
+      </p:ext>
+    </p:extLst>
+  </p:cSld>
+  <p:clrMapOvr>
+    <a:masterClrMapping/>
+  </p:clrMapOvr>
+</p:sld>
+</file>
+
+<file path=ppt/slides/slide17.xml><?xml version="1.0" encoding="utf-8"?>
+<p:sld xmlns:a="http://schemas.openxmlformats.org/drawingml/2006/main" xmlns:r="http://schemas.openxmlformats.org/officeDocument/2006/relationships" xmlns:p="http://schemas.openxmlformats.org/presentationml/2006/main">
+  <p:cSld>
+    <p:spTree>
+      <p:nvGrpSpPr>
+        <p:cNvPr id="1" name="">
+          <a:extLst>
+            <a:ext uri="{FF2B5EF4-FFF2-40B4-BE49-F238E27FC236}">
+              <a16:creationId xmlns:a16="http://schemas.microsoft.com/office/drawing/2014/main" id="{8FCDAC28-FA91-ADAB-20DA-CFCEE63067F4}"/>
+            </a:ext>
+          </a:extLst>
+        </p:cNvPr>
+        <p:cNvGrpSpPr/>
+        <p:nvPr/>
+      </p:nvGrpSpPr>
+      <p:grpSpPr>
+        <a:xfrm>
+          <a:off x="0" y="0"/>
+          <a:ext cx="0" cy="0"/>
+          <a:chOff x="0" y="0"/>
+          <a:chExt cx="0" cy="0"/>
+        </a:xfrm>
+      </p:grpSpPr>
       <p:pic>
         <p:nvPicPr>
           <p:cNvPr id="6" name="Picture 5">
@@ -22440,6 +28800,239 @@
 </a:theme>
 </file>
 
+<file path=ppt/theme/theme2.xml><?xml version="1.0" encoding="utf-8"?>
+<a:theme xmlns:a="http://schemas.openxmlformats.org/drawingml/2006/main" name="Organic">
+  <a:themeElements>
+    <a:clrScheme name="Organic">
+      <a:dk1>
+        <a:sysClr val="windowText" lastClr="000000"/>
+      </a:dk1>
+      <a:lt1>
+        <a:sysClr val="window" lastClr="FFFFFF"/>
+      </a:lt1>
+      <a:dk2>
+        <a:srgbClr val="212121"/>
+      </a:dk2>
+      <a:lt2>
+        <a:srgbClr val="DADADA"/>
+      </a:lt2>
+      <a:accent1>
+        <a:srgbClr val="83992A"/>
+      </a:accent1>
+      <a:accent2>
+        <a:srgbClr val="3C9770"/>
+      </a:accent2>
+      <a:accent3>
+        <a:srgbClr val="44709D"/>
+      </a:accent3>
+      <a:accent4>
+        <a:srgbClr val="A23C33"/>
+      </a:accent4>
+      <a:accent5>
+        <a:srgbClr val="D97828"/>
+      </a:accent5>
+      <a:accent6>
+        <a:srgbClr val="DEB340"/>
+      </a:accent6>
+      <a:hlink>
+        <a:srgbClr val="A8BF4D"/>
+      </a:hlink>
+      <a:folHlink>
+        <a:srgbClr val="B4CA80"/>
+      </a:folHlink>
+    </a:clrScheme>
+    <a:fontScheme name="Organic">
+      <a:majorFont>
+        <a:latin typeface="Garamond" panose="02020404030301010803"/>
+        <a:ea typeface=""/>
+        <a:cs typeface=""/>
+        <a:font script="Jpan" typeface="ＭＳ Ｐゴシック"/>
+        <a:font script="Hang" typeface="돋움"/>
+        <a:font script="Hans" typeface="方正舒体"/>
+        <a:font script="Hant" typeface="微軟正黑體"/>
+        <a:font script="Arab" typeface="Arial"/>
+        <a:font script="Hebr" typeface="Arial"/>
+        <a:font script="Thai" typeface="Cordia New"/>
+        <a:font script="Ethi" typeface="Nyala"/>
+        <a:font script="Beng" typeface="Vrinda"/>
+        <a:font script="Gujr" typeface="Shruti"/>
+        <a:font script="Khmr" typeface="DaunPenh"/>
+        <a:font script="Knda" typeface="Tunga"/>
+        <a:font script="Guru" typeface="Raavi"/>
+        <a:font script="Cans" typeface="Euphemia"/>
+        <a:font script="Cher" typeface="Plantagenet Cherokee"/>
+        <a:font script="Yiii" typeface="Microsoft Yi Baiti"/>
+        <a:font script="Tibt" typeface="Microsoft Himalaya"/>
+        <a:font script="Thaa" typeface="MV Boli"/>
+        <a:font script="Deva" typeface="Mangal"/>
+        <a:font script="Telu" typeface="Gautami"/>
+        <a:font script="Taml" typeface="Latha"/>
+        <a:font script="Syrc" typeface="Estrangelo Edessa"/>
+        <a:font script="Orya" typeface="Kalinga"/>
+        <a:font script="Mlym" typeface="Kartika"/>
+        <a:font script="Laoo" typeface="DokChampa"/>
+        <a:font script="Sinh" typeface="Iskoola Pota"/>
+        <a:font script="Mong" typeface="Mongolian Baiti"/>
+        <a:font script="Viet" typeface="Arial"/>
+        <a:font script="Uigh" typeface="Microsoft Uighur"/>
+        <a:font script="Geor" typeface="Sylfaen"/>
+      </a:majorFont>
+      <a:minorFont>
+        <a:latin typeface="Garamond" panose="02020404030301010803"/>
+        <a:ea typeface=""/>
+        <a:cs typeface=""/>
+        <a:font script="Jpan" typeface="ＭＳ Ｐ明朝"/>
+        <a:font script="Hang" typeface="바탕"/>
+        <a:font script="Hans" typeface="方正舒体"/>
+        <a:font script="Hant" typeface="新細明體"/>
+        <a:font script="Arab" typeface="Times New Roman"/>
+        <a:font script="Hebr" typeface="Times New Roman"/>
+        <a:font script="Thai" typeface="Angsana New"/>
+        <a:font script="Ethi" typeface="Nyala"/>
+        <a:font script="Beng" typeface="Vrinda"/>
+        <a:font script="Gujr" typeface="Shruti"/>
+        <a:font script="Khmr" typeface="MoolBoran"/>
+        <a:font script="Knda" typeface="Tunga"/>
+        <a:font script="Guru" typeface="Raavi"/>
+        <a:font script="Cans" typeface="Euphemia"/>
+        <a:font script="Cher" typeface="Plantagenet Cherokee"/>
+        <a:font script="Yiii" typeface="Microsoft Yi Baiti"/>
+        <a:font script="Tibt" typeface="Microsoft Himalaya"/>
+        <a:font script="Thaa" typeface="MV Boli"/>
+        <a:font script="Deva" typeface="Mangal"/>
+        <a:font script="Telu" typeface="Gautami"/>
+        <a:font script="Taml" typeface="Latha"/>
+        <a:font script="Syrc" typeface="Estrangelo Edessa"/>
+        <a:font script="Orya" typeface="Kalinga"/>
+        <a:font script="Mlym" typeface="Kartika"/>
+        <a:font script="Laoo" typeface="DokChampa"/>
+        <a:font script="Sinh" typeface="Iskoola Pota"/>
+        <a:font script="Mong" typeface="Mongolian Baiti"/>
+        <a:font script="Viet" typeface="Times New Roman"/>
+        <a:font script="Uigh" typeface="Microsoft Uighur"/>
+        <a:font script="Geor" typeface="Sylfaen"/>
+      </a:minorFont>
+    </a:fontScheme>
+    <a:fmtScheme name="Organic">
+      <a:fillStyleLst>
+        <a:solidFill>
+          <a:schemeClr val="phClr"/>
+        </a:solidFill>
+        <a:gradFill rotWithShape="1">
+          <a:gsLst>
+            <a:gs pos="0">
+              <a:schemeClr val="phClr">
+                <a:tint val="60000"/>
+                <a:lumMod val="110000"/>
+              </a:schemeClr>
+            </a:gs>
+            <a:gs pos="100000">
+              <a:schemeClr val="phClr">
+                <a:tint val="82000"/>
+              </a:schemeClr>
+            </a:gs>
+          </a:gsLst>
+          <a:lin ang="5400000" scaled="0"/>
+        </a:gradFill>
+        <a:blipFill rotWithShape="1">
+          <a:blip xmlns:r="http://schemas.openxmlformats.org/officeDocument/2006/relationships" r:embed="rId1">
+            <a:duotone>
+              <a:schemeClr val="phClr">
+                <a:shade val="74000"/>
+                <a:satMod val="130000"/>
+                <a:lumMod val="90000"/>
+              </a:schemeClr>
+              <a:schemeClr val="phClr">
+                <a:tint val="94000"/>
+                <a:satMod val="120000"/>
+                <a:lumMod val="104000"/>
+              </a:schemeClr>
+            </a:duotone>
+          </a:blip>
+          <a:tile tx="0" ty="0" sx="100000" sy="100000" flip="none" algn="tl"/>
+        </a:blipFill>
+      </a:fillStyleLst>
+      <a:lnStyleLst>
+        <a:ln w="9525" cap="rnd" cmpd="sng" algn="ctr">
+          <a:solidFill>
+            <a:schemeClr val="phClr"/>
+          </a:solidFill>
+          <a:prstDash val="solid"/>
+        </a:ln>
+        <a:ln w="15875" cap="rnd" cmpd="sng" algn="ctr">
+          <a:solidFill>
+            <a:schemeClr val="phClr"/>
+          </a:solidFill>
+          <a:prstDash val="solid"/>
+        </a:ln>
+        <a:ln w="25400" cap="rnd" cmpd="sng" algn="ctr">
+          <a:solidFill>
+            <a:schemeClr val="phClr"/>
+          </a:solidFill>
+          <a:prstDash val="solid"/>
+        </a:ln>
+      </a:lnStyleLst>
+      <a:effectStyleLst>
+        <a:effectStyle>
+          <a:effectLst/>
+        </a:effectStyle>
+        <a:effectStyle>
+          <a:effectLst>
+            <a:innerShdw blurRad="25400" dist="12700" dir="13500000">
+              <a:srgbClr val="000000">
+                <a:alpha val="45000"/>
+              </a:srgbClr>
+            </a:innerShdw>
+          </a:effectLst>
+        </a:effectStyle>
+        <a:effectStyle>
+          <a:effectLst>
+            <a:outerShdw blurRad="38100" dist="25400" dir="5400000" rotWithShape="0">
+              <a:srgbClr val="000000">
+                <a:alpha val="60000"/>
+              </a:srgbClr>
+            </a:outerShdw>
+          </a:effectLst>
+        </a:effectStyle>
+      </a:effectStyleLst>
+      <a:bgFillStyleLst>
+        <a:solidFill>
+          <a:schemeClr val="phClr"/>
+        </a:solidFill>
+        <a:gradFill rotWithShape="1">
+          <a:gsLst>
+            <a:gs pos="0">
+              <a:schemeClr val="phClr">
+                <a:tint val="90000"/>
+                <a:lumMod val="110000"/>
+              </a:schemeClr>
+            </a:gs>
+            <a:gs pos="100000">
+              <a:schemeClr val="phClr">
+                <a:shade val="88000"/>
+                <a:lumMod val="98000"/>
+              </a:schemeClr>
+            </a:gs>
+          </a:gsLst>
+          <a:lin ang="5400000" scaled="0"/>
+        </a:gradFill>
+        <a:blipFill>
+          <a:blip xmlns:r="http://schemas.openxmlformats.org/officeDocument/2006/relationships" r:embed="rId2"/>
+          <a:stretch/>
+        </a:blipFill>
+      </a:bgFillStyleLst>
+    </a:fmtScheme>
+  </a:themeElements>
+  <a:objectDefaults/>
+  <a:extraClrSchemeLst/>
+  <a:extLst>
+    <a:ext uri="{05A4C25C-085E-4340-85A3-A5531E510DB2}">
+      <thm15:themeFamily xmlns:thm15="http://schemas.microsoft.com/office/thememl/2012/main" name="Organic" id="{28CDC826-8792-45C0-861B-85EB3ADEDA33}" vid="{7DAC20F1-423D-49E2-BD0B-50532748BAD0}"/>
+    </a:ext>
+  </a:extLst>
+</a:theme>
+</file>
+
 <file path=ppt/webextensions/taskpanes.xml><?xml version="1.0" encoding="utf-8"?>
 <wetp:taskpanes xmlns:wetp="http://schemas.microsoft.com/office/webextensions/taskpanes/2010/11">
   <wetp:taskpane dockstate="right" visibility="0" width="350" row="1">
